--- a/Documentation/Метод построения велосипедных маршрутов.pptx
+++ b/Documentation/Метод построения велосипедных маршрутов.pptx
@@ -1,9 +1,12 @@
 
 <file path=ppt/presentation.xml><?xml version="1.0" encoding="utf-8"?>
-<p:presentation xmlns:a="http://schemas.openxmlformats.org/drawingml/2006/main" xmlns:r="http://schemas.openxmlformats.org/officeDocument/2006/relationships" xmlns:p="http://schemas.openxmlformats.org/presentationml/2006/main" saveSubsetFonts="1">
+<p:presentation xmlns:a="http://schemas.openxmlformats.org/drawingml/2006/main" xmlns:r="http://schemas.openxmlformats.org/officeDocument/2006/relationships" xmlns:p="http://schemas.openxmlformats.org/presentationml/2006/main" showSpecialPlsOnTitleSld="0" saveSubsetFonts="1">
   <p:sldMasterIdLst>
     <p:sldMasterId id="2147483648" r:id="rId1"/>
   </p:sldMasterIdLst>
+  <p:notesMasterIdLst>
+    <p:notesMasterId r:id="rId13"/>
+  </p:notesMasterIdLst>
   <p:sldIdLst>
     <p:sldId id="256" r:id="rId2"/>
     <p:sldId id="257" r:id="rId3"/>
@@ -133,6 +136,440 @@
 </p:presentation>
 </file>
 
+<file path=ppt/notesMasters/notesMaster1.xml><?xml version="1.0" encoding="utf-8"?>
+<p:notesMaster xmlns:a="http://schemas.openxmlformats.org/drawingml/2006/main" xmlns:r="http://schemas.openxmlformats.org/officeDocument/2006/relationships" xmlns:p="http://schemas.openxmlformats.org/presentationml/2006/main">
+  <p:cSld>
+    <p:bg>
+      <p:bgRef idx="1001">
+        <a:schemeClr val="bg1"/>
+      </p:bgRef>
+    </p:bg>
+    <p:spTree>
+      <p:nvGrpSpPr>
+        <p:cNvPr id="1" name=""/>
+        <p:cNvGrpSpPr/>
+        <p:nvPr/>
+      </p:nvGrpSpPr>
+      <p:grpSpPr>
+        <a:xfrm>
+          <a:off x="0" y="0"/>
+          <a:ext cx="0" cy="0"/>
+          <a:chOff x="0" y="0"/>
+          <a:chExt cx="0" cy="0"/>
+        </a:xfrm>
+      </p:grpSpPr>
+      <p:sp>
+        <p:nvSpPr>
+          <p:cNvPr id="2" name="Верхний колонтитул 1"/>
+          <p:cNvSpPr>
+            <a:spLocks noGrp="1"/>
+          </p:cNvSpPr>
+          <p:nvPr>
+            <p:ph type="hdr" sz="quarter"/>
+          </p:nvPr>
+        </p:nvSpPr>
+        <p:spPr>
+          <a:xfrm>
+            <a:off x="0" y="0"/>
+            <a:ext cx="2971800" cy="458788"/>
+          </a:xfrm>
+          <a:prstGeom prst="rect">
+            <a:avLst/>
+          </a:prstGeom>
+        </p:spPr>
+        <p:txBody>
+          <a:bodyPr vert="horz" lIns="91440" tIns="45720" rIns="91440" bIns="45720" rtlCol="0"/>
+          <a:lstStyle>
+            <a:lvl1pPr algn="l">
+              <a:defRPr sz="1200"/>
+            </a:lvl1pPr>
+          </a:lstStyle>
+          <a:p>
+            <a:endParaRPr lang="ru-RU"/>
+          </a:p>
+        </p:txBody>
+      </p:sp>
+      <p:sp>
+        <p:nvSpPr>
+          <p:cNvPr id="3" name="Дата 2"/>
+          <p:cNvSpPr>
+            <a:spLocks noGrp="1"/>
+          </p:cNvSpPr>
+          <p:nvPr>
+            <p:ph type="dt" idx="1"/>
+          </p:nvPr>
+        </p:nvSpPr>
+        <p:spPr>
+          <a:xfrm>
+            <a:off x="3884613" y="0"/>
+            <a:ext cx="2971800" cy="458788"/>
+          </a:xfrm>
+          <a:prstGeom prst="rect">
+            <a:avLst/>
+          </a:prstGeom>
+        </p:spPr>
+        <p:txBody>
+          <a:bodyPr vert="horz" lIns="91440" tIns="45720" rIns="91440" bIns="45720" rtlCol="0"/>
+          <a:lstStyle>
+            <a:lvl1pPr algn="r">
+              <a:defRPr sz="1200"/>
+            </a:lvl1pPr>
+          </a:lstStyle>
+          <a:p>
+            <a:fld id="{2C1D5852-CB3A-4E71-BFCB-A6B4538832B4}" type="datetimeFigureOut">
+              <a:rPr lang="ru-RU" smtClean="0"/>
+              <a:t>20.05.2015</a:t>
+            </a:fld>
+            <a:endParaRPr lang="ru-RU"/>
+          </a:p>
+        </p:txBody>
+      </p:sp>
+      <p:sp>
+        <p:nvSpPr>
+          <p:cNvPr id="4" name="Образ слайда 3"/>
+          <p:cNvSpPr>
+            <a:spLocks noGrp="1" noRot="1" noChangeAspect="1"/>
+          </p:cNvSpPr>
+          <p:nvPr>
+            <p:ph type="sldImg" idx="2"/>
+          </p:nvPr>
+        </p:nvSpPr>
+        <p:spPr>
+          <a:xfrm>
+            <a:off x="685800" y="1143000"/>
+            <a:ext cx="5486400" cy="3086100"/>
+          </a:xfrm>
+          <a:prstGeom prst="rect">
+            <a:avLst/>
+          </a:prstGeom>
+          <a:noFill/>
+          <a:ln w="12700">
+            <a:solidFill>
+              <a:prstClr val="black"/>
+            </a:solidFill>
+          </a:ln>
+        </p:spPr>
+        <p:txBody>
+          <a:bodyPr vert="horz" lIns="91440" tIns="45720" rIns="91440" bIns="45720" rtlCol="0" anchor="ctr"/>
+          <a:lstStyle/>
+          <a:p>
+            <a:endParaRPr lang="ru-RU"/>
+          </a:p>
+        </p:txBody>
+      </p:sp>
+      <p:sp>
+        <p:nvSpPr>
+          <p:cNvPr id="5" name="Заметки 4"/>
+          <p:cNvSpPr>
+            <a:spLocks noGrp="1"/>
+          </p:cNvSpPr>
+          <p:nvPr>
+            <p:ph type="body" sz="quarter" idx="3"/>
+          </p:nvPr>
+        </p:nvSpPr>
+        <p:spPr>
+          <a:xfrm>
+            <a:off x="685800" y="4400550"/>
+            <a:ext cx="5486400" cy="3600450"/>
+          </a:xfrm>
+          <a:prstGeom prst="rect">
+            <a:avLst/>
+          </a:prstGeom>
+        </p:spPr>
+        <p:txBody>
+          <a:bodyPr vert="horz" lIns="91440" tIns="45720" rIns="91440" bIns="45720" rtlCol="0"/>
+          <a:lstStyle/>
+          <a:p>
+            <a:pPr lvl="0"/>
+            <a:r>
+              <a:rPr lang="ru-RU" smtClean="0"/>
+              <a:t>Образец текста</a:t>
+            </a:r>
+          </a:p>
+          <a:p>
+            <a:pPr lvl="1"/>
+            <a:r>
+              <a:rPr lang="ru-RU" smtClean="0"/>
+              <a:t>Второй уровень</a:t>
+            </a:r>
+          </a:p>
+          <a:p>
+            <a:pPr lvl="2"/>
+            <a:r>
+              <a:rPr lang="ru-RU" smtClean="0"/>
+              <a:t>Третий уровень</a:t>
+            </a:r>
+          </a:p>
+          <a:p>
+            <a:pPr lvl="3"/>
+            <a:r>
+              <a:rPr lang="ru-RU" smtClean="0"/>
+              <a:t>Четвертый уровень</a:t>
+            </a:r>
+          </a:p>
+          <a:p>
+            <a:pPr lvl="4"/>
+            <a:r>
+              <a:rPr lang="ru-RU" smtClean="0"/>
+              <a:t>Пятый уровень</a:t>
+            </a:r>
+            <a:endParaRPr lang="ru-RU"/>
+          </a:p>
+        </p:txBody>
+      </p:sp>
+      <p:sp>
+        <p:nvSpPr>
+          <p:cNvPr id="6" name="Нижний колонтитул 5"/>
+          <p:cNvSpPr>
+            <a:spLocks noGrp="1"/>
+          </p:cNvSpPr>
+          <p:nvPr>
+            <p:ph type="ftr" sz="quarter" idx="4"/>
+          </p:nvPr>
+        </p:nvSpPr>
+        <p:spPr>
+          <a:xfrm>
+            <a:off x="0" y="8685213"/>
+            <a:ext cx="2971800" cy="458787"/>
+          </a:xfrm>
+          <a:prstGeom prst="rect">
+            <a:avLst/>
+          </a:prstGeom>
+        </p:spPr>
+        <p:txBody>
+          <a:bodyPr vert="horz" lIns="91440" tIns="45720" rIns="91440" bIns="45720" rtlCol="0" anchor="b"/>
+          <a:lstStyle>
+            <a:lvl1pPr algn="l">
+              <a:defRPr sz="1200"/>
+            </a:lvl1pPr>
+          </a:lstStyle>
+          <a:p>
+            <a:endParaRPr lang="ru-RU"/>
+          </a:p>
+        </p:txBody>
+      </p:sp>
+      <p:sp>
+        <p:nvSpPr>
+          <p:cNvPr id="7" name="Номер слайда 6"/>
+          <p:cNvSpPr>
+            <a:spLocks noGrp="1"/>
+          </p:cNvSpPr>
+          <p:nvPr>
+            <p:ph type="sldNum" sz="quarter" idx="5"/>
+          </p:nvPr>
+        </p:nvSpPr>
+        <p:spPr>
+          <a:xfrm>
+            <a:off x="3884613" y="8685213"/>
+            <a:ext cx="2971800" cy="458787"/>
+          </a:xfrm>
+          <a:prstGeom prst="rect">
+            <a:avLst/>
+          </a:prstGeom>
+        </p:spPr>
+        <p:txBody>
+          <a:bodyPr vert="horz" lIns="91440" tIns="45720" rIns="91440" bIns="45720" rtlCol="0" anchor="b"/>
+          <a:lstStyle>
+            <a:lvl1pPr algn="r">
+              <a:defRPr sz="1200"/>
+            </a:lvl1pPr>
+          </a:lstStyle>
+          <a:p>
+            <a:fld id="{F1349884-6811-45F9-A223-1068B1FEBEAC}" type="slidenum">
+              <a:rPr lang="ru-RU" smtClean="0"/>
+              <a:t>‹#›</a:t>
+            </a:fld>
+            <a:endParaRPr lang="ru-RU"/>
+          </a:p>
+        </p:txBody>
+      </p:sp>
+    </p:spTree>
+    <p:extLst>
+      <p:ext uri="{BB962C8B-B14F-4D97-AF65-F5344CB8AC3E}">
+        <p14:creationId xmlns:p14="http://schemas.microsoft.com/office/powerpoint/2010/main" val="1190574716"/>
+      </p:ext>
+    </p:extLst>
+  </p:cSld>
+  <p:clrMap bg1="lt1" tx1="dk1" bg2="lt2" tx2="dk2" accent1="accent1" accent2="accent2" accent3="accent3" accent4="accent4" accent5="accent5" accent6="accent6" hlink="hlink" folHlink="folHlink"/>
+  <p:notesStyle>
+    <a:lvl1pPr marL="0" algn="l" defTabSz="914400" rtl="0" eaLnBrk="1" latinLnBrk="0" hangingPunct="1">
+      <a:defRPr sz="1200" kern="1200">
+        <a:solidFill>
+          <a:schemeClr val="tx1"/>
+        </a:solidFill>
+        <a:latin typeface="+mn-lt"/>
+        <a:ea typeface="+mn-ea"/>
+        <a:cs typeface="+mn-cs"/>
+      </a:defRPr>
+    </a:lvl1pPr>
+    <a:lvl2pPr marL="457200" algn="l" defTabSz="914400" rtl="0" eaLnBrk="1" latinLnBrk="0" hangingPunct="1">
+      <a:defRPr sz="1200" kern="1200">
+        <a:solidFill>
+          <a:schemeClr val="tx1"/>
+        </a:solidFill>
+        <a:latin typeface="+mn-lt"/>
+        <a:ea typeface="+mn-ea"/>
+        <a:cs typeface="+mn-cs"/>
+      </a:defRPr>
+    </a:lvl2pPr>
+    <a:lvl3pPr marL="914400" algn="l" defTabSz="914400" rtl="0" eaLnBrk="1" latinLnBrk="0" hangingPunct="1">
+      <a:defRPr sz="1200" kern="1200">
+        <a:solidFill>
+          <a:schemeClr val="tx1"/>
+        </a:solidFill>
+        <a:latin typeface="+mn-lt"/>
+        <a:ea typeface="+mn-ea"/>
+        <a:cs typeface="+mn-cs"/>
+      </a:defRPr>
+    </a:lvl3pPr>
+    <a:lvl4pPr marL="1371600" algn="l" defTabSz="914400" rtl="0" eaLnBrk="1" latinLnBrk="0" hangingPunct="1">
+      <a:defRPr sz="1200" kern="1200">
+        <a:solidFill>
+          <a:schemeClr val="tx1"/>
+        </a:solidFill>
+        <a:latin typeface="+mn-lt"/>
+        <a:ea typeface="+mn-ea"/>
+        <a:cs typeface="+mn-cs"/>
+      </a:defRPr>
+    </a:lvl4pPr>
+    <a:lvl5pPr marL="1828800" algn="l" defTabSz="914400" rtl="0" eaLnBrk="1" latinLnBrk="0" hangingPunct="1">
+      <a:defRPr sz="1200" kern="1200">
+        <a:solidFill>
+          <a:schemeClr val="tx1"/>
+        </a:solidFill>
+        <a:latin typeface="+mn-lt"/>
+        <a:ea typeface="+mn-ea"/>
+        <a:cs typeface="+mn-cs"/>
+      </a:defRPr>
+    </a:lvl5pPr>
+    <a:lvl6pPr marL="2286000" algn="l" defTabSz="914400" rtl="0" eaLnBrk="1" latinLnBrk="0" hangingPunct="1">
+      <a:defRPr sz="1200" kern="1200">
+        <a:solidFill>
+          <a:schemeClr val="tx1"/>
+        </a:solidFill>
+        <a:latin typeface="+mn-lt"/>
+        <a:ea typeface="+mn-ea"/>
+        <a:cs typeface="+mn-cs"/>
+      </a:defRPr>
+    </a:lvl6pPr>
+    <a:lvl7pPr marL="2743200" algn="l" defTabSz="914400" rtl="0" eaLnBrk="1" latinLnBrk="0" hangingPunct="1">
+      <a:defRPr sz="1200" kern="1200">
+        <a:solidFill>
+          <a:schemeClr val="tx1"/>
+        </a:solidFill>
+        <a:latin typeface="+mn-lt"/>
+        <a:ea typeface="+mn-ea"/>
+        <a:cs typeface="+mn-cs"/>
+      </a:defRPr>
+    </a:lvl7pPr>
+    <a:lvl8pPr marL="3200400" algn="l" defTabSz="914400" rtl="0" eaLnBrk="1" latinLnBrk="0" hangingPunct="1">
+      <a:defRPr sz="1200" kern="1200">
+        <a:solidFill>
+          <a:schemeClr val="tx1"/>
+        </a:solidFill>
+        <a:latin typeface="+mn-lt"/>
+        <a:ea typeface="+mn-ea"/>
+        <a:cs typeface="+mn-cs"/>
+      </a:defRPr>
+    </a:lvl8pPr>
+    <a:lvl9pPr marL="3657600" algn="l" defTabSz="914400" rtl="0" eaLnBrk="1" latinLnBrk="0" hangingPunct="1">
+      <a:defRPr sz="1200" kern="1200">
+        <a:solidFill>
+          <a:schemeClr val="tx1"/>
+        </a:solidFill>
+        <a:latin typeface="+mn-lt"/>
+        <a:ea typeface="+mn-ea"/>
+        <a:cs typeface="+mn-cs"/>
+      </a:defRPr>
+    </a:lvl9pPr>
+  </p:notesStyle>
+</p:notesMaster>
+</file>
+
+<file path=ppt/notesSlides/notesSlide1.xml><?xml version="1.0" encoding="utf-8"?>
+<p:notes xmlns:a="http://schemas.openxmlformats.org/drawingml/2006/main" xmlns:r="http://schemas.openxmlformats.org/officeDocument/2006/relationships" xmlns:p="http://schemas.openxmlformats.org/presentationml/2006/main">
+  <p:cSld>
+    <p:spTree>
+      <p:nvGrpSpPr>
+        <p:cNvPr id="1" name=""/>
+        <p:cNvGrpSpPr/>
+        <p:nvPr/>
+      </p:nvGrpSpPr>
+      <p:grpSpPr>
+        <a:xfrm>
+          <a:off x="0" y="0"/>
+          <a:ext cx="0" cy="0"/>
+          <a:chOff x="0" y="0"/>
+          <a:chExt cx="0" cy="0"/>
+        </a:xfrm>
+      </p:grpSpPr>
+      <p:sp>
+        <p:nvSpPr>
+          <p:cNvPr id="2" name="Образ слайда 1"/>
+          <p:cNvSpPr>
+            <a:spLocks noGrp="1" noRot="1" noChangeAspect="1"/>
+          </p:cNvSpPr>
+          <p:nvPr>
+            <p:ph type="sldImg"/>
+          </p:nvPr>
+        </p:nvSpPr>
+        <p:spPr/>
+      </p:sp>
+      <p:sp>
+        <p:nvSpPr>
+          <p:cNvPr id="3" name="Заметки 2"/>
+          <p:cNvSpPr>
+            <a:spLocks noGrp="1"/>
+          </p:cNvSpPr>
+          <p:nvPr>
+            <p:ph type="body" idx="1"/>
+          </p:nvPr>
+        </p:nvSpPr>
+        <p:spPr/>
+        <p:txBody>
+          <a:bodyPr/>
+          <a:lstStyle/>
+          <a:p>
+            <a:endParaRPr lang="ru-RU"/>
+          </a:p>
+        </p:txBody>
+      </p:sp>
+      <p:sp>
+        <p:nvSpPr>
+          <p:cNvPr id="4" name="Номер слайда 3"/>
+          <p:cNvSpPr>
+            <a:spLocks noGrp="1"/>
+          </p:cNvSpPr>
+          <p:nvPr>
+            <p:ph type="sldNum" sz="quarter" idx="10"/>
+          </p:nvPr>
+        </p:nvSpPr>
+        <p:spPr/>
+        <p:txBody>
+          <a:bodyPr/>
+          <a:lstStyle/>
+          <a:p>
+            <a:fld id="{F1349884-6811-45F9-A223-1068B1FEBEAC}" type="slidenum">
+              <a:rPr lang="ru-RU" smtClean="0"/>
+              <a:t>1</a:t>
+            </a:fld>
+            <a:endParaRPr lang="ru-RU"/>
+          </a:p>
+        </p:txBody>
+      </p:sp>
+    </p:spTree>
+    <p:extLst>
+      <p:ext uri="{BB962C8B-B14F-4D97-AF65-F5344CB8AC3E}">
+        <p14:creationId xmlns:p14="http://schemas.microsoft.com/office/powerpoint/2010/main" val="4212165123"/>
+      </p:ext>
+    </p:extLst>
+  </p:cSld>
+  <p:clrMapOvr>
+    <a:masterClrMapping/>
+  </p:clrMapOvr>
+</p:notes>
+</file>
+
 <file path=ppt/slideLayouts/slideLayout1.xml><?xml version="1.0" encoding="utf-8"?>
 <p:sldLayout xmlns:a="http://schemas.openxmlformats.org/drawingml/2006/main" xmlns:r="http://schemas.openxmlformats.org/officeDocument/2006/relationships" xmlns:p="http://schemas.openxmlformats.org/presentationml/2006/main" type="title" preserve="1">
   <p:cSld name="Титульный слайд">
@@ -262,10 +699,9 @@
           <a:bodyPr/>
           <a:lstStyle/>
           <a:p>
-            <a:fld id="{ED78CD90-9829-4B48-9D5F-29234149923E}" type="datetimeFigureOut">
-              <a:rPr lang="ru-RU" smtClean="0"/>
-              <a:pPr/>
-              <a:t>19.05.2015</a:t>
+            <a:fld id="{36E5FA18-BC3F-4D53-94AB-C0F3B1B8377F}" type="datetime1">
+              <a:rPr lang="ru-RU" smtClean="0"/>
+              <a:t>20.05.2015</a:t>
             </a:fld>
             <a:endParaRPr lang="ru-RU"/>
           </a:p>
@@ -441,10 +877,9 @@
           <a:bodyPr/>
           <a:lstStyle/>
           <a:p>
-            <a:fld id="{ED78CD90-9829-4B48-9D5F-29234149923E}" type="datetimeFigureOut">
-              <a:rPr lang="ru-RU" smtClean="0"/>
-              <a:pPr/>
-              <a:t>19.05.2015</a:t>
+            <a:fld id="{21567A10-74FB-4B80-9638-7BCE9781867C}" type="datetime1">
+              <a:rPr lang="ru-RU" smtClean="0"/>
+              <a:t>20.05.2015</a:t>
             </a:fld>
             <a:endParaRPr lang="ru-RU"/>
           </a:p>
@@ -623,10 +1058,9 @@
           <a:bodyPr/>
           <a:lstStyle/>
           <a:p>
-            <a:fld id="{ED78CD90-9829-4B48-9D5F-29234149923E}" type="datetimeFigureOut">
-              <a:rPr lang="ru-RU" smtClean="0"/>
-              <a:pPr/>
-              <a:t>19.05.2015</a:t>
+            <a:fld id="{81142080-0B71-4B20-B0E2-9DFC0B1CFBEE}" type="datetime1">
+              <a:rPr lang="ru-RU" smtClean="0"/>
+              <a:t>20.05.2015</a:t>
             </a:fld>
             <a:endParaRPr lang="ru-RU"/>
           </a:p>
@@ -795,10 +1229,9 @@
           <a:bodyPr/>
           <a:lstStyle/>
           <a:p>
-            <a:fld id="{ED78CD90-9829-4B48-9D5F-29234149923E}" type="datetimeFigureOut">
-              <a:rPr lang="ru-RU" smtClean="0"/>
-              <a:pPr/>
-              <a:t>19.05.2015</a:t>
+            <a:fld id="{E2255E6C-A322-4AC3-828D-B9E85E64A896}" type="datetime1">
+              <a:rPr lang="ru-RU" smtClean="0"/>
+              <a:t>20.05.2015</a:t>
             </a:fld>
             <a:endParaRPr lang="ru-RU"/>
           </a:p>
@@ -1043,10 +1476,9 @@
           <a:bodyPr/>
           <a:lstStyle/>
           <a:p>
-            <a:fld id="{ED78CD90-9829-4B48-9D5F-29234149923E}" type="datetimeFigureOut">
-              <a:rPr lang="ru-RU" smtClean="0"/>
-              <a:pPr/>
-              <a:t>19.05.2015</a:t>
+            <a:fld id="{BA497A56-8E1D-40EB-A88D-614A29B47FFB}" type="datetime1">
+              <a:rPr lang="ru-RU" smtClean="0"/>
+              <a:t>20.05.2015</a:t>
             </a:fld>
             <a:endParaRPr lang="ru-RU"/>
           </a:p>
@@ -1277,10 +1709,9 @@
           <a:bodyPr/>
           <a:lstStyle/>
           <a:p>
-            <a:fld id="{ED78CD90-9829-4B48-9D5F-29234149923E}" type="datetimeFigureOut">
-              <a:rPr lang="ru-RU" smtClean="0"/>
-              <a:pPr/>
-              <a:t>19.05.2015</a:t>
+            <a:fld id="{1DB1DE17-48AA-43E9-826A-5B3B2EB8A459}" type="datetime1">
+              <a:rPr lang="ru-RU" smtClean="0"/>
+              <a:t>20.05.2015</a:t>
             </a:fld>
             <a:endParaRPr lang="ru-RU"/>
           </a:p>
@@ -1646,10 +2077,9 @@
           <a:bodyPr/>
           <a:lstStyle/>
           <a:p>
-            <a:fld id="{ED78CD90-9829-4B48-9D5F-29234149923E}" type="datetimeFigureOut">
-              <a:rPr lang="ru-RU" smtClean="0"/>
-              <a:pPr/>
-              <a:t>19.05.2015</a:t>
+            <a:fld id="{16378FA1-9B63-4F30-8EDE-C679ADDB5553}" type="datetime1">
+              <a:rPr lang="ru-RU" smtClean="0"/>
+              <a:t>20.05.2015</a:t>
             </a:fld>
             <a:endParaRPr lang="ru-RU"/>
           </a:p>
@@ -1766,10 +2196,9 @@
           <a:bodyPr/>
           <a:lstStyle/>
           <a:p>
-            <a:fld id="{ED78CD90-9829-4B48-9D5F-29234149923E}" type="datetimeFigureOut">
-              <a:rPr lang="ru-RU" smtClean="0"/>
-              <a:pPr/>
-              <a:t>19.05.2015</a:t>
+            <a:fld id="{4B4531DD-F7E9-4FA2-981F-44CA782140A8}" type="datetime1">
+              <a:rPr lang="ru-RU" smtClean="0"/>
+              <a:t>20.05.2015</a:t>
             </a:fld>
             <a:endParaRPr lang="ru-RU"/>
           </a:p>
@@ -1863,10 +2292,9 @@
           <a:bodyPr/>
           <a:lstStyle/>
           <a:p>
-            <a:fld id="{ED78CD90-9829-4B48-9D5F-29234149923E}" type="datetimeFigureOut">
-              <a:rPr lang="ru-RU" smtClean="0"/>
-              <a:pPr/>
-              <a:t>19.05.2015</a:t>
+            <a:fld id="{F6C21C51-16DF-40AF-A145-F8DD54F2C411}" type="datetime1">
+              <a:rPr lang="ru-RU" smtClean="0"/>
+              <a:t>20.05.2015</a:t>
             </a:fld>
             <a:endParaRPr lang="ru-RU"/>
           </a:p>
@@ -2142,10 +2570,9 @@
           <a:bodyPr/>
           <a:lstStyle/>
           <a:p>
-            <a:fld id="{ED78CD90-9829-4B48-9D5F-29234149923E}" type="datetimeFigureOut">
-              <a:rPr lang="ru-RU" smtClean="0"/>
-              <a:pPr/>
-              <a:t>19.05.2015</a:t>
+            <a:fld id="{344ABABC-77B2-4D56-855A-B4C40E6CF024}" type="datetime1">
+              <a:rPr lang="ru-RU" smtClean="0"/>
+              <a:t>20.05.2015</a:t>
             </a:fld>
             <a:endParaRPr lang="ru-RU"/>
           </a:p>
@@ -2397,10 +2824,9 @@
           <a:bodyPr/>
           <a:lstStyle/>
           <a:p>
-            <a:fld id="{ED78CD90-9829-4B48-9D5F-29234149923E}" type="datetimeFigureOut">
-              <a:rPr lang="ru-RU" smtClean="0"/>
-              <a:pPr/>
-              <a:t>19.05.2015</a:t>
+            <a:fld id="{0FD2389D-C24C-4010-A8CA-3B85131275A4}" type="datetime1">
+              <a:rPr lang="ru-RU" smtClean="0"/>
+              <a:t>20.05.2015</a:t>
             </a:fld>
             <a:endParaRPr lang="ru-RU"/>
           </a:p>
@@ -2612,10 +3038,9 @@
             </a:lvl1pPr>
           </a:lstStyle>
           <a:p>
-            <a:fld id="{ED78CD90-9829-4B48-9D5F-29234149923E}" type="datetimeFigureOut">
-              <a:rPr lang="ru-RU" smtClean="0"/>
-              <a:pPr/>
-              <a:t>19.05.2015</a:t>
+            <a:fld id="{4F036123-8708-4B1E-AC94-78648E3B1BD3}" type="datetime1">
+              <a:rPr lang="ru-RU" smtClean="0"/>
+              <a:t>20.05.2015</a:t>
             </a:fld>
             <a:endParaRPr lang="ru-RU"/>
           </a:p>
@@ -2721,6 +3146,7 @@
     <p:sldLayoutId id="2147483658" r:id="rId10"/>
     <p:sldLayoutId id="2147483659" r:id="rId11"/>
   </p:sldLayoutIdLst>
+  <p:hf hdr="0" ftr="0" dt="0"/>
   <p:txStyles>
     <p:titleStyle>
       <a:lvl1pPr algn="l" defTabSz="914400" rtl="0" eaLnBrk="1" latinLnBrk="0" hangingPunct="1">
@@ -3125,7 +3551,7 @@
           <p:nvPr/>
         </p:nvPicPr>
         <p:blipFill>
-          <a:blip r:embed="rId2" cstate="print">
+          <a:blip r:embed="rId3" cstate="print">
             <a:extLst>
               <a:ext uri="{28A0092B-C50C-407E-A947-70E740481C1C}">
                 <a14:useLocalDpi xmlns:a14="http://schemas.microsoft.com/office/drawing/2010/main" val="0"/>
@@ -3183,8 +3609,8 @@
           <a:chExt cx="0" cy="0"/>
         </a:xfrm>
       </p:grpSpPr>
-      <mc:AlternateContent xmlns:mc="http://schemas.openxmlformats.org/markup-compatibility/2006">
-        <mc:Choice xmlns:a14="http://schemas.microsoft.com/office/drawing/2010/main" Requires="a14">
+      <mc:AlternateContent xmlns:mc="http://schemas.openxmlformats.org/markup-compatibility/2006" xmlns:a14="http://schemas.microsoft.com/office/drawing/2010/main">
+        <mc:Choice Requires="a14">
           <p:sp>
             <p:nvSpPr>
               <p:cNvPr id="4" name="Объект 2"/>
@@ -3237,7 +3663,9 @@
                 <a14:m>
                   <m:oMath xmlns:m="http://schemas.openxmlformats.org/officeDocument/2006/math">
                     <m:r>
-                      <a:rPr lang="ru-RU" sz="2000" i="1"/>
+                      <a:rPr lang="ru-RU" sz="2000" i="1">
+                        <a:latin typeface="Cambria Math" panose="02040503050406030204" pitchFamily="18" charset="0"/>
+                      </a:rPr>
                       <m:t>𝑁</m:t>
                     </m:r>
                   </m:oMath>
@@ -3251,18 +3679,24 @@
                     <m:sSub>
                       <m:sSubPr>
                         <m:ctrlPr>
-                          <a:rPr lang="ru-RU" sz="2000" i="1"/>
+                          <a:rPr lang="ru-RU" sz="2000" i="1">
+                            <a:latin typeface="Cambria Math" panose="02040503050406030204" pitchFamily="18" charset="0"/>
+                          </a:rPr>
                         </m:ctrlPr>
                       </m:sSubPr>
                       <m:e>
                         <m:r>
-                          <a:rPr lang="ru-RU" sz="2000" i="1"/>
+                          <a:rPr lang="ru-RU" sz="2000" i="1">
+                            <a:latin typeface="Cambria Math" panose="02040503050406030204" pitchFamily="18" charset="0"/>
+                          </a:rPr>
                           <m:t>𝑘</m:t>
                         </m:r>
                       </m:e>
                       <m:sub>
                         <m:r>
-                          <a:rPr lang="ru-RU" sz="2000" i="1"/>
+                          <a:rPr lang="ru-RU" sz="2000" i="1">
+                            <a:latin typeface="Cambria Math" panose="02040503050406030204" pitchFamily="18" charset="0"/>
+                          </a:rPr>
                           <m:t>𝑖</m:t>
                         </m:r>
                       </m:sub>
@@ -3276,7 +3710,9 @@
                 <a14:m>
                   <m:oMath xmlns:m="http://schemas.openxmlformats.org/officeDocument/2006/math">
                     <m:r>
-                      <a:rPr lang="ru-RU" sz="2000" i="1"/>
+                      <a:rPr lang="ru-RU" sz="2000" i="1">
+                        <a:latin typeface="Cambria Math" panose="02040503050406030204" pitchFamily="18" charset="0"/>
+                      </a:rPr>
                       <m:t>𝑖</m:t>
                     </m:r>
                   </m:oMath>
@@ -3288,7 +3724,9 @@
                 <a14:m>
                   <m:oMath xmlns:m="http://schemas.openxmlformats.org/officeDocument/2006/math">
                     <m:r>
-                      <a:rPr lang="ru-RU" sz="2000" i="1"/>
+                      <a:rPr lang="ru-RU" sz="2000" i="1">
+                        <a:latin typeface="Cambria Math" panose="02040503050406030204" pitchFamily="18" charset="0"/>
+                      </a:rPr>
                       <m:t>𝐿</m:t>
                     </m:r>
                   </m:oMath>
@@ -3302,18 +3740,24 @@
                     <m:sSub>
                       <m:sSubPr>
                         <m:ctrlPr>
-                          <a:rPr lang="ru-RU" sz="2000" i="1"/>
+                          <a:rPr lang="ru-RU" sz="2000" i="1">
+                            <a:latin typeface="Cambria Math" panose="02040503050406030204" pitchFamily="18" charset="0"/>
+                          </a:rPr>
                         </m:ctrlPr>
                       </m:sSubPr>
                       <m:e>
                         <m:r>
-                          <a:rPr lang="ru-RU" sz="2000" i="1"/>
+                          <a:rPr lang="ru-RU" sz="2000" i="1">
+                            <a:latin typeface="Cambria Math" panose="02040503050406030204" pitchFamily="18" charset="0"/>
+                          </a:rPr>
                           <m:t>𝐿</m:t>
                         </m:r>
                       </m:e>
                       <m:sub>
                         <m:r>
-                          <a:rPr lang="ru-RU" sz="2000" i="1"/>
+                          <a:rPr lang="ru-RU" sz="2000" i="1">
+                            <a:latin typeface="Cambria Math" panose="02040503050406030204" pitchFamily="18" charset="0"/>
+                          </a:rPr>
                           <m:t>𝑒</m:t>
                         </m:r>
                       </m:sub>
@@ -3409,7 +3853,7 @@
             </p:txBody>
           </p:sp>
         </mc:Choice>
-        <mc:Fallback>
+        <mc:Fallback xmlns="">
           <p:sp>
             <p:nvSpPr>
               <p:cNvPr id="4" name="Объект 2"/>
@@ -3497,8 +3941,8 @@
           </a:p>
         </p:txBody>
       </p:sp>
-      <mc:AlternateContent xmlns:mc="http://schemas.openxmlformats.org/markup-compatibility/2006">
-        <mc:Choice xmlns:a14="http://schemas.microsoft.com/office/drawing/2010/main" Requires="a14">
+      <mc:AlternateContent xmlns:mc="http://schemas.openxmlformats.org/markup-compatibility/2006" xmlns:a14="http://schemas.microsoft.com/office/drawing/2010/main">
+        <mc:Choice Requires="a14">
           <p:sp>
             <p:nvSpPr>
               <p:cNvPr id="6" name="Прямоугольник 5"/>
@@ -3520,6 +3964,7 @@
               </a:bodyPr>
               <a:lstStyle/>
               <a:p>
+                <a:pPr/>
                 <a14:m>
                   <m:oMathPara xmlns:m="http://schemas.openxmlformats.org/officeDocument/2006/math">
                     <m:oMathParaPr>
@@ -3647,7 +4092,7 @@
             </p:txBody>
           </p:sp>
         </mc:Choice>
-        <mc:Fallback>
+        <mc:Fallback xmlns="">
           <p:sp>
             <p:nvSpPr>
               <p:cNvPr id="6" name="Прямоугольник 5"/>
@@ -3686,8 +4131,8 @@
           </p:sp>
         </mc:Fallback>
       </mc:AlternateContent>
-      <mc:AlternateContent xmlns:mc="http://schemas.openxmlformats.org/markup-compatibility/2006">
-        <mc:Choice xmlns:a14="http://schemas.microsoft.com/office/drawing/2010/main" Requires="a14">
+      <mc:AlternateContent xmlns:mc="http://schemas.openxmlformats.org/markup-compatibility/2006" xmlns:a14="http://schemas.microsoft.com/office/drawing/2010/main">
+        <mc:Choice Requires="a14">
           <p:sp>
             <p:nvSpPr>
               <p:cNvPr id="7" name="Прямоугольник 6"/>
@@ -3709,6 +4154,7 @@
               </a:bodyPr>
               <a:lstStyle/>
               <a:p>
+                <a:pPr/>
                 <a14:m>
                   <m:oMathPara xmlns:m="http://schemas.openxmlformats.org/officeDocument/2006/math">
                     <m:oMathParaPr>
@@ -3718,48 +4164,64 @@
                       <m:sSub>
                         <m:sSubPr>
                           <m:ctrlPr>
-                            <a:rPr lang="ru-RU" sz="2400" i="1"/>
+                            <a:rPr lang="ru-RU" sz="2400" i="1">
+                              <a:latin typeface="Cambria Math" panose="02040503050406030204" pitchFamily="18" charset="0"/>
+                            </a:rPr>
                           </m:ctrlPr>
                         </m:sSubPr>
                         <m:e>
                           <m:r>
-                            <a:rPr lang="ru-RU" sz="2400" i="1"/>
+                            <a:rPr lang="ru-RU" sz="2400" i="1">
+                              <a:latin typeface="Cambria Math" panose="02040503050406030204" pitchFamily="18" charset="0"/>
+                            </a:rPr>
                             <m:t>𝑓𝑎𝑐𝑡𝑜𝑟</m:t>
                           </m:r>
                         </m:e>
                         <m:sub>
                           <m:r>
-                            <a:rPr lang="ru-RU" sz="2400" i="1"/>
+                            <a:rPr lang="ru-RU" sz="2400" i="1">
+                              <a:latin typeface="Cambria Math" panose="02040503050406030204" pitchFamily="18" charset="0"/>
+                            </a:rPr>
                             <m:t>𝑘</m:t>
                           </m:r>
                         </m:sub>
                       </m:sSub>
                       <m:r>
-                        <a:rPr lang="ru-RU" sz="2400" i="1"/>
+                        <a:rPr lang="ru-RU" sz="2400" i="1">
+                          <a:latin typeface="Cambria Math" panose="02040503050406030204" pitchFamily="18" charset="0"/>
+                        </a:rPr>
                         <m:t>=</m:t>
                       </m:r>
                       <m:func>
                         <m:funcPr>
                           <m:ctrlPr>
-                            <a:rPr lang="ru-RU" sz="2400" i="1"/>
+                            <a:rPr lang="ru-RU" sz="2400" i="1">
+                              <a:latin typeface="Cambria Math" panose="02040503050406030204" pitchFamily="18" charset="0"/>
+                            </a:rPr>
                           </m:ctrlPr>
                         </m:funcPr>
                         <m:fName>
                           <m:limLow>
                             <m:limLowPr>
                               <m:ctrlPr>
-                                <a:rPr lang="ru-RU" sz="2400" i="1"/>
+                                <a:rPr lang="ru-RU" sz="2400" i="1">
+                                  <a:latin typeface="Cambria Math" panose="02040503050406030204" pitchFamily="18" charset="0"/>
+                                </a:rPr>
                               </m:ctrlPr>
                             </m:limLowPr>
                             <m:e>
                               <m:r>
-                                <a:rPr lang="ru-RU" sz="2400" i="1"/>
+                                <a:rPr lang="ru-RU" sz="2400" i="1">
+                                  <a:latin typeface="Cambria Math" panose="02040503050406030204" pitchFamily="18" charset="0"/>
+                                </a:rPr>
                                 <m:t>𝑚𝑖𝑛</m:t>
                               </m:r>
                             </m:e>
                             <m:lim>
                               <m:r>
-                                <a:rPr lang="ru-RU" sz="2400" i="1"/>
+                                <a:rPr lang="ru-RU" sz="2400" i="1">
+                                  <a:latin typeface="Cambria Math" panose="02040503050406030204" pitchFamily="18" charset="0"/>
+                                </a:rPr>
                                 <m:t>𝑘</m:t>
                               </m:r>
                             </m:lim>
@@ -3767,53 +4229,71 @@
                         </m:fName>
                         <m:e>
                           <m:r>
-                            <a:rPr lang="ru-RU" sz="2400" i="1"/>
+                            <a:rPr lang="ru-RU" sz="2400" i="1">
+                              <a:latin typeface="Cambria Math" panose="02040503050406030204" pitchFamily="18" charset="0"/>
+                            </a:rPr>
                             <m:t>(</m:t>
                           </m:r>
                           <m:sSub>
                             <m:sSubPr>
                               <m:ctrlPr>
-                                <a:rPr lang="ru-RU" sz="2400" i="1"/>
+                                <a:rPr lang="ru-RU" sz="2400" i="1">
+                                  <a:latin typeface="Cambria Math" panose="02040503050406030204" pitchFamily="18" charset="0"/>
+                                </a:rPr>
                               </m:ctrlPr>
                             </m:sSubPr>
                             <m:e>
                               <m:r>
-                                <a:rPr lang="en-US" sz="2400" i="1"/>
+                                <a:rPr lang="en-US" sz="2400" i="1">
+                                  <a:latin typeface="Cambria Math" panose="02040503050406030204" pitchFamily="18" charset="0"/>
+                                </a:rPr>
                                 <m:t>𝑓𝑎𝑐𝑡𝑜𝑟</m:t>
                               </m:r>
                             </m:e>
                             <m:sub>
                               <m:r>
-                                <a:rPr lang="ru-RU" sz="2400" i="1"/>
+                                <a:rPr lang="ru-RU" sz="2400" i="1">
+                                  <a:latin typeface="Cambria Math" panose="02040503050406030204" pitchFamily="18" charset="0"/>
+                                </a:rPr>
                                 <m:t>1</m:t>
                               </m:r>
                             </m:sub>
                           </m:sSub>
                           <m:r>
-                            <a:rPr lang="ru-RU" sz="2400" i="1"/>
+                            <a:rPr lang="ru-RU" sz="2400" i="1">
+                              <a:latin typeface="Cambria Math" panose="02040503050406030204" pitchFamily="18" charset="0"/>
+                            </a:rPr>
                             <m:t>, …, </m:t>
                           </m:r>
                           <m:sSub>
                             <m:sSubPr>
                               <m:ctrlPr>
-                                <a:rPr lang="ru-RU" sz="2400" i="1"/>
+                                <a:rPr lang="ru-RU" sz="2400" i="1">
+                                  <a:latin typeface="Cambria Math" panose="02040503050406030204" pitchFamily="18" charset="0"/>
+                                </a:rPr>
                               </m:ctrlPr>
                             </m:sSubPr>
                             <m:e>
                               <m:r>
-                                <a:rPr lang="ru-RU" sz="2400" i="1"/>
+                                <a:rPr lang="ru-RU" sz="2400" i="1">
+                                  <a:latin typeface="Cambria Math" panose="02040503050406030204" pitchFamily="18" charset="0"/>
+                                </a:rPr>
                                 <m:t>𝑓𝑎𝑐𝑡𝑜𝑟</m:t>
                               </m:r>
                             </m:e>
                             <m:sub>
                               <m:r>
-                                <a:rPr lang="ru-RU" sz="2400" i="1"/>
+                                <a:rPr lang="ru-RU" sz="2400" i="1">
+                                  <a:latin typeface="Cambria Math" panose="02040503050406030204" pitchFamily="18" charset="0"/>
+                                </a:rPr>
                                 <m:t>𝐾</m:t>
                               </m:r>
                             </m:sub>
                           </m:sSub>
                           <m:r>
-                            <a:rPr lang="ru-RU" sz="2400" i="1"/>
+                            <a:rPr lang="ru-RU" sz="2400" i="1">
+                              <a:latin typeface="Cambria Math" panose="02040503050406030204" pitchFamily="18" charset="0"/>
+                            </a:rPr>
                             <m:t>)</m:t>
                           </m:r>
                         </m:e>
@@ -3826,7 +4306,7 @@
             </p:txBody>
           </p:sp>
         </mc:Choice>
-        <mc:Fallback>
+        <mc:Fallback xmlns="">
           <p:sp>
             <p:nvSpPr>
               <p:cNvPr id="7" name="Прямоугольник 6"/>
@@ -3865,8 +4345,8 @@
           </p:sp>
         </mc:Fallback>
       </mc:AlternateContent>
-      <mc:AlternateContent xmlns:mc="http://schemas.openxmlformats.org/markup-compatibility/2006">
-        <mc:Choice xmlns:a14="http://schemas.microsoft.com/office/drawing/2010/main" Requires="a14">
+      <mc:AlternateContent xmlns:mc="http://schemas.openxmlformats.org/markup-compatibility/2006" xmlns:a14="http://schemas.microsoft.com/office/drawing/2010/main">
+        <mc:Choice Requires="a14">
           <p:sp>
             <p:nvSpPr>
               <p:cNvPr id="8" name="Прямоугольник 7"/>
@@ -3888,6 +4368,7 @@
               </a:bodyPr>
               <a:lstStyle/>
               <a:p>
+                <a:pPr/>
                 <a14:m>
                   <m:oMathPara xmlns:m="http://schemas.openxmlformats.org/officeDocument/2006/math">
                     <m:oMathParaPr>
@@ -3897,48 +4378,64 @@
                       <m:sSub>
                         <m:sSubPr>
                           <m:ctrlPr>
-                            <a:rPr lang="ru-RU" sz="2400" i="1"/>
+                            <a:rPr lang="ru-RU" sz="2400" i="1">
+                              <a:latin typeface="Cambria Math" panose="02040503050406030204" pitchFamily="18" charset="0"/>
+                            </a:rPr>
                           </m:ctrlPr>
                         </m:sSubPr>
                         <m:e>
                           <m:r>
-                            <a:rPr lang="ru-RU" sz="2400" i="1"/>
+                            <a:rPr lang="ru-RU" sz="2400" i="1">
+                              <a:latin typeface="Cambria Math" panose="02040503050406030204" pitchFamily="18" charset="0"/>
+                            </a:rPr>
                             <m:t>𝑓𝑎𝑐𝑡𝑜𝑟</m:t>
                           </m:r>
                         </m:e>
                         <m:sub>
                           <m:r>
-                            <a:rPr lang="ru-RU" sz="2400" i="1"/>
+                            <a:rPr lang="ru-RU" sz="2400" i="1">
+                              <a:latin typeface="Cambria Math" panose="02040503050406030204" pitchFamily="18" charset="0"/>
+                            </a:rPr>
                             <m:t>𝑘</m:t>
                           </m:r>
                         </m:sub>
                       </m:sSub>
                       <m:r>
-                        <a:rPr lang="ru-RU" sz="2400" i="1"/>
+                        <a:rPr lang="ru-RU" sz="2400" i="1">
+                          <a:latin typeface="Cambria Math" panose="02040503050406030204" pitchFamily="18" charset="0"/>
+                        </a:rPr>
                         <m:t>=</m:t>
                       </m:r>
                       <m:func>
                         <m:funcPr>
                           <m:ctrlPr>
-                            <a:rPr lang="ru-RU" sz="2400" i="1"/>
+                            <a:rPr lang="ru-RU" sz="2400" i="1">
+                              <a:latin typeface="Cambria Math" panose="02040503050406030204" pitchFamily="18" charset="0"/>
+                            </a:rPr>
                           </m:ctrlPr>
                         </m:funcPr>
                         <m:fName>
                           <m:limLow>
                             <m:limLowPr>
                               <m:ctrlPr>
-                                <a:rPr lang="ru-RU" sz="2400" i="1"/>
+                                <a:rPr lang="ru-RU" sz="2400" i="1">
+                                  <a:latin typeface="Cambria Math" panose="02040503050406030204" pitchFamily="18" charset="0"/>
+                                </a:rPr>
                               </m:ctrlPr>
                             </m:limLowPr>
                             <m:e>
                               <m:r>
-                                <a:rPr lang="en-US" sz="2400" i="1"/>
+                                <a:rPr lang="en-US" sz="2400" i="1">
+                                  <a:latin typeface="Cambria Math" panose="02040503050406030204" pitchFamily="18" charset="0"/>
+                                </a:rPr>
                                 <m:t>𝑚𝑎𝑥</m:t>
                               </m:r>
                             </m:e>
                             <m:lim>
                               <m:r>
-                                <a:rPr lang="ru-RU" sz="2400" i="1"/>
+                                <a:rPr lang="ru-RU" sz="2400" i="1">
+                                  <a:latin typeface="Cambria Math" panose="02040503050406030204" pitchFamily="18" charset="0"/>
+                                </a:rPr>
                                 <m:t>𝑘</m:t>
                               </m:r>
                             </m:lim>
@@ -3946,53 +4443,71 @@
                         </m:fName>
                         <m:e>
                           <m:r>
-                            <a:rPr lang="ru-RU" sz="2400" i="1"/>
+                            <a:rPr lang="ru-RU" sz="2400" i="1">
+                              <a:latin typeface="Cambria Math" panose="02040503050406030204" pitchFamily="18" charset="0"/>
+                            </a:rPr>
                             <m:t>(</m:t>
                           </m:r>
                           <m:sSub>
                             <m:sSubPr>
                               <m:ctrlPr>
-                                <a:rPr lang="ru-RU" sz="2400" i="1"/>
+                                <a:rPr lang="ru-RU" sz="2400" i="1">
+                                  <a:latin typeface="Cambria Math" panose="02040503050406030204" pitchFamily="18" charset="0"/>
+                                </a:rPr>
                               </m:ctrlPr>
                             </m:sSubPr>
                             <m:e>
                               <m:r>
-                                <a:rPr lang="en-US" sz="2400" i="1"/>
+                                <a:rPr lang="en-US" sz="2400" i="1">
+                                  <a:latin typeface="Cambria Math" panose="02040503050406030204" pitchFamily="18" charset="0"/>
+                                </a:rPr>
                                 <m:t>𝑓𝑎𝑐𝑡𝑜𝑟</m:t>
                               </m:r>
                             </m:e>
                             <m:sub>
                               <m:r>
-                                <a:rPr lang="ru-RU" sz="2400" i="1"/>
+                                <a:rPr lang="ru-RU" sz="2400" i="1">
+                                  <a:latin typeface="Cambria Math" panose="02040503050406030204" pitchFamily="18" charset="0"/>
+                                </a:rPr>
                                 <m:t>1</m:t>
                               </m:r>
                             </m:sub>
                           </m:sSub>
                           <m:r>
-                            <a:rPr lang="ru-RU" sz="2400" i="1"/>
+                            <a:rPr lang="ru-RU" sz="2400" i="1">
+                              <a:latin typeface="Cambria Math" panose="02040503050406030204" pitchFamily="18" charset="0"/>
+                            </a:rPr>
                             <m:t>, …, </m:t>
                           </m:r>
                           <m:sSub>
                             <m:sSubPr>
                               <m:ctrlPr>
-                                <a:rPr lang="ru-RU" sz="2400" i="1"/>
+                                <a:rPr lang="ru-RU" sz="2400" i="1">
+                                  <a:latin typeface="Cambria Math" panose="02040503050406030204" pitchFamily="18" charset="0"/>
+                                </a:rPr>
                               </m:ctrlPr>
                             </m:sSubPr>
                             <m:e>
                               <m:r>
-                                <a:rPr lang="ru-RU" sz="2400" i="1"/>
+                                <a:rPr lang="ru-RU" sz="2400" i="1">
+                                  <a:latin typeface="Cambria Math" panose="02040503050406030204" pitchFamily="18" charset="0"/>
+                                </a:rPr>
                                 <m:t>𝑓𝑎𝑐𝑡𝑜𝑟</m:t>
                               </m:r>
                             </m:e>
                             <m:sub>
                               <m:r>
-                                <a:rPr lang="ru-RU" sz="2400" i="1"/>
+                                <a:rPr lang="ru-RU" sz="2400" i="1">
+                                  <a:latin typeface="Cambria Math" panose="02040503050406030204" pitchFamily="18" charset="0"/>
+                                </a:rPr>
                                 <m:t>𝐾</m:t>
                               </m:r>
                             </m:sub>
                           </m:sSub>
                           <m:r>
-                            <a:rPr lang="ru-RU" sz="2400" i="1"/>
+                            <a:rPr lang="ru-RU" sz="2400" i="1">
+                              <a:latin typeface="Cambria Math" panose="02040503050406030204" pitchFamily="18" charset="0"/>
+                            </a:rPr>
                             <m:t>)</m:t>
                           </m:r>
                         </m:e>
@@ -4005,7 +4520,7 @@
             </p:txBody>
           </p:sp>
         </mc:Choice>
-        <mc:Fallback>
+        <mc:Fallback xmlns="">
           <p:sp>
             <p:nvSpPr>
               <p:cNvPr id="8" name="Прямоугольник 7"/>
@@ -4044,6 +4559,30 @@
           </p:sp>
         </mc:Fallback>
       </mc:AlternateContent>
+      <p:sp>
+        <p:nvSpPr>
+          <p:cNvPr id="2" name="Номер слайда 1"/>
+          <p:cNvSpPr>
+            <a:spLocks noGrp="1"/>
+          </p:cNvSpPr>
+          <p:nvPr>
+            <p:ph type="sldNum" sz="quarter" idx="12"/>
+          </p:nvPr>
+        </p:nvSpPr>
+        <p:spPr/>
+        <p:txBody>
+          <a:bodyPr/>
+          <a:lstStyle/>
+          <a:p>
+            <a:fld id="{12A5530A-C36B-4239-A90C-AB8088D06C08}" type="slidenum">
+              <a:rPr lang="ru-RU" smtClean="0"/>
+              <a:pPr/>
+              <a:t>10</a:t>
+            </a:fld>
+            <a:endParaRPr lang="ru-RU"/>
+          </a:p>
+        </p:txBody>
+      </p:sp>
     </p:spTree>
     <p:extLst>
       <p:ext uri="{BB962C8B-B14F-4D97-AF65-F5344CB8AC3E}">
@@ -4241,7 +4780,6 @@
               <a:rPr lang="ru-RU" dirty="0"/>
               <a:t>1.1126 с</a:t>
             </a:r>
-            <a:endParaRPr lang="ru-RU" dirty="0"/>
           </a:p>
         </p:txBody>
       </p:sp>
@@ -4277,11 +4815,7 @@
             <a:pPr algn="r"/>
             <a:r>
               <a:rPr lang="ru-RU" dirty="0"/>
-              <a:t>Длина = </a:t>
-            </a:r>
-            <a:r>
-              <a:rPr lang="ru-RU" dirty="0"/>
-              <a:t> 1.0947 </a:t>
+              <a:t>Длина =  1.0947 </a:t>
             </a:r>
             <a:r>
               <a:rPr lang="ru-RU" dirty="0" smtClean="0"/>
@@ -4296,11 +4830,7 @@
             </a:r>
             <a:r>
               <a:rPr lang="ru-RU" dirty="0"/>
-              <a:t>построения = </a:t>
-            </a:r>
-            <a:r>
-              <a:rPr lang="ru-RU" dirty="0"/>
-              <a:t>131.1396 с</a:t>
+              <a:t>построения = 131.1396 с</a:t>
             </a:r>
           </a:p>
         </p:txBody>
@@ -4337,11 +4867,7 @@
             <a:pPr algn="ctr"/>
             <a:r>
               <a:rPr lang="ru-RU" dirty="0"/>
-              <a:t>Длина = </a:t>
-            </a:r>
-            <a:r>
-              <a:rPr lang="ru-RU" dirty="0"/>
-              <a:t>  1.0987 </a:t>
+              <a:t>Длина =   1.0987 </a:t>
             </a:r>
             <a:r>
               <a:rPr lang="ru-RU" dirty="0" smtClean="0"/>
@@ -4356,11 +4882,7 @@
             </a:r>
             <a:r>
               <a:rPr lang="ru-RU" dirty="0"/>
-              <a:t>построения = </a:t>
-            </a:r>
-            <a:r>
-              <a:rPr lang="ru-RU" dirty="0"/>
-              <a:t>114.5515 с</a:t>
+              <a:t>построения = 114.5515 с</a:t>
             </a:r>
           </a:p>
         </p:txBody>
@@ -4430,6 +4952,30 @@
           </a:prstGeom>
         </p:spPr>
       </p:pic>
+      <p:sp>
+        <p:nvSpPr>
+          <p:cNvPr id="2" name="Номер слайда 1"/>
+          <p:cNvSpPr>
+            <a:spLocks noGrp="1"/>
+          </p:cNvSpPr>
+          <p:nvPr>
+            <p:ph type="sldNum" sz="quarter" idx="12"/>
+          </p:nvPr>
+        </p:nvSpPr>
+        <p:spPr/>
+        <p:txBody>
+          <a:bodyPr/>
+          <a:lstStyle/>
+          <a:p>
+            <a:fld id="{12A5530A-C36B-4239-A90C-AB8088D06C08}" type="slidenum">
+              <a:rPr lang="ru-RU" smtClean="0"/>
+              <a:pPr/>
+              <a:t>11</a:t>
+            </a:fld>
+            <a:endParaRPr lang="ru-RU"/>
+          </a:p>
+        </p:txBody>
+      </p:sp>
     </p:spTree>
     <p:extLst>
       <p:ext uri="{BB962C8B-B14F-4D97-AF65-F5344CB8AC3E}">
@@ -4490,11 +5036,7 @@
             <a:pPr algn="ctr"/>
             <a:r>
               <a:rPr lang="ru-RU" dirty="0" smtClean="0"/>
-              <a:t>Цель и </a:t>
-            </a:r>
-            <a:r>
-              <a:rPr lang="ru-RU" dirty="0" smtClean="0"/>
-              <a:t>задачи работы</a:t>
+              <a:t>Цель и задачи работы</a:t>
             </a:r>
             <a:endParaRPr lang="ru-RU" dirty="0"/>
           </a:p>
@@ -4630,6 +5172,30 @@
               <a:t>.</a:t>
             </a:r>
             <a:endParaRPr lang="ru-RU" sz="3200" dirty="0"/>
+          </a:p>
+        </p:txBody>
+      </p:sp>
+      <p:sp>
+        <p:nvSpPr>
+          <p:cNvPr id="4" name="Номер слайда 3"/>
+          <p:cNvSpPr>
+            <a:spLocks noGrp="1"/>
+          </p:cNvSpPr>
+          <p:nvPr>
+            <p:ph type="sldNum" sz="quarter" idx="12"/>
+          </p:nvPr>
+        </p:nvSpPr>
+        <p:spPr/>
+        <p:txBody>
+          <a:bodyPr/>
+          <a:lstStyle/>
+          <a:p>
+            <a:fld id="{12A5530A-C36B-4239-A90C-AB8088D06C08}" type="slidenum">
+              <a:rPr lang="ru-RU" smtClean="0"/>
+              <a:pPr/>
+              <a:t>2</a:t>
+            </a:fld>
+            <a:endParaRPr lang="ru-RU"/>
           </a:p>
         </p:txBody>
       </p:sp>
@@ -4750,6 +5316,30 @@
           </a:prstGeom>
         </p:spPr>
       </p:pic>
+      <p:sp>
+        <p:nvSpPr>
+          <p:cNvPr id="3" name="Номер слайда 2"/>
+          <p:cNvSpPr>
+            <a:spLocks noGrp="1"/>
+          </p:cNvSpPr>
+          <p:nvPr>
+            <p:ph type="sldNum" sz="quarter" idx="12"/>
+          </p:nvPr>
+        </p:nvSpPr>
+        <p:spPr/>
+        <p:txBody>
+          <a:bodyPr/>
+          <a:lstStyle/>
+          <a:p>
+            <a:fld id="{12A5530A-C36B-4239-A90C-AB8088D06C08}" type="slidenum">
+              <a:rPr lang="ru-RU" smtClean="0"/>
+              <a:pPr/>
+              <a:t>3</a:t>
+            </a:fld>
+            <a:endParaRPr lang="ru-RU"/>
+          </a:p>
+        </p:txBody>
+      </p:sp>
     </p:spTree>
     <p:extLst>
       <p:ext uri="{BB962C8B-B14F-4D97-AF65-F5344CB8AC3E}">
@@ -4867,6 +5457,30 @@
           </a:prstGeom>
         </p:spPr>
       </p:pic>
+      <p:sp>
+        <p:nvSpPr>
+          <p:cNvPr id="3" name="Номер слайда 2"/>
+          <p:cNvSpPr>
+            <a:spLocks noGrp="1"/>
+          </p:cNvSpPr>
+          <p:nvPr>
+            <p:ph type="sldNum" sz="quarter" idx="12"/>
+          </p:nvPr>
+        </p:nvSpPr>
+        <p:spPr/>
+        <p:txBody>
+          <a:bodyPr/>
+          <a:lstStyle/>
+          <a:p>
+            <a:fld id="{12A5530A-C36B-4239-A90C-AB8088D06C08}" type="slidenum">
+              <a:rPr lang="ru-RU" smtClean="0"/>
+              <a:pPr/>
+              <a:t>4</a:t>
+            </a:fld>
+            <a:endParaRPr lang="ru-RU"/>
+          </a:p>
+        </p:txBody>
+      </p:sp>
     </p:spTree>
     <p:extLst>
       <p:ext uri="{BB962C8B-B14F-4D97-AF65-F5344CB8AC3E}">
@@ -5116,6 +5730,30 @@
           </a:p>
         </p:txBody>
       </p:sp>
+      <p:sp>
+        <p:nvSpPr>
+          <p:cNvPr id="2" name="Номер слайда 1"/>
+          <p:cNvSpPr>
+            <a:spLocks noGrp="1"/>
+          </p:cNvSpPr>
+          <p:nvPr>
+            <p:ph type="sldNum" sz="quarter" idx="12"/>
+          </p:nvPr>
+        </p:nvSpPr>
+        <p:spPr/>
+        <p:txBody>
+          <a:bodyPr/>
+          <a:lstStyle/>
+          <a:p>
+            <a:fld id="{12A5530A-C36B-4239-A90C-AB8088D06C08}" type="slidenum">
+              <a:rPr lang="ru-RU" smtClean="0"/>
+              <a:pPr/>
+              <a:t>5</a:t>
+            </a:fld>
+            <a:endParaRPr lang="ru-RU"/>
+          </a:p>
+        </p:txBody>
+      </p:sp>
     </p:spTree>
     <p:extLst>
       <p:ext uri="{BB962C8B-B14F-4D97-AF65-F5344CB8AC3E}">
@@ -5153,8 +5791,8 @@
           <a:chExt cx="0" cy="0"/>
         </a:xfrm>
       </p:grpSpPr>
-      <mc:AlternateContent xmlns:mc="http://schemas.openxmlformats.org/markup-compatibility/2006">
-        <mc:Choice xmlns:a14="http://schemas.microsoft.com/office/drawing/2010/main" Requires="a14">
+      <mc:AlternateContent xmlns:mc="http://schemas.openxmlformats.org/markup-compatibility/2006" xmlns:a14="http://schemas.microsoft.com/office/drawing/2010/main">
+        <mc:Choice Requires="a14">
           <p:sp>
             <p:nvSpPr>
               <p:cNvPr id="4" name="Объект 2"/>
@@ -5325,13 +5963,7 @@
                   <a:rPr lang="ru-RU" sz="2400" dirty="0">
                     <a:cs typeface="Times New Roman" panose="02020603050405020304" pitchFamily="18" charset="0"/>
                   </a:rPr>
-                  <a:t>множество ребер графа</a:t>
-                </a:r>
-                <a:r>
-                  <a:rPr lang="ru-RU" sz="2400" dirty="0">
-                    <a:cs typeface="Times New Roman" panose="02020603050405020304" pitchFamily="18" charset="0"/>
-                  </a:rPr>
-                  <a:t>.</a:t>
+                  <a:t>множество ребер графа.</a:t>
                 </a:r>
                 <a:r>
                   <a:rPr lang="en-US" sz="2400" dirty="0">
@@ -5822,13 +6454,7 @@
                   <a:rPr lang="ru-RU" sz="2400" dirty="0">
                     <a:cs typeface="Times New Roman" panose="02020603050405020304" pitchFamily="18" charset="0"/>
                   </a:rPr>
-                  <a:t>средний радиус </a:t>
-                </a:r>
-                <a:r>
-                  <a:rPr lang="ru-RU" sz="2400" dirty="0">
-                    <a:cs typeface="Times New Roman" panose="02020603050405020304" pitchFamily="18" charset="0"/>
-                  </a:rPr>
-                  <a:t>Земли</a:t>
+                  <a:t>средний радиус Земли</a:t>
                 </a:r>
                 <a:r>
                   <a:rPr lang="ru-RU" sz="2400" dirty="0">
@@ -5837,10 +6463,6 @@
                   </a:rPr>
                   <a:t>.</a:t>
                 </a:r>
-                <a:endParaRPr lang="ru-RU" sz="2400" dirty="0">
-                  <a:latin typeface="Times New Roman" panose="02020603050405020304" pitchFamily="18" charset="0"/>
-                  <a:cs typeface="Times New Roman" panose="02020603050405020304" pitchFamily="18" charset="0"/>
-                </a:endParaRPr>
               </a:p>
               <a:p>
                 <a:endParaRPr lang="ru-RU" sz="3200" dirty="0"/>
@@ -5848,7 +6470,7 @@
             </p:txBody>
           </p:sp>
         </mc:Choice>
-        <mc:Fallback>
+        <mc:Fallback xmlns="">
           <p:sp>
             <p:nvSpPr>
               <p:cNvPr id="4" name="Объект 2"/>
@@ -5936,6 +6558,30 @@
           </a:p>
         </p:txBody>
       </p:sp>
+      <p:sp>
+        <p:nvSpPr>
+          <p:cNvPr id="2" name="Номер слайда 1"/>
+          <p:cNvSpPr>
+            <a:spLocks noGrp="1"/>
+          </p:cNvSpPr>
+          <p:nvPr>
+            <p:ph type="sldNum" sz="quarter" idx="12"/>
+          </p:nvPr>
+        </p:nvSpPr>
+        <p:spPr/>
+        <p:txBody>
+          <a:bodyPr/>
+          <a:lstStyle/>
+          <a:p>
+            <a:fld id="{12A5530A-C36B-4239-A90C-AB8088D06C08}" type="slidenum">
+              <a:rPr lang="ru-RU" smtClean="0"/>
+              <a:pPr/>
+              <a:t>6</a:t>
+            </a:fld>
+            <a:endParaRPr lang="ru-RU"/>
+          </a:p>
+        </p:txBody>
+      </p:sp>
     </p:spTree>
     <p:extLst>
       <p:ext uri="{BB962C8B-B14F-4D97-AF65-F5344CB8AC3E}">
@@ -7108,6 +7754,30 @@
           </a:p>
         </p:txBody>
       </p:sp>
+      <p:sp>
+        <p:nvSpPr>
+          <p:cNvPr id="2" name="Номер слайда 1"/>
+          <p:cNvSpPr>
+            <a:spLocks noGrp="1"/>
+          </p:cNvSpPr>
+          <p:nvPr>
+            <p:ph type="sldNum" sz="quarter" idx="12"/>
+          </p:nvPr>
+        </p:nvSpPr>
+        <p:spPr/>
+        <p:txBody>
+          <a:bodyPr/>
+          <a:lstStyle/>
+          <a:p>
+            <a:fld id="{12A5530A-C36B-4239-A90C-AB8088D06C08}" type="slidenum">
+              <a:rPr lang="ru-RU" smtClean="0"/>
+              <a:pPr/>
+              <a:t>7</a:t>
+            </a:fld>
+            <a:endParaRPr lang="ru-RU"/>
+          </a:p>
+        </p:txBody>
+      </p:sp>
     </p:spTree>
     <p:extLst>
       <p:ext uri="{BB962C8B-B14F-4D97-AF65-F5344CB8AC3E}">
@@ -7145,8 +7815,8 @@
           <a:chExt cx="0" cy="0"/>
         </a:xfrm>
       </p:grpSpPr>
-      <mc:AlternateContent xmlns:mc="http://schemas.openxmlformats.org/markup-compatibility/2006">
-        <mc:Choice xmlns:a14="http://schemas.microsoft.com/office/drawing/2010/main" Requires="a14">
+      <mc:AlternateContent xmlns:mc="http://schemas.openxmlformats.org/markup-compatibility/2006" xmlns:a14="http://schemas.microsoft.com/office/drawing/2010/main">
+        <mc:Choice Requires="a14">
           <p:sp>
             <p:nvSpPr>
               <p:cNvPr id="4" name="Объект 2"/>
@@ -7613,7 +8283,7 @@
             </p:txBody>
           </p:sp>
         </mc:Choice>
-        <mc:Fallback>
+        <mc:Fallback xmlns="">
           <p:sp>
             <p:nvSpPr>
               <p:cNvPr id="4" name="Объект 2"/>
@@ -7716,6 +8386,30 @@
           </a:p>
         </p:txBody>
       </p:sp>
+      <p:sp>
+        <p:nvSpPr>
+          <p:cNvPr id="2" name="Номер слайда 1"/>
+          <p:cNvSpPr>
+            <a:spLocks noGrp="1"/>
+          </p:cNvSpPr>
+          <p:nvPr>
+            <p:ph type="sldNum" sz="quarter" idx="12"/>
+          </p:nvPr>
+        </p:nvSpPr>
+        <p:spPr/>
+        <p:txBody>
+          <a:bodyPr/>
+          <a:lstStyle/>
+          <a:p>
+            <a:fld id="{12A5530A-C36B-4239-A90C-AB8088D06C08}" type="slidenum">
+              <a:rPr lang="ru-RU" smtClean="0"/>
+              <a:pPr/>
+              <a:t>8</a:t>
+            </a:fld>
+            <a:endParaRPr lang="ru-RU"/>
+          </a:p>
+        </p:txBody>
+      </p:sp>
     </p:spTree>
     <p:extLst>
       <p:ext uri="{BB962C8B-B14F-4D97-AF65-F5344CB8AC3E}">
@@ -7753,8 +8447,8 @@
           <a:chExt cx="0" cy="0"/>
         </a:xfrm>
       </p:grpSpPr>
-      <mc:AlternateContent xmlns:mc="http://schemas.openxmlformats.org/markup-compatibility/2006">
-        <mc:Choice xmlns:a14="http://schemas.microsoft.com/office/drawing/2010/main" Requires="a14">
+      <mc:AlternateContent xmlns:mc="http://schemas.openxmlformats.org/markup-compatibility/2006" xmlns:a14="http://schemas.microsoft.com/office/drawing/2010/main">
+        <mc:Choice Requires="a14">
           <p:sp>
             <p:nvSpPr>
               <p:cNvPr id="4" name="Объект 2"/>
@@ -7807,80 +8501,110 @@
                     <m:sSup>
                       <m:sSupPr>
                         <m:ctrlPr>
-                          <a:rPr lang="ru-RU" i="1" smtClean="0"/>
+                          <a:rPr lang="ru-RU" i="1" smtClean="0">
+                            <a:latin typeface="Cambria Math" panose="02040503050406030204" pitchFamily="18" charset="0"/>
+                          </a:rPr>
                         </m:ctrlPr>
                       </m:sSupPr>
                       <m:e>
                         <m:r>
-                          <a:rPr lang="ru-RU" i="1"/>
+                          <a:rPr lang="ru-RU" i="1">
+                            <a:latin typeface="Cambria Math" panose="02040503050406030204" pitchFamily="18" charset="0"/>
+                          </a:rPr>
                           <m:t>𝑃</m:t>
                         </m:r>
                       </m:e>
                       <m:sup>
                         <m:r>
-                          <a:rPr lang="ru-RU" i="1"/>
+                          <a:rPr lang="ru-RU" i="1">
+                            <a:latin typeface="Cambria Math" panose="02040503050406030204" pitchFamily="18" charset="0"/>
+                          </a:rPr>
                           <m:t>𝑘</m:t>
                         </m:r>
                       </m:sup>
                     </m:sSup>
                     <m:r>
-                      <a:rPr lang="ru-RU" i="1"/>
+                      <a:rPr lang="ru-RU" i="1">
+                        <a:latin typeface="Cambria Math" panose="02040503050406030204" pitchFamily="18" charset="0"/>
+                      </a:rPr>
                       <m:t>=</m:t>
                     </m:r>
                     <m:r>
-                      <a:rPr lang="ru-RU" i="1"/>
+                      <a:rPr lang="ru-RU" i="1">
+                        <a:latin typeface="Cambria Math" panose="02040503050406030204" pitchFamily="18" charset="0"/>
+                      </a:rPr>
                       <m:t>𝑠</m:t>
                     </m:r>
                     <m:r>
-                      <a:rPr lang="ru-RU" i="1"/>
+                      <a:rPr lang="ru-RU" i="1">
+                        <a:latin typeface="Cambria Math" panose="02040503050406030204" pitchFamily="18" charset="0"/>
+                      </a:rPr>
                       <m:t>,</m:t>
                     </m:r>
                     <m:sSubSup>
                       <m:sSubSupPr>
                         <m:ctrlPr>
-                          <a:rPr lang="ru-RU" i="1"/>
+                          <a:rPr lang="ru-RU" i="1">
+                            <a:latin typeface="Cambria Math" panose="02040503050406030204" pitchFamily="18" charset="0"/>
+                          </a:rPr>
                         </m:ctrlPr>
                       </m:sSubSupPr>
                       <m:e>
                         <m:r>
-                          <a:rPr lang="ru-RU" i="1"/>
+                          <a:rPr lang="ru-RU" i="1">
+                            <a:latin typeface="Cambria Math" panose="02040503050406030204" pitchFamily="18" charset="0"/>
+                          </a:rPr>
                           <m:t> </m:t>
                         </m:r>
                         <m:r>
-                          <a:rPr lang="ru-RU" i="1"/>
+                          <a:rPr lang="ru-RU" i="1">
+                            <a:latin typeface="Cambria Math" panose="02040503050406030204" pitchFamily="18" charset="0"/>
+                          </a:rPr>
                           <m:t>𝑥</m:t>
                         </m:r>
                       </m:e>
                       <m:sub>
                         <m:r>
-                          <a:rPr lang="ru-RU" i="1"/>
+                          <a:rPr lang="ru-RU" i="1">
+                            <a:latin typeface="Cambria Math" panose="02040503050406030204" pitchFamily="18" charset="0"/>
+                          </a:rPr>
                           <m:t>2</m:t>
                         </m:r>
                       </m:sub>
                       <m:sup>
                         <m:r>
-                          <a:rPr lang="ru-RU" i="1"/>
+                          <a:rPr lang="ru-RU" i="1">
+                            <a:latin typeface="Cambria Math" panose="02040503050406030204" pitchFamily="18" charset="0"/>
+                          </a:rPr>
                           <m:t>𝑘</m:t>
                         </m:r>
                       </m:sup>
                     </m:sSubSup>
                     <m:r>
-                      <a:rPr lang="ru-RU" i="1" smtClean="0"/>
+                      <a:rPr lang="ru-RU" i="1" smtClean="0">
+                        <a:latin typeface="Cambria Math" panose="02040503050406030204" pitchFamily="18" charset="0"/>
+                      </a:rPr>
                       <m:t>, </m:t>
                     </m:r>
                     <m:r>
-                      <a:rPr lang="ru-RU" i="1"/>
+                      <a:rPr lang="ru-RU" i="1">
+                        <a:latin typeface="Cambria Math" panose="02040503050406030204" pitchFamily="18" charset="0"/>
+                      </a:rPr>
                       <m:t>… , </m:t>
                     </m:r>
                     <m:sSubSup>
                       <m:sSubSupPr>
                         <m:ctrlPr>
-                          <a:rPr lang="ru-RU" i="1"/>
+                          <a:rPr lang="ru-RU" i="1">
+                            <a:latin typeface="Cambria Math" panose="02040503050406030204" pitchFamily="18" charset="0"/>
+                          </a:rPr>
                         </m:ctrlPr>
                       </m:sSubSupPr>
                       <m:e>
                         <m:r>
-                          <a:rPr lang="ru-RU" i="1"/>
+                          <a:rPr lang="ru-RU" i="1">
+                            <a:latin typeface="Cambria Math" panose="02040503050406030204" pitchFamily="18" charset="0"/>
+                          </a:rPr>
                           <m:t>𝑥</m:t>
                         </m:r>
                       </m:e>
@@ -7888,18 +8612,24 @@
                         <m:sSub>
                           <m:sSubPr>
                             <m:ctrlPr>
-                              <a:rPr lang="ru-RU" i="1"/>
+                              <a:rPr lang="ru-RU" i="1">
+                                <a:latin typeface="Cambria Math" panose="02040503050406030204" pitchFamily="18" charset="0"/>
+                              </a:rPr>
                             </m:ctrlPr>
                           </m:sSubPr>
                           <m:e>
                             <m:r>
-                              <a:rPr lang="ru-RU" i="1"/>
+                              <a:rPr lang="ru-RU" i="1">
+                                <a:latin typeface="Cambria Math" panose="02040503050406030204" pitchFamily="18" charset="0"/>
+                              </a:rPr>
                               <m:t>𝑞</m:t>
                             </m:r>
                           </m:e>
                           <m:sub>
                             <m:r>
-                              <a:rPr lang="ru-RU" i="1"/>
+                              <a:rPr lang="ru-RU" i="1">
+                                <a:latin typeface="Cambria Math" panose="02040503050406030204" pitchFamily="18" charset="0"/>
+                              </a:rPr>
                               <m:t>𝑘</m:t>
                             </m:r>
                           </m:sub>
@@ -7907,17 +8637,23 @@
                       </m:sub>
                       <m:sup>
                         <m:r>
-                          <a:rPr lang="ru-RU" i="1"/>
+                          <a:rPr lang="ru-RU" i="1">
+                            <a:latin typeface="Cambria Math" panose="02040503050406030204" pitchFamily="18" charset="0"/>
+                          </a:rPr>
                           <m:t>𝑘</m:t>
                         </m:r>
                       </m:sup>
                     </m:sSubSup>
                     <m:r>
-                      <a:rPr lang="ru-RU" i="1"/>
+                      <a:rPr lang="ru-RU" i="1">
+                        <a:latin typeface="Cambria Math" panose="02040503050406030204" pitchFamily="18" charset="0"/>
+                      </a:rPr>
                       <m:t>, </m:t>
                     </m:r>
                     <m:r>
-                      <a:rPr lang="ru-RU" i="1"/>
+                      <a:rPr lang="ru-RU" i="1">
+                        <a:latin typeface="Cambria Math" panose="02040503050406030204" pitchFamily="18" charset="0"/>
+                      </a:rPr>
                       <m:t>𝑡</m:t>
                     </m:r>
                   </m:oMath>
@@ -7929,7 +8665,9 @@
                 <a14:m>
                   <m:oMath xmlns:m="http://schemas.openxmlformats.org/officeDocument/2006/math">
                     <m:r>
-                      <a:rPr lang="ru-RU" i="1"/>
+                      <a:rPr lang="ru-RU" i="1">
+                        <a:latin typeface="Cambria Math" panose="02040503050406030204" pitchFamily="18" charset="0"/>
+                      </a:rPr>
                       <m:t>𝑘</m:t>
                     </m:r>
                   </m:oMath>
@@ -7945,7 +8683,9 @@
                 <a14:m>
                   <m:oMath xmlns:m="http://schemas.openxmlformats.org/officeDocument/2006/math">
                     <m:r>
-                      <a:rPr lang="ru-RU" i="1"/>
+                      <a:rPr lang="ru-RU" i="1">
+                        <a:latin typeface="Cambria Math" panose="02040503050406030204" pitchFamily="18" charset="0"/>
+                      </a:rPr>
                       <m:t>𝑠</m:t>
                     </m:r>
                   </m:oMath>
@@ -7957,7 +8697,9 @@
                 <a14:m>
                   <m:oMath xmlns:m="http://schemas.openxmlformats.org/officeDocument/2006/math">
                     <m:r>
-                      <a:rPr lang="ru-RU" i="1"/>
+                      <a:rPr lang="ru-RU" i="1">
+                        <a:latin typeface="Cambria Math" panose="02040503050406030204" pitchFamily="18" charset="0"/>
+                      </a:rPr>
                       <m:t>𝑡</m:t>
                     </m:r>
                   </m:oMath>
@@ -7971,24 +8713,32 @@
                     <m:sSubSup>
                       <m:sSubSupPr>
                         <m:ctrlPr>
-                          <a:rPr lang="ru-RU" i="1"/>
+                          <a:rPr lang="ru-RU" i="1">
+                            <a:latin typeface="Cambria Math" panose="02040503050406030204" pitchFamily="18" charset="0"/>
+                          </a:rPr>
                         </m:ctrlPr>
                       </m:sSubSupPr>
                       <m:e>
                         <m:r>
-                          <a:rPr lang="ru-RU" i="1"/>
+                          <a:rPr lang="ru-RU" i="1">
+                            <a:latin typeface="Cambria Math" panose="02040503050406030204" pitchFamily="18" charset="0"/>
+                          </a:rPr>
                           <m:t>𝑃</m:t>
                         </m:r>
                       </m:e>
                       <m:sub>
                         <m:r>
-                          <a:rPr lang="ru-RU" i="1"/>
+                          <a:rPr lang="ru-RU" i="1">
+                            <a:latin typeface="Cambria Math" panose="02040503050406030204" pitchFamily="18" charset="0"/>
+                          </a:rPr>
                           <m:t>𝑖</m:t>
                         </m:r>
                       </m:sub>
                       <m:sup>
                         <m:r>
-                          <a:rPr lang="ru-RU" i="1"/>
+                          <a:rPr lang="ru-RU" i="1">
+                            <a:latin typeface="Cambria Math" panose="02040503050406030204" pitchFamily="18" charset="0"/>
+                          </a:rPr>
                           <m:t>𝑘</m:t>
                         </m:r>
                       </m:sup>
@@ -8004,22 +8754,30 @@
                     <m:sSup>
                       <m:sSupPr>
                         <m:ctrlPr>
-                          <a:rPr lang="ru-RU" i="1"/>
+                          <a:rPr lang="ru-RU" i="1">
+                            <a:latin typeface="Cambria Math" panose="02040503050406030204" pitchFamily="18" charset="0"/>
+                          </a:rPr>
                         </m:ctrlPr>
                       </m:sSupPr>
                       <m:e>
                         <m:r>
-                          <a:rPr lang="ru-RU" i="1"/>
+                          <a:rPr lang="ru-RU" i="1">
+                            <a:latin typeface="Cambria Math" panose="02040503050406030204" pitchFamily="18" charset="0"/>
+                          </a:rPr>
                           <m:t>𝑃</m:t>
                         </m:r>
                       </m:e>
                       <m:sup>
                         <m:r>
-                          <a:rPr lang="ru-RU" i="1"/>
+                          <a:rPr lang="ru-RU" i="1">
+                            <a:latin typeface="Cambria Math" panose="02040503050406030204" pitchFamily="18" charset="0"/>
+                          </a:rPr>
                           <m:t>𝑘</m:t>
                         </m:r>
                         <m:r>
-                          <a:rPr lang="ru-RU" i="1"/>
+                          <a:rPr lang="ru-RU" i="1">
+                            <a:latin typeface="Cambria Math" panose="02040503050406030204" pitchFamily="18" charset="0"/>
+                          </a:rPr>
                           <m:t>−1</m:t>
                         </m:r>
                       </m:sup>
@@ -8033,7 +8791,9 @@
                 <a14:m>
                   <m:oMath xmlns:m="http://schemas.openxmlformats.org/officeDocument/2006/math">
                     <m:r>
-                      <a:rPr lang="ru-RU" i="1"/>
+                      <a:rPr lang="ru-RU" i="1">
+                        <a:latin typeface="Cambria Math" panose="02040503050406030204" pitchFamily="18" charset="0"/>
+                      </a:rPr>
                       <m:t>𝑠</m:t>
                     </m:r>
                   </m:oMath>
@@ -8047,28 +8807,38 @@
                     <m:sSubSup>
                       <m:sSubSupPr>
                         <m:ctrlPr>
-                          <a:rPr lang="ru-RU" i="1"/>
+                          <a:rPr lang="ru-RU" i="1">
+                            <a:latin typeface="Cambria Math" panose="02040503050406030204" pitchFamily="18" charset="0"/>
+                          </a:rPr>
                         </m:ctrlPr>
                       </m:sSubSupPr>
                       <m:e>
                         <m:r>
-                          <a:rPr lang="ru-RU" i="1"/>
+                          <a:rPr lang="ru-RU" i="1">
+                            <a:latin typeface="Cambria Math" panose="02040503050406030204" pitchFamily="18" charset="0"/>
+                          </a:rPr>
                           <m:t>𝑥</m:t>
                         </m:r>
                       </m:e>
                       <m:sub>
                         <m:r>
-                          <a:rPr lang="ru-RU" i="1"/>
+                          <a:rPr lang="ru-RU" i="1">
+                            <a:latin typeface="Cambria Math" panose="02040503050406030204" pitchFamily="18" charset="0"/>
+                          </a:rPr>
                           <m:t>𝑖</m:t>
                         </m:r>
                       </m:sub>
                       <m:sup>
                         <m:r>
-                          <a:rPr lang="ru-RU" i="1"/>
+                          <a:rPr lang="ru-RU" i="1">
+                            <a:latin typeface="Cambria Math" panose="02040503050406030204" pitchFamily="18" charset="0"/>
+                          </a:rPr>
                           <m:t>𝑘</m:t>
                         </m:r>
                         <m:r>
-                          <a:rPr lang="ru-RU" i="1"/>
+                          <a:rPr lang="ru-RU" i="1">
+                            <a:latin typeface="Cambria Math" panose="02040503050406030204" pitchFamily="18" charset="0"/>
+                          </a:rPr>
                           <m:t>−1</m:t>
                         </m:r>
                       </m:sup>
@@ -8082,15 +8852,21 @@
                 <a14:m>
                   <m:oMath xmlns:m="http://schemas.openxmlformats.org/officeDocument/2006/math">
                     <m:r>
-                      <a:rPr lang="ru-RU" i="1"/>
+                      <a:rPr lang="ru-RU" i="1">
+                        <a:latin typeface="Cambria Math" panose="02040503050406030204" pitchFamily="18" charset="0"/>
+                      </a:rPr>
                       <m:t> (</m:t>
                     </m:r>
                     <m:r>
-                      <a:rPr lang="en-US" i="1"/>
+                      <a:rPr lang="en-US" i="1">
+                        <a:latin typeface="Cambria Math" panose="02040503050406030204" pitchFamily="18" charset="0"/>
+                      </a:rPr>
                       <m:t>𝑖</m:t>
                     </m:r>
                     <m:r>
-                      <a:rPr lang="ru-RU" i="1"/>
+                      <a:rPr lang="ru-RU" i="1">
+                        <a:latin typeface="Cambria Math" panose="02040503050406030204" pitchFamily="18" charset="0"/>
+                      </a:rPr>
                       <m:t>+1)</m:t>
                     </m:r>
                   </m:oMath>
@@ -8104,40 +8880,56 @@
                     <m:sSup>
                       <m:sSupPr>
                         <m:ctrlPr>
-                          <a:rPr lang="ru-RU" i="1"/>
+                          <a:rPr lang="ru-RU" i="1">
+                            <a:latin typeface="Cambria Math" panose="02040503050406030204" pitchFamily="18" charset="0"/>
+                          </a:rPr>
                         </m:ctrlPr>
                       </m:sSupPr>
                       <m:e>
                         <m:r>
-                          <a:rPr lang="ru-RU" i="1"/>
+                          <a:rPr lang="ru-RU" i="1">
+                            <a:latin typeface="Cambria Math" panose="02040503050406030204" pitchFamily="18" charset="0"/>
+                          </a:rPr>
                           <m:t>𝑃</m:t>
                         </m:r>
                       </m:e>
                       <m:sup>
                         <m:r>
-                          <a:rPr lang="ru-RU" i="1"/>
+                          <a:rPr lang="ru-RU" i="1">
+                            <a:latin typeface="Cambria Math" panose="02040503050406030204" pitchFamily="18" charset="0"/>
+                          </a:rPr>
                           <m:t>𝑗</m:t>
                         </m:r>
                       </m:sup>
                     </m:sSup>
                     <m:r>
-                      <a:rPr lang="ru-RU" i="1"/>
+                      <a:rPr lang="ru-RU" i="1">
+                        <a:latin typeface="Cambria Math" panose="02040503050406030204" pitchFamily="18" charset="0"/>
+                      </a:rPr>
                       <m:t> (</m:t>
                     </m:r>
                     <m:r>
-                      <a:rPr lang="ru-RU" i="1"/>
+                      <a:rPr lang="ru-RU" i="1">
+                        <a:latin typeface="Cambria Math" panose="02040503050406030204" pitchFamily="18" charset="0"/>
+                      </a:rPr>
                       <m:t>𝑗</m:t>
                     </m:r>
                     <m:r>
-                      <a:rPr lang="ru-RU" i="1"/>
+                      <a:rPr lang="ru-RU" i="1">
+                        <a:latin typeface="Cambria Math" panose="02040503050406030204" pitchFamily="18" charset="0"/>
+                      </a:rPr>
                       <m:t>=1, 2, …, </m:t>
                     </m:r>
                     <m:r>
-                      <a:rPr lang="ru-RU" i="1"/>
+                      <a:rPr lang="ru-RU" i="1">
+                        <a:latin typeface="Cambria Math" panose="02040503050406030204" pitchFamily="18" charset="0"/>
+                      </a:rPr>
                       <m:t>𝑘</m:t>
                     </m:r>
                     <m:r>
-                      <a:rPr lang="ru-RU" i="1"/>
+                      <a:rPr lang="ru-RU" i="1">
+                        <a:latin typeface="Cambria Math" panose="02040503050406030204" pitchFamily="18" charset="0"/>
+                      </a:rPr>
                       <m:t>−1)</m:t>
                     </m:r>
                   </m:oMath>
@@ -8151,24 +8943,32 @@
                     <m:sSubSup>
                       <m:sSubSupPr>
                         <m:ctrlPr>
-                          <a:rPr lang="ru-RU" i="1"/>
+                          <a:rPr lang="ru-RU" i="1">
+                            <a:latin typeface="Cambria Math" panose="02040503050406030204" pitchFamily="18" charset="0"/>
+                          </a:rPr>
                         </m:ctrlPr>
                       </m:sSubSupPr>
                       <m:e>
                         <m:r>
-                          <a:rPr lang="ru-RU" i="1"/>
+                          <a:rPr lang="ru-RU" i="1">
+                            <a:latin typeface="Cambria Math" panose="02040503050406030204" pitchFamily="18" charset="0"/>
+                          </a:rPr>
                           <m:t>𝑃</m:t>
                         </m:r>
                       </m:e>
                       <m:sub>
                         <m:r>
-                          <a:rPr lang="ru-RU" i="1"/>
+                          <a:rPr lang="ru-RU" i="1">
+                            <a:latin typeface="Cambria Math" panose="02040503050406030204" pitchFamily="18" charset="0"/>
+                          </a:rPr>
                           <m:t>𝑖</m:t>
                         </m:r>
                       </m:sub>
                       <m:sup>
                         <m:r>
-                          <a:rPr lang="ru-RU" i="1"/>
+                          <a:rPr lang="ru-RU" i="1">
+                            <a:latin typeface="Cambria Math" panose="02040503050406030204" pitchFamily="18" charset="0"/>
+                          </a:rPr>
                           <m:t>𝑘</m:t>
                         </m:r>
                       </m:sup>
@@ -8182,7 +8982,9 @@
                 <a14:m>
                   <m:oMath xmlns:m="http://schemas.openxmlformats.org/officeDocument/2006/math">
                     <m:r>
-                      <a:rPr lang="ru-RU" i="1"/>
+                      <a:rPr lang="ru-RU" i="1">
+                        <a:latin typeface="Cambria Math" panose="02040503050406030204" pitchFamily="18" charset="0"/>
+                      </a:rPr>
                       <m:t>𝑡</m:t>
                     </m:r>
                   </m:oMath>
@@ -8202,104 +9004,142 @@
                 <a14:m>
                   <m:oMath xmlns:m="http://schemas.openxmlformats.org/officeDocument/2006/math">
                     <m:r>
-                      <a:rPr lang="en-US" i="1"/>
+                      <a:rPr lang="en-US" i="1">
+                        <a:latin typeface="Cambria Math" panose="02040503050406030204" pitchFamily="18" charset="0"/>
+                      </a:rPr>
                       <m:t>𝑠</m:t>
                     </m:r>
                     <m:r>
-                      <a:rPr lang="ru-RU" i="1"/>
+                      <a:rPr lang="ru-RU" i="1">
+                        <a:latin typeface="Cambria Math" panose="02040503050406030204" pitchFamily="18" charset="0"/>
+                      </a:rPr>
                       <m:t>,</m:t>
                     </m:r>
                     <m:sSubSup>
                       <m:sSubSupPr>
                         <m:ctrlPr>
-                          <a:rPr lang="ru-RU" i="1"/>
+                          <a:rPr lang="ru-RU" i="1">
+                            <a:latin typeface="Cambria Math" panose="02040503050406030204" pitchFamily="18" charset="0"/>
+                          </a:rPr>
                         </m:ctrlPr>
                       </m:sSubSupPr>
                       <m:e>
                         <m:r>
-                          <a:rPr lang="ru-RU" i="1"/>
+                          <a:rPr lang="ru-RU" i="1">
+                            <a:latin typeface="Cambria Math" panose="02040503050406030204" pitchFamily="18" charset="0"/>
+                          </a:rPr>
                           <m:t>𝑥</m:t>
                         </m:r>
                       </m:e>
                       <m:sub>
                         <m:r>
-                          <a:rPr lang="ru-RU" i="1"/>
+                          <a:rPr lang="ru-RU" i="1">
+                            <a:latin typeface="Cambria Math" panose="02040503050406030204" pitchFamily="18" charset="0"/>
+                          </a:rPr>
                           <m:t>2</m:t>
                         </m:r>
                       </m:sub>
                       <m:sup>
                         <m:r>
-                          <a:rPr lang="ru-RU" i="1"/>
+                          <a:rPr lang="ru-RU" i="1">
+                            <a:latin typeface="Cambria Math" panose="02040503050406030204" pitchFamily="18" charset="0"/>
+                          </a:rPr>
                           <m:t>𝑘</m:t>
                         </m:r>
                         <m:r>
-                          <a:rPr lang="ru-RU" i="1"/>
+                          <a:rPr lang="ru-RU" i="1">
+                            <a:latin typeface="Cambria Math" panose="02040503050406030204" pitchFamily="18" charset="0"/>
+                          </a:rPr>
                           <m:t>−1</m:t>
                         </m:r>
                       </m:sup>
                     </m:sSubSup>
                     <m:r>
-                      <a:rPr lang="ru-RU" i="1"/>
+                      <a:rPr lang="ru-RU" i="1">
+                        <a:latin typeface="Cambria Math" panose="02040503050406030204" pitchFamily="18" charset="0"/>
+                      </a:rPr>
                       <m:t>, </m:t>
                     </m:r>
                     <m:sSubSup>
                       <m:sSubSupPr>
                         <m:ctrlPr>
-                          <a:rPr lang="ru-RU" i="1"/>
+                          <a:rPr lang="ru-RU" i="1">
+                            <a:latin typeface="Cambria Math" panose="02040503050406030204" pitchFamily="18" charset="0"/>
+                          </a:rPr>
                         </m:ctrlPr>
                       </m:sSubSupPr>
                       <m:e>
                         <m:r>
-                          <a:rPr lang="ru-RU" i="1"/>
+                          <a:rPr lang="ru-RU" i="1">
+                            <a:latin typeface="Cambria Math" panose="02040503050406030204" pitchFamily="18" charset="0"/>
+                          </a:rPr>
                           <m:t>𝑥</m:t>
                         </m:r>
                       </m:e>
                       <m:sub>
                         <m:r>
-                          <a:rPr lang="ru-RU" i="1"/>
+                          <a:rPr lang="ru-RU" i="1">
+                            <a:latin typeface="Cambria Math" panose="02040503050406030204" pitchFamily="18" charset="0"/>
+                          </a:rPr>
                           <m:t>3</m:t>
                         </m:r>
                       </m:sub>
                       <m:sup>
                         <m:r>
-                          <a:rPr lang="ru-RU" i="1"/>
+                          <a:rPr lang="ru-RU" i="1">
+                            <a:latin typeface="Cambria Math" panose="02040503050406030204" pitchFamily="18" charset="0"/>
+                          </a:rPr>
                           <m:t>𝑘</m:t>
                         </m:r>
                         <m:r>
-                          <a:rPr lang="ru-RU" i="1"/>
+                          <a:rPr lang="ru-RU" i="1">
+                            <a:latin typeface="Cambria Math" panose="02040503050406030204" pitchFamily="18" charset="0"/>
+                          </a:rPr>
                           <m:t>−1</m:t>
                         </m:r>
                       </m:sup>
                     </m:sSubSup>
                     <m:r>
-                      <a:rPr lang="ru-RU" i="1"/>
+                      <a:rPr lang="ru-RU" i="1">
+                        <a:latin typeface="Cambria Math" panose="02040503050406030204" pitchFamily="18" charset="0"/>
+                      </a:rPr>
                       <m:t>, … , </m:t>
                     </m:r>
                     <m:sSubSup>
                       <m:sSubSupPr>
                         <m:ctrlPr>
-                          <a:rPr lang="ru-RU" i="1"/>
+                          <a:rPr lang="ru-RU" i="1">
+                            <a:latin typeface="Cambria Math" panose="02040503050406030204" pitchFamily="18" charset="0"/>
+                          </a:rPr>
                         </m:ctrlPr>
                       </m:sSubSupPr>
                       <m:e>
                         <m:r>
-                          <a:rPr lang="ru-RU" i="1"/>
+                          <a:rPr lang="ru-RU" i="1">
+                            <a:latin typeface="Cambria Math" panose="02040503050406030204" pitchFamily="18" charset="0"/>
+                          </a:rPr>
                           <m:t>𝑥</m:t>
                         </m:r>
                       </m:e>
                       <m:sub>
                         <m:r>
-                          <a:rPr lang="ru-RU" i="1"/>
+                          <a:rPr lang="ru-RU" i="1">
+                            <a:latin typeface="Cambria Math" panose="02040503050406030204" pitchFamily="18" charset="0"/>
+                          </a:rPr>
                           <m:t>𝑖</m:t>
                         </m:r>
                       </m:sub>
                       <m:sup>
                         <m:r>
-                          <a:rPr lang="ru-RU" i="1"/>
+                          <a:rPr lang="ru-RU" i="1">
+                            <a:latin typeface="Cambria Math" panose="02040503050406030204" pitchFamily="18" charset="0"/>
+                          </a:rPr>
                           <m:t>𝑘</m:t>
                         </m:r>
                         <m:r>
-                          <a:rPr lang="ru-RU" i="1"/>
+                          <a:rPr lang="ru-RU" i="1">
+                            <a:latin typeface="Cambria Math" panose="02040503050406030204" pitchFamily="18" charset="0"/>
+                          </a:rPr>
                           <m:t>−1</m:t>
                         </m:r>
                       </m:sup>
@@ -8318,7 +9158,7 @@
             </p:txBody>
           </p:sp>
         </mc:Choice>
-        <mc:Fallback>
+        <mc:Fallback xmlns="">
           <p:sp>
             <p:nvSpPr>
               <p:cNvPr id="4" name="Объект 2"/>
@@ -8410,6 +9250,30 @@
               <a:t>Алгоритм Йена</a:t>
             </a:r>
             <a:endParaRPr lang="ru-RU" dirty="0"/>
+          </a:p>
+        </p:txBody>
+      </p:sp>
+      <p:sp>
+        <p:nvSpPr>
+          <p:cNvPr id="2" name="Номер слайда 1"/>
+          <p:cNvSpPr>
+            <a:spLocks noGrp="1"/>
+          </p:cNvSpPr>
+          <p:nvPr>
+            <p:ph type="sldNum" sz="quarter" idx="12"/>
+          </p:nvPr>
+        </p:nvSpPr>
+        <p:spPr/>
+        <p:txBody>
+          <a:bodyPr/>
+          <a:lstStyle/>
+          <a:p>
+            <a:fld id="{12A5530A-C36B-4239-A90C-AB8088D06C08}" type="slidenum">
+              <a:rPr lang="ru-RU" smtClean="0"/>
+              <a:pPr/>
+              <a:t>9</a:t>
+            </a:fld>
+            <a:endParaRPr lang="ru-RU"/>
           </a:p>
         </p:txBody>
       </p:sp>
@@ -8692,4 +9556,265 @@
     </a:ext>
   </a:extLst>
 </a:theme>
+</file>
+
+<file path=ppt/theme/theme2.xml><?xml version="1.0" encoding="utf-8"?>
+<a:theme xmlns:a="http://schemas.openxmlformats.org/drawingml/2006/main" name="Тема Office">
+  <a:themeElements>
+    <a:clrScheme name="Стандартная">
+      <a:dk1>
+        <a:sysClr val="windowText" lastClr="000000"/>
+      </a:dk1>
+      <a:lt1>
+        <a:sysClr val="window" lastClr="FFFFFF"/>
+      </a:lt1>
+      <a:dk2>
+        <a:srgbClr val="44546A"/>
+      </a:dk2>
+      <a:lt2>
+        <a:srgbClr val="E7E6E6"/>
+      </a:lt2>
+      <a:accent1>
+        <a:srgbClr val="5B9BD5"/>
+      </a:accent1>
+      <a:accent2>
+        <a:srgbClr val="ED7D31"/>
+      </a:accent2>
+      <a:accent3>
+        <a:srgbClr val="A5A5A5"/>
+      </a:accent3>
+      <a:accent4>
+        <a:srgbClr val="FFC000"/>
+      </a:accent4>
+      <a:accent5>
+        <a:srgbClr val="4472C4"/>
+      </a:accent5>
+      <a:accent6>
+        <a:srgbClr val="70AD47"/>
+      </a:accent6>
+      <a:hlink>
+        <a:srgbClr val="0563C1"/>
+      </a:hlink>
+      <a:folHlink>
+        <a:srgbClr val="954F72"/>
+      </a:folHlink>
+    </a:clrScheme>
+    <a:fontScheme name="Стандартная">
+      <a:majorFont>
+        <a:latin typeface="Calibri Light" panose="020F0302020204030204"/>
+        <a:ea typeface=""/>
+        <a:cs typeface=""/>
+        <a:font script="Jpan" typeface="ＭＳ Ｐゴシック"/>
+        <a:font script="Hang" typeface="맑은 고딕"/>
+        <a:font script="Hans" typeface="宋体"/>
+        <a:font script="Hant" typeface="新細明體"/>
+        <a:font script="Arab" typeface="Times New Roman"/>
+        <a:font script="Hebr" typeface="Times New Roman"/>
+        <a:font script="Thai" typeface="Angsana New"/>
+        <a:font script="Ethi" typeface="Nyala"/>
+        <a:font script="Beng" typeface="Vrinda"/>
+        <a:font script="Gujr" typeface="Shruti"/>
+        <a:font script="Khmr" typeface="MoolBoran"/>
+        <a:font script="Knda" typeface="Tunga"/>
+        <a:font script="Guru" typeface="Raavi"/>
+        <a:font script="Cans" typeface="Euphemia"/>
+        <a:font script="Cher" typeface="Plantagenet Cherokee"/>
+        <a:font script="Yiii" typeface="Microsoft Yi Baiti"/>
+        <a:font script="Tibt" typeface="Microsoft Himalaya"/>
+        <a:font script="Thaa" typeface="MV Boli"/>
+        <a:font script="Deva" typeface="Mangal"/>
+        <a:font script="Telu" typeface="Gautami"/>
+        <a:font script="Taml" typeface="Latha"/>
+        <a:font script="Syrc" typeface="Estrangelo Edessa"/>
+        <a:font script="Orya" typeface="Kalinga"/>
+        <a:font script="Mlym" typeface="Kartika"/>
+        <a:font script="Laoo" typeface="DokChampa"/>
+        <a:font script="Sinh" typeface="Iskoola Pota"/>
+        <a:font script="Mong" typeface="Mongolian Baiti"/>
+        <a:font script="Viet" typeface="Times New Roman"/>
+        <a:font script="Uigh" typeface="Microsoft Uighur"/>
+        <a:font script="Geor" typeface="Sylfaen"/>
+      </a:majorFont>
+      <a:minorFont>
+        <a:latin typeface="Calibri" panose="020F0502020204030204"/>
+        <a:ea typeface=""/>
+        <a:cs typeface=""/>
+        <a:font script="Jpan" typeface="ＭＳ Ｐゴシック"/>
+        <a:font script="Hang" typeface="맑은 고딕"/>
+        <a:font script="Hans" typeface="宋体"/>
+        <a:font script="Hant" typeface="新細明體"/>
+        <a:font script="Arab" typeface="Arial"/>
+        <a:font script="Hebr" typeface="Arial"/>
+        <a:font script="Thai" typeface="Cordia New"/>
+        <a:font script="Ethi" typeface="Nyala"/>
+        <a:font script="Beng" typeface="Vrinda"/>
+        <a:font script="Gujr" typeface="Shruti"/>
+        <a:font script="Khmr" typeface="DaunPenh"/>
+        <a:font script="Knda" typeface="Tunga"/>
+        <a:font script="Guru" typeface="Raavi"/>
+        <a:font script="Cans" typeface="Euphemia"/>
+        <a:font script="Cher" typeface="Plantagenet Cherokee"/>
+        <a:font script="Yiii" typeface="Microsoft Yi Baiti"/>
+        <a:font script="Tibt" typeface="Microsoft Himalaya"/>
+        <a:font script="Thaa" typeface="MV Boli"/>
+        <a:font script="Deva" typeface="Mangal"/>
+        <a:font script="Telu" typeface="Gautami"/>
+        <a:font script="Taml" typeface="Latha"/>
+        <a:font script="Syrc" typeface="Estrangelo Edessa"/>
+        <a:font script="Orya" typeface="Kalinga"/>
+        <a:font script="Mlym" typeface="Kartika"/>
+        <a:font script="Laoo" typeface="DokChampa"/>
+        <a:font script="Sinh" typeface="Iskoola Pota"/>
+        <a:font script="Mong" typeface="Mongolian Baiti"/>
+        <a:font script="Viet" typeface="Arial"/>
+        <a:font script="Uigh" typeface="Microsoft Uighur"/>
+        <a:font script="Geor" typeface="Sylfaen"/>
+      </a:minorFont>
+    </a:fontScheme>
+    <a:fmtScheme name="Стандартная">
+      <a:fillStyleLst>
+        <a:solidFill>
+          <a:schemeClr val="phClr"/>
+        </a:solidFill>
+        <a:gradFill rotWithShape="1">
+          <a:gsLst>
+            <a:gs pos="0">
+              <a:schemeClr val="phClr">
+                <a:lumMod val="110000"/>
+                <a:satMod val="105000"/>
+                <a:tint val="67000"/>
+              </a:schemeClr>
+            </a:gs>
+            <a:gs pos="50000">
+              <a:schemeClr val="phClr">
+                <a:lumMod val="105000"/>
+                <a:satMod val="103000"/>
+                <a:tint val="73000"/>
+              </a:schemeClr>
+            </a:gs>
+            <a:gs pos="100000">
+              <a:schemeClr val="phClr">
+                <a:lumMod val="105000"/>
+                <a:satMod val="109000"/>
+                <a:tint val="81000"/>
+              </a:schemeClr>
+            </a:gs>
+          </a:gsLst>
+          <a:lin ang="5400000" scaled="0"/>
+        </a:gradFill>
+        <a:gradFill rotWithShape="1">
+          <a:gsLst>
+            <a:gs pos="0">
+              <a:schemeClr val="phClr">
+                <a:satMod val="103000"/>
+                <a:lumMod val="102000"/>
+                <a:tint val="94000"/>
+              </a:schemeClr>
+            </a:gs>
+            <a:gs pos="50000">
+              <a:schemeClr val="phClr">
+                <a:satMod val="110000"/>
+                <a:lumMod val="100000"/>
+                <a:shade val="100000"/>
+              </a:schemeClr>
+            </a:gs>
+            <a:gs pos="100000">
+              <a:schemeClr val="phClr">
+                <a:lumMod val="99000"/>
+                <a:satMod val="120000"/>
+                <a:shade val="78000"/>
+              </a:schemeClr>
+            </a:gs>
+          </a:gsLst>
+          <a:lin ang="5400000" scaled="0"/>
+        </a:gradFill>
+      </a:fillStyleLst>
+      <a:lnStyleLst>
+        <a:ln w="6350" cap="flat" cmpd="sng" algn="ctr">
+          <a:solidFill>
+            <a:schemeClr val="phClr"/>
+          </a:solidFill>
+          <a:prstDash val="solid"/>
+          <a:miter lim="800000"/>
+        </a:ln>
+        <a:ln w="12700" cap="flat" cmpd="sng" algn="ctr">
+          <a:solidFill>
+            <a:schemeClr val="phClr"/>
+          </a:solidFill>
+          <a:prstDash val="solid"/>
+          <a:miter lim="800000"/>
+        </a:ln>
+        <a:ln w="19050" cap="flat" cmpd="sng" algn="ctr">
+          <a:solidFill>
+            <a:schemeClr val="phClr"/>
+          </a:solidFill>
+          <a:prstDash val="solid"/>
+          <a:miter lim="800000"/>
+        </a:ln>
+      </a:lnStyleLst>
+      <a:effectStyleLst>
+        <a:effectStyle>
+          <a:effectLst/>
+        </a:effectStyle>
+        <a:effectStyle>
+          <a:effectLst/>
+        </a:effectStyle>
+        <a:effectStyle>
+          <a:effectLst>
+            <a:outerShdw blurRad="57150" dist="19050" dir="5400000" algn="ctr" rotWithShape="0">
+              <a:srgbClr val="000000">
+                <a:alpha val="63000"/>
+              </a:srgbClr>
+            </a:outerShdw>
+          </a:effectLst>
+        </a:effectStyle>
+      </a:effectStyleLst>
+      <a:bgFillStyleLst>
+        <a:solidFill>
+          <a:schemeClr val="phClr"/>
+        </a:solidFill>
+        <a:solidFill>
+          <a:schemeClr val="phClr">
+            <a:tint val="95000"/>
+            <a:satMod val="170000"/>
+          </a:schemeClr>
+        </a:solidFill>
+        <a:gradFill rotWithShape="1">
+          <a:gsLst>
+            <a:gs pos="0">
+              <a:schemeClr val="phClr">
+                <a:tint val="93000"/>
+                <a:satMod val="150000"/>
+                <a:shade val="98000"/>
+                <a:lumMod val="102000"/>
+              </a:schemeClr>
+            </a:gs>
+            <a:gs pos="50000">
+              <a:schemeClr val="phClr">
+                <a:tint val="98000"/>
+                <a:satMod val="130000"/>
+                <a:shade val="90000"/>
+                <a:lumMod val="103000"/>
+              </a:schemeClr>
+            </a:gs>
+            <a:gs pos="100000">
+              <a:schemeClr val="phClr">
+                <a:shade val="63000"/>
+                <a:satMod val="120000"/>
+              </a:schemeClr>
+            </a:gs>
+          </a:gsLst>
+          <a:lin ang="5400000" scaled="0"/>
+        </a:gradFill>
+      </a:bgFillStyleLst>
+    </a:fmtScheme>
+  </a:themeElements>
+  <a:objectDefaults/>
+  <a:extraClrSchemeLst/>
+  <a:extLst>
+    <a:ext uri="{05A4C25C-085E-4340-85A3-A5531E510DB2}">
+      <thm15:themeFamily xmlns:thm15="http://schemas.microsoft.com/office/thememl/2012/main" name="Office Theme" id="{62F939B6-93AF-4DB8-9C6B-D6C7DFDC589F}" vid="{4A3C46E8-61CC-4603-A589-7422A47A8E4A}"/>
+    </a:ext>
+  </a:extLst>
+</a:theme>
 </file>
--- a/Documentation/Метод построения велосипедных маршрутов.pptx
+++ b/Documentation/Метод построения велосипедных маршрутов.pptx
@@ -5,20 +5,21 @@
     <p:sldMasterId id="2147483648" r:id="rId1"/>
   </p:sldMasterIdLst>
   <p:notesMasterIdLst>
-    <p:notesMasterId r:id="rId13"/>
+    <p:notesMasterId r:id="rId14"/>
   </p:notesMasterIdLst>
   <p:sldIdLst>
     <p:sldId id="256" r:id="rId2"/>
     <p:sldId id="257" r:id="rId3"/>
-    <p:sldId id="264" r:id="rId4"/>
-    <p:sldId id="265" r:id="rId5"/>
-    <p:sldId id="266" r:id="rId6"/>
-    <p:sldId id="272" r:id="rId7"/>
-    <p:sldId id="268" r:id="rId8"/>
+    <p:sldId id="273" r:id="rId4"/>
+    <p:sldId id="264" r:id="rId5"/>
+    <p:sldId id="272" r:id="rId6"/>
+    <p:sldId id="268" r:id="rId7"/>
+    <p:sldId id="265" r:id="rId8"/>
     <p:sldId id="270" r:id="rId9"/>
     <p:sldId id="271" r:id="rId10"/>
     <p:sldId id="269" r:id="rId11"/>
-    <p:sldId id="267" r:id="rId12"/>
+    <p:sldId id="266" r:id="rId12"/>
+    <p:sldId id="267" r:id="rId13"/>
   </p:sldIdLst>
   <p:sldSz cx="12192000" cy="6858000"/>
   <p:notesSz cx="6858000" cy="9144000"/>
@@ -218,7 +219,7 @@
           <a:p>
             <a:fld id="{2C1D5852-CB3A-4E71-BFCB-A6B4538832B4}" type="datetimeFigureOut">
               <a:rPr lang="ru-RU" smtClean="0"/>
-              <a:t>20.05.2015</a:t>
+              <a:t>21.05.2015</a:t>
             </a:fld>
             <a:endParaRPr lang="ru-RU"/>
           </a:p>
@@ -570,6 +571,90 @@
 </p:notes>
 </file>
 
+<file path=ppt/notesSlides/notesSlide2.xml><?xml version="1.0" encoding="utf-8"?>
+<p:notes xmlns:a="http://schemas.openxmlformats.org/drawingml/2006/main" xmlns:r="http://schemas.openxmlformats.org/officeDocument/2006/relationships" xmlns:p="http://schemas.openxmlformats.org/presentationml/2006/main">
+  <p:cSld>
+    <p:spTree>
+      <p:nvGrpSpPr>
+        <p:cNvPr id="1" name=""/>
+        <p:cNvGrpSpPr/>
+        <p:nvPr/>
+      </p:nvGrpSpPr>
+      <p:grpSpPr>
+        <a:xfrm>
+          <a:off x="0" y="0"/>
+          <a:ext cx="0" cy="0"/>
+          <a:chOff x="0" y="0"/>
+          <a:chExt cx="0" cy="0"/>
+        </a:xfrm>
+      </p:grpSpPr>
+      <p:sp>
+        <p:nvSpPr>
+          <p:cNvPr id="2" name="Образ слайда 1"/>
+          <p:cNvSpPr>
+            <a:spLocks noGrp="1" noRot="1" noChangeAspect="1"/>
+          </p:cNvSpPr>
+          <p:nvPr>
+            <p:ph type="sldImg"/>
+          </p:nvPr>
+        </p:nvSpPr>
+        <p:spPr/>
+      </p:sp>
+      <p:sp>
+        <p:nvSpPr>
+          <p:cNvPr id="3" name="Заметки 2"/>
+          <p:cNvSpPr>
+            <a:spLocks noGrp="1"/>
+          </p:cNvSpPr>
+          <p:nvPr>
+            <p:ph type="body" idx="1"/>
+          </p:nvPr>
+        </p:nvSpPr>
+        <p:spPr/>
+        <p:txBody>
+          <a:bodyPr/>
+          <a:lstStyle/>
+          <a:p>
+            <a:endParaRPr lang="ru-RU" dirty="0"/>
+          </a:p>
+        </p:txBody>
+      </p:sp>
+      <p:sp>
+        <p:nvSpPr>
+          <p:cNvPr id="4" name="Номер слайда 3"/>
+          <p:cNvSpPr>
+            <a:spLocks noGrp="1"/>
+          </p:cNvSpPr>
+          <p:nvPr>
+            <p:ph type="sldNum" sz="quarter" idx="10"/>
+          </p:nvPr>
+        </p:nvSpPr>
+        <p:spPr/>
+        <p:txBody>
+          <a:bodyPr/>
+          <a:lstStyle/>
+          <a:p>
+            <a:fld id="{F1349884-6811-45F9-A223-1068B1FEBEAC}" type="slidenum">
+              <a:rPr lang="ru-RU" smtClean="0"/>
+              <a:t>3</a:t>
+            </a:fld>
+            <a:endParaRPr lang="ru-RU"/>
+          </a:p>
+        </p:txBody>
+      </p:sp>
+    </p:spTree>
+    <p:extLst>
+      <p:ext uri="{BB962C8B-B14F-4D97-AF65-F5344CB8AC3E}">
+        <p14:creationId xmlns:p14="http://schemas.microsoft.com/office/powerpoint/2010/main" val="1556209400"/>
+      </p:ext>
+    </p:extLst>
+  </p:cSld>
+  <p:clrMapOvr>
+    <a:masterClrMapping/>
+  </p:clrMapOvr>
+</p:notes>
+</file>
+
 <file path=ppt/slideLayouts/slideLayout1.xml><?xml version="1.0" encoding="utf-8"?>
 <p:sldLayout xmlns:a="http://schemas.openxmlformats.org/drawingml/2006/main" xmlns:r="http://schemas.openxmlformats.org/officeDocument/2006/relationships" xmlns:p="http://schemas.openxmlformats.org/presentationml/2006/main" type="title" preserve="1">
   <p:cSld name="Титульный слайд">
@@ -701,7 +786,7 @@
           <a:p>
             <a:fld id="{36E5FA18-BC3F-4D53-94AB-C0F3B1B8377F}" type="datetime1">
               <a:rPr lang="ru-RU" smtClean="0"/>
-              <a:t>20.05.2015</a:t>
+              <a:t>21.05.2015</a:t>
             </a:fld>
             <a:endParaRPr lang="ru-RU"/>
           </a:p>
@@ -879,7 +964,7 @@
           <a:p>
             <a:fld id="{21567A10-74FB-4B80-9638-7BCE9781867C}" type="datetime1">
               <a:rPr lang="ru-RU" smtClean="0"/>
-              <a:t>20.05.2015</a:t>
+              <a:t>21.05.2015</a:t>
             </a:fld>
             <a:endParaRPr lang="ru-RU"/>
           </a:p>
@@ -1060,7 +1145,7 @@
           <a:p>
             <a:fld id="{81142080-0B71-4B20-B0E2-9DFC0B1CFBEE}" type="datetime1">
               <a:rPr lang="ru-RU" smtClean="0"/>
-              <a:t>20.05.2015</a:t>
+              <a:t>21.05.2015</a:t>
             </a:fld>
             <a:endParaRPr lang="ru-RU"/>
           </a:p>
@@ -1231,7 +1316,7 @@
           <a:p>
             <a:fld id="{E2255E6C-A322-4AC3-828D-B9E85E64A896}" type="datetime1">
               <a:rPr lang="ru-RU" smtClean="0"/>
-              <a:t>20.05.2015</a:t>
+              <a:t>21.05.2015</a:t>
             </a:fld>
             <a:endParaRPr lang="ru-RU"/>
           </a:p>
@@ -1478,7 +1563,7 @@
           <a:p>
             <a:fld id="{BA497A56-8E1D-40EB-A88D-614A29B47FFB}" type="datetime1">
               <a:rPr lang="ru-RU" smtClean="0"/>
-              <a:t>20.05.2015</a:t>
+              <a:t>21.05.2015</a:t>
             </a:fld>
             <a:endParaRPr lang="ru-RU"/>
           </a:p>
@@ -1711,7 +1796,7 @@
           <a:p>
             <a:fld id="{1DB1DE17-48AA-43E9-826A-5B3B2EB8A459}" type="datetime1">
               <a:rPr lang="ru-RU" smtClean="0"/>
-              <a:t>20.05.2015</a:t>
+              <a:t>21.05.2015</a:t>
             </a:fld>
             <a:endParaRPr lang="ru-RU"/>
           </a:p>
@@ -2079,7 +2164,7 @@
           <a:p>
             <a:fld id="{16378FA1-9B63-4F30-8EDE-C679ADDB5553}" type="datetime1">
               <a:rPr lang="ru-RU" smtClean="0"/>
-              <a:t>20.05.2015</a:t>
+              <a:t>21.05.2015</a:t>
             </a:fld>
             <a:endParaRPr lang="ru-RU"/>
           </a:p>
@@ -2198,7 +2283,7 @@
           <a:p>
             <a:fld id="{4B4531DD-F7E9-4FA2-981F-44CA782140A8}" type="datetime1">
               <a:rPr lang="ru-RU" smtClean="0"/>
-              <a:t>20.05.2015</a:t>
+              <a:t>21.05.2015</a:t>
             </a:fld>
             <a:endParaRPr lang="ru-RU"/>
           </a:p>
@@ -2294,7 +2379,7 @@
           <a:p>
             <a:fld id="{F6C21C51-16DF-40AF-A145-F8DD54F2C411}" type="datetime1">
               <a:rPr lang="ru-RU" smtClean="0"/>
-              <a:t>20.05.2015</a:t>
+              <a:t>21.05.2015</a:t>
             </a:fld>
             <a:endParaRPr lang="ru-RU"/>
           </a:p>
@@ -2572,7 +2657,7 @@
           <a:p>
             <a:fld id="{344ABABC-77B2-4D56-855A-B4C40E6CF024}" type="datetime1">
               <a:rPr lang="ru-RU" smtClean="0"/>
-              <a:t>20.05.2015</a:t>
+              <a:t>21.05.2015</a:t>
             </a:fld>
             <a:endParaRPr lang="ru-RU"/>
           </a:p>
@@ -2826,7 +2911,7 @@
           <a:p>
             <a:fld id="{0FD2389D-C24C-4010-A8CA-3B85131275A4}" type="datetime1">
               <a:rPr lang="ru-RU" smtClean="0"/>
-              <a:t>20.05.2015</a:t>
+              <a:t>21.05.2015</a:t>
             </a:fld>
             <a:endParaRPr lang="ru-RU"/>
           </a:p>
@@ -3040,7 +3125,7 @@
           <a:p>
             <a:fld id="{4F036123-8708-4B1E-AC94-78648E3B1BD3}" type="datetime1">
               <a:rPr lang="ru-RU" smtClean="0"/>
-              <a:t>20.05.2015</a:t>
+              <a:t>21.05.2015</a:t>
             </a:fld>
             <a:endParaRPr lang="ru-RU"/>
           </a:p>
@@ -3624,12 +3709,12 @@
             <p:spPr>
               <a:xfrm>
                 <a:off x="838200" y="1325562"/>
-                <a:ext cx="10515600" cy="5425615"/>
+                <a:ext cx="10515600" cy="5532438"/>
               </a:xfrm>
             </p:spPr>
             <p:txBody>
               <a:bodyPr>
-                <a:normAutofit/>
+                <a:normAutofit fontScale="92500"/>
               </a:bodyPr>
               <a:lstStyle/>
               <a:p>
@@ -3790,8 +3875,13 @@
                 </a:r>
                 <a:r>
                   <a:rPr lang="ru-RU" sz="3000" dirty="0" smtClean="0"/>
-                  <a:t>является безопасным, если </a:t>
+                  <a:t>является наиболее безопасным из найденных, если</a:t>
                 </a:r>
+                <a:r>
+                  <a:rPr lang="en-US" sz="3000" dirty="0" smtClean="0"/>
+                  <a:t>:</a:t>
+                </a:r>
+                <a:endParaRPr lang="ru-RU" sz="3000" dirty="0" smtClean="0"/>
               </a:p>
               <a:p>
                 <a:pPr marL="0" indent="0">
@@ -3820,8 +3910,13 @@
                 </a:r>
                 <a:r>
                   <a:rPr lang="ru-RU" sz="3000" dirty="0" smtClean="0"/>
-                  <a:t>является гоночным, если</a:t>
+                  <a:t>является наиболее пригодным для спортивной езды из найденных, если</a:t>
                 </a:r>
+                <a:r>
+                  <a:rPr lang="en-US" sz="3000" dirty="0" smtClean="0"/>
+                  <a:t>:</a:t>
+                </a:r>
+                <a:endParaRPr lang="ru-RU" sz="3000" dirty="0" smtClean="0"/>
               </a:p>
               <a:p>
                 <a:pPr marL="0" indent="0">
@@ -3867,12 +3962,12 @@
             <p:spPr>
               <a:xfrm>
                 <a:off x="838200" y="1325562"/>
-                <a:ext cx="10515600" cy="5425615"/>
+                <a:ext cx="10515600" cy="5532438"/>
               </a:xfrm>
               <a:blipFill rotWithShape="0">
                 <a:blip r:embed="rId2"/>
                 <a:stretch>
-                  <a:fillRect l="-1217" t="-2247" b="-337"/>
+                  <a:fillRect l="-1043" t="-1762" r="-1797" b="-551"/>
                 </a:stretch>
               </a:blipFill>
             </p:spPr>
@@ -3935,7 +4030,7 @@
             <a:pPr algn="ctr"/>
             <a:r>
               <a:rPr lang="ru-RU" dirty="0" smtClean="0"/>
-              <a:t>Метрика выбора лучшего маршрута</a:t>
+              <a:t>Выбор лучшего маршрута в зависимость от вида</a:t>
             </a:r>
             <a:endParaRPr lang="ru-RU" dirty="0"/>
           </a:p>
@@ -3951,7 +4046,7 @@
             </p:nvSpPr>
             <p:spPr>
               <a:xfrm>
-                <a:off x="4045725" y="2144994"/>
+                <a:off x="4045725" y="2127975"/>
                 <a:ext cx="4100550" cy="1303883"/>
               </a:xfrm>
               <a:prstGeom prst="rect">
@@ -4103,7 +4198,7 @@
             </p:nvSpPr>
             <p:spPr>
               <a:xfrm>
-                <a:off x="4045725" y="2144994"/>
+                <a:off x="4045725" y="2127975"/>
                 <a:ext cx="4100550" cy="1303883"/>
               </a:xfrm>
               <a:prstGeom prst="rect">
@@ -4141,7 +4236,7 @@
             </p:nvSpPr>
             <p:spPr>
               <a:xfrm>
-                <a:off x="3573867" y="4496207"/>
+                <a:off x="3573867" y="4431078"/>
                 <a:ext cx="5137176" cy="575286"/>
               </a:xfrm>
               <a:prstGeom prst="rect">
@@ -4317,7 +4412,7 @@
             </p:nvSpPr>
             <p:spPr>
               <a:xfrm>
-                <a:off x="3573867" y="4496207"/>
+                <a:off x="3573867" y="4431078"/>
                 <a:ext cx="5137176" cy="575286"/>
               </a:xfrm>
               <a:prstGeom prst="rect">
@@ -4326,7 +4421,7 @@
               <a:blipFill rotWithShape="0">
                 <a:blip r:embed="rId4"/>
                 <a:stretch>
-                  <a:fillRect b="-5319"/>
+                  <a:fillRect b="-4255"/>
                 </a:stretch>
               </a:blipFill>
             </p:spPr>
@@ -4355,7 +4450,7 @@
             </p:nvSpPr>
             <p:spPr>
               <a:xfrm>
-                <a:off x="3573867" y="5623692"/>
+                <a:off x="3543410" y="5700922"/>
                 <a:ext cx="5198090" cy="575286"/>
               </a:xfrm>
               <a:prstGeom prst="rect">
@@ -4531,7 +4626,7 @@
             </p:nvSpPr>
             <p:spPr>
               <a:xfrm>
-                <a:off x="3573867" y="5623692"/>
+                <a:off x="3543410" y="5700922"/>
                 <a:ext cx="5198090" cy="575286"/>
               </a:xfrm>
               <a:prstGeom prst="rect">
@@ -4540,7 +4635,7 @@
               <a:blipFill rotWithShape="0">
                 <a:blip r:embed="rId5"/>
                 <a:stretch>
-                  <a:fillRect b="-5319"/>
+                  <a:fillRect b="-4211"/>
                 </a:stretch>
               </a:blipFill>
             </p:spPr>
@@ -4604,6 +4699,290 @@
 </file>
 
 <file path=ppt/slides/slide11.xml><?xml version="1.0" encoding="utf-8"?>
+<p:sld xmlns:a="http://schemas.openxmlformats.org/drawingml/2006/main" xmlns:r="http://schemas.openxmlformats.org/officeDocument/2006/relationships" xmlns:p="http://schemas.openxmlformats.org/presentationml/2006/main">
+  <p:cSld>
+    <p:spTree>
+      <p:nvGrpSpPr>
+        <p:cNvPr id="1" name=""/>
+        <p:cNvGrpSpPr/>
+        <p:nvPr/>
+      </p:nvGrpSpPr>
+      <p:grpSpPr>
+        <a:xfrm>
+          <a:off x="0" y="0"/>
+          <a:ext cx="0" cy="0"/>
+          <a:chOff x="0" y="0"/>
+          <a:chExt cx="0" cy="0"/>
+        </a:xfrm>
+      </p:grpSpPr>
+      <p:sp>
+        <p:nvSpPr>
+          <p:cNvPr id="4" name="Заголовок 1"/>
+          <p:cNvSpPr txBox="1">
+            <a:spLocks/>
+          </p:cNvSpPr>
+          <p:nvPr/>
+        </p:nvSpPr>
+        <p:spPr>
+          <a:xfrm>
+            <a:off x="838200" y="0"/>
+            <a:ext cx="10515600" cy="1325563"/>
+          </a:xfrm>
+          <a:prstGeom prst="rect">
+            <a:avLst/>
+          </a:prstGeom>
+        </p:spPr>
+        <p:txBody>
+          <a:bodyPr vert="horz" lIns="91440" tIns="45720" rIns="91440" bIns="45720" rtlCol="0" anchor="ctr">
+            <a:normAutofit/>
+          </a:bodyPr>
+          <a:lstStyle>
+            <a:lvl1pPr algn="l" defTabSz="914400" rtl="0" eaLnBrk="1" latinLnBrk="0" hangingPunct="1">
+              <a:lnSpc>
+                <a:spcPct val="90000"/>
+              </a:lnSpc>
+              <a:spcBef>
+                <a:spcPct val="0"/>
+              </a:spcBef>
+              <a:buNone/>
+              <a:defRPr sz="4400" kern="1200">
+                <a:solidFill>
+                  <a:schemeClr val="tx1"/>
+                </a:solidFill>
+                <a:latin typeface="+mj-lt"/>
+                <a:ea typeface="+mj-ea"/>
+                <a:cs typeface="+mj-cs"/>
+              </a:defRPr>
+            </a:lvl1pPr>
+          </a:lstStyle>
+          <a:p>
+            <a:pPr algn="ctr"/>
+            <a:r>
+              <a:rPr lang="ru-RU" dirty="0" smtClean="0"/>
+              <a:t>Входные и </a:t>
+            </a:r>
+            <a:r>
+              <a:rPr lang="ru-RU" dirty="0"/>
+              <a:t>выходные данные </a:t>
+            </a:r>
+            <a:r>
+              <a:rPr lang="ru-RU" dirty="0" smtClean="0"/>
+              <a:t>и ограничения приложения</a:t>
+            </a:r>
+            <a:endParaRPr lang="ru-RU" dirty="0"/>
+          </a:p>
+        </p:txBody>
+      </p:sp>
+      <p:sp>
+        <p:nvSpPr>
+          <p:cNvPr id="5" name="Объект 2"/>
+          <p:cNvSpPr>
+            <a:spLocks noGrp="1"/>
+          </p:cNvSpPr>
+          <p:nvPr>
+            <p:ph idx="1"/>
+          </p:nvPr>
+        </p:nvSpPr>
+        <p:spPr>
+          <a:xfrm>
+            <a:off x="838200" y="1325562"/>
+            <a:ext cx="10515600" cy="5229062"/>
+          </a:xfrm>
+        </p:spPr>
+        <p:txBody>
+          <a:bodyPr>
+            <a:normAutofit fontScale="85000" lnSpcReduction="10000"/>
+          </a:bodyPr>
+          <a:lstStyle/>
+          <a:p>
+            <a:r>
+              <a:rPr lang="ru-RU" sz="3200" dirty="0" smtClean="0"/>
+              <a:t>Входные данные</a:t>
+            </a:r>
+            <a:r>
+              <a:rPr lang="en-US" sz="3200" dirty="0" smtClean="0"/>
+              <a:t>:</a:t>
+            </a:r>
+          </a:p>
+          <a:p>
+            <a:pPr lvl="1"/>
+            <a:r>
+              <a:rPr lang="ru-RU" dirty="0"/>
+              <a:t>г</a:t>
+            </a:r>
+            <a:r>
+              <a:rPr lang="ru-RU" dirty="0" smtClean="0"/>
+              <a:t>раф дорог</a:t>
+            </a:r>
+            <a:r>
+              <a:rPr lang="en-US" dirty="0" smtClean="0"/>
+              <a:t>;</a:t>
+            </a:r>
+          </a:p>
+          <a:p>
+            <a:pPr lvl="1"/>
+            <a:r>
+              <a:rPr lang="ru-RU" dirty="0"/>
+              <a:t>н</a:t>
+            </a:r>
+            <a:r>
+              <a:rPr lang="ru-RU" dirty="0" smtClean="0"/>
+              <a:t>ачальная и конечная точка</a:t>
+            </a:r>
+            <a:r>
+              <a:rPr lang="en-US" dirty="0" smtClean="0"/>
+              <a:t>;</a:t>
+            </a:r>
+          </a:p>
+          <a:p>
+            <a:pPr lvl="1"/>
+            <a:r>
+              <a:rPr lang="ru-RU" dirty="0"/>
+              <a:t>в</a:t>
+            </a:r>
+            <a:r>
+              <a:rPr lang="ru-RU" dirty="0" smtClean="0"/>
+              <a:t>ид маршрута</a:t>
+            </a:r>
+            <a:r>
+              <a:rPr lang="en-US" dirty="0" smtClean="0"/>
+              <a:t>;</a:t>
+            </a:r>
+          </a:p>
+          <a:p>
+            <a:pPr lvl="1"/>
+            <a:r>
+              <a:rPr lang="ru-RU" dirty="0"/>
+              <a:t>в</a:t>
+            </a:r>
+            <a:r>
+              <a:rPr lang="ru-RU" dirty="0" smtClean="0"/>
+              <a:t>ыбранная комбинация алгоритмов для построения.</a:t>
+            </a:r>
+          </a:p>
+          <a:p>
+            <a:r>
+              <a:rPr lang="ru-RU" sz="3200" dirty="0" smtClean="0"/>
+              <a:t>Выходные данные</a:t>
+            </a:r>
+            <a:r>
+              <a:rPr lang="en-US" sz="3200" dirty="0" smtClean="0"/>
+              <a:t>:</a:t>
+            </a:r>
+            <a:endParaRPr lang="ru-RU" sz="3200" dirty="0" smtClean="0"/>
+          </a:p>
+          <a:p>
+            <a:pPr lvl="1"/>
+            <a:r>
+              <a:rPr lang="ru-RU" dirty="0"/>
+              <a:t>п</a:t>
+            </a:r>
+            <a:r>
+              <a:rPr lang="ru-RU" dirty="0" smtClean="0"/>
+              <a:t>остроенный маршрут</a:t>
+            </a:r>
+            <a:r>
+              <a:rPr lang="en-US" dirty="0" smtClean="0"/>
+              <a:t>;</a:t>
+            </a:r>
+            <a:endParaRPr lang="ru-RU" dirty="0" smtClean="0"/>
+          </a:p>
+          <a:p>
+            <a:pPr lvl="1"/>
+            <a:r>
+              <a:rPr lang="ru-RU" dirty="0"/>
+              <a:t>в</a:t>
+            </a:r>
+            <a:r>
+              <a:rPr lang="ru-RU" dirty="0" smtClean="0"/>
+              <a:t>ремя построения</a:t>
+            </a:r>
+            <a:r>
+              <a:rPr lang="en-US" dirty="0" smtClean="0"/>
+              <a:t>;</a:t>
+            </a:r>
+          </a:p>
+          <a:p>
+            <a:pPr lvl="1"/>
+            <a:r>
+              <a:rPr lang="ru-RU" dirty="0"/>
+              <a:t>д</a:t>
+            </a:r>
+            <a:r>
+              <a:rPr lang="ru-RU" dirty="0" smtClean="0"/>
+              <a:t>лина маршрута</a:t>
+            </a:r>
+            <a:r>
+              <a:rPr lang="en-US" dirty="0" smtClean="0"/>
+              <a:t>.</a:t>
+            </a:r>
+          </a:p>
+          <a:p>
+            <a:r>
+              <a:rPr lang="ru-RU" sz="3200" dirty="0" smtClean="0"/>
+              <a:t>Маршруты строятся только в районе Чертаново Южное</a:t>
+            </a:r>
+          </a:p>
+          <a:p>
+            <a:r>
+              <a:rPr lang="ru-RU" sz="3200" dirty="0" smtClean="0"/>
+              <a:t>Приложение предполагает возможность проезда по всем дорогам.</a:t>
+            </a:r>
+          </a:p>
+          <a:p>
+            <a:r>
+              <a:rPr lang="ru-RU" sz="3200" dirty="0" smtClean="0"/>
+              <a:t>По полученным данным можно сравнить эффективность различных алгоритмов при выполнении построения маршрутов.</a:t>
+            </a:r>
+            <a:endParaRPr lang="ru-RU" sz="3200" dirty="0"/>
+          </a:p>
+        </p:txBody>
+      </p:sp>
+      <p:sp>
+        <p:nvSpPr>
+          <p:cNvPr id="2" name="Номер слайда 1"/>
+          <p:cNvSpPr>
+            <a:spLocks noGrp="1"/>
+          </p:cNvSpPr>
+          <p:nvPr>
+            <p:ph type="sldNum" sz="quarter" idx="12"/>
+          </p:nvPr>
+        </p:nvSpPr>
+        <p:spPr/>
+        <p:txBody>
+          <a:bodyPr/>
+          <a:lstStyle/>
+          <a:p>
+            <a:fld id="{12A5530A-C36B-4239-A90C-AB8088D06C08}" type="slidenum">
+              <a:rPr lang="ru-RU" smtClean="0"/>
+              <a:pPr/>
+              <a:t>11</a:t>
+            </a:fld>
+            <a:endParaRPr lang="ru-RU"/>
+          </a:p>
+        </p:txBody>
+      </p:sp>
+    </p:spTree>
+    <p:extLst>
+      <p:ext uri="{BB962C8B-B14F-4D97-AF65-F5344CB8AC3E}">
+        <p14:creationId xmlns:p14="http://schemas.microsoft.com/office/powerpoint/2010/main" val="2935460858"/>
+      </p:ext>
+    </p:extLst>
+  </p:cSld>
+  <p:clrMapOvr>
+    <a:masterClrMapping/>
+  </p:clrMapOvr>
+  <p:timing>
+    <p:tnLst>
+      <p:par>
+        <p:cTn id="1" dur="indefinite" restart="never" nodeType="tmRoot"/>
+      </p:par>
+    </p:tnLst>
+  </p:timing>
+</p:sld>
+</file>
+
+<file path=ppt/slides/slide12.xml><?xml version="1.0" encoding="utf-8"?>
 <p:sld xmlns:a="http://schemas.openxmlformats.org/drawingml/2006/main" xmlns:r="http://schemas.openxmlformats.org/officeDocument/2006/relationships" xmlns:p="http://schemas.openxmlformats.org/presentationml/2006/main">
   <p:cSld>
     <p:spTree>
@@ -4807,7 +5186,7 @@
             <a:pPr algn="r"/>
             <a:r>
               <a:rPr lang="ru-RU" dirty="0" smtClean="0"/>
-              <a:t>Гоночный маршрут</a:t>
+              <a:t>Спортивный маршрут</a:t>
             </a:r>
             <a:endParaRPr lang="ru-RU" dirty="0"/>
           </a:p>
@@ -4970,7 +5349,7 @@
             <a:fld id="{12A5530A-C36B-4239-A90C-AB8088D06C08}" type="slidenum">
               <a:rPr lang="ru-RU" smtClean="0"/>
               <a:pPr/>
-              <a:t>11</a:t>
+              <a:t>12</a:t>
             </a:fld>
             <a:endParaRPr lang="ru-RU"/>
           </a:p>
@@ -5060,7 +5439,7 @@
         </p:spPr>
         <p:txBody>
           <a:bodyPr>
-            <a:normAutofit fontScale="92500" lnSpcReduction="10000"/>
+            <a:normAutofit lnSpcReduction="10000"/>
           </a:bodyPr>
           <a:lstStyle/>
           <a:p>
@@ -5090,15 +5469,7 @@
             </a:r>
             <a:r>
               <a:rPr lang="ru-RU" sz="3200" dirty="0" smtClean="0"/>
-              <a:t> </a:t>
-            </a:r>
-            <a:r>
-              <a:rPr lang="ru-RU" sz="3200" dirty="0"/>
-              <a:t>различных видов (кратчайший, безопасный, гоночный</a:t>
-            </a:r>
-            <a:r>
-              <a:rPr lang="ru-RU" sz="3200" dirty="0" smtClean="0"/>
-              <a:t>) и его реализация в виде </a:t>
+              <a:t> и его реализация в виде </a:t>
             </a:r>
             <a:r>
               <a:rPr lang="en-US" sz="3200" dirty="0"/>
@@ -5238,7 +5609,1483 @@
       </p:grpSpPr>
       <p:sp>
         <p:nvSpPr>
-          <p:cNvPr id="4" name="Заголовок 1"/>
+          <p:cNvPr id="4" name="Номер слайда 3"/>
+          <p:cNvSpPr>
+            <a:spLocks noGrp="1"/>
+          </p:cNvSpPr>
+          <p:nvPr>
+            <p:ph type="sldNum" sz="quarter" idx="12"/>
+          </p:nvPr>
+        </p:nvSpPr>
+        <p:spPr/>
+        <p:txBody>
+          <a:bodyPr/>
+          <a:lstStyle/>
+          <a:p>
+            <a:fld id="{12A5530A-C36B-4239-A90C-AB8088D06C08}" type="slidenum">
+              <a:rPr lang="ru-RU" smtClean="0"/>
+              <a:pPr/>
+              <a:t>3</a:t>
+            </a:fld>
+            <a:endParaRPr lang="ru-RU" dirty="0"/>
+          </a:p>
+        </p:txBody>
+      </p:sp>
+      <mc:AlternateContent xmlns:mc="http://schemas.openxmlformats.org/markup-compatibility/2006">
+        <mc:Choice xmlns:a14="http://schemas.microsoft.com/office/drawing/2010/main" Requires="a14">
+          <p:graphicFrame>
+            <p:nvGraphicFramePr>
+              <p:cNvPr id="2" name="Объект 1"/>
+              <p:cNvGraphicFramePr>
+                <a:graphicFrameLocks noGrp="1"/>
+              </p:cNvGraphicFramePr>
+              <p:nvPr>
+                <p:ph idx="1"/>
+                <p:extLst>
+                  <p:ext uri="{D42A27DB-BD31-4B8C-83A1-F6EECF244321}">
+                    <p14:modId xmlns:p14="http://schemas.microsoft.com/office/powerpoint/2010/main" val="2120103263"/>
+                  </p:ext>
+                </p:extLst>
+              </p:nvPr>
+            </p:nvGraphicFramePr>
+            <p:xfrm>
+              <a:off x="838200" y="1863948"/>
+              <a:ext cx="10515600" cy="3032760"/>
+            </p:xfrm>
+            <a:graphic>
+              <a:graphicData uri="http://schemas.openxmlformats.org/drawingml/2006/table">
+                <a:tbl>
+                  <a:tblPr firstRow="1" bandRow="1">
+                    <a:tableStyleId>{0505E3EF-67EA-436B-97B2-0124C06EBD24}</a:tableStyleId>
+                  </a:tblPr>
+                  <a:tblGrid>
+                    <a:gridCol w="2195557"/>
+                    <a:gridCol w="2010683"/>
+                    <a:gridCol w="2103120"/>
+                    <a:gridCol w="2103120"/>
+                    <a:gridCol w="2103120"/>
+                  </a:tblGrid>
+                  <a:tr h="370840">
+                    <a:tc>
+                      <a:txBody>
+                        <a:bodyPr/>
+                        <a:lstStyle/>
+                        <a:p>
+                          <a:pPr algn="ctr"/>
+                          <a:r>
+                            <a:rPr lang="ru-RU" dirty="0" smtClean="0"/>
+                            <a:t>Алгоритм</a:t>
+                          </a:r>
+                          <a:endParaRPr lang="ru-RU" dirty="0"/>
+                        </a:p>
+                      </a:txBody>
+                      <a:tcPr/>
+                    </a:tc>
+                    <a:tc>
+                      <a:txBody>
+                        <a:bodyPr/>
+                        <a:lstStyle/>
+                        <a:p>
+                          <a:pPr algn="ctr"/>
+                          <a:r>
+                            <a:rPr lang="ru-RU" dirty="0" smtClean="0"/>
+                            <a:t>Сложность</a:t>
+                          </a:r>
+                          <a:endParaRPr lang="ru-RU" dirty="0"/>
+                        </a:p>
+                      </a:txBody>
+                      <a:tcPr/>
+                    </a:tc>
+                    <a:tc>
+                      <a:txBody>
+                        <a:bodyPr/>
+                        <a:lstStyle/>
+                        <a:p>
+                          <a:pPr algn="ctr"/>
+                          <a:r>
+                            <a:rPr lang="ru-RU" dirty="0" smtClean="0"/>
+                            <a:t>Взвешенный граф</a:t>
+                          </a:r>
+                          <a:endParaRPr lang="ru-RU" dirty="0"/>
+                        </a:p>
+                      </a:txBody>
+                      <a:tcPr/>
+                    </a:tc>
+                    <a:tc>
+                      <a:txBody>
+                        <a:bodyPr/>
+                        <a:lstStyle/>
+                        <a:p>
+                          <a:pPr algn="ctr"/>
+                          <a:r>
+                            <a:rPr lang="ru-RU" dirty="0" smtClean="0"/>
+                            <a:t>Отрицательные веса</a:t>
+                          </a:r>
+                          <a:endParaRPr lang="ru-RU" dirty="0"/>
+                        </a:p>
+                      </a:txBody>
+                      <a:tcPr/>
+                    </a:tc>
+                    <a:tc>
+                      <a:txBody>
+                        <a:bodyPr/>
+                        <a:lstStyle/>
+                        <a:p>
+                          <a:pPr algn="ctr"/>
+                          <a:r>
+                            <a:rPr lang="ru-RU" dirty="0" smtClean="0"/>
+                            <a:t>Использование эвристики</a:t>
+                          </a:r>
+                          <a:endParaRPr lang="ru-RU" dirty="0"/>
+                        </a:p>
+                      </a:txBody>
+                      <a:tcPr/>
+                    </a:tc>
+                  </a:tr>
+                  <a:tr h="370840">
+                    <a:tc>
+                      <a:txBody>
+                        <a:bodyPr/>
+                        <a:lstStyle/>
+                        <a:p>
+                          <a:pPr algn="ctr"/>
+                          <a:r>
+                            <a:rPr lang="ru-RU" dirty="0" smtClean="0"/>
+                            <a:t>Поиск в ширину</a:t>
+                          </a:r>
+                          <a:endParaRPr lang="ru-RU" dirty="0"/>
+                        </a:p>
+                      </a:txBody>
+                      <a:tcPr/>
+                    </a:tc>
+                    <a:tc>
+                      <a:txBody>
+                        <a:bodyPr/>
+                        <a:lstStyle/>
+                        <a:p>
+                          <a:pPr algn="ctr"/>
+                          <a14:m>
+                            <m:oMathPara xmlns:m="http://schemas.openxmlformats.org/officeDocument/2006/math">
+                              <m:oMathParaPr>
+                                <m:jc m:val="centerGroup"/>
+                              </m:oMathParaPr>
+                              <m:oMath xmlns:m="http://schemas.openxmlformats.org/officeDocument/2006/math">
+                                <m:r>
+                                  <a:rPr lang="en-US" b="0" i="1" smtClean="0">
+                                    <a:latin typeface="Cambria Math" panose="02040503050406030204" pitchFamily="18" charset="0"/>
+                                  </a:rPr>
+                                  <m:t>𝑂</m:t>
+                                </m:r>
+                                <m:r>
+                                  <a:rPr lang="en-US" b="0" i="1" smtClean="0">
+                                    <a:latin typeface="Cambria Math" panose="02040503050406030204" pitchFamily="18" charset="0"/>
+                                  </a:rPr>
+                                  <m:t>(</m:t>
+                                </m:r>
+                                <m:d>
+                                  <m:dPr>
+                                    <m:begChr m:val="|"/>
+                                    <m:endChr m:val="|"/>
+                                    <m:ctrlPr>
+                                      <a:rPr lang="en-US" b="0" i="1" smtClean="0">
+                                        <a:latin typeface="Cambria Math" panose="02040503050406030204" pitchFamily="18" charset="0"/>
+                                      </a:rPr>
+                                    </m:ctrlPr>
+                                  </m:dPr>
+                                  <m:e>
+                                    <m:r>
+                                      <a:rPr lang="en-US" b="0" i="1" smtClean="0">
+                                        <a:latin typeface="Cambria Math" panose="02040503050406030204" pitchFamily="18" charset="0"/>
+                                      </a:rPr>
+                                      <m:t>𝑉</m:t>
+                                    </m:r>
+                                  </m:e>
+                                </m:d>
+                                <m:r>
+                                  <a:rPr lang="en-US" b="0" i="1" smtClean="0">
+                                    <a:latin typeface="Cambria Math" panose="02040503050406030204" pitchFamily="18" charset="0"/>
+                                  </a:rPr>
+                                  <m:t>+|</m:t>
+                                </m:r>
+                                <m:r>
+                                  <a:rPr lang="en-US" b="0" i="1" smtClean="0">
+                                    <a:latin typeface="Cambria Math" panose="02040503050406030204" pitchFamily="18" charset="0"/>
+                                  </a:rPr>
+                                  <m:t>𝐸</m:t>
+                                </m:r>
+                                <m:r>
+                                  <a:rPr lang="en-US" b="0" i="1" smtClean="0">
+                                    <a:latin typeface="Cambria Math" panose="02040503050406030204" pitchFamily="18" charset="0"/>
+                                  </a:rPr>
+                                  <m:t>|)</m:t>
+                                </m:r>
+                              </m:oMath>
+                            </m:oMathPara>
+                          </a14:m>
+                          <a:endParaRPr lang="ru-RU" dirty="0"/>
+                        </a:p>
+                      </a:txBody>
+                      <a:tcPr/>
+                    </a:tc>
+                    <a:tc>
+                      <a:txBody>
+                        <a:bodyPr/>
+                        <a:lstStyle/>
+                        <a:p>
+                          <a:pPr algn="ctr"/>
+                          <a:r>
+                            <a:rPr lang="en-US" dirty="0" smtClean="0"/>
+                            <a:t>-</a:t>
+                          </a:r>
+                          <a:endParaRPr lang="ru-RU" dirty="0"/>
+                        </a:p>
+                      </a:txBody>
+                      <a:tcPr/>
+                    </a:tc>
+                    <a:tc>
+                      <a:txBody>
+                        <a:bodyPr/>
+                        <a:lstStyle/>
+                        <a:p>
+                          <a:pPr algn="ctr"/>
+                          <a:r>
+                            <a:rPr lang="en-US" dirty="0" smtClean="0"/>
+                            <a:t>-</a:t>
+                          </a:r>
+                          <a:endParaRPr lang="ru-RU" dirty="0"/>
+                        </a:p>
+                      </a:txBody>
+                      <a:tcPr/>
+                    </a:tc>
+                    <a:tc>
+                      <a:txBody>
+                        <a:bodyPr/>
+                        <a:lstStyle/>
+                        <a:p>
+                          <a:pPr algn="ctr"/>
+                          <a:r>
+                            <a:rPr lang="ru-RU" dirty="0" smtClean="0"/>
+                            <a:t>-</a:t>
+                          </a:r>
+                          <a:endParaRPr lang="ru-RU" dirty="0"/>
+                        </a:p>
+                      </a:txBody>
+                      <a:tcPr/>
+                    </a:tc>
+                  </a:tr>
+                  <a:tr h="370840">
+                    <a:tc>
+                      <a:txBody>
+                        <a:bodyPr/>
+                        <a:lstStyle/>
+                        <a:p>
+                          <a:pPr algn="ctr"/>
+                          <a:r>
+                            <a:rPr lang="ru-RU" dirty="0" smtClean="0"/>
+                            <a:t>Алгоритм Беллмана — Форда</a:t>
+                          </a:r>
+                          <a:endParaRPr lang="ru-RU" dirty="0"/>
+                        </a:p>
+                      </a:txBody>
+                      <a:tcPr/>
+                    </a:tc>
+                    <a:tc>
+                      <a:txBody>
+                        <a:bodyPr/>
+                        <a:lstStyle/>
+                        <a:p>
+                          <a:pPr algn="ctr"/>
+                          <a14:m>
+                            <m:oMathPara xmlns:m="http://schemas.openxmlformats.org/officeDocument/2006/math">
+                              <m:oMathParaPr>
+                                <m:jc m:val="centerGroup"/>
+                              </m:oMathParaPr>
+                              <m:oMath xmlns:m="http://schemas.openxmlformats.org/officeDocument/2006/math">
+                                <m:r>
+                                  <a:rPr lang="en-US" b="0" i="1" smtClean="0">
+                                    <a:latin typeface="Cambria Math" panose="02040503050406030204" pitchFamily="18" charset="0"/>
+                                  </a:rPr>
+                                  <m:t>𝑂</m:t>
+                                </m:r>
+                                <m:r>
+                                  <a:rPr lang="en-US" b="0" i="1" smtClean="0">
+                                    <a:latin typeface="Cambria Math" panose="02040503050406030204" pitchFamily="18" charset="0"/>
+                                  </a:rPr>
+                                  <m:t>(</m:t>
+                                </m:r>
+                                <m:d>
+                                  <m:dPr>
+                                    <m:begChr m:val="|"/>
+                                    <m:endChr m:val="|"/>
+                                    <m:ctrlPr>
+                                      <a:rPr lang="en-US" b="0" i="1" smtClean="0">
+                                        <a:latin typeface="Cambria Math" panose="02040503050406030204" pitchFamily="18" charset="0"/>
+                                      </a:rPr>
+                                    </m:ctrlPr>
+                                  </m:dPr>
+                                  <m:e>
+                                    <m:r>
+                                      <a:rPr lang="en-US" b="0" i="1" smtClean="0">
+                                        <a:latin typeface="Cambria Math" panose="02040503050406030204" pitchFamily="18" charset="0"/>
+                                      </a:rPr>
+                                      <m:t>𝑉</m:t>
+                                    </m:r>
+                                  </m:e>
+                                </m:d>
+                                <m:r>
+                                  <a:rPr lang="en-US" b="0" i="1" smtClean="0">
+                                    <a:latin typeface="Cambria Math" panose="02040503050406030204" pitchFamily="18" charset="0"/>
+                                  </a:rPr>
+                                  <m:t>∗|</m:t>
+                                </m:r>
+                                <m:r>
+                                  <a:rPr lang="en-US" b="0" i="1" smtClean="0">
+                                    <a:latin typeface="Cambria Math" panose="02040503050406030204" pitchFamily="18" charset="0"/>
+                                  </a:rPr>
+                                  <m:t>𝐸</m:t>
+                                </m:r>
+                                <m:r>
+                                  <a:rPr lang="en-US" b="0" i="1" smtClean="0">
+                                    <a:latin typeface="Cambria Math" panose="02040503050406030204" pitchFamily="18" charset="0"/>
+                                  </a:rPr>
+                                  <m:t>|)</m:t>
+                                </m:r>
+                              </m:oMath>
+                            </m:oMathPara>
+                          </a14:m>
+                          <a:endParaRPr lang="ru-RU" dirty="0"/>
+                        </a:p>
+                      </a:txBody>
+                      <a:tcPr/>
+                    </a:tc>
+                    <a:tc>
+                      <a:txBody>
+                        <a:bodyPr/>
+                        <a:lstStyle/>
+                        <a:p>
+                          <a:pPr algn="ctr"/>
+                          <a:r>
+                            <a:rPr lang="en-US" dirty="0" smtClean="0"/>
+                            <a:t>+</a:t>
+                          </a:r>
+                          <a:endParaRPr lang="ru-RU" dirty="0"/>
+                        </a:p>
+                      </a:txBody>
+                      <a:tcPr/>
+                    </a:tc>
+                    <a:tc>
+                      <a:txBody>
+                        <a:bodyPr/>
+                        <a:lstStyle/>
+                        <a:p>
+                          <a:pPr algn="ctr"/>
+                          <a:r>
+                            <a:rPr lang="en-US" dirty="0" smtClean="0"/>
+                            <a:t>+</a:t>
+                          </a:r>
+                          <a:endParaRPr lang="ru-RU" dirty="0"/>
+                        </a:p>
+                      </a:txBody>
+                      <a:tcPr/>
+                    </a:tc>
+                    <a:tc>
+                      <a:txBody>
+                        <a:bodyPr/>
+                        <a:lstStyle/>
+                        <a:p>
+                          <a:pPr algn="ctr"/>
+                          <a:r>
+                            <a:rPr lang="ru-RU" dirty="0" smtClean="0"/>
+                            <a:t>-</a:t>
+                          </a:r>
+                          <a:endParaRPr lang="ru-RU" dirty="0"/>
+                        </a:p>
+                      </a:txBody>
+                      <a:tcPr/>
+                    </a:tc>
+                  </a:tr>
+                  <a:tr h="370840">
+                    <a:tc>
+                      <a:txBody>
+                        <a:bodyPr/>
+                        <a:lstStyle/>
+                        <a:p>
+                          <a:pPr marL="0" marR="0" indent="0" algn="ctr" defTabSz="914400" rtl="0" eaLnBrk="1" fontAlgn="auto" latinLnBrk="0" hangingPunct="1">
+                            <a:lnSpc>
+                              <a:spcPct val="100000"/>
+                            </a:lnSpc>
+                            <a:spcBef>
+                              <a:spcPts val="0"/>
+                            </a:spcBef>
+                            <a:spcAft>
+                              <a:spcPts val="0"/>
+                            </a:spcAft>
+                            <a:buClrTx/>
+                            <a:buSzTx/>
+                            <a:buFontTx/>
+                            <a:buNone/>
+                            <a:tabLst/>
+                            <a:defRPr/>
+                          </a:pPr>
+                          <a:r>
+                            <a:rPr lang="ru-RU" dirty="0" smtClean="0"/>
+                            <a:t>Алгоритм</a:t>
+                          </a:r>
+                          <a:r>
+                            <a:rPr lang="ru-RU" baseline="0" dirty="0" smtClean="0"/>
+                            <a:t> </a:t>
+                          </a:r>
+                          <a:r>
+                            <a:rPr lang="ru-RU" baseline="0" dirty="0" err="1" smtClean="0"/>
+                            <a:t>Флойда</a:t>
+                          </a:r>
+                          <a:r>
+                            <a:rPr lang="ru-RU" baseline="0" dirty="0" smtClean="0"/>
+                            <a:t> </a:t>
+                          </a:r>
+                          <a:r>
+                            <a:rPr lang="ru-RU" sz="1800" b="0" i="0" kern="1200" dirty="0" smtClean="0">
+                              <a:solidFill>
+                                <a:schemeClr val="dk1"/>
+                              </a:solidFill>
+                              <a:effectLst/>
+                              <a:latin typeface="+mn-lt"/>
+                              <a:ea typeface="+mn-ea"/>
+                              <a:cs typeface="+mn-cs"/>
+                            </a:rPr>
+                            <a:t>— </a:t>
+                          </a:r>
+                          <a:r>
+                            <a:rPr lang="ru-RU" sz="1800" b="0" i="0" kern="1200" dirty="0" err="1" smtClean="0">
+                              <a:solidFill>
+                                <a:schemeClr val="dk1"/>
+                              </a:solidFill>
+                              <a:effectLst/>
+                              <a:latin typeface="+mn-lt"/>
+                              <a:ea typeface="+mn-ea"/>
+                              <a:cs typeface="+mn-cs"/>
+                            </a:rPr>
+                            <a:t>Уоршелла</a:t>
+                          </a:r>
+                          <a:endParaRPr lang="ru-RU" sz="1800" b="0" i="0" kern="1200" dirty="0" smtClean="0">
+                            <a:solidFill>
+                              <a:schemeClr val="dk1"/>
+                            </a:solidFill>
+                            <a:effectLst/>
+                            <a:latin typeface="+mn-lt"/>
+                            <a:ea typeface="+mn-ea"/>
+                            <a:cs typeface="+mn-cs"/>
+                          </a:endParaRPr>
+                        </a:p>
+                      </a:txBody>
+                      <a:tcPr/>
+                    </a:tc>
+                    <a:tc>
+                      <a:txBody>
+                        <a:bodyPr/>
+                        <a:lstStyle/>
+                        <a:p>
+                          <a:pPr algn="ctr"/>
+                          <a14:m>
+                            <m:oMathPara xmlns:m="http://schemas.openxmlformats.org/officeDocument/2006/math">
+                              <m:oMathParaPr>
+                                <m:jc m:val="centerGroup"/>
+                              </m:oMathParaPr>
+                              <m:oMath xmlns:m="http://schemas.openxmlformats.org/officeDocument/2006/math">
+                                <m:r>
+                                  <a:rPr lang="en-US" b="0" i="1" smtClean="0">
+                                    <a:latin typeface="Cambria Math" panose="02040503050406030204" pitchFamily="18" charset="0"/>
+                                  </a:rPr>
+                                  <m:t>𝑂</m:t>
+                                </m:r>
+                                <m:r>
+                                  <a:rPr lang="en-US" b="0" i="1" smtClean="0">
+                                    <a:latin typeface="Cambria Math" panose="02040503050406030204" pitchFamily="18" charset="0"/>
+                                  </a:rPr>
+                                  <m:t>(</m:t>
+                                </m:r>
+                                <m:sSup>
+                                  <m:sSupPr>
+                                    <m:ctrlPr>
+                                      <a:rPr lang="en-US" b="0" i="1" smtClean="0">
+                                        <a:latin typeface="Cambria Math" panose="02040503050406030204" pitchFamily="18" charset="0"/>
+                                      </a:rPr>
+                                    </m:ctrlPr>
+                                  </m:sSupPr>
+                                  <m:e>
+                                    <m:r>
+                                      <a:rPr lang="en-US" b="0" i="1" smtClean="0">
+                                        <a:latin typeface="Cambria Math" panose="02040503050406030204" pitchFamily="18" charset="0"/>
+                                      </a:rPr>
+                                      <m:t>|</m:t>
+                                    </m:r>
+                                    <m:r>
+                                      <a:rPr lang="en-US" b="0" i="1" smtClean="0">
+                                        <a:latin typeface="Cambria Math" panose="02040503050406030204" pitchFamily="18" charset="0"/>
+                                      </a:rPr>
+                                      <m:t>𝑉</m:t>
+                                    </m:r>
+                                    <m:r>
+                                      <a:rPr lang="en-US" b="0" i="1" smtClean="0">
+                                        <a:latin typeface="Cambria Math" panose="02040503050406030204" pitchFamily="18" charset="0"/>
+                                      </a:rPr>
+                                      <m:t>|</m:t>
+                                    </m:r>
+                                  </m:e>
+                                  <m:sup>
+                                    <m:r>
+                                      <a:rPr lang="en-US" b="0" i="1" smtClean="0">
+                                        <a:latin typeface="Cambria Math" panose="02040503050406030204" pitchFamily="18" charset="0"/>
+                                      </a:rPr>
+                                      <m:t>3</m:t>
+                                    </m:r>
+                                  </m:sup>
+                                </m:sSup>
+                                <m:r>
+                                  <a:rPr lang="en-US" b="0" i="1" smtClean="0">
+                                    <a:latin typeface="Cambria Math" panose="02040503050406030204" pitchFamily="18" charset="0"/>
+                                  </a:rPr>
+                                  <m:t>)</m:t>
+                                </m:r>
+                              </m:oMath>
+                            </m:oMathPara>
+                          </a14:m>
+                          <a:endParaRPr lang="ru-RU" dirty="0"/>
+                        </a:p>
+                      </a:txBody>
+                      <a:tcPr/>
+                    </a:tc>
+                    <a:tc>
+                      <a:txBody>
+                        <a:bodyPr/>
+                        <a:lstStyle/>
+                        <a:p>
+                          <a:pPr algn="ctr"/>
+                          <a:r>
+                            <a:rPr lang="en-US" dirty="0" smtClean="0"/>
+                            <a:t>+</a:t>
+                          </a:r>
+                          <a:endParaRPr lang="ru-RU" dirty="0"/>
+                        </a:p>
+                      </a:txBody>
+                      <a:tcPr/>
+                    </a:tc>
+                    <a:tc>
+                      <a:txBody>
+                        <a:bodyPr/>
+                        <a:lstStyle/>
+                        <a:p>
+                          <a:pPr algn="ctr"/>
+                          <a:r>
+                            <a:rPr lang="en-US" dirty="0" smtClean="0"/>
+                            <a:t>+</a:t>
+                          </a:r>
+                          <a:endParaRPr lang="ru-RU" dirty="0"/>
+                        </a:p>
+                      </a:txBody>
+                      <a:tcPr/>
+                    </a:tc>
+                    <a:tc>
+                      <a:txBody>
+                        <a:bodyPr/>
+                        <a:lstStyle/>
+                        <a:p>
+                          <a:pPr algn="ctr"/>
+                          <a:r>
+                            <a:rPr lang="ru-RU" dirty="0" smtClean="0"/>
+                            <a:t>-</a:t>
+                          </a:r>
+                          <a:endParaRPr lang="ru-RU" dirty="0"/>
+                        </a:p>
+                      </a:txBody>
+                      <a:tcPr/>
+                    </a:tc>
+                  </a:tr>
+                  <a:tr h="370840">
+                    <a:tc>
+                      <a:txBody>
+                        <a:bodyPr/>
+                        <a:lstStyle/>
+                        <a:p>
+                          <a:pPr algn="ctr"/>
+                          <a:r>
+                            <a:rPr lang="ru-RU" dirty="0" smtClean="0"/>
+                            <a:t>Алгоритм</a:t>
+                          </a:r>
+                          <a:r>
+                            <a:rPr lang="ru-RU" baseline="0" dirty="0" smtClean="0"/>
+                            <a:t> </a:t>
+                          </a:r>
+                          <a:r>
+                            <a:rPr lang="ru-RU" baseline="0" dirty="0" err="1" smtClean="0"/>
+                            <a:t>Дейкстры</a:t>
+                          </a:r>
+                          <a:endParaRPr lang="ru-RU" dirty="0"/>
+                        </a:p>
+                      </a:txBody>
+                      <a:tcPr/>
+                    </a:tc>
+                    <a:tc>
+                      <a:txBody>
+                        <a:bodyPr/>
+                        <a:lstStyle/>
+                        <a:p>
+                          <a:pPr algn="ctr"/>
+                          <a14:m>
+                            <m:oMathPara xmlns:m="http://schemas.openxmlformats.org/officeDocument/2006/math">
+                              <m:oMathParaPr>
+                                <m:jc m:val="centerGroup"/>
+                              </m:oMathParaPr>
+                              <m:oMath xmlns:m="http://schemas.openxmlformats.org/officeDocument/2006/math">
+                                <m:r>
+                                  <a:rPr lang="en-US" b="0" i="1" smtClean="0">
+                                    <a:latin typeface="Cambria Math" panose="02040503050406030204" pitchFamily="18" charset="0"/>
+                                  </a:rPr>
+                                  <m:t>𝑂</m:t>
+                                </m:r>
+                                <m:r>
+                                  <a:rPr lang="en-US" b="0" i="1" smtClean="0">
+                                    <a:latin typeface="Cambria Math" panose="02040503050406030204" pitchFamily="18" charset="0"/>
+                                  </a:rPr>
+                                  <m:t>(</m:t>
+                                </m:r>
+                                <m:sSup>
+                                  <m:sSupPr>
+                                    <m:ctrlPr>
+                                      <a:rPr lang="en-US" b="0" i="1" smtClean="0">
+                                        <a:latin typeface="Cambria Math" panose="02040503050406030204" pitchFamily="18" charset="0"/>
+                                      </a:rPr>
+                                    </m:ctrlPr>
+                                  </m:sSupPr>
+                                  <m:e>
+                                    <m:r>
+                                      <a:rPr lang="en-US" b="0" i="1" smtClean="0">
+                                        <a:latin typeface="Cambria Math" panose="02040503050406030204" pitchFamily="18" charset="0"/>
+                                      </a:rPr>
+                                      <m:t>|</m:t>
+                                    </m:r>
+                                    <m:r>
+                                      <a:rPr lang="en-US" b="0" i="1" smtClean="0">
+                                        <a:latin typeface="Cambria Math" panose="02040503050406030204" pitchFamily="18" charset="0"/>
+                                      </a:rPr>
+                                      <m:t>𝑉</m:t>
+                                    </m:r>
+                                    <m:r>
+                                      <a:rPr lang="en-US" b="0" i="1" smtClean="0">
+                                        <a:latin typeface="Cambria Math" panose="02040503050406030204" pitchFamily="18" charset="0"/>
+                                      </a:rPr>
+                                      <m:t>|</m:t>
+                                    </m:r>
+                                  </m:e>
+                                  <m:sup>
+                                    <m:r>
+                                      <a:rPr lang="en-US" b="0" i="1" smtClean="0">
+                                        <a:latin typeface="Cambria Math" panose="02040503050406030204" pitchFamily="18" charset="0"/>
+                                      </a:rPr>
+                                      <m:t>2</m:t>
+                                    </m:r>
+                                  </m:sup>
+                                </m:sSup>
+                                <m:r>
+                                  <a:rPr lang="en-US" b="0" i="1" smtClean="0">
+                                    <a:latin typeface="Cambria Math" panose="02040503050406030204" pitchFamily="18" charset="0"/>
+                                  </a:rPr>
+                                  <m:t>)</m:t>
+                                </m:r>
+                              </m:oMath>
+                            </m:oMathPara>
+                          </a14:m>
+                          <a:endParaRPr lang="ru-RU" dirty="0"/>
+                        </a:p>
+                      </a:txBody>
+                      <a:tcPr/>
+                    </a:tc>
+                    <a:tc>
+                      <a:txBody>
+                        <a:bodyPr/>
+                        <a:lstStyle/>
+                        <a:p>
+                          <a:pPr algn="ctr"/>
+                          <a:r>
+                            <a:rPr lang="en-US" dirty="0" smtClean="0"/>
+                            <a:t>+</a:t>
+                          </a:r>
+                          <a:endParaRPr lang="ru-RU" dirty="0"/>
+                        </a:p>
+                      </a:txBody>
+                      <a:tcPr/>
+                    </a:tc>
+                    <a:tc>
+                      <a:txBody>
+                        <a:bodyPr/>
+                        <a:lstStyle/>
+                        <a:p>
+                          <a:pPr algn="ctr"/>
+                          <a:r>
+                            <a:rPr lang="en-US" dirty="0" smtClean="0"/>
+                            <a:t>-</a:t>
+                          </a:r>
+                          <a:endParaRPr lang="ru-RU" dirty="0"/>
+                        </a:p>
+                      </a:txBody>
+                      <a:tcPr/>
+                    </a:tc>
+                    <a:tc>
+                      <a:txBody>
+                        <a:bodyPr/>
+                        <a:lstStyle/>
+                        <a:p>
+                          <a:pPr algn="ctr"/>
+                          <a:r>
+                            <a:rPr lang="ru-RU" dirty="0" smtClean="0"/>
+                            <a:t>-</a:t>
+                          </a:r>
+                          <a:endParaRPr lang="ru-RU" dirty="0"/>
+                        </a:p>
+                      </a:txBody>
+                      <a:tcPr/>
+                    </a:tc>
+                  </a:tr>
+                  <a:tr h="370840">
+                    <a:tc>
+                      <a:txBody>
+                        <a:bodyPr/>
+                        <a:lstStyle/>
+                        <a:p>
+                          <a:pPr algn="ctr"/>
+                          <a:r>
+                            <a:rPr lang="ru-RU" dirty="0" smtClean="0"/>
+                            <a:t>Алгоритм А*</a:t>
+                          </a:r>
+                          <a:endParaRPr lang="ru-RU" dirty="0"/>
+                        </a:p>
+                      </a:txBody>
+                      <a:tcPr/>
+                    </a:tc>
+                    <a:tc>
+                      <a:txBody>
+                        <a:bodyPr/>
+                        <a:lstStyle/>
+                        <a:p>
+                          <a:pPr marL="0" marR="0" indent="0" algn="ctr" defTabSz="914400" rtl="0" eaLnBrk="1" fontAlgn="auto" latinLnBrk="0" hangingPunct="1">
+                            <a:lnSpc>
+                              <a:spcPct val="100000"/>
+                            </a:lnSpc>
+                            <a:spcBef>
+                              <a:spcPts val="0"/>
+                            </a:spcBef>
+                            <a:spcAft>
+                              <a:spcPts val="0"/>
+                            </a:spcAft>
+                            <a:buClrTx/>
+                            <a:buSzTx/>
+                            <a:buFontTx/>
+                            <a:buNone/>
+                            <a:tabLst/>
+                            <a:defRPr/>
+                          </a:pPr>
+                          <a14:m>
+                            <m:oMathPara xmlns:m="http://schemas.openxmlformats.org/officeDocument/2006/math">
+                              <m:oMathParaPr>
+                                <m:jc m:val="centerGroup"/>
+                              </m:oMathParaPr>
+                              <m:oMath xmlns:m="http://schemas.openxmlformats.org/officeDocument/2006/math">
+                                <m:r>
+                                  <a:rPr lang="en-US" b="0" i="1" smtClean="0">
+                                    <a:latin typeface="Cambria Math" panose="02040503050406030204" pitchFamily="18" charset="0"/>
+                                  </a:rPr>
+                                  <m:t>𝑂</m:t>
+                                </m:r>
+                                <m:r>
+                                  <a:rPr lang="en-US" b="0" i="1" smtClean="0">
+                                    <a:latin typeface="Cambria Math" panose="02040503050406030204" pitchFamily="18" charset="0"/>
+                                  </a:rPr>
+                                  <m:t>(</m:t>
+                                </m:r>
+                                <m:sSup>
+                                  <m:sSupPr>
+                                    <m:ctrlPr>
+                                      <a:rPr lang="en-US" b="0" i="1" smtClean="0">
+                                        <a:latin typeface="Cambria Math" panose="02040503050406030204" pitchFamily="18" charset="0"/>
+                                      </a:rPr>
+                                    </m:ctrlPr>
+                                  </m:sSupPr>
+                                  <m:e>
+                                    <m:r>
+                                      <a:rPr lang="en-US" b="0" i="1" smtClean="0">
+                                        <a:latin typeface="Cambria Math" panose="02040503050406030204" pitchFamily="18" charset="0"/>
+                                      </a:rPr>
+                                      <m:t>|</m:t>
+                                    </m:r>
+                                    <m:r>
+                                      <a:rPr lang="en-US" b="0" i="1" smtClean="0">
+                                        <a:latin typeface="Cambria Math" panose="02040503050406030204" pitchFamily="18" charset="0"/>
+                                      </a:rPr>
+                                      <m:t>𝑉</m:t>
+                                    </m:r>
+                                    <m:r>
+                                      <a:rPr lang="en-US" b="0" i="1" smtClean="0">
+                                        <a:latin typeface="Cambria Math" panose="02040503050406030204" pitchFamily="18" charset="0"/>
+                                      </a:rPr>
+                                      <m:t>|</m:t>
+                                    </m:r>
+                                  </m:e>
+                                  <m:sup>
+                                    <m:r>
+                                      <a:rPr lang="en-US" b="0" i="1" smtClean="0">
+                                        <a:latin typeface="Cambria Math" panose="02040503050406030204" pitchFamily="18" charset="0"/>
+                                      </a:rPr>
+                                      <m:t>2</m:t>
+                                    </m:r>
+                                  </m:sup>
+                                </m:sSup>
+                                <m:r>
+                                  <a:rPr lang="en-US" b="0" i="1" smtClean="0">
+                                    <a:latin typeface="Cambria Math" panose="02040503050406030204" pitchFamily="18" charset="0"/>
+                                  </a:rPr>
+                                  <m:t>)</m:t>
+                                </m:r>
+                              </m:oMath>
+                            </m:oMathPara>
+                          </a14:m>
+                          <a:endParaRPr lang="ru-RU" dirty="0"/>
+                        </a:p>
+                      </a:txBody>
+                      <a:tcPr/>
+                    </a:tc>
+                    <a:tc>
+                      <a:txBody>
+                        <a:bodyPr/>
+                        <a:lstStyle/>
+                        <a:p>
+                          <a:pPr algn="ctr"/>
+                          <a:r>
+                            <a:rPr lang="en-US" dirty="0" smtClean="0"/>
+                            <a:t>+</a:t>
+                          </a:r>
+                          <a:endParaRPr lang="ru-RU" dirty="0"/>
+                        </a:p>
+                      </a:txBody>
+                      <a:tcPr/>
+                    </a:tc>
+                    <a:tc>
+                      <a:txBody>
+                        <a:bodyPr/>
+                        <a:lstStyle/>
+                        <a:p>
+                          <a:pPr algn="ctr"/>
+                          <a:r>
+                            <a:rPr lang="en-US" dirty="0" smtClean="0"/>
+                            <a:t>-</a:t>
+                          </a:r>
+                          <a:endParaRPr lang="ru-RU" dirty="0"/>
+                        </a:p>
+                      </a:txBody>
+                      <a:tcPr/>
+                    </a:tc>
+                    <a:tc>
+                      <a:txBody>
+                        <a:bodyPr/>
+                        <a:lstStyle/>
+                        <a:p>
+                          <a:pPr algn="ctr"/>
+                          <a:r>
+                            <a:rPr lang="ru-RU" dirty="0" smtClean="0"/>
+                            <a:t>+</a:t>
+                          </a:r>
+                          <a:endParaRPr lang="ru-RU" dirty="0"/>
+                        </a:p>
+                      </a:txBody>
+                      <a:tcPr/>
+                    </a:tc>
+                  </a:tr>
+                </a:tbl>
+              </a:graphicData>
+            </a:graphic>
+          </p:graphicFrame>
+        </mc:Choice>
+        <mc:Fallback>
+          <p:graphicFrame>
+            <p:nvGraphicFramePr>
+              <p:cNvPr id="2" name="Объект 1"/>
+              <p:cNvGraphicFramePr>
+                <a:graphicFrameLocks noGrp="1"/>
+              </p:cNvGraphicFramePr>
+              <p:nvPr>
+                <p:ph idx="1"/>
+                <p:extLst>
+                  <p:ext uri="{D42A27DB-BD31-4B8C-83A1-F6EECF244321}">
+                    <p14:modId xmlns:p14="http://schemas.microsoft.com/office/powerpoint/2010/main" val="2120103263"/>
+                  </p:ext>
+                </p:extLst>
+              </p:nvPr>
+            </p:nvGraphicFramePr>
+            <p:xfrm>
+              <a:off x="838200" y="1863948"/>
+              <a:ext cx="10515600" cy="3032760"/>
+            </p:xfrm>
+            <a:graphic>
+              <a:graphicData uri="http://schemas.openxmlformats.org/drawingml/2006/table">
+                <a:tbl>
+                  <a:tblPr firstRow="1" bandRow="1">
+                    <a:tableStyleId>{0505E3EF-67EA-436B-97B2-0124C06EBD24}</a:tableStyleId>
+                  </a:tblPr>
+                  <a:tblGrid>
+                    <a:gridCol w="2195557"/>
+                    <a:gridCol w="2010683"/>
+                    <a:gridCol w="2103120"/>
+                    <a:gridCol w="2103120"/>
+                    <a:gridCol w="2103120"/>
+                  </a:tblGrid>
+                  <a:tr h="640080">
+                    <a:tc>
+                      <a:txBody>
+                        <a:bodyPr/>
+                        <a:lstStyle/>
+                        <a:p>
+                          <a:pPr algn="ctr"/>
+                          <a:r>
+                            <a:rPr lang="ru-RU" dirty="0" smtClean="0"/>
+                            <a:t>Алгоритм</a:t>
+                          </a:r>
+                          <a:endParaRPr lang="ru-RU" dirty="0"/>
+                        </a:p>
+                      </a:txBody>
+                      <a:tcPr/>
+                    </a:tc>
+                    <a:tc>
+                      <a:txBody>
+                        <a:bodyPr/>
+                        <a:lstStyle/>
+                        <a:p>
+                          <a:pPr algn="ctr"/>
+                          <a:r>
+                            <a:rPr lang="ru-RU" dirty="0" smtClean="0"/>
+                            <a:t>Сложность</a:t>
+                          </a:r>
+                          <a:endParaRPr lang="ru-RU" dirty="0"/>
+                        </a:p>
+                      </a:txBody>
+                      <a:tcPr/>
+                    </a:tc>
+                    <a:tc>
+                      <a:txBody>
+                        <a:bodyPr/>
+                        <a:lstStyle/>
+                        <a:p>
+                          <a:pPr algn="ctr"/>
+                          <a:r>
+                            <a:rPr lang="ru-RU" dirty="0" smtClean="0"/>
+                            <a:t>Взвешенный граф</a:t>
+                          </a:r>
+                          <a:endParaRPr lang="ru-RU" dirty="0"/>
+                        </a:p>
+                      </a:txBody>
+                      <a:tcPr/>
+                    </a:tc>
+                    <a:tc>
+                      <a:txBody>
+                        <a:bodyPr/>
+                        <a:lstStyle/>
+                        <a:p>
+                          <a:pPr algn="ctr"/>
+                          <a:r>
+                            <a:rPr lang="ru-RU" dirty="0" smtClean="0"/>
+                            <a:t>Отрицательные веса</a:t>
+                          </a:r>
+                          <a:endParaRPr lang="ru-RU" dirty="0"/>
+                        </a:p>
+                      </a:txBody>
+                      <a:tcPr/>
+                    </a:tc>
+                    <a:tc>
+                      <a:txBody>
+                        <a:bodyPr/>
+                        <a:lstStyle/>
+                        <a:p>
+                          <a:pPr algn="ctr"/>
+                          <a:r>
+                            <a:rPr lang="ru-RU" dirty="0" smtClean="0"/>
+                            <a:t>Использование эвристики</a:t>
+                          </a:r>
+                          <a:endParaRPr lang="ru-RU" dirty="0"/>
+                        </a:p>
+                      </a:txBody>
+                      <a:tcPr/>
+                    </a:tc>
+                  </a:tr>
+                  <a:tr h="370840">
+                    <a:tc>
+                      <a:txBody>
+                        <a:bodyPr/>
+                        <a:lstStyle/>
+                        <a:p>
+                          <a:pPr algn="ctr"/>
+                          <a:r>
+                            <a:rPr lang="ru-RU" dirty="0" smtClean="0"/>
+                            <a:t>Поиск в ширину</a:t>
+                          </a:r>
+                          <a:endParaRPr lang="ru-RU" dirty="0"/>
+                        </a:p>
+                      </a:txBody>
+                      <a:tcPr/>
+                    </a:tc>
+                    <a:tc>
+                      <a:txBody>
+                        <a:bodyPr/>
+                        <a:lstStyle/>
+                        <a:p>
+                          <a:endParaRPr lang="ru-RU"/>
+                        </a:p>
+                      </a:txBody>
+                      <a:tcPr>
+                        <a:blipFill rotWithShape="0">
+                          <a:blip r:embed="rId3"/>
+                          <a:stretch>
+                            <a:fillRect l="-109394" t="-180328" r="-314545" b="-568852"/>
+                          </a:stretch>
+                        </a:blipFill>
+                      </a:tcPr>
+                    </a:tc>
+                    <a:tc>
+                      <a:txBody>
+                        <a:bodyPr/>
+                        <a:lstStyle/>
+                        <a:p>
+                          <a:pPr algn="ctr"/>
+                          <a:r>
+                            <a:rPr lang="en-US" dirty="0" smtClean="0"/>
+                            <a:t>-</a:t>
+                          </a:r>
+                          <a:endParaRPr lang="ru-RU" dirty="0"/>
+                        </a:p>
+                      </a:txBody>
+                      <a:tcPr/>
+                    </a:tc>
+                    <a:tc>
+                      <a:txBody>
+                        <a:bodyPr/>
+                        <a:lstStyle/>
+                        <a:p>
+                          <a:pPr algn="ctr"/>
+                          <a:r>
+                            <a:rPr lang="en-US" dirty="0" smtClean="0"/>
+                            <a:t>-</a:t>
+                          </a:r>
+                          <a:endParaRPr lang="ru-RU" dirty="0"/>
+                        </a:p>
+                      </a:txBody>
+                      <a:tcPr/>
+                    </a:tc>
+                    <a:tc>
+                      <a:txBody>
+                        <a:bodyPr/>
+                        <a:lstStyle/>
+                        <a:p>
+                          <a:pPr algn="ctr"/>
+                          <a:r>
+                            <a:rPr lang="ru-RU" dirty="0" smtClean="0"/>
+                            <a:t>-</a:t>
+                          </a:r>
+                          <a:endParaRPr lang="ru-RU" dirty="0"/>
+                        </a:p>
+                      </a:txBody>
+                      <a:tcPr/>
+                    </a:tc>
+                  </a:tr>
+                  <a:tr h="640080">
+                    <a:tc>
+                      <a:txBody>
+                        <a:bodyPr/>
+                        <a:lstStyle/>
+                        <a:p>
+                          <a:pPr algn="ctr"/>
+                          <a:r>
+                            <a:rPr lang="ru-RU" dirty="0" smtClean="0"/>
+                            <a:t>Алгоритм Беллмана — Форда</a:t>
+                          </a:r>
+                          <a:endParaRPr lang="ru-RU" dirty="0"/>
+                        </a:p>
+                      </a:txBody>
+                      <a:tcPr/>
+                    </a:tc>
+                    <a:tc>
+                      <a:txBody>
+                        <a:bodyPr/>
+                        <a:lstStyle/>
+                        <a:p>
+                          <a:endParaRPr lang="ru-RU"/>
+                        </a:p>
+                      </a:txBody>
+                      <a:tcPr>
+                        <a:blipFill rotWithShape="0">
+                          <a:blip r:embed="rId3"/>
+                          <a:stretch>
+                            <a:fillRect l="-109394" t="-161321" r="-314545" b="-227358"/>
+                          </a:stretch>
+                        </a:blipFill>
+                      </a:tcPr>
+                    </a:tc>
+                    <a:tc>
+                      <a:txBody>
+                        <a:bodyPr/>
+                        <a:lstStyle/>
+                        <a:p>
+                          <a:pPr algn="ctr"/>
+                          <a:r>
+                            <a:rPr lang="en-US" dirty="0" smtClean="0"/>
+                            <a:t>+</a:t>
+                          </a:r>
+                          <a:endParaRPr lang="ru-RU" dirty="0"/>
+                        </a:p>
+                      </a:txBody>
+                      <a:tcPr/>
+                    </a:tc>
+                    <a:tc>
+                      <a:txBody>
+                        <a:bodyPr/>
+                        <a:lstStyle/>
+                        <a:p>
+                          <a:pPr algn="ctr"/>
+                          <a:r>
+                            <a:rPr lang="en-US" dirty="0" smtClean="0"/>
+                            <a:t>+</a:t>
+                          </a:r>
+                          <a:endParaRPr lang="ru-RU" dirty="0"/>
+                        </a:p>
+                      </a:txBody>
+                      <a:tcPr/>
+                    </a:tc>
+                    <a:tc>
+                      <a:txBody>
+                        <a:bodyPr/>
+                        <a:lstStyle/>
+                        <a:p>
+                          <a:pPr algn="ctr"/>
+                          <a:r>
+                            <a:rPr lang="ru-RU" dirty="0" smtClean="0"/>
+                            <a:t>-</a:t>
+                          </a:r>
+                          <a:endParaRPr lang="ru-RU" dirty="0"/>
+                        </a:p>
+                      </a:txBody>
+                      <a:tcPr/>
+                    </a:tc>
+                  </a:tr>
+                  <a:tr h="640080">
+                    <a:tc>
+                      <a:txBody>
+                        <a:bodyPr/>
+                        <a:lstStyle/>
+                        <a:p>
+                          <a:pPr marL="0" marR="0" indent="0" algn="ctr" defTabSz="914400" rtl="0" eaLnBrk="1" fontAlgn="auto" latinLnBrk="0" hangingPunct="1">
+                            <a:lnSpc>
+                              <a:spcPct val="100000"/>
+                            </a:lnSpc>
+                            <a:spcBef>
+                              <a:spcPts val="0"/>
+                            </a:spcBef>
+                            <a:spcAft>
+                              <a:spcPts val="0"/>
+                            </a:spcAft>
+                            <a:buClrTx/>
+                            <a:buSzTx/>
+                            <a:buFontTx/>
+                            <a:buNone/>
+                            <a:tabLst/>
+                            <a:defRPr/>
+                          </a:pPr>
+                          <a:r>
+                            <a:rPr lang="ru-RU" dirty="0" smtClean="0"/>
+                            <a:t>Алгоритм</a:t>
+                          </a:r>
+                          <a:r>
+                            <a:rPr lang="ru-RU" baseline="0" dirty="0" smtClean="0"/>
+                            <a:t> </a:t>
+                          </a:r>
+                          <a:r>
+                            <a:rPr lang="ru-RU" baseline="0" dirty="0" err="1" smtClean="0"/>
+                            <a:t>Флойда</a:t>
+                          </a:r>
+                          <a:r>
+                            <a:rPr lang="ru-RU" baseline="0" dirty="0" smtClean="0"/>
+                            <a:t> </a:t>
+                          </a:r>
+                          <a:r>
+                            <a:rPr lang="ru-RU" sz="1800" b="0" i="0" kern="1200" dirty="0" smtClean="0">
+                              <a:solidFill>
+                                <a:schemeClr val="dk1"/>
+                              </a:solidFill>
+                              <a:effectLst/>
+                              <a:latin typeface="+mn-lt"/>
+                              <a:ea typeface="+mn-ea"/>
+                              <a:cs typeface="+mn-cs"/>
+                            </a:rPr>
+                            <a:t>— </a:t>
+                          </a:r>
+                          <a:r>
+                            <a:rPr lang="ru-RU" sz="1800" b="0" i="0" kern="1200" dirty="0" err="1" smtClean="0">
+                              <a:solidFill>
+                                <a:schemeClr val="dk1"/>
+                              </a:solidFill>
+                              <a:effectLst/>
+                              <a:latin typeface="+mn-lt"/>
+                              <a:ea typeface="+mn-ea"/>
+                              <a:cs typeface="+mn-cs"/>
+                            </a:rPr>
+                            <a:t>Уоршелла</a:t>
+                          </a:r>
+                          <a:endParaRPr lang="ru-RU" sz="1800" b="0" i="0" kern="1200" dirty="0" smtClean="0">
+                            <a:solidFill>
+                              <a:schemeClr val="dk1"/>
+                            </a:solidFill>
+                            <a:effectLst/>
+                            <a:latin typeface="+mn-lt"/>
+                            <a:ea typeface="+mn-ea"/>
+                            <a:cs typeface="+mn-cs"/>
+                          </a:endParaRPr>
+                        </a:p>
+                      </a:txBody>
+                      <a:tcPr/>
+                    </a:tc>
+                    <a:tc>
+                      <a:txBody>
+                        <a:bodyPr/>
+                        <a:lstStyle/>
+                        <a:p>
+                          <a:endParaRPr lang="ru-RU"/>
+                        </a:p>
+                      </a:txBody>
+                      <a:tcPr>
+                        <a:blipFill rotWithShape="0">
+                          <a:blip r:embed="rId3"/>
+                          <a:stretch>
+                            <a:fillRect l="-109394" t="-263810" r="-314545" b="-129524"/>
+                          </a:stretch>
+                        </a:blipFill>
+                      </a:tcPr>
+                    </a:tc>
+                    <a:tc>
+                      <a:txBody>
+                        <a:bodyPr/>
+                        <a:lstStyle/>
+                        <a:p>
+                          <a:pPr algn="ctr"/>
+                          <a:r>
+                            <a:rPr lang="en-US" dirty="0" smtClean="0"/>
+                            <a:t>+</a:t>
+                          </a:r>
+                          <a:endParaRPr lang="ru-RU" dirty="0"/>
+                        </a:p>
+                      </a:txBody>
+                      <a:tcPr/>
+                    </a:tc>
+                    <a:tc>
+                      <a:txBody>
+                        <a:bodyPr/>
+                        <a:lstStyle/>
+                        <a:p>
+                          <a:pPr algn="ctr"/>
+                          <a:r>
+                            <a:rPr lang="en-US" dirty="0" smtClean="0"/>
+                            <a:t>+</a:t>
+                          </a:r>
+                          <a:endParaRPr lang="ru-RU" dirty="0"/>
+                        </a:p>
+                      </a:txBody>
+                      <a:tcPr/>
+                    </a:tc>
+                    <a:tc>
+                      <a:txBody>
+                        <a:bodyPr/>
+                        <a:lstStyle/>
+                        <a:p>
+                          <a:pPr algn="ctr"/>
+                          <a:r>
+                            <a:rPr lang="ru-RU" dirty="0" smtClean="0"/>
+                            <a:t>-</a:t>
+                          </a:r>
+                          <a:endParaRPr lang="ru-RU" dirty="0"/>
+                        </a:p>
+                      </a:txBody>
+                      <a:tcPr/>
+                    </a:tc>
+                  </a:tr>
+                  <a:tr h="370840">
+                    <a:tc>
+                      <a:txBody>
+                        <a:bodyPr/>
+                        <a:lstStyle/>
+                        <a:p>
+                          <a:pPr algn="ctr"/>
+                          <a:r>
+                            <a:rPr lang="ru-RU" dirty="0" smtClean="0"/>
+                            <a:t>Алгоритм</a:t>
+                          </a:r>
+                          <a:r>
+                            <a:rPr lang="ru-RU" baseline="0" dirty="0" smtClean="0"/>
+                            <a:t> </a:t>
+                          </a:r>
+                          <a:r>
+                            <a:rPr lang="ru-RU" baseline="0" dirty="0" err="1" smtClean="0"/>
+                            <a:t>Дейкстры</a:t>
+                          </a:r>
+                          <a:endParaRPr lang="ru-RU" dirty="0"/>
+                        </a:p>
+                      </a:txBody>
+                      <a:tcPr/>
+                    </a:tc>
+                    <a:tc>
+                      <a:txBody>
+                        <a:bodyPr/>
+                        <a:lstStyle/>
+                        <a:p>
+                          <a:endParaRPr lang="ru-RU"/>
+                        </a:p>
+                      </a:txBody>
+                      <a:tcPr>
+                        <a:blipFill rotWithShape="0">
+                          <a:blip r:embed="rId3"/>
+                          <a:stretch>
+                            <a:fillRect l="-109394" t="-626230" r="-314545" b="-122951"/>
+                          </a:stretch>
+                        </a:blipFill>
+                      </a:tcPr>
+                    </a:tc>
+                    <a:tc>
+                      <a:txBody>
+                        <a:bodyPr/>
+                        <a:lstStyle/>
+                        <a:p>
+                          <a:pPr algn="ctr"/>
+                          <a:r>
+                            <a:rPr lang="en-US" dirty="0" smtClean="0"/>
+                            <a:t>+</a:t>
+                          </a:r>
+                          <a:endParaRPr lang="ru-RU" dirty="0"/>
+                        </a:p>
+                      </a:txBody>
+                      <a:tcPr/>
+                    </a:tc>
+                    <a:tc>
+                      <a:txBody>
+                        <a:bodyPr/>
+                        <a:lstStyle/>
+                        <a:p>
+                          <a:pPr algn="ctr"/>
+                          <a:r>
+                            <a:rPr lang="en-US" dirty="0" smtClean="0"/>
+                            <a:t>-</a:t>
+                          </a:r>
+                          <a:endParaRPr lang="ru-RU" dirty="0"/>
+                        </a:p>
+                      </a:txBody>
+                      <a:tcPr/>
+                    </a:tc>
+                    <a:tc>
+                      <a:txBody>
+                        <a:bodyPr/>
+                        <a:lstStyle/>
+                        <a:p>
+                          <a:pPr algn="ctr"/>
+                          <a:r>
+                            <a:rPr lang="ru-RU" dirty="0" smtClean="0"/>
+                            <a:t>-</a:t>
+                          </a:r>
+                          <a:endParaRPr lang="ru-RU" dirty="0"/>
+                        </a:p>
+                      </a:txBody>
+                      <a:tcPr/>
+                    </a:tc>
+                  </a:tr>
+                  <a:tr h="370840">
+                    <a:tc>
+                      <a:txBody>
+                        <a:bodyPr/>
+                        <a:lstStyle/>
+                        <a:p>
+                          <a:pPr algn="ctr"/>
+                          <a:r>
+                            <a:rPr lang="ru-RU" dirty="0" smtClean="0"/>
+                            <a:t>Алгоритм А*</a:t>
+                          </a:r>
+                          <a:endParaRPr lang="ru-RU" dirty="0"/>
+                        </a:p>
+                      </a:txBody>
+                      <a:tcPr/>
+                    </a:tc>
+                    <a:tc>
+                      <a:txBody>
+                        <a:bodyPr/>
+                        <a:lstStyle/>
+                        <a:p>
+                          <a:endParaRPr lang="ru-RU"/>
+                        </a:p>
+                      </a:txBody>
+                      <a:tcPr>
+                        <a:blipFill rotWithShape="0">
+                          <a:blip r:embed="rId3"/>
+                          <a:stretch>
+                            <a:fillRect l="-109394" t="-726230" r="-314545" b="-22951"/>
+                          </a:stretch>
+                        </a:blipFill>
+                      </a:tcPr>
+                    </a:tc>
+                    <a:tc>
+                      <a:txBody>
+                        <a:bodyPr/>
+                        <a:lstStyle/>
+                        <a:p>
+                          <a:pPr algn="ctr"/>
+                          <a:r>
+                            <a:rPr lang="en-US" dirty="0" smtClean="0"/>
+                            <a:t>+</a:t>
+                          </a:r>
+                          <a:endParaRPr lang="ru-RU" dirty="0"/>
+                        </a:p>
+                      </a:txBody>
+                      <a:tcPr/>
+                    </a:tc>
+                    <a:tc>
+                      <a:txBody>
+                        <a:bodyPr/>
+                        <a:lstStyle/>
+                        <a:p>
+                          <a:pPr algn="ctr"/>
+                          <a:r>
+                            <a:rPr lang="en-US" dirty="0" smtClean="0"/>
+                            <a:t>-</a:t>
+                          </a:r>
+                          <a:endParaRPr lang="ru-RU" dirty="0"/>
+                        </a:p>
+                      </a:txBody>
+                      <a:tcPr/>
+                    </a:tc>
+                    <a:tc>
+                      <a:txBody>
+                        <a:bodyPr/>
+                        <a:lstStyle/>
+                        <a:p>
+                          <a:pPr algn="ctr"/>
+                          <a:r>
+                            <a:rPr lang="ru-RU" dirty="0" smtClean="0"/>
+                            <a:t>+</a:t>
+                          </a:r>
+                          <a:endParaRPr lang="ru-RU" dirty="0"/>
+                        </a:p>
+                      </a:txBody>
+                      <a:tcPr/>
+                    </a:tc>
+                  </a:tr>
+                </a:tbl>
+              </a:graphicData>
+            </a:graphic>
+          </p:graphicFrame>
+        </mc:Fallback>
+      </mc:AlternateContent>
+      <p:sp>
+        <p:nvSpPr>
+          <p:cNvPr id="6" name="Заголовок 1"/>
           <p:cNvSpPr txBox="1">
             <a:spLocks/>
           </p:cNvSpPr>
@@ -5280,70 +7127,20 @@
             <a:pPr algn="ctr"/>
             <a:r>
               <a:rPr lang="ru-RU" dirty="0" smtClean="0"/>
-              <a:t>Функциональная модель</a:t>
+              <a:t>Классификация </a:t>
+            </a:r>
+            <a:r>
+              <a:rPr lang="ru-RU" dirty="0" smtClean="0"/>
+              <a:t>алгоритмов поиска кратчайшего пути</a:t>
             </a:r>
             <a:endParaRPr lang="ru-RU" dirty="0"/>
-          </a:p>
-        </p:txBody>
-      </p:sp>
-      <p:pic>
-        <p:nvPicPr>
-          <p:cNvPr id="2" name="Рисунок 1"/>
-          <p:cNvPicPr>
-            <a:picLocks noChangeAspect="1"/>
-          </p:cNvPicPr>
-          <p:nvPr/>
-        </p:nvPicPr>
-        <p:blipFill>
-          <a:blip r:embed="rId2">
-            <a:extLst>
-              <a:ext uri="{28A0092B-C50C-407E-A947-70E740481C1C}">
-                <a14:useLocalDpi xmlns:a14="http://schemas.microsoft.com/office/drawing/2010/main" val="0"/>
-              </a:ext>
-            </a:extLst>
-          </a:blip>
-          <a:stretch>
-            <a:fillRect/>
-          </a:stretch>
-        </p:blipFill>
-        <p:spPr>
-          <a:xfrm>
-            <a:off x="0" y="1325563"/>
-            <a:ext cx="12192000" cy="4471969"/>
-          </a:xfrm>
-          <a:prstGeom prst="rect">
-            <a:avLst/>
-          </a:prstGeom>
-        </p:spPr>
-      </p:pic>
-      <p:sp>
-        <p:nvSpPr>
-          <p:cNvPr id="3" name="Номер слайда 2"/>
-          <p:cNvSpPr>
-            <a:spLocks noGrp="1"/>
-          </p:cNvSpPr>
-          <p:nvPr>
-            <p:ph type="sldNum" sz="quarter" idx="12"/>
-          </p:nvPr>
-        </p:nvSpPr>
-        <p:spPr/>
-        <p:txBody>
-          <a:bodyPr/>
-          <a:lstStyle/>
-          <a:p>
-            <a:fld id="{12A5530A-C36B-4239-A90C-AB8088D06C08}" type="slidenum">
-              <a:rPr lang="ru-RU" smtClean="0"/>
-              <a:pPr/>
-              <a:t>3</a:t>
-            </a:fld>
-            <a:endParaRPr lang="ru-RU"/>
           </a:p>
         </p:txBody>
       </p:sp>
     </p:spTree>
     <p:extLst>
       <p:ext uri="{BB962C8B-B14F-4D97-AF65-F5344CB8AC3E}">
-        <p14:creationId xmlns:p14="http://schemas.microsoft.com/office/powerpoint/2010/main" val="299607884"/>
+        <p14:creationId xmlns:p14="http://schemas.microsoft.com/office/powerpoint/2010/main" val="928279563"/>
       </p:ext>
     </p:extLst>
   </p:cSld>
@@ -5421,7 +7218,7 @@
             <a:pPr algn="ctr"/>
             <a:r>
               <a:rPr lang="ru-RU" dirty="0" smtClean="0"/>
-              <a:t>Функциональная модель этапа построения маршрута</a:t>
+              <a:t>Функциональная модель</a:t>
             </a:r>
             <a:endParaRPr lang="ru-RU" dirty="0"/>
           </a:p>
@@ -5450,7 +7247,7 @@
         <p:spPr>
           <a:xfrm>
             <a:off x="0" y="1325563"/>
-            <a:ext cx="12192000" cy="5213992"/>
+            <a:ext cx="12192000" cy="4471969"/>
           </a:xfrm>
           <a:prstGeom prst="rect">
             <a:avLst/>
@@ -5484,7 +7281,7 @@
     </p:spTree>
     <p:extLst>
       <p:ext uri="{BB962C8B-B14F-4D97-AF65-F5344CB8AC3E}">
-        <p14:creationId xmlns:p14="http://schemas.microsoft.com/office/powerpoint/2010/main" val="2286397716"/>
+        <p14:creationId xmlns:p14="http://schemas.microsoft.com/office/powerpoint/2010/main" val="299607884"/>
       </p:ext>
     </p:extLst>
   </p:cSld>
@@ -5518,281 +7315,8 @@
           <a:chExt cx="0" cy="0"/>
         </a:xfrm>
       </p:grpSpPr>
-      <p:sp>
-        <p:nvSpPr>
-          <p:cNvPr id="4" name="Заголовок 1"/>
-          <p:cNvSpPr txBox="1">
-            <a:spLocks/>
-          </p:cNvSpPr>
-          <p:nvPr/>
-        </p:nvSpPr>
-        <p:spPr>
-          <a:xfrm>
-            <a:off x="838200" y="0"/>
-            <a:ext cx="10515600" cy="1325563"/>
-          </a:xfrm>
-          <a:prstGeom prst="rect">
-            <a:avLst/>
-          </a:prstGeom>
-        </p:spPr>
-        <p:txBody>
-          <a:bodyPr vert="horz" lIns="91440" tIns="45720" rIns="91440" bIns="45720" rtlCol="0" anchor="ctr">
-            <a:normAutofit/>
-          </a:bodyPr>
-          <a:lstStyle>
-            <a:lvl1pPr algn="l" defTabSz="914400" rtl="0" eaLnBrk="1" latinLnBrk="0" hangingPunct="1">
-              <a:lnSpc>
-                <a:spcPct val="90000"/>
-              </a:lnSpc>
-              <a:spcBef>
-                <a:spcPct val="0"/>
-              </a:spcBef>
-              <a:buNone/>
-              <a:defRPr sz="4400" kern="1200">
-                <a:solidFill>
-                  <a:schemeClr val="tx1"/>
-                </a:solidFill>
-                <a:latin typeface="+mj-lt"/>
-                <a:ea typeface="+mj-ea"/>
-                <a:cs typeface="+mj-cs"/>
-              </a:defRPr>
-            </a:lvl1pPr>
-          </a:lstStyle>
-          <a:p>
-            <a:pPr algn="ctr"/>
-            <a:r>
-              <a:rPr lang="ru-RU" dirty="0" smtClean="0"/>
-              <a:t>Входные и выходные данные</a:t>
-            </a:r>
-            <a:r>
-              <a:rPr lang="en-US" dirty="0" smtClean="0"/>
-              <a:t> </a:t>
-            </a:r>
-            <a:r>
-              <a:rPr lang="ru-RU" dirty="0" smtClean="0"/>
-              <a:t>приложения</a:t>
-            </a:r>
-            <a:endParaRPr lang="ru-RU" dirty="0"/>
-          </a:p>
-        </p:txBody>
-      </p:sp>
-      <p:sp>
-        <p:nvSpPr>
-          <p:cNvPr id="5" name="Объект 2"/>
-          <p:cNvSpPr>
-            <a:spLocks noGrp="1"/>
-          </p:cNvSpPr>
-          <p:nvPr>
-            <p:ph idx="1"/>
-          </p:nvPr>
-        </p:nvSpPr>
-        <p:spPr>
-          <a:xfrm>
-            <a:off x="838200" y="1325562"/>
-            <a:ext cx="10515600" cy="5229062"/>
-          </a:xfrm>
-        </p:spPr>
-        <p:txBody>
-          <a:bodyPr>
-            <a:normAutofit lnSpcReduction="10000"/>
-          </a:bodyPr>
-          <a:lstStyle/>
-          <a:p>
-            <a:r>
-              <a:rPr lang="ru-RU" sz="3200" dirty="0" smtClean="0"/>
-              <a:t>Входные данные</a:t>
-            </a:r>
-            <a:r>
-              <a:rPr lang="en-US" sz="3200" dirty="0" smtClean="0"/>
-              <a:t>:</a:t>
-            </a:r>
-          </a:p>
-          <a:p>
-            <a:pPr lvl="1"/>
-            <a:r>
-              <a:rPr lang="ru-RU" dirty="0"/>
-              <a:t>г</a:t>
-            </a:r>
-            <a:r>
-              <a:rPr lang="ru-RU" dirty="0" smtClean="0"/>
-              <a:t>раф дорог</a:t>
-            </a:r>
-            <a:r>
-              <a:rPr lang="en-US" dirty="0" smtClean="0"/>
-              <a:t>;</a:t>
-            </a:r>
-          </a:p>
-          <a:p>
-            <a:pPr lvl="1"/>
-            <a:r>
-              <a:rPr lang="ru-RU" dirty="0"/>
-              <a:t>н</a:t>
-            </a:r>
-            <a:r>
-              <a:rPr lang="ru-RU" dirty="0" smtClean="0"/>
-              <a:t>ачальная и конечная точка</a:t>
-            </a:r>
-            <a:r>
-              <a:rPr lang="en-US" dirty="0" smtClean="0"/>
-              <a:t>;</a:t>
-            </a:r>
-          </a:p>
-          <a:p>
-            <a:pPr lvl="1"/>
-            <a:r>
-              <a:rPr lang="ru-RU" dirty="0"/>
-              <a:t>в</a:t>
-            </a:r>
-            <a:r>
-              <a:rPr lang="ru-RU" dirty="0" smtClean="0"/>
-              <a:t>ид маршрута</a:t>
-            </a:r>
-            <a:r>
-              <a:rPr lang="en-US" dirty="0" smtClean="0"/>
-              <a:t>;</a:t>
-            </a:r>
-          </a:p>
-          <a:p>
-            <a:pPr lvl="1"/>
-            <a:r>
-              <a:rPr lang="ru-RU" dirty="0"/>
-              <a:t>в</a:t>
-            </a:r>
-            <a:r>
-              <a:rPr lang="ru-RU" dirty="0" smtClean="0"/>
-              <a:t>ыбранная комбинация алгоритмов для построения.</a:t>
-            </a:r>
-          </a:p>
-          <a:p>
-            <a:r>
-              <a:rPr lang="ru-RU" sz="3200" dirty="0" smtClean="0"/>
-              <a:t>Выходные данные</a:t>
-            </a:r>
-            <a:r>
-              <a:rPr lang="en-US" sz="3200" dirty="0" smtClean="0"/>
-              <a:t>:</a:t>
-            </a:r>
-            <a:endParaRPr lang="ru-RU" sz="3200" dirty="0" smtClean="0"/>
-          </a:p>
-          <a:p>
-            <a:pPr lvl="1"/>
-            <a:r>
-              <a:rPr lang="ru-RU" dirty="0"/>
-              <a:t>п</a:t>
-            </a:r>
-            <a:r>
-              <a:rPr lang="ru-RU" dirty="0" smtClean="0"/>
-              <a:t>остроенный маршрут</a:t>
-            </a:r>
-            <a:r>
-              <a:rPr lang="en-US" dirty="0" smtClean="0"/>
-              <a:t>;</a:t>
-            </a:r>
-            <a:endParaRPr lang="ru-RU" dirty="0" smtClean="0"/>
-          </a:p>
-          <a:p>
-            <a:pPr lvl="1"/>
-            <a:r>
-              <a:rPr lang="ru-RU" dirty="0"/>
-              <a:t>в</a:t>
-            </a:r>
-            <a:r>
-              <a:rPr lang="ru-RU" dirty="0" smtClean="0"/>
-              <a:t>ремя построения</a:t>
-            </a:r>
-            <a:r>
-              <a:rPr lang="en-US" dirty="0" smtClean="0"/>
-              <a:t>;</a:t>
-            </a:r>
-          </a:p>
-          <a:p>
-            <a:pPr lvl="1"/>
-            <a:r>
-              <a:rPr lang="ru-RU" dirty="0"/>
-              <a:t>д</a:t>
-            </a:r>
-            <a:r>
-              <a:rPr lang="ru-RU" dirty="0" smtClean="0"/>
-              <a:t>лина маршрута</a:t>
-            </a:r>
-            <a:r>
-              <a:rPr lang="en-US" dirty="0"/>
-              <a:t>.</a:t>
-            </a:r>
-            <a:endParaRPr lang="en-US" dirty="0" smtClean="0"/>
-          </a:p>
-          <a:p>
-            <a:r>
-              <a:rPr lang="ru-RU" sz="3200" dirty="0" smtClean="0"/>
-              <a:t>По полученным данным можно сравнить эффективность различных алгоритмов при выполнении построения маршрутов.</a:t>
-            </a:r>
-            <a:endParaRPr lang="ru-RU" sz="3200" dirty="0"/>
-          </a:p>
-        </p:txBody>
-      </p:sp>
-      <p:sp>
-        <p:nvSpPr>
-          <p:cNvPr id="2" name="Номер слайда 1"/>
-          <p:cNvSpPr>
-            <a:spLocks noGrp="1"/>
-          </p:cNvSpPr>
-          <p:nvPr>
-            <p:ph type="sldNum" sz="quarter" idx="12"/>
-          </p:nvPr>
-        </p:nvSpPr>
-        <p:spPr/>
-        <p:txBody>
-          <a:bodyPr/>
-          <a:lstStyle/>
-          <a:p>
-            <a:fld id="{12A5530A-C36B-4239-A90C-AB8088D06C08}" type="slidenum">
-              <a:rPr lang="ru-RU" smtClean="0"/>
-              <a:pPr/>
-              <a:t>5</a:t>
-            </a:fld>
-            <a:endParaRPr lang="ru-RU"/>
-          </a:p>
-        </p:txBody>
-      </p:sp>
-    </p:spTree>
-    <p:extLst>
-      <p:ext uri="{BB962C8B-B14F-4D97-AF65-F5344CB8AC3E}">
-        <p14:creationId xmlns:p14="http://schemas.microsoft.com/office/powerpoint/2010/main" val="2935460858"/>
-      </p:ext>
-    </p:extLst>
-  </p:cSld>
-  <p:clrMapOvr>
-    <a:masterClrMapping/>
-  </p:clrMapOvr>
-  <p:timing>
-    <p:tnLst>
-      <p:par>
-        <p:cTn id="1" dur="indefinite" restart="never" nodeType="tmRoot"/>
-      </p:par>
-    </p:tnLst>
-  </p:timing>
-</p:sld>
-</file>
-
-<file path=ppt/slides/slide6.xml><?xml version="1.0" encoding="utf-8"?>
-<p:sld xmlns:a="http://schemas.openxmlformats.org/drawingml/2006/main" xmlns:r="http://schemas.openxmlformats.org/officeDocument/2006/relationships" xmlns:p="http://schemas.openxmlformats.org/presentationml/2006/main">
-  <p:cSld>
-    <p:spTree>
-      <p:nvGrpSpPr>
-        <p:cNvPr id="1" name=""/>
-        <p:cNvGrpSpPr/>
-        <p:nvPr/>
-      </p:nvGrpSpPr>
-      <p:grpSpPr>
-        <a:xfrm>
-          <a:off x="0" y="0"/>
-          <a:ext cx="0" cy="0"/>
-          <a:chOff x="0" y="0"/>
-          <a:chExt cx="0" cy="0"/>
-        </a:xfrm>
-      </p:grpSpPr>
-      <mc:AlternateContent xmlns:mc="http://schemas.openxmlformats.org/markup-compatibility/2006" xmlns:a14="http://schemas.microsoft.com/office/drawing/2010/main">
-        <mc:Choice Requires="a14">
+      <mc:AlternateContent xmlns:mc="http://schemas.openxmlformats.org/markup-compatibility/2006">
+        <mc:Choice xmlns:a14="http://schemas.microsoft.com/office/drawing/2010/main" Requires="a14">
           <p:sp>
             <p:nvSpPr>
               <p:cNvPr id="4" name="Объект 2"/>
@@ -5811,7 +7335,7 @@
             </p:spPr>
             <p:txBody>
               <a:bodyPr>
-                <a:normAutofit/>
+                <a:normAutofit lnSpcReduction="10000"/>
               </a:bodyPr>
               <a:lstStyle/>
               <a:p>
@@ -5900,10 +7424,29 @@
                   <a:t>– </a:t>
                 </a:r>
                 <a:r>
+                  <a:rPr lang="ru-RU" sz="2400" dirty="0" smtClean="0">
+                    <a:cs typeface="Times New Roman" panose="02020603050405020304" pitchFamily="18" charset="0"/>
+                  </a:rPr>
+                  <a:t>связный</a:t>
+                </a:r>
+                <a:r>
+                  <a:rPr lang="ru-RU" sz="2400" dirty="0" smtClean="0">
+                    <a:latin typeface="Times New Roman" panose="02020603050405020304" pitchFamily="18" charset="0"/>
+                    <a:cs typeface="Times New Roman" panose="02020603050405020304" pitchFamily="18" charset="0"/>
+                  </a:rPr>
+                  <a:t> </a:t>
+                </a:r>
+                <a:r>
+                  <a:rPr lang="ru-RU" sz="2400" dirty="0" smtClean="0">
+                    <a:cs typeface="Times New Roman" panose="02020603050405020304" pitchFamily="18" charset="0"/>
+                  </a:rPr>
+                  <a:t>ориентированный </a:t>
+                </a:r>
+                <a:r>
                   <a:rPr lang="ru-RU" sz="2400" dirty="0">
                     <a:cs typeface="Times New Roman" panose="02020603050405020304" pitchFamily="18" charset="0"/>
                   </a:rPr>
-                  <a:t>ориентированный граф</a:t>
+                  <a:t>граф</a:t>
                 </a:r>
                 <a:r>
                   <a:rPr lang="en-US" sz="2400" dirty="0">
@@ -6016,8 +7559,25 @@
                   <a:rPr lang="ru-RU" sz="2400" dirty="0">
                     <a:cs typeface="Times New Roman" panose="02020603050405020304" pitchFamily="18" charset="0"/>
                   </a:rPr>
-                  <a:t> длина, тип дороги, количество полос, направление движения.</a:t>
+                  <a:t> длина, тип </a:t>
                 </a:r>
+                <a:r>
+                  <a:rPr lang="ru-RU" sz="2400" dirty="0" smtClean="0">
+                    <a:cs typeface="Times New Roman" panose="02020603050405020304" pitchFamily="18" charset="0"/>
+                  </a:rPr>
+                  <a:t>дороги, вид дорожного покрытия.</a:t>
+                </a:r>
+              </a:p>
+              <a:p>
+                <a:r>
+                  <a:rPr lang="ru-RU" sz="2400" dirty="0" smtClean="0">
+                    <a:cs typeface="Times New Roman" panose="02020603050405020304" pitchFamily="18" charset="0"/>
+                  </a:rPr>
+                  <a:t>Весом ребра является его длина, то есть веса неотрицательны.</a:t>
+                </a:r>
+                <a:endParaRPr lang="ru-RU" sz="2400" dirty="0">
+                  <a:cs typeface="Times New Roman" panose="02020603050405020304" pitchFamily="18" charset="0"/>
+                </a:endParaRPr>
               </a:p>
               <a:p>
                 <a:r>
@@ -6470,7 +8030,7 @@
             </p:txBody>
           </p:sp>
         </mc:Choice>
-        <mc:Fallback xmlns="">
+        <mc:Fallback>
           <p:sp>
             <p:nvSpPr>
               <p:cNvPr id="4" name="Объект 2"/>
@@ -6489,7 +8049,7 @@
               <a:blipFill rotWithShape="0">
                 <a:blip r:embed="rId2"/>
                 <a:stretch>
-                  <a:fillRect l="-812" t="-1748"/>
+                  <a:fillRect l="-812" t="-2331" r="-986"/>
                 </a:stretch>
               </a:blipFill>
             </p:spPr>
@@ -6576,7 +8136,7 @@
             <a:fld id="{12A5530A-C36B-4239-A90C-AB8088D06C08}" type="slidenum">
               <a:rPr lang="ru-RU" smtClean="0"/>
               <a:pPr/>
-              <a:t>6</a:t>
+              <a:t>5</a:t>
             </a:fld>
             <a:endParaRPr lang="ru-RU"/>
           </a:p>
@@ -6602,7 +8162,7 @@
 </p:sld>
 </file>
 
-<file path=ppt/slides/slide7.xml><?xml version="1.0" encoding="utf-8"?>
+<file path=ppt/slides/slide6.xml><?xml version="1.0" encoding="utf-8"?>
 <p:sld xmlns:a="http://schemas.openxmlformats.org/drawingml/2006/main" xmlns:r="http://schemas.openxmlformats.org/officeDocument/2006/relationships" xmlns:p="http://schemas.openxmlformats.org/presentationml/2006/main">
   <p:cSld>
     <p:spTree>
@@ -7772,7 +9332,7 @@
             <a:fld id="{12A5530A-C36B-4239-A90C-AB8088D06C08}" type="slidenum">
               <a:rPr lang="ru-RU" smtClean="0"/>
               <a:pPr/>
-              <a:t>7</a:t>
+              <a:t>6</a:t>
             </a:fld>
             <a:endParaRPr lang="ru-RU"/>
           </a:p>
@@ -7782,6 +9342,147 @@
     <p:extLst>
       <p:ext uri="{BB962C8B-B14F-4D97-AF65-F5344CB8AC3E}">
         <p14:creationId xmlns:p14="http://schemas.microsoft.com/office/powerpoint/2010/main" val="3592067537"/>
+      </p:ext>
+    </p:extLst>
+  </p:cSld>
+  <p:clrMapOvr>
+    <a:masterClrMapping/>
+  </p:clrMapOvr>
+  <p:timing>
+    <p:tnLst>
+      <p:par>
+        <p:cTn id="1" dur="indefinite" restart="never" nodeType="tmRoot"/>
+      </p:par>
+    </p:tnLst>
+  </p:timing>
+</p:sld>
+</file>
+
+<file path=ppt/slides/slide7.xml><?xml version="1.0" encoding="utf-8"?>
+<p:sld xmlns:a="http://schemas.openxmlformats.org/drawingml/2006/main" xmlns:r="http://schemas.openxmlformats.org/officeDocument/2006/relationships" xmlns:p="http://schemas.openxmlformats.org/presentationml/2006/main">
+  <p:cSld>
+    <p:spTree>
+      <p:nvGrpSpPr>
+        <p:cNvPr id="1" name=""/>
+        <p:cNvGrpSpPr/>
+        <p:nvPr/>
+      </p:nvGrpSpPr>
+      <p:grpSpPr>
+        <a:xfrm>
+          <a:off x="0" y="0"/>
+          <a:ext cx="0" cy="0"/>
+          <a:chOff x="0" y="0"/>
+          <a:chExt cx="0" cy="0"/>
+        </a:xfrm>
+      </p:grpSpPr>
+      <p:sp>
+        <p:nvSpPr>
+          <p:cNvPr id="4" name="Заголовок 1"/>
+          <p:cNvSpPr txBox="1">
+            <a:spLocks/>
+          </p:cNvSpPr>
+          <p:nvPr/>
+        </p:nvSpPr>
+        <p:spPr>
+          <a:xfrm>
+            <a:off x="838200" y="0"/>
+            <a:ext cx="10515600" cy="1325563"/>
+          </a:xfrm>
+          <a:prstGeom prst="rect">
+            <a:avLst/>
+          </a:prstGeom>
+        </p:spPr>
+        <p:txBody>
+          <a:bodyPr vert="horz" lIns="91440" tIns="45720" rIns="91440" bIns="45720" rtlCol="0" anchor="ctr">
+            <a:normAutofit/>
+          </a:bodyPr>
+          <a:lstStyle>
+            <a:lvl1pPr algn="l" defTabSz="914400" rtl="0" eaLnBrk="1" latinLnBrk="0" hangingPunct="1">
+              <a:lnSpc>
+                <a:spcPct val="90000"/>
+              </a:lnSpc>
+              <a:spcBef>
+                <a:spcPct val="0"/>
+              </a:spcBef>
+              <a:buNone/>
+              <a:defRPr sz="4400" kern="1200">
+                <a:solidFill>
+                  <a:schemeClr val="tx1"/>
+                </a:solidFill>
+                <a:latin typeface="+mj-lt"/>
+                <a:ea typeface="+mj-ea"/>
+                <a:cs typeface="+mj-cs"/>
+              </a:defRPr>
+            </a:lvl1pPr>
+          </a:lstStyle>
+          <a:p>
+            <a:pPr algn="ctr"/>
+            <a:r>
+              <a:rPr lang="ru-RU" dirty="0" smtClean="0"/>
+              <a:t>Функциональная модель этапа построения маршрута</a:t>
+            </a:r>
+            <a:endParaRPr lang="ru-RU" dirty="0"/>
+          </a:p>
+        </p:txBody>
+      </p:sp>
+      <p:pic>
+        <p:nvPicPr>
+          <p:cNvPr id="2" name="Рисунок 1"/>
+          <p:cNvPicPr>
+            <a:picLocks noChangeAspect="1"/>
+          </p:cNvPicPr>
+          <p:nvPr/>
+        </p:nvPicPr>
+        <p:blipFill>
+          <a:blip r:embed="rId2">
+            <a:extLst>
+              <a:ext uri="{28A0092B-C50C-407E-A947-70E740481C1C}">
+                <a14:useLocalDpi xmlns:a14="http://schemas.microsoft.com/office/drawing/2010/main" val="0"/>
+              </a:ext>
+            </a:extLst>
+          </a:blip>
+          <a:stretch>
+            <a:fillRect/>
+          </a:stretch>
+        </p:blipFill>
+        <p:spPr>
+          <a:xfrm>
+            <a:off x="0" y="1325563"/>
+            <a:ext cx="12192000" cy="5213992"/>
+          </a:xfrm>
+          <a:prstGeom prst="rect">
+            <a:avLst/>
+          </a:prstGeom>
+        </p:spPr>
+      </p:pic>
+      <p:sp>
+        <p:nvSpPr>
+          <p:cNvPr id="3" name="Номер слайда 2"/>
+          <p:cNvSpPr>
+            <a:spLocks noGrp="1"/>
+          </p:cNvSpPr>
+          <p:nvPr>
+            <p:ph type="sldNum" sz="quarter" idx="12"/>
+          </p:nvPr>
+        </p:nvSpPr>
+        <p:spPr/>
+        <p:txBody>
+          <a:bodyPr/>
+          <a:lstStyle/>
+          <a:p>
+            <a:fld id="{12A5530A-C36B-4239-A90C-AB8088D06C08}" type="slidenum">
+              <a:rPr lang="ru-RU" smtClean="0"/>
+              <a:pPr/>
+              <a:t>7</a:t>
+            </a:fld>
+            <a:endParaRPr lang="ru-RU"/>
+          </a:p>
+        </p:txBody>
+      </p:sp>
+    </p:spTree>
+    <p:extLst>
+      <p:ext uri="{BB962C8B-B14F-4D97-AF65-F5344CB8AC3E}">
+        <p14:creationId xmlns:p14="http://schemas.microsoft.com/office/powerpoint/2010/main" val="2286397716"/>
       </p:ext>
     </p:extLst>
   </p:cSld>

--- a/Documentation/Метод построения велосипедных маршрутов.pptx
+++ b/Documentation/Метод построения велосипедных маршрутов.pptx
@@ -219,7 +219,7 @@
           <a:p>
             <a:fld id="{2C1D5852-CB3A-4E71-BFCB-A6B4538832B4}" type="datetimeFigureOut">
               <a:rPr lang="ru-RU" smtClean="0"/>
-              <a:t>21.05.2015</a:t>
+              <a:t>22.05.2015</a:t>
             </a:fld>
             <a:endParaRPr lang="ru-RU"/>
           </a:p>
@@ -786,7 +786,7 @@
           <a:p>
             <a:fld id="{36E5FA18-BC3F-4D53-94AB-C0F3B1B8377F}" type="datetime1">
               <a:rPr lang="ru-RU" smtClean="0"/>
-              <a:t>21.05.2015</a:t>
+              <a:t>22.05.2015</a:t>
             </a:fld>
             <a:endParaRPr lang="ru-RU"/>
           </a:p>
@@ -964,7 +964,7 @@
           <a:p>
             <a:fld id="{21567A10-74FB-4B80-9638-7BCE9781867C}" type="datetime1">
               <a:rPr lang="ru-RU" smtClean="0"/>
-              <a:t>21.05.2015</a:t>
+              <a:t>22.05.2015</a:t>
             </a:fld>
             <a:endParaRPr lang="ru-RU"/>
           </a:p>
@@ -1145,7 +1145,7 @@
           <a:p>
             <a:fld id="{81142080-0B71-4B20-B0E2-9DFC0B1CFBEE}" type="datetime1">
               <a:rPr lang="ru-RU" smtClean="0"/>
-              <a:t>21.05.2015</a:t>
+              <a:t>22.05.2015</a:t>
             </a:fld>
             <a:endParaRPr lang="ru-RU"/>
           </a:p>
@@ -1316,7 +1316,7 @@
           <a:p>
             <a:fld id="{E2255E6C-A322-4AC3-828D-B9E85E64A896}" type="datetime1">
               <a:rPr lang="ru-RU" smtClean="0"/>
-              <a:t>21.05.2015</a:t>
+              <a:t>22.05.2015</a:t>
             </a:fld>
             <a:endParaRPr lang="ru-RU"/>
           </a:p>
@@ -1563,7 +1563,7 @@
           <a:p>
             <a:fld id="{BA497A56-8E1D-40EB-A88D-614A29B47FFB}" type="datetime1">
               <a:rPr lang="ru-RU" smtClean="0"/>
-              <a:t>21.05.2015</a:t>
+              <a:t>22.05.2015</a:t>
             </a:fld>
             <a:endParaRPr lang="ru-RU"/>
           </a:p>
@@ -1796,7 +1796,7 @@
           <a:p>
             <a:fld id="{1DB1DE17-48AA-43E9-826A-5B3B2EB8A459}" type="datetime1">
               <a:rPr lang="ru-RU" smtClean="0"/>
-              <a:t>21.05.2015</a:t>
+              <a:t>22.05.2015</a:t>
             </a:fld>
             <a:endParaRPr lang="ru-RU"/>
           </a:p>
@@ -2164,7 +2164,7 @@
           <a:p>
             <a:fld id="{16378FA1-9B63-4F30-8EDE-C679ADDB5553}" type="datetime1">
               <a:rPr lang="ru-RU" smtClean="0"/>
-              <a:t>21.05.2015</a:t>
+              <a:t>22.05.2015</a:t>
             </a:fld>
             <a:endParaRPr lang="ru-RU"/>
           </a:p>
@@ -2283,7 +2283,7 @@
           <a:p>
             <a:fld id="{4B4531DD-F7E9-4FA2-981F-44CA782140A8}" type="datetime1">
               <a:rPr lang="ru-RU" smtClean="0"/>
-              <a:t>21.05.2015</a:t>
+              <a:t>22.05.2015</a:t>
             </a:fld>
             <a:endParaRPr lang="ru-RU"/>
           </a:p>
@@ -2379,7 +2379,7 @@
           <a:p>
             <a:fld id="{F6C21C51-16DF-40AF-A145-F8DD54F2C411}" type="datetime1">
               <a:rPr lang="ru-RU" smtClean="0"/>
-              <a:t>21.05.2015</a:t>
+              <a:t>22.05.2015</a:t>
             </a:fld>
             <a:endParaRPr lang="ru-RU"/>
           </a:p>
@@ -2657,7 +2657,7 @@
           <a:p>
             <a:fld id="{344ABABC-77B2-4D56-855A-B4C40E6CF024}" type="datetime1">
               <a:rPr lang="ru-RU" smtClean="0"/>
-              <a:t>21.05.2015</a:t>
+              <a:t>22.05.2015</a:t>
             </a:fld>
             <a:endParaRPr lang="ru-RU"/>
           </a:p>
@@ -2911,7 +2911,7 @@
           <a:p>
             <a:fld id="{0FD2389D-C24C-4010-A8CA-3B85131275A4}" type="datetime1">
               <a:rPr lang="ru-RU" smtClean="0"/>
-              <a:t>21.05.2015</a:t>
+              <a:t>22.05.2015</a:t>
             </a:fld>
             <a:endParaRPr lang="ru-RU"/>
           </a:p>
@@ -3125,7 +3125,7 @@
           <a:p>
             <a:fld id="{4F036123-8708-4B1E-AC94-78648E3B1BD3}" type="datetime1">
               <a:rPr lang="ru-RU" smtClean="0"/>
-              <a:t>21.05.2015</a:t>
+              <a:t>22.05.2015</a:t>
             </a:fld>
             <a:endParaRPr lang="ru-RU"/>
           </a:p>
@@ -4036,8 +4036,8 @@
           </a:p>
         </p:txBody>
       </p:sp>
-      <mc:AlternateContent xmlns:mc="http://schemas.openxmlformats.org/markup-compatibility/2006" xmlns:a14="http://schemas.microsoft.com/office/drawing/2010/main">
-        <mc:Choice Requires="a14">
+      <mc:AlternateContent xmlns:mc="http://schemas.openxmlformats.org/markup-compatibility/2006">
+        <mc:Choice xmlns:a14="http://schemas.microsoft.com/office/drawing/2010/main" Requires="a14">
           <p:sp>
             <p:nvSpPr>
               <p:cNvPr id="6" name="Прямоугольник 5"/>
@@ -4047,7 +4047,7 @@
             <p:spPr>
               <a:xfrm>
                 <a:off x="4045725" y="2127975"/>
-                <a:ext cx="4100550" cy="1303883"/>
+                <a:ext cx="4100550" cy="1743234"/>
               </a:xfrm>
               <a:prstGeom prst="rect">
                 <a:avLst/>
@@ -4059,7 +4059,6 @@
               </a:bodyPr>
               <a:lstStyle/>
               <a:p>
-                <a:pPr/>
                 <a14:m>
                   <m:oMathPara xmlns:m="http://schemas.openxmlformats.org/officeDocument/2006/math">
                     <m:oMathParaPr>
@@ -4067,40 +4066,30 @@
                     </m:oMathParaPr>
                     <m:oMath xmlns:m="http://schemas.openxmlformats.org/officeDocument/2006/math">
                       <m:r>
-                        <a:rPr lang="ru-RU" sz="2800" i="1">
-                          <a:latin typeface="Cambria Math" panose="02040503050406030204" pitchFamily="18" charset="0"/>
-                        </a:rPr>
+                        <a:rPr lang="en-US" sz="2800" i="1"/>
                         <m:t>𝑓𝑎𝑐𝑡𝑜𝑟</m:t>
                       </m:r>
                       <m:r>
-                        <a:rPr lang="ru-RU" sz="2800" i="0">
-                          <a:latin typeface="Cambria Math" panose="02040503050406030204" pitchFamily="18" charset="0"/>
-                        </a:rPr>
+                        <a:rPr lang="en-US" sz="2800" i="1"/>
                         <m:t>=</m:t>
                       </m:r>
                       <m:nary>
                         <m:naryPr>
-                          <m:chr m:val="∑"/>
+                          <m:chr m:val="∏"/>
                           <m:limLoc m:val="undOvr"/>
                           <m:ctrlPr>
-                            <a:rPr lang="ru-RU" sz="2800" i="1">
-                              <a:latin typeface="Cambria Math" panose="02040503050406030204" pitchFamily="18" charset="0"/>
-                            </a:rPr>
+                            <a:rPr lang="ru-RU" sz="2800" i="1"/>
                           </m:ctrlPr>
                         </m:naryPr>
                         <m:sub>
                           <m:r>
-                            <a:rPr lang="ru-RU" sz="2800" i="1">
-                              <a:latin typeface="Cambria Math" panose="02040503050406030204" pitchFamily="18" charset="0"/>
-                            </a:rPr>
+                            <a:rPr lang="en-US" sz="2800" i="1"/>
                             <m:t>𝑖</m:t>
                           </m:r>
                         </m:sub>
                         <m:sup>
                           <m:r>
-                            <a:rPr lang="ru-RU" sz="2800" i="1">
-                              <a:latin typeface="Cambria Math" panose="02040503050406030204" pitchFamily="18" charset="0"/>
-                            </a:rPr>
+                            <a:rPr lang="en-US" sz="2800" i="1"/>
                             <m:t>𝑁</m:t>
                           </m:r>
                         </m:sup>
@@ -4108,73 +4097,49 @@
                           <m:sSubSup>
                             <m:sSubSupPr>
                               <m:ctrlPr>
-                                <a:rPr lang="ru-RU" sz="2800" i="1">
-                                  <a:latin typeface="Cambria Math" panose="02040503050406030204" pitchFamily="18" charset="0"/>
-                                </a:rPr>
+                                <a:rPr lang="ru-RU" sz="2800" i="1"/>
                               </m:ctrlPr>
                             </m:sSubSupPr>
                             <m:e>
                               <m:r>
-                                <a:rPr lang="ru-RU" sz="2800" i="1">
-                                  <a:latin typeface="Cambria Math" panose="02040503050406030204" pitchFamily="18" charset="0"/>
-                                </a:rPr>
+                                <a:rPr lang="en-US" sz="2800" i="1"/>
                                 <m:t>𝑘</m:t>
                               </m:r>
                             </m:e>
                             <m:sub>
                               <m:r>
-                                <a:rPr lang="ru-RU" sz="2800" i="1">
-                                  <a:latin typeface="Cambria Math" panose="02040503050406030204" pitchFamily="18" charset="0"/>
-                                </a:rPr>
+                                <a:rPr lang="en-US" sz="2800" i="1"/>
                                 <m:t>𝑖</m:t>
                               </m:r>
                             </m:sub>
                             <m:sup>
-                              <m:f>
-                                <m:fPr>
-                                  <m:type m:val="lin"/>
+                              <m:r>
+                                <a:rPr lang="en-US" sz="2800" i="1"/>
+                                <m:t>𝐿</m:t>
+                              </m:r>
+                              <m:r>
+                                <a:rPr lang="en-US" sz="2800" i="1"/>
+                                <m:t>/</m:t>
+                              </m:r>
+                              <m:sSub>
+                                <m:sSubPr>
                                   <m:ctrlPr>
-                                    <a:rPr lang="ru-RU" sz="2800" i="1">
-                                      <a:latin typeface="Cambria Math" panose="02040503050406030204" pitchFamily="18" charset="0"/>
-                                    </a:rPr>
+                                    <a:rPr lang="ru-RU" sz="2800" i="1"/>
                                   </m:ctrlPr>
-                                </m:fPr>
-                                <m:num>
+                                </m:sSubPr>
+                                <m:e>
                                   <m:r>
-                                    <a:rPr lang="ru-RU" sz="2800" i="1">
-                                      <a:latin typeface="Cambria Math" panose="02040503050406030204" pitchFamily="18" charset="0"/>
-                                    </a:rPr>
+                                    <a:rPr lang="en-US" sz="2800" i="1"/>
                                     <m:t>𝐿</m:t>
                                   </m:r>
-                                </m:num>
-                                <m:den>
-                                  <m:sSub>
-                                    <m:sSubPr>
-                                      <m:ctrlPr>
-                                        <a:rPr lang="ru-RU" sz="2800" i="1">
-                                          <a:latin typeface="Cambria Math" panose="02040503050406030204" pitchFamily="18" charset="0"/>
-                                        </a:rPr>
-                                      </m:ctrlPr>
-                                    </m:sSubPr>
-                                    <m:e>
-                                      <m:r>
-                                        <a:rPr lang="ru-RU" sz="2800" i="1">
-                                          <a:latin typeface="Cambria Math" panose="02040503050406030204" pitchFamily="18" charset="0"/>
-                                        </a:rPr>
-                                        <m:t>𝐿</m:t>
-                                      </m:r>
-                                    </m:e>
-                                    <m:sub>
-                                      <m:r>
-                                        <a:rPr lang="ru-RU" sz="2800" i="1">
-                                          <a:latin typeface="Cambria Math" panose="02040503050406030204" pitchFamily="18" charset="0"/>
-                                        </a:rPr>
-                                        <m:t>𝑒</m:t>
-                                      </m:r>
-                                    </m:sub>
-                                  </m:sSub>
-                                </m:den>
-                              </m:f>
+                                </m:e>
+                                <m:sub>
+                                  <m:r>
+                                    <a:rPr lang="en-US" sz="2800" i="1"/>
+                                    <m:t>𝑒</m:t>
+                                  </m:r>
+                                </m:sub>
+                              </m:sSub>
                             </m:sup>
                           </m:sSubSup>
                         </m:e>
@@ -4184,10 +4149,14 @@
                 </a14:m>
                 <a:endParaRPr lang="ru-RU" sz="2800" dirty="0"/>
               </a:p>
+              <a:p>
+                <a:pPr/>
+                <a:endParaRPr lang="ru-RU" sz="2800" dirty="0"/>
+              </a:p>
             </p:txBody>
           </p:sp>
         </mc:Choice>
-        <mc:Fallback xmlns="">
+        <mc:Fallback>
           <p:sp>
             <p:nvSpPr>
               <p:cNvPr id="6" name="Прямоугольник 5"/>
@@ -4199,7 +4168,7 @@
             <p:spPr>
               <a:xfrm>
                 <a:off x="4045725" y="2127975"/>
-                <a:ext cx="4100550" cy="1303883"/>
+                <a:ext cx="4100550" cy="1743234"/>
               </a:xfrm>
               <a:prstGeom prst="rect">
                 <a:avLst/>
@@ -5631,8 +5600,8 @@
           </a:p>
         </p:txBody>
       </p:sp>
-      <mc:AlternateContent xmlns:mc="http://schemas.openxmlformats.org/markup-compatibility/2006">
-        <mc:Choice xmlns:a14="http://schemas.microsoft.com/office/drawing/2010/main" Requires="a14">
+      <mc:AlternateContent xmlns:mc="http://schemas.openxmlformats.org/markup-compatibility/2006" xmlns:a14="http://schemas.microsoft.com/office/drawing/2010/main">
+        <mc:Choice Requires="a14">
           <p:graphicFrame>
             <p:nvGraphicFramePr>
               <p:cNvPr id="2" name="Объект 1"/>
@@ -6504,7 +6473,7 @@
             </a:graphic>
           </p:graphicFrame>
         </mc:Choice>
-        <mc:Fallback>
+        <mc:Fallback xmlns="">
           <p:graphicFrame>
             <p:nvGraphicFramePr>
               <p:cNvPr id="2" name="Объект 1"/>
@@ -7127,11 +7096,7 @@
             <a:pPr algn="ctr"/>
             <a:r>
               <a:rPr lang="ru-RU" dirty="0" smtClean="0"/>
-              <a:t>Классификация </a:t>
-            </a:r>
-            <a:r>
-              <a:rPr lang="ru-RU" dirty="0" smtClean="0"/>
-              <a:t>алгоритмов поиска кратчайшего пути</a:t>
+              <a:t>Классификация алгоритмов поиска кратчайшего пути</a:t>
             </a:r>
             <a:endParaRPr lang="ru-RU" dirty="0"/>
           </a:p>
@@ -7315,8 +7280,8 @@
           <a:chExt cx="0" cy="0"/>
         </a:xfrm>
       </p:grpSpPr>
-      <mc:AlternateContent xmlns:mc="http://schemas.openxmlformats.org/markup-compatibility/2006">
-        <mc:Choice xmlns:a14="http://schemas.microsoft.com/office/drawing/2010/main" Requires="a14">
+      <mc:AlternateContent xmlns:mc="http://schemas.openxmlformats.org/markup-compatibility/2006" xmlns:a14="http://schemas.microsoft.com/office/drawing/2010/main">
+        <mc:Choice Requires="a14">
           <p:sp>
             <p:nvSpPr>
               <p:cNvPr id="4" name="Объект 2"/>
@@ -8030,7 +7995,7 @@
             </p:txBody>
           </p:sp>
         </mc:Choice>
-        <mc:Fallback>
+        <mc:Fallback xmlns="">
           <p:sp>
             <p:nvSpPr>
               <p:cNvPr id="4" name="Объект 2"/>

--- a/Documentation/Метод построения велосипедных маршрутов.pptx
+++ b/Documentation/Метод построения велосипедных маршрутов.pptx
@@ -219,7 +219,7 @@
           <a:p>
             <a:fld id="{2C1D5852-CB3A-4E71-BFCB-A6B4538832B4}" type="datetimeFigureOut">
               <a:rPr lang="ru-RU" smtClean="0"/>
-              <a:t>22.05.2015</a:t>
+              <a:t>23.05.2015</a:t>
             </a:fld>
             <a:endParaRPr lang="ru-RU"/>
           </a:p>
@@ -786,7 +786,7 @@
           <a:p>
             <a:fld id="{36E5FA18-BC3F-4D53-94AB-C0F3B1B8377F}" type="datetime1">
               <a:rPr lang="ru-RU" smtClean="0"/>
-              <a:t>22.05.2015</a:t>
+              <a:t>23.05.2015</a:t>
             </a:fld>
             <a:endParaRPr lang="ru-RU"/>
           </a:p>
@@ -964,7 +964,7 @@
           <a:p>
             <a:fld id="{21567A10-74FB-4B80-9638-7BCE9781867C}" type="datetime1">
               <a:rPr lang="ru-RU" smtClean="0"/>
-              <a:t>22.05.2015</a:t>
+              <a:t>23.05.2015</a:t>
             </a:fld>
             <a:endParaRPr lang="ru-RU"/>
           </a:p>
@@ -1145,7 +1145,7 @@
           <a:p>
             <a:fld id="{81142080-0B71-4B20-B0E2-9DFC0B1CFBEE}" type="datetime1">
               <a:rPr lang="ru-RU" smtClean="0"/>
-              <a:t>22.05.2015</a:t>
+              <a:t>23.05.2015</a:t>
             </a:fld>
             <a:endParaRPr lang="ru-RU"/>
           </a:p>
@@ -1316,7 +1316,7 @@
           <a:p>
             <a:fld id="{E2255E6C-A322-4AC3-828D-B9E85E64A896}" type="datetime1">
               <a:rPr lang="ru-RU" smtClean="0"/>
-              <a:t>22.05.2015</a:t>
+              <a:t>23.05.2015</a:t>
             </a:fld>
             <a:endParaRPr lang="ru-RU"/>
           </a:p>
@@ -1563,7 +1563,7 @@
           <a:p>
             <a:fld id="{BA497A56-8E1D-40EB-A88D-614A29B47FFB}" type="datetime1">
               <a:rPr lang="ru-RU" smtClean="0"/>
-              <a:t>22.05.2015</a:t>
+              <a:t>23.05.2015</a:t>
             </a:fld>
             <a:endParaRPr lang="ru-RU"/>
           </a:p>
@@ -1796,7 +1796,7 @@
           <a:p>
             <a:fld id="{1DB1DE17-48AA-43E9-826A-5B3B2EB8A459}" type="datetime1">
               <a:rPr lang="ru-RU" smtClean="0"/>
-              <a:t>22.05.2015</a:t>
+              <a:t>23.05.2015</a:t>
             </a:fld>
             <a:endParaRPr lang="ru-RU"/>
           </a:p>
@@ -2164,7 +2164,7 @@
           <a:p>
             <a:fld id="{16378FA1-9B63-4F30-8EDE-C679ADDB5553}" type="datetime1">
               <a:rPr lang="ru-RU" smtClean="0"/>
-              <a:t>22.05.2015</a:t>
+              <a:t>23.05.2015</a:t>
             </a:fld>
             <a:endParaRPr lang="ru-RU"/>
           </a:p>
@@ -2283,7 +2283,7 @@
           <a:p>
             <a:fld id="{4B4531DD-F7E9-4FA2-981F-44CA782140A8}" type="datetime1">
               <a:rPr lang="ru-RU" smtClean="0"/>
-              <a:t>22.05.2015</a:t>
+              <a:t>23.05.2015</a:t>
             </a:fld>
             <a:endParaRPr lang="ru-RU"/>
           </a:p>
@@ -2379,7 +2379,7 @@
           <a:p>
             <a:fld id="{F6C21C51-16DF-40AF-A145-F8DD54F2C411}" type="datetime1">
               <a:rPr lang="ru-RU" smtClean="0"/>
-              <a:t>22.05.2015</a:t>
+              <a:t>23.05.2015</a:t>
             </a:fld>
             <a:endParaRPr lang="ru-RU"/>
           </a:p>
@@ -2657,7 +2657,7 @@
           <a:p>
             <a:fld id="{344ABABC-77B2-4D56-855A-B4C40E6CF024}" type="datetime1">
               <a:rPr lang="ru-RU" smtClean="0"/>
-              <a:t>22.05.2015</a:t>
+              <a:t>23.05.2015</a:t>
             </a:fld>
             <a:endParaRPr lang="ru-RU"/>
           </a:p>
@@ -2911,7 +2911,7 @@
           <a:p>
             <a:fld id="{0FD2389D-C24C-4010-A8CA-3B85131275A4}" type="datetime1">
               <a:rPr lang="ru-RU" smtClean="0"/>
-              <a:t>22.05.2015</a:t>
+              <a:t>23.05.2015</a:t>
             </a:fld>
             <a:endParaRPr lang="ru-RU"/>
           </a:p>
@@ -3125,7 +3125,7 @@
           <a:p>
             <a:fld id="{4F036123-8708-4B1E-AC94-78648E3B1BD3}" type="datetime1">
               <a:rPr lang="ru-RU" smtClean="0"/>
-              <a:t>22.05.2015</a:t>
+              <a:t>23.05.2015</a:t>
             </a:fld>
             <a:endParaRPr lang="ru-RU"/>
           </a:p>
@@ -3584,8 +3584,12 @@
           <a:lstStyle/>
           <a:p>
             <a:r>
+              <a:rPr lang="ru-RU" smtClean="0"/>
+              <a:t>Квалификационная </a:t>
+            </a:r>
+            <a:r>
               <a:rPr lang="ru-RU" dirty="0" smtClean="0"/>
-              <a:t>Квалификационная работа бакалавра</a:t>
+              <a:t>работа бакалавра</a:t>
             </a:r>
           </a:p>
           <a:p>
@@ -4036,8 +4040,8 @@
           </a:p>
         </p:txBody>
       </p:sp>
-      <mc:AlternateContent xmlns:mc="http://schemas.openxmlformats.org/markup-compatibility/2006">
-        <mc:Choice xmlns:a14="http://schemas.microsoft.com/office/drawing/2010/main" Requires="a14">
+      <mc:AlternateContent xmlns:mc="http://schemas.openxmlformats.org/markup-compatibility/2006" xmlns:a14="http://schemas.microsoft.com/office/drawing/2010/main">
+        <mc:Choice Requires="a14">
           <p:sp>
             <p:nvSpPr>
               <p:cNvPr id="6" name="Прямоугольник 5"/>
@@ -4059,6 +4063,7 @@
               </a:bodyPr>
               <a:lstStyle/>
               <a:p>
+                <a:pPr/>
                 <a14:m>
                   <m:oMathPara xmlns:m="http://schemas.openxmlformats.org/officeDocument/2006/math">
                     <m:oMathParaPr>
@@ -4066,11 +4071,15 @@
                     </m:oMathParaPr>
                     <m:oMath xmlns:m="http://schemas.openxmlformats.org/officeDocument/2006/math">
                       <m:r>
-                        <a:rPr lang="en-US" sz="2800" i="1"/>
+                        <a:rPr lang="en-US" sz="2800" i="1">
+                          <a:latin typeface="Cambria Math" panose="02040503050406030204" pitchFamily="18" charset="0"/>
+                        </a:rPr>
                         <m:t>𝑓𝑎𝑐𝑡𝑜𝑟</m:t>
                       </m:r>
                       <m:r>
-                        <a:rPr lang="en-US" sz="2800" i="1"/>
+                        <a:rPr lang="en-US" sz="2800" i="1">
+                          <a:latin typeface="Cambria Math" panose="02040503050406030204" pitchFamily="18" charset="0"/>
+                        </a:rPr>
                         <m:t>=</m:t>
                       </m:r>
                       <m:nary>
@@ -4078,18 +4087,24 @@
                           <m:chr m:val="∏"/>
                           <m:limLoc m:val="undOvr"/>
                           <m:ctrlPr>
-                            <a:rPr lang="ru-RU" sz="2800" i="1"/>
+                            <a:rPr lang="ru-RU" sz="2800" i="1">
+                              <a:latin typeface="Cambria Math" panose="02040503050406030204" pitchFamily="18" charset="0"/>
+                            </a:rPr>
                           </m:ctrlPr>
                         </m:naryPr>
                         <m:sub>
                           <m:r>
-                            <a:rPr lang="en-US" sz="2800" i="1"/>
+                            <a:rPr lang="en-US" sz="2800" i="1">
+                              <a:latin typeface="Cambria Math" panose="02040503050406030204" pitchFamily="18" charset="0"/>
+                            </a:rPr>
                             <m:t>𝑖</m:t>
                           </m:r>
                         </m:sub>
                         <m:sup>
                           <m:r>
-                            <a:rPr lang="en-US" sz="2800" i="1"/>
+                            <a:rPr lang="en-US" sz="2800" i="1">
+                              <a:latin typeface="Cambria Math" panose="02040503050406030204" pitchFamily="18" charset="0"/>
+                            </a:rPr>
                             <m:t>𝑁</m:t>
                           </m:r>
                         </m:sup>
@@ -4097,45 +4112,61 @@
                           <m:sSubSup>
                             <m:sSubSupPr>
                               <m:ctrlPr>
-                                <a:rPr lang="ru-RU" sz="2800" i="1"/>
+                                <a:rPr lang="ru-RU" sz="2800" i="1">
+                                  <a:latin typeface="Cambria Math" panose="02040503050406030204" pitchFamily="18" charset="0"/>
+                                </a:rPr>
                               </m:ctrlPr>
                             </m:sSubSupPr>
                             <m:e>
                               <m:r>
-                                <a:rPr lang="en-US" sz="2800" i="1"/>
+                                <a:rPr lang="en-US" sz="2800" i="1">
+                                  <a:latin typeface="Cambria Math" panose="02040503050406030204" pitchFamily="18" charset="0"/>
+                                </a:rPr>
                                 <m:t>𝑘</m:t>
                               </m:r>
                             </m:e>
                             <m:sub>
                               <m:r>
-                                <a:rPr lang="en-US" sz="2800" i="1"/>
+                                <a:rPr lang="en-US" sz="2800" i="1">
+                                  <a:latin typeface="Cambria Math" panose="02040503050406030204" pitchFamily="18" charset="0"/>
+                                </a:rPr>
                                 <m:t>𝑖</m:t>
                               </m:r>
                             </m:sub>
                             <m:sup>
                               <m:r>
-                                <a:rPr lang="en-US" sz="2800" i="1"/>
+                                <a:rPr lang="en-US" sz="2800" i="1">
+                                  <a:latin typeface="Cambria Math" panose="02040503050406030204" pitchFamily="18" charset="0"/>
+                                </a:rPr>
                                 <m:t>𝐿</m:t>
                               </m:r>
                               <m:r>
-                                <a:rPr lang="en-US" sz="2800" i="1"/>
+                                <a:rPr lang="en-US" sz="2800" i="1">
+                                  <a:latin typeface="Cambria Math" panose="02040503050406030204" pitchFamily="18" charset="0"/>
+                                </a:rPr>
                                 <m:t>/</m:t>
                               </m:r>
                               <m:sSub>
                                 <m:sSubPr>
                                   <m:ctrlPr>
-                                    <a:rPr lang="ru-RU" sz="2800" i="1"/>
+                                    <a:rPr lang="ru-RU" sz="2800" i="1">
+                                      <a:latin typeface="Cambria Math" panose="02040503050406030204" pitchFamily="18" charset="0"/>
+                                    </a:rPr>
                                   </m:ctrlPr>
                                 </m:sSubPr>
                                 <m:e>
                                   <m:r>
-                                    <a:rPr lang="en-US" sz="2800" i="1"/>
+                                    <a:rPr lang="en-US" sz="2800" i="1">
+                                      <a:latin typeface="Cambria Math" panose="02040503050406030204" pitchFamily="18" charset="0"/>
+                                    </a:rPr>
                                     <m:t>𝐿</m:t>
                                   </m:r>
                                 </m:e>
                                 <m:sub>
                                   <m:r>
-                                    <a:rPr lang="en-US" sz="2800" i="1"/>
+                                    <a:rPr lang="en-US" sz="2800" i="1">
+                                      <a:latin typeface="Cambria Math" panose="02040503050406030204" pitchFamily="18" charset="0"/>
+                                    </a:rPr>
                                     <m:t>𝑒</m:t>
                                   </m:r>
                                 </m:sub>
@@ -4150,13 +4181,12 @@
                 <a:endParaRPr lang="ru-RU" sz="2800" dirty="0"/>
               </a:p>
               <a:p>
-                <a:pPr/>
                 <a:endParaRPr lang="ru-RU" sz="2800" dirty="0"/>
               </a:p>
             </p:txBody>
           </p:sp>
         </mc:Choice>
-        <mc:Fallback>
+        <mc:Fallback xmlns="">
           <p:sp>
             <p:nvSpPr>
               <p:cNvPr id="6" name="Прямоугольник 5"/>
@@ -4889,7 +4919,7 @@
           <a:p>
             <a:r>
               <a:rPr lang="ru-RU" sz="3200" dirty="0" smtClean="0"/>
-              <a:t>Маршруты строятся только в районе Чертаново Южное</a:t>
+              <a:t>Маршруты строятся только в районе Чертаново Южное.</a:t>
             </a:r>
           </a:p>
           <a:p>
@@ -5491,8 +5521,13 @@
             </a:r>
             <a:r>
               <a:rPr lang="ru-RU" sz="3200" dirty="0"/>
-              <a:t> различных видов;</a:t>
-            </a:r>
+              <a:t> </a:t>
+            </a:r>
+            <a:r>
+              <a:rPr lang="ru-RU" sz="3200" dirty="0" smtClean="0"/>
+              <a:t>по различным критериям;</a:t>
+            </a:r>
+            <a:endParaRPr lang="ru-RU" sz="3200" dirty="0"/>
           </a:p>
           <a:p>
             <a:pPr lvl="0"/>
@@ -5612,14 +5647,14 @@
                 <p:ph idx="1"/>
                 <p:extLst>
                   <p:ext uri="{D42A27DB-BD31-4B8C-83A1-F6EECF244321}">
-                    <p14:modId xmlns:p14="http://schemas.microsoft.com/office/powerpoint/2010/main" val="2120103263"/>
+                    <p14:modId xmlns:p14="http://schemas.microsoft.com/office/powerpoint/2010/main" val="280687937"/>
                   </p:ext>
                 </p:extLst>
               </p:nvPr>
             </p:nvGraphicFramePr>
             <p:xfrm>
               <a:off x="838200" y="1863948"/>
-              <a:ext cx="10515600" cy="3032760"/>
+              <a:ext cx="10515600" cy="3901440"/>
             </p:xfrm>
             <a:graphic>
               <a:graphicData uri="http://schemas.openxmlformats.org/drawingml/2006/table">
@@ -5642,10 +5677,10 @@
                         <a:p>
                           <a:pPr algn="ctr"/>
                           <a:r>
-                            <a:rPr lang="ru-RU" dirty="0" smtClean="0"/>
+                            <a:rPr lang="ru-RU" sz="2000" dirty="0" smtClean="0"/>
                             <a:t>Алгоритм</a:t>
                           </a:r>
-                          <a:endParaRPr lang="ru-RU" dirty="0"/>
+                          <a:endParaRPr lang="ru-RU" sz="2000" dirty="0"/>
                         </a:p>
                       </a:txBody>
                       <a:tcPr/>
@@ -5657,10 +5692,10 @@
                         <a:p>
                           <a:pPr algn="ctr"/>
                           <a:r>
-                            <a:rPr lang="ru-RU" dirty="0" smtClean="0"/>
+                            <a:rPr lang="ru-RU" sz="2000" dirty="0" smtClean="0"/>
                             <a:t>Сложность</a:t>
                           </a:r>
-                          <a:endParaRPr lang="ru-RU" dirty="0"/>
+                          <a:endParaRPr lang="ru-RU" sz="2000" dirty="0"/>
                         </a:p>
                       </a:txBody>
                       <a:tcPr/>
@@ -5672,10 +5707,10 @@
                         <a:p>
                           <a:pPr algn="ctr"/>
                           <a:r>
-                            <a:rPr lang="ru-RU" dirty="0" smtClean="0"/>
+                            <a:rPr lang="ru-RU" sz="2000" dirty="0" smtClean="0"/>
                             <a:t>Взвешенный граф</a:t>
                           </a:r>
-                          <a:endParaRPr lang="ru-RU" dirty="0"/>
+                          <a:endParaRPr lang="ru-RU" sz="2000" dirty="0"/>
                         </a:p>
                       </a:txBody>
                       <a:tcPr/>
@@ -5687,10 +5722,10 @@
                         <a:p>
                           <a:pPr algn="ctr"/>
                           <a:r>
-                            <a:rPr lang="ru-RU" dirty="0" smtClean="0"/>
+                            <a:rPr lang="ru-RU" sz="2000" dirty="0" smtClean="0"/>
                             <a:t>Отрицательные веса</a:t>
                           </a:r>
-                          <a:endParaRPr lang="ru-RU" dirty="0"/>
+                          <a:endParaRPr lang="ru-RU" sz="2000" dirty="0"/>
                         </a:p>
                       </a:txBody>
                       <a:tcPr/>
@@ -5702,10 +5737,10 @@
                         <a:p>
                           <a:pPr algn="ctr"/>
                           <a:r>
-                            <a:rPr lang="ru-RU" dirty="0" smtClean="0"/>
+                            <a:rPr lang="ru-RU" sz="2000" dirty="0" smtClean="0"/>
                             <a:t>Использование эвристики</a:t>
                           </a:r>
-                          <a:endParaRPr lang="ru-RU" dirty="0"/>
+                          <a:endParaRPr lang="ru-RU" sz="2000" dirty="0"/>
                         </a:p>
                       </a:txBody>
                       <a:tcPr/>
@@ -5719,10 +5754,10 @@
                         <a:p>
                           <a:pPr algn="ctr"/>
                           <a:r>
-                            <a:rPr lang="ru-RU" dirty="0" smtClean="0"/>
+                            <a:rPr lang="ru-RU" sz="2000" dirty="0" smtClean="0"/>
                             <a:t>Поиск в ширину</a:t>
                           </a:r>
-                          <a:endParaRPr lang="ru-RU" dirty="0"/>
+                          <a:endParaRPr lang="ru-RU" sz="2000" dirty="0"/>
                         </a:p>
                       </a:txBody>
                       <a:tcPr/>
@@ -5740,13 +5775,13 @@
                               </m:oMathParaPr>
                               <m:oMath xmlns:m="http://schemas.openxmlformats.org/officeDocument/2006/math">
                                 <m:r>
-                                  <a:rPr lang="en-US" b="0" i="1" smtClean="0">
+                                  <a:rPr lang="en-US" sz="2000" b="0" i="1" smtClean="0">
                                     <a:latin typeface="Cambria Math" panose="02040503050406030204" pitchFamily="18" charset="0"/>
                                   </a:rPr>
                                   <m:t>𝑂</m:t>
                                 </m:r>
                                 <m:r>
-                                  <a:rPr lang="en-US" b="0" i="1" smtClean="0">
+                                  <a:rPr lang="en-US" sz="2000" b="0" i="1" smtClean="0">
                                     <a:latin typeface="Cambria Math" panose="02040503050406030204" pitchFamily="18" charset="0"/>
                                   </a:rPr>
                                   <m:t>(</m:t>
@@ -5756,14 +5791,14 @@
                                     <m:begChr m:val="|"/>
                                     <m:endChr m:val="|"/>
                                     <m:ctrlPr>
-                                      <a:rPr lang="en-US" b="0" i="1" smtClean="0">
+                                      <a:rPr lang="en-US" sz="2000" b="0" i="1" smtClean="0">
                                         <a:latin typeface="Cambria Math" panose="02040503050406030204" pitchFamily="18" charset="0"/>
                                       </a:rPr>
                                     </m:ctrlPr>
                                   </m:dPr>
                                   <m:e>
                                     <m:r>
-                                      <a:rPr lang="en-US" b="0" i="1" smtClean="0">
+                                      <a:rPr lang="en-US" sz="2000" b="0" i="1" smtClean="0">
                                         <a:latin typeface="Cambria Math" panose="02040503050406030204" pitchFamily="18" charset="0"/>
                                       </a:rPr>
                                       <m:t>𝑉</m:t>
@@ -5771,19 +5806,19 @@
                                   </m:e>
                                 </m:d>
                                 <m:r>
-                                  <a:rPr lang="en-US" b="0" i="1" smtClean="0">
+                                  <a:rPr lang="en-US" sz="2000" b="0" i="1" smtClean="0">
                                     <a:latin typeface="Cambria Math" panose="02040503050406030204" pitchFamily="18" charset="0"/>
                                   </a:rPr>
                                   <m:t>+|</m:t>
                                 </m:r>
                                 <m:r>
-                                  <a:rPr lang="en-US" b="0" i="1" smtClean="0">
+                                  <a:rPr lang="en-US" sz="2000" b="0" i="1" smtClean="0">
                                     <a:latin typeface="Cambria Math" panose="02040503050406030204" pitchFamily="18" charset="0"/>
                                   </a:rPr>
                                   <m:t>𝐸</m:t>
                                 </m:r>
                                 <m:r>
-                                  <a:rPr lang="en-US" b="0" i="1" smtClean="0">
+                                  <a:rPr lang="en-US" sz="2000" b="0" i="1" smtClean="0">
                                     <a:latin typeface="Cambria Math" panose="02040503050406030204" pitchFamily="18" charset="0"/>
                                   </a:rPr>
                                   <m:t>|)</m:t>
@@ -5791,7 +5826,7 @@
                               </m:oMath>
                             </m:oMathPara>
                           </a14:m>
-                          <a:endParaRPr lang="ru-RU" dirty="0"/>
+                          <a:endParaRPr lang="ru-RU" sz="2000" dirty="0"/>
                         </a:p>
                       </a:txBody>
                       <a:tcPr/>
@@ -5803,10 +5838,10 @@
                         <a:p>
                           <a:pPr algn="ctr"/>
                           <a:r>
-                            <a:rPr lang="en-US" dirty="0" smtClean="0"/>
+                            <a:rPr lang="en-US" sz="2000" dirty="0" smtClean="0"/>
                             <a:t>-</a:t>
                           </a:r>
-                          <a:endParaRPr lang="ru-RU" dirty="0"/>
+                          <a:endParaRPr lang="ru-RU" sz="2000" dirty="0"/>
                         </a:p>
                       </a:txBody>
                       <a:tcPr/>
@@ -5818,10 +5853,10 @@
                         <a:p>
                           <a:pPr algn="ctr"/>
                           <a:r>
-                            <a:rPr lang="en-US" dirty="0" smtClean="0"/>
+                            <a:rPr lang="en-US" sz="2000" dirty="0" smtClean="0"/>
                             <a:t>-</a:t>
                           </a:r>
-                          <a:endParaRPr lang="ru-RU" dirty="0"/>
+                          <a:endParaRPr lang="ru-RU" sz="2000" dirty="0"/>
                         </a:p>
                       </a:txBody>
                       <a:tcPr/>
@@ -5833,10 +5868,10 @@
                         <a:p>
                           <a:pPr algn="ctr"/>
                           <a:r>
-                            <a:rPr lang="ru-RU" dirty="0" smtClean="0"/>
+                            <a:rPr lang="ru-RU" sz="2000" dirty="0" smtClean="0"/>
                             <a:t>-</a:t>
                           </a:r>
-                          <a:endParaRPr lang="ru-RU" dirty="0"/>
+                          <a:endParaRPr lang="ru-RU" sz="2000" dirty="0"/>
                         </a:p>
                       </a:txBody>
                       <a:tcPr/>
@@ -5850,10 +5885,10 @@
                         <a:p>
                           <a:pPr algn="ctr"/>
                           <a:r>
-                            <a:rPr lang="ru-RU" dirty="0" smtClean="0"/>
+                            <a:rPr lang="ru-RU" sz="2000" dirty="0" smtClean="0"/>
                             <a:t>Алгоритм Беллмана — Форда</a:t>
                           </a:r>
-                          <a:endParaRPr lang="ru-RU" dirty="0"/>
+                          <a:endParaRPr lang="ru-RU" sz="2000" dirty="0"/>
                         </a:p>
                       </a:txBody>
                       <a:tcPr/>
@@ -5871,13 +5906,13 @@
                               </m:oMathParaPr>
                               <m:oMath xmlns:m="http://schemas.openxmlformats.org/officeDocument/2006/math">
                                 <m:r>
-                                  <a:rPr lang="en-US" b="0" i="1" smtClean="0">
+                                  <a:rPr lang="en-US" sz="2000" b="0" i="1" smtClean="0">
                                     <a:latin typeface="Cambria Math" panose="02040503050406030204" pitchFamily="18" charset="0"/>
                                   </a:rPr>
                                   <m:t>𝑂</m:t>
                                 </m:r>
                                 <m:r>
-                                  <a:rPr lang="en-US" b="0" i="1" smtClean="0">
+                                  <a:rPr lang="en-US" sz="2000" b="0" i="1" smtClean="0">
                                     <a:latin typeface="Cambria Math" panose="02040503050406030204" pitchFamily="18" charset="0"/>
                                   </a:rPr>
                                   <m:t>(</m:t>
@@ -5887,14 +5922,14 @@
                                     <m:begChr m:val="|"/>
                                     <m:endChr m:val="|"/>
                                     <m:ctrlPr>
-                                      <a:rPr lang="en-US" b="0" i="1" smtClean="0">
+                                      <a:rPr lang="en-US" sz="2000" b="0" i="1" smtClean="0">
                                         <a:latin typeface="Cambria Math" panose="02040503050406030204" pitchFamily="18" charset="0"/>
                                       </a:rPr>
                                     </m:ctrlPr>
                                   </m:dPr>
                                   <m:e>
                                     <m:r>
-                                      <a:rPr lang="en-US" b="0" i="1" smtClean="0">
+                                      <a:rPr lang="en-US" sz="2000" b="0" i="1" smtClean="0">
                                         <a:latin typeface="Cambria Math" panose="02040503050406030204" pitchFamily="18" charset="0"/>
                                       </a:rPr>
                                       <m:t>𝑉</m:t>
@@ -5902,19 +5937,19 @@
                                   </m:e>
                                 </m:d>
                                 <m:r>
-                                  <a:rPr lang="en-US" b="0" i="1" smtClean="0">
+                                  <a:rPr lang="en-US" sz="2000" b="0" i="1" smtClean="0">
                                     <a:latin typeface="Cambria Math" panose="02040503050406030204" pitchFamily="18" charset="0"/>
                                   </a:rPr>
                                   <m:t>∗|</m:t>
                                 </m:r>
                                 <m:r>
-                                  <a:rPr lang="en-US" b="0" i="1" smtClean="0">
+                                  <a:rPr lang="en-US" sz="2000" b="0" i="1" smtClean="0">
                                     <a:latin typeface="Cambria Math" panose="02040503050406030204" pitchFamily="18" charset="0"/>
                                   </a:rPr>
                                   <m:t>𝐸</m:t>
                                 </m:r>
                                 <m:r>
-                                  <a:rPr lang="en-US" b="0" i="1" smtClean="0">
+                                  <a:rPr lang="en-US" sz="2000" b="0" i="1" smtClean="0">
                                     <a:latin typeface="Cambria Math" panose="02040503050406030204" pitchFamily="18" charset="0"/>
                                   </a:rPr>
                                   <m:t>|)</m:t>
@@ -5922,7 +5957,7 @@
                               </m:oMath>
                             </m:oMathPara>
                           </a14:m>
-                          <a:endParaRPr lang="ru-RU" dirty="0"/>
+                          <a:endParaRPr lang="ru-RU" sz="2000" dirty="0"/>
                         </a:p>
                       </a:txBody>
                       <a:tcPr/>
@@ -5934,10 +5969,10 @@
                         <a:p>
                           <a:pPr algn="ctr"/>
                           <a:r>
-                            <a:rPr lang="en-US" dirty="0" smtClean="0"/>
+                            <a:rPr lang="en-US" sz="2000" dirty="0" smtClean="0"/>
                             <a:t>+</a:t>
                           </a:r>
-                          <a:endParaRPr lang="ru-RU" dirty="0"/>
+                          <a:endParaRPr lang="ru-RU" sz="2000" dirty="0"/>
                         </a:p>
                       </a:txBody>
                       <a:tcPr/>
@@ -5949,10 +5984,10 @@
                         <a:p>
                           <a:pPr algn="ctr"/>
                           <a:r>
-                            <a:rPr lang="en-US" dirty="0" smtClean="0"/>
+                            <a:rPr lang="en-US" sz="2000" dirty="0" smtClean="0"/>
                             <a:t>+</a:t>
                           </a:r>
-                          <a:endParaRPr lang="ru-RU" dirty="0"/>
+                          <a:endParaRPr lang="ru-RU" sz="2000" dirty="0"/>
                         </a:p>
                       </a:txBody>
                       <a:tcPr/>
@@ -5964,10 +5999,10 @@
                         <a:p>
                           <a:pPr algn="ctr"/>
                           <a:r>
-                            <a:rPr lang="ru-RU" dirty="0" smtClean="0"/>
+                            <a:rPr lang="ru-RU" sz="2000" dirty="0" smtClean="0"/>
                             <a:t>-</a:t>
                           </a:r>
-                          <a:endParaRPr lang="ru-RU" dirty="0"/>
+                          <a:endParaRPr lang="ru-RU" sz="2000" dirty="0"/>
                         </a:p>
                       </a:txBody>
                       <a:tcPr/>
@@ -5997,23 +6032,23 @@
                             <a:defRPr/>
                           </a:pPr>
                           <a:r>
-                            <a:rPr lang="ru-RU" dirty="0" smtClean="0"/>
+                            <a:rPr lang="ru-RU" sz="2000" dirty="0" smtClean="0"/>
                             <a:t>Алгоритм</a:t>
                           </a:r>
                           <a:r>
-                            <a:rPr lang="ru-RU" baseline="0" dirty="0" smtClean="0"/>
+                            <a:rPr lang="ru-RU" sz="2000" baseline="0" dirty="0" smtClean="0"/>
                             <a:t> </a:t>
                           </a:r>
                           <a:r>
-                            <a:rPr lang="ru-RU" baseline="0" dirty="0" err="1" smtClean="0"/>
+                            <a:rPr lang="ru-RU" sz="2000" baseline="0" dirty="0" err="1" smtClean="0"/>
                             <a:t>Флойда</a:t>
                           </a:r>
                           <a:r>
-                            <a:rPr lang="ru-RU" baseline="0" dirty="0" smtClean="0"/>
+                            <a:rPr lang="ru-RU" sz="2000" baseline="0" dirty="0" smtClean="0"/>
                             <a:t> </a:t>
                           </a:r>
                           <a:r>
-                            <a:rPr lang="ru-RU" sz="1800" b="0" i="0" kern="1200" dirty="0" smtClean="0">
+                            <a:rPr lang="ru-RU" sz="2000" b="0" i="0" kern="1200" dirty="0" smtClean="0">
                               <a:solidFill>
                                 <a:schemeClr val="dk1"/>
                               </a:solidFill>
@@ -6025,7 +6060,7 @@
                             <a:t>— </a:t>
                           </a:r>
                           <a:r>
-                            <a:rPr lang="ru-RU" sz="1800" b="0" i="0" kern="1200" dirty="0" err="1" smtClean="0">
+                            <a:rPr lang="ru-RU" sz="2000" b="0" i="0" kern="1200" dirty="0" err="1" smtClean="0">
                               <a:solidFill>
                                 <a:schemeClr val="dk1"/>
                               </a:solidFill>
@@ -6036,7 +6071,7 @@
                             </a:rPr>
                             <a:t>Уоршелла</a:t>
                           </a:r>
-                          <a:endParaRPr lang="ru-RU" sz="1800" b="0" i="0" kern="1200" dirty="0" smtClean="0">
+                          <a:endParaRPr lang="ru-RU" sz="2000" b="0" i="0" kern="1200" dirty="0" smtClean="0">
                             <a:solidFill>
                               <a:schemeClr val="dk1"/>
                             </a:solidFill>
@@ -6062,13 +6097,13 @@
                               </m:oMathParaPr>
                               <m:oMath xmlns:m="http://schemas.openxmlformats.org/officeDocument/2006/math">
                                 <m:r>
-                                  <a:rPr lang="en-US" b="0" i="1" smtClean="0">
+                                  <a:rPr lang="en-US" sz="2000" b="0" i="1" smtClean="0">
                                     <a:latin typeface="Cambria Math" panose="02040503050406030204" pitchFamily="18" charset="0"/>
                                   </a:rPr>
                                   <m:t>𝑂</m:t>
                                 </m:r>
                                 <m:r>
-                                  <a:rPr lang="en-US" b="0" i="1" smtClean="0">
+                                  <a:rPr lang="en-US" sz="2000" b="0" i="1" smtClean="0">
                                     <a:latin typeface="Cambria Math" panose="02040503050406030204" pitchFamily="18" charset="0"/>
                                   </a:rPr>
                                   <m:t>(</m:t>
@@ -6076,26 +6111,26 @@
                                 <m:sSup>
                                   <m:sSupPr>
                                     <m:ctrlPr>
-                                      <a:rPr lang="en-US" b="0" i="1" smtClean="0">
+                                      <a:rPr lang="en-US" sz="2000" b="0" i="1" smtClean="0">
                                         <a:latin typeface="Cambria Math" panose="02040503050406030204" pitchFamily="18" charset="0"/>
                                       </a:rPr>
                                     </m:ctrlPr>
                                   </m:sSupPr>
                                   <m:e>
                                     <m:r>
-                                      <a:rPr lang="en-US" b="0" i="1" smtClean="0">
+                                      <a:rPr lang="en-US" sz="2000" b="0" i="1" smtClean="0">
                                         <a:latin typeface="Cambria Math" panose="02040503050406030204" pitchFamily="18" charset="0"/>
                                       </a:rPr>
                                       <m:t>|</m:t>
                                     </m:r>
                                     <m:r>
-                                      <a:rPr lang="en-US" b="0" i="1" smtClean="0">
+                                      <a:rPr lang="en-US" sz="2000" b="0" i="1" smtClean="0">
                                         <a:latin typeface="Cambria Math" panose="02040503050406030204" pitchFamily="18" charset="0"/>
                                       </a:rPr>
                                       <m:t>𝑉</m:t>
                                     </m:r>
                                     <m:r>
-                                      <a:rPr lang="en-US" b="0" i="1" smtClean="0">
+                                      <a:rPr lang="en-US" sz="2000" b="0" i="1" smtClean="0">
                                         <a:latin typeface="Cambria Math" panose="02040503050406030204" pitchFamily="18" charset="0"/>
                                       </a:rPr>
                                       <m:t>|</m:t>
@@ -6103,7 +6138,7 @@
                                   </m:e>
                                   <m:sup>
                                     <m:r>
-                                      <a:rPr lang="en-US" b="0" i="1" smtClean="0">
+                                      <a:rPr lang="en-US" sz="2000" b="0" i="1" smtClean="0">
                                         <a:latin typeface="Cambria Math" panose="02040503050406030204" pitchFamily="18" charset="0"/>
                                       </a:rPr>
                                       <m:t>3</m:t>
@@ -6111,7 +6146,7 @@
                                   </m:sup>
                                 </m:sSup>
                                 <m:r>
-                                  <a:rPr lang="en-US" b="0" i="1" smtClean="0">
+                                  <a:rPr lang="en-US" sz="2000" b="0" i="1" smtClean="0">
                                     <a:latin typeface="Cambria Math" panose="02040503050406030204" pitchFamily="18" charset="0"/>
                                   </a:rPr>
                                   <m:t>)</m:t>
@@ -6119,7 +6154,7 @@
                               </m:oMath>
                             </m:oMathPara>
                           </a14:m>
-                          <a:endParaRPr lang="ru-RU" dirty="0"/>
+                          <a:endParaRPr lang="ru-RU" sz="2000" dirty="0"/>
                         </a:p>
                       </a:txBody>
                       <a:tcPr/>
@@ -6131,10 +6166,10 @@
                         <a:p>
                           <a:pPr algn="ctr"/>
                           <a:r>
-                            <a:rPr lang="en-US" dirty="0" smtClean="0"/>
+                            <a:rPr lang="en-US" sz="2000" dirty="0" smtClean="0"/>
                             <a:t>+</a:t>
                           </a:r>
-                          <a:endParaRPr lang="ru-RU" dirty="0"/>
+                          <a:endParaRPr lang="ru-RU" sz="2000" dirty="0"/>
                         </a:p>
                       </a:txBody>
                       <a:tcPr/>
@@ -6146,10 +6181,10 @@
                         <a:p>
                           <a:pPr algn="ctr"/>
                           <a:r>
-                            <a:rPr lang="en-US" dirty="0" smtClean="0"/>
+                            <a:rPr lang="en-US" sz="2000" dirty="0" smtClean="0"/>
                             <a:t>+</a:t>
                           </a:r>
-                          <a:endParaRPr lang="ru-RU" dirty="0"/>
+                          <a:endParaRPr lang="ru-RU" sz="2000" dirty="0"/>
                         </a:p>
                       </a:txBody>
                       <a:tcPr/>
@@ -6161,10 +6196,10 @@
                         <a:p>
                           <a:pPr algn="ctr"/>
                           <a:r>
-                            <a:rPr lang="ru-RU" dirty="0" smtClean="0"/>
+                            <a:rPr lang="ru-RU" sz="2000" dirty="0" smtClean="0"/>
                             <a:t>-</a:t>
                           </a:r>
-                          <a:endParaRPr lang="ru-RU" dirty="0"/>
+                          <a:endParaRPr lang="ru-RU" sz="2000" dirty="0"/>
                         </a:p>
                       </a:txBody>
                       <a:tcPr/>
@@ -6178,18 +6213,18 @@
                         <a:p>
                           <a:pPr algn="ctr"/>
                           <a:r>
-                            <a:rPr lang="ru-RU" dirty="0" smtClean="0"/>
+                            <a:rPr lang="ru-RU" sz="2000" dirty="0" smtClean="0"/>
                             <a:t>Алгоритм</a:t>
                           </a:r>
                           <a:r>
-                            <a:rPr lang="ru-RU" baseline="0" dirty="0" smtClean="0"/>
+                            <a:rPr lang="ru-RU" sz="2000" baseline="0" dirty="0" smtClean="0"/>
                             <a:t> </a:t>
                           </a:r>
                           <a:r>
-                            <a:rPr lang="ru-RU" baseline="0" dirty="0" err="1" smtClean="0"/>
+                            <a:rPr lang="ru-RU" sz="2000" baseline="0" dirty="0" err="1" smtClean="0"/>
                             <a:t>Дейкстры</a:t>
                           </a:r>
-                          <a:endParaRPr lang="ru-RU" dirty="0"/>
+                          <a:endParaRPr lang="ru-RU" sz="2000" dirty="0"/>
                         </a:p>
                       </a:txBody>
                       <a:tcPr/>
@@ -6207,13 +6242,13 @@
                               </m:oMathParaPr>
                               <m:oMath xmlns:m="http://schemas.openxmlformats.org/officeDocument/2006/math">
                                 <m:r>
-                                  <a:rPr lang="en-US" b="0" i="1" smtClean="0">
+                                  <a:rPr lang="en-US" sz="2000" b="0" i="1" smtClean="0">
                                     <a:latin typeface="Cambria Math" panose="02040503050406030204" pitchFamily="18" charset="0"/>
                                   </a:rPr>
                                   <m:t>𝑂</m:t>
                                 </m:r>
                                 <m:r>
-                                  <a:rPr lang="en-US" b="0" i="1" smtClean="0">
+                                  <a:rPr lang="en-US" sz="2000" b="0" i="1" smtClean="0">
                                     <a:latin typeface="Cambria Math" panose="02040503050406030204" pitchFamily="18" charset="0"/>
                                   </a:rPr>
                                   <m:t>(</m:t>
@@ -6221,26 +6256,26 @@
                                 <m:sSup>
                                   <m:sSupPr>
                                     <m:ctrlPr>
-                                      <a:rPr lang="en-US" b="0" i="1" smtClean="0">
+                                      <a:rPr lang="en-US" sz="2000" b="0" i="1" smtClean="0">
                                         <a:latin typeface="Cambria Math" panose="02040503050406030204" pitchFamily="18" charset="0"/>
                                       </a:rPr>
                                     </m:ctrlPr>
                                   </m:sSupPr>
                                   <m:e>
                                     <m:r>
-                                      <a:rPr lang="en-US" b="0" i="1" smtClean="0">
+                                      <a:rPr lang="en-US" sz="2000" b="0" i="1" smtClean="0">
                                         <a:latin typeface="Cambria Math" panose="02040503050406030204" pitchFamily="18" charset="0"/>
                                       </a:rPr>
                                       <m:t>|</m:t>
                                     </m:r>
                                     <m:r>
-                                      <a:rPr lang="en-US" b="0" i="1" smtClean="0">
+                                      <a:rPr lang="en-US" sz="2000" b="0" i="1" smtClean="0">
                                         <a:latin typeface="Cambria Math" panose="02040503050406030204" pitchFamily="18" charset="0"/>
                                       </a:rPr>
                                       <m:t>𝑉</m:t>
                                     </m:r>
                                     <m:r>
-                                      <a:rPr lang="en-US" b="0" i="1" smtClean="0">
+                                      <a:rPr lang="en-US" sz="2000" b="0" i="1" smtClean="0">
                                         <a:latin typeface="Cambria Math" panose="02040503050406030204" pitchFamily="18" charset="0"/>
                                       </a:rPr>
                                       <m:t>|</m:t>
@@ -6248,7 +6283,7 @@
                                   </m:e>
                                   <m:sup>
                                     <m:r>
-                                      <a:rPr lang="en-US" b="0" i="1" smtClean="0">
+                                      <a:rPr lang="en-US" sz="2000" b="0" i="1" smtClean="0">
                                         <a:latin typeface="Cambria Math" panose="02040503050406030204" pitchFamily="18" charset="0"/>
                                       </a:rPr>
                                       <m:t>2</m:t>
@@ -6256,7 +6291,7 @@
                                   </m:sup>
                                 </m:sSup>
                                 <m:r>
-                                  <a:rPr lang="en-US" b="0" i="1" smtClean="0">
+                                  <a:rPr lang="en-US" sz="2000" b="0" i="1" smtClean="0">
                                     <a:latin typeface="Cambria Math" panose="02040503050406030204" pitchFamily="18" charset="0"/>
                                   </a:rPr>
                                   <m:t>)</m:t>
@@ -6264,7 +6299,7 @@
                               </m:oMath>
                             </m:oMathPara>
                           </a14:m>
-                          <a:endParaRPr lang="ru-RU" dirty="0"/>
+                          <a:endParaRPr lang="ru-RU" sz="2000" dirty="0"/>
                         </a:p>
                       </a:txBody>
                       <a:tcPr/>
@@ -6276,10 +6311,10 @@
                         <a:p>
                           <a:pPr algn="ctr"/>
                           <a:r>
-                            <a:rPr lang="en-US" dirty="0" smtClean="0"/>
+                            <a:rPr lang="en-US" sz="2000" dirty="0" smtClean="0"/>
                             <a:t>+</a:t>
                           </a:r>
-                          <a:endParaRPr lang="ru-RU" dirty="0"/>
+                          <a:endParaRPr lang="ru-RU" sz="2000" dirty="0"/>
                         </a:p>
                       </a:txBody>
                       <a:tcPr/>
@@ -6291,10 +6326,10 @@
                         <a:p>
                           <a:pPr algn="ctr"/>
                           <a:r>
-                            <a:rPr lang="en-US" dirty="0" smtClean="0"/>
+                            <a:rPr lang="en-US" sz="2000" dirty="0" smtClean="0"/>
                             <a:t>-</a:t>
                           </a:r>
-                          <a:endParaRPr lang="ru-RU" dirty="0"/>
+                          <a:endParaRPr lang="ru-RU" sz="2000" dirty="0"/>
                         </a:p>
                       </a:txBody>
                       <a:tcPr/>
@@ -6306,10 +6341,10 @@
                         <a:p>
                           <a:pPr algn="ctr"/>
                           <a:r>
-                            <a:rPr lang="ru-RU" dirty="0" smtClean="0"/>
+                            <a:rPr lang="ru-RU" sz="2000" dirty="0" smtClean="0"/>
                             <a:t>-</a:t>
                           </a:r>
-                          <a:endParaRPr lang="ru-RU" dirty="0"/>
+                          <a:endParaRPr lang="ru-RU" sz="2000" dirty="0"/>
                         </a:p>
                       </a:txBody>
                       <a:tcPr/>
@@ -6323,10 +6358,10 @@
                         <a:p>
                           <a:pPr algn="ctr"/>
                           <a:r>
-                            <a:rPr lang="ru-RU" dirty="0" smtClean="0"/>
+                            <a:rPr lang="ru-RU" sz="2000" dirty="0" smtClean="0"/>
                             <a:t>Алгоритм А*</a:t>
                           </a:r>
-                          <a:endParaRPr lang="ru-RU" dirty="0"/>
+                          <a:endParaRPr lang="ru-RU" sz="2000" dirty="0"/>
                         </a:p>
                       </a:txBody>
                       <a:tcPr/>
@@ -6360,13 +6395,13 @@
                               </m:oMathParaPr>
                               <m:oMath xmlns:m="http://schemas.openxmlformats.org/officeDocument/2006/math">
                                 <m:r>
-                                  <a:rPr lang="en-US" b="0" i="1" smtClean="0">
+                                  <a:rPr lang="en-US" sz="2000" b="0" i="1" smtClean="0">
                                     <a:latin typeface="Cambria Math" panose="02040503050406030204" pitchFamily="18" charset="0"/>
                                   </a:rPr>
                                   <m:t>𝑂</m:t>
                                 </m:r>
                                 <m:r>
-                                  <a:rPr lang="en-US" b="0" i="1" smtClean="0">
+                                  <a:rPr lang="en-US" sz="2000" b="0" i="1" smtClean="0">
                                     <a:latin typeface="Cambria Math" panose="02040503050406030204" pitchFamily="18" charset="0"/>
                                   </a:rPr>
                                   <m:t>(</m:t>
@@ -6374,26 +6409,26 @@
                                 <m:sSup>
                                   <m:sSupPr>
                                     <m:ctrlPr>
-                                      <a:rPr lang="en-US" b="0" i="1" smtClean="0">
+                                      <a:rPr lang="en-US" sz="2000" b="0" i="1" smtClean="0">
                                         <a:latin typeface="Cambria Math" panose="02040503050406030204" pitchFamily="18" charset="0"/>
                                       </a:rPr>
                                     </m:ctrlPr>
                                   </m:sSupPr>
                                   <m:e>
                                     <m:r>
-                                      <a:rPr lang="en-US" b="0" i="1" smtClean="0">
+                                      <a:rPr lang="en-US" sz="2000" b="0" i="1" smtClean="0">
                                         <a:latin typeface="Cambria Math" panose="02040503050406030204" pitchFamily="18" charset="0"/>
                                       </a:rPr>
                                       <m:t>|</m:t>
                                     </m:r>
                                     <m:r>
-                                      <a:rPr lang="en-US" b="0" i="1" smtClean="0">
+                                      <a:rPr lang="en-US" sz="2000" b="0" i="1" smtClean="0">
                                         <a:latin typeface="Cambria Math" panose="02040503050406030204" pitchFamily="18" charset="0"/>
                                       </a:rPr>
                                       <m:t>𝑉</m:t>
                                     </m:r>
                                     <m:r>
-                                      <a:rPr lang="en-US" b="0" i="1" smtClean="0">
+                                      <a:rPr lang="en-US" sz="2000" b="0" i="1" smtClean="0">
                                         <a:latin typeface="Cambria Math" panose="02040503050406030204" pitchFamily="18" charset="0"/>
                                       </a:rPr>
                                       <m:t>|</m:t>
@@ -6401,7 +6436,7 @@
                                   </m:e>
                                   <m:sup>
                                     <m:r>
-                                      <a:rPr lang="en-US" b="0" i="1" smtClean="0">
+                                      <a:rPr lang="en-US" sz="2000" b="0" i="1" smtClean="0">
                                         <a:latin typeface="Cambria Math" panose="02040503050406030204" pitchFamily="18" charset="0"/>
                                       </a:rPr>
                                       <m:t>2</m:t>
@@ -6409,7 +6444,7 @@
                                   </m:sup>
                                 </m:sSup>
                                 <m:r>
-                                  <a:rPr lang="en-US" b="0" i="1" smtClean="0">
+                                  <a:rPr lang="en-US" sz="2000" b="0" i="1" smtClean="0">
                                     <a:latin typeface="Cambria Math" panose="02040503050406030204" pitchFamily="18" charset="0"/>
                                   </a:rPr>
                                   <m:t>)</m:t>
@@ -6417,7 +6452,7 @@
                               </m:oMath>
                             </m:oMathPara>
                           </a14:m>
-                          <a:endParaRPr lang="ru-RU" dirty="0"/>
+                          <a:endParaRPr lang="ru-RU" sz="2000" dirty="0"/>
                         </a:p>
                       </a:txBody>
                       <a:tcPr/>
@@ -6429,10 +6464,10 @@
                         <a:p>
                           <a:pPr algn="ctr"/>
                           <a:r>
-                            <a:rPr lang="en-US" dirty="0" smtClean="0"/>
+                            <a:rPr lang="en-US" sz="2000" dirty="0" smtClean="0"/>
                             <a:t>+</a:t>
                           </a:r>
-                          <a:endParaRPr lang="ru-RU" dirty="0"/>
+                          <a:endParaRPr lang="ru-RU" sz="2000" dirty="0"/>
                         </a:p>
                       </a:txBody>
                       <a:tcPr/>
@@ -6444,10 +6479,10 @@
                         <a:p>
                           <a:pPr algn="ctr"/>
                           <a:r>
-                            <a:rPr lang="en-US" dirty="0" smtClean="0"/>
+                            <a:rPr lang="en-US" sz="2000" dirty="0" smtClean="0"/>
                             <a:t>-</a:t>
                           </a:r>
-                          <a:endParaRPr lang="ru-RU" dirty="0"/>
+                          <a:endParaRPr lang="ru-RU" sz="2000" dirty="0"/>
                         </a:p>
                       </a:txBody>
                       <a:tcPr/>
@@ -6459,10 +6494,10 @@
                         <a:p>
                           <a:pPr algn="ctr"/>
                           <a:r>
-                            <a:rPr lang="ru-RU" dirty="0" smtClean="0"/>
+                            <a:rPr lang="ru-RU" sz="2000" dirty="0" smtClean="0"/>
                             <a:t>+</a:t>
                           </a:r>
-                          <a:endParaRPr lang="ru-RU" dirty="0"/>
+                          <a:endParaRPr lang="ru-RU" sz="2000" dirty="0"/>
                         </a:p>
                       </a:txBody>
                       <a:tcPr/>
@@ -6484,14 +6519,14 @@
                 <p:ph idx="1"/>
                 <p:extLst>
                   <p:ext uri="{D42A27DB-BD31-4B8C-83A1-F6EECF244321}">
-                    <p14:modId xmlns:p14="http://schemas.microsoft.com/office/powerpoint/2010/main" val="2120103263"/>
+                    <p14:modId xmlns:p14="http://schemas.microsoft.com/office/powerpoint/2010/main" val="280687937"/>
                   </p:ext>
                 </p:extLst>
               </p:nvPr>
             </p:nvGraphicFramePr>
             <p:xfrm>
               <a:off x="838200" y="1863948"/>
-              <a:ext cx="10515600" cy="3032760"/>
+              <a:ext cx="10515600" cy="3901440"/>
             </p:xfrm>
             <a:graphic>
               <a:graphicData uri="http://schemas.openxmlformats.org/drawingml/2006/table">
@@ -6506,7 +6541,7 @@
                     <a:gridCol w="2103120"/>
                     <a:gridCol w="2103120"/>
                   </a:tblGrid>
-                  <a:tr h="640080">
+                  <a:tr h="701040">
                     <a:tc>
                       <a:txBody>
                         <a:bodyPr/>
@@ -6514,10 +6549,10 @@
                         <a:p>
                           <a:pPr algn="ctr"/>
                           <a:r>
-                            <a:rPr lang="ru-RU" dirty="0" smtClean="0"/>
+                            <a:rPr lang="ru-RU" sz="2000" dirty="0" smtClean="0"/>
                             <a:t>Алгоритм</a:t>
                           </a:r>
-                          <a:endParaRPr lang="ru-RU" dirty="0"/>
+                          <a:endParaRPr lang="ru-RU" sz="2000" dirty="0"/>
                         </a:p>
                       </a:txBody>
                       <a:tcPr/>
@@ -6529,10 +6564,10 @@
                         <a:p>
                           <a:pPr algn="ctr"/>
                           <a:r>
-                            <a:rPr lang="ru-RU" dirty="0" smtClean="0"/>
+                            <a:rPr lang="ru-RU" sz="2000" dirty="0" smtClean="0"/>
                             <a:t>Сложность</a:t>
                           </a:r>
-                          <a:endParaRPr lang="ru-RU" dirty="0"/>
+                          <a:endParaRPr lang="ru-RU" sz="2000" dirty="0"/>
                         </a:p>
                       </a:txBody>
                       <a:tcPr/>
@@ -6544,10 +6579,10 @@
                         <a:p>
                           <a:pPr algn="ctr"/>
                           <a:r>
-                            <a:rPr lang="ru-RU" dirty="0" smtClean="0"/>
+                            <a:rPr lang="ru-RU" sz="2000" dirty="0" smtClean="0"/>
                             <a:t>Взвешенный граф</a:t>
                           </a:r>
-                          <a:endParaRPr lang="ru-RU" dirty="0"/>
+                          <a:endParaRPr lang="ru-RU" sz="2000" dirty="0"/>
                         </a:p>
                       </a:txBody>
                       <a:tcPr/>
@@ -6559,10 +6594,10 @@
                         <a:p>
                           <a:pPr algn="ctr"/>
                           <a:r>
-                            <a:rPr lang="ru-RU" dirty="0" smtClean="0"/>
+                            <a:rPr lang="ru-RU" sz="2000" dirty="0" smtClean="0"/>
                             <a:t>Отрицательные веса</a:t>
                           </a:r>
-                          <a:endParaRPr lang="ru-RU" dirty="0"/>
+                          <a:endParaRPr lang="ru-RU" sz="2000" dirty="0"/>
                         </a:p>
                       </a:txBody>
                       <a:tcPr/>
@@ -6574,16 +6609,16 @@
                         <a:p>
                           <a:pPr algn="ctr"/>
                           <a:r>
-                            <a:rPr lang="ru-RU" dirty="0" smtClean="0"/>
+                            <a:rPr lang="ru-RU" sz="2000" dirty="0" smtClean="0"/>
                             <a:t>Использование эвристики</a:t>
                           </a:r>
-                          <a:endParaRPr lang="ru-RU" dirty="0"/>
+                          <a:endParaRPr lang="ru-RU" sz="2000" dirty="0"/>
                         </a:p>
                       </a:txBody>
                       <a:tcPr/>
                     </a:tc>
                   </a:tr>
-                  <a:tr h="370840">
+                  <a:tr h="396240">
                     <a:tc>
                       <a:txBody>
                         <a:bodyPr/>
@@ -6591,10 +6626,10 @@
                         <a:p>
                           <a:pPr algn="ctr"/>
                           <a:r>
-                            <a:rPr lang="ru-RU" dirty="0" smtClean="0"/>
+                            <a:rPr lang="ru-RU" sz="2000" dirty="0" smtClean="0"/>
                             <a:t>Поиск в ширину</a:t>
                           </a:r>
-                          <a:endParaRPr lang="ru-RU" dirty="0"/>
+                          <a:endParaRPr lang="ru-RU" sz="2000" dirty="0"/>
                         </a:p>
                       </a:txBody>
                       <a:tcPr/>
@@ -6611,7 +6646,7 @@
                         <a:blipFill rotWithShape="0">
                           <a:blip r:embed="rId3"/>
                           <a:stretch>
-                            <a:fillRect l="-109394" t="-180328" r="-314545" b="-568852"/>
+                            <a:fillRect l="-109394" t="-184615" r="-314545" b="-736923"/>
                           </a:stretch>
                         </a:blipFill>
                       </a:tcPr>
@@ -6623,10 +6658,10 @@
                         <a:p>
                           <a:pPr algn="ctr"/>
                           <a:r>
-                            <a:rPr lang="en-US" dirty="0" smtClean="0"/>
+                            <a:rPr lang="en-US" sz="2000" dirty="0" smtClean="0"/>
                             <a:t>-</a:t>
                           </a:r>
-                          <a:endParaRPr lang="ru-RU" dirty="0"/>
+                          <a:endParaRPr lang="ru-RU" sz="2000" dirty="0"/>
                         </a:p>
                       </a:txBody>
                       <a:tcPr/>
@@ -6638,10 +6673,10 @@
                         <a:p>
                           <a:pPr algn="ctr"/>
                           <a:r>
-                            <a:rPr lang="en-US" dirty="0" smtClean="0"/>
+                            <a:rPr lang="en-US" sz="2000" dirty="0" smtClean="0"/>
                             <a:t>-</a:t>
                           </a:r>
-                          <a:endParaRPr lang="ru-RU" dirty="0"/>
+                          <a:endParaRPr lang="ru-RU" sz="2000" dirty="0"/>
                         </a:p>
                       </a:txBody>
                       <a:tcPr/>
@@ -6653,16 +6688,16 @@
                         <a:p>
                           <a:pPr algn="ctr"/>
                           <a:r>
-                            <a:rPr lang="ru-RU" dirty="0" smtClean="0"/>
+                            <a:rPr lang="ru-RU" sz="2000" dirty="0" smtClean="0"/>
                             <a:t>-</a:t>
                           </a:r>
-                          <a:endParaRPr lang="ru-RU" dirty="0"/>
+                          <a:endParaRPr lang="ru-RU" sz="2000" dirty="0"/>
                         </a:p>
                       </a:txBody>
                       <a:tcPr/>
                     </a:tc>
                   </a:tr>
-                  <a:tr h="640080">
+                  <a:tr h="1005840">
                     <a:tc>
                       <a:txBody>
                         <a:bodyPr/>
@@ -6670,10 +6705,10 @@
                         <a:p>
                           <a:pPr algn="ctr"/>
                           <a:r>
-                            <a:rPr lang="ru-RU" dirty="0" smtClean="0"/>
+                            <a:rPr lang="ru-RU" sz="2000" dirty="0" smtClean="0"/>
                             <a:t>Алгоритм Беллмана — Форда</a:t>
                           </a:r>
-                          <a:endParaRPr lang="ru-RU" dirty="0"/>
+                          <a:endParaRPr lang="ru-RU" sz="2000" dirty="0"/>
                         </a:p>
                       </a:txBody>
                       <a:tcPr/>
@@ -6690,7 +6725,7 @@
                         <a:blipFill rotWithShape="0">
                           <a:blip r:embed="rId3"/>
                           <a:stretch>
-                            <a:fillRect l="-109394" t="-161321" r="-314545" b="-227358"/>
+                            <a:fillRect l="-109394" t="-111446" r="-314545" b="-188554"/>
                           </a:stretch>
                         </a:blipFill>
                       </a:tcPr>
@@ -6702,10 +6737,10 @@
                         <a:p>
                           <a:pPr algn="ctr"/>
                           <a:r>
-                            <a:rPr lang="en-US" dirty="0" smtClean="0"/>
+                            <a:rPr lang="en-US" sz="2000" dirty="0" smtClean="0"/>
                             <a:t>+</a:t>
                           </a:r>
-                          <a:endParaRPr lang="ru-RU" dirty="0"/>
+                          <a:endParaRPr lang="ru-RU" sz="2000" dirty="0"/>
                         </a:p>
                       </a:txBody>
                       <a:tcPr/>
@@ -6717,10 +6752,10 @@
                         <a:p>
                           <a:pPr algn="ctr"/>
                           <a:r>
-                            <a:rPr lang="en-US" dirty="0" smtClean="0"/>
+                            <a:rPr lang="en-US" sz="2000" dirty="0" smtClean="0"/>
                             <a:t>+</a:t>
                           </a:r>
-                          <a:endParaRPr lang="ru-RU" dirty="0"/>
+                          <a:endParaRPr lang="ru-RU" sz="2000" dirty="0"/>
                         </a:p>
                       </a:txBody>
                       <a:tcPr/>
@@ -6732,16 +6767,16 @@
                         <a:p>
                           <a:pPr algn="ctr"/>
                           <a:r>
-                            <a:rPr lang="ru-RU" dirty="0" smtClean="0"/>
+                            <a:rPr lang="ru-RU" sz="2000" dirty="0" smtClean="0"/>
                             <a:t>-</a:t>
                           </a:r>
-                          <a:endParaRPr lang="ru-RU" dirty="0"/>
+                          <a:endParaRPr lang="ru-RU" sz="2000" dirty="0"/>
                         </a:p>
                       </a:txBody>
                       <a:tcPr/>
                     </a:tc>
                   </a:tr>
-                  <a:tr h="640080">
+                  <a:tr h="701040">
                     <a:tc>
                       <a:txBody>
                         <a:bodyPr/>
@@ -6765,23 +6800,23 @@
                             <a:defRPr/>
                           </a:pPr>
                           <a:r>
-                            <a:rPr lang="ru-RU" dirty="0" smtClean="0"/>
+                            <a:rPr lang="ru-RU" sz="2000" dirty="0" smtClean="0"/>
                             <a:t>Алгоритм</a:t>
                           </a:r>
                           <a:r>
-                            <a:rPr lang="ru-RU" baseline="0" dirty="0" smtClean="0"/>
+                            <a:rPr lang="ru-RU" sz="2000" baseline="0" dirty="0" smtClean="0"/>
                             <a:t> </a:t>
                           </a:r>
                           <a:r>
-                            <a:rPr lang="ru-RU" baseline="0" dirty="0" err="1" smtClean="0"/>
+                            <a:rPr lang="ru-RU" sz="2000" baseline="0" dirty="0" err="1" smtClean="0"/>
                             <a:t>Флойда</a:t>
                           </a:r>
                           <a:r>
-                            <a:rPr lang="ru-RU" baseline="0" dirty="0" smtClean="0"/>
+                            <a:rPr lang="ru-RU" sz="2000" baseline="0" dirty="0" smtClean="0"/>
                             <a:t> </a:t>
                           </a:r>
                           <a:r>
-                            <a:rPr lang="ru-RU" sz="1800" b="0" i="0" kern="1200" dirty="0" smtClean="0">
+                            <a:rPr lang="ru-RU" sz="2000" b="0" i="0" kern="1200" dirty="0" smtClean="0">
                               <a:solidFill>
                                 <a:schemeClr val="dk1"/>
                               </a:solidFill>
@@ -6793,7 +6828,7 @@
                             <a:t>— </a:t>
                           </a:r>
                           <a:r>
-                            <a:rPr lang="ru-RU" sz="1800" b="0" i="0" kern="1200" dirty="0" err="1" smtClean="0">
+                            <a:rPr lang="ru-RU" sz="2000" b="0" i="0" kern="1200" dirty="0" err="1" smtClean="0">
                               <a:solidFill>
                                 <a:schemeClr val="dk1"/>
                               </a:solidFill>
@@ -6804,7 +6839,7 @@
                             </a:rPr>
                             <a:t>Уоршелла</a:t>
                           </a:r>
-                          <a:endParaRPr lang="ru-RU" sz="1800" b="0" i="0" kern="1200" dirty="0" smtClean="0">
+                          <a:endParaRPr lang="ru-RU" sz="2000" b="0" i="0" kern="1200" dirty="0" smtClean="0">
                             <a:solidFill>
                               <a:schemeClr val="dk1"/>
                             </a:solidFill>
@@ -6829,7 +6864,7 @@
                         <a:blipFill rotWithShape="0">
                           <a:blip r:embed="rId3"/>
                           <a:stretch>
-                            <a:fillRect l="-109394" t="-263810" r="-314545" b="-129524"/>
+                            <a:fillRect l="-109394" t="-305217" r="-314545" b="-172174"/>
                           </a:stretch>
                         </a:blipFill>
                       </a:tcPr>
@@ -6841,10 +6876,10 @@
                         <a:p>
                           <a:pPr algn="ctr"/>
                           <a:r>
-                            <a:rPr lang="en-US" dirty="0" smtClean="0"/>
+                            <a:rPr lang="en-US" sz="2000" dirty="0" smtClean="0"/>
                             <a:t>+</a:t>
                           </a:r>
-                          <a:endParaRPr lang="ru-RU" dirty="0"/>
+                          <a:endParaRPr lang="ru-RU" sz="2000" dirty="0"/>
                         </a:p>
                       </a:txBody>
                       <a:tcPr/>
@@ -6856,10 +6891,10 @@
                         <a:p>
                           <a:pPr algn="ctr"/>
                           <a:r>
-                            <a:rPr lang="en-US" dirty="0" smtClean="0"/>
+                            <a:rPr lang="en-US" sz="2000" dirty="0" smtClean="0"/>
                             <a:t>+</a:t>
                           </a:r>
-                          <a:endParaRPr lang="ru-RU" dirty="0"/>
+                          <a:endParaRPr lang="ru-RU" sz="2000" dirty="0"/>
                         </a:p>
                       </a:txBody>
                       <a:tcPr/>
@@ -6871,16 +6906,16 @@
                         <a:p>
                           <a:pPr algn="ctr"/>
                           <a:r>
-                            <a:rPr lang="ru-RU" dirty="0" smtClean="0"/>
+                            <a:rPr lang="ru-RU" sz="2000" dirty="0" smtClean="0"/>
                             <a:t>-</a:t>
                           </a:r>
-                          <a:endParaRPr lang="ru-RU" dirty="0"/>
+                          <a:endParaRPr lang="ru-RU" sz="2000" dirty="0"/>
                         </a:p>
                       </a:txBody>
                       <a:tcPr/>
                     </a:tc>
                   </a:tr>
-                  <a:tr h="370840">
+                  <a:tr h="701040">
                     <a:tc>
                       <a:txBody>
                         <a:bodyPr/>
@@ -6888,18 +6923,18 @@
                         <a:p>
                           <a:pPr algn="ctr"/>
                           <a:r>
-                            <a:rPr lang="ru-RU" dirty="0" smtClean="0"/>
+                            <a:rPr lang="ru-RU" sz="2000" dirty="0" smtClean="0"/>
                             <a:t>Алгоритм</a:t>
                           </a:r>
                           <a:r>
-                            <a:rPr lang="ru-RU" baseline="0" dirty="0" smtClean="0"/>
+                            <a:rPr lang="ru-RU" sz="2000" baseline="0" dirty="0" smtClean="0"/>
                             <a:t> </a:t>
                           </a:r>
                           <a:r>
-                            <a:rPr lang="ru-RU" baseline="0" dirty="0" err="1" smtClean="0"/>
+                            <a:rPr lang="ru-RU" sz="2000" baseline="0" dirty="0" err="1" smtClean="0"/>
                             <a:t>Дейкстры</a:t>
                           </a:r>
-                          <a:endParaRPr lang="ru-RU" dirty="0"/>
+                          <a:endParaRPr lang="ru-RU" sz="2000" dirty="0"/>
                         </a:p>
                       </a:txBody>
                       <a:tcPr/>
@@ -6916,7 +6951,7 @@
                         <a:blipFill rotWithShape="0">
                           <a:blip r:embed="rId3"/>
                           <a:stretch>
-                            <a:fillRect l="-109394" t="-626230" r="-314545" b="-122951"/>
+                            <a:fillRect l="-109394" t="-405217" r="-314545" b="-72174"/>
                           </a:stretch>
                         </a:blipFill>
                       </a:tcPr>
@@ -6928,10 +6963,10 @@
                         <a:p>
                           <a:pPr algn="ctr"/>
                           <a:r>
-                            <a:rPr lang="en-US" dirty="0" smtClean="0"/>
+                            <a:rPr lang="en-US" sz="2000" dirty="0" smtClean="0"/>
                             <a:t>+</a:t>
                           </a:r>
-                          <a:endParaRPr lang="ru-RU" dirty="0"/>
+                          <a:endParaRPr lang="ru-RU" sz="2000" dirty="0"/>
                         </a:p>
                       </a:txBody>
                       <a:tcPr/>
@@ -6943,10 +6978,10 @@
                         <a:p>
                           <a:pPr algn="ctr"/>
                           <a:r>
-                            <a:rPr lang="en-US" dirty="0" smtClean="0"/>
+                            <a:rPr lang="en-US" sz="2000" dirty="0" smtClean="0"/>
                             <a:t>-</a:t>
                           </a:r>
-                          <a:endParaRPr lang="ru-RU" dirty="0"/>
+                          <a:endParaRPr lang="ru-RU" sz="2000" dirty="0"/>
                         </a:p>
                       </a:txBody>
                       <a:tcPr/>
@@ -6958,16 +6993,16 @@
                         <a:p>
                           <a:pPr algn="ctr"/>
                           <a:r>
-                            <a:rPr lang="ru-RU" dirty="0" smtClean="0"/>
+                            <a:rPr lang="ru-RU" sz="2000" dirty="0" smtClean="0"/>
                             <a:t>-</a:t>
                           </a:r>
-                          <a:endParaRPr lang="ru-RU" dirty="0"/>
+                          <a:endParaRPr lang="ru-RU" sz="2000" dirty="0"/>
                         </a:p>
                       </a:txBody>
                       <a:tcPr/>
                     </a:tc>
                   </a:tr>
-                  <a:tr h="370840">
+                  <a:tr h="396240">
                     <a:tc>
                       <a:txBody>
                         <a:bodyPr/>
@@ -6975,10 +7010,10 @@
                         <a:p>
                           <a:pPr algn="ctr"/>
                           <a:r>
-                            <a:rPr lang="ru-RU" dirty="0" smtClean="0"/>
+                            <a:rPr lang="ru-RU" sz="2000" dirty="0" smtClean="0"/>
                             <a:t>Алгоритм А*</a:t>
                           </a:r>
-                          <a:endParaRPr lang="ru-RU" dirty="0"/>
+                          <a:endParaRPr lang="ru-RU" sz="2000" dirty="0"/>
                         </a:p>
                       </a:txBody>
                       <a:tcPr/>
@@ -6995,7 +7030,7 @@
                         <a:blipFill rotWithShape="0">
                           <a:blip r:embed="rId3"/>
                           <a:stretch>
-                            <a:fillRect l="-109394" t="-726230" r="-314545" b="-22951"/>
+                            <a:fillRect l="-109394" t="-893846" r="-314545" b="-27692"/>
                           </a:stretch>
                         </a:blipFill>
                       </a:tcPr>
@@ -7007,10 +7042,10 @@
                         <a:p>
                           <a:pPr algn="ctr"/>
                           <a:r>
-                            <a:rPr lang="en-US" dirty="0" smtClean="0"/>
+                            <a:rPr lang="en-US" sz="2000" dirty="0" smtClean="0"/>
                             <a:t>+</a:t>
                           </a:r>
-                          <a:endParaRPr lang="ru-RU" dirty="0"/>
+                          <a:endParaRPr lang="ru-RU" sz="2000" dirty="0"/>
                         </a:p>
                       </a:txBody>
                       <a:tcPr/>
@@ -7022,10 +7057,10 @@
                         <a:p>
                           <a:pPr algn="ctr"/>
                           <a:r>
-                            <a:rPr lang="en-US" dirty="0" smtClean="0"/>
+                            <a:rPr lang="en-US" sz="2000" dirty="0" smtClean="0"/>
                             <a:t>-</a:t>
                           </a:r>
-                          <a:endParaRPr lang="ru-RU" dirty="0"/>
+                          <a:endParaRPr lang="ru-RU" sz="2000" dirty="0"/>
                         </a:p>
                       </a:txBody>
                       <a:tcPr/>
@@ -7037,10 +7072,10 @@
                         <a:p>
                           <a:pPr algn="ctr"/>
                           <a:r>
-                            <a:rPr lang="ru-RU" dirty="0" smtClean="0"/>
+                            <a:rPr lang="ru-RU" sz="2000" dirty="0" smtClean="0"/>
                             <a:t>+</a:t>
                           </a:r>
-                          <a:endParaRPr lang="ru-RU" dirty="0"/>
+                          <a:endParaRPr lang="ru-RU" sz="2000" dirty="0"/>
                         </a:p>
                       </a:txBody>
                       <a:tcPr/>
@@ -8157,7 +8192,7 @@
         <p:spPr>
           <a:xfrm>
             <a:off x="838200" y="1325562"/>
-            <a:ext cx="10515600" cy="1605645"/>
+            <a:ext cx="10515600" cy="2443361"/>
           </a:xfrm>
         </p:spPr>
         <p:txBody>
@@ -8209,7 +8244,7 @@
             </a:pPr>
             <a:r>
               <a:rPr lang="ru-RU" sz="2000" dirty="0" smtClean="0"/>
-              <a:t>3. Получение вершин графа (пересечения дорог)</a:t>
+              <a:t>3. Удаление из базы всех дорог, по которым запрещено движение на велосипеде</a:t>
             </a:r>
           </a:p>
           <a:p>
@@ -8217,8 +8252,25 @@
               <a:buNone/>
             </a:pPr>
             <a:r>
+              <a:rPr lang="ru-RU" sz="2000" dirty="0"/>
+              <a:t>4</a:t>
+            </a:r>
+            <a:r>
               <a:rPr lang="ru-RU" sz="2000" dirty="0" smtClean="0"/>
-              <a:t>4. Создание </a:t>
+              <a:t>. Получение вершин графа (пересечения дорог)</a:t>
+            </a:r>
+          </a:p>
+          <a:p>
+            <a:pPr marL="0" indent="0" algn="ctr">
+              <a:buNone/>
+            </a:pPr>
+            <a:r>
+              <a:rPr lang="ru-RU" sz="2000" dirty="0"/>
+              <a:t>5</a:t>
+            </a:r>
+            <a:r>
+              <a:rPr lang="ru-RU" sz="2000" dirty="0" smtClean="0"/>
+              <a:t>. Создание </a:t>
             </a:r>
             <a:r>
               <a:rPr lang="ru-RU" sz="2000" dirty="0" err="1" smtClean="0"/>
@@ -8294,8 +8346,8 @@
         </p:nvSpPr>
         <p:spPr>
           <a:xfrm>
-            <a:off x="838200" y="3376551"/>
-            <a:ext cx="10515600" cy="2769989"/>
+            <a:off x="838200" y="3768923"/>
+            <a:ext cx="10515600" cy="2800767"/>
           </a:xfrm>
           <a:prstGeom prst="rect">
             <a:avLst/>
@@ -8332,7 +8384,7 @@
           <a:p>
             <a:pPr lvl="3"/>
             <a:r>
-              <a:rPr lang="en-US" sz="1900" dirty="0" smtClean="0">
+              <a:rPr lang="en-US" sz="2000" dirty="0" smtClean="0">
                 <a:highlight>
                   <a:srgbClr val="FFFFFF"/>
                 </a:highlight>
@@ -8342,7 +8394,7 @@
               <a:t>1. </a:t>
             </a:r>
             <a:r>
-              <a:rPr lang="ru-RU" sz="1900" dirty="0" smtClean="0">
+              <a:rPr lang="ru-RU" sz="2000" dirty="0" smtClean="0">
                 <a:highlight>
                   <a:srgbClr val="FFFFFF"/>
                 </a:highlight>
@@ -8352,7 +8404,7 @@
               <a:t>Точка (</a:t>
             </a:r>
             <a:r>
-              <a:rPr lang="en-US" sz="1900" dirty="0" smtClean="0">
+              <a:rPr lang="en-US" sz="2000" dirty="0" smtClean="0">
                 <a:highlight>
                   <a:srgbClr val="FFFFFF"/>
                 </a:highlight>
@@ -8740,7 +8792,7 @@
           <a:p>
             <a:pPr lvl="3"/>
             <a:r>
-              <a:rPr lang="en-US" sz="1900" dirty="0" smtClean="0">
+              <a:rPr lang="en-US" sz="2000" dirty="0" smtClean="0">
                 <a:highlight>
                   <a:srgbClr val="FFFFFF"/>
                 </a:highlight>
@@ -8750,7 +8802,7 @@
               <a:t>2. </a:t>
             </a:r>
             <a:r>
-              <a:rPr lang="ru-RU" sz="1900" dirty="0" smtClean="0">
+              <a:rPr lang="ru-RU" sz="2000" dirty="0" smtClean="0">
                 <a:highlight>
                   <a:srgbClr val="FFFFFF"/>
                 </a:highlight>
@@ -8760,7 +8812,7 @@
               <a:t>Линия (</a:t>
             </a:r>
             <a:r>
-              <a:rPr lang="en-US" sz="1900" dirty="0" smtClean="0">
+              <a:rPr lang="en-US" sz="2000" dirty="0" smtClean="0">
                 <a:highlight>
                   <a:srgbClr val="FFFFFF"/>
                 </a:highlight>
@@ -8769,7 +8821,7 @@
               </a:rPr>
               <a:t>way)</a:t>
             </a:r>
-            <a:endParaRPr lang="en-US" sz="1900" dirty="0" smtClean="0">
+            <a:endParaRPr lang="en-US" sz="2000" dirty="0" smtClean="0">
               <a:solidFill>
                 <a:srgbClr val="0000FF"/>
               </a:solidFill>

--- a/Documentation/Метод построения велосипедных маршрутов.pptx
+++ b/Documentation/Метод построения велосипедных маршрутов.pptx
@@ -219,7 +219,7 @@
           <a:p>
             <a:fld id="{2C1D5852-CB3A-4E71-BFCB-A6B4538832B4}" type="datetimeFigureOut">
               <a:rPr lang="ru-RU" smtClean="0"/>
-              <a:t>23.05.2015</a:t>
+              <a:t>25.05.2015</a:t>
             </a:fld>
             <a:endParaRPr lang="ru-RU"/>
           </a:p>
@@ -786,7 +786,7 @@
           <a:p>
             <a:fld id="{36E5FA18-BC3F-4D53-94AB-C0F3B1B8377F}" type="datetime1">
               <a:rPr lang="ru-RU" smtClean="0"/>
-              <a:t>23.05.2015</a:t>
+              <a:t>25.05.2015</a:t>
             </a:fld>
             <a:endParaRPr lang="ru-RU"/>
           </a:p>
@@ -964,7 +964,7 @@
           <a:p>
             <a:fld id="{21567A10-74FB-4B80-9638-7BCE9781867C}" type="datetime1">
               <a:rPr lang="ru-RU" smtClean="0"/>
-              <a:t>23.05.2015</a:t>
+              <a:t>25.05.2015</a:t>
             </a:fld>
             <a:endParaRPr lang="ru-RU"/>
           </a:p>
@@ -1145,7 +1145,7 @@
           <a:p>
             <a:fld id="{81142080-0B71-4B20-B0E2-9DFC0B1CFBEE}" type="datetime1">
               <a:rPr lang="ru-RU" smtClean="0"/>
-              <a:t>23.05.2015</a:t>
+              <a:t>25.05.2015</a:t>
             </a:fld>
             <a:endParaRPr lang="ru-RU"/>
           </a:p>
@@ -1316,7 +1316,7 @@
           <a:p>
             <a:fld id="{E2255E6C-A322-4AC3-828D-B9E85E64A896}" type="datetime1">
               <a:rPr lang="ru-RU" smtClean="0"/>
-              <a:t>23.05.2015</a:t>
+              <a:t>25.05.2015</a:t>
             </a:fld>
             <a:endParaRPr lang="ru-RU"/>
           </a:p>
@@ -1563,7 +1563,7 @@
           <a:p>
             <a:fld id="{BA497A56-8E1D-40EB-A88D-614A29B47FFB}" type="datetime1">
               <a:rPr lang="ru-RU" smtClean="0"/>
-              <a:t>23.05.2015</a:t>
+              <a:t>25.05.2015</a:t>
             </a:fld>
             <a:endParaRPr lang="ru-RU"/>
           </a:p>
@@ -1796,7 +1796,7 @@
           <a:p>
             <a:fld id="{1DB1DE17-48AA-43E9-826A-5B3B2EB8A459}" type="datetime1">
               <a:rPr lang="ru-RU" smtClean="0"/>
-              <a:t>23.05.2015</a:t>
+              <a:t>25.05.2015</a:t>
             </a:fld>
             <a:endParaRPr lang="ru-RU"/>
           </a:p>
@@ -2164,7 +2164,7 @@
           <a:p>
             <a:fld id="{16378FA1-9B63-4F30-8EDE-C679ADDB5553}" type="datetime1">
               <a:rPr lang="ru-RU" smtClean="0"/>
-              <a:t>23.05.2015</a:t>
+              <a:t>25.05.2015</a:t>
             </a:fld>
             <a:endParaRPr lang="ru-RU"/>
           </a:p>
@@ -2283,7 +2283,7 @@
           <a:p>
             <a:fld id="{4B4531DD-F7E9-4FA2-981F-44CA782140A8}" type="datetime1">
               <a:rPr lang="ru-RU" smtClean="0"/>
-              <a:t>23.05.2015</a:t>
+              <a:t>25.05.2015</a:t>
             </a:fld>
             <a:endParaRPr lang="ru-RU"/>
           </a:p>
@@ -2379,7 +2379,7 @@
           <a:p>
             <a:fld id="{F6C21C51-16DF-40AF-A145-F8DD54F2C411}" type="datetime1">
               <a:rPr lang="ru-RU" smtClean="0"/>
-              <a:t>23.05.2015</a:t>
+              <a:t>25.05.2015</a:t>
             </a:fld>
             <a:endParaRPr lang="ru-RU"/>
           </a:p>
@@ -2657,7 +2657,7 @@
           <a:p>
             <a:fld id="{344ABABC-77B2-4D56-855A-B4C40E6CF024}" type="datetime1">
               <a:rPr lang="ru-RU" smtClean="0"/>
-              <a:t>23.05.2015</a:t>
+              <a:t>25.05.2015</a:t>
             </a:fld>
             <a:endParaRPr lang="ru-RU"/>
           </a:p>
@@ -2911,7 +2911,7 @@
           <a:p>
             <a:fld id="{0FD2389D-C24C-4010-A8CA-3B85131275A4}" type="datetime1">
               <a:rPr lang="ru-RU" smtClean="0"/>
-              <a:t>23.05.2015</a:t>
+              <a:t>25.05.2015</a:t>
             </a:fld>
             <a:endParaRPr lang="ru-RU"/>
           </a:p>
@@ -3125,7 +3125,7 @@
           <a:p>
             <a:fld id="{4F036123-8708-4B1E-AC94-78648E3B1BD3}" type="datetime1">
               <a:rPr lang="ru-RU" smtClean="0"/>
-              <a:t>23.05.2015</a:t>
+              <a:t>25.05.2015</a:t>
             </a:fld>
             <a:endParaRPr lang="ru-RU"/>
           </a:p>
@@ -4034,7 +4034,7 @@
             <a:pPr algn="ctr"/>
             <a:r>
               <a:rPr lang="ru-RU" dirty="0" smtClean="0"/>
-              <a:t>Выбор лучшего маршрута в зависимость от вида</a:t>
+              <a:t>Выбор маршрута в зависимости от вида</a:t>
             </a:r>
             <a:endParaRPr lang="ru-RU" dirty="0"/>
           </a:p>
@@ -7224,9 +7224,33 @@
           </a:p>
         </p:txBody>
       </p:sp>
+      <p:sp>
+        <p:nvSpPr>
+          <p:cNvPr id="3" name="Номер слайда 2"/>
+          <p:cNvSpPr>
+            <a:spLocks noGrp="1"/>
+          </p:cNvSpPr>
+          <p:nvPr>
+            <p:ph type="sldNum" sz="quarter" idx="12"/>
+          </p:nvPr>
+        </p:nvSpPr>
+        <p:spPr/>
+        <p:txBody>
+          <a:bodyPr/>
+          <a:lstStyle/>
+          <a:p>
+            <a:fld id="{12A5530A-C36B-4239-A90C-AB8088D06C08}" type="slidenum">
+              <a:rPr lang="ru-RU" smtClean="0"/>
+              <a:pPr/>
+              <a:t>4</a:t>
+            </a:fld>
+            <a:endParaRPr lang="ru-RU"/>
+          </a:p>
+        </p:txBody>
+      </p:sp>
       <p:pic>
         <p:nvPicPr>
-          <p:cNvPr id="2" name="Рисунок 1"/>
+          <p:cNvPr id="5" name="Рисунок 4"/>
           <p:cNvPicPr>
             <a:picLocks noChangeAspect="1"/>
           </p:cNvPicPr>
@@ -7246,38 +7270,14 @@
         </p:blipFill>
         <p:spPr>
           <a:xfrm>
-            <a:off x="0" y="1325563"/>
-            <a:ext cx="12192000" cy="4471969"/>
+            <a:off x="0" y="1303020"/>
+            <a:ext cx="12192000" cy="4251960"/>
           </a:xfrm>
           <a:prstGeom prst="rect">
             <a:avLst/>
           </a:prstGeom>
         </p:spPr>
       </p:pic>
-      <p:sp>
-        <p:nvSpPr>
-          <p:cNvPr id="3" name="Номер слайда 2"/>
-          <p:cNvSpPr>
-            <a:spLocks noGrp="1"/>
-          </p:cNvSpPr>
-          <p:nvPr>
-            <p:ph type="sldNum" sz="quarter" idx="12"/>
-          </p:nvPr>
-        </p:nvSpPr>
-        <p:spPr/>
-        <p:txBody>
-          <a:bodyPr/>
-          <a:lstStyle/>
-          <a:p>
-            <a:fld id="{12A5530A-C36B-4239-A90C-AB8088D06C08}" type="slidenum">
-              <a:rPr lang="ru-RU" smtClean="0"/>
-              <a:pPr/>
-              <a:t>4</a:t>
-            </a:fld>
-            <a:endParaRPr lang="ru-RU"/>
-          </a:p>
-        </p:txBody>
-      </p:sp>
     </p:spTree>
     <p:extLst>
       <p:ext uri="{BB962C8B-B14F-4D97-AF65-F5344CB8AC3E}">
@@ -9442,9 +9442,33 @@
           </a:p>
         </p:txBody>
       </p:sp>
+      <p:sp>
+        <p:nvSpPr>
+          <p:cNvPr id="3" name="Номер слайда 2"/>
+          <p:cNvSpPr>
+            <a:spLocks noGrp="1"/>
+          </p:cNvSpPr>
+          <p:nvPr>
+            <p:ph type="sldNum" sz="quarter" idx="12"/>
+          </p:nvPr>
+        </p:nvSpPr>
+        <p:spPr/>
+        <p:txBody>
+          <a:bodyPr/>
+          <a:lstStyle/>
+          <a:p>
+            <a:fld id="{12A5530A-C36B-4239-A90C-AB8088D06C08}" type="slidenum">
+              <a:rPr lang="ru-RU" smtClean="0"/>
+              <a:pPr/>
+              <a:t>7</a:t>
+            </a:fld>
+            <a:endParaRPr lang="ru-RU"/>
+          </a:p>
+        </p:txBody>
+      </p:sp>
       <p:pic>
         <p:nvPicPr>
-          <p:cNvPr id="2" name="Рисунок 1"/>
+          <p:cNvPr id="6" name="Рисунок 5"/>
           <p:cNvPicPr>
             <a:picLocks noChangeAspect="1"/>
           </p:cNvPicPr>
@@ -9465,37 +9489,13 @@
         <p:spPr>
           <a:xfrm>
             <a:off x="0" y="1325563"/>
-            <a:ext cx="12192000" cy="5213992"/>
+            <a:ext cx="12192000" cy="5292471"/>
           </a:xfrm>
           <a:prstGeom prst="rect">
             <a:avLst/>
           </a:prstGeom>
         </p:spPr>
       </p:pic>
-      <p:sp>
-        <p:nvSpPr>
-          <p:cNvPr id="3" name="Номер слайда 2"/>
-          <p:cNvSpPr>
-            <a:spLocks noGrp="1"/>
-          </p:cNvSpPr>
-          <p:nvPr>
-            <p:ph type="sldNum" sz="quarter" idx="12"/>
-          </p:nvPr>
-        </p:nvSpPr>
-        <p:spPr/>
-        <p:txBody>
-          <a:bodyPr/>
-          <a:lstStyle/>
-          <a:p>
-            <a:fld id="{12A5530A-C36B-4239-A90C-AB8088D06C08}" type="slidenum">
-              <a:rPr lang="ru-RU" smtClean="0"/>
-              <a:pPr/>
-              <a:t>7</a:t>
-            </a:fld>
-            <a:endParaRPr lang="ru-RU"/>
-          </a:p>
-        </p:txBody>
-      </p:sp>
     </p:spTree>
     <p:extLst>
       <p:ext uri="{BB962C8B-B14F-4D97-AF65-F5344CB8AC3E}">

--- a/Documentation/Метод построения велосипедных маршрутов.pptx
+++ b/Documentation/Метод построения велосипедных маршрутов.pptx
@@ -5,7 +5,7 @@
     <p:sldMasterId id="2147483648" r:id="rId1"/>
   </p:sldMasterIdLst>
   <p:notesMasterIdLst>
-    <p:notesMasterId r:id="rId14"/>
+    <p:notesMasterId r:id="rId15"/>
   </p:notesMasterIdLst>
   <p:sldIdLst>
     <p:sldId id="256" r:id="rId2"/>
@@ -17,9 +17,10 @@
     <p:sldId id="265" r:id="rId8"/>
     <p:sldId id="270" r:id="rId9"/>
     <p:sldId id="271" r:id="rId10"/>
-    <p:sldId id="269" r:id="rId11"/>
-    <p:sldId id="266" r:id="rId12"/>
-    <p:sldId id="267" r:id="rId13"/>
+    <p:sldId id="274" r:id="rId11"/>
+    <p:sldId id="269" r:id="rId12"/>
+    <p:sldId id="266" r:id="rId13"/>
+    <p:sldId id="267" r:id="rId14"/>
   </p:sldIdLst>
   <p:sldSz cx="12192000" cy="6858000"/>
   <p:notesSz cx="6858000" cy="9144000"/>
@@ -219,7 +220,7 @@
           <a:p>
             <a:fld id="{2C1D5852-CB3A-4E71-BFCB-A6B4538832B4}" type="datetimeFigureOut">
               <a:rPr lang="ru-RU" smtClean="0"/>
-              <a:t>25.05.2015</a:t>
+              <a:t>27.05.2015</a:t>
             </a:fld>
             <a:endParaRPr lang="ru-RU"/>
           </a:p>
@@ -786,7 +787,7 @@
           <a:p>
             <a:fld id="{36E5FA18-BC3F-4D53-94AB-C0F3B1B8377F}" type="datetime1">
               <a:rPr lang="ru-RU" smtClean="0"/>
-              <a:t>25.05.2015</a:t>
+              <a:t>27.05.2015</a:t>
             </a:fld>
             <a:endParaRPr lang="ru-RU"/>
           </a:p>
@@ -964,7 +965,7 @@
           <a:p>
             <a:fld id="{21567A10-74FB-4B80-9638-7BCE9781867C}" type="datetime1">
               <a:rPr lang="ru-RU" smtClean="0"/>
-              <a:t>25.05.2015</a:t>
+              <a:t>27.05.2015</a:t>
             </a:fld>
             <a:endParaRPr lang="ru-RU"/>
           </a:p>
@@ -1145,7 +1146,7 @@
           <a:p>
             <a:fld id="{81142080-0B71-4B20-B0E2-9DFC0B1CFBEE}" type="datetime1">
               <a:rPr lang="ru-RU" smtClean="0"/>
-              <a:t>25.05.2015</a:t>
+              <a:t>27.05.2015</a:t>
             </a:fld>
             <a:endParaRPr lang="ru-RU"/>
           </a:p>
@@ -1316,7 +1317,7 @@
           <a:p>
             <a:fld id="{E2255E6C-A322-4AC3-828D-B9E85E64A896}" type="datetime1">
               <a:rPr lang="ru-RU" smtClean="0"/>
-              <a:t>25.05.2015</a:t>
+              <a:t>27.05.2015</a:t>
             </a:fld>
             <a:endParaRPr lang="ru-RU"/>
           </a:p>
@@ -1563,7 +1564,7 @@
           <a:p>
             <a:fld id="{BA497A56-8E1D-40EB-A88D-614A29B47FFB}" type="datetime1">
               <a:rPr lang="ru-RU" smtClean="0"/>
-              <a:t>25.05.2015</a:t>
+              <a:t>27.05.2015</a:t>
             </a:fld>
             <a:endParaRPr lang="ru-RU"/>
           </a:p>
@@ -1796,7 +1797,7 @@
           <a:p>
             <a:fld id="{1DB1DE17-48AA-43E9-826A-5B3B2EB8A459}" type="datetime1">
               <a:rPr lang="ru-RU" smtClean="0"/>
-              <a:t>25.05.2015</a:t>
+              <a:t>27.05.2015</a:t>
             </a:fld>
             <a:endParaRPr lang="ru-RU"/>
           </a:p>
@@ -2164,7 +2165,7 @@
           <a:p>
             <a:fld id="{16378FA1-9B63-4F30-8EDE-C679ADDB5553}" type="datetime1">
               <a:rPr lang="ru-RU" smtClean="0"/>
-              <a:t>25.05.2015</a:t>
+              <a:t>27.05.2015</a:t>
             </a:fld>
             <a:endParaRPr lang="ru-RU"/>
           </a:p>
@@ -2283,7 +2284,7 @@
           <a:p>
             <a:fld id="{4B4531DD-F7E9-4FA2-981F-44CA782140A8}" type="datetime1">
               <a:rPr lang="ru-RU" smtClean="0"/>
-              <a:t>25.05.2015</a:t>
+              <a:t>27.05.2015</a:t>
             </a:fld>
             <a:endParaRPr lang="ru-RU"/>
           </a:p>
@@ -2379,7 +2380,7 @@
           <a:p>
             <a:fld id="{F6C21C51-16DF-40AF-A145-F8DD54F2C411}" type="datetime1">
               <a:rPr lang="ru-RU" smtClean="0"/>
-              <a:t>25.05.2015</a:t>
+              <a:t>27.05.2015</a:t>
             </a:fld>
             <a:endParaRPr lang="ru-RU"/>
           </a:p>
@@ -2657,7 +2658,7 @@
           <a:p>
             <a:fld id="{344ABABC-77B2-4D56-855A-B4C40E6CF024}" type="datetime1">
               <a:rPr lang="ru-RU" smtClean="0"/>
-              <a:t>25.05.2015</a:t>
+              <a:t>27.05.2015</a:t>
             </a:fld>
             <a:endParaRPr lang="ru-RU"/>
           </a:p>
@@ -2911,7 +2912,7 @@
           <a:p>
             <a:fld id="{0FD2389D-C24C-4010-A8CA-3B85131275A4}" type="datetime1">
               <a:rPr lang="ru-RU" smtClean="0"/>
-              <a:t>25.05.2015</a:t>
+              <a:t>27.05.2015</a:t>
             </a:fld>
             <a:endParaRPr lang="ru-RU"/>
           </a:p>
@@ -3125,7 +3126,7 @@
           <a:p>
             <a:fld id="{4F036123-8708-4B1E-AC94-78648E3B1BD3}" type="datetime1">
               <a:rPr lang="ru-RU" smtClean="0"/>
-              <a:t>25.05.2015</a:t>
+              <a:t>27.05.2015</a:t>
             </a:fld>
             <a:endParaRPr lang="ru-RU"/>
           </a:p>
@@ -3682,6 +3683,596 @@
 </file>
 
 <file path=ppt/slides/slide10.xml><?xml version="1.0" encoding="utf-8"?>
+<p:sld xmlns:a="http://schemas.openxmlformats.org/drawingml/2006/main" xmlns:r="http://schemas.openxmlformats.org/officeDocument/2006/relationships" xmlns:p="http://schemas.openxmlformats.org/presentationml/2006/main">
+  <p:cSld>
+    <p:spTree>
+      <p:nvGrpSpPr>
+        <p:cNvPr id="1" name=""/>
+        <p:cNvGrpSpPr/>
+        <p:nvPr/>
+      </p:nvGrpSpPr>
+      <p:grpSpPr>
+        <a:xfrm>
+          <a:off x="0" y="0"/>
+          <a:ext cx="0" cy="0"/>
+          <a:chOff x="0" y="0"/>
+          <a:chExt cx="0" cy="0"/>
+        </a:xfrm>
+      </p:grpSpPr>
+      <p:sp>
+        <p:nvSpPr>
+          <p:cNvPr id="4" name="Номер слайда 3"/>
+          <p:cNvSpPr>
+            <a:spLocks noGrp="1"/>
+          </p:cNvSpPr>
+          <p:nvPr>
+            <p:ph type="sldNum" sz="quarter" idx="12"/>
+          </p:nvPr>
+        </p:nvSpPr>
+        <p:spPr/>
+        <p:txBody>
+          <a:bodyPr/>
+          <a:lstStyle/>
+          <a:p>
+            <a:fld id="{12A5530A-C36B-4239-A90C-AB8088D06C08}" type="slidenum">
+              <a:rPr lang="ru-RU" smtClean="0"/>
+              <a:pPr/>
+              <a:t>10</a:t>
+            </a:fld>
+            <a:endParaRPr lang="ru-RU"/>
+          </a:p>
+        </p:txBody>
+      </p:sp>
+      <mc:AlternateContent xmlns:mc="http://schemas.openxmlformats.org/markup-compatibility/2006">
+        <mc:Choice xmlns:a14="http://schemas.microsoft.com/office/drawing/2010/main" Requires="a14">
+          <p:sp>
+            <p:nvSpPr>
+              <p:cNvPr id="5" name="Объект 2"/>
+              <p:cNvSpPr>
+                <a:spLocks noGrp="1"/>
+              </p:cNvSpPr>
+              <p:nvPr>
+                <p:ph idx="1"/>
+              </p:nvPr>
+            </p:nvSpPr>
+            <p:spPr>
+              <a:xfrm>
+                <a:off x="838200" y="1325561"/>
+                <a:ext cx="10515600" cy="5395913"/>
+              </a:xfrm>
+            </p:spPr>
+            <p:txBody>
+              <a:bodyPr>
+                <a:normAutofit fontScale="92500"/>
+              </a:bodyPr>
+              <a:lstStyle/>
+              <a:p>
+                <a:r>
+                  <a:rPr lang="ru-RU" dirty="0" smtClean="0"/>
+                  <a:t>Алгоритм находит маршруты</a:t>
+                </a:r>
+                <a:r>
+                  <a:rPr lang="ru-RU" dirty="0"/>
+                  <a:t>, которые длиннее кратчайшего </a:t>
+                </a:r>
+                <a:r>
+                  <a:rPr lang="ru-RU" dirty="0" smtClean="0"/>
+                  <a:t>не </a:t>
+                </a:r>
+                <a:r>
+                  <a:rPr lang="ru-RU" dirty="0"/>
+                  <a:t>более, чем на </a:t>
+                </a:r>
+                <a:r>
+                  <a:rPr lang="ru-RU" dirty="0" smtClean="0"/>
+                  <a:t>величину </a:t>
+                </a:r>
+                <a14:m>
+                  <m:oMath xmlns:m="http://schemas.openxmlformats.org/officeDocument/2006/math">
+                    <m:r>
+                      <a:rPr lang="ru-RU" i="1" dirty="0" smtClean="0">
+                        <a:latin typeface="Cambria Math" panose="02040503050406030204" pitchFamily="18" charset="0"/>
+                      </a:rPr>
+                      <m:t>Е</m:t>
+                    </m:r>
+                  </m:oMath>
+                </a14:m>
+                <a:r>
+                  <a:rPr lang="ru-RU" dirty="0" smtClean="0"/>
+                  <a:t>.</a:t>
+                </a:r>
+              </a:p>
+              <a:p>
+                <a:pPr lvl="0"/>
+                <a:r>
+                  <a:rPr lang="ru-RU" dirty="0" smtClean="0"/>
+                  <a:t> </a:t>
+                </a:r>
+                <a:r>
+                  <a:rPr lang="ru-RU" dirty="0"/>
+                  <a:t>Для множества вершин </a:t>
+                </a:r>
+                <a14:m>
+                  <m:oMath xmlns:m="http://schemas.openxmlformats.org/officeDocument/2006/math">
+                    <m:r>
+                      <a:rPr lang="ru-RU" i="1"/>
+                      <m:t>𝑢</m:t>
+                    </m:r>
+                  </m:oMath>
+                </a14:m>
+                <a:r>
+                  <a:rPr lang="ru-RU" dirty="0"/>
+                  <a:t>, каждая из которых является смежной с </a:t>
+                </a:r>
+                <a14:m>
+                  <m:oMath xmlns:m="http://schemas.openxmlformats.org/officeDocument/2006/math">
+                    <m:r>
+                      <a:rPr lang="ru-RU" i="1"/>
+                      <m:t>𝑣</m:t>
+                    </m:r>
+                  </m:oMath>
+                </a14:m>
+                <a:r>
+                  <a:rPr lang="ru-RU" dirty="0"/>
+                  <a:t>, вычисляются новые метки по формуле</a:t>
+                </a:r>
+                <a:r>
+                  <a:rPr lang="ru-RU" dirty="0" smtClean="0"/>
+                  <a:t>:</a:t>
+                </a:r>
+              </a:p>
+              <a:p>
+                <a:pPr marL="0" lvl="0" indent="0" algn="ctr">
+                  <a:buNone/>
+                </a:pPr>
+                <a:r>
+                  <a:rPr lang="ru-RU" dirty="0" smtClean="0"/>
+                  <a:t> </a:t>
+                </a:r>
+                <a14:m>
+                  <m:oMath xmlns:m="http://schemas.openxmlformats.org/officeDocument/2006/math">
+                    <m:r>
+                      <a:rPr lang="ru-RU" i="1"/>
+                      <m:t>𝐿</m:t>
+                    </m:r>
+                    <m:d>
+                      <m:dPr>
+                        <m:ctrlPr>
+                          <a:rPr lang="ru-RU" i="1"/>
+                        </m:ctrlPr>
+                      </m:dPr>
+                      <m:e>
+                        <m:r>
+                          <a:rPr lang="ru-RU" i="1"/>
+                          <m:t>𝑠</m:t>
+                        </m:r>
+                        <m:r>
+                          <a:rPr lang="ru-RU" i="1"/>
+                          <m:t>,</m:t>
+                        </m:r>
+                        <m:sSub>
+                          <m:sSubPr>
+                            <m:ctrlPr>
+                              <a:rPr lang="ru-RU" i="1"/>
+                            </m:ctrlPr>
+                          </m:sSubPr>
+                          <m:e>
+                            <m:r>
+                              <a:rPr lang="ru-RU" i="1"/>
+                              <m:t>𝑢</m:t>
+                            </m:r>
+                          </m:e>
+                          <m:sub>
+                            <m:r>
+                              <a:rPr lang="ru-RU" i="1"/>
+                              <m:t>𝑖</m:t>
+                            </m:r>
+                          </m:sub>
+                        </m:sSub>
+                      </m:e>
+                    </m:d>
+                    <m:r>
+                      <a:rPr lang="ru-RU" i="1"/>
+                      <m:t>=</m:t>
+                    </m:r>
+                    <m:r>
+                      <a:rPr lang="ru-RU" i="1"/>
+                      <m:t>𝐿</m:t>
+                    </m:r>
+                    <m:d>
+                      <m:dPr>
+                        <m:ctrlPr>
+                          <a:rPr lang="ru-RU" i="1"/>
+                        </m:ctrlPr>
+                      </m:dPr>
+                      <m:e>
+                        <m:r>
+                          <a:rPr lang="ru-RU" i="1"/>
+                          <m:t>𝑠</m:t>
+                        </m:r>
+                        <m:r>
+                          <a:rPr lang="ru-RU" i="1"/>
+                          <m:t>,</m:t>
+                        </m:r>
+                        <m:r>
+                          <a:rPr lang="ru-RU" i="1"/>
+                          <m:t>𝑣</m:t>
+                        </m:r>
+                      </m:e>
+                    </m:d>
+                    <m:r>
+                      <a:rPr lang="ru-RU" i="1"/>
+                      <m:t>+</m:t>
+                    </m:r>
+                    <m:r>
+                      <a:rPr lang="ru-RU" i="1"/>
+                      <m:t>𝐿</m:t>
+                    </m:r>
+                    <m:r>
+                      <a:rPr lang="ru-RU" i="1"/>
+                      <m:t>(</m:t>
+                    </m:r>
+                    <m:r>
+                      <a:rPr lang="ru-RU" i="1"/>
+                      <m:t>𝑣</m:t>
+                    </m:r>
+                    <m:r>
+                      <a:rPr lang="ru-RU" i="1"/>
+                      <m:t>,</m:t>
+                    </m:r>
+                    <m:sSub>
+                      <m:sSubPr>
+                        <m:ctrlPr>
+                          <a:rPr lang="ru-RU" i="1"/>
+                        </m:ctrlPr>
+                      </m:sSubPr>
+                      <m:e>
+                        <m:r>
+                          <a:rPr lang="ru-RU" i="1"/>
+                          <m:t>𝑢</m:t>
+                        </m:r>
+                      </m:e>
+                      <m:sub>
+                        <m:r>
+                          <a:rPr lang="ru-RU" i="1"/>
+                          <m:t>𝑖</m:t>
+                        </m:r>
+                      </m:sub>
+                    </m:sSub>
+                    <m:r>
+                      <a:rPr lang="ru-RU" i="1"/>
+                      <m:t>)</m:t>
+                    </m:r>
+                  </m:oMath>
+                </a14:m>
+                <a:r>
+                  <a:rPr lang="ru-RU" dirty="0"/>
+                  <a:t>, где </a:t>
+                </a:r>
+                <a14:m>
+                  <m:oMath xmlns:m="http://schemas.openxmlformats.org/officeDocument/2006/math">
+                    <m:r>
+                      <a:rPr lang="ru-RU" i="1"/>
+                      <m:t>𝑖</m:t>
+                    </m:r>
+                    <m:r>
+                      <a:rPr lang="ru-RU" i="1"/>
+                      <m:t>=1,…,|</m:t>
+                    </m:r>
+                    <m:r>
+                      <a:rPr lang="ru-RU" i="1"/>
+                      <m:t>𝑢</m:t>
+                    </m:r>
+                    <m:r>
+                      <a:rPr lang="ru-RU" i="1"/>
+                      <m:t>|</m:t>
+                    </m:r>
+                  </m:oMath>
+                </a14:m>
+                <a:r>
+                  <a:rPr lang="ru-RU" dirty="0" smtClean="0"/>
+                  <a:t>.</a:t>
+                </a:r>
+                <a:endParaRPr lang="ru-RU" dirty="0"/>
+              </a:p>
+              <a:p>
+                <a:r>
+                  <a:rPr lang="ru-RU" dirty="0"/>
+                  <a:t>Также для каждой вершины из </a:t>
+                </a:r>
+                <a14:m>
+                  <m:oMath xmlns:m="http://schemas.openxmlformats.org/officeDocument/2006/math">
+                    <m:r>
+                      <a:rPr lang="ru-RU" i="1"/>
+                      <m:t>𝑢</m:t>
+                    </m:r>
+                  </m:oMath>
+                </a14:m>
+                <a:r>
+                  <a:rPr lang="ru-RU" dirty="0"/>
+                  <a:t> запоминается в качестве родительской вершина </a:t>
+                </a:r>
+                <a14:m>
+                  <m:oMath xmlns:m="http://schemas.openxmlformats.org/officeDocument/2006/math">
+                    <m:r>
+                      <a:rPr lang="ru-RU" i="1"/>
+                      <m:t>𝑣</m:t>
+                    </m:r>
+                  </m:oMath>
+                </a14:m>
+                <a:r>
+                  <a:rPr lang="ru-RU" dirty="0"/>
+                  <a:t>, то есть </a:t>
+                </a:r>
+                <a14:m>
+                  <m:oMath xmlns:m="http://schemas.openxmlformats.org/officeDocument/2006/math">
+                    <m:r>
+                      <a:rPr lang="ru-RU" i="1"/>
+                      <m:t>𝑃</m:t>
+                    </m:r>
+                    <m:d>
+                      <m:dPr>
+                        <m:ctrlPr>
+                          <a:rPr lang="ru-RU" i="1"/>
+                        </m:ctrlPr>
+                      </m:dPr>
+                      <m:e>
+                        <m:sSub>
+                          <m:sSubPr>
+                            <m:ctrlPr>
+                              <a:rPr lang="ru-RU" i="1"/>
+                            </m:ctrlPr>
+                          </m:sSubPr>
+                          <m:e>
+                            <m:r>
+                              <a:rPr lang="ru-RU" i="1"/>
+                              <m:t>𝑢</m:t>
+                            </m:r>
+                          </m:e>
+                          <m:sub>
+                            <m:r>
+                              <a:rPr lang="ru-RU" i="1"/>
+                              <m:t>𝑖</m:t>
+                            </m:r>
+                          </m:sub>
+                        </m:sSub>
+                      </m:e>
+                    </m:d>
+                    <m:r>
+                      <a:rPr lang="ru-RU" i="1"/>
+                      <m:t>=</m:t>
+                    </m:r>
+                    <m:r>
+                      <a:rPr lang="ru-RU" i="1"/>
+                      <m:t>𝑣</m:t>
+                    </m:r>
+                  </m:oMath>
+                </a14:m>
+                <a:r>
+                  <a:rPr lang="ru-RU" dirty="0"/>
+                  <a:t>. </a:t>
+                </a:r>
+                <a:endParaRPr lang="ru-RU" dirty="0" smtClean="0"/>
+              </a:p>
+              <a:p>
+                <a:pPr lvl="0"/>
+                <a:r>
+                  <a:rPr lang="ru-RU" dirty="0" smtClean="0"/>
+                  <a:t>В конце работы алгоритма необходимо определить </a:t>
+                </a:r>
+                <a:r>
+                  <a:rPr lang="ru-RU" dirty="0"/>
+                  <a:t>все маршруты, длина которых удовлетворяет формуле:</a:t>
+                </a:r>
+                <a:r>
+                  <a:rPr lang="ru-RU" dirty="0" smtClean="0"/>
+                  <a:t> </a:t>
+                </a:r>
+                <a:endParaRPr lang="ru-RU" i="1" dirty="0" smtClean="0"/>
+              </a:p>
+              <a:p>
+                <a:pPr marL="0" lvl="0" indent="0">
+                  <a:buNone/>
+                </a:pPr>
+                <a14:m>
+                  <m:oMathPara xmlns:m="http://schemas.openxmlformats.org/officeDocument/2006/math">
+                    <m:oMathParaPr>
+                      <m:jc m:val="centerGroup"/>
+                    </m:oMathParaPr>
+                    <m:oMath xmlns:m="http://schemas.openxmlformats.org/officeDocument/2006/math">
+                      <m:r>
+                        <a:rPr lang="ru-RU" i="1"/>
+                        <m:t>𝐿</m:t>
+                      </m:r>
+                      <m:d>
+                        <m:dPr>
+                          <m:ctrlPr>
+                            <a:rPr lang="ru-RU" i="1"/>
+                          </m:ctrlPr>
+                        </m:dPr>
+                        <m:e>
+                          <m:r>
+                            <a:rPr lang="ru-RU" i="1"/>
+                            <m:t>𝑟</m:t>
+                          </m:r>
+                        </m:e>
+                      </m:d>
+                      <m:r>
+                        <a:rPr lang="ru-RU" i="1"/>
+                        <m:t>≤</m:t>
+                      </m:r>
+                      <m:r>
+                        <a:rPr lang="ru-RU" i="1"/>
+                        <m:t>𝐿</m:t>
+                      </m:r>
+                      <m:d>
+                        <m:dPr>
+                          <m:ctrlPr>
+                            <a:rPr lang="ru-RU" i="1"/>
+                          </m:ctrlPr>
+                        </m:dPr>
+                        <m:e>
+                          <m:r>
+                            <a:rPr lang="ru-RU" i="1"/>
+                            <m:t>𝑅</m:t>
+                          </m:r>
+                        </m:e>
+                      </m:d>
+                      <m:r>
+                        <a:rPr lang="ru-RU" i="1"/>
+                        <m:t>+</m:t>
+                      </m:r>
+                      <m:r>
+                        <a:rPr lang="ru-RU" i="1"/>
+                        <m:t>𝐸</m:t>
+                      </m:r>
+                      <m:r>
+                        <a:rPr lang="ru-RU" b="0" i="1" smtClean="0">
+                          <a:latin typeface="Cambria Math" panose="02040503050406030204" pitchFamily="18" charset="0"/>
+                        </a:rPr>
+                        <m:t>.</m:t>
+                      </m:r>
+                    </m:oMath>
+                  </m:oMathPara>
+                </a14:m>
+                <a:endParaRPr lang="ru-RU" b="0" dirty="0" smtClean="0"/>
+              </a:p>
+              <a:p>
+                <a:pPr lvl="0"/>
+                <a:r>
+                  <a:rPr lang="ru-RU" dirty="0"/>
+                  <a:t>Сами альтернативные пути ищутся рекурсивно, начиная от вершины </a:t>
+                </a:r>
+                <a14:m>
+                  <m:oMath xmlns:m="http://schemas.openxmlformats.org/officeDocument/2006/math">
+                    <m:r>
+                      <a:rPr lang="ru-RU" i="1"/>
+                      <m:t>𝑡</m:t>
+                    </m:r>
+                  </m:oMath>
+                </a14:m>
+                <a:r>
+                  <a:rPr lang="ru-RU" dirty="0"/>
+                  <a:t>. Для нахождения всех возможных маршрутов необходимо на каждом шаге обрабатывать каждую метку всех смежных вершин</a:t>
+                </a:r>
+                <a:r>
+                  <a:rPr lang="ru-RU" dirty="0" smtClean="0"/>
+                  <a:t>.</a:t>
+                </a:r>
+                <a:endParaRPr lang="ru-RU" dirty="0"/>
+              </a:p>
+            </p:txBody>
+          </p:sp>
+        </mc:Choice>
+        <mc:Fallback>
+          <p:sp>
+            <p:nvSpPr>
+              <p:cNvPr id="5" name="Объект 2"/>
+              <p:cNvSpPr>
+                <a:spLocks noGrp="1" noRot="1" noChangeAspect="1" noMove="1" noResize="1" noEditPoints="1" noAdjustHandles="1" noChangeArrowheads="1" noChangeShapeType="1" noTextEdit="1"/>
+              </p:cNvSpPr>
+              <p:nvPr>
+                <p:ph idx="1"/>
+              </p:nvPr>
+            </p:nvSpPr>
+            <p:spPr>
+              <a:xfrm>
+                <a:off x="838200" y="1325561"/>
+                <a:ext cx="10515600" cy="5395913"/>
+              </a:xfrm>
+              <a:blipFill rotWithShape="0">
+                <a:blip r:embed="rId2"/>
+                <a:stretch>
+                  <a:fillRect l="-928" t="-1693" r="-580" b="-2257"/>
+                </a:stretch>
+              </a:blipFill>
+            </p:spPr>
+            <p:txBody>
+              <a:bodyPr/>
+              <a:lstStyle/>
+              <a:p>
+                <a:r>
+                  <a:rPr lang="ru-RU">
+                    <a:noFill/>
+                  </a:rPr>
+                  <a:t> </a:t>
+                </a:r>
+              </a:p>
+            </p:txBody>
+          </p:sp>
+        </mc:Fallback>
+      </mc:AlternateContent>
+      <p:sp>
+        <p:nvSpPr>
+          <p:cNvPr id="7" name="Заголовок 1"/>
+          <p:cNvSpPr txBox="1">
+            <a:spLocks/>
+          </p:cNvSpPr>
+          <p:nvPr/>
+        </p:nvSpPr>
+        <p:spPr>
+          <a:xfrm>
+            <a:off x="838200" y="0"/>
+            <a:ext cx="10515600" cy="1325563"/>
+          </a:xfrm>
+          <a:prstGeom prst="rect">
+            <a:avLst/>
+          </a:prstGeom>
+        </p:spPr>
+        <p:txBody>
+          <a:bodyPr vert="horz" lIns="91440" tIns="45720" rIns="91440" bIns="45720" rtlCol="0" anchor="ctr">
+            <a:normAutofit/>
+          </a:bodyPr>
+          <a:lstStyle>
+            <a:lvl1pPr algn="l" defTabSz="914400" rtl="0" eaLnBrk="1" latinLnBrk="0" hangingPunct="1">
+              <a:lnSpc>
+                <a:spcPct val="90000"/>
+              </a:lnSpc>
+              <a:spcBef>
+                <a:spcPct val="0"/>
+              </a:spcBef>
+              <a:buNone/>
+              <a:defRPr sz="4400" kern="1200">
+                <a:solidFill>
+                  <a:schemeClr val="tx1"/>
+                </a:solidFill>
+                <a:latin typeface="+mj-lt"/>
+                <a:ea typeface="+mj-ea"/>
+                <a:cs typeface="+mj-cs"/>
+              </a:defRPr>
+            </a:lvl1pPr>
+          </a:lstStyle>
+          <a:p>
+            <a:pPr algn="ctr"/>
+            <a:r>
+              <a:rPr lang="ru-RU" dirty="0" smtClean="0"/>
+              <a:t>Построение субоптимальных маршрутов.</a:t>
+            </a:r>
+          </a:p>
+          <a:p>
+            <a:pPr algn="ctr"/>
+            <a:r>
+              <a:rPr lang="ru-RU" dirty="0" smtClean="0"/>
+              <a:t>Алгоритм Е-близких путей</a:t>
+            </a:r>
+            <a:endParaRPr lang="ru-RU" dirty="0"/>
+          </a:p>
+        </p:txBody>
+      </p:sp>
+    </p:spTree>
+    <p:extLst>
+      <p:ext uri="{BB962C8B-B14F-4D97-AF65-F5344CB8AC3E}">
+        <p14:creationId xmlns:p14="http://schemas.microsoft.com/office/powerpoint/2010/main" val="3265408443"/>
+      </p:ext>
+    </p:extLst>
+  </p:cSld>
+  <p:clrMapOvr>
+    <a:masterClrMapping/>
+  </p:clrMapOvr>
+</p:sld>
+</file>
+
+<file path=ppt/slides/slide11.xml><?xml version="1.0" encoding="utf-8"?>
 <p:sld xmlns:a="http://schemas.openxmlformats.org/drawingml/2006/main" xmlns:r="http://schemas.openxmlformats.org/officeDocument/2006/relationships" xmlns:p="http://schemas.openxmlformats.org/presentationml/2006/main">
   <p:cSld>
     <p:spTree>
@@ -4671,7 +5262,7 @@
             <a:fld id="{12A5530A-C36B-4239-A90C-AB8088D06C08}" type="slidenum">
               <a:rPr lang="ru-RU" smtClean="0"/>
               <a:pPr/>
-              <a:t>10</a:t>
+              <a:t>11</a:t>
             </a:fld>
             <a:endParaRPr lang="ru-RU"/>
           </a:p>
@@ -4697,7 +5288,7 @@
 </p:sld>
 </file>
 
-<file path=ppt/slides/slide11.xml><?xml version="1.0" encoding="utf-8"?>
+<file path=ppt/slides/slide12.xml><?xml version="1.0" encoding="utf-8"?>
 <p:sld xmlns:a="http://schemas.openxmlformats.org/drawingml/2006/main" xmlns:r="http://schemas.openxmlformats.org/officeDocument/2006/relationships" xmlns:p="http://schemas.openxmlformats.org/presentationml/2006/main">
   <p:cSld>
     <p:spTree>
@@ -4955,7 +5546,7 @@
             <a:fld id="{12A5530A-C36B-4239-A90C-AB8088D06C08}" type="slidenum">
               <a:rPr lang="ru-RU" smtClean="0"/>
               <a:pPr/>
-              <a:t>11</a:t>
+              <a:t>12</a:t>
             </a:fld>
             <a:endParaRPr lang="ru-RU"/>
           </a:p>
@@ -4981,7 +5572,7 @@
 </p:sld>
 </file>
 
-<file path=ppt/slides/slide12.xml><?xml version="1.0" encoding="utf-8"?>
+<file path=ppt/slides/slide13.xml><?xml version="1.0" encoding="utf-8"?>
 <p:sld xmlns:a="http://schemas.openxmlformats.org/drawingml/2006/main" xmlns:r="http://schemas.openxmlformats.org/officeDocument/2006/relationships" xmlns:p="http://schemas.openxmlformats.org/presentationml/2006/main">
   <p:cSld>
     <p:spTree>
@@ -5348,7 +5939,7 @@
             <a:fld id="{12A5530A-C36B-4239-A90C-AB8088D06C08}" type="slidenum">
               <a:rPr lang="ru-RU" smtClean="0"/>
               <a:pPr/>
-              <a:t>12</a:t>
+              <a:t>13</a:t>
             </a:fld>
             <a:endParaRPr lang="ru-RU"/>
           </a:p>
@@ -5635,8 +6226,8 @@
           </a:p>
         </p:txBody>
       </p:sp>
-      <mc:AlternateContent xmlns:mc="http://schemas.openxmlformats.org/markup-compatibility/2006" xmlns:a14="http://schemas.microsoft.com/office/drawing/2010/main">
-        <mc:Choice Requires="a14">
+      <mc:AlternateContent xmlns:mc="http://schemas.openxmlformats.org/markup-compatibility/2006">
+        <mc:Choice xmlns:a14="http://schemas.microsoft.com/office/drawing/2010/main" Requires="a14">
           <p:graphicFrame>
             <p:nvGraphicFramePr>
               <p:cNvPr id="2" name="Объект 1"/>
@@ -5647,13 +6238,13 @@
                 <p:ph idx="1"/>
                 <p:extLst>
                   <p:ext uri="{D42A27DB-BD31-4B8C-83A1-F6EECF244321}">
-                    <p14:modId xmlns:p14="http://schemas.microsoft.com/office/powerpoint/2010/main" val="280687937"/>
+                    <p14:modId xmlns:p14="http://schemas.microsoft.com/office/powerpoint/2010/main" val="1637864176"/>
                   </p:ext>
                 </p:extLst>
               </p:nvPr>
             </p:nvGraphicFramePr>
             <p:xfrm>
-              <a:off x="838200" y="1863948"/>
+              <a:off x="838200" y="1325563"/>
               <a:ext cx="10515600" cy="3901440"/>
             </p:xfrm>
             <a:graphic>
@@ -6508,7 +7099,7 @@
             </a:graphic>
           </p:graphicFrame>
         </mc:Choice>
-        <mc:Fallback xmlns="">
+        <mc:Fallback>
           <p:graphicFrame>
             <p:nvGraphicFramePr>
               <p:cNvPr id="2" name="Объект 1"/>
@@ -6519,13 +7110,13 @@
                 <p:ph idx="1"/>
                 <p:extLst>
                   <p:ext uri="{D42A27DB-BD31-4B8C-83A1-F6EECF244321}">
-                    <p14:modId xmlns:p14="http://schemas.microsoft.com/office/powerpoint/2010/main" val="280687937"/>
+                    <p14:modId xmlns:p14="http://schemas.microsoft.com/office/powerpoint/2010/main" val="1637864176"/>
                   </p:ext>
                 </p:extLst>
               </p:nvPr>
             </p:nvGraphicFramePr>
             <p:xfrm>
-              <a:off x="838200" y="1863948"/>
+              <a:off x="838200" y="1325563"/>
               <a:ext cx="10515600" cy="3901440"/>
             </p:xfrm>
             <a:graphic>
@@ -6646,7 +7237,7 @@
                         <a:blipFill rotWithShape="0">
                           <a:blip r:embed="rId3"/>
                           <a:stretch>
-                            <a:fillRect l="-109394" t="-184615" r="-314545" b="-736923"/>
+                            <a:fillRect l="-109394" t="-184615" r="-314545" b="-735385"/>
                           </a:stretch>
                         </a:blipFill>
                       </a:tcPr>
@@ -6725,7 +7316,7 @@
                         <a:blipFill rotWithShape="0">
                           <a:blip r:embed="rId3"/>
                           <a:stretch>
-                            <a:fillRect l="-109394" t="-111446" r="-314545" b="-188554"/>
+                            <a:fillRect l="-109394" t="-111446" r="-314545" b="-187952"/>
                           </a:stretch>
                         </a:blipFill>
                       </a:tcPr>
@@ -6864,7 +7455,7 @@
                         <a:blipFill rotWithShape="0">
                           <a:blip r:embed="rId3"/>
                           <a:stretch>
-                            <a:fillRect l="-109394" t="-305217" r="-314545" b="-172174"/>
+                            <a:fillRect l="-109394" t="-305217" r="-314545" b="-171304"/>
                           </a:stretch>
                         </a:blipFill>
                       </a:tcPr>
@@ -6951,7 +7542,7 @@
                         <a:blipFill rotWithShape="0">
                           <a:blip r:embed="rId3"/>
                           <a:stretch>
-                            <a:fillRect l="-109394" t="-405217" r="-314545" b="-72174"/>
+                            <a:fillRect l="-109394" t="-405217" r="-314545" b="-71304"/>
                           </a:stretch>
                         </a:blipFill>
                       </a:tcPr>
@@ -7030,7 +7621,7 @@
                         <a:blipFill rotWithShape="0">
                           <a:blip r:embed="rId3"/>
                           <a:stretch>
-                            <a:fillRect l="-109394" t="-893846" r="-314545" b="-27692"/>
+                            <a:fillRect l="-109394" t="-893846" r="-314545" b="-26154"/>
                           </a:stretch>
                         </a:blipFill>
                       </a:tcPr>
@@ -7131,12 +7722,593 @@
             <a:pPr algn="ctr"/>
             <a:r>
               <a:rPr lang="ru-RU" dirty="0" smtClean="0"/>
-              <a:t>Классификация алгоритмов поиска кратчайшего пути</a:t>
+              <a:t>Классификация алгоритмов поиска </a:t>
+            </a:r>
+            <a:r>
+              <a:rPr lang="ru-RU" dirty="0" smtClean="0"/>
+              <a:t>кратчайших </a:t>
+            </a:r>
+            <a:r>
+              <a:rPr lang="ru-RU" smtClean="0"/>
+              <a:t>и альтернативных путей</a:t>
             </a:r>
             <a:endParaRPr lang="ru-RU" dirty="0"/>
           </a:p>
         </p:txBody>
       </p:sp>
+      <mc:AlternateContent xmlns:mc="http://schemas.openxmlformats.org/markup-compatibility/2006">
+        <mc:Choice xmlns:a14="http://schemas.microsoft.com/office/drawing/2010/main" Requires="a14">
+          <p:graphicFrame>
+            <p:nvGraphicFramePr>
+              <p:cNvPr id="5" name="Таблица 4"/>
+              <p:cNvGraphicFramePr>
+                <a:graphicFrameLocks noGrp="1"/>
+              </p:cNvGraphicFramePr>
+              <p:nvPr>
+                <p:extLst>
+                  <p:ext uri="{D42A27DB-BD31-4B8C-83A1-F6EECF244321}">
+                    <p14:modId xmlns:p14="http://schemas.microsoft.com/office/powerpoint/2010/main" val="1927208344"/>
+                  </p:ext>
+                </p:extLst>
+              </p:nvPr>
+            </p:nvGraphicFramePr>
+            <p:xfrm>
+              <a:off x="2766939" y="5436944"/>
+              <a:ext cx="6829988" cy="1114680"/>
+            </p:xfrm>
+            <a:graphic>
+              <a:graphicData uri="http://schemas.openxmlformats.org/drawingml/2006/table">
+                <a:tbl>
+                  <a:tblPr firstRow="1" bandRow="1">
+                    <a:tableStyleId>{0505E3EF-67EA-436B-97B2-0124C06EBD24}</a:tableStyleId>
+                  </a:tblPr>
+                  <a:tblGrid>
+                    <a:gridCol w="3414994"/>
+                    <a:gridCol w="3414994"/>
+                  </a:tblGrid>
+                  <a:tr h="370840">
+                    <a:tc>
+                      <a:txBody>
+                        <a:bodyPr/>
+                        <a:lstStyle/>
+                        <a:p>
+                          <a:pPr algn="ctr"/>
+                          <a:r>
+                            <a:rPr lang="ru-RU" dirty="0" smtClean="0"/>
+                            <a:t>Алгоритм</a:t>
+                          </a:r>
+                          <a:endParaRPr lang="ru-RU" dirty="0"/>
+                        </a:p>
+                      </a:txBody>
+                      <a:tcPr/>
+                    </a:tc>
+                    <a:tc>
+                      <a:txBody>
+                        <a:bodyPr/>
+                        <a:lstStyle/>
+                        <a:p>
+                          <a:pPr algn="ctr"/>
+                          <a:r>
+                            <a:rPr lang="ru-RU" dirty="0" smtClean="0"/>
+                            <a:t>Сложность</a:t>
+                          </a:r>
+                          <a:endParaRPr lang="ru-RU" dirty="0"/>
+                        </a:p>
+                      </a:txBody>
+                      <a:tcPr/>
+                    </a:tc>
+                  </a:tr>
+                  <a:tr h="370840">
+                    <a:tc>
+                      <a:txBody>
+                        <a:bodyPr/>
+                        <a:lstStyle/>
+                        <a:p>
+                          <a:pPr algn="ctr"/>
+                          <a:r>
+                            <a:rPr lang="ru-RU" dirty="0" smtClean="0"/>
+                            <a:t>К-кратчайших</a:t>
+                          </a:r>
+                          <a:r>
+                            <a:rPr lang="ru-RU" baseline="0" dirty="0" smtClean="0"/>
+                            <a:t> маршрутов (Йена)</a:t>
+                          </a:r>
+                          <a:endParaRPr lang="ru-RU" dirty="0"/>
+                        </a:p>
+                      </a:txBody>
+                      <a:tcPr/>
+                    </a:tc>
+                    <a:tc>
+                      <a:txBody>
+                        <a:bodyPr/>
+                        <a:lstStyle/>
+                        <a:p>
+                          <a:pPr algn="ctr"/>
+                          <a14:m>
+                            <m:oMath xmlns:m="http://schemas.openxmlformats.org/officeDocument/2006/math">
+                              <m:r>
+                                <a:rPr lang="ru-RU" sz="1800" i="1" kern="1200" smtClean="0">
+                                  <a:solidFill>
+                                    <a:schemeClr val="dk1"/>
+                                  </a:solidFill>
+                                  <a:effectLst/>
+                                  <a:latin typeface="+mn-lt"/>
+                                  <a:ea typeface="+mn-ea"/>
+                                  <a:cs typeface="+mn-cs"/>
+                                </a:rPr>
+                                <m:t>𝑂</m:t>
+                              </m:r>
+                              <m:r>
+                                <a:rPr lang="ru-RU" sz="1800" i="1" kern="1200" smtClean="0">
+                                  <a:solidFill>
+                                    <a:schemeClr val="dk1"/>
+                                  </a:solidFill>
+                                  <a:effectLst/>
+                                  <a:latin typeface="+mn-lt"/>
+                                  <a:ea typeface="+mn-ea"/>
+                                  <a:cs typeface="+mn-cs"/>
+                                </a:rPr>
+                                <m:t>(</m:t>
+                              </m:r>
+                              <m:r>
+                                <a:rPr lang="ru-RU" sz="1800" i="1" kern="1200" smtClean="0">
+                                  <a:solidFill>
+                                    <a:schemeClr val="dk1"/>
+                                  </a:solidFill>
+                                  <a:effectLst/>
+                                  <a:latin typeface="+mn-lt"/>
+                                  <a:ea typeface="+mn-ea"/>
+                                  <a:cs typeface="+mn-cs"/>
+                                </a:rPr>
+                                <m:t>𝐾</m:t>
+                              </m:r>
+                              <m:r>
+                                <a:rPr lang="ru-RU" sz="1800" i="1" kern="1200" smtClean="0">
+                                  <a:solidFill>
+                                    <a:schemeClr val="dk1"/>
+                                  </a:solidFill>
+                                  <a:effectLst/>
+                                  <a:latin typeface="+mn-lt"/>
+                                  <a:ea typeface="+mn-ea"/>
+                                  <a:cs typeface="+mn-cs"/>
+                                </a:rPr>
+                                <m:t>∗</m:t>
+                              </m:r>
+                              <m:sSup>
+                                <m:sSupPr>
+                                  <m:ctrlPr>
+                                    <a:rPr lang="ru-RU" sz="1800" i="1" kern="1200">
+                                      <a:solidFill>
+                                        <a:schemeClr val="dk1"/>
+                                      </a:solidFill>
+                                      <a:effectLst/>
+                                      <a:latin typeface="+mn-lt"/>
+                                      <a:ea typeface="+mn-ea"/>
+                                      <a:cs typeface="+mn-cs"/>
+                                    </a:rPr>
+                                  </m:ctrlPr>
+                                </m:sSupPr>
+                                <m:e>
+                                  <m:d>
+                                    <m:dPr>
+                                      <m:begChr m:val="|"/>
+                                      <m:endChr m:val="|"/>
+                                      <m:ctrlPr>
+                                        <a:rPr lang="ru-RU" sz="1800" i="1" kern="1200">
+                                          <a:solidFill>
+                                            <a:schemeClr val="dk1"/>
+                                          </a:solidFill>
+                                          <a:effectLst/>
+                                          <a:latin typeface="+mn-lt"/>
+                                          <a:ea typeface="+mn-ea"/>
+                                          <a:cs typeface="+mn-cs"/>
+                                        </a:rPr>
+                                      </m:ctrlPr>
+                                    </m:dPr>
+                                    <m:e>
+                                      <m:r>
+                                        <a:rPr lang="ru-RU" sz="1800" i="1" kern="1200">
+                                          <a:solidFill>
+                                            <a:schemeClr val="dk1"/>
+                                          </a:solidFill>
+                                          <a:effectLst/>
+                                          <a:latin typeface="+mn-lt"/>
+                                          <a:ea typeface="+mn-ea"/>
+                                          <a:cs typeface="+mn-cs"/>
+                                        </a:rPr>
+                                        <m:t>𝑉</m:t>
+                                      </m:r>
+                                    </m:e>
+                                  </m:d>
+                                </m:e>
+                                <m:sup>
+                                  <m:r>
+                                    <a:rPr lang="ru-RU" sz="1800" i="1" kern="1200">
+                                      <a:solidFill>
+                                        <a:schemeClr val="dk1"/>
+                                      </a:solidFill>
+                                      <a:effectLst/>
+                                      <a:latin typeface="+mn-lt"/>
+                                      <a:ea typeface="+mn-ea"/>
+                                      <a:cs typeface="+mn-cs"/>
+                                    </a:rPr>
+                                    <m:t>3</m:t>
+                                  </m:r>
+                                </m:sup>
+                              </m:sSup>
+                              <m:r>
+                                <a:rPr lang="ru-RU" sz="1800" i="1" kern="1200">
+                                  <a:solidFill>
+                                    <a:schemeClr val="dk1"/>
+                                  </a:solidFill>
+                                  <a:effectLst/>
+                                  <a:latin typeface="+mn-lt"/>
+                                  <a:ea typeface="+mn-ea"/>
+                                  <a:cs typeface="+mn-cs"/>
+                                </a:rPr>
+                                <m:t>)</m:t>
+                              </m:r>
+                            </m:oMath>
+                          </a14:m>
+                          <a:r>
+                            <a:rPr lang="ru-RU" sz="1800" kern="1200" dirty="0">
+                              <a:solidFill>
+                                <a:schemeClr val="dk1"/>
+                              </a:solidFill>
+                              <a:effectLst/>
+                              <a:latin typeface="+mn-lt"/>
+                              <a:ea typeface="+mn-ea"/>
+                              <a:cs typeface="+mn-cs"/>
+                            </a:rPr>
+                            <a:t>)</a:t>
+                          </a:r>
+                          <a:endParaRPr lang="ru-RU" dirty="0"/>
+                        </a:p>
+                      </a:txBody>
+                      <a:tcPr/>
+                    </a:tc>
+                  </a:tr>
+                  <a:tr h="370840">
+                    <a:tc>
+                      <a:txBody>
+                        <a:bodyPr/>
+                        <a:lstStyle/>
+                        <a:p>
+                          <a:pPr algn="ctr"/>
+                          <a:r>
+                            <a:rPr lang="ru-RU" dirty="0" smtClean="0"/>
+                            <a:t>Е-близкие маршруты</a:t>
+                          </a:r>
+                          <a:endParaRPr lang="ru-RU" dirty="0"/>
+                        </a:p>
+                      </a:txBody>
+                      <a:tcPr/>
+                    </a:tc>
+                    <a:tc>
+                      <a:txBody>
+                        <a:bodyPr/>
+                        <a:lstStyle/>
+                        <a:p>
+                          <a:pPr algn="ctr"/>
+                          <a:r>
+                            <a:rPr lang="ru-RU" sz="1800" kern="1200" dirty="0" smtClean="0">
+                              <a:solidFill>
+                                <a:schemeClr val="dk1"/>
+                              </a:solidFill>
+                              <a:effectLst/>
+                              <a:latin typeface="+mn-lt"/>
+                              <a:ea typeface="+mn-ea"/>
+                              <a:cs typeface="+mn-cs"/>
+                            </a:rPr>
+                            <a:t>(</a:t>
+                          </a:r>
+                          <a14:m>
+                            <m:oMath xmlns:m="http://schemas.openxmlformats.org/officeDocument/2006/math">
+                              <m:r>
+                                <a:rPr lang="ru-RU" sz="1800" i="1" kern="1200">
+                                  <a:solidFill>
+                                    <a:schemeClr val="dk1"/>
+                                  </a:solidFill>
+                                  <a:effectLst/>
+                                  <a:latin typeface="+mn-lt"/>
+                                  <a:ea typeface="+mn-ea"/>
+                                  <a:cs typeface="+mn-cs"/>
+                                </a:rPr>
+                                <m:t>𝑂</m:t>
+                              </m:r>
+                              <m:r>
+                                <a:rPr lang="ru-RU" sz="1800" i="1" kern="1200">
+                                  <a:solidFill>
+                                    <a:schemeClr val="dk1"/>
+                                  </a:solidFill>
+                                  <a:effectLst/>
+                                  <a:latin typeface="+mn-lt"/>
+                                  <a:ea typeface="+mn-ea"/>
+                                  <a:cs typeface="+mn-cs"/>
+                                </a:rPr>
+                                <m:t>(</m:t>
+                              </m:r>
+                              <m:sSup>
+                                <m:sSupPr>
+                                  <m:ctrlPr>
+                                    <a:rPr lang="ru-RU" sz="1800" i="1" kern="1200">
+                                      <a:solidFill>
+                                        <a:schemeClr val="dk1"/>
+                                      </a:solidFill>
+                                      <a:effectLst/>
+                                      <a:latin typeface="+mn-lt"/>
+                                      <a:ea typeface="+mn-ea"/>
+                                      <a:cs typeface="+mn-cs"/>
+                                    </a:rPr>
+                                  </m:ctrlPr>
+                                </m:sSupPr>
+                                <m:e>
+                                  <m:d>
+                                    <m:dPr>
+                                      <m:begChr m:val="|"/>
+                                      <m:endChr m:val="|"/>
+                                      <m:ctrlPr>
+                                        <a:rPr lang="ru-RU" sz="1800" i="1" kern="1200">
+                                          <a:solidFill>
+                                            <a:schemeClr val="dk1"/>
+                                          </a:solidFill>
+                                          <a:effectLst/>
+                                          <a:latin typeface="+mn-lt"/>
+                                          <a:ea typeface="+mn-ea"/>
+                                          <a:cs typeface="+mn-cs"/>
+                                        </a:rPr>
+                                      </m:ctrlPr>
+                                    </m:dPr>
+                                    <m:e>
+                                      <m:r>
+                                        <a:rPr lang="ru-RU" sz="1800" i="1" kern="1200">
+                                          <a:solidFill>
+                                            <a:schemeClr val="dk1"/>
+                                          </a:solidFill>
+                                          <a:effectLst/>
+                                          <a:latin typeface="+mn-lt"/>
+                                          <a:ea typeface="+mn-ea"/>
+                                          <a:cs typeface="+mn-cs"/>
+                                        </a:rPr>
+                                        <m:t>𝑉</m:t>
+                                      </m:r>
+                                    </m:e>
+                                  </m:d>
+                                </m:e>
+                                <m:sup>
+                                  <m:r>
+                                    <a:rPr lang="ru-RU" sz="1800" i="1" kern="1200">
+                                      <a:solidFill>
+                                        <a:schemeClr val="dk1"/>
+                                      </a:solidFill>
+                                      <a:effectLst/>
+                                      <a:latin typeface="+mn-lt"/>
+                                      <a:ea typeface="+mn-ea"/>
+                                      <a:cs typeface="+mn-cs"/>
+                                    </a:rPr>
+                                    <m:t>2</m:t>
+                                  </m:r>
+                                </m:sup>
+                              </m:sSup>
+                              <m:r>
+                                <a:rPr lang="ru-RU" sz="1800" i="1" kern="1200">
+                                  <a:solidFill>
+                                    <a:schemeClr val="dk1"/>
+                                  </a:solidFill>
+                                  <a:effectLst/>
+                                  <a:latin typeface="+mn-lt"/>
+                                  <a:ea typeface="+mn-ea"/>
+                                  <a:cs typeface="+mn-cs"/>
+                                </a:rPr>
+                                <m:t>+</m:t>
+                              </m:r>
+                              <m:d>
+                                <m:dPr>
+                                  <m:begChr m:val="|"/>
+                                  <m:endChr m:val="|"/>
+                                  <m:ctrlPr>
+                                    <a:rPr lang="ru-RU" sz="1800" i="1" kern="1200">
+                                      <a:solidFill>
+                                        <a:schemeClr val="dk1"/>
+                                      </a:solidFill>
+                                      <a:effectLst/>
+                                      <a:latin typeface="+mn-lt"/>
+                                      <a:ea typeface="+mn-ea"/>
+                                      <a:cs typeface="+mn-cs"/>
+                                    </a:rPr>
+                                  </m:ctrlPr>
+                                </m:dPr>
+                                <m:e>
+                                  <m:r>
+                                    <a:rPr lang="ru-RU" sz="1800" i="1" kern="1200">
+                                      <a:solidFill>
+                                        <a:schemeClr val="dk1"/>
+                                      </a:solidFill>
+                                      <a:effectLst/>
+                                      <a:latin typeface="+mn-lt"/>
+                                      <a:ea typeface="+mn-ea"/>
+                                      <a:cs typeface="+mn-cs"/>
+                                    </a:rPr>
+                                    <m:t>𝑉</m:t>
+                                  </m:r>
+                                </m:e>
+                              </m:d>
+                              <m:r>
+                                <a:rPr lang="ru-RU" sz="1800" i="1" kern="1200">
+                                  <a:solidFill>
+                                    <a:schemeClr val="dk1"/>
+                                  </a:solidFill>
+                                  <a:effectLst/>
+                                  <a:latin typeface="+mn-lt"/>
+                                  <a:ea typeface="+mn-ea"/>
+                                  <a:cs typeface="+mn-cs"/>
+                                </a:rPr>
+                                <m:t>)</m:t>
+                              </m:r>
+                            </m:oMath>
+                          </a14:m>
+                          <a:r>
+                            <a:rPr lang="ru-RU" sz="1800" kern="1200" dirty="0">
+                              <a:solidFill>
+                                <a:schemeClr val="dk1"/>
+                              </a:solidFill>
+                              <a:effectLst/>
+                              <a:latin typeface="+mn-lt"/>
+                              <a:ea typeface="+mn-ea"/>
+                              <a:cs typeface="+mn-cs"/>
+                            </a:rPr>
+                            <a:t> </a:t>
+                          </a:r>
+                          <a:endParaRPr lang="ru-RU" dirty="0"/>
+                        </a:p>
+                      </a:txBody>
+                      <a:tcPr/>
+                    </a:tc>
+                  </a:tr>
+                </a:tbl>
+              </a:graphicData>
+            </a:graphic>
+          </p:graphicFrame>
+        </mc:Choice>
+        <mc:Fallback>
+          <p:graphicFrame>
+            <p:nvGraphicFramePr>
+              <p:cNvPr id="5" name="Таблица 4"/>
+              <p:cNvGraphicFramePr>
+                <a:graphicFrameLocks noGrp="1"/>
+              </p:cNvGraphicFramePr>
+              <p:nvPr>
+                <p:extLst>
+                  <p:ext uri="{D42A27DB-BD31-4B8C-83A1-F6EECF244321}">
+                    <p14:modId xmlns:p14="http://schemas.microsoft.com/office/powerpoint/2010/main" val="1927208344"/>
+                  </p:ext>
+                </p:extLst>
+              </p:nvPr>
+            </p:nvGraphicFramePr>
+            <p:xfrm>
+              <a:off x="2766939" y="5436944"/>
+              <a:ext cx="6829988" cy="1114680"/>
+            </p:xfrm>
+            <a:graphic>
+              <a:graphicData uri="http://schemas.openxmlformats.org/drawingml/2006/table">
+                <a:tbl>
+                  <a:tblPr firstRow="1" bandRow="1">
+                    <a:tableStyleId>{0505E3EF-67EA-436B-97B2-0124C06EBD24}</a:tableStyleId>
+                  </a:tblPr>
+                  <a:tblGrid>
+                    <a:gridCol w="3414994"/>
+                    <a:gridCol w="3414994"/>
+                  </a:tblGrid>
+                  <a:tr h="370840">
+                    <a:tc>
+                      <a:txBody>
+                        <a:bodyPr/>
+                        <a:lstStyle/>
+                        <a:p>
+                          <a:pPr algn="ctr"/>
+                          <a:r>
+                            <a:rPr lang="ru-RU" dirty="0" smtClean="0"/>
+                            <a:t>Алгоритм</a:t>
+                          </a:r>
+                          <a:endParaRPr lang="ru-RU" dirty="0"/>
+                        </a:p>
+                      </a:txBody>
+                      <a:tcPr/>
+                    </a:tc>
+                    <a:tc>
+                      <a:txBody>
+                        <a:bodyPr/>
+                        <a:lstStyle/>
+                        <a:p>
+                          <a:pPr algn="ctr"/>
+                          <a:r>
+                            <a:rPr lang="ru-RU" dirty="0" smtClean="0"/>
+                            <a:t>Сложность</a:t>
+                          </a:r>
+                          <a:endParaRPr lang="ru-RU" dirty="0"/>
+                        </a:p>
+                      </a:txBody>
+                      <a:tcPr/>
+                    </a:tc>
+                  </a:tr>
+                  <a:tr h="371920">
+                    <a:tc>
+                      <a:txBody>
+                        <a:bodyPr/>
+                        <a:lstStyle/>
+                        <a:p>
+                          <a:pPr algn="ctr"/>
+                          <a:r>
+                            <a:rPr lang="ru-RU" dirty="0" smtClean="0"/>
+                            <a:t>К-кратчайших</a:t>
+                          </a:r>
+                          <a:r>
+                            <a:rPr lang="ru-RU" baseline="0" dirty="0" smtClean="0"/>
+                            <a:t> маршрутов (Йена)</a:t>
+                          </a:r>
+                          <a:endParaRPr lang="ru-RU" dirty="0"/>
+                        </a:p>
+                      </a:txBody>
+                      <a:tcPr/>
+                    </a:tc>
+                    <a:tc>
+                      <a:txBody>
+                        <a:bodyPr/>
+                        <a:lstStyle/>
+                        <a:p>
+                          <a:endParaRPr lang="ru-RU"/>
+                        </a:p>
+                      </a:txBody>
+                      <a:tcPr>
+                        <a:blipFill rotWithShape="0">
+                          <a:blip r:embed="rId4"/>
+                          <a:stretch>
+                            <a:fillRect l="-100178" t="-106452" r="-357" b="-124194"/>
+                          </a:stretch>
+                        </a:blipFill>
+                      </a:tcPr>
+                    </a:tc>
+                  </a:tr>
+                  <a:tr h="371920">
+                    <a:tc>
+                      <a:txBody>
+                        <a:bodyPr/>
+                        <a:lstStyle/>
+                        <a:p>
+                          <a:pPr algn="ctr"/>
+                          <a:r>
+                            <a:rPr lang="ru-RU" dirty="0" smtClean="0"/>
+                            <a:t>Е-близкие маршруты</a:t>
+                          </a:r>
+                          <a:endParaRPr lang="ru-RU" dirty="0"/>
+                        </a:p>
+                      </a:txBody>
+                      <a:tcPr/>
+                    </a:tc>
+                    <a:tc>
+                      <a:txBody>
+                        <a:bodyPr/>
+                        <a:lstStyle/>
+                        <a:p>
+                          <a:endParaRPr lang="ru-RU"/>
+                        </a:p>
+                      </a:txBody>
+                      <a:tcPr>
+                        <a:blipFill rotWithShape="0">
+                          <a:blip r:embed="rId4"/>
+                          <a:stretch>
+                            <a:fillRect l="-100178" t="-209836" r="-357" b="-26230"/>
+                          </a:stretch>
+                        </a:blipFill>
+                      </a:tcPr>
+                    </a:tc>
+                  </a:tr>
+                </a:tbl>
+              </a:graphicData>
+            </a:graphic>
+          </p:graphicFrame>
+        </mc:Fallback>
+      </mc:AlternateContent>
     </p:spTree>
     <p:extLst>
       <p:ext uri="{BB962C8B-B14F-4D97-AF65-F5344CB8AC3E}">
@@ -7250,7 +8422,7 @@
       </p:sp>
       <p:pic>
         <p:nvPicPr>
-          <p:cNvPr id="5" name="Рисунок 4"/>
+          <p:cNvPr id="2" name="Рисунок 1"/>
           <p:cNvPicPr>
             <a:picLocks noChangeAspect="1"/>
           </p:cNvPicPr>
@@ -7270,7 +8442,7 @@
         </p:blipFill>
         <p:spPr>
           <a:xfrm>
-            <a:off x="0" y="1303020"/>
+            <a:off x="0" y="1325563"/>
             <a:ext cx="12192000" cy="4251960"/>
           </a:xfrm>
           <a:prstGeom prst="rect">

--- a/Documentation/Метод построения велосипедных маршрутов.pptx
+++ b/Documentation/Метод построения велосипедных маршрутов.pptx
@@ -5,7 +5,7 @@
     <p:sldMasterId id="2147483648" r:id="rId1"/>
   </p:sldMasterIdLst>
   <p:notesMasterIdLst>
-    <p:notesMasterId r:id="rId15"/>
+    <p:notesMasterId r:id="rId16"/>
   </p:notesMasterIdLst>
   <p:sldIdLst>
     <p:sldId id="256" r:id="rId2"/>
@@ -19,8 +19,9 @@
     <p:sldId id="271" r:id="rId10"/>
     <p:sldId id="274" r:id="rId11"/>
     <p:sldId id="269" r:id="rId12"/>
-    <p:sldId id="266" r:id="rId13"/>
-    <p:sldId id="267" r:id="rId14"/>
+    <p:sldId id="275" r:id="rId13"/>
+    <p:sldId id="266" r:id="rId14"/>
+    <p:sldId id="267" r:id="rId15"/>
   </p:sldIdLst>
   <p:sldSz cx="12192000" cy="6858000"/>
   <p:notesSz cx="6858000" cy="9144000"/>
@@ -220,7 +221,7 @@
           <a:p>
             <a:fld id="{2C1D5852-CB3A-4E71-BFCB-A6B4538832B4}" type="datetimeFigureOut">
               <a:rPr lang="ru-RU" smtClean="0"/>
-              <a:t>27.05.2015</a:t>
+              <a:t>28.05.2015</a:t>
             </a:fld>
             <a:endParaRPr lang="ru-RU"/>
           </a:p>
@@ -787,7 +788,7 @@
           <a:p>
             <a:fld id="{36E5FA18-BC3F-4D53-94AB-C0F3B1B8377F}" type="datetime1">
               <a:rPr lang="ru-RU" smtClean="0"/>
-              <a:t>27.05.2015</a:t>
+              <a:t>28.05.2015</a:t>
             </a:fld>
             <a:endParaRPr lang="ru-RU"/>
           </a:p>
@@ -965,7 +966,7 @@
           <a:p>
             <a:fld id="{21567A10-74FB-4B80-9638-7BCE9781867C}" type="datetime1">
               <a:rPr lang="ru-RU" smtClean="0"/>
-              <a:t>27.05.2015</a:t>
+              <a:t>28.05.2015</a:t>
             </a:fld>
             <a:endParaRPr lang="ru-RU"/>
           </a:p>
@@ -1146,7 +1147,7 @@
           <a:p>
             <a:fld id="{81142080-0B71-4B20-B0E2-9DFC0B1CFBEE}" type="datetime1">
               <a:rPr lang="ru-RU" smtClean="0"/>
-              <a:t>27.05.2015</a:t>
+              <a:t>28.05.2015</a:t>
             </a:fld>
             <a:endParaRPr lang="ru-RU"/>
           </a:p>
@@ -1317,7 +1318,7 @@
           <a:p>
             <a:fld id="{E2255E6C-A322-4AC3-828D-B9E85E64A896}" type="datetime1">
               <a:rPr lang="ru-RU" smtClean="0"/>
-              <a:t>27.05.2015</a:t>
+              <a:t>28.05.2015</a:t>
             </a:fld>
             <a:endParaRPr lang="ru-RU"/>
           </a:p>
@@ -1564,7 +1565,7 @@
           <a:p>
             <a:fld id="{BA497A56-8E1D-40EB-A88D-614A29B47FFB}" type="datetime1">
               <a:rPr lang="ru-RU" smtClean="0"/>
-              <a:t>27.05.2015</a:t>
+              <a:t>28.05.2015</a:t>
             </a:fld>
             <a:endParaRPr lang="ru-RU"/>
           </a:p>
@@ -1797,7 +1798,7 @@
           <a:p>
             <a:fld id="{1DB1DE17-48AA-43E9-826A-5B3B2EB8A459}" type="datetime1">
               <a:rPr lang="ru-RU" smtClean="0"/>
-              <a:t>27.05.2015</a:t>
+              <a:t>28.05.2015</a:t>
             </a:fld>
             <a:endParaRPr lang="ru-RU"/>
           </a:p>
@@ -2165,7 +2166,7 @@
           <a:p>
             <a:fld id="{16378FA1-9B63-4F30-8EDE-C679ADDB5553}" type="datetime1">
               <a:rPr lang="ru-RU" smtClean="0"/>
-              <a:t>27.05.2015</a:t>
+              <a:t>28.05.2015</a:t>
             </a:fld>
             <a:endParaRPr lang="ru-RU"/>
           </a:p>
@@ -2284,7 +2285,7 @@
           <a:p>
             <a:fld id="{4B4531DD-F7E9-4FA2-981F-44CA782140A8}" type="datetime1">
               <a:rPr lang="ru-RU" smtClean="0"/>
-              <a:t>27.05.2015</a:t>
+              <a:t>28.05.2015</a:t>
             </a:fld>
             <a:endParaRPr lang="ru-RU"/>
           </a:p>
@@ -2380,7 +2381,7 @@
           <a:p>
             <a:fld id="{F6C21C51-16DF-40AF-A145-F8DD54F2C411}" type="datetime1">
               <a:rPr lang="ru-RU" smtClean="0"/>
-              <a:t>27.05.2015</a:t>
+              <a:t>28.05.2015</a:t>
             </a:fld>
             <a:endParaRPr lang="ru-RU"/>
           </a:p>
@@ -2658,7 +2659,7 @@
           <a:p>
             <a:fld id="{344ABABC-77B2-4D56-855A-B4C40E6CF024}" type="datetime1">
               <a:rPr lang="ru-RU" smtClean="0"/>
-              <a:t>27.05.2015</a:t>
+              <a:t>28.05.2015</a:t>
             </a:fld>
             <a:endParaRPr lang="ru-RU"/>
           </a:p>
@@ -2912,7 +2913,7 @@
           <a:p>
             <a:fld id="{0FD2389D-C24C-4010-A8CA-3B85131275A4}" type="datetime1">
               <a:rPr lang="ru-RU" smtClean="0"/>
-              <a:t>27.05.2015</a:t>
+              <a:t>28.05.2015</a:t>
             </a:fld>
             <a:endParaRPr lang="ru-RU"/>
           </a:p>
@@ -3126,7 +3127,7 @@
           <a:p>
             <a:fld id="{4F036123-8708-4B1E-AC94-78648E3B1BD3}" type="datetime1">
               <a:rPr lang="ru-RU" smtClean="0"/>
-              <a:t>27.05.2015</a:t>
+              <a:t>28.05.2015</a:t>
             </a:fld>
             <a:endParaRPr lang="ru-RU"/>
           </a:p>
@@ -3723,8 +3724,8 @@
           </a:p>
         </p:txBody>
       </p:sp>
-      <mc:AlternateContent xmlns:mc="http://schemas.openxmlformats.org/markup-compatibility/2006">
-        <mc:Choice xmlns:a14="http://schemas.microsoft.com/office/drawing/2010/main" Requires="a14">
+      <mc:AlternateContent xmlns:mc="http://schemas.openxmlformats.org/markup-compatibility/2006" xmlns:a14="http://schemas.microsoft.com/office/drawing/2010/main">
+        <mc:Choice Requires="a14">
           <p:sp>
             <p:nvSpPr>
               <p:cNvPr id="5" name="Объект 2"/>
@@ -3795,7 +3796,9 @@
                 <a14:m>
                   <m:oMath xmlns:m="http://schemas.openxmlformats.org/officeDocument/2006/math">
                     <m:r>
-                      <a:rPr lang="ru-RU" i="1"/>
+                      <a:rPr lang="ru-RU" i="1">
+                        <a:latin typeface="Cambria Math" panose="02040503050406030204" pitchFamily="18" charset="0"/>
+                      </a:rPr>
                       <m:t>𝑢</m:t>
                     </m:r>
                   </m:oMath>
@@ -3807,7 +3810,9 @@
                 <a14:m>
                   <m:oMath xmlns:m="http://schemas.openxmlformats.org/officeDocument/2006/math">
                     <m:r>
-                      <a:rPr lang="ru-RU" i="1"/>
+                      <a:rPr lang="ru-RU" i="1">
+                        <a:latin typeface="Cambria Math" panose="02040503050406030204" pitchFamily="18" charset="0"/>
+                      </a:rPr>
                       <m:t>𝑣</m:t>
                     </m:r>
                   </m:oMath>
@@ -3832,39 +3837,53 @@
                 <a14:m>
                   <m:oMath xmlns:m="http://schemas.openxmlformats.org/officeDocument/2006/math">
                     <m:r>
-                      <a:rPr lang="ru-RU" i="1"/>
+                      <a:rPr lang="ru-RU" i="1">
+                        <a:latin typeface="Cambria Math" panose="02040503050406030204" pitchFamily="18" charset="0"/>
+                      </a:rPr>
                       <m:t>𝐿</m:t>
                     </m:r>
                     <m:d>
                       <m:dPr>
                         <m:ctrlPr>
-                          <a:rPr lang="ru-RU" i="1"/>
+                          <a:rPr lang="ru-RU" i="1">
+                            <a:latin typeface="Cambria Math" panose="02040503050406030204" pitchFamily="18" charset="0"/>
+                          </a:rPr>
                         </m:ctrlPr>
                       </m:dPr>
                       <m:e>
                         <m:r>
-                          <a:rPr lang="ru-RU" i="1"/>
+                          <a:rPr lang="ru-RU" i="1">
+                            <a:latin typeface="Cambria Math" panose="02040503050406030204" pitchFamily="18" charset="0"/>
+                          </a:rPr>
                           <m:t>𝑠</m:t>
                         </m:r>
                         <m:r>
-                          <a:rPr lang="ru-RU" i="1"/>
+                          <a:rPr lang="ru-RU" i="1">
+                            <a:latin typeface="Cambria Math" panose="02040503050406030204" pitchFamily="18" charset="0"/>
+                          </a:rPr>
                           <m:t>,</m:t>
                         </m:r>
                         <m:sSub>
                           <m:sSubPr>
                             <m:ctrlPr>
-                              <a:rPr lang="ru-RU" i="1"/>
+                              <a:rPr lang="ru-RU" i="1">
+                                <a:latin typeface="Cambria Math" panose="02040503050406030204" pitchFamily="18" charset="0"/>
+                              </a:rPr>
                             </m:ctrlPr>
                           </m:sSubPr>
                           <m:e>
                             <m:r>
-                              <a:rPr lang="ru-RU" i="1"/>
+                              <a:rPr lang="ru-RU" i="1">
+                                <a:latin typeface="Cambria Math" panose="02040503050406030204" pitchFamily="18" charset="0"/>
+                              </a:rPr>
                               <m:t>𝑢</m:t>
                             </m:r>
                           </m:e>
                           <m:sub>
                             <m:r>
-                              <a:rPr lang="ru-RU" i="1"/>
+                              <a:rPr lang="ru-RU" i="1">
+                                <a:latin typeface="Cambria Math" panose="02040503050406030204" pitchFamily="18" charset="0"/>
+                              </a:rPr>
                               <m:t>𝑖</m:t>
                             </m:r>
                           </m:sub>
@@ -3872,75 +3891,105 @@
                       </m:e>
                     </m:d>
                     <m:r>
-                      <a:rPr lang="ru-RU" i="1"/>
+                      <a:rPr lang="ru-RU" i="1">
+                        <a:latin typeface="Cambria Math" panose="02040503050406030204" pitchFamily="18" charset="0"/>
+                      </a:rPr>
                       <m:t>=</m:t>
                     </m:r>
                     <m:r>
-                      <a:rPr lang="ru-RU" i="1"/>
+                      <a:rPr lang="ru-RU" i="1">
+                        <a:latin typeface="Cambria Math" panose="02040503050406030204" pitchFamily="18" charset="0"/>
+                      </a:rPr>
                       <m:t>𝐿</m:t>
                     </m:r>
                     <m:d>
                       <m:dPr>
                         <m:ctrlPr>
-                          <a:rPr lang="ru-RU" i="1"/>
+                          <a:rPr lang="ru-RU" i="1">
+                            <a:latin typeface="Cambria Math" panose="02040503050406030204" pitchFamily="18" charset="0"/>
+                          </a:rPr>
                         </m:ctrlPr>
                       </m:dPr>
                       <m:e>
                         <m:r>
-                          <a:rPr lang="ru-RU" i="1"/>
+                          <a:rPr lang="ru-RU" i="1">
+                            <a:latin typeface="Cambria Math" panose="02040503050406030204" pitchFamily="18" charset="0"/>
+                          </a:rPr>
                           <m:t>𝑠</m:t>
                         </m:r>
                         <m:r>
-                          <a:rPr lang="ru-RU" i="1"/>
+                          <a:rPr lang="ru-RU" i="1">
+                            <a:latin typeface="Cambria Math" panose="02040503050406030204" pitchFamily="18" charset="0"/>
+                          </a:rPr>
                           <m:t>,</m:t>
                         </m:r>
                         <m:r>
-                          <a:rPr lang="ru-RU" i="1"/>
+                          <a:rPr lang="ru-RU" i="1">
+                            <a:latin typeface="Cambria Math" panose="02040503050406030204" pitchFamily="18" charset="0"/>
+                          </a:rPr>
                           <m:t>𝑣</m:t>
                         </m:r>
                       </m:e>
                     </m:d>
                     <m:r>
-                      <a:rPr lang="ru-RU" i="1"/>
+                      <a:rPr lang="ru-RU" i="1">
+                        <a:latin typeface="Cambria Math" panose="02040503050406030204" pitchFamily="18" charset="0"/>
+                      </a:rPr>
                       <m:t>+</m:t>
                     </m:r>
                     <m:r>
-                      <a:rPr lang="ru-RU" i="1"/>
+                      <a:rPr lang="ru-RU" i="1">
+                        <a:latin typeface="Cambria Math" panose="02040503050406030204" pitchFamily="18" charset="0"/>
+                      </a:rPr>
                       <m:t>𝐿</m:t>
                     </m:r>
                     <m:r>
-                      <a:rPr lang="ru-RU" i="1"/>
+                      <a:rPr lang="ru-RU" i="1">
+                        <a:latin typeface="Cambria Math" panose="02040503050406030204" pitchFamily="18" charset="0"/>
+                      </a:rPr>
                       <m:t>(</m:t>
                     </m:r>
                     <m:r>
-                      <a:rPr lang="ru-RU" i="1"/>
+                      <a:rPr lang="ru-RU" i="1">
+                        <a:latin typeface="Cambria Math" panose="02040503050406030204" pitchFamily="18" charset="0"/>
+                      </a:rPr>
                       <m:t>𝑣</m:t>
                     </m:r>
                     <m:r>
-                      <a:rPr lang="ru-RU" i="1"/>
+                      <a:rPr lang="ru-RU" i="1">
+                        <a:latin typeface="Cambria Math" panose="02040503050406030204" pitchFamily="18" charset="0"/>
+                      </a:rPr>
                       <m:t>,</m:t>
                     </m:r>
                     <m:sSub>
                       <m:sSubPr>
                         <m:ctrlPr>
-                          <a:rPr lang="ru-RU" i="1"/>
+                          <a:rPr lang="ru-RU" i="1">
+                            <a:latin typeface="Cambria Math" panose="02040503050406030204" pitchFamily="18" charset="0"/>
+                          </a:rPr>
                         </m:ctrlPr>
                       </m:sSubPr>
                       <m:e>
                         <m:r>
-                          <a:rPr lang="ru-RU" i="1"/>
+                          <a:rPr lang="ru-RU" i="1">
+                            <a:latin typeface="Cambria Math" panose="02040503050406030204" pitchFamily="18" charset="0"/>
+                          </a:rPr>
                           <m:t>𝑢</m:t>
                         </m:r>
                       </m:e>
                       <m:sub>
                         <m:r>
-                          <a:rPr lang="ru-RU" i="1"/>
+                          <a:rPr lang="ru-RU" i="1">
+                            <a:latin typeface="Cambria Math" panose="02040503050406030204" pitchFamily="18" charset="0"/>
+                          </a:rPr>
                           <m:t>𝑖</m:t>
                         </m:r>
                       </m:sub>
                     </m:sSub>
                     <m:r>
-                      <a:rPr lang="ru-RU" i="1"/>
+                      <a:rPr lang="ru-RU" i="1">
+                        <a:latin typeface="Cambria Math" panose="02040503050406030204" pitchFamily="18" charset="0"/>
+                      </a:rPr>
                       <m:t>)</m:t>
                     </m:r>
                   </m:oMath>
@@ -3952,19 +4001,27 @@
                 <a14:m>
                   <m:oMath xmlns:m="http://schemas.openxmlformats.org/officeDocument/2006/math">
                     <m:r>
-                      <a:rPr lang="ru-RU" i="1"/>
+                      <a:rPr lang="ru-RU" i="1">
+                        <a:latin typeface="Cambria Math" panose="02040503050406030204" pitchFamily="18" charset="0"/>
+                      </a:rPr>
                       <m:t>𝑖</m:t>
                     </m:r>
                     <m:r>
-                      <a:rPr lang="ru-RU" i="1"/>
+                      <a:rPr lang="ru-RU" i="1">
+                        <a:latin typeface="Cambria Math" panose="02040503050406030204" pitchFamily="18" charset="0"/>
+                      </a:rPr>
                       <m:t>=1,…,|</m:t>
                     </m:r>
                     <m:r>
-                      <a:rPr lang="ru-RU" i="1"/>
+                      <a:rPr lang="ru-RU" i="1">
+                        <a:latin typeface="Cambria Math" panose="02040503050406030204" pitchFamily="18" charset="0"/>
+                      </a:rPr>
                       <m:t>𝑢</m:t>
                     </m:r>
                     <m:r>
-                      <a:rPr lang="ru-RU" i="1"/>
+                      <a:rPr lang="ru-RU" i="1">
+                        <a:latin typeface="Cambria Math" panose="02040503050406030204" pitchFamily="18" charset="0"/>
+                      </a:rPr>
                       <m:t>|</m:t>
                     </m:r>
                   </m:oMath>
@@ -3983,7 +4040,9 @@
                 <a14:m>
                   <m:oMath xmlns:m="http://schemas.openxmlformats.org/officeDocument/2006/math">
                     <m:r>
-                      <a:rPr lang="ru-RU" i="1"/>
+                      <a:rPr lang="ru-RU" i="1">
+                        <a:latin typeface="Cambria Math" panose="02040503050406030204" pitchFamily="18" charset="0"/>
+                      </a:rPr>
                       <m:t>𝑢</m:t>
                     </m:r>
                   </m:oMath>
@@ -3995,7 +4054,9 @@
                 <a14:m>
                   <m:oMath xmlns:m="http://schemas.openxmlformats.org/officeDocument/2006/math">
                     <m:r>
-                      <a:rPr lang="ru-RU" i="1"/>
+                      <a:rPr lang="ru-RU" i="1">
+                        <a:latin typeface="Cambria Math" panose="02040503050406030204" pitchFamily="18" charset="0"/>
+                      </a:rPr>
                       <m:t>𝑣</m:t>
                     </m:r>
                   </m:oMath>
@@ -4007,31 +4068,41 @@
                 <a14:m>
                   <m:oMath xmlns:m="http://schemas.openxmlformats.org/officeDocument/2006/math">
                     <m:r>
-                      <a:rPr lang="ru-RU" i="1"/>
+                      <a:rPr lang="ru-RU" i="1">
+                        <a:latin typeface="Cambria Math" panose="02040503050406030204" pitchFamily="18" charset="0"/>
+                      </a:rPr>
                       <m:t>𝑃</m:t>
                     </m:r>
                     <m:d>
                       <m:dPr>
                         <m:ctrlPr>
-                          <a:rPr lang="ru-RU" i="1"/>
+                          <a:rPr lang="ru-RU" i="1">
+                            <a:latin typeface="Cambria Math" panose="02040503050406030204" pitchFamily="18" charset="0"/>
+                          </a:rPr>
                         </m:ctrlPr>
                       </m:dPr>
                       <m:e>
                         <m:sSub>
                           <m:sSubPr>
                             <m:ctrlPr>
-                              <a:rPr lang="ru-RU" i="1"/>
+                              <a:rPr lang="ru-RU" i="1">
+                                <a:latin typeface="Cambria Math" panose="02040503050406030204" pitchFamily="18" charset="0"/>
+                              </a:rPr>
                             </m:ctrlPr>
                           </m:sSubPr>
                           <m:e>
                             <m:r>
-                              <a:rPr lang="ru-RU" i="1"/>
+                              <a:rPr lang="ru-RU" i="1">
+                                <a:latin typeface="Cambria Math" panose="02040503050406030204" pitchFamily="18" charset="0"/>
+                              </a:rPr>
                               <m:t>𝑢</m:t>
                             </m:r>
                           </m:e>
                           <m:sub>
                             <m:r>
-                              <a:rPr lang="ru-RU" i="1"/>
+                              <a:rPr lang="ru-RU" i="1">
+                                <a:latin typeface="Cambria Math" panose="02040503050406030204" pitchFamily="18" charset="0"/>
+                              </a:rPr>
                               <m:t>𝑖</m:t>
                             </m:r>
                           </m:sub>
@@ -4039,11 +4110,15 @@
                       </m:e>
                     </m:d>
                     <m:r>
-                      <a:rPr lang="ru-RU" i="1"/>
+                      <a:rPr lang="ru-RU" i="1">
+                        <a:latin typeface="Cambria Math" panose="02040503050406030204" pitchFamily="18" charset="0"/>
+                      </a:rPr>
                       <m:t>=</m:t>
                     </m:r>
                     <m:r>
-                      <a:rPr lang="ru-RU" i="1"/>
+                      <a:rPr lang="ru-RU" i="1">
+                        <a:latin typeface="Cambria Math" panose="02040503050406030204" pitchFamily="18" charset="0"/>
+                      </a:rPr>
                       <m:t>𝑣</m:t>
                     </m:r>
                   </m:oMath>
@@ -4081,49 +4156,67 @@
                     </m:oMathParaPr>
                     <m:oMath xmlns:m="http://schemas.openxmlformats.org/officeDocument/2006/math">
                       <m:r>
-                        <a:rPr lang="ru-RU" i="1"/>
+                        <a:rPr lang="ru-RU" i="1">
+                          <a:latin typeface="Cambria Math" panose="02040503050406030204" pitchFamily="18" charset="0"/>
+                        </a:rPr>
                         <m:t>𝐿</m:t>
                       </m:r>
                       <m:d>
                         <m:dPr>
                           <m:ctrlPr>
-                            <a:rPr lang="ru-RU" i="1"/>
+                            <a:rPr lang="ru-RU" i="1">
+                              <a:latin typeface="Cambria Math" panose="02040503050406030204" pitchFamily="18" charset="0"/>
+                            </a:rPr>
                           </m:ctrlPr>
                         </m:dPr>
                         <m:e>
                           <m:r>
-                            <a:rPr lang="ru-RU" i="1"/>
+                            <a:rPr lang="ru-RU" i="1">
+                              <a:latin typeface="Cambria Math" panose="02040503050406030204" pitchFamily="18" charset="0"/>
+                            </a:rPr>
                             <m:t>𝑟</m:t>
                           </m:r>
                         </m:e>
                       </m:d>
                       <m:r>
-                        <a:rPr lang="ru-RU" i="1"/>
+                        <a:rPr lang="ru-RU" i="1">
+                          <a:latin typeface="Cambria Math" panose="02040503050406030204" pitchFamily="18" charset="0"/>
+                        </a:rPr>
                         <m:t>≤</m:t>
                       </m:r>
                       <m:r>
-                        <a:rPr lang="ru-RU" i="1"/>
+                        <a:rPr lang="ru-RU" i="1">
+                          <a:latin typeface="Cambria Math" panose="02040503050406030204" pitchFamily="18" charset="0"/>
+                        </a:rPr>
                         <m:t>𝐿</m:t>
                       </m:r>
                       <m:d>
                         <m:dPr>
                           <m:ctrlPr>
-                            <a:rPr lang="ru-RU" i="1"/>
+                            <a:rPr lang="ru-RU" i="1">
+                              <a:latin typeface="Cambria Math" panose="02040503050406030204" pitchFamily="18" charset="0"/>
+                            </a:rPr>
                           </m:ctrlPr>
                         </m:dPr>
                         <m:e>
                           <m:r>
-                            <a:rPr lang="ru-RU" i="1"/>
+                            <a:rPr lang="ru-RU" i="1">
+                              <a:latin typeface="Cambria Math" panose="02040503050406030204" pitchFamily="18" charset="0"/>
+                            </a:rPr>
                             <m:t>𝑅</m:t>
                           </m:r>
                         </m:e>
                       </m:d>
                       <m:r>
-                        <a:rPr lang="ru-RU" i="1"/>
+                        <a:rPr lang="ru-RU" i="1">
+                          <a:latin typeface="Cambria Math" panose="02040503050406030204" pitchFamily="18" charset="0"/>
+                        </a:rPr>
                         <m:t>+</m:t>
                       </m:r>
                       <m:r>
-                        <a:rPr lang="ru-RU" i="1"/>
+                        <a:rPr lang="ru-RU" i="1">
+                          <a:latin typeface="Cambria Math" panose="02040503050406030204" pitchFamily="18" charset="0"/>
+                        </a:rPr>
                         <m:t>𝐸</m:t>
                       </m:r>
                       <m:r>
@@ -4146,7 +4239,9 @@
                 <a14:m>
                   <m:oMath xmlns:m="http://schemas.openxmlformats.org/officeDocument/2006/math">
                     <m:r>
-                      <a:rPr lang="ru-RU" i="1"/>
+                      <a:rPr lang="ru-RU" i="1">
+                        <a:latin typeface="Cambria Math" panose="02040503050406030204" pitchFamily="18" charset="0"/>
+                      </a:rPr>
                       <m:t>𝑡</m:t>
                     </m:r>
                   </m:oMath>
@@ -4164,7 +4259,7 @@
             </p:txBody>
           </p:sp>
         </mc:Choice>
-        <mc:Fallback>
+        <mc:Fallback xmlns="">
           <p:sp>
             <p:nvSpPr>
               <p:cNvPr id="5" name="Объект 2"/>
@@ -4816,8 +4911,8 @@
           </p:sp>
         </mc:Fallback>
       </mc:AlternateContent>
-      <mc:AlternateContent xmlns:mc="http://schemas.openxmlformats.org/markup-compatibility/2006" xmlns:a14="http://schemas.microsoft.com/office/drawing/2010/main">
-        <mc:Choice Requires="a14">
+      <mc:AlternateContent xmlns:mc="http://schemas.openxmlformats.org/markup-compatibility/2006">
+        <mc:Choice xmlns:a14="http://schemas.microsoft.com/office/drawing/2010/main" Requires="a14">
           <p:sp>
             <p:nvSpPr>
               <p:cNvPr id="7" name="Прямоугольник 6"/>
@@ -4827,7 +4922,7 @@
             <p:spPr>
               <a:xfrm>
                 <a:off x="3573867" y="4431078"/>
-                <a:ext cx="5137176" cy="575286"/>
+                <a:ext cx="5134739" cy="575542"/>
               </a:xfrm>
               <a:prstGeom prst="rect">
                 <a:avLst/>
@@ -4849,7 +4944,7 @@
                       <m:sSub>
                         <m:sSubPr>
                           <m:ctrlPr>
-                            <a:rPr lang="ru-RU" sz="2400" i="1">
+                            <a:rPr lang="ru-RU" sz="2400" i="1" smtClean="0">
                               <a:latin typeface="Cambria Math" panose="02040503050406030204" pitchFamily="18" charset="0"/>
                             </a:rPr>
                           </m:ctrlPr>
@@ -4896,7 +4991,221 @@
                             </m:limLowPr>
                             <m:e>
                               <m:r>
+                                <a:rPr lang="en-US" sz="2400" b="0" i="1" smtClean="0">
+                                  <a:latin typeface="Cambria Math" panose="02040503050406030204" pitchFamily="18" charset="0"/>
+                                </a:rPr>
+                                <m:t>𝑚𝑎𝑥</m:t>
+                              </m:r>
+                            </m:e>
+                            <m:lim>
+                              <m:r>
                                 <a:rPr lang="ru-RU" sz="2400" i="1">
+                                  <a:latin typeface="Cambria Math" panose="02040503050406030204" pitchFamily="18" charset="0"/>
+                                </a:rPr>
+                                <m:t>𝑘</m:t>
+                              </m:r>
+                            </m:lim>
+                          </m:limLow>
+                        </m:fName>
+                        <m:e>
+                          <m:r>
+                            <a:rPr lang="ru-RU" sz="2400" i="1">
+                              <a:latin typeface="Cambria Math" panose="02040503050406030204" pitchFamily="18" charset="0"/>
+                            </a:rPr>
+                            <m:t>(</m:t>
+                          </m:r>
+                          <m:sSub>
+                            <m:sSubPr>
+                              <m:ctrlPr>
+                                <a:rPr lang="ru-RU" sz="2400" i="1">
+                                  <a:latin typeface="Cambria Math" panose="02040503050406030204" pitchFamily="18" charset="0"/>
+                                </a:rPr>
+                              </m:ctrlPr>
+                            </m:sSubPr>
+                            <m:e>
+                              <m:r>
+                                <a:rPr lang="en-US" sz="2400" i="1">
+                                  <a:latin typeface="Cambria Math" panose="02040503050406030204" pitchFamily="18" charset="0"/>
+                                </a:rPr>
+                                <m:t>𝑓𝑎𝑐𝑡𝑜𝑟</m:t>
+                              </m:r>
+                            </m:e>
+                            <m:sub>
+                              <m:r>
+                                <a:rPr lang="ru-RU" sz="2400" i="1">
+                                  <a:latin typeface="Cambria Math" panose="02040503050406030204" pitchFamily="18" charset="0"/>
+                                </a:rPr>
+                                <m:t>1</m:t>
+                              </m:r>
+                            </m:sub>
+                          </m:sSub>
+                          <m:r>
+                            <a:rPr lang="ru-RU" sz="2400" i="1">
+                              <a:latin typeface="Cambria Math" panose="02040503050406030204" pitchFamily="18" charset="0"/>
+                            </a:rPr>
+                            <m:t>, …, </m:t>
+                          </m:r>
+                          <m:sSub>
+                            <m:sSubPr>
+                              <m:ctrlPr>
+                                <a:rPr lang="ru-RU" sz="2400" i="1">
+                                  <a:latin typeface="Cambria Math" panose="02040503050406030204" pitchFamily="18" charset="0"/>
+                                </a:rPr>
+                              </m:ctrlPr>
+                            </m:sSubPr>
+                            <m:e>
+                              <m:r>
+                                <a:rPr lang="ru-RU" sz="2400" i="1">
+                                  <a:latin typeface="Cambria Math" panose="02040503050406030204" pitchFamily="18" charset="0"/>
+                                </a:rPr>
+                                <m:t>𝑓𝑎𝑐𝑡𝑜𝑟</m:t>
+                              </m:r>
+                            </m:e>
+                            <m:sub>
+                              <m:r>
+                                <a:rPr lang="ru-RU" sz="2400" i="1">
+                                  <a:latin typeface="Cambria Math" panose="02040503050406030204" pitchFamily="18" charset="0"/>
+                                </a:rPr>
+                                <m:t>𝐾</m:t>
+                              </m:r>
+                            </m:sub>
+                          </m:sSub>
+                          <m:r>
+                            <a:rPr lang="ru-RU" sz="2400" i="1">
+                              <a:latin typeface="Cambria Math" panose="02040503050406030204" pitchFamily="18" charset="0"/>
+                            </a:rPr>
+                            <m:t>)</m:t>
+                          </m:r>
+                        </m:e>
+                      </m:func>
+                    </m:oMath>
+                  </m:oMathPara>
+                </a14:m>
+                <a:endParaRPr lang="ru-RU" sz="2400" dirty="0"/>
+              </a:p>
+            </p:txBody>
+          </p:sp>
+        </mc:Choice>
+        <mc:Fallback>
+          <p:sp>
+            <p:nvSpPr>
+              <p:cNvPr id="7" name="Прямоугольник 6"/>
+              <p:cNvSpPr>
+                <a:spLocks noRot="1" noChangeAspect="1" noMove="1" noResize="1" noEditPoints="1" noAdjustHandles="1" noChangeArrowheads="1" noChangeShapeType="1" noTextEdit="1"/>
+              </p:cNvSpPr>
+              <p:nvPr/>
+            </p:nvSpPr>
+            <p:spPr>
+              <a:xfrm>
+                <a:off x="3573867" y="4431078"/>
+                <a:ext cx="5134739" cy="575542"/>
+              </a:xfrm>
+              <a:prstGeom prst="rect">
+                <a:avLst/>
+              </a:prstGeom>
+              <a:blipFill rotWithShape="0">
+                <a:blip r:embed="rId4"/>
+                <a:stretch>
+                  <a:fillRect b="-4255"/>
+                </a:stretch>
+              </a:blipFill>
+            </p:spPr>
+            <p:txBody>
+              <a:bodyPr/>
+              <a:lstStyle/>
+              <a:p>
+                <a:r>
+                  <a:rPr lang="ru-RU">
+                    <a:noFill/>
+                  </a:rPr>
+                  <a:t> </a:t>
+                </a:r>
+              </a:p>
+            </p:txBody>
+          </p:sp>
+        </mc:Fallback>
+      </mc:AlternateContent>
+      <mc:AlternateContent xmlns:mc="http://schemas.openxmlformats.org/markup-compatibility/2006">
+        <mc:Choice xmlns:a14="http://schemas.microsoft.com/office/drawing/2010/main" Requires="a14">
+          <p:sp>
+            <p:nvSpPr>
+              <p:cNvPr id="8" name="Прямоугольник 7"/>
+              <p:cNvSpPr/>
+              <p:nvPr/>
+            </p:nvSpPr>
+            <p:spPr>
+              <a:xfrm>
+                <a:off x="3543410" y="5700922"/>
+                <a:ext cx="5069786" cy="575542"/>
+              </a:xfrm>
+              <a:prstGeom prst="rect">
+                <a:avLst/>
+              </a:prstGeom>
+            </p:spPr>
+            <p:txBody>
+              <a:bodyPr wrap="none">
+                <a:spAutoFit/>
+              </a:bodyPr>
+              <a:lstStyle/>
+              <a:p>
+                <a:pPr/>
+                <a14:m>
+                  <m:oMathPara xmlns:m="http://schemas.openxmlformats.org/officeDocument/2006/math">
+                    <m:oMathParaPr>
+                      <m:jc m:val="centerGroup"/>
+                    </m:oMathParaPr>
+                    <m:oMath xmlns:m="http://schemas.openxmlformats.org/officeDocument/2006/math">
+                      <m:sSub>
+                        <m:sSubPr>
+                          <m:ctrlPr>
+                            <a:rPr lang="ru-RU" sz="2400" i="1" smtClean="0">
+                              <a:latin typeface="Cambria Math" panose="02040503050406030204" pitchFamily="18" charset="0"/>
+                            </a:rPr>
+                          </m:ctrlPr>
+                        </m:sSubPr>
+                        <m:e>
+                          <m:r>
+                            <a:rPr lang="ru-RU" sz="2400" i="1">
+                              <a:latin typeface="Cambria Math" panose="02040503050406030204" pitchFamily="18" charset="0"/>
+                            </a:rPr>
+                            <m:t>𝑓𝑎𝑐𝑡𝑜𝑟</m:t>
+                          </m:r>
+                        </m:e>
+                        <m:sub>
+                          <m:r>
+                            <a:rPr lang="ru-RU" sz="2400" i="1">
+                              <a:latin typeface="Cambria Math" panose="02040503050406030204" pitchFamily="18" charset="0"/>
+                            </a:rPr>
+                            <m:t>𝑘</m:t>
+                          </m:r>
+                        </m:sub>
+                      </m:sSub>
+                      <m:r>
+                        <a:rPr lang="ru-RU" sz="2400" i="1">
+                          <a:latin typeface="Cambria Math" panose="02040503050406030204" pitchFamily="18" charset="0"/>
+                        </a:rPr>
+                        <m:t>=</m:t>
+                      </m:r>
+                      <m:func>
+                        <m:funcPr>
+                          <m:ctrlPr>
+                            <a:rPr lang="ru-RU" sz="2400" i="1">
+                              <a:latin typeface="Cambria Math" panose="02040503050406030204" pitchFamily="18" charset="0"/>
+                            </a:rPr>
+                          </m:ctrlPr>
+                        </m:funcPr>
+                        <m:fName>
+                          <m:limLow>
+                            <m:limLowPr>
+                              <m:ctrlPr>
+                                <a:rPr lang="ru-RU" sz="2400" i="1">
+                                  <a:latin typeface="Cambria Math" panose="02040503050406030204" pitchFamily="18" charset="0"/>
+                                </a:rPr>
+                              </m:ctrlPr>
+                            </m:limLowPr>
+                            <m:e>
+                              <m:r>
+                                <a:rPr lang="en-US" sz="2400" b="0" i="1" smtClean="0">
                                   <a:latin typeface="Cambria Math" panose="02040503050406030204" pitchFamily="18" charset="0"/>
                                 </a:rPr>
                                 <m:t>𝑚𝑖𝑛</m:t>
@@ -4991,221 +5300,7 @@
             </p:txBody>
           </p:sp>
         </mc:Choice>
-        <mc:Fallback xmlns="">
-          <p:sp>
-            <p:nvSpPr>
-              <p:cNvPr id="7" name="Прямоугольник 6"/>
-              <p:cNvSpPr>
-                <a:spLocks noRot="1" noChangeAspect="1" noMove="1" noResize="1" noEditPoints="1" noAdjustHandles="1" noChangeArrowheads="1" noChangeShapeType="1" noTextEdit="1"/>
-              </p:cNvSpPr>
-              <p:nvPr/>
-            </p:nvSpPr>
-            <p:spPr>
-              <a:xfrm>
-                <a:off x="3573867" y="4431078"/>
-                <a:ext cx="5137176" cy="575286"/>
-              </a:xfrm>
-              <a:prstGeom prst="rect">
-                <a:avLst/>
-              </a:prstGeom>
-              <a:blipFill rotWithShape="0">
-                <a:blip r:embed="rId4"/>
-                <a:stretch>
-                  <a:fillRect b="-4255"/>
-                </a:stretch>
-              </a:blipFill>
-            </p:spPr>
-            <p:txBody>
-              <a:bodyPr/>
-              <a:lstStyle/>
-              <a:p>
-                <a:r>
-                  <a:rPr lang="ru-RU">
-                    <a:noFill/>
-                  </a:rPr>
-                  <a:t> </a:t>
-                </a:r>
-              </a:p>
-            </p:txBody>
-          </p:sp>
-        </mc:Fallback>
-      </mc:AlternateContent>
-      <mc:AlternateContent xmlns:mc="http://schemas.openxmlformats.org/markup-compatibility/2006" xmlns:a14="http://schemas.microsoft.com/office/drawing/2010/main">
-        <mc:Choice Requires="a14">
-          <p:sp>
-            <p:nvSpPr>
-              <p:cNvPr id="8" name="Прямоугольник 7"/>
-              <p:cNvSpPr/>
-              <p:nvPr/>
-            </p:nvSpPr>
-            <p:spPr>
-              <a:xfrm>
-                <a:off x="3543410" y="5700922"/>
-                <a:ext cx="5198090" cy="575286"/>
-              </a:xfrm>
-              <a:prstGeom prst="rect">
-                <a:avLst/>
-              </a:prstGeom>
-            </p:spPr>
-            <p:txBody>
-              <a:bodyPr wrap="none">
-                <a:spAutoFit/>
-              </a:bodyPr>
-              <a:lstStyle/>
-              <a:p>
-                <a:pPr/>
-                <a14:m>
-                  <m:oMathPara xmlns:m="http://schemas.openxmlformats.org/officeDocument/2006/math">
-                    <m:oMathParaPr>
-                      <m:jc m:val="centerGroup"/>
-                    </m:oMathParaPr>
-                    <m:oMath xmlns:m="http://schemas.openxmlformats.org/officeDocument/2006/math">
-                      <m:sSub>
-                        <m:sSubPr>
-                          <m:ctrlPr>
-                            <a:rPr lang="ru-RU" sz="2400" i="1">
-                              <a:latin typeface="Cambria Math" panose="02040503050406030204" pitchFamily="18" charset="0"/>
-                            </a:rPr>
-                          </m:ctrlPr>
-                        </m:sSubPr>
-                        <m:e>
-                          <m:r>
-                            <a:rPr lang="ru-RU" sz="2400" i="1">
-                              <a:latin typeface="Cambria Math" panose="02040503050406030204" pitchFamily="18" charset="0"/>
-                            </a:rPr>
-                            <m:t>𝑓𝑎𝑐𝑡𝑜𝑟</m:t>
-                          </m:r>
-                        </m:e>
-                        <m:sub>
-                          <m:r>
-                            <a:rPr lang="ru-RU" sz="2400" i="1">
-                              <a:latin typeface="Cambria Math" panose="02040503050406030204" pitchFamily="18" charset="0"/>
-                            </a:rPr>
-                            <m:t>𝑘</m:t>
-                          </m:r>
-                        </m:sub>
-                      </m:sSub>
-                      <m:r>
-                        <a:rPr lang="ru-RU" sz="2400" i="1">
-                          <a:latin typeface="Cambria Math" panose="02040503050406030204" pitchFamily="18" charset="0"/>
-                        </a:rPr>
-                        <m:t>=</m:t>
-                      </m:r>
-                      <m:func>
-                        <m:funcPr>
-                          <m:ctrlPr>
-                            <a:rPr lang="ru-RU" sz="2400" i="1">
-                              <a:latin typeface="Cambria Math" panose="02040503050406030204" pitchFamily="18" charset="0"/>
-                            </a:rPr>
-                          </m:ctrlPr>
-                        </m:funcPr>
-                        <m:fName>
-                          <m:limLow>
-                            <m:limLowPr>
-                              <m:ctrlPr>
-                                <a:rPr lang="ru-RU" sz="2400" i="1">
-                                  <a:latin typeface="Cambria Math" panose="02040503050406030204" pitchFamily="18" charset="0"/>
-                                </a:rPr>
-                              </m:ctrlPr>
-                            </m:limLowPr>
-                            <m:e>
-                              <m:r>
-                                <a:rPr lang="en-US" sz="2400" i="1">
-                                  <a:latin typeface="Cambria Math" panose="02040503050406030204" pitchFamily="18" charset="0"/>
-                                </a:rPr>
-                                <m:t>𝑚𝑎𝑥</m:t>
-                              </m:r>
-                            </m:e>
-                            <m:lim>
-                              <m:r>
-                                <a:rPr lang="ru-RU" sz="2400" i="1">
-                                  <a:latin typeface="Cambria Math" panose="02040503050406030204" pitchFamily="18" charset="0"/>
-                                </a:rPr>
-                                <m:t>𝑘</m:t>
-                              </m:r>
-                            </m:lim>
-                          </m:limLow>
-                        </m:fName>
-                        <m:e>
-                          <m:r>
-                            <a:rPr lang="ru-RU" sz="2400" i="1">
-                              <a:latin typeface="Cambria Math" panose="02040503050406030204" pitchFamily="18" charset="0"/>
-                            </a:rPr>
-                            <m:t>(</m:t>
-                          </m:r>
-                          <m:sSub>
-                            <m:sSubPr>
-                              <m:ctrlPr>
-                                <a:rPr lang="ru-RU" sz="2400" i="1">
-                                  <a:latin typeface="Cambria Math" panose="02040503050406030204" pitchFamily="18" charset="0"/>
-                                </a:rPr>
-                              </m:ctrlPr>
-                            </m:sSubPr>
-                            <m:e>
-                              <m:r>
-                                <a:rPr lang="en-US" sz="2400" i="1">
-                                  <a:latin typeface="Cambria Math" panose="02040503050406030204" pitchFamily="18" charset="0"/>
-                                </a:rPr>
-                                <m:t>𝑓𝑎𝑐𝑡𝑜𝑟</m:t>
-                              </m:r>
-                            </m:e>
-                            <m:sub>
-                              <m:r>
-                                <a:rPr lang="ru-RU" sz="2400" i="1">
-                                  <a:latin typeface="Cambria Math" panose="02040503050406030204" pitchFamily="18" charset="0"/>
-                                </a:rPr>
-                                <m:t>1</m:t>
-                              </m:r>
-                            </m:sub>
-                          </m:sSub>
-                          <m:r>
-                            <a:rPr lang="ru-RU" sz="2400" i="1">
-                              <a:latin typeface="Cambria Math" panose="02040503050406030204" pitchFamily="18" charset="0"/>
-                            </a:rPr>
-                            <m:t>, …, </m:t>
-                          </m:r>
-                          <m:sSub>
-                            <m:sSubPr>
-                              <m:ctrlPr>
-                                <a:rPr lang="ru-RU" sz="2400" i="1">
-                                  <a:latin typeface="Cambria Math" panose="02040503050406030204" pitchFamily="18" charset="0"/>
-                                </a:rPr>
-                              </m:ctrlPr>
-                            </m:sSubPr>
-                            <m:e>
-                              <m:r>
-                                <a:rPr lang="ru-RU" sz="2400" i="1">
-                                  <a:latin typeface="Cambria Math" panose="02040503050406030204" pitchFamily="18" charset="0"/>
-                                </a:rPr>
-                                <m:t>𝑓𝑎𝑐𝑡𝑜𝑟</m:t>
-                              </m:r>
-                            </m:e>
-                            <m:sub>
-                              <m:r>
-                                <a:rPr lang="ru-RU" sz="2400" i="1">
-                                  <a:latin typeface="Cambria Math" panose="02040503050406030204" pitchFamily="18" charset="0"/>
-                                </a:rPr>
-                                <m:t>𝐾</m:t>
-                              </m:r>
-                            </m:sub>
-                          </m:sSub>
-                          <m:r>
-                            <a:rPr lang="ru-RU" sz="2400" i="1">
-                              <a:latin typeface="Cambria Math" panose="02040503050406030204" pitchFamily="18" charset="0"/>
-                            </a:rPr>
-                            <m:t>)</m:t>
-                          </m:r>
-                        </m:e>
-                      </m:func>
-                    </m:oMath>
-                  </m:oMathPara>
-                </a14:m>
-                <a:endParaRPr lang="ru-RU" sz="2400" dirty="0"/>
-              </a:p>
-            </p:txBody>
-          </p:sp>
-        </mc:Choice>
-        <mc:Fallback xmlns="">
+        <mc:Fallback>
           <p:sp>
             <p:nvSpPr>
               <p:cNvPr id="8" name="Прямоугольник 7"/>
@@ -5217,7 +5312,7 @@
             <p:spPr>
               <a:xfrm>
                 <a:off x="3543410" y="5700922"/>
-                <a:ext cx="5198090" cy="575286"/>
+                <a:ext cx="5069786" cy="575542"/>
               </a:xfrm>
               <a:prstGeom prst="rect">
                 <a:avLst/>
@@ -5289,6 +5384,143 @@
 </file>
 
 <file path=ppt/slides/slide12.xml><?xml version="1.0" encoding="utf-8"?>
+<p:sld xmlns:a="http://schemas.openxmlformats.org/drawingml/2006/main" xmlns:r="http://schemas.openxmlformats.org/officeDocument/2006/relationships" xmlns:p="http://schemas.openxmlformats.org/presentationml/2006/main">
+  <p:cSld>
+    <p:spTree>
+      <p:nvGrpSpPr>
+        <p:cNvPr id="1" name=""/>
+        <p:cNvGrpSpPr/>
+        <p:nvPr/>
+      </p:nvGrpSpPr>
+      <p:grpSpPr>
+        <a:xfrm>
+          <a:off x="0" y="0"/>
+          <a:ext cx="0" cy="0"/>
+          <a:chOff x="0" y="0"/>
+          <a:chExt cx="0" cy="0"/>
+        </a:xfrm>
+      </p:grpSpPr>
+      <p:sp>
+        <p:nvSpPr>
+          <p:cNvPr id="4" name="Номер слайда 3"/>
+          <p:cNvSpPr>
+            <a:spLocks noGrp="1"/>
+          </p:cNvSpPr>
+          <p:nvPr>
+            <p:ph type="sldNum" sz="quarter" idx="12"/>
+          </p:nvPr>
+        </p:nvSpPr>
+        <p:spPr/>
+        <p:txBody>
+          <a:bodyPr/>
+          <a:lstStyle/>
+          <a:p>
+            <a:fld id="{12A5530A-C36B-4239-A90C-AB8088D06C08}" type="slidenum">
+              <a:rPr lang="ru-RU" smtClean="0"/>
+              <a:pPr/>
+              <a:t>12</a:t>
+            </a:fld>
+            <a:endParaRPr lang="ru-RU"/>
+          </a:p>
+        </p:txBody>
+      </p:sp>
+      <p:pic>
+        <p:nvPicPr>
+          <p:cNvPr id="5" name="Рисунок 4" descr="D:\Diploma\Diploma\Documentation\images\Схемы\Диаграмма компонентов.png"/>
+          <p:cNvPicPr/>
+          <p:nvPr/>
+        </p:nvPicPr>
+        <p:blipFill>
+          <a:blip r:embed="rId2">
+            <a:extLst>
+              <a:ext uri="{28A0092B-C50C-407E-A947-70E740481C1C}">
+                <a14:useLocalDpi xmlns:a14="http://schemas.microsoft.com/office/drawing/2010/main" val="0"/>
+              </a:ext>
+            </a:extLst>
+          </a:blip>
+          <a:srcRect/>
+          <a:stretch>
+            <a:fillRect/>
+          </a:stretch>
+        </p:blipFill>
+        <p:spPr bwMode="auto">
+          <a:xfrm>
+            <a:off x="3667125" y="956310"/>
+            <a:ext cx="4857750" cy="5901690"/>
+          </a:xfrm>
+          <a:prstGeom prst="rect">
+            <a:avLst/>
+          </a:prstGeom>
+          <a:noFill/>
+          <a:ln>
+            <a:noFill/>
+          </a:ln>
+        </p:spPr>
+      </p:pic>
+      <p:sp>
+        <p:nvSpPr>
+          <p:cNvPr id="7" name="Заголовок 1"/>
+          <p:cNvSpPr txBox="1">
+            <a:spLocks/>
+          </p:cNvSpPr>
+          <p:nvPr/>
+        </p:nvSpPr>
+        <p:spPr>
+          <a:xfrm>
+            <a:off x="838200" y="0"/>
+            <a:ext cx="10515600" cy="1325563"/>
+          </a:xfrm>
+          <a:prstGeom prst="rect">
+            <a:avLst/>
+          </a:prstGeom>
+        </p:spPr>
+        <p:txBody>
+          <a:bodyPr vert="horz" lIns="91440" tIns="45720" rIns="91440" bIns="45720" rtlCol="0" anchor="ctr">
+            <a:normAutofit/>
+          </a:bodyPr>
+          <a:lstStyle>
+            <a:lvl1pPr algn="l" defTabSz="914400" rtl="0" eaLnBrk="1" latinLnBrk="0" hangingPunct="1">
+              <a:lnSpc>
+                <a:spcPct val="90000"/>
+              </a:lnSpc>
+              <a:spcBef>
+                <a:spcPct val="0"/>
+              </a:spcBef>
+              <a:buNone/>
+              <a:defRPr sz="4400" kern="1200">
+                <a:solidFill>
+                  <a:schemeClr val="tx1"/>
+                </a:solidFill>
+                <a:latin typeface="+mj-lt"/>
+                <a:ea typeface="+mj-ea"/>
+                <a:cs typeface="+mj-cs"/>
+              </a:defRPr>
+            </a:lvl1pPr>
+          </a:lstStyle>
+          <a:p>
+            <a:pPr algn="ctr"/>
+            <a:r>
+              <a:rPr lang="ru-RU" dirty="0" smtClean="0"/>
+              <a:t>Структура ПО</a:t>
+            </a:r>
+            <a:endParaRPr lang="ru-RU" dirty="0"/>
+          </a:p>
+        </p:txBody>
+      </p:sp>
+    </p:spTree>
+    <p:extLst>
+      <p:ext uri="{BB962C8B-B14F-4D97-AF65-F5344CB8AC3E}">
+        <p14:creationId xmlns:p14="http://schemas.microsoft.com/office/powerpoint/2010/main" val="626282702"/>
+      </p:ext>
+    </p:extLst>
+  </p:cSld>
+  <p:clrMapOvr>
+    <a:masterClrMapping/>
+  </p:clrMapOvr>
+</p:sld>
+</file>
+
+<file path=ppt/slides/slide13.xml><?xml version="1.0" encoding="utf-8"?>
 <p:sld xmlns:a="http://schemas.openxmlformats.org/drawingml/2006/main" xmlns:r="http://schemas.openxmlformats.org/officeDocument/2006/relationships" xmlns:p="http://schemas.openxmlformats.org/presentationml/2006/main">
   <p:cSld>
     <p:spTree>
@@ -5546,7 +5778,7 @@
             <a:fld id="{12A5530A-C36B-4239-A90C-AB8088D06C08}" type="slidenum">
               <a:rPr lang="ru-RU" smtClean="0"/>
               <a:pPr/>
-              <a:t>12</a:t>
+              <a:t>13</a:t>
             </a:fld>
             <a:endParaRPr lang="ru-RU"/>
           </a:p>
@@ -5572,7 +5804,7 @@
 </p:sld>
 </file>
 
-<file path=ppt/slides/slide13.xml><?xml version="1.0" encoding="utf-8"?>
+<file path=ppt/slides/slide14.xml><?xml version="1.0" encoding="utf-8"?>
 <p:sld xmlns:a="http://schemas.openxmlformats.org/drawingml/2006/main" xmlns:r="http://schemas.openxmlformats.org/officeDocument/2006/relationships" xmlns:p="http://schemas.openxmlformats.org/presentationml/2006/main">
   <p:cSld>
     <p:spTree>
@@ -5939,7 +6171,7 @@
             <a:fld id="{12A5530A-C36B-4239-A90C-AB8088D06C08}" type="slidenum">
               <a:rPr lang="ru-RU" smtClean="0"/>
               <a:pPr/>
-              <a:t>13</a:t>
+              <a:t>14</a:t>
             </a:fld>
             <a:endParaRPr lang="ru-RU"/>
           </a:p>
@@ -6226,8 +6458,8 @@
           </a:p>
         </p:txBody>
       </p:sp>
-      <mc:AlternateContent xmlns:mc="http://schemas.openxmlformats.org/markup-compatibility/2006">
-        <mc:Choice xmlns:a14="http://schemas.microsoft.com/office/drawing/2010/main" Requires="a14">
+      <mc:AlternateContent xmlns:mc="http://schemas.openxmlformats.org/markup-compatibility/2006" xmlns:a14="http://schemas.microsoft.com/office/drawing/2010/main">
+        <mc:Choice Requires="a14">
           <p:graphicFrame>
             <p:nvGraphicFramePr>
               <p:cNvPr id="2" name="Объект 1"/>
@@ -7099,7 +7331,7 @@
             </a:graphic>
           </p:graphicFrame>
         </mc:Choice>
-        <mc:Fallback>
+        <mc:Fallback xmlns="">
           <p:graphicFrame>
             <p:nvGraphicFramePr>
               <p:cNvPr id="2" name="Объект 1"/>
@@ -7722,11 +7954,7 @@
             <a:pPr algn="ctr"/>
             <a:r>
               <a:rPr lang="ru-RU" dirty="0" smtClean="0"/>
-              <a:t>Классификация алгоритмов поиска </a:t>
-            </a:r>
-            <a:r>
-              <a:rPr lang="ru-RU" dirty="0" smtClean="0"/>
-              <a:t>кратчайших </a:t>
+              <a:t>Классификация алгоритмов поиска кратчайших </a:t>
             </a:r>
             <a:r>
               <a:rPr lang="ru-RU" smtClean="0"/>
@@ -7736,8 +7964,8 @@
           </a:p>
         </p:txBody>
       </p:sp>
-      <mc:AlternateContent xmlns:mc="http://schemas.openxmlformats.org/markup-compatibility/2006">
-        <mc:Choice xmlns:a14="http://schemas.microsoft.com/office/drawing/2010/main" Requires="a14">
+      <mc:AlternateContent xmlns:mc="http://schemas.openxmlformats.org/markup-compatibility/2006" xmlns:a14="http://schemas.microsoft.com/office/drawing/2010/main">
+        <mc:Choice Requires="a14">
           <p:graphicFrame>
             <p:nvGraphicFramePr>
               <p:cNvPr id="5" name="Таблица 4"/>
@@ -7754,7 +7982,7 @@
             </p:nvGraphicFramePr>
             <p:xfrm>
               <a:off x="2766939" y="5436944"/>
-              <a:ext cx="6829988" cy="1114680"/>
+              <a:ext cx="6829988" cy="1112520"/>
             </p:xfrm>
             <a:graphic>
               <a:graphicData uri="http://schemas.openxmlformats.org/drawingml/2006/table">
@@ -7832,7 +8060,7 @@
                                     <a:schemeClr val="dk1"/>
                                   </a:solidFill>
                                   <a:effectLst/>
-                                  <a:latin typeface="+mn-lt"/>
+                                  <a:latin typeface="Cambria Math" panose="02040503050406030204" pitchFamily="18" charset="0"/>
                                   <a:ea typeface="+mn-ea"/>
                                   <a:cs typeface="+mn-cs"/>
                                 </a:rPr>
@@ -7844,7 +8072,7 @@
                                     <a:schemeClr val="dk1"/>
                                   </a:solidFill>
                                   <a:effectLst/>
-                                  <a:latin typeface="+mn-lt"/>
+                                  <a:latin typeface="Cambria Math" panose="02040503050406030204" pitchFamily="18" charset="0"/>
                                   <a:ea typeface="+mn-ea"/>
                                   <a:cs typeface="+mn-cs"/>
                                 </a:rPr>
@@ -7856,7 +8084,7 @@
                                     <a:schemeClr val="dk1"/>
                                   </a:solidFill>
                                   <a:effectLst/>
-                                  <a:latin typeface="+mn-lt"/>
+                                  <a:latin typeface="Cambria Math" panose="02040503050406030204" pitchFamily="18" charset="0"/>
                                   <a:ea typeface="+mn-ea"/>
                                   <a:cs typeface="+mn-cs"/>
                                 </a:rPr>
@@ -7868,7 +8096,7 @@
                                     <a:schemeClr val="dk1"/>
                                   </a:solidFill>
                                   <a:effectLst/>
-                                  <a:latin typeface="+mn-lt"/>
+                                  <a:latin typeface="Cambria Math" panose="02040503050406030204" pitchFamily="18" charset="0"/>
                                   <a:ea typeface="+mn-ea"/>
                                   <a:cs typeface="+mn-cs"/>
                                 </a:rPr>
@@ -7882,7 +8110,7 @@
                                         <a:schemeClr val="dk1"/>
                                       </a:solidFill>
                                       <a:effectLst/>
-                                      <a:latin typeface="+mn-lt"/>
+                                      <a:latin typeface="Cambria Math" panose="02040503050406030204" pitchFamily="18" charset="0"/>
                                       <a:ea typeface="+mn-ea"/>
                                       <a:cs typeface="+mn-cs"/>
                                     </a:rPr>
@@ -7899,7 +8127,7 @@
                                             <a:schemeClr val="dk1"/>
                                           </a:solidFill>
                                           <a:effectLst/>
-                                          <a:latin typeface="+mn-lt"/>
+                                          <a:latin typeface="Cambria Math" panose="02040503050406030204" pitchFamily="18" charset="0"/>
                                           <a:ea typeface="+mn-ea"/>
                                           <a:cs typeface="+mn-cs"/>
                                         </a:rPr>
@@ -7912,7 +8140,7 @@
                                             <a:schemeClr val="dk1"/>
                                           </a:solidFill>
                                           <a:effectLst/>
-                                          <a:latin typeface="+mn-lt"/>
+                                          <a:latin typeface="Cambria Math" panose="02040503050406030204" pitchFamily="18" charset="0"/>
                                           <a:ea typeface="+mn-ea"/>
                                           <a:cs typeface="+mn-cs"/>
                                         </a:rPr>
@@ -7928,7 +8156,7 @@
                                         <a:schemeClr val="dk1"/>
                                       </a:solidFill>
                                       <a:effectLst/>
-                                      <a:latin typeface="+mn-lt"/>
+                                      <a:latin typeface="Cambria Math" panose="02040503050406030204" pitchFamily="18" charset="0"/>
                                       <a:ea typeface="+mn-ea"/>
                                       <a:cs typeface="+mn-cs"/>
                                     </a:rPr>
@@ -7942,7 +8170,7 @@
                                     <a:schemeClr val="dk1"/>
                                   </a:solidFill>
                                   <a:effectLst/>
-                                  <a:latin typeface="+mn-lt"/>
+                                  <a:latin typeface="Cambria Math" panose="02040503050406030204" pitchFamily="18" charset="0"/>
                                   <a:ea typeface="+mn-ea"/>
                                   <a:cs typeface="+mn-cs"/>
                                 </a:rPr>
@@ -8010,7 +8238,7 @@
                                     <a:schemeClr val="dk1"/>
                                   </a:solidFill>
                                   <a:effectLst/>
-                                  <a:latin typeface="+mn-lt"/>
+                                  <a:latin typeface="Cambria Math" panose="02040503050406030204" pitchFamily="18" charset="0"/>
                                   <a:ea typeface="+mn-ea"/>
                                   <a:cs typeface="+mn-cs"/>
                                 </a:rPr>
@@ -8022,7 +8250,7 @@
                                     <a:schemeClr val="dk1"/>
                                   </a:solidFill>
                                   <a:effectLst/>
-                                  <a:latin typeface="+mn-lt"/>
+                                  <a:latin typeface="Cambria Math" panose="02040503050406030204" pitchFamily="18" charset="0"/>
                                   <a:ea typeface="+mn-ea"/>
                                   <a:cs typeface="+mn-cs"/>
                                 </a:rPr>
@@ -8036,7 +8264,7 @@
                                         <a:schemeClr val="dk1"/>
                                       </a:solidFill>
                                       <a:effectLst/>
-                                      <a:latin typeface="+mn-lt"/>
+                                      <a:latin typeface="Cambria Math" panose="02040503050406030204" pitchFamily="18" charset="0"/>
                                       <a:ea typeface="+mn-ea"/>
                                       <a:cs typeface="+mn-cs"/>
                                     </a:rPr>
@@ -8053,7 +8281,7 @@
                                             <a:schemeClr val="dk1"/>
                                           </a:solidFill>
                                           <a:effectLst/>
-                                          <a:latin typeface="+mn-lt"/>
+                                          <a:latin typeface="Cambria Math" panose="02040503050406030204" pitchFamily="18" charset="0"/>
                                           <a:ea typeface="+mn-ea"/>
                                           <a:cs typeface="+mn-cs"/>
                                         </a:rPr>
@@ -8066,7 +8294,7 @@
                                             <a:schemeClr val="dk1"/>
                                           </a:solidFill>
                                           <a:effectLst/>
-                                          <a:latin typeface="+mn-lt"/>
+                                          <a:latin typeface="Cambria Math" panose="02040503050406030204" pitchFamily="18" charset="0"/>
                                           <a:ea typeface="+mn-ea"/>
                                           <a:cs typeface="+mn-cs"/>
                                         </a:rPr>
@@ -8082,7 +8310,7 @@
                                         <a:schemeClr val="dk1"/>
                                       </a:solidFill>
                                       <a:effectLst/>
-                                      <a:latin typeface="+mn-lt"/>
+                                      <a:latin typeface="Cambria Math" panose="02040503050406030204" pitchFamily="18" charset="0"/>
                                       <a:ea typeface="+mn-ea"/>
                                       <a:cs typeface="+mn-cs"/>
                                     </a:rPr>
@@ -8096,7 +8324,7 @@
                                     <a:schemeClr val="dk1"/>
                                   </a:solidFill>
                                   <a:effectLst/>
-                                  <a:latin typeface="+mn-lt"/>
+                                  <a:latin typeface="Cambria Math" panose="02040503050406030204" pitchFamily="18" charset="0"/>
                                   <a:ea typeface="+mn-ea"/>
                                   <a:cs typeface="+mn-cs"/>
                                 </a:rPr>
@@ -8112,7 +8340,7 @@
                                         <a:schemeClr val="dk1"/>
                                       </a:solidFill>
                                       <a:effectLst/>
-                                      <a:latin typeface="+mn-lt"/>
+                                      <a:latin typeface="Cambria Math" panose="02040503050406030204" pitchFamily="18" charset="0"/>
                                       <a:ea typeface="+mn-ea"/>
                                       <a:cs typeface="+mn-cs"/>
                                     </a:rPr>
@@ -8125,7 +8353,7 @@
                                         <a:schemeClr val="dk1"/>
                                       </a:solidFill>
                                       <a:effectLst/>
-                                      <a:latin typeface="+mn-lt"/>
+                                      <a:latin typeface="Cambria Math" panose="02040503050406030204" pitchFamily="18" charset="0"/>
                                       <a:ea typeface="+mn-ea"/>
                                       <a:cs typeface="+mn-cs"/>
                                     </a:rPr>
@@ -8139,7 +8367,7 @@
                                     <a:schemeClr val="dk1"/>
                                   </a:solidFill>
                                   <a:effectLst/>
-                                  <a:latin typeface="+mn-lt"/>
+                                  <a:latin typeface="Cambria Math" panose="02040503050406030204" pitchFamily="18" charset="0"/>
                                   <a:ea typeface="+mn-ea"/>
                                   <a:cs typeface="+mn-cs"/>
                                 </a:rPr>
@@ -8170,7 +8398,7 @@
             </a:graphic>
           </p:graphicFrame>
         </mc:Choice>
-        <mc:Fallback>
+        <mc:Fallback xmlns="">
           <p:graphicFrame>
             <p:nvGraphicFramePr>
               <p:cNvPr id="5" name="Таблица 4"/>

--- a/Documentation/Метод построения велосипедных маршрутов.pptx
+++ b/Documentation/Метод построения велосипедных маршрутов.pptx
@@ -5,7 +5,7 @@
     <p:sldMasterId id="2147483648" r:id="rId1"/>
   </p:sldMasterIdLst>
   <p:notesMasterIdLst>
-    <p:notesMasterId r:id="rId16"/>
+    <p:notesMasterId r:id="rId19"/>
   </p:notesMasterIdLst>
   <p:sldIdLst>
     <p:sldId id="256" r:id="rId2"/>
@@ -20,8 +20,11 @@
     <p:sldId id="274" r:id="rId11"/>
     <p:sldId id="269" r:id="rId12"/>
     <p:sldId id="275" r:id="rId13"/>
-    <p:sldId id="266" r:id="rId14"/>
-    <p:sldId id="267" r:id="rId15"/>
+    <p:sldId id="267" r:id="rId14"/>
+    <p:sldId id="276" r:id="rId15"/>
+    <p:sldId id="277" r:id="rId16"/>
+    <p:sldId id="266" r:id="rId17"/>
+    <p:sldId id="278" r:id="rId18"/>
   </p:sldIdLst>
   <p:sldSz cx="12192000" cy="6858000"/>
   <p:notesSz cx="6858000" cy="9144000"/>
@@ -139,6 +142,4265 @@
 </p:presentation>
 </file>
 
+<file path=ppt/charts/chart1.xml><?xml version="1.0" encoding="utf-8"?>
+<c:chartSpace xmlns:c="http://schemas.openxmlformats.org/drawingml/2006/chart" xmlns:a="http://schemas.openxmlformats.org/drawingml/2006/main" xmlns:r="http://schemas.openxmlformats.org/officeDocument/2006/relationships">
+  <c:date1904 val="0"/>
+  <c:lang val="ru-RU"/>
+  <c:roundedCorners val="0"/>
+  <mc:AlternateContent xmlns:mc="http://schemas.openxmlformats.org/markup-compatibility/2006">
+    <mc:Choice xmlns:c14="http://schemas.microsoft.com/office/drawing/2007/8/2/chart" Requires="c14">
+      <c14:style val="102"/>
+    </mc:Choice>
+    <mc:Fallback>
+      <c:style val="2"/>
+    </mc:Fallback>
+  </mc:AlternateContent>
+  <c:chart>
+    <c:autoTitleDeleted val="1"/>
+    <c:plotArea>
+      <c:layout/>
+      <c:scatterChart>
+        <c:scatterStyle val="lineMarker"/>
+        <c:varyColors val="0"/>
+        <c:ser>
+          <c:idx val="0"/>
+          <c:order val="0"/>
+          <c:tx>
+            <c:strRef>
+              <c:f>Лист1!$C$17</c:f>
+              <c:strCache>
+                <c:ptCount val="1"/>
+                <c:pt idx="0">
+                  <c:v>Дейкстра + Йен</c:v>
+                </c:pt>
+              </c:strCache>
+            </c:strRef>
+          </c:tx>
+          <c:spPr>
+            <a:ln w="19050" cap="rnd">
+              <a:solidFill>
+                <a:schemeClr val="accent1"/>
+              </a:solidFill>
+              <a:round/>
+            </a:ln>
+            <a:effectLst/>
+          </c:spPr>
+          <c:marker>
+            <c:symbol val="circle"/>
+            <c:size val="5"/>
+            <c:spPr>
+              <a:solidFill>
+                <a:schemeClr val="accent1"/>
+              </a:solidFill>
+              <a:ln w="9525">
+                <a:solidFill>
+                  <a:schemeClr val="accent1"/>
+                </a:solidFill>
+              </a:ln>
+              <a:effectLst/>
+            </c:spPr>
+          </c:marker>
+          <c:xVal>
+            <c:numRef>
+              <c:f>Лист1!$D$16:$F$16</c:f>
+              <c:numCache>
+                <c:formatCode>General</c:formatCode>
+                <c:ptCount val="3"/>
+                <c:pt idx="0">
+                  <c:v>2</c:v>
+                </c:pt>
+                <c:pt idx="1">
+                  <c:v>5</c:v>
+                </c:pt>
+                <c:pt idx="2">
+                  <c:v>15</c:v>
+                </c:pt>
+              </c:numCache>
+            </c:numRef>
+          </c:xVal>
+          <c:yVal>
+            <c:numRef>
+              <c:f>Лист1!$D$17:$F$17</c:f>
+              <c:numCache>
+                <c:formatCode>0</c:formatCode>
+                <c:ptCount val="3"/>
+                <c:pt idx="0">
+                  <c:v>64.402199999999993</c:v>
+                </c:pt>
+                <c:pt idx="1">
+                  <c:v>245.148</c:v>
+                </c:pt>
+                <c:pt idx="2">
+                  <c:v>940.88009999999997</c:v>
+                </c:pt>
+              </c:numCache>
+            </c:numRef>
+          </c:yVal>
+          <c:smooth val="0"/>
+        </c:ser>
+        <c:ser>
+          <c:idx val="1"/>
+          <c:order val="1"/>
+          <c:tx>
+            <c:strRef>
+              <c:f>Лист1!$C$18</c:f>
+              <c:strCache>
+                <c:ptCount val="1"/>
+                <c:pt idx="0">
+                  <c:v>А* + Йен</c:v>
+                </c:pt>
+              </c:strCache>
+            </c:strRef>
+          </c:tx>
+          <c:spPr>
+            <a:ln w="19050" cap="rnd">
+              <a:solidFill>
+                <a:schemeClr val="accent2"/>
+              </a:solidFill>
+              <a:round/>
+            </a:ln>
+            <a:effectLst/>
+          </c:spPr>
+          <c:marker>
+            <c:symbol val="circle"/>
+            <c:size val="5"/>
+            <c:spPr>
+              <a:solidFill>
+                <a:schemeClr val="accent2"/>
+              </a:solidFill>
+              <a:ln w="9525">
+                <a:solidFill>
+                  <a:schemeClr val="accent2"/>
+                </a:solidFill>
+              </a:ln>
+              <a:effectLst/>
+            </c:spPr>
+          </c:marker>
+          <c:xVal>
+            <c:numRef>
+              <c:f>Лист1!$D$16:$F$16</c:f>
+              <c:numCache>
+                <c:formatCode>General</c:formatCode>
+                <c:ptCount val="3"/>
+                <c:pt idx="0">
+                  <c:v>2</c:v>
+                </c:pt>
+                <c:pt idx="1">
+                  <c:v>5</c:v>
+                </c:pt>
+                <c:pt idx="2">
+                  <c:v>15</c:v>
+                </c:pt>
+              </c:numCache>
+            </c:numRef>
+          </c:xVal>
+          <c:yVal>
+            <c:numRef>
+              <c:f>Лист1!$D$18:$F$18</c:f>
+              <c:numCache>
+                <c:formatCode>0.00</c:formatCode>
+                <c:ptCount val="3"/>
+                <c:pt idx="0">
+                  <c:v>18.518000000000001</c:v>
+                </c:pt>
+                <c:pt idx="1">
+                  <c:v>66.793099999999995</c:v>
+                </c:pt>
+                <c:pt idx="2">
+                  <c:v>268.75940000000003</c:v>
+                </c:pt>
+              </c:numCache>
+            </c:numRef>
+          </c:yVal>
+          <c:smooth val="0"/>
+        </c:ser>
+        <c:dLbls>
+          <c:showLegendKey val="0"/>
+          <c:showVal val="0"/>
+          <c:showCatName val="0"/>
+          <c:showSerName val="0"/>
+          <c:showPercent val="0"/>
+          <c:showBubbleSize val="0"/>
+        </c:dLbls>
+        <c:axId val="220288896"/>
+        <c:axId val="220287776"/>
+      </c:scatterChart>
+      <c:valAx>
+        <c:axId val="220288896"/>
+        <c:scaling>
+          <c:orientation val="minMax"/>
+        </c:scaling>
+        <c:delete val="0"/>
+        <c:axPos val="b"/>
+        <c:majorGridlines>
+          <c:spPr>
+            <a:ln w="9525" cap="flat" cmpd="sng" algn="ctr">
+              <a:solidFill>
+                <a:schemeClr val="tx1">
+                  <a:lumMod val="15000"/>
+                  <a:lumOff val="85000"/>
+                </a:schemeClr>
+              </a:solidFill>
+              <a:round/>
+            </a:ln>
+            <a:effectLst/>
+          </c:spPr>
+        </c:majorGridlines>
+        <c:title>
+          <c:tx>
+            <c:rich>
+              <a:bodyPr rot="0" spcFirstLastPara="1" vertOverflow="ellipsis" vert="horz" wrap="square" anchor="ctr" anchorCtr="1"/>
+              <a:lstStyle/>
+              <a:p>
+                <a:pPr>
+                  <a:defRPr sz="1000" b="0" i="0" u="none" strike="noStrike" kern="1200" baseline="0">
+                    <a:solidFill>
+                      <a:schemeClr val="tx1">
+                        <a:lumMod val="65000"/>
+                        <a:lumOff val="35000"/>
+                      </a:schemeClr>
+                    </a:solidFill>
+                    <a:latin typeface="+mn-lt"/>
+                    <a:ea typeface="+mn-ea"/>
+                    <a:cs typeface="+mn-cs"/>
+                  </a:defRPr>
+                </a:pPr>
+                <a:r>
+                  <a:rPr lang="ru-RU"/>
+                  <a:t>Коэффициент К</a:t>
+                </a:r>
+              </a:p>
+            </c:rich>
+          </c:tx>
+          <c:layout/>
+          <c:overlay val="0"/>
+          <c:spPr>
+            <a:noFill/>
+            <a:ln>
+              <a:noFill/>
+            </a:ln>
+            <a:effectLst/>
+          </c:spPr>
+          <c:txPr>
+            <a:bodyPr rot="0" spcFirstLastPara="1" vertOverflow="ellipsis" vert="horz" wrap="square" anchor="ctr" anchorCtr="1"/>
+            <a:lstStyle/>
+            <a:p>
+              <a:pPr>
+                <a:defRPr sz="1000" b="0" i="0" u="none" strike="noStrike" kern="1200" baseline="0">
+                  <a:solidFill>
+                    <a:schemeClr val="tx1">
+                      <a:lumMod val="65000"/>
+                      <a:lumOff val="35000"/>
+                    </a:schemeClr>
+                  </a:solidFill>
+                  <a:latin typeface="+mn-lt"/>
+                  <a:ea typeface="+mn-ea"/>
+                  <a:cs typeface="+mn-cs"/>
+                </a:defRPr>
+              </a:pPr>
+              <a:endParaRPr lang="ru-RU"/>
+            </a:p>
+          </c:txPr>
+        </c:title>
+        <c:numFmt formatCode="General" sourceLinked="1"/>
+        <c:majorTickMark val="none"/>
+        <c:minorTickMark val="none"/>
+        <c:tickLblPos val="nextTo"/>
+        <c:spPr>
+          <a:noFill/>
+          <a:ln w="9525" cap="flat" cmpd="sng" algn="ctr">
+            <a:solidFill>
+              <a:schemeClr val="tx1">
+                <a:lumMod val="25000"/>
+                <a:lumOff val="75000"/>
+              </a:schemeClr>
+            </a:solidFill>
+            <a:round/>
+            <a:headEnd type="none"/>
+          </a:ln>
+          <a:effectLst/>
+        </c:spPr>
+        <c:txPr>
+          <a:bodyPr rot="-60000000" spcFirstLastPara="1" vertOverflow="ellipsis" vert="horz" wrap="square" anchor="ctr" anchorCtr="1"/>
+          <a:lstStyle/>
+          <a:p>
+            <a:pPr>
+              <a:defRPr sz="900" b="0" i="0" u="none" strike="noStrike" kern="1200" baseline="0">
+                <a:solidFill>
+                  <a:schemeClr val="tx1">
+                    <a:lumMod val="65000"/>
+                    <a:lumOff val="35000"/>
+                  </a:schemeClr>
+                </a:solidFill>
+                <a:latin typeface="+mn-lt"/>
+                <a:ea typeface="+mn-ea"/>
+                <a:cs typeface="+mn-cs"/>
+              </a:defRPr>
+            </a:pPr>
+            <a:endParaRPr lang="ru-RU"/>
+          </a:p>
+        </c:txPr>
+        <c:crossAx val="220287776"/>
+        <c:crosses val="autoZero"/>
+        <c:crossBetween val="midCat"/>
+      </c:valAx>
+      <c:valAx>
+        <c:axId val="220287776"/>
+        <c:scaling>
+          <c:orientation val="minMax"/>
+        </c:scaling>
+        <c:delete val="0"/>
+        <c:axPos val="l"/>
+        <c:majorGridlines>
+          <c:spPr>
+            <a:ln w="9525" cap="flat" cmpd="sng" algn="ctr">
+              <a:solidFill>
+                <a:schemeClr val="tx1">
+                  <a:lumMod val="15000"/>
+                  <a:lumOff val="85000"/>
+                </a:schemeClr>
+              </a:solidFill>
+              <a:round/>
+            </a:ln>
+            <a:effectLst/>
+          </c:spPr>
+        </c:majorGridlines>
+        <c:minorGridlines>
+          <c:spPr>
+            <a:ln w="9525" cap="flat" cmpd="sng" algn="ctr">
+              <a:noFill/>
+              <a:round/>
+            </a:ln>
+            <a:effectLst/>
+          </c:spPr>
+        </c:minorGridlines>
+        <c:title>
+          <c:tx>
+            <c:rich>
+              <a:bodyPr rot="-5400000" spcFirstLastPara="1" vertOverflow="ellipsis" vert="horz" wrap="square" anchor="ctr" anchorCtr="1"/>
+              <a:lstStyle/>
+              <a:p>
+                <a:pPr>
+                  <a:defRPr sz="1000" b="0" i="0" u="none" strike="noStrike" kern="1200" baseline="0">
+                    <a:solidFill>
+                      <a:schemeClr val="tx1">
+                        <a:lumMod val="65000"/>
+                        <a:lumOff val="35000"/>
+                      </a:schemeClr>
+                    </a:solidFill>
+                    <a:latin typeface="+mn-lt"/>
+                    <a:ea typeface="+mn-ea"/>
+                    <a:cs typeface="+mn-cs"/>
+                  </a:defRPr>
+                </a:pPr>
+                <a:r>
+                  <a:rPr lang="ru-RU" dirty="0"/>
+                  <a:t>Время работы, с</a:t>
+                </a:r>
+              </a:p>
+            </c:rich>
+          </c:tx>
+          <c:layout>
+            <c:manualLayout>
+              <c:xMode val="edge"/>
+              <c:yMode val="edge"/>
+              <c:x val="3.0555555555555555E-2"/>
+              <c:y val="3.8696671720594183E-2"/>
+            </c:manualLayout>
+          </c:layout>
+          <c:overlay val="0"/>
+          <c:spPr>
+            <a:noFill/>
+            <a:ln>
+              <a:noFill/>
+            </a:ln>
+            <a:effectLst/>
+          </c:spPr>
+          <c:txPr>
+            <a:bodyPr rot="-5400000" spcFirstLastPara="1" vertOverflow="ellipsis" vert="horz" wrap="square" anchor="ctr" anchorCtr="1"/>
+            <a:lstStyle/>
+            <a:p>
+              <a:pPr>
+                <a:defRPr sz="1000" b="0" i="0" u="none" strike="noStrike" kern="1200" baseline="0">
+                  <a:solidFill>
+                    <a:schemeClr val="tx1">
+                      <a:lumMod val="65000"/>
+                      <a:lumOff val="35000"/>
+                    </a:schemeClr>
+                  </a:solidFill>
+                  <a:latin typeface="+mn-lt"/>
+                  <a:ea typeface="+mn-ea"/>
+                  <a:cs typeface="+mn-cs"/>
+                </a:defRPr>
+              </a:pPr>
+              <a:endParaRPr lang="ru-RU"/>
+            </a:p>
+          </c:txPr>
+        </c:title>
+        <c:numFmt formatCode="0" sourceLinked="1"/>
+        <c:majorTickMark val="none"/>
+        <c:minorTickMark val="none"/>
+        <c:tickLblPos val="nextTo"/>
+        <c:spPr>
+          <a:noFill/>
+          <a:ln w="9525" cap="flat" cmpd="sng" algn="ctr">
+            <a:solidFill>
+              <a:schemeClr val="tx1">
+                <a:lumMod val="25000"/>
+                <a:lumOff val="75000"/>
+              </a:schemeClr>
+            </a:solidFill>
+            <a:round/>
+          </a:ln>
+          <a:effectLst/>
+        </c:spPr>
+        <c:txPr>
+          <a:bodyPr rot="-60000000" spcFirstLastPara="1" vertOverflow="ellipsis" vert="horz" wrap="square" anchor="ctr" anchorCtr="1"/>
+          <a:lstStyle/>
+          <a:p>
+            <a:pPr>
+              <a:defRPr sz="900" b="0" i="0" u="none" strike="noStrike" kern="1200" baseline="0">
+                <a:solidFill>
+                  <a:schemeClr val="tx1">
+                    <a:lumMod val="65000"/>
+                    <a:lumOff val="35000"/>
+                  </a:schemeClr>
+                </a:solidFill>
+                <a:latin typeface="+mn-lt"/>
+                <a:ea typeface="+mn-ea"/>
+                <a:cs typeface="+mn-cs"/>
+              </a:defRPr>
+            </a:pPr>
+            <a:endParaRPr lang="ru-RU"/>
+          </a:p>
+        </c:txPr>
+        <c:crossAx val="220288896"/>
+        <c:crosses val="autoZero"/>
+        <c:crossBetween val="midCat"/>
+      </c:valAx>
+      <c:spPr>
+        <a:noFill/>
+        <a:ln>
+          <a:noFill/>
+        </a:ln>
+        <a:effectLst/>
+      </c:spPr>
+    </c:plotArea>
+    <c:legend>
+      <c:legendPos val="b"/>
+      <c:layout>
+        <c:manualLayout>
+          <c:xMode val="edge"/>
+          <c:yMode val="edge"/>
+          <c:x val="0.26572484689413822"/>
+          <c:y val="0.80832711948983871"/>
+          <c:w val="0.46855008748906385"/>
+          <c:h val="0.12232101375407949"/>
+        </c:manualLayout>
+      </c:layout>
+      <c:overlay val="0"/>
+      <c:spPr>
+        <a:noFill/>
+        <a:ln>
+          <a:noFill/>
+        </a:ln>
+        <a:effectLst/>
+      </c:spPr>
+      <c:txPr>
+        <a:bodyPr rot="0" spcFirstLastPara="1" vertOverflow="ellipsis" vert="horz" wrap="square" anchor="ctr" anchorCtr="1"/>
+        <a:lstStyle/>
+        <a:p>
+          <a:pPr>
+            <a:defRPr sz="900" b="0" i="0" u="none" strike="noStrike" kern="1200" baseline="0">
+              <a:solidFill>
+                <a:schemeClr val="tx1">
+                  <a:lumMod val="65000"/>
+                  <a:lumOff val="35000"/>
+                </a:schemeClr>
+              </a:solidFill>
+              <a:latin typeface="+mn-lt"/>
+              <a:ea typeface="+mn-ea"/>
+              <a:cs typeface="+mn-cs"/>
+            </a:defRPr>
+          </a:pPr>
+          <a:endParaRPr lang="ru-RU"/>
+        </a:p>
+      </c:txPr>
+    </c:legend>
+    <c:plotVisOnly val="1"/>
+    <c:dispBlanksAs val="gap"/>
+    <c:showDLblsOverMax val="0"/>
+  </c:chart>
+  <c:spPr>
+    <a:noFill/>
+    <a:ln>
+      <a:noFill/>
+    </a:ln>
+    <a:effectLst/>
+  </c:spPr>
+  <c:txPr>
+    <a:bodyPr/>
+    <a:lstStyle/>
+    <a:p>
+      <a:pPr>
+        <a:defRPr/>
+      </a:pPr>
+      <a:endParaRPr lang="ru-RU"/>
+    </a:p>
+  </c:txPr>
+  <c:externalData r:id="rId3">
+    <c:autoUpdate val="0"/>
+  </c:externalData>
+</c:chartSpace>
+</file>
+
+<file path=ppt/charts/chart2.xml><?xml version="1.0" encoding="utf-8"?>
+<c:chartSpace xmlns:c="http://schemas.openxmlformats.org/drawingml/2006/chart" xmlns:a="http://schemas.openxmlformats.org/drawingml/2006/main" xmlns:r="http://schemas.openxmlformats.org/officeDocument/2006/relationships">
+  <c:date1904 val="0"/>
+  <c:lang val="ru-RU"/>
+  <c:roundedCorners val="0"/>
+  <mc:AlternateContent xmlns:mc="http://schemas.openxmlformats.org/markup-compatibility/2006">
+    <mc:Choice xmlns:c14="http://schemas.microsoft.com/office/drawing/2007/8/2/chart" Requires="c14">
+      <c14:style val="102"/>
+    </mc:Choice>
+    <mc:Fallback>
+      <c:style val="2"/>
+    </mc:Fallback>
+  </mc:AlternateContent>
+  <c:chart>
+    <c:autoTitleDeleted val="1"/>
+    <c:plotArea>
+      <c:layout/>
+      <c:scatterChart>
+        <c:scatterStyle val="lineMarker"/>
+        <c:varyColors val="0"/>
+        <c:ser>
+          <c:idx val="0"/>
+          <c:order val="0"/>
+          <c:tx>
+            <c:strRef>
+              <c:f>Лист1!$C$22</c:f>
+              <c:strCache>
+                <c:ptCount val="1"/>
+                <c:pt idx="0">
+                  <c:v>Дейкстра + Е-близкие</c:v>
+                </c:pt>
+              </c:strCache>
+            </c:strRef>
+          </c:tx>
+          <c:spPr>
+            <a:ln w="19050" cap="rnd">
+              <a:solidFill>
+                <a:schemeClr val="accent1"/>
+              </a:solidFill>
+              <a:round/>
+            </a:ln>
+            <a:effectLst/>
+          </c:spPr>
+          <c:marker>
+            <c:symbol val="circle"/>
+            <c:size val="5"/>
+            <c:spPr>
+              <a:solidFill>
+                <a:schemeClr val="accent1"/>
+              </a:solidFill>
+              <a:ln w="9525">
+                <a:solidFill>
+                  <a:schemeClr val="accent1"/>
+                </a:solidFill>
+              </a:ln>
+              <a:effectLst/>
+            </c:spPr>
+          </c:marker>
+          <c:xVal>
+            <c:numRef>
+              <c:f>Лист1!$D$21:$F$21</c:f>
+              <c:numCache>
+                <c:formatCode>General</c:formatCode>
+                <c:ptCount val="3"/>
+                <c:pt idx="0">
+                  <c:v>0.02</c:v>
+                </c:pt>
+                <c:pt idx="1">
+                  <c:v>0.1</c:v>
+                </c:pt>
+                <c:pt idx="2">
+                  <c:v>0.3</c:v>
+                </c:pt>
+              </c:numCache>
+            </c:numRef>
+          </c:xVal>
+          <c:yVal>
+            <c:numRef>
+              <c:f>Лист1!$D$22:$F$22</c:f>
+              <c:numCache>
+                <c:formatCode>0</c:formatCode>
+                <c:ptCount val="3"/>
+                <c:pt idx="0">
+                  <c:v>37.023299999999999</c:v>
+                </c:pt>
+                <c:pt idx="1">
+                  <c:v>45.944000000000003</c:v>
+                </c:pt>
+                <c:pt idx="2">
+                  <c:v>47.7819</c:v>
+                </c:pt>
+              </c:numCache>
+            </c:numRef>
+          </c:yVal>
+          <c:smooth val="0"/>
+        </c:ser>
+        <c:ser>
+          <c:idx val="1"/>
+          <c:order val="1"/>
+          <c:tx>
+            <c:strRef>
+              <c:f>Лист1!$C$23</c:f>
+              <c:strCache>
+                <c:ptCount val="1"/>
+                <c:pt idx="0">
+                  <c:v>А* + Е-близкие</c:v>
+                </c:pt>
+              </c:strCache>
+            </c:strRef>
+          </c:tx>
+          <c:spPr>
+            <a:ln w="19050" cap="rnd">
+              <a:solidFill>
+                <a:schemeClr val="accent2"/>
+              </a:solidFill>
+              <a:round/>
+            </a:ln>
+            <a:effectLst/>
+          </c:spPr>
+          <c:marker>
+            <c:symbol val="circle"/>
+            <c:size val="5"/>
+            <c:spPr>
+              <a:solidFill>
+                <a:schemeClr val="accent2"/>
+              </a:solidFill>
+              <a:ln w="9525">
+                <a:solidFill>
+                  <a:schemeClr val="accent2"/>
+                </a:solidFill>
+              </a:ln>
+              <a:effectLst/>
+            </c:spPr>
+          </c:marker>
+          <c:xVal>
+            <c:numRef>
+              <c:f>Лист1!$D$21:$F$21</c:f>
+              <c:numCache>
+                <c:formatCode>General</c:formatCode>
+                <c:ptCount val="3"/>
+                <c:pt idx="0">
+                  <c:v>0.02</c:v>
+                </c:pt>
+                <c:pt idx="1">
+                  <c:v>0.1</c:v>
+                </c:pt>
+                <c:pt idx="2">
+                  <c:v>0.3</c:v>
+                </c:pt>
+              </c:numCache>
+            </c:numRef>
+          </c:xVal>
+          <c:yVal>
+            <c:numRef>
+              <c:f>Лист1!$D$23:$F$23</c:f>
+              <c:numCache>
+                <c:formatCode>0</c:formatCode>
+                <c:ptCount val="3"/>
+                <c:pt idx="0">
+                  <c:v>42.4621</c:v>
+                </c:pt>
+                <c:pt idx="1">
+                  <c:v>44.590600000000002</c:v>
+                </c:pt>
+                <c:pt idx="2">
+                  <c:v>36.974400000000003</c:v>
+                </c:pt>
+              </c:numCache>
+            </c:numRef>
+          </c:yVal>
+          <c:smooth val="0"/>
+        </c:ser>
+        <c:dLbls>
+          <c:showLegendKey val="0"/>
+          <c:showVal val="0"/>
+          <c:showCatName val="0"/>
+          <c:showSerName val="0"/>
+          <c:showPercent val="0"/>
+          <c:showBubbleSize val="0"/>
+        </c:dLbls>
+        <c:axId val="344383200"/>
+        <c:axId val="344380960"/>
+      </c:scatterChart>
+      <c:valAx>
+        <c:axId val="344383200"/>
+        <c:scaling>
+          <c:orientation val="minMax"/>
+        </c:scaling>
+        <c:delete val="0"/>
+        <c:axPos val="b"/>
+        <c:majorGridlines>
+          <c:spPr>
+            <a:ln w="9525" cap="flat" cmpd="sng" algn="ctr">
+              <a:solidFill>
+                <a:schemeClr val="tx1">
+                  <a:lumMod val="15000"/>
+                  <a:lumOff val="85000"/>
+                </a:schemeClr>
+              </a:solidFill>
+              <a:round/>
+            </a:ln>
+            <a:effectLst/>
+          </c:spPr>
+        </c:majorGridlines>
+        <c:title>
+          <c:tx>
+            <c:rich>
+              <a:bodyPr rot="0" spcFirstLastPara="1" vertOverflow="ellipsis" vert="horz" wrap="square" anchor="ctr" anchorCtr="1"/>
+              <a:lstStyle/>
+              <a:p>
+                <a:pPr>
+                  <a:defRPr sz="1000" b="0" i="0" u="none" strike="noStrike" kern="1200" baseline="0">
+                    <a:solidFill>
+                      <a:schemeClr val="tx1">
+                        <a:lumMod val="65000"/>
+                        <a:lumOff val="35000"/>
+                      </a:schemeClr>
+                    </a:solidFill>
+                    <a:latin typeface="+mn-lt"/>
+                    <a:ea typeface="+mn-ea"/>
+                    <a:cs typeface="+mn-cs"/>
+                  </a:defRPr>
+                </a:pPr>
+                <a:r>
+                  <a:rPr lang="ru-RU" dirty="0" smtClean="0"/>
+                  <a:t>Коэффициент </a:t>
+                </a:r>
+                <a:r>
+                  <a:rPr lang="en-US" dirty="0"/>
+                  <a:t>E</a:t>
+                </a:r>
+                <a:r>
+                  <a:rPr lang="ru-RU" dirty="0"/>
+                  <a:t>,</a:t>
+                </a:r>
+                <a:r>
+                  <a:rPr lang="ru-RU" baseline="0" dirty="0"/>
+                  <a:t> км</a:t>
+                </a:r>
+                <a:endParaRPr lang="ru-RU" dirty="0"/>
+              </a:p>
+            </c:rich>
+          </c:tx>
+          <c:layout/>
+          <c:overlay val="0"/>
+          <c:spPr>
+            <a:noFill/>
+            <a:ln>
+              <a:noFill/>
+            </a:ln>
+            <a:effectLst/>
+          </c:spPr>
+          <c:txPr>
+            <a:bodyPr rot="0" spcFirstLastPara="1" vertOverflow="ellipsis" vert="horz" wrap="square" anchor="ctr" anchorCtr="1"/>
+            <a:lstStyle/>
+            <a:p>
+              <a:pPr>
+                <a:defRPr sz="1000" b="0" i="0" u="none" strike="noStrike" kern="1200" baseline="0">
+                  <a:solidFill>
+                    <a:schemeClr val="tx1">
+                      <a:lumMod val="65000"/>
+                      <a:lumOff val="35000"/>
+                    </a:schemeClr>
+                  </a:solidFill>
+                  <a:latin typeface="+mn-lt"/>
+                  <a:ea typeface="+mn-ea"/>
+                  <a:cs typeface="+mn-cs"/>
+                </a:defRPr>
+              </a:pPr>
+              <a:endParaRPr lang="ru-RU"/>
+            </a:p>
+          </c:txPr>
+        </c:title>
+        <c:numFmt formatCode="General" sourceLinked="1"/>
+        <c:majorTickMark val="none"/>
+        <c:minorTickMark val="none"/>
+        <c:tickLblPos val="nextTo"/>
+        <c:spPr>
+          <a:noFill/>
+          <a:ln w="9525" cap="flat" cmpd="sng" algn="ctr">
+            <a:solidFill>
+              <a:schemeClr val="tx1">
+                <a:lumMod val="25000"/>
+                <a:lumOff val="75000"/>
+              </a:schemeClr>
+            </a:solidFill>
+            <a:round/>
+          </a:ln>
+          <a:effectLst/>
+        </c:spPr>
+        <c:txPr>
+          <a:bodyPr rot="-60000000" spcFirstLastPara="1" vertOverflow="ellipsis" vert="horz" wrap="square" anchor="ctr" anchorCtr="1"/>
+          <a:lstStyle/>
+          <a:p>
+            <a:pPr>
+              <a:defRPr sz="900" b="0" i="0" u="none" strike="noStrike" kern="1200" baseline="0">
+                <a:solidFill>
+                  <a:schemeClr val="tx1">
+                    <a:lumMod val="65000"/>
+                    <a:lumOff val="35000"/>
+                  </a:schemeClr>
+                </a:solidFill>
+                <a:latin typeface="+mn-lt"/>
+                <a:ea typeface="+mn-ea"/>
+                <a:cs typeface="+mn-cs"/>
+              </a:defRPr>
+            </a:pPr>
+            <a:endParaRPr lang="ru-RU"/>
+          </a:p>
+        </c:txPr>
+        <c:crossAx val="344380960"/>
+        <c:crosses val="autoZero"/>
+        <c:crossBetween val="midCat"/>
+      </c:valAx>
+      <c:valAx>
+        <c:axId val="344380960"/>
+        <c:scaling>
+          <c:orientation val="minMax"/>
+        </c:scaling>
+        <c:delete val="0"/>
+        <c:axPos val="l"/>
+        <c:majorGridlines>
+          <c:spPr>
+            <a:ln w="9525" cap="flat" cmpd="sng" algn="ctr">
+              <a:solidFill>
+                <a:schemeClr val="tx1">
+                  <a:lumMod val="15000"/>
+                  <a:lumOff val="85000"/>
+                </a:schemeClr>
+              </a:solidFill>
+              <a:round/>
+            </a:ln>
+            <a:effectLst/>
+          </c:spPr>
+        </c:majorGridlines>
+        <c:title>
+          <c:tx>
+            <c:rich>
+              <a:bodyPr rot="-5400000" spcFirstLastPara="1" vertOverflow="ellipsis" vert="horz" wrap="square" anchor="ctr" anchorCtr="1"/>
+              <a:lstStyle/>
+              <a:p>
+                <a:pPr>
+                  <a:defRPr sz="1000" b="0" i="0" u="none" strike="noStrike" kern="1200" baseline="0">
+                    <a:solidFill>
+                      <a:schemeClr val="tx1">
+                        <a:lumMod val="65000"/>
+                        <a:lumOff val="35000"/>
+                      </a:schemeClr>
+                    </a:solidFill>
+                    <a:latin typeface="+mn-lt"/>
+                    <a:ea typeface="+mn-ea"/>
+                    <a:cs typeface="+mn-cs"/>
+                  </a:defRPr>
+                </a:pPr>
+                <a:r>
+                  <a:rPr lang="ru-RU" dirty="0"/>
+                  <a:t>Время работы, с</a:t>
+                </a:r>
+              </a:p>
+            </c:rich>
+          </c:tx>
+          <c:layout>
+            <c:manualLayout>
+              <c:xMode val="edge"/>
+              <c:yMode val="edge"/>
+              <c:x val="2.2222222222222223E-2"/>
+              <c:y val="1.6579363913774254E-2"/>
+            </c:manualLayout>
+          </c:layout>
+          <c:overlay val="0"/>
+          <c:spPr>
+            <a:noFill/>
+            <a:ln>
+              <a:noFill/>
+            </a:ln>
+            <a:effectLst/>
+          </c:spPr>
+          <c:txPr>
+            <a:bodyPr rot="-5400000" spcFirstLastPara="1" vertOverflow="ellipsis" vert="horz" wrap="square" anchor="ctr" anchorCtr="1"/>
+            <a:lstStyle/>
+            <a:p>
+              <a:pPr>
+                <a:defRPr sz="1000" b="0" i="0" u="none" strike="noStrike" kern="1200" baseline="0">
+                  <a:solidFill>
+                    <a:schemeClr val="tx1">
+                      <a:lumMod val="65000"/>
+                      <a:lumOff val="35000"/>
+                    </a:schemeClr>
+                  </a:solidFill>
+                  <a:latin typeface="+mn-lt"/>
+                  <a:ea typeface="+mn-ea"/>
+                  <a:cs typeface="+mn-cs"/>
+                </a:defRPr>
+              </a:pPr>
+              <a:endParaRPr lang="ru-RU"/>
+            </a:p>
+          </c:txPr>
+        </c:title>
+        <c:numFmt formatCode="0" sourceLinked="1"/>
+        <c:majorTickMark val="none"/>
+        <c:minorTickMark val="none"/>
+        <c:tickLblPos val="nextTo"/>
+        <c:spPr>
+          <a:noFill/>
+          <a:ln w="9525" cap="flat" cmpd="sng" algn="ctr">
+            <a:solidFill>
+              <a:schemeClr val="tx1">
+                <a:lumMod val="25000"/>
+                <a:lumOff val="75000"/>
+              </a:schemeClr>
+            </a:solidFill>
+            <a:round/>
+          </a:ln>
+          <a:effectLst/>
+        </c:spPr>
+        <c:txPr>
+          <a:bodyPr rot="-60000000" spcFirstLastPara="1" vertOverflow="ellipsis" vert="horz" wrap="square" anchor="ctr" anchorCtr="1"/>
+          <a:lstStyle/>
+          <a:p>
+            <a:pPr>
+              <a:defRPr sz="900" b="0" i="0" u="none" strike="noStrike" kern="1200" baseline="0">
+                <a:solidFill>
+                  <a:schemeClr val="tx1">
+                    <a:lumMod val="65000"/>
+                    <a:lumOff val="35000"/>
+                  </a:schemeClr>
+                </a:solidFill>
+                <a:latin typeface="+mn-lt"/>
+                <a:ea typeface="+mn-ea"/>
+                <a:cs typeface="+mn-cs"/>
+              </a:defRPr>
+            </a:pPr>
+            <a:endParaRPr lang="ru-RU"/>
+          </a:p>
+        </c:txPr>
+        <c:crossAx val="344383200"/>
+        <c:crosses val="autoZero"/>
+        <c:crossBetween val="midCat"/>
+      </c:valAx>
+      <c:spPr>
+        <a:noFill/>
+        <a:ln>
+          <a:noFill/>
+        </a:ln>
+        <a:effectLst/>
+      </c:spPr>
+    </c:plotArea>
+    <c:legend>
+      <c:legendPos val="b"/>
+      <c:layout/>
+      <c:overlay val="0"/>
+      <c:spPr>
+        <a:noFill/>
+        <a:ln>
+          <a:noFill/>
+        </a:ln>
+        <a:effectLst/>
+      </c:spPr>
+      <c:txPr>
+        <a:bodyPr rot="0" spcFirstLastPara="1" vertOverflow="ellipsis" vert="horz" wrap="square" anchor="ctr" anchorCtr="1"/>
+        <a:lstStyle/>
+        <a:p>
+          <a:pPr>
+            <a:defRPr sz="900" b="0" i="0" u="none" strike="noStrike" kern="1200" baseline="0">
+              <a:solidFill>
+                <a:schemeClr val="tx1">
+                  <a:lumMod val="65000"/>
+                  <a:lumOff val="35000"/>
+                </a:schemeClr>
+              </a:solidFill>
+              <a:latin typeface="+mn-lt"/>
+              <a:ea typeface="+mn-ea"/>
+              <a:cs typeface="+mn-cs"/>
+            </a:defRPr>
+          </a:pPr>
+          <a:endParaRPr lang="ru-RU"/>
+        </a:p>
+      </c:txPr>
+    </c:legend>
+    <c:plotVisOnly val="1"/>
+    <c:dispBlanksAs val="gap"/>
+    <c:showDLblsOverMax val="0"/>
+  </c:chart>
+  <c:spPr>
+    <a:noFill/>
+    <a:ln>
+      <a:noFill/>
+    </a:ln>
+    <a:effectLst/>
+  </c:spPr>
+  <c:txPr>
+    <a:bodyPr/>
+    <a:lstStyle/>
+    <a:p>
+      <a:pPr>
+        <a:defRPr/>
+      </a:pPr>
+      <a:endParaRPr lang="ru-RU"/>
+    </a:p>
+  </c:txPr>
+  <c:externalData r:id="rId3">
+    <c:autoUpdate val="0"/>
+  </c:externalData>
+</c:chartSpace>
+</file>
+
+<file path=ppt/charts/chart3.xml><?xml version="1.0" encoding="utf-8"?>
+<c:chartSpace xmlns:c="http://schemas.openxmlformats.org/drawingml/2006/chart" xmlns:a="http://schemas.openxmlformats.org/drawingml/2006/main" xmlns:r="http://schemas.openxmlformats.org/officeDocument/2006/relationships">
+  <c:date1904 val="0"/>
+  <c:lang val="ru-RU"/>
+  <c:roundedCorners val="0"/>
+  <mc:AlternateContent xmlns:mc="http://schemas.openxmlformats.org/markup-compatibility/2006">
+    <mc:Choice xmlns:c14="http://schemas.microsoft.com/office/drawing/2007/8/2/chart" Requires="c14">
+      <c14:style val="102"/>
+    </mc:Choice>
+    <mc:Fallback>
+      <c:style val="2"/>
+    </mc:Fallback>
+  </mc:AlternateContent>
+  <c:chart>
+    <c:autoTitleDeleted val="1"/>
+    <c:plotArea>
+      <c:layout/>
+      <c:scatterChart>
+        <c:scatterStyle val="lineMarker"/>
+        <c:varyColors val="0"/>
+        <c:ser>
+          <c:idx val="0"/>
+          <c:order val="0"/>
+          <c:tx>
+            <c:strRef>
+              <c:f>Лист1!$C$32</c:f>
+              <c:strCache>
+                <c:ptCount val="1"/>
+                <c:pt idx="0">
+                  <c:v>А* + Е-близкие</c:v>
+                </c:pt>
+              </c:strCache>
+            </c:strRef>
+          </c:tx>
+          <c:spPr>
+            <a:ln w="19050" cap="rnd">
+              <a:solidFill>
+                <a:schemeClr val="accent1"/>
+              </a:solidFill>
+              <a:round/>
+            </a:ln>
+            <a:effectLst/>
+          </c:spPr>
+          <c:marker>
+            <c:symbol val="circle"/>
+            <c:size val="5"/>
+            <c:spPr>
+              <a:solidFill>
+                <a:schemeClr val="accent1"/>
+              </a:solidFill>
+              <a:ln w="9525">
+                <a:solidFill>
+                  <a:schemeClr val="accent1"/>
+                </a:solidFill>
+              </a:ln>
+              <a:effectLst/>
+            </c:spPr>
+          </c:marker>
+          <c:xVal>
+            <c:numRef>
+              <c:f>Лист1!$D$31:$F$31</c:f>
+              <c:numCache>
+                <c:formatCode>0.00</c:formatCode>
+                <c:ptCount val="3"/>
+                <c:pt idx="0">
+                  <c:v>0.02</c:v>
+                </c:pt>
+                <c:pt idx="1">
+                  <c:v>0.1</c:v>
+                </c:pt>
+                <c:pt idx="2">
+                  <c:v>0.3</c:v>
+                </c:pt>
+              </c:numCache>
+            </c:numRef>
+          </c:xVal>
+          <c:yVal>
+            <c:numRef>
+              <c:f>Лист1!$D$32:$F$32</c:f>
+              <c:numCache>
+                <c:formatCode>0.00000</c:formatCode>
+                <c:ptCount val="3"/>
+                <c:pt idx="0">
+                  <c:v>3.1612491308381601E-4</c:v>
+                </c:pt>
+                <c:pt idx="1">
+                  <c:v>4.9860953678029299E-3</c:v>
+                </c:pt>
+                <c:pt idx="2">
+                  <c:v>4.9860953678029299E-3</c:v>
+                </c:pt>
+              </c:numCache>
+            </c:numRef>
+          </c:yVal>
+          <c:smooth val="0"/>
+        </c:ser>
+        <c:ser>
+          <c:idx val="1"/>
+          <c:order val="1"/>
+          <c:tx>
+            <c:strRef>
+              <c:f>Лист1!$C$33</c:f>
+              <c:strCache>
+                <c:ptCount val="1"/>
+                <c:pt idx="0">
+                  <c:v>Дейкстра + Е-близкие</c:v>
+                </c:pt>
+              </c:strCache>
+            </c:strRef>
+          </c:tx>
+          <c:spPr>
+            <a:ln w="19050" cap="rnd">
+              <a:solidFill>
+                <a:schemeClr val="accent2"/>
+              </a:solidFill>
+              <a:round/>
+            </a:ln>
+            <a:effectLst/>
+          </c:spPr>
+          <c:marker>
+            <c:symbol val="circle"/>
+            <c:size val="5"/>
+            <c:spPr>
+              <a:solidFill>
+                <a:schemeClr val="accent2"/>
+              </a:solidFill>
+              <a:ln w="9525">
+                <a:solidFill>
+                  <a:schemeClr val="accent2"/>
+                </a:solidFill>
+              </a:ln>
+              <a:effectLst/>
+            </c:spPr>
+          </c:marker>
+          <c:xVal>
+            <c:numRef>
+              <c:f>Лист1!$D$31:$F$31</c:f>
+              <c:numCache>
+                <c:formatCode>0.00</c:formatCode>
+                <c:ptCount val="3"/>
+                <c:pt idx="0">
+                  <c:v>0.02</c:v>
+                </c:pt>
+                <c:pt idx="1">
+                  <c:v>0.1</c:v>
+                </c:pt>
+                <c:pt idx="2">
+                  <c:v>0.3</c:v>
+                </c:pt>
+              </c:numCache>
+            </c:numRef>
+          </c:xVal>
+          <c:yVal>
+            <c:numRef>
+              <c:f>Лист1!$D$33:$F$33</c:f>
+              <c:numCache>
+                <c:formatCode>0.00000</c:formatCode>
+                <c:ptCount val="3"/>
+                <c:pt idx="0">
+                  <c:v>3.1612491308381601E-4</c:v>
+                </c:pt>
+                <c:pt idx="1">
+                  <c:v>0.11027771698529699</c:v>
+                </c:pt>
+                <c:pt idx="2">
+                  <c:v>0.152954470167948</c:v>
+                </c:pt>
+              </c:numCache>
+            </c:numRef>
+          </c:yVal>
+          <c:smooth val="0"/>
+        </c:ser>
+        <c:dLbls>
+          <c:showLegendKey val="0"/>
+          <c:showVal val="0"/>
+          <c:showCatName val="0"/>
+          <c:showSerName val="0"/>
+          <c:showPercent val="0"/>
+          <c:showBubbleSize val="0"/>
+        </c:dLbls>
+        <c:axId val="279078160"/>
+        <c:axId val="279077600"/>
+      </c:scatterChart>
+      <c:valAx>
+        <c:axId val="279078160"/>
+        <c:scaling>
+          <c:orientation val="minMax"/>
+        </c:scaling>
+        <c:delete val="0"/>
+        <c:axPos val="b"/>
+        <c:majorGridlines>
+          <c:spPr>
+            <a:ln w="9525" cap="flat" cmpd="sng" algn="ctr">
+              <a:solidFill>
+                <a:schemeClr val="tx1">
+                  <a:lumMod val="15000"/>
+                  <a:lumOff val="85000"/>
+                </a:schemeClr>
+              </a:solidFill>
+              <a:round/>
+            </a:ln>
+            <a:effectLst/>
+          </c:spPr>
+        </c:majorGridlines>
+        <c:title>
+          <c:tx>
+            <c:rich>
+              <a:bodyPr rot="0" spcFirstLastPara="1" vertOverflow="ellipsis" vert="horz" wrap="square" anchor="ctr" anchorCtr="1"/>
+              <a:lstStyle/>
+              <a:p>
+                <a:pPr>
+                  <a:defRPr sz="1000" b="0" i="0" u="none" strike="noStrike" kern="1200" baseline="0">
+                    <a:solidFill>
+                      <a:schemeClr val="tx1">
+                        <a:lumMod val="65000"/>
+                        <a:lumOff val="35000"/>
+                      </a:schemeClr>
+                    </a:solidFill>
+                    <a:latin typeface="+mn-lt"/>
+                    <a:ea typeface="+mn-ea"/>
+                    <a:cs typeface="+mn-cs"/>
+                  </a:defRPr>
+                </a:pPr>
+                <a:r>
+                  <a:rPr lang="ru-RU"/>
+                  <a:t>Значение</a:t>
+                </a:r>
+                <a:r>
+                  <a:rPr lang="ru-RU" baseline="0"/>
+                  <a:t> Е, км</a:t>
+                </a:r>
+                <a:endParaRPr lang="ru-RU"/>
+              </a:p>
+            </c:rich>
+          </c:tx>
+          <c:layout/>
+          <c:overlay val="0"/>
+          <c:spPr>
+            <a:noFill/>
+            <a:ln>
+              <a:noFill/>
+            </a:ln>
+            <a:effectLst/>
+          </c:spPr>
+          <c:txPr>
+            <a:bodyPr rot="0" spcFirstLastPara="1" vertOverflow="ellipsis" vert="horz" wrap="square" anchor="ctr" anchorCtr="1"/>
+            <a:lstStyle/>
+            <a:p>
+              <a:pPr>
+                <a:defRPr sz="1000" b="0" i="0" u="none" strike="noStrike" kern="1200" baseline="0">
+                  <a:solidFill>
+                    <a:schemeClr val="tx1">
+                      <a:lumMod val="65000"/>
+                      <a:lumOff val="35000"/>
+                    </a:schemeClr>
+                  </a:solidFill>
+                  <a:latin typeface="+mn-lt"/>
+                  <a:ea typeface="+mn-ea"/>
+                  <a:cs typeface="+mn-cs"/>
+                </a:defRPr>
+              </a:pPr>
+              <a:endParaRPr lang="ru-RU"/>
+            </a:p>
+          </c:txPr>
+        </c:title>
+        <c:numFmt formatCode="0.00" sourceLinked="1"/>
+        <c:majorTickMark val="none"/>
+        <c:minorTickMark val="none"/>
+        <c:tickLblPos val="nextTo"/>
+        <c:spPr>
+          <a:noFill/>
+          <a:ln w="9525" cap="flat" cmpd="sng" algn="ctr">
+            <a:solidFill>
+              <a:schemeClr val="tx1">
+                <a:lumMod val="25000"/>
+                <a:lumOff val="75000"/>
+              </a:schemeClr>
+            </a:solidFill>
+            <a:round/>
+          </a:ln>
+          <a:effectLst/>
+        </c:spPr>
+        <c:txPr>
+          <a:bodyPr rot="-60000000" spcFirstLastPara="1" vertOverflow="ellipsis" vert="horz" wrap="square" anchor="ctr" anchorCtr="1"/>
+          <a:lstStyle/>
+          <a:p>
+            <a:pPr>
+              <a:defRPr sz="900" b="0" i="0" u="none" strike="noStrike" kern="1200" baseline="0">
+                <a:solidFill>
+                  <a:schemeClr val="tx1">
+                    <a:lumMod val="65000"/>
+                    <a:lumOff val="35000"/>
+                  </a:schemeClr>
+                </a:solidFill>
+                <a:latin typeface="+mn-lt"/>
+                <a:ea typeface="+mn-ea"/>
+                <a:cs typeface="+mn-cs"/>
+              </a:defRPr>
+            </a:pPr>
+            <a:endParaRPr lang="ru-RU"/>
+          </a:p>
+        </c:txPr>
+        <c:crossAx val="279077600"/>
+        <c:crosses val="autoZero"/>
+        <c:crossBetween val="midCat"/>
+      </c:valAx>
+      <c:valAx>
+        <c:axId val="279077600"/>
+        <c:scaling>
+          <c:orientation val="minMax"/>
+        </c:scaling>
+        <c:delete val="0"/>
+        <c:axPos val="l"/>
+        <c:majorGridlines>
+          <c:spPr>
+            <a:ln w="9525" cap="flat" cmpd="sng" algn="ctr">
+              <a:solidFill>
+                <a:schemeClr val="tx1">
+                  <a:lumMod val="15000"/>
+                  <a:lumOff val="85000"/>
+                </a:schemeClr>
+              </a:solidFill>
+              <a:round/>
+            </a:ln>
+            <a:effectLst/>
+          </c:spPr>
+        </c:majorGridlines>
+        <c:title>
+          <c:tx>
+            <c:rich>
+              <a:bodyPr rot="-5400000" spcFirstLastPara="1" vertOverflow="ellipsis" vert="horz" wrap="square" anchor="ctr" anchorCtr="1"/>
+              <a:lstStyle/>
+              <a:p>
+                <a:pPr>
+                  <a:defRPr sz="1000" b="0" i="0" u="none" strike="noStrike" kern="1200" baseline="0">
+                    <a:solidFill>
+                      <a:schemeClr val="tx1">
+                        <a:lumMod val="65000"/>
+                        <a:lumOff val="35000"/>
+                      </a:schemeClr>
+                    </a:solidFill>
+                    <a:latin typeface="+mn-lt"/>
+                    <a:ea typeface="+mn-ea"/>
+                    <a:cs typeface="+mn-cs"/>
+                  </a:defRPr>
+                </a:pPr>
+                <a:r>
+                  <a:rPr lang="ru-RU"/>
+                  <a:t>Коэффициент безопасности</a:t>
+                </a:r>
+              </a:p>
+            </c:rich>
+          </c:tx>
+          <c:layout>
+            <c:manualLayout>
+              <c:xMode val="edge"/>
+              <c:yMode val="edge"/>
+              <c:x val="3.0555555555555555E-2"/>
+              <c:y val="1.5844094113919037E-2"/>
+            </c:manualLayout>
+          </c:layout>
+          <c:overlay val="0"/>
+          <c:spPr>
+            <a:noFill/>
+            <a:ln>
+              <a:noFill/>
+            </a:ln>
+            <a:effectLst/>
+          </c:spPr>
+          <c:txPr>
+            <a:bodyPr rot="-5400000" spcFirstLastPara="1" vertOverflow="ellipsis" vert="horz" wrap="square" anchor="ctr" anchorCtr="1"/>
+            <a:lstStyle/>
+            <a:p>
+              <a:pPr>
+                <a:defRPr sz="1000" b="0" i="0" u="none" strike="noStrike" kern="1200" baseline="0">
+                  <a:solidFill>
+                    <a:schemeClr val="tx1">
+                      <a:lumMod val="65000"/>
+                      <a:lumOff val="35000"/>
+                    </a:schemeClr>
+                  </a:solidFill>
+                  <a:latin typeface="+mn-lt"/>
+                  <a:ea typeface="+mn-ea"/>
+                  <a:cs typeface="+mn-cs"/>
+                </a:defRPr>
+              </a:pPr>
+              <a:endParaRPr lang="ru-RU"/>
+            </a:p>
+          </c:txPr>
+        </c:title>
+        <c:numFmt formatCode="0.00000" sourceLinked="1"/>
+        <c:majorTickMark val="none"/>
+        <c:minorTickMark val="none"/>
+        <c:tickLblPos val="nextTo"/>
+        <c:spPr>
+          <a:noFill/>
+          <a:ln w="9525" cap="flat" cmpd="sng" algn="ctr">
+            <a:solidFill>
+              <a:schemeClr val="tx1">
+                <a:lumMod val="25000"/>
+                <a:lumOff val="75000"/>
+              </a:schemeClr>
+            </a:solidFill>
+            <a:round/>
+          </a:ln>
+          <a:effectLst/>
+        </c:spPr>
+        <c:txPr>
+          <a:bodyPr rot="-60000000" spcFirstLastPara="1" vertOverflow="ellipsis" vert="horz" wrap="square" anchor="ctr" anchorCtr="1"/>
+          <a:lstStyle/>
+          <a:p>
+            <a:pPr>
+              <a:defRPr sz="900" b="0" i="0" u="none" strike="noStrike" kern="1200" baseline="0">
+                <a:solidFill>
+                  <a:schemeClr val="tx1">
+                    <a:lumMod val="65000"/>
+                    <a:lumOff val="35000"/>
+                  </a:schemeClr>
+                </a:solidFill>
+                <a:latin typeface="+mn-lt"/>
+                <a:ea typeface="+mn-ea"/>
+                <a:cs typeface="+mn-cs"/>
+              </a:defRPr>
+            </a:pPr>
+            <a:endParaRPr lang="ru-RU"/>
+          </a:p>
+        </c:txPr>
+        <c:crossAx val="279078160"/>
+        <c:crosses val="autoZero"/>
+        <c:crossBetween val="midCat"/>
+      </c:valAx>
+      <c:spPr>
+        <a:noFill/>
+        <a:ln>
+          <a:noFill/>
+        </a:ln>
+        <a:effectLst/>
+      </c:spPr>
+    </c:plotArea>
+    <c:legend>
+      <c:legendPos val="b"/>
+      <c:layout>
+        <c:manualLayout>
+          <c:xMode val="edge"/>
+          <c:yMode val="edge"/>
+          <c:x val="0.18685826771653541"/>
+          <c:y val="0.81878223789720173"/>
+          <c:w val="0.62628346456692918"/>
+          <c:h val="0.13368547976104111"/>
+        </c:manualLayout>
+      </c:layout>
+      <c:overlay val="0"/>
+      <c:spPr>
+        <a:noFill/>
+        <a:ln>
+          <a:noFill/>
+        </a:ln>
+        <a:effectLst/>
+      </c:spPr>
+      <c:txPr>
+        <a:bodyPr rot="0" spcFirstLastPara="1" vertOverflow="ellipsis" vert="horz" wrap="square" anchor="ctr" anchorCtr="1"/>
+        <a:lstStyle/>
+        <a:p>
+          <a:pPr>
+            <a:defRPr sz="900" b="0" i="0" u="none" strike="noStrike" kern="1200" baseline="0">
+              <a:solidFill>
+                <a:schemeClr val="tx1">
+                  <a:lumMod val="65000"/>
+                  <a:lumOff val="35000"/>
+                </a:schemeClr>
+              </a:solidFill>
+              <a:latin typeface="+mn-lt"/>
+              <a:ea typeface="+mn-ea"/>
+              <a:cs typeface="+mn-cs"/>
+            </a:defRPr>
+          </a:pPr>
+          <a:endParaRPr lang="ru-RU"/>
+        </a:p>
+      </c:txPr>
+    </c:legend>
+    <c:plotVisOnly val="1"/>
+    <c:dispBlanksAs val="gap"/>
+    <c:showDLblsOverMax val="0"/>
+  </c:chart>
+  <c:spPr>
+    <a:noFill/>
+    <a:ln>
+      <a:noFill/>
+    </a:ln>
+    <a:effectLst/>
+  </c:spPr>
+  <c:txPr>
+    <a:bodyPr/>
+    <a:lstStyle/>
+    <a:p>
+      <a:pPr>
+        <a:defRPr/>
+      </a:pPr>
+      <a:endParaRPr lang="ru-RU"/>
+    </a:p>
+  </c:txPr>
+  <c:externalData r:id="rId3">
+    <c:autoUpdate val="0"/>
+  </c:externalData>
+</c:chartSpace>
+</file>
+
+<file path=ppt/charts/chart4.xml><?xml version="1.0" encoding="utf-8"?>
+<c:chartSpace xmlns:c="http://schemas.openxmlformats.org/drawingml/2006/chart" xmlns:a="http://schemas.openxmlformats.org/drawingml/2006/main" xmlns:r="http://schemas.openxmlformats.org/officeDocument/2006/relationships">
+  <c:date1904 val="0"/>
+  <c:lang val="ru-RU"/>
+  <c:roundedCorners val="0"/>
+  <mc:AlternateContent xmlns:mc="http://schemas.openxmlformats.org/markup-compatibility/2006">
+    <mc:Choice xmlns:c14="http://schemas.microsoft.com/office/drawing/2007/8/2/chart" Requires="c14">
+      <c14:style val="102"/>
+    </mc:Choice>
+    <mc:Fallback>
+      <c:style val="2"/>
+    </mc:Fallback>
+  </mc:AlternateContent>
+  <c:chart>
+    <c:autoTitleDeleted val="1"/>
+    <c:plotArea>
+      <c:layout>
+        <c:manualLayout>
+          <c:layoutTarget val="inner"/>
+          <c:xMode val="edge"/>
+          <c:yMode val="edge"/>
+          <c:x val="0.21628937007874016"/>
+          <c:y val="9.8336376575528947E-2"/>
+          <c:w val="0.74048840769903757"/>
+          <c:h val="0.44325139339196445"/>
+        </c:manualLayout>
+      </c:layout>
+      <c:scatterChart>
+        <c:scatterStyle val="lineMarker"/>
+        <c:varyColors val="0"/>
+        <c:ser>
+          <c:idx val="0"/>
+          <c:order val="0"/>
+          <c:tx>
+            <c:strRef>
+              <c:f>Лист1!$C$26</c:f>
+              <c:strCache>
+                <c:ptCount val="1"/>
+                <c:pt idx="0">
+                  <c:v>А* + Йен</c:v>
+                </c:pt>
+              </c:strCache>
+            </c:strRef>
+          </c:tx>
+          <c:spPr>
+            <a:ln w="19050" cap="rnd">
+              <a:solidFill>
+                <a:schemeClr val="accent1"/>
+              </a:solidFill>
+              <a:round/>
+            </a:ln>
+            <a:effectLst/>
+          </c:spPr>
+          <c:marker>
+            <c:symbol val="circle"/>
+            <c:size val="5"/>
+            <c:spPr>
+              <a:solidFill>
+                <a:schemeClr val="accent1"/>
+              </a:solidFill>
+              <a:ln w="9525">
+                <a:solidFill>
+                  <a:schemeClr val="accent1"/>
+                </a:solidFill>
+              </a:ln>
+              <a:effectLst/>
+            </c:spPr>
+          </c:marker>
+          <c:xVal>
+            <c:numRef>
+              <c:f>Лист1!$D$25:$F$25</c:f>
+              <c:numCache>
+                <c:formatCode>General</c:formatCode>
+                <c:ptCount val="3"/>
+                <c:pt idx="0">
+                  <c:v>2</c:v>
+                </c:pt>
+                <c:pt idx="1">
+                  <c:v>5</c:v>
+                </c:pt>
+                <c:pt idx="2">
+                  <c:v>15</c:v>
+                </c:pt>
+              </c:numCache>
+            </c:numRef>
+          </c:xVal>
+          <c:yVal>
+            <c:numRef>
+              <c:f>Лист1!$D$26:$F$26</c:f>
+              <c:numCache>
+                <c:formatCode>0.00000</c:formatCode>
+                <c:ptCount val="3"/>
+                <c:pt idx="0">
+                  <c:v>5.7000000000000002E-3</c:v>
+                </c:pt>
+                <c:pt idx="1">
+                  <c:v>7.58559847184977E-3</c:v>
+                </c:pt>
+                <c:pt idx="2">
+                  <c:v>4.2464180536003301E-2</c:v>
+                </c:pt>
+              </c:numCache>
+            </c:numRef>
+          </c:yVal>
+          <c:smooth val="0"/>
+        </c:ser>
+        <c:ser>
+          <c:idx val="1"/>
+          <c:order val="1"/>
+          <c:tx>
+            <c:strRef>
+              <c:f>Лист1!$C$27</c:f>
+              <c:strCache>
+                <c:ptCount val="1"/>
+                <c:pt idx="0">
+                  <c:v>Дейкстра + Йен</c:v>
+                </c:pt>
+              </c:strCache>
+            </c:strRef>
+          </c:tx>
+          <c:spPr>
+            <a:ln w="19050" cap="rnd">
+              <a:solidFill>
+                <a:schemeClr val="accent2"/>
+              </a:solidFill>
+              <a:round/>
+            </a:ln>
+            <a:effectLst/>
+          </c:spPr>
+          <c:marker>
+            <c:symbol val="circle"/>
+            <c:size val="5"/>
+            <c:spPr>
+              <a:solidFill>
+                <a:schemeClr val="accent2"/>
+              </a:solidFill>
+              <a:ln w="9525">
+                <a:solidFill>
+                  <a:schemeClr val="accent2"/>
+                </a:solidFill>
+              </a:ln>
+              <a:effectLst/>
+            </c:spPr>
+          </c:marker>
+          <c:xVal>
+            <c:numRef>
+              <c:f>Лист1!$D$25:$F$25</c:f>
+              <c:numCache>
+                <c:formatCode>General</c:formatCode>
+                <c:ptCount val="3"/>
+                <c:pt idx="0">
+                  <c:v>2</c:v>
+                </c:pt>
+                <c:pt idx="1">
+                  <c:v>5</c:v>
+                </c:pt>
+                <c:pt idx="2">
+                  <c:v>15</c:v>
+                </c:pt>
+              </c:numCache>
+            </c:numRef>
+          </c:xVal>
+          <c:yVal>
+            <c:numRef>
+              <c:f>Лист1!$D$27:$F$27</c:f>
+              <c:numCache>
+                <c:formatCode>0.00000</c:formatCode>
+                <c:ptCount val="3"/>
+                <c:pt idx="0">
+                  <c:v>4.9860953678029299E-3</c:v>
+                </c:pt>
+                <c:pt idx="1">
+                  <c:v>6.7855984718497697E-3</c:v>
+                </c:pt>
+                <c:pt idx="2">
+                  <c:v>4.1564180536003303E-2</c:v>
+                </c:pt>
+              </c:numCache>
+            </c:numRef>
+          </c:yVal>
+          <c:smooth val="0"/>
+        </c:ser>
+        <c:dLbls>
+          <c:showLegendKey val="0"/>
+          <c:showVal val="0"/>
+          <c:showCatName val="0"/>
+          <c:showSerName val="0"/>
+          <c:showPercent val="0"/>
+          <c:showBubbleSize val="0"/>
+        </c:dLbls>
+        <c:axId val="344325280"/>
+        <c:axId val="344326400"/>
+      </c:scatterChart>
+      <c:valAx>
+        <c:axId val="344325280"/>
+        <c:scaling>
+          <c:orientation val="minMax"/>
+        </c:scaling>
+        <c:delete val="0"/>
+        <c:axPos val="b"/>
+        <c:majorGridlines>
+          <c:spPr>
+            <a:ln w="9525" cap="flat" cmpd="sng" algn="ctr">
+              <a:solidFill>
+                <a:schemeClr val="tx1">
+                  <a:lumMod val="15000"/>
+                  <a:lumOff val="85000"/>
+                </a:schemeClr>
+              </a:solidFill>
+              <a:round/>
+            </a:ln>
+            <a:effectLst/>
+          </c:spPr>
+        </c:majorGridlines>
+        <c:title>
+          <c:tx>
+            <c:rich>
+              <a:bodyPr rot="0" spcFirstLastPara="1" vertOverflow="ellipsis" vert="horz" wrap="square" anchor="ctr" anchorCtr="1"/>
+              <a:lstStyle/>
+              <a:p>
+                <a:pPr>
+                  <a:defRPr sz="1000" b="0" i="0" u="none" strike="noStrike" kern="1200" baseline="0">
+                    <a:solidFill>
+                      <a:schemeClr val="tx1">
+                        <a:lumMod val="65000"/>
+                        <a:lumOff val="35000"/>
+                      </a:schemeClr>
+                    </a:solidFill>
+                    <a:latin typeface="+mn-lt"/>
+                    <a:ea typeface="+mn-ea"/>
+                    <a:cs typeface="+mn-cs"/>
+                  </a:defRPr>
+                </a:pPr>
+                <a:r>
+                  <a:rPr lang="ru-RU" dirty="0"/>
+                  <a:t>Коэффициент К</a:t>
+                </a:r>
+              </a:p>
+            </c:rich>
+          </c:tx>
+          <c:layout>
+            <c:manualLayout>
+              <c:xMode val="edge"/>
+              <c:yMode val="edge"/>
+              <c:x val="0.49803346456692915"/>
+              <c:y val="0.6685156064123482"/>
+            </c:manualLayout>
+          </c:layout>
+          <c:overlay val="0"/>
+          <c:spPr>
+            <a:noFill/>
+            <a:ln>
+              <a:noFill/>
+            </a:ln>
+            <a:effectLst/>
+          </c:spPr>
+          <c:txPr>
+            <a:bodyPr rot="0" spcFirstLastPara="1" vertOverflow="ellipsis" vert="horz" wrap="square" anchor="ctr" anchorCtr="1"/>
+            <a:lstStyle/>
+            <a:p>
+              <a:pPr>
+                <a:defRPr sz="1000" b="0" i="0" u="none" strike="noStrike" kern="1200" baseline="0">
+                  <a:solidFill>
+                    <a:schemeClr val="tx1">
+                      <a:lumMod val="65000"/>
+                      <a:lumOff val="35000"/>
+                    </a:schemeClr>
+                  </a:solidFill>
+                  <a:latin typeface="+mn-lt"/>
+                  <a:ea typeface="+mn-ea"/>
+                  <a:cs typeface="+mn-cs"/>
+                </a:defRPr>
+              </a:pPr>
+              <a:endParaRPr lang="ru-RU"/>
+            </a:p>
+          </c:txPr>
+        </c:title>
+        <c:numFmt formatCode="General" sourceLinked="1"/>
+        <c:majorTickMark val="none"/>
+        <c:minorTickMark val="none"/>
+        <c:tickLblPos val="nextTo"/>
+        <c:spPr>
+          <a:noFill/>
+          <a:ln w="9525" cap="flat" cmpd="sng" algn="ctr">
+            <a:solidFill>
+              <a:schemeClr val="tx1">
+                <a:lumMod val="25000"/>
+                <a:lumOff val="75000"/>
+              </a:schemeClr>
+            </a:solidFill>
+            <a:round/>
+          </a:ln>
+          <a:effectLst/>
+        </c:spPr>
+        <c:txPr>
+          <a:bodyPr rot="-60000000" spcFirstLastPara="1" vertOverflow="ellipsis" vert="horz" wrap="square" anchor="ctr" anchorCtr="1"/>
+          <a:lstStyle/>
+          <a:p>
+            <a:pPr>
+              <a:defRPr sz="900" b="0" i="0" u="none" strike="noStrike" kern="1200" baseline="0">
+                <a:solidFill>
+                  <a:schemeClr val="tx1">
+                    <a:lumMod val="65000"/>
+                    <a:lumOff val="35000"/>
+                  </a:schemeClr>
+                </a:solidFill>
+                <a:latin typeface="+mn-lt"/>
+                <a:ea typeface="+mn-ea"/>
+                <a:cs typeface="+mn-cs"/>
+              </a:defRPr>
+            </a:pPr>
+            <a:endParaRPr lang="ru-RU"/>
+          </a:p>
+        </c:txPr>
+        <c:crossAx val="344326400"/>
+        <c:crosses val="autoZero"/>
+        <c:crossBetween val="midCat"/>
+      </c:valAx>
+      <c:valAx>
+        <c:axId val="344326400"/>
+        <c:scaling>
+          <c:orientation val="minMax"/>
+        </c:scaling>
+        <c:delete val="0"/>
+        <c:axPos val="l"/>
+        <c:majorGridlines>
+          <c:spPr>
+            <a:ln w="9525" cap="flat" cmpd="sng" algn="ctr">
+              <a:solidFill>
+                <a:schemeClr val="tx1">
+                  <a:lumMod val="15000"/>
+                  <a:lumOff val="85000"/>
+                </a:schemeClr>
+              </a:solidFill>
+              <a:round/>
+            </a:ln>
+            <a:effectLst/>
+          </c:spPr>
+        </c:majorGridlines>
+        <c:title>
+          <c:tx>
+            <c:rich>
+              <a:bodyPr rot="-5400000" spcFirstLastPara="1" vertOverflow="ellipsis" vert="horz" wrap="square" anchor="ctr" anchorCtr="1"/>
+              <a:lstStyle/>
+              <a:p>
+                <a:pPr>
+                  <a:defRPr sz="1000" b="0" i="0" u="none" strike="noStrike" kern="1200" baseline="0">
+                    <a:solidFill>
+                      <a:schemeClr val="tx1">
+                        <a:lumMod val="65000"/>
+                        <a:lumOff val="35000"/>
+                      </a:schemeClr>
+                    </a:solidFill>
+                    <a:latin typeface="+mn-lt"/>
+                    <a:ea typeface="+mn-ea"/>
+                    <a:cs typeface="+mn-cs"/>
+                  </a:defRPr>
+                </a:pPr>
+                <a:r>
+                  <a:rPr lang="ru-RU" dirty="0"/>
+                  <a:t>Коэффициент безопасности</a:t>
+                </a:r>
+              </a:p>
+            </c:rich>
+          </c:tx>
+          <c:layout>
+            <c:manualLayout>
+              <c:xMode val="edge"/>
+              <c:yMode val="edge"/>
+              <c:x val="3.0555555555555555E-2"/>
+              <c:y val="4.5085504077756841E-2"/>
+            </c:manualLayout>
+          </c:layout>
+          <c:overlay val="0"/>
+          <c:spPr>
+            <a:noFill/>
+            <a:ln>
+              <a:noFill/>
+            </a:ln>
+            <a:effectLst/>
+          </c:spPr>
+          <c:txPr>
+            <a:bodyPr rot="-5400000" spcFirstLastPara="1" vertOverflow="ellipsis" vert="horz" wrap="square" anchor="ctr" anchorCtr="1"/>
+            <a:lstStyle/>
+            <a:p>
+              <a:pPr>
+                <a:defRPr sz="1000" b="0" i="0" u="none" strike="noStrike" kern="1200" baseline="0">
+                  <a:solidFill>
+                    <a:schemeClr val="tx1">
+                      <a:lumMod val="65000"/>
+                      <a:lumOff val="35000"/>
+                    </a:schemeClr>
+                  </a:solidFill>
+                  <a:latin typeface="+mn-lt"/>
+                  <a:ea typeface="+mn-ea"/>
+                  <a:cs typeface="+mn-cs"/>
+                </a:defRPr>
+              </a:pPr>
+              <a:endParaRPr lang="ru-RU"/>
+            </a:p>
+          </c:txPr>
+        </c:title>
+        <c:numFmt formatCode="0.00000" sourceLinked="1"/>
+        <c:majorTickMark val="none"/>
+        <c:minorTickMark val="none"/>
+        <c:tickLblPos val="nextTo"/>
+        <c:spPr>
+          <a:noFill/>
+          <a:ln w="9525" cap="flat" cmpd="sng" algn="ctr">
+            <a:solidFill>
+              <a:schemeClr val="tx1">
+                <a:lumMod val="25000"/>
+                <a:lumOff val="75000"/>
+              </a:schemeClr>
+            </a:solidFill>
+            <a:round/>
+          </a:ln>
+          <a:effectLst/>
+        </c:spPr>
+        <c:txPr>
+          <a:bodyPr rot="-60000000" spcFirstLastPara="1" vertOverflow="ellipsis" vert="horz" wrap="square" anchor="ctr" anchorCtr="1"/>
+          <a:lstStyle/>
+          <a:p>
+            <a:pPr>
+              <a:defRPr sz="900" b="0" i="0" u="none" strike="noStrike" kern="1200" baseline="0">
+                <a:solidFill>
+                  <a:schemeClr val="tx1">
+                    <a:lumMod val="65000"/>
+                    <a:lumOff val="35000"/>
+                  </a:schemeClr>
+                </a:solidFill>
+                <a:latin typeface="+mn-lt"/>
+                <a:ea typeface="+mn-ea"/>
+                <a:cs typeface="+mn-cs"/>
+              </a:defRPr>
+            </a:pPr>
+            <a:endParaRPr lang="ru-RU"/>
+          </a:p>
+        </c:txPr>
+        <c:crossAx val="344325280"/>
+        <c:crosses val="autoZero"/>
+        <c:crossBetween val="midCat"/>
+      </c:valAx>
+      <c:spPr>
+        <a:noFill/>
+        <a:ln>
+          <a:noFill/>
+        </a:ln>
+        <a:effectLst/>
+      </c:spPr>
+    </c:plotArea>
+    <c:legend>
+      <c:legendPos val="b"/>
+      <c:layout/>
+      <c:overlay val="0"/>
+      <c:spPr>
+        <a:noFill/>
+        <a:ln>
+          <a:noFill/>
+        </a:ln>
+        <a:effectLst/>
+      </c:spPr>
+      <c:txPr>
+        <a:bodyPr rot="0" spcFirstLastPara="1" vertOverflow="ellipsis" vert="horz" wrap="square" anchor="ctr" anchorCtr="1"/>
+        <a:lstStyle/>
+        <a:p>
+          <a:pPr>
+            <a:defRPr sz="900" b="0" i="0" u="none" strike="noStrike" kern="1200" baseline="0">
+              <a:solidFill>
+                <a:schemeClr val="tx1">
+                  <a:lumMod val="65000"/>
+                  <a:lumOff val="35000"/>
+                </a:schemeClr>
+              </a:solidFill>
+              <a:latin typeface="+mn-lt"/>
+              <a:ea typeface="+mn-ea"/>
+              <a:cs typeface="+mn-cs"/>
+            </a:defRPr>
+          </a:pPr>
+          <a:endParaRPr lang="ru-RU"/>
+        </a:p>
+      </c:txPr>
+    </c:legend>
+    <c:plotVisOnly val="1"/>
+    <c:dispBlanksAs val="gap"/>
+    <c:showDLblsOverMax val="0"/>
+  </c:chart>
+  <c:spPr>
+    <a:noFill/>
+    <a:ln>
+      <a:noFill/>
+    </a:ln>
+    <a:effectLst/>
+  </c:spPr>
+  <c:txPr>
+    <a:bodyPr/>
+    <a:lstStyle/>
+    <a:p>
+      <a:pPr>
+        <a:defRPr/>
+      </a:pPr>
+      <a:endParaRPr lang="ru-RU"/>
+    </a:p>
+  </c:txPr>
+  <c:externalData r:id="rId3">
+    <c:autoUpdate val="0"/>
+  </c:externalData>
+</c:chartSpace>
+</file>
+
+<file path=ppt/charts/colors1.xml><?xml version="1.0" encoding="utf-8"?>
+<cs:colorStyle xmlns:cs="http://schemas.microsoft.com/office/drawing/2012/chartStyle" xmlns:a="http://schemas.openxmlformats.org/drawingml/2006/main" meth="cycle" id="10">
+  <a:schemeClr val="accent1"/>
+  <a:schemeClr val="accent2"/>
+  <a:schemeClr val="accent3"/>
+  <a:schemeClr val="accent4"/>
+  <a:schemeClr val="accent5"/>
+  <a:schemeClr val="accent6"/>
+  <cs:variation/>
+  <cs:variation>
+    <a:lumMod val="60000"/>
+  </cs:variation>
+  <cs:variation>
+    <a:lumMod val="80000"/>
+    <a:lumOff val="20000"/>
+  </cs:variation>
+  <cs:variation>
+    <a:lumMod val="80000"/>
+  </cs:variation>
+  <cs:variation>
+    <a:lumMod val="60000"/>
+    <a:lumOff val="40000"/>
+  </cs:variation>
+  <cs:variation>
+    <a:lumMod val="50000"/>
+  </cs:variation>
+  <cs:variation>
+    <a:lumMod val="70000"/>
+    <a:lumOff val="30000"/>
+  </cs:variation>
+  <cs:variation>
+    <a:lumMod val="70000"/>
+  </cs:variation>
+  <cs:variation>
+    <a:lumMod val="50000"/>
+    <a:lumOff val="50000"/>
+  </cs:variation>
+</cs:colorStyle>
+</file>
+
+<file path=ppt/charts/colors2.xml><?xml version="1.0" encoding="utf-8"?>
+<cs:colorStyle xmlns:cs="http://schemas.microsoft.com/office/drawing/2012/chartStyle" xmlns:a="http://schemas.openxmlformats.org/drawingml/2006/main" meth="cycle" id="10">
+  <a:schemeClr val="accent1"/>
+  <a:schemeClr val="accent2"/>
+  <a:schemeClr val="accent3"/>
+  <a:schemeClr val="accent4"/>
+  <a:schemeClr val="accent5"/>
+  <a:schemeClr val="accent6"/>
+  <cs:variation/>
+  <cs:variation>
+    <a:lumMod val="60000"/>
+  </cs:variation>
+  <cs:variation>
+    <a:lumMod val="80000"/>
+    <a:lumOff val="20000"/>
+  </cs:variation>
+  <cs:variation>
+    <a:lumMod val="80000"/>
+  </cs:variation>
+  <cs:variation>
+    <a:lumMod val="60000"/>
+    <a:lumOff val="40000"/>
+  </cs:variation>
+  <cs:variation>
+    <a:lumMod val="50000"/>
+  </cs:variation>
+  <cs:variation>
+    <a:lumMod val="70000"/>
+    <a:lumOff val="30000"/>
+  </cs:variation>
+  <cs:variation>
+    <a:lumMod val="70000"/>
+  </cs:variation>
+  <cs:variation>
+    <a:lumMod val="50000"/>
+    <a:lumOff val="50000"/>
+  </cs:variation>
+</cs:colorStyle>
+</file>
+
+<file path=ppt/charts/colors3.xml><?xml version="1.0" encoding="utf-8"?>
+<cs:colorStyle xmlns:cs="http://schemas.microsoft.com/office/drawing/2012/chartStyle" xmlns:a="http://schemas.openxmlformats.org/drawingml/2006/main" meth="cycle" id="10">
+  <a:schemeClr val="accent1"/>
+  <a:schemeClr val="accent2"/>
+  <a:schemeClr val="accent3"/>
+  <a:schemeClr val="accent4"/>
+  <a:schemeClr val="accent5"/>
+  <a:schemeClr val="accent6"/>
+  <cs:variation/>
+  <cs:variation>
+    <a:lumMod val="60000"/>
+  </cs:variation>
+  <cs:variation>
+    <a:lumMod val="80000"/>
+    <a:lumOff val="20000"/>
+  </cs:variation>
+  <cs:variation>
+    <a:lumMod val="80000"/>
+  </cs:variation>
+  <cs:variation>
+    <a:lumMod val="60000"/>
+    <a:lumOff val="40000"/>
+  </cs:variation>
+  <cs:variation>
+    <a:lumMod val="50000"/>
+  </cs:variation>
+  <cs:variation>
+    <a:lumMod val="70000"/>
+    <a:lumOff val="30000"/>
+  </cs:variation>
+  <cs:variation>
+    <a:lumMod val="70000"/>
+  </cs:variation>
+  <cs:variation>
+    <a:lumMod val="50000"/>
+    <a:lumOff val="50000"/>
+  </cs:variation>
+</cs:colorStyle>
+</file>
+
+<file path=ppt/charts/colors4.xml><?xml version="1.0" encoding="utf-8"?>
+<cs:colorStyle xmlns:cs="http://schemas.microsoft.com/office/drawing/2012/chartStyle" xmlns:a="http://schemas.openxmlformats.org/drawingml/2006/main" meth="cycle" id="10">
+  <a:schemeClr val="accent1"/>
+  <a:schemeClr val="accent2"/>
+  <a:schemeClr val="accent3"/>
+  <a:schemeClr val="accent4"/>
+  <a:schemeClr val="accent5"/>
+  <a:schemeClr val="accent6"/>
+  <cs:variation/>
+  <cs:variation>
+    <a:lumMod val="60000"/>
+  </cs:variation>
+  <cs:variation>
+    <a:lumMod val="80000"/>
+    <a:lumOff val="20000"/>
+  </cs:variation>
+  <cs:variation>
+    <a:lumMod val="80000"/>
+  </cs:variation>
+  <cs:variation>
+    <a:lumMod val="60000"/>
+    <a:lumOff val="40000"/>
+  </cs:variation>
+  <cs:variation>
+    <a:lumMod val="50000"/>
+  </cs:variation>
+  <cs:variation>
+    <a:lumMod val="70000"/>
+    <a:lumOff val="30000"/>
+  </cs:variation>
+  <cs:variation>
+    <a:lumMod val="70000"/>
+  </cs:variation>
+  <cs:variation>
+    <a:lumMod val="50000"/>
+    <a:lumOff val="50000"/>
+  </cs:variation>
+</cs:colorStyle>
+</file>
+
+<file path=ppt/charts/style1.xml><?xml version="1.0" encoding="utf-8"?>
+<cs:chartStyle xmlns:cs="http://schemas.microsoft.com/office/drawing/2012/chartStyle" xmlns:a="http://schemas.openxmlformats.org/drawingml/2006/main" id="240">
+  <cs:axisTitle>
+    <cs:lnRef idx="0"/>
+    <cs:fillRef idx="0"/>
+    <cs:effectRef idx="0"/>
+    <cs:fontRef idx="minor">
+      <a:schemeClr val="tx1">
+        <a:lumMod val="65000"/>
+        <a:lumOff val="35000"/>
+      </a:schemeClr>
+    </cs:fontRef>
+    <cs:defRPr sz="1000" kern="1200"/>
+  </cs:axisTitle>
+  <cs:categoryAxis>
+    <cs:lnRef idx="0"/>
+    <cs:fillRef idx="0"/>
+    <cs:effectRef idx="0"/>
+    <cs:fontRef idx="minor">
+      <a:schemeClr val="tx1">
+        <a:lumMod val="65000"/>
+        <a:lumOff val="35000"/>
+      </a:schemeClr>
+    </cs:fontRef>
+    <cs:spPr>
+      <a:ln w="9525" cap="flat" cmpd="sng" algn="ctr">
+        <a:solidFill>
+          <a:schemeClr val="tx1">
+            <a:lumMod val="25000"/>
+            <a:lumOff val="75000"/>
+          </a:schemeClr>
+        </a:solidFill>
+        <a:round/>
+      </a:ln>
+    </cs:spPr>
+    <cs:defRPr sz="900" kern="1200"/>
+  </cs:categoryAxis>
+  <cs:chartArea mods="allowNoFillOverride allowNoLineOverride">
+    <cs:lnRef idx="0"/>
+    <cs:fillRef idx="0"/>
+    <cs:effectRef idx="0"/>
+    <cs:fontRef idx="minor">
+      <a:schemeClr val="tx1"/>
+    </cs:fontRef>
+    <cs:spPr>
+      <a:solidFill>
+        <a:schemeClr val="bg1"/>
+      </a:solidFill>
+      <a:ln w="9525" cap="flat" cmpd="sng" algn="ctr">
+        <a:solidFill>
+          <a:schemeClr val="tx1">
+            <a:lumMod val="15000"/>
+            <a:lumOff val="85000"/>
+          </a:schemeClr>
+        </a:solidFill>
+        <a:round/>
+      </a:ln>
+    </cs:spPr>
+    <cs:defRPr sz="1000" kern="1200"/>
+  </cs:chartArea>
+  <cs:dataLabel>
+    <cs:lnRef idx="0"/>
+    <cs:fillRef idx="0"/>
+    <cs:effectRef idx="0"/>
+    <cs:fontRef idx="minor">
+      <a:schemeClr val="tx1">
+        <a:lumMod val="75000"/>
+        <a:lumOff val="25000"/>
+      </a:schemeClr>
+    </cs:fontRef>
+    <cs:defRPr sz="900" kern="1200"/>
+  </cs:dataLabel>
+  <cs:dataLabelCallout>
+    <cs:lnRef idx="0"/>
+    <cs:fillRef idx="0"/>
+    <cs:effectRef idx="0"/>
+    <cs:fontRef idx="minor">
+      <a:schemeClr val="dk1">
+        <a:lumMod val="65000"/>
+        <a:lumOff val="35000"/>
+      </a:schemeClr>
+    </cs:fontRef>
+    <cs:spPr>
+      <a:solidFill>
+        <a:schemeClr val="lt1"/>
+      </a:solidFill>
+      <a:ln>
+        <a:solidFill>
+          <a:schemeClr val="dk1">
+            <a:lumMod val="25000"/>
+            <a:lumOff val="75000"/>
+          </a:schemeClr>
+        </a:solidFill>
+      </a:ln>
+    </cs:spPr>
+    <cs:defRPr sz="900" kern="1200"/>
+    <cs:bodyPr rot="0" spcFirstLastPara="1" vertOverflow="clip" horzOverflow="clip" vert="horz" wrap="square" lIns="36576" tIns="18288" rIns="36576" bIns="18288" anchor="ctr" anchorCtr="1">
+      <a:spAutoFit/>
+    </cs:bodyPr>
+  </cs:dataLabelCallout>
+  <cs:dataPoint>
+    <cs:lnRef idx="0"/>
+    <cs:fillRef idx="1">
+      <cs:styleClr val="auto"/>
+    </cs:fillRef>
+    <cs:effectRef idx="0"/>
+    <cs:fontRef idx="minor">
+      <a:schemeClr val="tx1"/>
+    </cs:fontRef>
+  </cs:dataPoint>
+  <cs:dataPoint3D>
+    <cs:lnRef idx="0"/>
+    <cs:fillRef idx="1">
+      <cs:styleClr val="auto"/>
+    </cs:fillRef>
+    <cs:effectRef idx="0"/>
+    <cs:fontRef idx="minor">
+      <a:schemeClr val="tx1"/>
+    </cs:fontRef>
+  </cs:dataPoint3D>
+  <cs:dataPointLine>
+    <cs:lnRef idx="0">
+      <cs:styleClr val="auto"/>
+    </cs:lnRef>
+    <cs:fillRef idx="1"/>
+    <cs:effectRef idx="0"/>
+    <cs:fontRef idx="minor">
+      <a:schemeClr val="tx1"/>
+    </cs:fontRef>
+    <cs:spPr>
+      <a:ln w="19050" cap="rnd">
+        <a:solidFill>
+          <a:schemeClr val="phClr"/>
+        </a:solidFill>
+        <a:round/>
+      </a:ln>
+    </cs:spPr>
+  </cs:dataPointLine>
+  <cs:dataPointMarker>
+    <cs:lnRef idx="0">
+      <cs:styleClr val="auto"/>
+    </cs:lnRef>
+    <cs:fillRef idx="1">
+      <cs:styleClr val="auto"/>
+    </cs:fillRef>
+    <cs:effectRef idx="0"/>
+    <cs:fontRef idx="minor">
+      <a:schemeClr val="tx1"/>
+    </cs:fontRef>
+    <cs:spPr>
+      <a:ln w="9525">
+        <a:solidFill>
+          <a:schemeClr val="phClr"/>
+        </a:solidFill>
+      </a:ln>
+    </cs:spPr>
+  </cs:dataPointMarker>
+  <cs:dataPointMarkerLayout symbol="circle" size="5"/>
+  <cs:dataPointWireframe>
+    <cs:lnRef idx="0">
+      <cs:styleClr val="auto"/>
+    </cs:lnRef>
+    <cs:fillRef idx="0"/>
+    <cs:effectRef idx="0"/>
+    <cs:fontRef idx="minor">
+      <a:schemeClr val="dk1"/>
+    </cs:fontRef>
+    <cs:spPr>
+      <a:ln w="9525" cap="rnd">
+        <a:solidFill>
+          <a:schemeClr val="phClr"/>
+        </a:solidFill>
+        <a:round/>
+      </a:ln>
+    </cs:spPr>
+  </cs:dataPointWireframe>
+  <cs:dataTable>
+    <cs:lnRef idx="0"/>
+    <cs:fillRef idx="0"/>
+    <cs:effectRef idx="0"/>
+    <cs:fontRef idx="minor">
+      <a:schemeClr val="tx1">
+        <a:lumMod val="65000"/>
+        <a:lumOff val="35000"/>
+      </a:schemeClr>
+    </cs:fontRef>
+    <cs:spPr>
+      <a:noFill/>
+      <a:ln w="9525" cap="flat" cmpd="sng" algn="ctr">
+        <a:solidFill>
+          <a:schemeClr val="tx1">
+            <a:lumMod val="15000"/>
+            <a:lumOff val="85000"/>
+          </a:schemeClr>
+        </a:solidFill>
+        <a:round/>
+      </a:ln>
+    </cs:spPr>
+    <cs:defRPr sz="900" kern="1200"/>
+  </cs:dataTable>
+  <cs:downBar>
+    <cs:lnRef idx="0"/>
+    <cs:fillRef idx="0"/>
+    <cs:effectRef idx="0"/>
+    <cs:fontRef idx="minor">
+      <a:schemeClr val="tx1"/>
+    </cs:fontRef>
+    <cs:spPr>
+      <a:solidFill>
+        <a:schemeClr val="dk1">
+          <a:lumMod val="75000"/>
+          <a:lumOff val="25000"/>
+        </a:schemeClr>
+      </a:solidFill>
+      <a:ln w="9525" cap="flat" cmpd="sng" algn="ctr">
+        <a:solidFill>
+          <a:schemeClr val="tx1">
+            <a:lumMod val="65000"/>
+            <a:lumOff val="35000"/>
+          </a:schemeClr>
+        </a:solidFill>
+        <a:round/>
+      </a:ln>
+    </cs:spPr>
+  </cs:downBar>
+  <cs:dropLine>
+    <cs:lnRef idx="0"/>
+    <cs:fillRef idx="0"/>
+    <cs:effectRef idx="0"/>
+    <cs:fontRef idx="minor">
+      <a:schemeClr val="tx1"/>
+    </cs:fontRef>
+    <cs:spPr>
+      <a:ln w="9525" cap="flat" cmpd="sng" algn="ctr">
+        <a:solidFill>
+          <a:schemeClr val="tx1">
+            <a:lumMod val="35000"/>
+            <a:lumOff val="65000"/>
+          </a:schemeClr>
+        </a:solidFill>
+        <a:round/>
+      </a:ln>
+    </cs:spPr>
+  </cs:dropLine>
+  <cs:errorBar>
+    <cs:lnRef idx="0"/>
+    <cs:fillRef idx="0"/>
+    <cs:effectRef idx="0"/>
+    <cs:fontRef idx="minor">
+      <a:schemeClr val="tx1"/>
+    </cs:fontRef>
+    <cs:spPr>
+      <a:ln w="9525" cap="flat" cmpd="sng" algn="ctr">
+        <a:solidFill>
+          <a:schemeClr val="tx1">
+            <a:lumMod val="65000"/>
+            <a:lumOff val="35000"/>
+          </a:schemeClr>
+        </a:solidFill>
+        <a:round/>
+      </a:ln>
+    </cs:spPr>
+  </cs:errorBar>
+  <cs:floor>
+    <cs:lnRef idx="0"/>
+    <cs:fillRef idx="0"/>
+    <cs:effectRef idx="0"/>
+    <cs:fontRef idx="minor">
+      <a:schemeClr val="tx1"/>
+    </cs:fontRef>
+    <cs:spPr>
+      <a:noFill/>
+      <a:ln>
+        <a:noFill/>
+      </a:ln>
+    </cs:spPr>
+  </cs:floor>
+  <cs:gridlineMajor>
+    <cs:lnRef idx="0"/>
+    <cs:fillRef idx="0"/>
+    <cs:effectRef idx="0"/>
+    <cs:fontRef idx="minor">
+      <a:schemeClr val="tx1"/>
+    </cs:fontRef>
+    <cs:spPr>
+      <a:ln w="9525" cap="flat" cmpd="sng" algn="ctr">
+        <a:solidFill>
+          <a:schemeClr val="tx1">
+            <a:lumMod val="15000"/>
+            <a:lumOff val="85000"/>
+          </a:schemeClr>
+        </a:solidFill>
+        <a:round/>
+      </a:ln>
+    </cs:spPr>
+  </cs:gridlineMajor>
+  <cs:gridlineMinor>
+    <cs:lnRef idx="0"/>
+    <cs:fillRef idx="0"/>
+    <cs:effectRef idx="0"/>
+    <cs:fontRef idx="minor">
+      <a:schemeClr val="tx1"/>
+    </cs:fontRef>
+    <cs:spPr>
+      <a:ln w="9525" cap="flat" cmpd="sng" algn="ctr">
+        <a:solidFill>
+          <a:schemeClr val="tx1">
+            <a:lumMod val="5000"/>
+            <a:lumOff val="95000"/>
+          </a:schemeClr>
+        </a:solidFill>
+        <a:round/>
+      </a:ln>
+    </cs:spPr>
+  </cs:gridlineMinor>
+  <cs:hiLoLine>
+    <cs:lnRef idx="0"/>
+    <cs:fillRef idx="0"/>
+    <cs:effectRef idx="0"/>
+    <cs:fontRef idx="minor">
+      <a:schemeClr val="tx1"/>
+    </cs:fontRef>
+    <cs:spPr>
+      <a:ln w="9525" cap="flat" cmpd="sng" algn="ctr">
+        <a:solidFill>
+          <a:schemeClr val="tx1">
+            <a:lumMod val="50000"/>
+            <a:lumOff val="50000"/>
+          </a:schemeClr>
+        </a:solidFill>
+        <a:round/>
+      </a:ln>
+    </cs:spPr>
+  </cs:hiLoLine>
+  <cs:leaderLine>
+    <cs:lnRef idx="0"/>
+    <cs:fillRef idx="0"/>
+    <cs:effectRef idx="0"/>
+    <cs:fontRef idx="minor">
+      <a:schemeClr val="tx1"/>
+    </cs:fontRef>
+    <cs:spPr>
+      <a:ln w="9525" cap="flat" cmpd="sng" algn="ctr">
+        <a:solidFill>
+          <a:schemeClr val="tx1">
+            <a:lumMod val="35000"/>
+            <a:lumOff val="65000"/>
+          </a:schemeClr>
+        </a:solidFill>
+        <a:round/>
+      </a:ln>
+    </cs:spPr>
+  </cs:leaderLine>
+  <cs:legend>
+    <cs:lnRef idx="0"/>
+    <cs:fillRef idx="0"/>
+    <cs:effectRef idx="0"/>
+    <cs:fontRef idx="minor">
+      <a:schemeClr val="tx1">
+        <a:lumMod val="65000"/>
+        <a:lumOff val="35000"/>
+      </a:schemeClr>
+    </cs:fontRef>
+    <cs:defRPr sz="900" kern="1200"/>
+  </cs:legend>
+  <cs:plotArea mods="allowNoFillOverride allowNoLineOverride">
+    <cs:lnRef idx="0"/>
+    <cs:fillRef idx="0"/>
+    <cs:effectRef idx="0"/>
+    <cs:fontRef idx="minor">
+      <a:schemeClr val="tx1"/>
+    </cs:fontRef>
+  </cs:plotArea>
+  <cs:plotArea3D mods="allowNoFillOverride allowNoLineOverride">
+    <cs:lnRef idx="0"/>
+    <cs:fillRef idx="0"/>
+    <cs:effectRef idx="0"/>
+    <cs:fontRef idx="minor">
+      <a:schemeClr val="tx1"/>
+    </cs:fontRef>
+  </cs:plotArea3D>
+  <cs:seriesAxis>
+    <cs:lnRef idx="0"/>
+    <cs:fillRef idx="0"/>
+    <cs:effectRef idx="0"/>
+    <cs:fontRef idx="minor">
+      <a:schemeClr val="tx1">
+        <a:lumMod val="65000"/>
+        <a:lumOff val="35000"/>
+      </a:schemeClr>
+    </cs:fontRef>
+    <cs:defRPr sz="900" kern="1200"/>
+  </cs:seriesAxis>
+  <cs:seriesLine>
+    <cs:lnRef idx="0"/>
+    <cs:fillRef idx="0"/>
+    <cs:effectRef idx="0"/>
+    <cs:fontRef idx="minor">
+      <a:schemeClr val="tx1"/>
+    </cs:fontRef>
+    <cs:spPr>
+      <a:ln w="9525" cap="flat" cmpd="sng" algn="ctr">
+        <a:solidFill>
+          <a:schemeClr val="tx1">
+            <a:lumMod val="35000"/>
+            <a:lumOff val="65000"/>
+          </a:schemeClr>
+        </a:solidFill>
+        <a:round/>
+      </a:ln>
+    </cs:spPr>
+  </cs:seriesLine>
+  <cs:title>
+    <cs:lnRef idx="0"/>
+    <cs:fillRef idx="0"/>
+    <cs:effectRef idx="0"/>
+    <cs:fontRef idx="minor">
+      <a:schemeClr val="tx1">
+        <a:lumMod val="65000"/>
+        <a:lumOff val="35000"/>
+      </a:schemeClr>
+    </cs:fontRef>
+    <cs:defRPr sz="1400" b="0" kern="1200" spc="0" baseline="0"/>
+  </cs:title>
+  <cs:trendline>
+    <cs:lnRef idx="0">
+      <cs:styleClr val="auto"/>
+    </cs:lnRef>
+    <cs:fillRef idx="0"/>
+    <cs:effectRef idx="0"/>
+    <cs:fontRef idx="minor">
+      <a:schemeClr val="tx1"/>
+    </cs:fontRef>
+    <cs:spPr>
+      <a:ln w="19050" cap="rnd">
+        <a:solidFill>
+          <a:schemeClr val="phClr"/>
+        </a:solidFill>
+        <a:prstDash val="sysDot"/>
+      </a:ln>
+    </cs:spPr>
+  </cs:trendline>
+  <cs:trendlineLabel>
+    <cs:lnRef idx="0"/>
+    <cs:fillRef idx="0"/>
+    <cs:effectRef idx="0"/>
+    <cs:fontRef idx="minor">
+      <a:schemeClr val="tx1">
+        <a:lumMod val="65000"/>
+        <a:lumOff val="35000"/>
+      </a:schemeClr>
+    </cs:fontRef>
+    <cs:defRPr sz="900" kern="1200"/>
+  </cs:trendlineLabel>
+  <cs:upBar>
+    <cs:lnRef idx="0"/>
+    <cs:fillRef idx="0"/>
+    <cs:effectRef idx="0"/>
+    <cs:fontRef idx="minor">
+      <a:schemeClr val="tx1"/>
+    </cs:fontRef>
+    <cs:spPr>
+      <a:solidFill>
+        <a:schemeClr val="lt1"/>
+      </a:solidFill>
+      <a:ln w="9525" cap="flat" cmpd="sng" algn="ctr">
+        <a:solidFill>
+          <a:schemeClr val="tx1">
+            <a:lumMod val="65000"/>
+            <a:lumOff val="35000"/>
+          </a:schemeClr>
+        </a:solidFill>
+        <a:round/>
+      </a:ln>
+    </cs:spPr>
+  </cs:upBar>
+  <cs:valueAxis>
+    <cs:lnRef idx="0"/>
+    <cs:fillRef idx="0"/>
+    <cs:effectRef idx="0"/>
+    <cs:fontRef idx="minor">
+      <a:schemeClr val="tx1">
+        <a:lumMod val="65000"/>
+        <a:lumOff val="35000"/>
+      </a:schemeClr>
+    </cs:fontRef>
+    <cs:spPr>
+      <a:ln w="9525" cap="flat" cmpd="sng" algn="ctr">
+        <a:solidFill>
+          <a:schemeClr val="tx1">
+            <a:lumMod val="25000"/>
+            <a:lumOff val="75000"/>
+          </a:schemeClr>
+        </a:solidFill>
+        <a:round/>
+      </a:ln>
+    </cs:spPr>
+    <cs:defRPr sz="900" kern="1200"/>
+  </cs:valueAxis>
+  <cs:wall>
+    <cs:lnRef idx="0"/>
+    <cs:fillRef idx="0"/>
+    <cs:effectRef idx="0"/>
+    <cs:fontRef idx="minor">
+      <a:schemeClr val="tx1"/>
+    </cs:fontRef>
+    <cs:spPr>
+      <a:noFill/>
+      <a:ln>
+        <a:noFill/>
+      </a:ln>
+    </cs:spPr>
+  </cs:wall>
+</cs:chartStyle>
+</file>
+
+<file path=ppt/charts/style2.xml><?xml version="1.0" encoding="utf-8"?>
+<cs:chartStyle xmlns:cs="http://schemas.microsoft.com/office/drawing/2012/chartStyle" xmlns:a="http://schemas.openxmlformats.org/drawingml/2006/main" id="240">
+  <cs:axisTitle>
+    <cs:lnRef idx="0"/>
+    <cs:fillRef idx="0"/>
+    <cs:effectRef idx="0"/>
+    <cs:fontRef idx="minor">
+      <a:schemeClr val="tx1">
+        <a:lumMod val="65000"/>
+        <a:lumOff val="35000"/>
+      </a:schemeClr>
+    </cs:fontRef>
+    <cs:defRPr sz="1000" kern="1200"/>
+  </cs:axisTitle>
+  <cs:categoryAxis>
+    <cs:lnRef idx="0"/>
+    <cs:fillRef idx="0"/>
+    <cs:effectRef idx="0"/>
+    <cs:fontRef idx="minor">
+      <a:schemeClr val="tx1">
+        <a:lumMod val="65000"/>
+        <a:lumOff val="35000"/>
+      </a:schemeClr>
+    </cs:fontRef>
+    <cs:spPr>
+      <a:ln w="9525" cap="flat" cmpd="sng" algn="ctr">
+        <a:solidFill>
+          <a:schemeClr val="tx1">
+            <a:lumMod val="25000"/>
+            <a:lumOff val="75000"/>
+          </a:schemeClr>
+        </a:solidFill>
+        <a:round/>
+      </a:ln>
+    </cs:spPr>
+    <cs:defRPr sz="900" kern="1200"/>
+  </cs:categoryAxis>
+  <cs:chartArea mods="allowNoFillOverride allowNoLineOverride">
+    <cs:lnRef idx="0"/>
+    <cs:fillRef idx="0"/>
+    <cs:effectRef idx="0"/>
+    <cs:fontRef idx="minor">
+      <a:schemeClr val="tx1"/>
+    </cs:fontRef>
+    <cs:spPr>
+      <a:solidFill>
+        <a:schemeClr val="bg1"/>
+      </a:solidFill>
+      <a:ln w="9525" cap="flat" cmpd="sng" algn="ctr">
+        <a:solidFill>
+          <a:schemeClr val="tx1">
+            <a:lumMod val="15000"/>
+            <a:lumOff val="85000"/>
+          </a:schemeClr>
+        </a:solidFill>
+        <a:round/>
+      </a:ln>
+    </cs:spPr>
+    <cs:defRPr sz="1000" kern="1200"/>
+  </cs:chartArea>
+  <cs:dataLabel>
+    <cs:lnRef idx="0"/>
+    <cs:fillRef idx="0"/>
+    <cs:effectRef idx="0"/>
+    <cs:fontRef idx="minor">
+      <a:schemeClr val="tx1">
+        <a:lumMod val="75000"/>
+        <a:lumOff val="25000"/>
+      </a:schemeClr>
+    </cs:fontRef>
+    <cs:defRPr sz="900" kern="1200"/>
+  </cs:dataLabel>
+  <cs:dataLabelCallout>
+    <cs:lnRef idx="0"/>
+    <cs:fillRef idx="0"/>
+    <cs:effectRef idx="0"/>
+    <cs:fontRef idx="minor">
+      <a:schemeClr val="dk1">
+        <a:lumMod val="65000"/>
+        <a:lumOff val="35000"/>
+      </a:schemeClr>
+    </cs:fontRef>
+    <cs:spPr>
+      <a:solidFill>
+        <a:schemeClr val="lt1"/>
+      </a:solidFill>
+      <a:ln>
+        <a:solidFill>
+          <a:schemeClr val="dk1">
+            <a:lumMod val="25000"/>
+            <a:lumOff val="75000"/>
+          </a:schemeClr>
+        </a:solidFill>
+      </a:ln>
+    </cs:spPr>
+    <cs:defRPr sz="900" kern="1200"/>
+    <cs:bodyPr rot="0" spcFirstLastPara="1" vertOverflow="clip" horzOverflow="clip" vert="horz" wrap="square" lIns="36576" tIns="18288" rIns="36576" bIns="18288" anchor="ctr" anchorCtr="1">
+      <a:spAutoFit/>
+    </cs:bodyPr>
+  </cs:dataLabelCallout>
+  <cs:dataPoint>
+    <cs:lnRef idx="0"/>
+    <cs:fillRef idx="1">
+      <cs:styleClr val="auto"/>
+    </cs:fillRef>
+    <cs:effectRef idx="0"/>
+    <cs:fontRef idx="minor">
+      <a:schemeClr val="tx1"/>
+    </cs:fontRef>
+  </cs:dataPoint>
+  <cs:dataPoint3D>
+    <cs:lnRef idx="0"/>
+    <cs:fillRef idx="1">
+      <cs:styleClr val="auto"/>
+    </cs:fillRef>
+    <cs:effectRef idx="0"/>
+    <cs:fontRef idx="minor">
+      <a:schemeClr val="tx1"/>
+    </cs:fontRef>
+  </cs:dataPoint3D>
+  <cs:dataPointLine>
+    <cs:lnRef idx="0">
+      <cs:styleClr val="auto"/>
+    </cs:lnRef>
+    <cs:fillRef idx="1"/>
+    <cs:effectRef idx="0"/>
+    <cs:fontRef idx="minor">
+      <a:schemeClr val="tx1"/>
+    </cs:fontRef>
+    <cs:spPr>
+      <a:ln w="19050" cap="rnd">
+        <a:solidFill>
+          <a:schemeClr val="phClr"/>
+        </a:solidFill>
+        <a:round/>
+      </a:ln>
+    </cs:spPr>
+  </cs:dataPointLine>
+  <cs:dataPointMarker>
+    <cs:lnRef idx="0">
+      <cs:styleClr val="auto"/>
+    </cs:lnRef>
+    <cs:fillRef idx="1">
+      <cs:styleClr val="auto"/>
+    </cs:fillRef>
+    <cs:effectRef idx="0"/>
+    <cs:fontRef idx="minor">
+      <a:schemeClr val="tx1"/>
+    </cs:fontRef>
+    <cs:spPr>
+      <a:ln w="9525">
+        <a:solidFill>
+          <a:schemeClr val="phClr"/>
+        </a:solidFill>
+      </a:ln>
+    </cs:spPr>
+  </cs:dataPointMarker>
+  <cs:dataPointMarkerLayout symbol="circle" size="5"/>
+  <cs:dataPointWireframe>
+    <cs:lnRef idx="0">
+      <cs:styleClr val="auto"/>
+    </cs:lnRef>
+    <cs:fillRef idx="0"/>
+    <cs:effectRef idx="0"/>
+    <cs:fontRef idx="minor">
+      <a:schemeClr val="dk1"/>
+    </cs:fontRef>
+    <cs:spPr>
+      <a:ln w="9525" cap="rnd">
+        <a:solidFill>
+          <a:schemeClr val="phClr"/>
+        </a:solidFill>
+        <a:round/>
+      </a:ln>
+    </cs:spPr>
+  </cs:dataPointWireframe>
+  <cs:dataTable>
+    <cs:lnRef idx="0"/>
+    <cs:fillRef idx="0"/>
+    <cs:effectRef idx="0"/>
+    <cs:fontRef idx="minor">
+      <a:schemeClr val="tx1">
+        <a:lumMod val="65000"/>
+        <a:lumOff val="35000"/>
+      </a:schemeClr>
+    </cs:fontRef>
+    <cs:spPr>
+      <a:noFill/>
+      <a:ln w="9525" cap="flat" cmpd="sng" algn="ctr">
+        <a:solidFill>
+          <a:schemeClr val="tx1">
+            <a:lumMod val="15000"/>
+            <a:lumOff val="85000"/>
+          </a:schemeClr>
+        </a:solidFill>
+        <a:round/>
+      </a:ln>
+    </cs:spPr>
+    <cs:defRPr sz="900" kern="1200"/>
+  </cs:dataTable>
+  <cs:downBar>
+    <cs:lnRef idx="0"/>
+    <cs:fillRef idx="0"/>
+    <cs:effectRef idx="0"/>
+    <cs:fontRef idx="minor">
+      <a:schemeClr val="tx1"/>
+    </cs:fontRef>
+    <cs:spPr>
+      <a:solidFill>
+        <a:schemeClr val="dk1">
+          <a:lumMod val="75000"/>
+          <a:lumOff val="25000"/>
+        </a:schemeClr>
+      </a:solidFill>
+      <a:ln w="9525" cap="flat" cmpd="sng" algn="ctr">
+        <a:solidFill>
+          <a:schemeClr val="tx1">
+            <a:lumMod val="65000"/>
+            <a:lumOff val="35000"/>
+          </a:schemeClr>
+        </a:solidFill>
+        <a:round/>
+      </a:ln>
+    </cs:spPr>
+  </cs:downBar>
+  <cs:dropLine>
+    <cs:lnRef idx="0"/>
+    <cs:fillRef idx="0"/>
+    <cs:effectRef idx="0"/>
+    <cs:fontRef idx="minor">
+      <a:schemeClr val="tx1"/>
+    </cs:fontRef>
+    <cs:spPr>
+      <a:ln w="9525" cap="flat" cmpd="sng" algn="ctr">
+        <a:solidFill>
+          <a:schemeClr val="tx1">
+            <a:lumMod val="35000"/>
+            <a:lumOff val="65000"/>
+          </a:schemeClr>
+        </a:solidFill>
+        <a:round/>
+      </a:ln>
+    </cs:spPr>
+  </cs:dropLine>
+  <cs:errorBar>
+    <cs:lnRef idx="0"/>
+    <cs:fillRef idx="0"/>
+    <cs:effectRef idx="0"/>
+    <cs:fontRef idx="minor">
+      <a:schemeClr val="tx1"/>
+    </cs:fontRef>
+    <cs:spPr>
+      <a:ln w="9525" cap="flat" cmpd="sng" algn="ctr">
+        <a:solidFill>
+          <a:schemeClr val="tx1">
+            <a:lumMod val="65000"/>
+            <a:lumOff val="35000"/>
+          </a:schemeClr>
+        </a:solidFill>
+        <a:round/>
+      </a:ln>
+    </cs:spPr>
+  </cs:errorBar>
+  <cs:floor>
+    <cs:lnRef idx="0"/>
+    <cs:fillRef idx="0"/>
+    <cs:effectRef idx="0"/>
+    <cs:fontRef idx="minor">
+      <a:schemeClr val="tx1"/>
+    </cs:fontRef>
+    <cs:spPr>
+      <a:noFill/>
+      <a:ln>
+        <a:noFill/>
+      </a:ln>
+    </cs:spPr>
+  </cs:floor>
+  <cs:gridlineMajor>
+    <cs:lnRef idx="0"/>
+    <cs:fillRef idx="0"/>
+    <cs:effectRef idx="0"/>
+    <cs:fontRef idx="minor">
+      <a:schemeClr val="tx1"/>
+    </cs:fontRef>
+    <cs:spPr>
+      <a:ln w="9525" cap="flat" cmpd="sng" algn="ctr">
+        <a:solidFill>
+          <a:schemeClr val="tx1">
+            <a:lumMod val="15000"/>
+            <a:lumOff val="85000"/>
+          </a:schemeClr>
+        </a:solidFill>
+        <a:round/>
+      </a:ln>
+    </cs:spPr>
+  </cs:gridlineMajor>
+  <cs:gridlineMinor>
+    <cs:lnRef idx="0"/>
+    <cs:fillRef idx="0"/>
+    <cs:effectRef idx="0"/>
+    <cs:fontRef idx="minor">
+      <a:schemeClr val="tx1"/>
+    </cs:fontRef>
+    <cs:spPr>
+      <a:ln w="9525" cap="flat" cmpd="sng" algn="ctr">
+        <a:solidFill>
+          <a:schemeClr val="tx1">
+            <a:lumMod val="5000"/>
+            <a:lumOff val="95000"/>
+          </a:schemeClr>
+        </a:solidFill>
+        <a:round/>
+      </a:ln>
+    </cs:spPr>
+  </cs:gridlineMinor>
+  <cs:hiLoLine>
+    <cs:lnRef idx="0"/>
+    <cs:fillRef idx="0"/>
+    <cs:effectRef idx="0"/>
+    <cs:fontRef idx="minor">
+      <a:schemeClr val="tx1"/>
+    </cs:fontRef>
+    <cs:spPr>
+      <a:ln w="9525" cap="flat" cmpd="sng" algn="ctr">
+        <a:solidFill>
+          <a:schemeClr val="tx1">
+            <a:lumMod val="50000"/>
+            <a:lumOff val="50000"/>
+          </a:schemeClr>
+        </a:solidFill>
+        <a:round/>
+      </a:ln>
+    </cs:spPr>
+  </cs:hiLoLine>
+  <cs:leaderLine>
+    <cs:lnRef idx="0"/>
+    <cs:fillRef idx="0"/>
+    <cs:effectRef idx="0"/>
+    <cs:fontRef idx="minor">
+      <a:schemeClr val="tx1"/>
+    </cs:fontRef>
+    <cs:spPr>
+      <a:ln w="9525" cap="flat" cmpd="sng" algn="ctr">
+        <a:solidFill>
+          <a:schemeClr val="tx1">
+            <a:lumMod val="35000"/>
+            <a:lumOff val="65000"/>
+          </a:schemeClr>
+        </a:solidFill>
+        <a:round/>
+      </a:ln>
+    </cs:spPr>
+  </cs:leaderLine>
+  <cs:legend>
+    <cs:lnRef idx="0"/>
+    <cs:fillRef idx="0"/>
+    <cs:effectRef idx="0"/>
+    <cs:fontRef idx="minor">
+      <a:schemeClr val="tx1">
+        <a:lumMod val="65000"/>
+        <a:lumOff val="35000"/>
+      </a:schemeClr>
+    </cs:fontRef>
+    <cs:defRPr sz="900" kern="1200"/>
+  </cs:legend>
+  <cs:plotArea mods="allowNoFillOverride allowNoLineOverride">
+    <cs:lnRef idx="0"/>
+    <cs:fillRef idx="0"/>
+    <cs:effectRef idx="0"/>
+    <cs:fontRef idx="minor">
+      <a:schemeClr val="tx1"/>
+    </cs:fontRef>
+  </cs:plotArea>
+  <cs:plotArea3D mods="allowNoFillOverride allowNoLineOverride">
+    <cs:lnRef idx="0"/>
+    <cs:fillRef idx="0"/>
+    <cs:effectRef idx="0"/>
+    <cs:fontRef idx="minor">
+      <a:schemeClr val="tx1"/>
+    </cs:fontRef>
+  </cs:plotArea3D>
+  <cs:seriesAxis>
+    <cs:lnRef idx="0"/>
+    <cs:fillRef idx="0"/>
+    <cs:effectRef idx="0"/>
+    <cs:fontRef idx="minor">
+      <a:schemeClr val="tx1">
+        <a:lumMod val="65000"/>
+        <a:lumOff val="35000"/>
+      </a:schemeClr>
+    </cs:fontRef>
+    <cs:defRPr sz="900" kern="1200"/>
+  </cs:seriesAxis>
+  <cs:seriesLine>
+    <cs:lnRef idx="0"/>
+    <cs:fillRef idx="0"/>
+    <cs:effectRef idx="0"/>
+    <cs:fontRef idx="minor">
+      <a:schemeClr val="tx1"/>
+    </cs:fontRef>
+    <cs:spPr>
+      <a:ln w="9525" cap="flat" cmpd="sng" algn="ctr">
+        <a:solidFill>
+          <a:schemeClr val="tx1">
+            <a:lumMod val="35000"/>
+            <a:lumOff val="65000"/>
+          </a:schemeClr>
+        </a:solidFill>
+        <a:round/>
+      </a:ln>
+    </cs:spPr>
+  </cs:seriesLine>
+  <cs:title>
+    <cs:lnRef idx="0"/>
+    <cs:fillRef idx="0"/>
+    <cs:effectRef idx="0"/>
+    <cs:fontRef idx="minor">
+      <a:schemeClr val="tx1">
+        <a:lumMod val="65000"/>
+        <a:lumOff val="35000"/>
+      </a:schemeClr>
+    </cs:fontRef>
+    <cs:defRPr sz="1400" b="0" kern="1200" spc="0" baseline="0"/>
+  </cs:title>
+  <cs:trendline>
+    <cs:lnRef idx="0">
+      <cs:styleClr val="auto"/>
+    </cs:lnRef>
+    <cs:fillRef idx="0"/>
+    <cs:effectRef idx="0"/>
+    <cs:fontRef idx="minor">
+      <a:schemeClr val="tx1"/>
+    </cs:fontRef>
+    <cs:spPr>
+      <a:ln w="19050" cap="rnd">
+        <a:solidFill>
+          <a:schemeClr val="phClr"/>
+        </a:solidFill>
+        <a:prstDash val="sysDot"/>
+      </a:ln>
+    </cs:spPr>
+  </cs:trendline>
+  <cs:trendlineLabel>
+    <cs:lnRef idx="0"/>
+    <cs:fillRef idx="0"/>
+    <cs:effectRef idx="0"/>
+    <cs:fontRef idx="minor">
+      <a:schemeClr val="tx1">
+        <a:lumMod val="65000"/>
+        <a:lumOff val="35000"/>
+      </a:schemeClr>
+    </cs:fontRef>
+    <cs:defRPr sz="900" kern="1200"/>
+  </cs:trendlineLabel>
+  <cs:upBar>
+    <cs:lnRef idx="0"/>
+    <cs:fillRef idx="0"/>
+    <cs:effectRef idx="0"/>
+    <cs:fontRef idx="minor">
+      <a:schemeClr val="tx1"/>
+    </cs:fontRef>
+    <cs:spPr>
+      <a:solidFill>
+        <a:schemeClr val="lt1"/>
+      </a:solidFill>
+      <a:ln w="9525" cap="flat" cmpd="sng" algn="ctr">
+        <a:solidFill>
+          <a:schemeClr val="tx1">
+            <a:lumMod val="65000"/>
+            <a:lumOff val="35000"/>
+          </a:schemeClr>
+        </a:solidFill>
+        <a:round/>
+      </a:ln>
+    </cs:spPr>
+  </cs:upBar>
+  <cs:valueAxis>
+    <cs:lnRef idx="0"/>
+    <cs:fillRef idx="0"/>
+    <cs:effectRef idx="0"/>
+    <cs:fontRef idx="minor">
+      <a:schemeClr val="tx1">
+        <a:lumMod val="65000"/>
+        <a:lumOff val="35000"/>
+      </a:schemeClr>
+    </cs:fontRef>
+    <cs:spPr>
+      <a:ln w="9525" cap="flat" cmpd="sng" algn="ctr">
+        <a:solidFill>
+          <a:schemeClr val="tx1">
+            <a:lumMod val="25000"/>
+            <a:lumOff val="75000"/>
+          </a:schemeClr>
+        </a:solidFill>
+        <a:round/>
+      </a:ln>
+    </cs:spPr>
+    <cs:defRPr sz="900" kern="1200"/>
+  </cs:valueAxis>
+  <cs:wall>
+    <cs:lnRef idx="0"/>
+    <cs:fillRef idx="0"/>
+    <cs:effectRef idx="0"/>
+    <cs:fontRef idx="minor">
+      <a:schemeClr val="tx1"/>
+    </cs:fontRef>
+    <cs:spPr>
+      <a:noFill/>
+      <a:ln>
+        <a:noFill/>
+      </a:ln>
+    </cs:spPr>
+  </cs:wall>
+</cs:chartStyle>
+</file>
+
+<file path=ppt/charts/style3.xml><?xml version="1.0" encoding="utf-8"?>
+<cs:chartStyle xmlns:cs="http://schemas.microsoft.com/office/drawing/2012/chartStyle" xmlns:a="http://schemas.openxmlformats.org/drawingml/2006/main" id="240">
+  <cs:axisTitle>
+    <cs:lnRef idx="0"/>
+    <cs:fillRef idx="0"/>
+    <cs:effectRef idx="0"/>
+    <cs:fontRef idx="minor">
+      <a:schemeClr val="tx1">
+        <a:lumMod val="65000"/>
+        <a:lumOff val="35000"/>
+      </a:schemeClr>
+    </cs:fontRef>
+    <cs:defRPr sz="1000" kern="1200"/>
+  </cs:axisTitle>
+  <cs:categoryAxis>
+    <cs:lnRef idx="0"/>
+    <cs:fillRef idx="0"/>
+    <cs:effectRef idx="0"/>
+    <cs:fontRef idx="minor">
+      <a:schemeClr val="tx1">
+        <a:lumMod val="65000"/>
+        <a:lumOff val="35000"/>
+      </a:schemeClr>
+    </cs:fontRef>
+    <cs:spPr>
+      <a:ln w="9525" cap="flat" cmpd="sng" algn="ctr">
+        <a:solidFill>
+          <a:schemeClr val="tx1">
+            <a:lumMod val="25000"/>
+            <a:lumOff val="75000"/>
+          </a:schemeClr>
+        </a:solidFill>
+        <a:round/>
+      </a:ln>
+    </cs:spPr>
+    <cs:defRPr sz="900" kern="1200"/>
+  </cs:categoryAxis>
+  <cs:chartArea mods="allowNoFillOverride allowNoLineOverride">
+    <cs:lnRef idx="0"/>
+    <cs:fillRef idx="0"/>
+    <cs:effectRef idx="0"/>
+    <cs:fontRef idx="minor">
+      <a:schemeClr val="tx1"/>
+    </cs:fontRef>
+    <cs:spPr>
+      <a:solidFill>
+        <a:schemeClr val="bg1"/>
+      </a:solidFill>
+      <a:ln w="9525" cap="flat" cmpd="sng" algn="ctr">
+        <a:solidFill>
+          <a:schemeClr val="tx1">
+            <a:lumMod val="15000"/>
+            <a:lumOff val="85000"/>
+          </a:schemeClr>
+        </a:solidFill>
+        <a:round/>
+      </a:ln>
+    </cs:spPr>
+    <cs:defRPr sz="1000" kern="1200"/>
+  </cs:chartArea>
+  <cs:dataLabel>
+    <cs:lnRef idx="0"/>
+    <cs:fillRef idx="0"/>
+    <cs:effectRef idx="0"/>
+    <cs:fontRef idx="minor">
+      <a:schemeClr val="tx1">
+        <a:lumMod val="75000"/>
+        <a:lumOff val="25000"/>
+      </a:schemeClr>
+    </cs:fontRef>
+    <cs:defRPr sz="900" kern="1200"/>
+  </cs:dataLabel>
+  <cs:dataLabelCallout>
+    <cs:lnRef idx="0"/>
+    <cs:fillRef idx="0"/>
+    <cs:effectRef idx="0"/>
+    <cs:fontRef idx="minor">
+      <a:schemeClr val="dk1">
+        <a:lumMod val="65000"/>
+        <a:lumOff val="35000"/>
+      </a:schemeClr>
+    </cs:fontRef>
+    <cs:spPr>
+      <a:solidFill>
+        <a:schemeClr val="lt1"/>
+      </a:solidFill>
+      <a:ln>
+        <a:solidFill>
+          <a:schemeClr val="dk1">
+            <a:lumMod val="25000"/>
+            <a:lumOff val="75000"/>
+          </a:schemeClr>
+        </a:solidFill>
+      </a:ln>
+    </cs:spPr>
+    <cs:defRPr sz="900" kern="1200"/>
+    <cs:bodyPr rot="0" spcFirstLastPara="1" vertOverflow="clip" horzOverflow="clip" vert="horz" wrap="square" lIns="36576" tIns="18288" rIns="36576" bIns="18288" anchor="ctr" anchorCtr="1">
+      <a:spAutoFit/>
+    </cs:bodyPr>
+  </cs:dataLabelCallout>
+  <cs:dataPoint>
+    <cs:lnRef idx="0"/>
+    <cs:fillRef idx="1">
+      <cs:styleClr val="auto"/>
+    </cs:fillRef>
+    <cs:effectRef idx="0"/>
+    <cs:fontRef idx="minor">
+      <a:schemeClr val="tx1"/>
+    </cs:fontRef>
+  </cs:dataPoint>
+  <cs:dataPoint3D>
+    <cs:lnRef idx="0"/>
+    <cs:fillRef idx="1">
+      <cs:styleClr val="auto"/>
+    </cs:fillRef>
+    <cs:effectRef idx="0"/>
+    <cs:fontRef idx="minor">
+      <a:schemeClr val="tx1"/>
+    </cs:fontRef>
+  </cs:dataPoint3D>
+  <cs:dataPointLine>
+    <cs:lnRef idx="0">
+      <cs:styleClr val="auto"/>
+    </cs:lnRef>
+    <cs:fillRef idx="1"/>
+    <cs:effectRef idx="0"/>
+    <cs:fontRef idx="minor">
+      <a:schemeClr val="tx1"/>
+    </cs:fontRef>
+    <cs:spPr>
+      <a:ln w="19050" cap="rnd">
+        <a:solidFill>
+          <a:schemeClr val="phClr"/>
+        </a:solidFill>
+        <a:round/>
+      </a:ln>
+    </cs:spPr>
+  </cs:dataPointLine>
+  <cs:dataPointMarker>
+    <cs:lnRef idx="0">
+      <cs:styleClr val="auto"/>
+    </cs:lnRef>
+    <cs:fillRef idx="1">
+      <cs:styleClr val="auto"/>
+    </cs:fillRef>
+    <cs:effectRef idx="0"/>
+    <cs:fontRef idx="minor">
+      <a:schemeClr val="tx1"/>
+    </cs:fontRef>
+    <cs:spPr>
+      <a:ln w="9525">
+        <a:solidFill>
+          <a:schemeClr val="phClr"/>
+        </a:solidFill>
+      </a:ln>
+    </cs:spPr>
+  </cs:dataPointMarker>
+  <cs:dataPointMarkerLayout symbol="circle" size="5"/>
+  <cs:dataPointWireframe>
+    <cs:lnRef idx="0">
+      <cs:styleClr val="auto"/>
+    </cs:lnRef>
+    <cs:fillRef idx="0"/>
+    <cs:effectRef idx="0"/>
+    <cs:fontRef idx="minor">
+      <a:schemeClr val="dk1"/>
+    </cs:fontRef>
+    <cs:spPr>
+      <a:ln w="9525" cap="rnd">
+        <a:solidFill>
+          <a:schemeClr val="phClr"/>
+        </a:solidFill>
+        <a:round/>
+      </a:ln>
+    </cs:spPr>
+  </cs:dataPointWireframe>
+  <cs:dataTable>
+    <cs:lnRef idx="0"/>
+    <cs:fillRef idx="0"/>
+    <cs:effectRef idx="0"/>
+    <cs:fontRef idx="minor">
+      <a:schemeClr val="tx1">
+        <a:lumMod val="65000"/>
+        <a:lumOff val="35000"/>
+      </a:schemeClr>
+    </cs:fontRef>
+    <cs:spPr>
+      <a:noFill/>
+      <a:ln w="9525" cap="flat" cmpd="sng" algn="ctr">
+        <a:solidFill>
+          <a:schemeClr val="tx1">
+            <a:lumMod val="15000"/>
+            <a:lumOff val="85000"/>
+          </a:schemeClr>
+        </a:solidFill>
+        <a:round/>
+      </a:ln>
+    </cs:spPr>
+    <cs:defRPr sz="900" kern="1200"/>
+  </cs:dataTable>
+  <cs:downBar>
+    <cs:lnRef idx="0"/>
+    <cs:fillRef idx="0"/>
+    <cs:effectRef idx="0"/>
+    <cs:fontRef idx="minor">
+      <a:schemeClr val="tx1"/>
+    </cs:fontRef>
+    <cs:spPr>
+      <a:solidFill>
+        <a:schemeClr val="dk1">
+          <a:lumMod val="75000"/>
+          <a:lumOff val="25000"/>
+        </a:schemeClr>
+      </a:solidFill>
+      <a:ln w="9525" cap="flat" cmpd="sng" algn="ctr">
+        <a:solidFill>
+          <a:schemeClr val="tx1">
+            <a:lumMod val="65000"/>
+            <a:lumOff val="35000"/>
+          </a:schemeClr>
+        </a:solidFill>
+        <a:round/>
+      </a:ln>
+    </cs:spPr>
+  </cs:downBar>
+  <cs:dropLine>
+    <cs:lnRef idx="0"/>
+    <cs:fillRef idx="0"/>
+    <cs:effectRef idx="0"/>
+    <cs:fontRef idx="minor">
+      <a:schemeClr val="tx1"/>
+    </cs:fontRef>
+    <cs:spPr>
+      <a:ln w="9525" cap="flat" cmpd="sng" algn="ctr">
+        <a:solidFill>
+          <a:schemeClr val="tx1">
+            <a:lumMod val="35000"/>
+            <a:lumOff val="65000"/>
+          </a:schemeClr>
+        </a:solidFill>
+        <a:round/>
+      </a:ln>
+    </cs:spPr>
+  </cs:dropLine>
+  <cs:errorBar>
+    <cs:lnRef idx="0"/>
+    <cs:fillRef idx="0"/>
+    <cs:effectRef idx="0"/>
+    <cs:fontRef idx="minor">
+      <a:schemeClr val="tx1"/>
+    </cs:fontRef>
+    <cs:spPr>
+      <a:ln w="9525" cap="flat" cmpd="sng" algn="ctr">
+        <a:solidFill>
+          <a:schemeClr val="tx1">
+            <a:lumMod val="65000"/>
+            <a:lumOff val="35000"/>
+          </a:schemeClr>
+        </a:solidFill>
+        <a:round/>
+      </a:ln>
+    </cs:spPr>
+  </cs:errorBar>
+  <cs:floor>
+    <cs:lnRef idx="0"/>
+    <cs:fillRef idx="0"/>
+    <cs:effectRef idx="0"/>
+    <cs:fontRef idx="minor">
+      <a:schemeClr val="tx1"/>
+    </cs:fontRef>
+    <cs:spPr>
+      <a:noFill/>
+      <a:ln>
+        <a:noFill/>
+      </a:ln>
+    </cs:spPr>
+  </cs:floor>
+  <cs:gridlineMajor>
+    <cs:lnRef idx="0"/>
+    <cs:fillRef idx="0"/>
+    <cs:effectRef idx="0"/>
+    <cs:fontRef idx="minor">
+      <a:schemeClr val="tx1"/>
+    </cs:fontRef>
+    <cs:spPr>
+      <a:ln w="9525" cap="flat" cmpd="sng" algn="ctr">
+        <a:solidFill>
+          <a:schemeClr val="tx1">
+            <a:lumMod val="15000"/>
+            <a:lumOff val="85000"/>
+          </a:schemeClr>
+        </a:solidFill>
+        <a:round/>
+      </a:ln>
+    </cs:spPr>
+  </cs:gridlineMajor>
+  <cs:gridlineMinor>
+    <cs:lnRef idx="0"/>
+    <cs:fillRef idx="0"/>
+    <cs:effectRef idx="0"/>
+    <cs:fontRef idx="minor">
+      <a:schemeClr val="tx1"/>
+    </cs:fontRef>
+    <cs:spPr>
+      <a:ln w="9525" cap="flat" cmpd="sng" algn="ctr">
+        <a:solidFill>
+          <a:schemeClr val="tx1">
+            <a:lumMod val="5000"/>
+            <a:lumOff val="95000"/>
+          </a:schemeClr>
+        </a:solidFill>
+        <a:round/>
+      </a:ln>
+    </cs:spPr>
+  </cs:gridlineMinor>
+  <cs:hiLoLine>
+    <cs:lnRef idx="0"/>
+    <cs:fillRef idx="0"/>
+    <cs:effectRef idx="0"/>
+    <cs:fontRef idx="minor">
+      <a:schemeClr val="tx1"/>
+    </cs:fontRef>
+    <cs:spPr>
+      <a:ln w="9525" cap="flat" cmpd="sng" algn="ctr">
+        <a:solidFill>
+          <a:schemeClr val="tx1">
+            <a:lumMod val="50000"/>
+            <a:lumOff val="50000"/>
+          </a:schemeClr>
+        </a:solidFill>
+        <a:round/>
+      </a:ln>
+    </cs:spPr>
+  </cs:hiLoLine>
+  <cs:leaderLine>
+    <cs:lnRef idx="0"/>
+    <cs:fillRef idx="0"/>
+    <cs:effectRef idx="0"/>
+    <cs:fontRef idx="minor">
+      <a:schemeClr val="tx1"/>
+    </cs:fontRef>
+    <cs:spPr>
+      <a:ln w="9525" cap="flat" cmpd="sng" algn="ctr">
+        <a:solidFill>
+          <a:schemeClr val="tx1">
+            <a:lumMod val="35000"/>
+            <a:lumOff val="65000"/>
+          </a:schemeClr>
+        </a:solidFill>
+        <a:round/>
+      </a:ln>
+    </cs:spPr>
+  </cs:leaderLine>
+  <cs:legend>
+    <cs:lnRef idx="0"/>
+    <cs:fillRef idx="0"/>
+    <cs:effectRef idx="0"/>
+    <cs:fontRef idx="minor">
+      <a:schemeClr val="tx1">
+        <a:lumMod val="65000"/>
+        <a:lumOff val="35000"/>
+      </a:schemeClr>
+    </cs:fontRef>
+    <cs:defRPr sz="900" kern="1200"/>
+  </cs:legend>
+  <cs:plotArea mods="allowNoFillOverride allowNoLineOverride">
+    <cs:lnRef idx="0"/>
+    <cs:fillRef idx="0"/>
+    <cs:effectRef idx="0"/>
+    <cs:fontRef idx="minor">
+      <a:schemeClr val="tx1"/>
+    </cs:fontRef>
+  </cs:plotArea>
+  <cs:plotArea3D mods="allowNoFillOverride allowNoLineOverride">
+    <cs:lnRef idx="0"/>
+    <cs:fillRef idx="0"/>
+    <cs:effectRef idx="0"/>
+    <cs:fontRef idx="minor">
+      <a:schemeClr val="tx1"/>
+    </cs:fontRef>
+  </cs:plotArea3D>
+  <cs:seriesAxis>
+    <cs:lnRef idx="0"/>
+    <cs:fillRef idx="0"/>
+    <cs:effectRef idx="0"/>
+    <cs:fontRef idx="minor">
+      <a:schemeClr val="tx1">
+        <a:lumMod val="65000"/>
+        <a:lumOff val="35000"/>
+      </a:schemeClr>
+    </cs:fontRef>
+    <cs:defRPr sz="900" kern="1200"/>
+  </cs:seriesAxis>
+  <cs:seriesLine>
+    <cs:lnRef idx="0"/>
+    <cs:fillRef idx="0"/>
+    <cs:effectRef idx="0"/>
+    <cs:fontRef idx="minor">
+      <a:schemeClr val="tx1"/>
+    </cs:fontRef>
+    <cs:spPr>
+      <a:ln w="9525" cap="flat" cmpd="sng" algn="ctr">
+        <a:solidFill>
+          <a:schemeClr val="tx1">
+            <a:lumMod val="35000"/>
+            <a:lumOff val="65000"/>
+          </a:schemeClr>
+        </a:solidFill>
+        <a:round/>
+      </a:ln>
+    </cs:spPr>
+  </cs:seriesLine>
+  <cs:title>
+    <cs:lnRef idx="0"/>
+    <cs:fillRef idx="0"/>
+    <cs:effectRef idx="0"/>
+    <cs:fontRef idx="minor">
+      <a:schemeClr val="tx1">
+        <a:lumMod val="65000"/>
+        <a:lumOff val="35000"/>
+      </a:schemeClr>
+    </cs:fontRef>
+    <cs:defRPr sz="1400" b="0" kern="1200" spc="0" baseline="0"/>
+  </cs:title>
+  <cs:trendline>
+    <cs:lnRef idx="0">
+      <cs:styleClr val="auto"/>
+    </cs:lnRef>
+    <cs:fillRef idx="0"/>
+    <cs:effectRef idx="0"/>
+    <cs:fontRef idx="minor">
+      <a:schemeClr val="tx1"/>
+    </cs:fontRef>
+    <cs:spPr>
+      <a:ln w="19050" cap="rnd">
+        <a:solidFill>
+          <a:schemeClr val="phClr"/>
+        </a:solidFill>
+        <a:prstDash val="sysDot"/>
+      </a:ln>
+    </cs:spPr>
+  </cs:trendline>
+  <cs:trendlineLabel>
+    <cs:lnRef idx="0"/>
+    <cs:fillRef idx="0"/>
+    <cs:effectRef idx="0"/>
+    <cs:fontRef idx="minor">
+      <a:schemeClr val="tx1">
+        <a:lumMod val="65000"/>
+        <a:lumOff val="35000"/>
+      </a:schemeClr>
+    </cs:fontRef>
+    <cs:defRPr sz="900" kern="1200"/>
+  </cs:trendlineLabel>
+  <cs:upBar>
+    <cs:lnRef idx="0"/>
+    <cs:fillRef idx="0"/>
+    <cs:effectRef idx="0"/>
+    <cs:fontRef idx="minor">
+      <a:schemeClr val="tx1"/>
+    </cs:fontRef>
+    <cs:spPr>
+      <a:solidFill>
+        <a:schemeClr val="lt1"/>
+      </a:solidFill>
+      <a:ln w="9525" cap="flat" cmpd="sng" algn="ctr">
+        <a:solidFill>
+          <a:schemeClr val="tx1">
+            <a:lumMod val="65000"/>
+            <a:lumOff val="35000"/>
+          </a:schemeClr>
+        </a:solidFill>
+        <a:round/>
+      </a:ln>
+    </cs:spPr>
+  </cs:upBar>
+  <cs:valueAxis>
+    <cs:lnRef idx="0"/>
+    <cs:fillRef idx="0"/>
+    <cs:effectRef idx="0"/>
+    <cs:fontRef idx="minor">
+      <a:schemeClr val="tx1">
+        <a:lumMod val="65000"/>
+        <a:lumOff val="35000"/>
+      </a:schemeClr>
+    </cs:fontRef>
+    <cs:spPr>
+      <a:ln w="9525" cap="flat" cmpd="sng" algn="ctr">
+        <a:solidFill>
+          <a:schemeClr val="tx1">
+            <a:lumMod val="25000"/>
+            <a:lumOff val="75000"/>
+          </a:schemeClr>
+        </a:solidFill>
+        <a:round/>
+      </a:ln>
+    </cs:spPr>
+    <cs:defRPr sz="900" kern="1200"/>
+  </cs:valueAxis>
+  <cs:wall>
+    <cs:lnRef idx="0"/>
+    <cs:fillRef idx="0"/>
+    <cs:effectRef idx="0"/>
+    <cs:fontRef idx="minor">
+      <a:schemeClr val="tx1"/>
+    </cs:fontRef>
+    <cs:spPr>
+      <a:noFill/>
+      <a:ln>
+        <a:noFill/>
+      </a:ln>
+    </cs:spPr>
+  </cs:wall>
+</cs:chartStyle>
+</file>
+
+<file path=ppt/charts/style4.xml><?xml version="1.0" encoding="utf-8"?>
+<cs:chartStyle xmlns:cs="http://schemas.microsoft.com/office/drawing/2012/chartStyle" xmlns:a="http://schemas.openxmlformats.org/drawingml/2006/main" id="240">
+  <cs:axisTitle>
+    <cs:lnRef idx="0"/>
+    <cs:fillRef idx="0"/>
+    <cs:effectRef idx="0"/>
+    <cs:fontRef idx="minor">
+      <a:schemeClr val="tx1">
+        <a:lumMod val="65000"/>
+        <a:lumOff val="35000"/>
+      </a:schemeClr>
+    </cs:fontRef>
+    <cs:defRPr sz="1000" kern="1200"/>
+  </cs:axisTitle>
+  <cs:categoryAxis>
+    <cs:lnRef idx="0"/>
+    <cs:fillRef idx="0"/>
+    <cs:effectRef idx="0"/>
+    <cs:fontRef idx="minor">
+      <a:schemeClr val="tx1">
+        <a:lumMod val="65000"/>
+        <a:lumOff val="35000"/>
+      </a:schemeClr>
+    </cs:fontRef>
+    <cs:spPr>
+      <a:ln w="9525" cap="flat" cmpd="sng" algn="ctr">
+        <a:solidFill>
+          <a:schemeClr val="tx1">
+            <a:lumMod val="25000"/>
+            <a:lumOff val="75000"/>
+          </a:schemeClr>
+        </a:solidFill>
+        <a:round/>
+      </a:ln>
+    </cs:spPr>
+    <cs:defRPr sz="900" kern="1200"/>
+  </cs:categoryAxis>
+  <cs:chartArea mods="allowNoFillOverride allowNoLineOverride">
+    <cs:lnRef idx="0"/>
+    <cs:fillRef idx="0"/>
+    <cs:effectRef idx="0"/>
+    <cs:fontRef idx="minor">
+      <a:schemeClr val="tx1"/>
+    </cs:fontRef>
+    <cs:spPr>
+      <a:solidFill>
+        <a:schemeClr val="bg1"/>
+      </a:solidFill>
+      <a:ln w="9525" cap="flat" cmpd="sng" algn="ctr">
+        <a:solidFill>
+          <a:schemeClr val="tx1">
+            <a:lumMod val="15000"/>
+            <a:lumOff val="85000"/>
+          </a:schemeClr>
+        </a:solidFill>
+        <a:round/>
+      </a:ln>
+    </cs:spPr>
+    <cs:defRPr sz="1000" kern="1200"/>
+  </cs:chartArea>
+  <cs:dataLabel>
+    <cs:lnRef idx="0"/>
+    <cs:fillRef idx="0"/>
+    <cs:effectRef idx="0"/>
+    <cs:fontRef idx="minor">
+      <a:schemeClr val="tx1">
+        <a:lumMod val="75000"/>
+        <a:lumOff val="25000"/>
+      </a:schemeClr>
+    </cs:fontRef>
+    <cs:defRPr sz="900" kern="1200"/>
+  </cs:dataLabel>
+  <cs:dataLabelCallout>
+    <cs:lnRef idx="0"/>
+    <cs:fillRef idx="0"/>
+    <cs:effectRef idx="0"/>
+    <cs:fontRef idx="minor">
+      <a:schemeClr val="dk1">
+        <a:lumMod val="65000"/>
+        <a:lumOff val="35000"/>
+      </a:schemeClr>
+    </cs:fontRef>
+    <cs:spPr>
+      <a:solidFill>
+        <a:schemeClr val="lt1"/>
+      </a:solidFill>
+      <a:ln>
+        <a:solidFill>
+          <a:schemeClr val="dk1">
+            <a:lumMod val="25000"/>
+            <a:lumOff val="75000"/>
+          </a:schemeClr>
+        </a:solidFill>
+      </a:ln>
+    </cs:spPr>
+    <cs:defRPr sz="900" kern="1200"/>
+    <cs:bodyPr rot="0" spcFirstLastPara="1" vertOverflow="clip" horzOverflow="clip" vert="horz" wrap="square" lIns="36576" tIns="18288" rIns="36576" bIns="18288" anchor="ctr" anchorCtr="1">
+      <a:spAutoFit/>
+    </cs:bodyPr>
+  </cs:dataLabelCallout>
+  <cs:dataPoint>
+    <cs:lnRef idx="0"/>
+    <cs:fillRef idx="1">
+      <cs:styleClr val="auto"/>
+    </cs:fillRef>
+    <cs:effectRef idx="0"/>
+    <cs:fontRef idx="minor">
+      <a:schemeClr val="tx1"/>
+    </cs:fontRef>
+  </cs:dataPoint>
+  <cs:dataPoint3D>
+    <cs:lnRef idx="0"/>
+    <cs:fillRef idx="1">
+      <cs:styleClr val="auto"/>
+    </cs:fillRef>
+    <cs:effectRef idx="0"/>
+    <cs:fontRef idx="minor">
+      <a:schemeClr val="tx1"/>
+    </cs:fontRef>
+  </cs:dataPoint3D>
+  <cs:dataPointLine>
+    <cs:lnRef idx="0">
+      <cs:styleClr val="auto"/>
+    </cs:lnRef>
+    <cs:fillRef idx="1"/>
+    <cs:effectRef idx="0"/>
+    <cs:fontRef idx="minor">
+      <a:schemeClr val="tx1"/>
+    </cs:fontRef>
+    <cs:spPr>
+      <a:ln w="19050" cap="rnd">
+        <a:solidFill>
+          <a:schemeClr val="phClr"/>
+        </a:solidFill>
+        <a:round/>
+      </a:ln>
+    </cs:spPr>
+  </cs:dataPointLine>
+  <cs:dataPointMarker>
+    <cs:lnRef idx="0">
+      <cs:styleClr val="auto"/>
+    </cs:lnRef>
+    <cs:fillRef idx="1">
+      <cs:styleClr val="auto"/>
+    </cs:fillRef>
+    <cs:effectRef idx="0"/>
+    <cs:fontRef idx="minor">
+      <a:schemeClr val="tx1"/>
+    </cs:fontRef>
+    <cs:spPr>
+      <a:ln w="9525">
+        <a:solidFill>
+          <a:schemeClr val="phClr"/>
+        </a:solidFill>
+      </a:ln>
+    </cs:spPr>
+  </cs:dataPointMarker>
+  <cs:dataPointMarkerLayout symbol="circle" size="5"/>
+  <cs:dataPointWireframe>
+    <cs:lnRef idx="0">
+      <cs:styleClr val="auto"/>
+    </cs:lnRef>
+    <cs:fillRef idx="0"/>
+    <cs:effectRef idx="0"/>
+    <cs:fontRef idx="minor">
+      <a:schemeClr val="dk1"/>
+    </cs:fontRef>
+    <cs:spPr>
+      <a:ln w="9525" cap="rnd">
+        <a:solidFill>
+          <a:schemeClr val="phClr"/>
+        </a:solidFill>
+        <a:round/>
+      </a:ln>
+    </cs:spPr>
+  </cs:dataPointWireframe>
+  <cs:dataTable>
+    <cs:lnRef idx="0"/>
+    <cs:fillRef idx="0"/>
+    <cs:effectRef idx="0"/>
+    <cs:fontRef idx="minor">
+      <a:schemeClr val="tx1">
+        <a:lumMod val="65000"/>
+        <a:lumOff val="35000"/>
+      </a:schemeClr>
+    </cs:fontRef>
+    <cs:spPr>
+      <a:noFill/>
+      <a:ln w="9525" cap="flat" cmpd="sng" algn="ctr">
+        <a:solidFill>
+          <a:schemeClr val="tx1">
+            <a:lumMod val="15000"/>
+            <a:lumOff val="85000"/>
+          </a:schemeClr>
+        </a:solidFill>
+        <a:round/>
+      </a:ln>
+    </cs:spPr>
+    <cs:defRPr sz="900" kern="1200"/>
+  </cs:dataTable>
+  <cs:downBar>
+    <cs:lnRef idx="0"/>
+    <cs:fillRef idx="0"/>
+    <cs:effectRef idx="0"/>
+    <cs:fontRef idx="minor">
+      <a:schemeClr val="tx1"/>
+    </cs:fontRef>
+    <cs:spPr>
+      <a:solidFill>
+        <a:schemeClr val="dk1">
+          <a:lumMod val="75000"/>
+          <a:lumOff val="25000"/>
+        </a:schemeClr>
+      </a:solidFill>
+      <a:ln w="9525" cap="flat" cmpd="sng" algn="ctr">
+        <a:solidFill>
+          <a:schemeClr val="tx1">
+            <a:lumMod val="65000"/>
+            <a:lumOff val="35000"/>
+          </a:schemeClr>
+        </a:solidFill>
+        <a:round/>
+      </a:ln>
+    </cs:spPr>
+  </cs:downBar>
+  <cs:dropLine>
+    <cs:lnRef idx="0"/>
+    <cs:fillRef idx="0"/>
+    <cs:effectRef idx="0"/>
+    <cs:fontRef idx="minor">
+      <a:schemeClr val="tx1"/>
+    </cs:fontRef>
+    <cs:spPr>
+      <a:ln w="9525" cap="flat" cmpd="sng" algn="ctr">
+        <a:solidFill>
+          <a:schemeClr val="tx1">
+            <a:lumMod val="35000"/>
+            <a:lumOff val="65000"/>
+          </a:schemeClr>
+        </a:solidFill>
+        <a:round/>
+      </a:ln>
+    </cs:spPr>
+  </cs:dropLine>
+  <cs:errorBar>
+    <cs:lnRef idx="0"/>
+    <cs:fillRef idx="0"/>
+    <cs:effectRef idx="0"/>
+    <cs:fontRef idx="minor">
+      <a:schemeClr val="tx1"/>
+    </cs:fontRef>
+    <cs:spPr>
+      <a:ln w="9525" cap="flat" cmpd="sng" algn="ctr">
+        <a:solidFill>
+          <a:schemeClr val="tx1">
+            <a:lumMod val="65000"/>
+            <a:lumOff val="35000"/>
+          </a:schemeClr>
+        </a:solidFill>
+        <a:round/>
+      </a:ln>
+    </cs:spPr>
+  </cs:errorBar>
+  <cs:floor>
+    <cs:lnRef idx="0"/>
+    <cs:fillRef idx="0"/>
+    <cs:effectRef idx="0"/>
+    <cs:fontRef idx="minor">
+      <a:schemeClr val="tx1"/>
+    </cs:fontRef>
+    <cs:spPr>
+      <a:noFill/>
+      <a:ln>
+        <a:noFill/>
+      </a:ln>
+    </cs:spPr>
+  </cs:floor>
+  <cs:gridlineMajor>
+    <cs:lnRef idx="0"/>
+    <cs:fillRef idx="0"/>
+    <cs:effectRef idx="0"/>
+    <cs:fontRef idx="minor">
+      <a:schemeClr val="tx1"/>
+    </cs:fontRef>
+    <cs:spPr>
+      <a:ln w="9525" cap="flat" cmpd="sng" algn="ctr">
+        <a:solidFill>
+          <a:schemeClr val="tx1">
+            <a:lumMod val="15000"/>
+            <a:lumOff val="85000"/>
+          </a:schemeClr>
+        </a:solidFill>
+        <a:round/>
+      </a:ln>
+    </cs:spPr>
+  </cs:gridlineMajor>
+  <cs:gridlineMinor>
+    <cs:lnRef idx="0"/>
+    <cs:fillRef idx="0"/>
+    <cs:effectRef idx="0"/>
+    <cs:fontRef idx="minor">
+      <a:schemeClr val="tx1"/>
+    </cs:fontRef>
+    <cs:spPr>
+      <a:ln w="9525" cap="flat" cmpd="sng" algn="ctr">
+        <a:solidFill>
+          <a:schemeClr val="tx1">
+            <a:lumMod val="5000"/>
+            <a:lumOff val="95000"/>
+          </a:schemeClr>
+        </a:solidFill>
+        <a:round/>
+      </a:ln>
+    </cs:spPr>
+  </cs:gridlineMinor>
+  <cs:hiLoLine>
+    <cs:lnRef idx="0"/>
+    <cs:fillRef idx="0"/>
+    <cs:effectRef idx="0"/>
+    <cs:fontRef idx="minor">
+      <a:schemeClr val="tx1"/>
+    </cs:fontRef>
+    <cs:spPr>
+      <a:ln w="9525" cap="flat" cmpd="sng" algn="ctr">
+        <a:solidFill>
+          <a:schemeClr val="tx1">
+            <a:lumMod val="50000"/>
+            <a:lumOff val="50000"/>
+          </a:schemeClr>
+        </a:solidFill>
+        <a:round/>
+      </a:ln>
+    </cs:spPr>
+  </cs:hiLoLine>
+  <cs:leaderLine>
+    <cs:lnRef idx="0"/>
+    <cs:fillRef idx="0"/>
+    <cs:effectRef idx="0"/>
+    <cs:fontRef idx="minor">
+      <a:schemeClr val="tx1"/>
+    </cs:fontRef>
+    <cs:spPr>
+      <a:ln w="9525" cap="flat" cmpd="sng" algn="ctr">
+        <a:solidFill>
+          <a:schemeClr val="tx1">
+            <a:lumMod val="35000"/>
+            <a:lumOff val="65000"/>
+          </a:schemeClr>
+        </a:solidFill>
+        <a:round/>
+      </a:ln>
+    </cs:spPr>
+  </cs:leaderLine>
+  <cs:legend>
+    <cs:lnRef idx="0"/>
+    <cs:fillRef idx="0"/>
+    <cs:effectRef idx="0"/>
+    <cs:fontRef idx="minor">
+      <a:schemeClr val="tx1">
+        <a:lumMod val="65000"/>
+        <a:lumOff val="35000"/>
+      </a:schemeClr>
+    </cs:fontRef>
+    <cs:defRPr sz="900" kern="1200"/>
+  </cs:legend>
+  <cs:plotArea mods="allowNoFillOverride allowNoLineOverride">
+    <cs:lnRef idx="0"/>
+    <cs:fillRef idx="0"/>
+    <cs:effectRef idx="0"/>
+    <cs:fontRef idx="minor">
+      <a:schemeClr val="tx1"/>
+    </cs:fontRef>
+  </cs:plotArea>
+  <cs:plotArea3D mods="allowNoFillOverride allowNoLineOverride">
+    <cs:lnRef idx="0"/>
+    <cs:fillRef idx="0"/>
+    <cs:effectRef idx="0"/>
+    <cs:fontRef idx="minor">
+      <a:schemeClr val="tx1"/>
+    </cs:fontRef>
+  </cs:plotArea3D>
+  <cs:seriesAxis>
+    <cs:lnRef idx="0"/>
+    <cs:fillRef idx="0"/>
+    <cs:effectRef idx="0"/>
+    <cs:fontRef idx="minor">
+      <a:schemeClr val="tx1">
+        <a:lumMod val="65000"/>
+        <a:lumOff val="35000"/>
+      </a:schemeClr>
+    </cs:fontRef>
+    <cs:defRPr sz="900" kern="1200"/>
+  </cs:seriesAxis>
+  <cs:seriesLine>
+    <cs:lnRef idx="0"/>
+    <cs:fillRef idx="0"/>
+    <cs:effectRef idx="0"/>
+    <cs:fontRef idx="minor">
+      <a:schemeClr val="tx1"/>
+    </cs:fontRef>
+    <cs:spPr>
+      <a:ln w="9525" cap="flat" cmpd="sng" algn="ctr">
+        <a:solidFill>
+          <a:schemeClr val="tx1">
+            <a:lumMod val="35000"/>
+            <a:lumOff val="65000"/>
+          </a:schemeClr>
+        </a:solidFill>
+        <a:round/>
+      </a:ln>
+    </cs:spPr>
+  </cs:seriesLine>
+  <cs:title>
+    <cs:lnRef idx="0"/>
+    <cs:fillRef idx="0"/>
+    <cs:effectRef idx="0"/>
+    <cs:fontRef idx="minor">
+      <a:schemeClr val="tx1">
+        <a:lumMod val="65000"/>
+        <a:lumOff val="35000"/>
+      </a:schemeClr>
+    </cs:fontRef>
+    <cs:defRPr sz="1400" b="0" kern="1200" spc="0" baseline="0"/>
+  </cs:title>
+  <cs:trendline>
+    <cs:lnRef idx="0">
+      <cs:styleClr val="auto"/>
+    </cs:lnRef>
+    <cs:fillRef idx="0"/>
+    <cs:effectRef idx="0"/>
+    <cs:fontRef idx="minor">
+      <a:schemeClr val="tx1"/>
+    </cs:fontRef>
+    <cs:spPr>
+      <a:ln w="19050" cap="rnd">
+        <a:solidFill>
+          <a:schemeClr val="phClr"/>
+        </a:solidFill>
+        <a:prstDash val="sysDot"/>
+      </a:ln>
+    </cs:spPr>
+  </cs:trendline>
+  <cs:trendlineLabel>
+    <cs:lnRef idx="0"/>
+    <cs:fillRef idx="0"/>
+    <cs:effectRef idx="0"/>
+    <cs:fontRef idx="minor">
+      <a:schemeClr val="tx1">
+        <a:lumMod val="65000"/>
+        <a:lumOff val="35000"/>
+      </a:schemeClr>
+    </cs:fontRef>
+    <cs:defRPr sz="900" kern="1200"/>
+  </cs:trendlineLabel>
+  <cs:upBar>
+    <cs:lnRef idx="0"/>
+    <cs:fillRef idx="0"/>
+    <cs:effectRef idx="0"/>
+    <cs:fontRef idx="minor">
+      <a:schemeClr val="tx1"/>
+    </cs:fontRef>
+    <cs:spPr>
+      <a:solidFill>
+        <a:schemeClr val="lt1"/>
+      </a:solidFill>
+      <a:ln w="9525" cap="flat" cmpd="sng" algn="ctr">
+        <a:solidFill>
+          <a:schemeClr val="tx1">
+            <a:lumMod val="65000"/>
+            <a:lumOff val="35000"/>
+          </a:schemeClr>
+        </a:solidFill>
+        <a:round/>
+      </a:ln>
+    </cs:spPr>
+  </cs:upBar>
+  <cs:valueAxis>
+    <cs:lnRef idx="0"/>
+    <cs:fillRef idx="0"/>
+    <cs:effectRef idx="0"/>
+    <cs:fontRef idx="minor">
+      <a:schemeClr val="tx1">
+        <a:lumMod val="65000"/>
+        <a:lumOff val="35000"/>
+      </a:schemeClr>
+    </cs:fontRef>
+    <cs:spPr>
+      <a:ln w="9525" cap="flat" cmpd="sng" algn="ctr">
+        <a:solidFill>
+          <a:schemeClr val="tx1">
+            <a:lumMod val="25000"/>
+            <a:lumOff val="75000"/>
+          </a:schemeClr>
+        </a:solidFill>
+        <a:round/>
+      </a:ln>
+    </cs:spPr>
+    <cs:defRPr sz="900" kern="1200"/>
+  </cs:valueAxis>
+  <cs:wall>
+    <cs:lnRef idx="0"/>
+    <cs:fillRef idx="0"/>
+    <cs:effectRef idx="0"/>
+    <cs:fontRef idx="minor">
+      <a:schemeClr val="tx1"/>
+    </cs:fontRef>
+    <cs:spPr>
+      <a:noFill/>
+      <a:ln>
+        <a:noFill/>
+      </a:ln>
+    </cs:spPr>
+  </cs:wall>
+</cs:chartStyle>
+</file>
+
 <file path=ppt/notesMasters/notesMaster1.xml><?xml version="1.0" encoding="utf-8"?>
 <p:notesMaster xmlns:a="http://schemas.openxmlformats.org/drawingml/2006/main" xmlns:r="http://schemas.openxmlformats.org/officeDocument/2006/relationships" xmlns:p="http://schemas.openxmlformats.org/presentationml/2006/main">
   <p:cSld>
@@ -221,7 +4483,7 @@
           <a:p>
             <a:fld id="{2C1D5852-CB3A-4E71-BFCB-A6B4538832B4}" type="datetimeFigureOut">
               <a:rPr lang="ru-RU" smtClean="0"/>
-              <a:t>28.05.2015</a:t>
+              <a:t>31.05.2015</a:t>
             </a:fld>
             <a:endParaRPr lang="ru-RU"/>
           </a:p>
@@ -657,6 +4919,174 @@
 </p:notes>
 </file>
 
+<file path=ppt/notesSlides/notesSlide3.xml><?xml version="1.0" encoding="utf-8"?>
+<p:notes xmlns:a="http://schemas.openxmlformats.org/drawingml/2006/main" xmlns:r="http://schemas.openxmlformats.org/officeDocument/2006/relationships" xmlns:p="http://schemas.openxmlformats.org/presentationml/2006/main">
+  <p:cSld>
+    <p:spTree>
+      <p:nvGrpSpPr>
+        <p:cNvPr id="1" name=""/>
+        <p:cNvGrpSpPr/>
+        <p:nvPr/>
+      </p:nvGrpSpPr>
+      <p:grpSpPr>
+        <a:xfrm>
+          <a:off x="0" y="0"/>
+          <a:ext cx="0" cy="0"/>
+          <a:chOff x="0" y="0"/>
+          <a:chExt cx="0" cy="0"/>
+        </a:xfrm>
+      </p:grpSpPr>
+      <p:sp>
+        <p:nvSpPr>
+          <p:cNvPr id="2" name="Образ слайда 1"/>
+          <p:cNvSpPr>
+            <a:spLocks noGrp="1" noRot="1" noChangeAspect="1"/>
+          </p:cNvSpPr>
+          <p:nvPr>
+            <p:ph type="sldImg"/>
+          </p:nvPr>
+        </p:nvSpPr>
+        <p:spPr/>
+      </p:sp>
+      <p:sp>
+        <p:nvSpPr>
+          <p:cNvPr id="3" name="Заметки 2"/>
+          <p:cNvSpPr>
+            <a:spLocks noGrp="1"/>
+          </p:cNvSpPr>
+          <p:nvPr>
+            <p:ph type="body" idx="1"/>
+          </p:nvPr>
+        </p:nvSpPr>
+        <p:spPr/>
+        <p:txBody>
+          <a:bodyPr/>
+          <a:lstStyle/>
+          <a:p>
+            <a:endParaRPr lang="ru-RU" dirty="0"/>
+          </a:p>
+        </p:txBody>
+      </p:sp>
+      <p:sp>
+        <p:nvSpPr>
+          <p:cNvPr id="4" name="Номер слайда 3"/>
+          <p:cNvSpPr>
+            <a:spLocks noGrp="1"/>
+          </p:cNvSpPr>
+          <p:nvPr>
+            <p:ph type="sldNum" sz="quarter" idx="10"/>
+          </p:nvPr>
+        </p:nvSpPr>
+        <p:spPr/>
+        <p:txBody>
+          <a:bodyPr/>
+          <a:lstStyle/>
+          <a:p>
+            <a:fld id="{F1349884-6811-45F9-A223-1068B1FEBEAC}" type="slidenum">
+              <a:rPr lang="ru-RU" smtClean="0"/>
+              <a:t>10</a:t>
+            </a:fld>
+            <a:endParaRPr lang="ru-RU"/>
+          </a:p>
+        </p:txBody>
+      </p:sp>
+    </p:spTree>
+    <p:extLst>
+      <p:ext uri="{BB962C8B-B14F-4D97-AF65-F5344CB8AC3E}">
+        <p14:creationId xmlns:p14="http://schemas.microsoft.com/office/powerpoint/2010/main" val="3379002261"/>
+      </p:ext>
+    </p:extLst>
+  </p:cSld>
+  <p:clrMapOvr>
+    <a:masterClrMapping/>
+  </p:clrMapOvr>
+</p:notes>
+</file>
+
+<file path=ppt/notesSlides/notesSlide4.xml><?xml version="1.0" encoding="utf-8"?>
+<p:notes xmlns:a="http://schemas.openxmlformats.org/drawingml/2006/main" xmlns:r="http://schemas.openxmlformats.org/officeDocument/2006/relationships" xmlns:p="http://schemas.openxmlformats.org/presentationml/2006/main">
+  <p:cSld>
+    <p:spTree>
+      <p:nvGrpSpPr>
+        <p:cNvPr id="1" name=""/>
+        <p:cNvGrpSpPr/>
+        <p:nvPr/>
+      </p:nvGrpSpPr>
+      <p:grpSpPr>
+        <a:xfrm>
+          <a:off x="0" y="0"/>
+          <a:ext cx="0" cy="0"/>
+          <a:chOff x="0" y="0"/>
+          <a:chExt cx="0" cy="0"/>
+        </a:xfrm>
+      </p:grpSpPr>
+      <p:sp>
+        <p:nvSpPr>
+          <p:cNvPr id="2" name="Образ слайда 1"/>
+          <p:cNvSpPr>
+            <a:spLocks noGrp="1" noRot="1" noChangeAspect="1"/>
+          </p:cNvSpPr>
+          <p:nvPr>
+            <p:ph type="sldImg"/>
+          </p:nvPr>
+        </p:nvSpPr>
+        <p:spPr/>
+      </p:sp>
+      <p:sp>
+        <p:nvSpPr>
+          <p:cNvPr id="3" name="Заметки 2"/>
+          <p:cNvSpPr>
+            <a:spLocks noGrp="1"/>
+          </p:cNvSpPr>
+          <p:nvPr>
+            <p:ph type="body" idx="1"/>
+          </p:nvPr>
+        </p:nvSpPr>
+        <p:spPr/>
+        <p:txBody>
+          <a:bodyPr/>
+          <a:lstStyle/>
+          <a:p>
+            <a:endParaRPr lang="ru-RU" dirty="0"/>
+          </a:p>
+        </p:txBody>
+      </p:sp>
+      <p:sp>
+        <p:nvSpPr>
+          <p:cNvPr id="4" name="Номер слайда 3"/>
+          <p:cNvSpPr>
+            <a:spLocks noGrp="1"/>
+          </p:cNvSpPr>
+          <p:nvPr>
+            <p:ph type="sldNum" sz="quarter" idx="10"/>
+          </p:nvPr>
+        </p:nvSpPr>
+        <p:spPr/>
+        <p:txBody>
+          <a:bodyPr/>
+          <a:lstStyle/>
+          <a:p>
+            <a:fld id="{F1349884-6811-45F9-A223-1068B1FEBEAC}" type="slidenum">
+              <a:rPr lang="ru-RU" smtClean="0"/>
+              <a:t>14</a:t>
+            </a:fld>
+            <a:endParaRPr lang="ru-RU"/>
+          </a:p>
+        </p:txBody>
+      </p:sp>
+    </p:spTree>
+    <p:extLst>
+      <p:ext uri="{BB962C8B-B14F-4D97-AF65-F5344CB8AC3E}">
+        <p14:creationId xmlns:p14="http://schemas.microsoft.com/office/powerpoint/2010/main" val="3350953168"/>
+      </p:ext>
+    </p:extLst>
+  </p:cSld>
+  <p:clrMapOvr>
+    <a:masterClrMapping/>
+  </p:clrMapOvr>
+</p:notes>
+</file>
+
 <file path=ppt/slideLayouts/slideLayout1.xml><?xml version="1.0" encoding="utf-8"?>
 <p:sldLayout xmlns:a="http://schemas.openxmlformats.org/drawingml/2006/main" xmlns:r="http://schemas.openxmlformats.org/officeDocument/2006/relationships" xmlns:p="http://schemas.openxmlformats.org/presentationml/2006/main" type="title" preserve="1">
   <p:cSld name="Титульный слайд">
@@ -788,7 +5218,7 @@
           <a:p>
             <a:fld id="{36E5FA18-BC3F-4D53-94AB-C0F3B1B8377F}" type="datetime1">
               <a:rPr lang="ru-RU" smtClean="0"/>
-              <a:t>28.05.2015</a:t>
+              <a:t>31.05.2015</a:t>
             </a:fld>
             <a:endParaRPr lang="ru-RU"/>
           </a:p>
@@ -966,7 +5396,7 @@
           <a:p>
             <a:fld id="{21567A10-74FB-4B80-9638-7BCE9781867C}" type="datetime1">
               <a:rPr lang="ru-RU" smtClean="0"/>
-              <a:t>28.05.2015</a:t>
+              <a:t>31.05.2015</a:t>
             </a:fld>
             <a:endParaRPr lang="ru-RU"/>
           </a:p>
@@ -1147,7 +5577,7 @@
           <a:p>
             <a:fld id="{81142080-0B71-4B20-B0E2-9DFC0B1CFBEE}" type="datetime1">
               <a:rPr lang="ru-RU" smtClean="0"/>
-              <a:t>28.05.2015</a:t>
+              <a:t>31.05.2015</a:t>
             </a:fld>
             <a:endParaRPr lang="ru-RU"/>
           </a:p>
@@ -1318,7 +5748,7 @@
           <a:p>
             <a:fld id="{E2255E6C-A322-4AC3-828D-B9E85E64A896}" type="datetime1">
               <a:rPr lang="ru-RU" smtClean="0"/>
-              <a:t>28.05.2015</a:t>
+              <a:t>31.05.2015</a:t>
             </a:fld>
             <a:endParaRPr lang="ru-RU"/>
           </a:p>
@@ -1565,7 +5995,7 @@
           <a:p>
             <a:fld id="{BA497A56-8E1D-40EB-A88D-614A29B47FFB}" type="datetime1">
               <a:rPr lang="ru-RU" smtClean="0"/>
-              <a:t>28.05.2015</a:t>
+              <a:t>31.05.2015</a:t>
             </a:fld>
             <a:endParaRPr lang="ru-RU"/>
           </a:p>
@@ -1798,7 +6228,7 @@
           <a:p>
             <a:fld id="{1DB1DE17-48AA-43E9-826A-5B3B2EB8A459}" type="datetime1">
               <a:rPr lang="ru-RU" smtClean="0"/>
-              <a:t>28.05.2015</a:t>
+              <a:t>31.05.2015</a:t>
             </a:fld>
             <a:endParaRPr lang="ru-RU"/>
           </a:p>
@@ -2166,7 +6596,7 @@
           <a:p>
             <a:fld id="{16378FA1-9B63-4F30-8EDE-C679ADDB5553}" type="datetime1">
               <a:rPr lang="ru-RU" smtClean="0"/>
-              <a:t>28.05.2015</a:t>
+              <a:t>31.05.2015</a:t>
             </a:fld>
             <a:endParaRPr lang="ru-RU"/>
           </a:p>
@@ -2285,7 +6715,7 @@
           <a:p>
             <a:fld id="{4B4531DD-F7E9-4FA2-981F-44CA782140A8}" type="datetime1">
               <a:rPr lang="ru-RU" smtClean="0"/>
-              <a:t>28.05.2015</a:t>
+              <a:t>31.05.2015</a:t>
             </a:fld>
             <a:endParaRPr lang="ru-RU"/>
           </a:p>
@@ -2381,7 +6811,7 @@
           <a:p>
             <a:fld id="{F6C21C51-16DF-40AF-A145-F8DD54F2C411}" type="datetime1">
               <a:rPr lang="ru-RU" smtClean="0"/>
-              <a:t>28.05.2015</a:t>
+              <a:t>31.05.2015</a:t>
             </a:fld>
             <a:endParaRPr lang="ru-RU"/>
           </a:p>
@@ -2659,7 +7089,7 @@
           <a:p>
             <a:fld id="{344ABABC-77B2-4D56-855A-B4C40E6CF024}" type="datetime1">
               <a:rPr lang="ru-RU" smtClean="0"/>
-              <a:t>28.05.2015</a:t>
+              <a:t>31.05.2015</a:t>
             </a:fld>
             <a:endParaRPr lang="ru-RU"/>
           </a:p>
@@ -2913,7 +7343,7 @@
           <a:p>
             <a:fld id="{0FD2389D-C24C-4010-A8CA-3B85131275A4}" type="datetime1">
               <a:rPr lang="ru-RU" smtClean="0"/>
-              <a:t>28.05.2015</a:t>
+              <a:t>31.05.2015</a:t>
             </a:fld>
             <a:endParaRPr lang="ru-RU"/>
           </a:p>
@@ -3127,7 +7557,7 @@
           <a:p>
             <a:fld id="{4F036123-8708-4B1E-AC94-78648E3B1BD3}" type="datetime1">
               <a:rPr lang="ru-RU" smtClean="0"/>
-              <a:t>28.05.2015</a:t>
+              <a:t>31.05.2015</a:t>
             </a:fld>
             <a:endParaRPr lang="ru-RU"/>
           </a:p>
@@ -3586,12 +8016,8 @@
           <a:lstStyle/>
           <a:p>
             <a:r>
-              <a:rPr lang="ru-RU" smtClean="0"/>
-              <a:t>Квалификационная </a:t>
-            </a:r>
-            <a:r>
               <a:rPr lang="ru-RU" dirty="0" smtClean="0"/>
-              <a:t>работа бакалавра</a:t>
+              <a:t>Квалификационная работа бакалавра</a:t>
             </a:r>
           </a:p>
           <a:p>
@@ -3608,9 +8034,8 @@
             </a:r>
             <a:r>
               <a:rPr lang="ru-RU" dirty="0" smtClean="0"/>
-              <a:t> Горшков Никита Александрович, ИУ7-83</a:t>
-            </a:r>
-            <a:endParaRPr lang="en-US" dirty="0" smtClean="0"/>
+              <a:t> Горшков Никита Александрович</a:t>
+            </a:r>
           </a:p>
           <a:p>
             <a:r>
@@ -3738,16 +8163,17 @@
             </p:nvSpPr>
             <p:spPr>
               <a:xfrm>
-                <a:off x="838200" y="1325561"/>
-                <a:ext cx="10515600" cy="5395913"/>
+                <a:off x="247829" y="1325563"/>
+                <a:ext cx="6238430" cy="5395913"/>
               </a:xfrm>
             </p:spPr>
             <p:txBody>
               <a:bodyPr>
-                <a:normAutofit fontScale="92500"/>
+                <a:normAutofit fontScale="77500" lnSpcReduction="20000"/>
               </a:bodyPr>
               <a:lstStyle/>
               <a:p>
+                <a:pPr algn="just"/>
                 <a:r>
                   <a:rPr lang="ru-RU" dirty="0" smtClean="0"/>
                   <a:t>Алгоритм находит маршруты</a:t>
@@ -3784,7 +8210,7 @@
                 </a:r>
               </a:p>
               <a:p>
-                <a:pPr lvl="0"/>
+                <a:pPr lvl="0" algn="just"/>
                 <a:r>
                   <a:rPr lang="ru-RU" dirty="0" smtClean="0"/>
                   <a:t> </a:t>
@@ -4033,6 +8459,7 @@
                 <a:endParaRPr lang="ru-RU" dirty="0"/>
               </a:p>
               <a:p>
+                <a:pPr algn="just"/>
                 <a:r>
                   <a:rPr lang="ru-RU" dirty="0"/>
                   <a:t>Также для каждой вершины из </a:t>
@@ -4130,7 +8557,7 @@
                 <a:endParaRPr lang="ru-RU" dirty="0" smtClean="0"/>
               </a:p>
               <a:p>
-                <a:pPr lvl="0"/>
+                <a:pPr lvl="0" algn="just"/>
                 <a:r>
                   <a:rPr lang="ru-RU" dirty="0" smtClean="0"/>
                   <a:t>В конце работы алгоритма необходимо определить </a:t>
@@ -4146,7 +8573,7 @@
                 <a:endParaRPr lang="ru-RU" i="1" dirty="0" smtClean="0"/>
               </a:p>
               <a:p>
-                <a:pPr marL="0" lvl="0" indent="0">
+                <a:pPr marL="0" lvl="0" indent="0" algn="just">
                   <a:buNone/>
                 </a:pPr>
                 <a14:m>
@@ -4231,7 +8658,7 @@
                 <a:endParaRPr lang="ru-RU" b="0" dirty="0" smtClean="0"/>
               </a:p>
               <a:p>
-                <a:pPr lvl="0"/>
+                <a:pPr lvl="0" algn="just"/>
                 <a:r>
                   <a:rPr lang="ru-RU" dirty="0"/>
                   <a:t>Сами альтернативные пути ищутся рекурсивно, начиная от вершины </a:t>
@@ -4272,13 +8699,13 @@
             </p:nvSpPr>
             <p:spPr>
               <a:xfrm>
-                <a:off x="838200" y="1325561"/>
-                <a:ext cx="10515600" cy="5395913"/>
+                <a:off x="247829" y="1325563"/>
+                <a:ext cx="6238430" cy="5395913"/>
               </a:xfrm>
               <a:blipFill rotWithShape="0">
-                <a:blip r:embed="rId2"/>
+                <a:blip r:embed="rId3"/>
                 <a:stretch>
-                  <a:fillRect l="-928" t="-1693" r="-580" b="-2257"/>
+                  <a:fillRect l="-1173" t="-2257" r="-1271"/>
                 </a:stretch>
               </a:blipFill>
             </p:spPr>
@@ -4354,6 +8781,36 @@
           </a:p>
         </p:txBody>
       </p:sp>
+      <p:pic>
+        <p:nvPicPr>
+          <p:cNvPr id="3" name="Рисунок 2"/>
+          <p:cNvPicPr>
+            <a:picLocks noChangeAspect="1"/>
+          </p:cNvPicPr>
+          <p:nvPr/>
+        </p:nvPicPr>
+        <p:blipFill>
+          <a:blip r:embed="rId4">
+            <a:extLst>
+              <a:ext uri="{28A0092B-C50C-407E-A947-70E740481C1C}">
+                <a14:useLocalDpi xmlns:a14="http://schemas.microsoft.com/office/drawing/2010/main" val="0"/>
+              </a:ext>
+            </a:extLst>
+          </a:blip>
+          <a:stretch>
+            <a:fillRect/>
+          </a:stretch>
+        </p:blipFill>
+        <p:spPr>
+          <a:xfrm>
+            <a:off x="6716995" y="1230619"/>
+            <a:ext cx="5148778" cy="5308293"/>
+          </a:xfrm>
+          <a:prstGeom prst="rect">
+            <a:avLst/>
+          </a:prstGeom>
+        </p:spPr>
+      </p:pic>
     </p:spTree>
     <p:extLst>
       <p:ext uri="{BB962C8B-B14F-4D97-AF65-F5344CB8AC3E}">
@@ -4364,6 +8821,13 @@
   <p:clrMapOvr>
     <a:masterClrMapping/>
   </p:clrMapOvr>
+  <p:timing>
+    <p:tnLst>
+      <p:par>
+        <p:cTn id="1" dur="indefinite" restart="never" nodeType="tmRoot"/>
+      </p:par>
+    </p:tnLst>
+  </p:timing>
 </p:sld>
 </file>
 
@@ -4911,8 +9375,8 @@
           </p:sp>
         </mc:Fallback>
       </mc:AlternateContent>
-      <mc:AlternateContent xmlns:mc="http://schemas.openxmlformats.org/markup-compatibility/2006">
-        <mc:Choice xmlns:a14="http://schemas.microsoft.com/office/drawing/2010/main" Requires="a14">
+      <mc:AlternateContent xmlns:mc="http://schemas.openxmlformats.org/markup-compatibility/2006" xmlns:a14="http://schemas.microsoft.com/office/drawing/2010/main">
+        <mc:Choice Requires="a14">
           <p:sp>
             <p:nvSpPr>
               <p:cNvPr id="7" name="Прямоугольник 6"/>
@@ -5086,7 +9550,7 @@
             </p:txBody>
           </p:sp>
         </mc:Choice>
-        <mc:Fallback>
+        <mc:Fallback xmlns="">
           <p:sp>
             <p:nvSpPr>
               <p:cNvPr id="7" name="Прямоугольник 6"/>
@@ -5125,8 +9589,8 @@
           </p:sp>
         </mc:Fallback>
       </mc:AlternateContent>
-      <mc:AlternateContent xmlns:mc="http://schemas.openxmlformats.org/markup-compatibility/2006">
-        <mc:Choice xmlns:a14="http://schemas.microsoft.com/office/drawing/2010/main" Requires="a14">
+      <mc:AlternateContent xmlns:mc="http://schemas.openxmlformats.org/markup-compatibility/2006" xmlns:a14="http://schemas.microsoft.com/office/drawing/2010/main">
+        <mc:Choice Requires="a14">
           <p:sp>
             <p:nvSpPr>
               <p:cNvPr id="8" name="Прямоугольник 7"/>
@@ -5300,7 +9764,7 @@
             </p:txBody>
           </p:sp>
         </mc:Choice>
-        <mc:Fallback>
+        <mc:Fallback xmlns="">
           <p:sp>
             <p:nvSpPr>
               <p:cNvPr id="8" name="Прямоугольник 7"/>
@@ -5424,39 +9888,6 @@
           </a:p>
         </p:txBody>
       </p:sp>
-      <p:pic>
-        <p:nvPicPr>
-          <p:cNvPr id="5" name="Рисунок 4" descr="D:\Diploma\Diploma\Documentation\images\Схемы\Диаграмма компонентов.png"/>
-          <p:cNvPicPr/>
-          <p:nvPr/>
-        </p:nvPicPr>
-        <p:blipFill>
-          <a:blip r:embed="rId2">
-            <a:extLst>
-              <a:ext uri="{28A0092B-C50C-407E-A947-70E740481C1C}">
-                <a14:useLocalDpi xmlns:a14="http://schemas.microsoft.com/office/drawing/2010/main" val="0"/>
-              </a:ext>
-            </a:extLst>
-          </a:blip>
-          <a:srcRect/>
-          <a:stretch>
-            <a:fillRect/>
-          </a:stretch>
-        </p:blipFill>
-        <p:spPr bwMode="auto">
-          <a:xfrm>
-            <a:off x="3667125" y="956310"/>
-            <a:ext cx="4857750" cy="5901690"/>
-          </a:xfrm>
-          <a:prstGeom prst="rect">
-            <a:avLst/>
-          </a:prstGeom>
-          <a:noFill/>
-          <a:ln>
-            <a:noFill/>
-          </a:ln>
-        </p:spPr>
-      </p:pic>
       <p:sp>
         <p:nvSpPr>
           <p:cNvPr id="7" name="Заголовок 1"/>
@@ -5501,293 +9932,46 @@
             <a:pPr algn="ctr"/>
             <a:r>
               <a:rPr lang="ru-RU" dirty="0" smtClean="0"/>
-              <a:t>Структура ПО</a:t>
+              <a:t>Структура программного обеспечения</a:t>
             </a:r>
             <a:endParaRPr lang="ru-RU" dirty="0"/>
           </a:p>
         </p:txBody>
       </p:sp>
-    </p:spTree>
-    <p:extLst>
-      <p:ext uri="{BB962C8B-B14F-4D97-AF65-F5344CB8AC3E}">
-        <p14:creationId xmlns:p14="http://schemas.microsoft.com/office/powerpoint/2010/main" val="626282702"/>
-      </p:ext>
-    </p:extLst>
-  </p:cSld>
-  <p:clrMapOvr>
-    <a:masterClrMapping/>
-  </p:clrMapOvr>
-</p:sld>
-</file>
-
-<file path=ppt/slides/slide13.xml><?xml version="1.0" encoding="utf-8"?>
-<p:sld xmlns:a="http://schemas.openxmlformats.org/drawingml/2006/main" xmlns:r="http://schemas.openxmlformats.org/officeDocument/2006/relationships" xmlns:p="http://schemas.openxmlformats.org/presentationml/2006/main">
-  <p:cSld>
-    <p:spTree>
-      <p:nvGrpSpPr>
-        <p:cNvPr id="1" name=""/>
-        <p:cNvGrpSpPr/>
-        <p:nvPr/>
-      </p:nvGrpSpPr>
-      <p:grpSpPr>
-        <a:xfrm>
-          <a:off x="0" y="0"/>
-          <a:ext cx="0" cy="0"/>
-          <a:chOff x="0" y="0"/>
-          <a:chExt cx="0" cy="0"/>
-        </a:xfrm>
-      </p:grpSpPr>
-      <p:sp>
-        <p:nvSpPr>
-          <p:cNvPr id="4" name="Заголовок 1"/>
-          <p:cNvSpPr txBox="1">
-            <a:spLocks/>
-          </p:cNvSpPr>
+      <p:pic>
+        <p:nvPicPr>
+          <p:cNvPr id="2" name="Рисунок 1"/>
+          <p:cNvPicPr>
+            <a:picLocks noChangeAspect="1"/>
+          </p:cNvPicPr>
           <p:nvPr/>
-        </p:nvSpPr>
+        </p:nvPicPr>
+        <p:blipFill>
+          <a:blip r:embed="rId2">
+            <a:extLst>
+              <a:ext uri="{28A0092B-C50C-407E-A947-70E740481C1C}">
+                <a14:useLocalDpi xmlns:a14="http://schemas.microsoft.com/office/drawing/2010/main" val="0"/>
+              </a:ext>
+            </a:extLst>
+          </a:blip>
+          <a:stretch>
+            <a:fillRect/>
+          </a:stretch>
+        </p:blipFill>
         <p:spPr>
           <a:xfrm>
-            <a:off x="838200" y="0"/>
-            <a:ext cx="10515600" cy="1325563"/>
+            <a:off x="3570420" y="1007075"/>
+            <a:ext cx="5051159" cy="5850925"/>
           </a:xfrm>
           <a:prstGeom prst="rect">
             <a:avLst/>
           </a:prstGeom>
         </p:spPr>
-        <p:txBody>
-          <a:bodyPr vert="horz" lIns="91440" tIns="45720" rIns="91440" bIns="45720" rtlCol="0" anchor="ctr">
-            <a:normAutofit/>
-          </a:bodyPr>
-          <a:lstStyle>
-            <a:lvl1pPr algn="l" defTabSz="914400" rtl="0" eaLnBrk="1" latinLnBrk="0" hangingPunct="1">
-              <a:lnSpc>
-                <a:spcPct val="90000"/>
-              </a:lnSpc>
-              <a:spcBef>
-                <a:spcPct val="0"/>
-              </a:spcBef>
-              <a:buNone/>
-              <a:defRPr sz="4400" kern="1200">
-                <a:solidFill>
-                  <a:schemeClr val="tx1"/>
-                </a:solidFill>
-                <a:latin typeface="+mj-lt"/>
-                <a:ea typeface="+mj-ea"/>
-                <a:cs typeface="+mj-cs"/>
-              </a:defRPr>
-            </a:lvl1pPr>
-          </a:lstStyle>
-          <a:p>
-            <a:pPr algn="ctr"/>
-            <a:r>
-              <a:rPr lang="ru-RU" dirty="0" smtClean="0"/>
-              <a:t>Входные и </a:t>
-            </a:r>
-            <a:r>
-              <a:rPr lang="ru-RU" dirty="0"/>
-              <a:t>выходные данные </a:t>
-            </a:r>
-            <a:r>
-              <a:rPr lang="ru-RU" dirty="0" smtClean="0"/>
-              <a:t>и ограничения приложения</a:t>
-            </a:r>
-            <a:endParaRPr lang="ru-RU" dirty="0"/>
-          </a:p>
-        </p:txBody>
-      </p:sp>
-      <p:sp>
-        <p:nvSpPr>
-          <p:cNvPr id="5" name="Объект 2"/>
-          <p:cNvSpPr>
-            <a:spLocks noGrp="1"/>
-          </p:cNvSpPr>
-          <p:nvPr>
-            <p:ph idx="1"/>
-          </p:nvPr>
-        </p:nvSpPr>
-        <p:spPr>
-          <a:xfrm>
-            <a:off x="838200" y="1325562"/>
-            <a:ext cx="10515600" cy="5229062"/>
-          </a:xfrm>
-        </p:spPr>
-        <p:txBody>
-          <a:bodyPr>
-            <a:normAutofit fontScale="85000" lnSpcReduction="10000"/>
-          </a:bodyPr>
-          <a:lstStyle/>
-          <a:p>
-            <a:r>
-              <a:rPr lang="ru-RU" sz="3200" dirty="0" smtClean="0"/>
-              <a:t>Входные данные</a:t>
-            </a:r>
-            <a:r>
-              <a:rPr lang="en-US" sz="3200" dirty="0" smtClean="0"/>
-              <a:t>:</a:t>
-            </a:r>
-          </a:p>
-          <a:p>
-            <a:pPr lvl="1"/>
-            <a:r>
-              <a:rPr lang="ru-RU" dirty="0"/>
-              <a:t>г</a:t>
-            </a:r>
-            <a:r>
-              <a:rPr lang="ru-RU" dirty="0" smtClean="0"/>
-              <a:t>раф дорог</a:t>
-            </a:r>
-            <a:r>
-              <a:rPr lang="en-US" dirty="0" smtClean="0"/>
-              <a:t>;</a:t>
-            </a:r>
-          </a:p>
-          <a:p>
-            <a:pPr lvl="1"/>
-            <a:r>
-              <a:rPr lang="ru-RU" dirty="0"/>
-              <a:t>н</a:t>
-            </a:r>
-            <a:r>
-              <a:rPr lang="ru-RU" dirty="0" smtClean="0"/>
-              <a:t>ачальная и конечная точка</a:t>
-            </a:r>
-            <a:r>
-              <a:rPr lang="en-US" dirty="0" smtClean="0"/>
-              <a:t>;</a:t>
-            </a:r>
-          </a:p>
-          <a:p>
-            <a:pPr lvl="1"/>
-            <a:r>
-              <a:rPr lang="ru-RU" dirty="0"/>
-              <a:t>в</a:t>
-            </a:r>
-            <a:r>
-              <a:rPr lang="ru-RU" dirty="0" smtClean="0"/>
-              <a:t>ид маршрута</a:t>
-            </a:r>
-            <a:r>
-              <a:rPr lang="en-US" dirty="0" smtClean="0"/>
-              <a:t>;</a:t>
-            </a:r>
-          </a:p>
-          <a:p>
-            <a:pPr lvl="1"/>
-            <a:r>
-              <a:rPr lang="ru-RU" dirty="0"/>
-              <a:t>в</a:t>
-            </a:r>
-            <a:r>
-              <a:rPr lang="ru-RU" dirty="0" smtClean="0"/>
-              <a:t>ыбранная комбинация алгоритмов для построения.</a:t>
-            </a:r>
-          </a:p>
-          <a:p>
-            <a:r>
-              <a:rPr lang="ru-RU" sz="3200" dirty="0" smtClean="0"/>
-              <a:t>Выходные данные</a:t>
-            </a:r>
-            <a:r>
-              <a:rPr lang="en-US" sz="3200" dirty="0" smtClean="0"/>
-              <a:t>:</a:t>
-            </a:r>
-            <a:endParaRPr lang="ru-RU" sz="3200" dirty="0" smtClean="0"/>
-          </a:p>
-          <a:p>
-            <a:pPr lvl="1"/>
-            <a:r>
-              <a:rPr lang="ru-RU" dirty="0"/>
-              <a:t>п</a:t>
-            </a:r>
-            <a:r>
-              <a:rPr lang="ru-RU" dirty="0" smtClean="0"/>
-              <a:t>остроенный маршрут</a:t>
-            </a:r>
-            <a:r>
-              <a:rPr lang="en-US" dirty="0" smtClean="0"/>
-              <a:t>;</a:t>
-            </a:r>
-            <a:endParaRPr lang="ru-RU" dirty="0" smtClean="0"/>
-          </a:p>
-          <a:p>
-            <a:pPr lvl="1"/>
-            <a:r>
-              <a:rPr lang="ru-RU" dirty="0"/>
-              <a:t>в</a:t>
-            </a:r>
-            <a:r>
-              <a:rPr lang="ru-RU" dirty="0" smtClean="0"/>
-              <a:t>ремя построения</a:t>
-            </a:r>
-            <a:r>
-              <a:rPr lang="en-US" dirty="0" smtClean="0"/>
-              <a:t>;</a:t>
-            </a:r>
-          </a:p>
-          <a:p>
-            <a:pPr lvl="1"/>
-            <a:r>
-              <a:rPr lang="ru-RU" dirty="0"/>
-              <a:t>д</a:t>
-            </a:r>
-            <a:r>
-              <a:rPr lang="ru-RU" dirty="0" smtClean="0"/>
-              <a:t>лина маршрута</a:t>
-            </a:r>
-            <a:r>
-              <a:rPr lang="en-US" dirty="0" smtClean="0"/>
-              <a:t>.</a:t>
-            </a:r>
-          </a:p>
-          <a:p>
-            <a:r>
-              <a:rPr lang="ru-RU" sz="3200" dirty="0" smtClean="0"/>
-              <a:t>Маршруты строятся только в районе Чертаново Южное.</a:t>
-            </a:r>
-          </a:p>
-          <a:p>
-            <a:r>
-              <a:rPr lang="ru-RU" sz="3200" dirty="0" smtClean="0"/>
-              <a:t>Приложение предполагает возможность проезда по всем дорогам.</a:t>
-            </a:r>
-          </a:p>
-          <a:p>
-            <a:r>
-              <a:rPr lang="ru-RU" sz="3200" dirty="0" smtClean="0"/>
-              <a:t>По полученным данным можно сравнить эффективность различных алгоритмов при выполнении построения маршрутов.</a:t>
-            </a:r>
-            <a:endParaRPr lang="ru-RU" sz="3200" dirty="0"/>
-          </a:p>
-        </p:txBody>
-      </p:sp>
-      <p:sp>
-        <p:nvSpPr>
-          <p:cNvPr id="2" name="Номер слайда 1"/>
-          <p:cNvSpPr>
-            <a:spLocks noGrp="1"/>
-          </p:cNvSpPr>
-          <p:nvPr>
-            <p:ph type="sldNum" sz="quarter" idx="12"/>
-          </p:nvPr>
-        </p:nvSpPr>
-        <p:spPr/>
-        <p:txBody>
-          <a:bodyPr/>
-          <a:lstStyle/>
-          <a:p>
-            <a:fld id="{12A5530A-C36B-4239-A90C-AB8088D06C08}" type="slidenum">
-              <a:rPr lang="ru-RU" smtClean="0"/>
-              <a:pPr/>
-              <a:t>13</a:t>
-            </a:fld>
-            <a:endParaRPr lang="ru-RU"/>
-          </a:p>
-        </p:txBody>
-      </p:sp>
+      </p:pic>
     </p:spTree>
     <p:extLst>
       <p:ext uri="{BB962C8B-B14F-4D97-AF65-F5344CB8AC3E}">
-        <p14:creationId xmlns:p14="http://schemas.microsoft.com/office/powerpoint/2010/main" val="2935460858"/>
+        <p14:creationId xmlns:p14="http://schemas.microsoft.com/office/powerpoint/2010/main" val="626282702"/>
       </p:ext>
     </p:extLst>
   </p:cSld>
@@ -5804,7 +9988,7 @@
 </p:sld>
 </file>
 
-<file path=ppt/slides/slide14.xml><?xml version="1.0" encoding="utf-8"?>
+<file path=ppt/slides/slide13.xml><?xml version="1.0" encoding="utf-8"?>
 <p:sld xmlns:a="http://schemas.openxmlformats.org/drawingml/2006/main" xmlns:r="http://schemas.openxmlformats.org/officeDocument/2006/relationships" xmlns:p="http://schemas.openxmlformats.org/presentationml/2006/main">
   <p:cSld>
     <p:spTree>
@@ -5865,7 +10049,7 @@
             <a:pPr algn="ctr"/>
             <a:r>
               <a:rPr lang="ru-RU" dirty="0" smtClean="0"/>
-              <a:t>Результаты работы программы</a:t>
+              <a:t>Результаты работы метода в зависимости от вида маршрута</a:t>
             </a:r>
             <a:endParaRPr lang="ru-RU" dirty="0"/>
           </a:p>
@@ -5923,7 +10107,7 @@
         </p:blipFill>
         <p:spPr>
           <a:xfrm>
-            <a:off x="3716353" y="3563980"/>
+            <a:off x="3716353" y="3709806"/>
             <a:ext cx="4759294" cy="2415829"/>
           </a:xfrm>
           <a:prstGeom prst="rect">
@@ -5940,7 +10124,7 @@
         <p:spPr>
           <a:xfrm>
             <a:off x="299102" y="3572525"/>
-            <a:ext cx="3076487" cy="923330"/>
+            <a:ext cx="3076487" cy="369332"/>
           </a:xfrm>
           <a:prstGeom prst="rect">
             <a:avLst/>
@@ -5958,30 +10142,6 @@
               <a:t>Кратчайший маршрут</a:t>
             </a:r>
           </a:p>
-          <a:p>
-            <a:r>
-              <a:rPr lang="ru-RU" dirty="0" smtClean="0"/>
-              <a:t>Длина = </a:t>
-            </a:r>
-            <a:r>
-              <a:rPr lang="ru-RU" dirty="0"/>
-              <a:t>1.0551 </a:t>
-            </a:r>
-            <a:r>
-              <a:rPr lang="ru-RU" dirty="0" smtClean="0"/>
-              <a:t>км</a:t>
-            </a:r>
-          </a:p>
-          <a:p>
-            <a:r>
-              <a:rPr lang="ru-RU" dirty="0" smtClean="0"/>
-              <a:t>Время построения = </a:t>
-            </a:r>
-            <a:r>
-              <a:rPr lang="ru-RU" dirty="0"/>
-              <a:t>1.1126 с</a:t>
-            </a:r>
-          </a:p>
         </p:txBody>
       </p:sp>
       <p:sp>
@@ -5993,7 +10153,7 @@
         <p:spPr>
           <a:xfrm>
             <a:off x="8631252" y="3572525"/>
-            <a:ext cx="3269101" cy="923330"/>
+            <a:ext cx="3269101" cy="369332"/>
           </a:xfrm>
           <a:prstGeom prst="rect">
             <a:avLst/>
@@ -6012,28 +10172,6 @@
             </a:r>
             <a:endParaRPr lang="ru-RU" dirty="0"/>
           </a:p>
-          <a:p>
-            <a:pPr algn="r"/>
-            <a:r>
-              <a:rPr lang="ru-RU" dirty="0"/>
-              <a:t>Длина =  1.0947 </a:t>
-            </a:r>
-            <a:r>
-              <a:rPr lang="ru-RU" dirty="0" smtClean="0"/>
-              <a:t>км</a:t>
-            </a:r>
-          </a:p>
-          <a:p>
-            <a:pPr algn="r"/>
-            <a:r>
-              <a:rPr lang="ru-RU" dirty="0" smtClean="0"/>
-              <a:t>Время </a:t>
-            </a:r>
-            <a:r>
-              <a:rPr lang="ru-RU" dirty="0"/>
-              <a:t>построения = 131.1396 с</a:t>
-            </a:r>
-          </a:p>
         </p:txBody>
       </p:sp>
       <p:sp>
@@ -6044,8 +10182,8 @@
         </p:nvSpPr>
         <p:spPr>
           <a:xfrm>
-            <a:off x="4527846" y="5934670"/>
-            <a:ext cx="3269101" cy="923330"/>
+            <a:off x="4461449" y="6150504"/>
+            <a:ext cx="3269101" cy="369332"/>
           </a:xfrm>
           <a:prstGeom prst="rect">
             <a:avLst/>
@@ -6061,63 +10199,6 @@
             <a:r>
               <a:rPr lang="ru-RU" dirty="0" smtClean="0"/>
               <a:t>Безопасный маршрут</a:t>
-            </a:r>
-            <a:endParaRPr lang="ru-RU" dirty="0"/>
-          </a:p>
-          <a:p>
-            <a:pPr algn="ctr"/>
-            <a:r>
-              <a:rPr lang="ru-RU" dirty="0"/>
-              <a:t>Длина =   1.0987 </a:t>
-            </a:r>
-            <a:r>
-              <a:rPr lang="ru-RU" dirty="0" smtClean="0"/>
-              <a:t>км</a:t>
-            </a:r>
-          </a:p>
-          <a:p>
-            <a:pPr algn="ctr"/>
-            <a:r>
-              <a:rPr lang="ru-RU" dirty="0" smtClean="0"/>
-              <a:t>Время </a:t>
-            </a:r>
-            <a:r>
-              <a:rPr lang="ru-RU" dirty="0"/>
-              <a:t>построения = 114.5515 с</a:t>
-            </a:r>
-          </a:p>
-        </p:txBody>
-      </p:sp>
-      <p:sp>
-        <p:nvSpPr>
-          <p:cNvPr id="13" name="TextBox 12"/>
-          <p:cNvSpPr txBox="1"/>
-          <p:nvPr/>
-        </p:nvSpPr>
-        <p:spPr>
-          <a:xfrm>
-            <a:off x="8631251" y="5288339"/>
-            <a:ext cx="3269101" cy="646331"/>
-          </a:xfrm>
-          <a:prstGeom prst="rect">
-            <a:avLst/>
-          </a:prstGeom>
-          <a:noFill/>
-        </p:spPr>
-        <p:txBody>
-          <a:bodyPr wrap="square" rtlCol="0">
-            <a:spAutoFit/>
-          </a:bodyPr>
-          <a:lstStyle/>
-          <a:p>
-            <a:pPr algn="ctr"/>
-            <a:r>
-              <a:rPr lang="en-US" dirty="0" smtClean="0"/>
-              <a:t>K = 15 – </a:t>
-            </a:r>
-            <a:r>
-              <a:rPr lang="ru-RU" dirty="0" smtClean="0"/>
-              <a:t>количество найденных субоптимальных маршрутов</a:t>
             </a:r>
             <a:endParaRPr lang="ru-RU" dirty="0"/>
           </a:p>
@@ -6171,9 +10252,9 @@
             <a:fld id="{12A5530A-C36B-4239-A90C-AB8088D06C08}" type="slidenum">
               <a:rPr lang="ru-RU" smtClean="0"/>
               <a:pPr/>
-              <a:t>14</a:t>
+              <a:t>13</a:t>
             </a:fld>
-            <a:endParaRPr lang="ru-RU"/>
+            <a:endParaRPr lang="ru-RU" dirty="0"/>
           </a:p>
         </p:txBody>
       </p:sp>
@@ -6194,6 +10275,1035 @@
       </p:par>
     </p:tnLst>
   </p:timing>
+</p:sld>
+</file>
+
+<file path=ppt/slides/slide14.xml><?xml version="1.0" encoding="utf-8"?>
+<p:sld xmlns:a="http://schemas.openxmlformats.org/drawingml/2006/main" xmlns:r="http://schemas.openxmlformats.org/officeDocument/2006/relationships" xmlns:p="http://schemas.openxmlformats.org/presentationml/2006/main">
+  <p:cSld>
+    <p:spTree>
+      <p:nvGrpSpPr>
+        <p:cNvPr id="1" name=""/>
+        <p:cNvGrpSpPr/>
+        <p:nvPr/>
+      </p:nvGrpSpPr>
+      <p:grpSpPr>
+        <a:xfrm>
+          <a:off x="0" y="0"/>
+          <a:ext cx="0" cy="0"/>
+          <a:chOff x="0" y="0"/>
+          <a:chExt cx="0" cy="0"/>
+        </a:xfrm>
+      </p:grpSpPr>
+      <p:sp>
+        <p:nvSpPr>
+          <p:cNvPr id="4" name="Номер слайда 3"/>
+          <p:cNvSpPr>
+            <a:spLocks noGrp="1"/>
+          </p:cNvSpPr>
+          <p:nvPr>
+            <p:ph type="sldNum" sz="quarter" idx="12"/>
+          </p:nvPr>
+        </p:nvSpPr>
+        <p:spPr/>
+        <p:txBody>
+          <a:bodyPr/>
+          <a:lstStyle/>
+          <a:p>
+            <a:fld id="{12A5530A-C36B-4239-A90C-AB8088D06C08}" type="slidenum">
+              <a:rPr lang="ru-RU" smtClean="0"/>
+              <a:pPr/>
+              <a:t>14</a:t>
+            </a:fld>
+            <a:endParaRPr lang="ru-RU"/>
+          </a:p>
+        </p:txBody>
+      </p:sp>
+      <p:sp>
+        <p:nvSpPr>
+          <p:cNvPr id="7" name="Заголовок 1"/>
+          <p:cNvSpPr txBox="1">
+            <a:spLocks/>
+          </p:cNvSpPr>
+          <p:nvPr/>
+        </p:nvSpPr>
+        <p:spPr>
+          <a:xfrm>
+            <a:off x="838200" y="0"/>
+            <a:ext cx="10515600" cy="1325563"/>
+          </a:xfrm>
+          <a:prstGeom prst="rect">
+            <a:avLst/>
+          </a:prstGeom>
+        </p:spPr>
+        <p:txBody>
+          <a:bodyPr vert="horz" lIns="91440" tIns="45720" rIns="91440" bIns="45720" rtlCol="0" anchor="ctr">
+            <a:normAutofit/>
+          </a:bodyPr>
+          <a:lstStyle>
+            <a:lvl1pPr algn="l" defTabSz="914400" rtl="0" eaLnBrk="1" latinLnBrk="0" hangingPunct="1">
+              <a:lnSpc>
+                <a:spcPct val="90000"/>
+              </a:lnSpc>
+              <a:spcBef>
+                <a:spcPct val="0"/>
+              </a:spcBef>
+              <a:buNone/>
+              <a:defRPr sz="4400" kern="1200">
+                <a:solidFill>
+                  <a:schemeClr val="tx1"/>
+                </a:solidFill>
+                <a:latin typeface="+mj-lt"/>
+                <a:ea typeface="+mj-ea"/>
+                <a:cs typeface="+mj-cs"/>
+              </a:defRPr>
+            </a:lvl1pPr>
+          </a:lstStyle>
+          <a:p>
+            <a:pPr algn="ctr"/>
+            <a:r>
+              <a:rPr lang="ru-RU" dirty="0" smtClean="0"/>
+              <a:t>Исследование полученных результатов</a:t>
+            </a:r>
+            <a:endParaRPr lang="ru-RU" dirty="0"/>
+          </a:p>
+        </p:txBody>
+      </p:sp>
+      <p:sp>
+        <p:nvSpPr>
+          <p:cNvPr id="11" name="Прямоугольник 10"/>
+          <p:cNvSpPr/>
+          <p:nvPr/>
+        </p:nvSpPr>
+        <p:spPr>
+          <a:xfrm>
+            <a:off x="3507639" y="1252627"/>
+            <a:ext cx="5494068" cy="369332"/>
+          </a:xfrm>
+          <a:prstGeom prst="rect">
+            <a:avLst/>
+          </a:prstGeom>
+        </p:spPr>
+        <p:txBody>
+          <a:bodyPr wrap="none">
+            <a:spAutoFit/>
+          </a:bodyPr>
+          <a:lstStyle/>
+          <a:p>
+            <a:r>
+              <a:rPr lang="ru-RU" dirty="0" smtClean="0"/>
+              <a:t>Эксперименты проведены для К=2;5;15</a:t>
+            </a:r>
+            <a:r>
+              <a:rPr lang="ru-RU" dirty="0"/>
+              <a:t>; </a:t>
+            </a:r>
+            <a:r>
+              <a:rPr lang="en-US" dirty="0"/>
+              <a:t>E</a:t>
+            </a:r>
+            <a:r>
+              <a:rPr lang="ru-RU" dirty="0"/>
+              <a:t>=0,02;0,1;0,3</a:t>
+            </a:r>
+          </a:p>
+        </p:txBody>
+      </p:sp>
+      <p:sp>
+        <p:nvSpPr>
+          <p:cNvPr id="12" name="TextBox 11"/>
+          <p:cNvSpPr txBox="1"/>
+          <p:nvPr/>
+        </p:nvSpPr>
+        <p:spPr>
+          <a:xfrm>
+            <a:off x="447230" y="4946908"/>
+            <a:ext cx="5953570" cy="923330"/>
+          </a:xfrm>
+          <a:prstGeom prst="rect">
+            <a:avLst/>
+          </a:prstGeom>
+          <a:noFill/>
+        </p:spPr>
+        <p:txBody>
+          <a:bodyPr wrap="square" rtlCol="0">
+            <a:spAutoFit/>
+          </a:bodyPr>
+          <a:lstStyle/>
+          <a:p>
+            <a:pPr algn="ctr"/>
+            <a:r>
+              <a:rPr lang="ru-RU" dirty="0"/>
+              <a:t>Зависимость времени работы разных комбинаций алгоритмов </a:t>
+            </a:r>
+            <a:r>
+              <a:rPr lang="ru-RU" dirty="0" smtClean="0"/>
+              <a:t>от </a:t>
+            </a:r>
+            <a:r>
+              <a:rPr lang="ru-RU" dirty="0"/>
+              <a:t>значений коэффициентов К и Е</a:t>
+            </a:r>
+          </a:p>
+          <a:p>
+            <a:endParaRPr lang="ru-RU" dirty="0"/>
+          </a:p>
+        </p:txBody>
+      </p:sp>
+      <p:sp>
+        <p:nvSpPr>
+          <p:cNvPr id="13" name="TextBox 12"/>
+          <p:cNvSpPr txBox="1"/>
+          <p:nvPr/>
+        </p:nvSpPr>
+        <p:spPr>
+          <a:xfrm>
+            <a:off x="208924" y="5728574"/>
+            <a:ext cx="11483594" cy="769441"/>
+          </a:xfrm>
+          <a:prstGeom prst="rect">
+            <a:avLst/>
+          </a:prstGeom>
+          <a:noFill/>
+        </p:spPr>
+        <p:txBody>
+          <a:bodyPr wrap="square" rtlCol="0">
+            <a:spAutoFit/>
+          </a:bodyPr>
+          <a:lstStyle/>
+          <a:p>
+            <a:pPr algn="ctr"/>
+            <a:r>
+              <a:rPr lang="ru-RU" sz="2200" b="1" dirty="0" smtClean="0"/>
+              <a:t>Вывод</a:t>
+            </a:r>
+            <a:r>
+              <a:rPr lang="en-US" sz="2200" dirty="0" smtClean="0"/>
+              <a:t>: </a:t>
+            </a:r>
+            <a:r>
+              <a:rPr lang="ru-RU" sz="2200" dirty="0" smtClean="0"/>
+              <a:t>комбинация алгоритма </a:t>
+            </a:r>
+            <a:r>
+              <a:rPr lang="ru-RU" sz="2200" dirty="0" err="1" smtClean="0"/>
+              <a:t>Дейкстры</a:t>
+            </a:r>
+            <a:r>
+              <a:rPr lang="ru-RU" sz="2200" dirty="0" smtClean="0"/>
+              <a:t> и алгоритма поиска Е-близких маршрутов дает лучшие результаты не только в скорости работы, но и в качестве полученного результата.</a:t>
+            </a:r>
+            <a:endParaRPr lang="ru-RU" sz="2200" dirty="0"/>
+          </a:p>
+        </p:txBody>
+      </p:sp>
+      <p:sp>
+        <p:nvSpPr>
+          <p:cNvPr id="14" name="TextBox 13"/>
+          <p:cNvSpPr txBox="1"/>
+          <p:nvPr/>
+        </p:nvSpPr>
+        <p:spPr>
+          <a:xfrm>
+            <a:off x="6187296" y="4805244"/>
+            <a:ext cx="6033331" cy="923330"/>
+          </a:xfrm>
+          <a:prstGeom prst="rect">
+            <a:avLst/>
+          </a:prstGeom>
+          <a:noFill/>
+        </p:spPr>
+        <p:txBody>
+          <a:bodyPr wrap="square" rtlCol="0">
+            <a:spAutoFit/>
+          </a:bodyPr>
+          <a:lstStyle/>
+          <a:p>
+            <a:pPr algn="ctr"/>
+            <a:r>
+              <a:rPr lang="ru-RU" dirty="0"/>
+              <a:t>Зависимость </a:t>
+            </a:r>
+            <a:r>
+              <a:rPr lang="ru-RU" dirty="0" smtClean="0"/>
+              <a:t>коэффициента безопасности маршрутов, построенных с помощью разных </a:t>
+            </a:r>
+            <a:r>
+              <a:rPr lang="ru-RU" dirty="0" smtClean="0"/>
+              <a:t>комбинаций алгоритмов </a:t>
+            </a:r>
+            <a:r>
+              <a:rPr lang="ru-RU" dirty="0"/>
+              <a:t>от </a:t>
+            </a:r>
+            <a:r>
+              <a:rPr lang="ru-RU" dirty="0" smtClean="0"/>
+              <a:t>значений коэффициентов </a:t>
+            </a:r>
+            <a:r>
+              <a:rPr lang="ru-RU" dirty="0"/>
+              <a:t>К и </a:t>
+            </a:r>
+            <a:r>
+              <a:rPr lang="ru-RU" dirty="0" smtClean="0"/>
+              <a:t>Е</a:t>
+            </a:r>
+            <a:endParaRPr lang="ru-RU" dirty="0"/>
+          </a:p>
+        </p:txBody>
+      </p:sp>
+      <p:graphicFrame>
+        <p:nvGraphicFramePr>
+          <p:cNvPr id="16" name="Диаграмма 15"/>
+          <p:cNvGraphicFramePr>
+            <a:graphicFrameLocks/>
+          </p:cNvGraphicFramePr>
+          <p:nvPr>
+            <p:extLst>
+              <p:ext uri="{D42A27DB-BD31-4B8C-83A1-F6EECF244321}">
+                <p14:modId xmlns:p14="http://schemas.microsoft.com/office/powerpoint/2010/main" val="3642420597"/>
+              </p:ext>
+            </p:extLst>
+          </p:nvPr>
+        </p:nvGraphicFramePr>
+        <p:xfrm>
+          <a:off x="838200" y="1711000"/>
+          <a:ext cx="4572000" cy="1640968"/>
+        </p:xfrm>
+        <a:graphic>
+          <a:graphicData uri="http://schemas.openxmlformats.org/drawingml/2006/chart">
+            <c:chart xmlns:c="http://schemas.openxmlformats.org/drawingml/2006/chart" xmlns:r="http://schemas.openxmlformats.org/officeDocument/2006/relationships" r:id="rId3"/>
+          </a:graphicData>
+        </a:graphic>
+      </p:graphicFrame>
+      <p:graphicFrame>
+        <p:nvGraphicFramePr>
+          <p:cNvPr id="17" name="Диаграмма 16"/>
+          <p:cNvGraphicFramePr>
+            <a:graphicFrameLocks/>
+          </p:cNvGraphicFramePr>
+          <p:nvPr>
+            <p:extLst>
+              <p:ext uri="{D42A27DB-BD31-4B8C-83A1-F6EECF244321}">
+                <p14:modId xmlns:p14="http://schemas.microsoft.com/office/powerpoint/2010/main" val="622273595"/>
+              </p:ext>
+            </p:extLst>
+          </p:nvPr>
+        </p:nvGraphicFramePr>
+        <p:xfrm>
+          <a:off x="838200" y="3322177"/>
+          <a:ext cx="4572000" cy="1532025"/>
+        </p:xfrm>
+        <a:graphic>
+          <a:graphicData uri="http://schemas.openxmlformats.org/drawingml/2006/chart">
+            <c:chart xmlns:c="http://schemas.openxmlformats.org/drawingml/2006/chart" xmlns:r="http://schemas.openxmlformats.org/officeDocument/2006/relationships" r:id="rId4"/>
+          </a:graphicData>
+        </a:graphic>
+      </p:graphicFrame>
+      <p:graphicFrame>
+        <p:nvGraphicFramePr>
+          <p:cNvPr id="18" name="Диаграмма 17"/>
+          <p:cNvGraphicFramePr>
+            <a:graphicFrameLocks/>
+          </p:cNvGraphicFramePr>
+          <p:nvPr>
+            <p:extLst>
+              <p:ext uri="{D42A27DB-BD31-4B8C-83A1-F6EECF244321}">
+                <p14:modId xmlns:p14="http://schemas.microsoft.com/office/powerpoint/2010/main" val="245320456"/>
+              </p:ext>
+            </p:extLst>
+          </p:nvPr>
+        </p:nvGraphicFramePr>
+        <p:xfrm>
+          <a:off x="6781800" y="3275099"/>
+          <a:ext cx="4572000" cy="1603121"/>
+        </p:xfrm>
+        <a:graphic>
+          <a:graphicData uri="http://schemas.openxmlformats.org/drawingml/2006/chart">
+            <c:chart xmlns:c="http://schemas.openxmlformats.org/drawingml/2006/chart" xmlns:r="http://schemas.openxmlformats.org/officeDocument/2006/relationships" r:id="rId5"/>
+          </a:graphicData>
+        </a:graphic>
+      </p:graphicFrame>
+      <p:graphicFrame>
+        <p:nvGraphicFramePr>
+          <p:cNvPr id="20" name="Диаграмма 19"/>
+          <p:cNvGraphicFramePr>
+            <a:graphicFrameLocks/>
+          </p:cNvGraphicFramePr>
+          <p:nvPr>
+            <p:extLst>
+              <p:ext uri="{D42A27DB-BD31-4B8C-83A1-F6EECF244321}">
+                <p14:modId xmlns:p14="http://schemas.microsoft.com/office/powerpoint/2010/main" val="3588243316"/>
+              </p:ext>
+            </p:extLst>
+          </p:nvPr>
+        </p:nvGraphicFramePr>
+        <p:xfrm>
+          <a:off x="6781800" y="1582347"/>
+          <a:ext cx="4572000" cy="1420634"/>
+        </p:xfrm>
+        <a:graphic>
+          <a:graphicData uri="http://schemas.openxmlformats.org/drawingml/2006/chart">
+            <c:chart xmlns:c="http://schemas.openxmlformats.org/drawingml/2006/chart" xmlns:r="http://schemas.openxmlformats.org/officeDocument/2006/relationships" r:id="rId6"/>
+          </a:graphicData>
+        </a:graphic>
+      </p:graphicFrame>
+    </p:spTree>
+    <p:extLst>
+      <p:ext uri="{BB962C8B-B14F-4D97-AF65-F5344CB8AC3E}">
+        <p14:creationId xmlns:p14="http://schemas.microsoft.com/office/powerpoint/2010/main" val="2547745687"/>
+      </p:ext>
+    </p:extLst>
+  </p:cSld>
+  <p:clrMapOvr>
+    <a:masterClrMapping/>
+  </p:clrMapOvr>
+  <p:timing>
+    <p:tnLst>
+      <p:par>
+        <p:cTn id="1" dur="indefinite" restart="never" nodeType="tmRoot"/>
+      </p:par>
+    </p:tnLst>
+  </p:timing>
+</p:sld>
+</file>
+
+<file path=ppt/slides/slide15.xml><?xml version="1.0" encoding="utf-8"?>
+<p:sld xmlns:a="http://schemas.openxmlformats.org/drawingml/2006/main" xmlns:r="http://schemas.openxmlformats.org/officeDocument/2006/relationships" xmlns:p="http://schemas.openxmlformats.org/presentationml/2006/main">
+  <p:cSld>
+    <p:spTree>
+      <p:nvGrpSpPr>
+        <p:cNvPr id="1" name=""/>
+        <p:cNvGrpSpPr/>
+        <p:nvPr/>
+      </p:nvGrpSpPr>
+      <p:grpSpPr>
+        <a:xfrm>
+          <a:off x="0" y="0"/>
+          <a:ext cx="0" cy="0"/>
+          <a:chOff x="0" y="0"/>
+          <a:chExt cx="0" cy="0"/>
+        </a:xfrm>
+      </p:grpSpPr>
+      <p:sp>
+        <p:nvSpPr>
+          <p:cNvPr id="4" name="Номер слайда 3"/>
+          <p:cNvSpPr>
+            <a:spLocks noGrp="1"/>
+          </p:cNvSpPr>
+          <p:nvPr>
+            <p:ph type="sldNum" sz="quarter" idx="12"/>
+          </p:nvPr>
+        </p:nvSpPr>
+        <p:spPr/>
+        <p:txBody>
+          <a:bodyPr/>
+          <a:lstStyle/>
+          <a:p>
+            <a:fld id="{12A5530A-C36B-4239-A90C-AB8088D06C08}" type="slidenum">
+              <a:rPr lang="ru-RU" smtClean="0"/>
+              <a:pPr/>
+              <a:t>15</a:t>
+            </a:fld>
+            <a:endParaRPr lang="ru-RU"/>
+          </a:p>
+        </p:txBody>
+      </p:sp>
+      <p:sp>
+        <p:nvSpPr>
+          <p:cNvPr id="5" name="Заголовок 1"/>
+          <p:cNvSpPr txBox="1">
+            <a:spLocks/>
+          </p:cNvSpPr>
+          <p:nvPr/>
+        </p:nvSpPr>
+        <p:spPr>
+          <a:xfrm>
+            <a:off x="838200" y="0"/>
+            <a:ext cx="10515600" cy="1325563"/>
+          </a:xfrm>
+          <a:prstGeom prst="rect">
+            <a:avLst/>
+          </a:prstGeom>
+        </p:spPr>
+        <p:txBody>
+          <a:bodyPr vert="horz" lIns="91440" tIns="45720" rIns="91440" bIns="45720" rtlCol="0" anchor="ctr">
+            <a:normAutofit/>
+          </a:bodyPr>
+          <a:lstStyle>
+            <a:lvl1pPr algn="l" defTabSz="914400" rtl="0" eaLnBrk="1" latinLnBrk="0" hangingPunct="1">
+              <a:lnSpc>
+                <a:spcPct val="90000"/>
+              </a:lnSpc>
+              <a:spcBef>
+                <a:spcPct val="0"/>
+              </a:spcBef>
+              <a:buNone/>
+              <a:defRPr sz="4400" kern="1200">
+                <a:solidFill>
+                  <a:schemeClr val="tx1"/>
+                </a:solidFill>
+                <a:latin typeface="+mj-lt"/>
+                <a:ea typeface="+mj-ea"/>
+                <a:cs typeface="+mj-cs"/>
+              </a:defRPr>
+            </a:lvl1pPr>
+          </a:lstStyle>
+          <a:p>
+            <a:pPr algn="ctr"/>
+            <a:r>
+              <a:rPr lang="ru-RU" dirty="0" smtClean="0"/>
+              <a:t>Выводы</a:t>
+            </a:r>
+            <a:endParaRPr lang="ru-RU" dirty="0"/>
+          </a:p>
+        </p:txBody>
+      </p:sp>
+      <p:sp>
+        <p:nvSpPr>
+          <p:cNvPr id="6" name="Объект 2"/>
+          <p:cNvSpPr>
+            <a:spLocks noGrp="1"/>
+          </p:cNvSpPr>
+          <p:nvPr>
+            <p:ph idx="1"/>
+          </p:nvPr>
+        </p:nvSpPr>
+        <p:spPr>
+          <a:xfrm>
+            <a:off x="598206" y="1325562"/>
+            <a:ext cx="11212082" cy="5229062"/>
+          </a:xfrm>
+        </p:spPr>
+        <p:txBody>
+          <a:bodyPr>
+            <a:normAutofit/>
+          </a:bodyPr>
+          <a:lstStyle/>
+          <a:p>
+            <a:pPr lvl="0"/>
+            <a:r>
+              <a:rPr lang="ru-RU" sz="3200" dirty="0" smtClean="0"/>
+              <a:t>Проведен анализ </a:t>
+            </a:r>
+            <a:r>
+              <a:rPr lang="ru-RU" sz="3200" dirty="0"/>
+              <a:t>и выбор алгоритмов для построения оптимальных и субоптимальных маршрутов в графах;</a:t>
+            </a:r>
+          </a:p>
+          <a:p>
+            <a:pPr lvl="0"/>
+            <a:r>
+              <a:rPr lang="ru-RU" sz="3200" dirty="0" smtClean="0"/>
+              <a:t>Разработан метод </a:t>
+            </a:r>
+            <a:r>
+              <a:rPr lang="ru-RU" sz="3200" dirty="0"/>
+              <a:t>построения </a:t>
+            </a:r>
+            <a:r>
+              <a:rPr lang="ru-RU" sz="3200" dirty="0" err="1"/>
+              <a:t>веломаршрутов</a:t>
+            </a:r>
+            <a:r>
+              <a:rPr lang="ru-RU" sz="3200" dirty="0"/>
+              <a:t> по различным критериям;</a:t>
+            </a:r>
+          </a:p>
+          <a:p>
+            <a:pPr lvl="0"/>
+            <a:r>
+              <a:rPr lang="ru-RU" sz="3200" dirty="0" smtClean="0"/>
+              <a:t>Построен граф </a:t>
+            </a:r>
+            <a:r>
+              <a:rPr lang="ru-RU" sz="3200" dirty="0"/>
+              <a:t>из исходных данных о карте;</a:t>
+            </a:r>
+          </a:p>
+          <a:p>
+            <a:pPr lvl="0"/>
+            <a:r>
+              <a:rPr lang="ru-RU" sz="3200" dirty="0" smtClean="0"/>
+              <a:t>Реализован разработанный метод в виде </a:t>
+            </a:r>
+            <a:r>
+              <a:rPr lang="en-US" sz="3200" dirty="0" smtClean="0"/>
+              <a:t>web-</a:t>
+            </a:r>
+            <a:r>
+              <a:rPr lang="ru-RU" sz="3200" dirty="0" smtClean="0"/>
+              <a:t>приложения</a:t>
+            </a:r>
+            <a:r>
+              <a:rPr lang="en-US" sz="3200" dirty="0" smtClean="0"/>
+              <a:t>;</a:t>
+            </a:r>
+          </a:p>
+          <a:p>
+            <a:pPr lvl="0"/>
+            <a:r>
+              <a:rPr lang="ru-RU" sz="3200" dirty="0" smtClean="0"/>
+              <a:t>Проведено исследование результатов работы метода.</a:t>
+            </a:r>
+            <a:endParaRPr lang="ru-RU" sz="3200" dirty="0"/>
+          </a:p>
+        </p:txBody>
+      </p:sp>
+    </p:spTree>
+    <p:extLst>
+      <p:ext uri="{BB962C8B-B14F-4D97-AF65-F5344CB8AC3E}">
+        <p14:creationId xmlns:p14="http://schemas.microsoft.com/office/powerpoint/2010/main" val="1925548298"/>
+      </p:ext>
+    </p:extLst>
+  </p:cSld>
+  <p:clrMapOvr>
+    <a:masterClrMapping/>
+  </p:clrMapOvr>
+  <p:timing>
+    <p:tnLst>
+      <p:par>
+        <p:cTn id="1" dur="indefinite" restart="never" nodeType="tmRoot"/>
+      </p:par>
+    </p:tnLst>
+  </p:timing>
+</p:sld>
+</file>
+
+<file path=ppt/slides/slide16.xml><?xml version="1.0" encoding="utf-8"?>
+<p:sld xmlns:a="http://schemas.openxmlformats.org/drawingml/2006/main" xmlns:r="http://schemas.openxmlformats.org/officeDocument/2006/relationships" xmlns:p="http://schemas.openxmlformats.org/presentationml/2006/main" show="0">
+  <p:cSld>
+    <p:spTree>
+      <p:nvGrpSpPr>
+        <p:cNvPr id="1" name=""/>
+        <p:cNvGrpSpPr/>
+        <p:nvPr/>
+      </p:nvGrpSpPr>
+      <p:grpSpPr>
+        <a:xfrm>
+          <a:off x="0" y="0"/>
+          <a:ext cx="0" cy="0"/>
+          <a:chOff x="0" y="0"/>
+          <a:chExt cx="0" cy="0"/>
+        </a:xfrm>
+      </p:grpSpPr>
+      <p:sp>
+        <p:nvSpPr>
+          <p:cNvPr id="4" name="Заголовок 1"/>
+          <p:cNvSpPr txBox="1">
+            <a:spLocks/>
+          </p:cNvSpPr>
+          <p:nvPr/>
+        </p:nvSpPr>
+        <p:spPr>
+          <a:xfrm>
+            <a:off x="838200" y="0"/>
+            <a:ext cx="10515600" cy="1325563"/>
+          </a:xfrm>
+          <a:prstGeom prst="rect">
+            <a:avLst/>
+          </a:prstGeom>
+        </p:spPr>
+        <p:txBody>
+          <a:bodyPr vert="horz" lIns="91440" tIns="45720" rIns="91440" bIns="45720" rtlCol="0" anchor="ctr">
+            <a:normAutofit/>
+          </a:bodyPr>
+          <a:lstStyle>
+            <a:lvl1pPr algn="l" defTabSz="914400" rtl="0" eaLnBrk="1" latinLnBrk="0" hangingPunct="1">
+              <a:lnSpc>
+                <a:spcPct val="90000"/>
+              </a:lnSpc>
+              <a:spcBef>
+                <a:spcPct val="0"/>
+              </a:spcBef>
+              <a:buNone/>
+              <a:defRPr sz="4400" kern="1200">
+                <a:solidFill>
+                  <a:schemeClr val="tx1"/>
+                </a:solidFill>
+                <a:latin typeface="+mj-lt"/>
+                <a:ea typeface="+mj-ea"/>
+                <a:cs typeface="+mj-cs"/>
+              </a:defRPr>
+            </a:lvl1pPr>
+          </a:lstStyle>
+          <a:p>
+            <a:pPr algn="ctr"/>
+            <a:r>
+              <a:rPr lang="ru-RU" dirty="0" smtClean="0"/>
+              <a:t>Входные и </a:t>
+            </a:r>
+            <a:r>
+              <a:rPr lang="ru-RU" dirty="0"/>
+              <a:t>выходные данные </a:t>
+            </a:r>
+            <a:r>
+              <a:rPr lang="ru-RU" dirty="0" smtClean="0"/>
+              <a:t>и ограничения приложения</a:t>
+            </a:r>
+            <a:endParaRPr lang="ru-RU" dirty="0"/>
+          </a:p>
+        </p:txBody>
+      </p:sp>
+      <p:sp>
+        <p:nvSpPr>
+          <p:cNvPr id="5" name="Объект 2"/>
+          <p:cNvSpPr>
+            <a:spLocks noGrp="1"/>
+          </p:cNvSpPr>
+          <p:nvPr>
+            <p:ph idx="1"/>
+          </p:nvPr>
+        </p:nvSpPr>
+        <p:spPr>
+          <a:xfrm>
+            <a:off x="838200" y="1325562"/>
+            <a:ext cx="10515600" cy="5229062"/>
+          </a:xfrm>
+        </p:spPr>
+        <p:txBody>
+          <a:bodyPr>
+            <a:normAutofit fontScale="85000" lnSpcReduction="10000"/>
+          </a:bodyPr>
+          <a:lstStyle/>
+          <a:p>
+            <a:r>
+              <a:rPr lang="ru-RU" sz="3200" dirty="0" smtClean="0"/>
+              <a:t>Входные данные</a:t>
+            </a:r>
+            <a:r>
+              <a:rPr lang="en-US" sz="3200" dirty="0" smtClean="0"/>
+              <a:t>:</a:t>
+            </a:r>
+          </a:p>
+          <a:p>
+            <a:pPr lvl="1"/>
+            <a:r>
+              <a:rPr lang="ru-RU" dirty="0"/>
+              <a:t>г</a:t>
+            </a:r>
+            <a:r>
+              <a:rPr lang="ru-RU" dirty="0" smtClean="0"/>
+              <a:t>раф дорог</a:t>
+            </a:r>
+            <a:r>
+              <a:rPr lang="en-US" dirty="0" smtClean="0"/>
+              <a:t>;</a:t>
+            </a:r>
+          </a:p>
+          <a:p>
+            <a:pPr lvl="1"/>
+            <a:r>
+              <a:rPr lang="ru-RU" dirty="0"/>
+              <a:t>н</a:t>
+            </a:r>
+            <a:r>
+              <a:rPr lang="ru-RU" dirty="0" smtClean="0"/>
+              <a:t>ачальная и конечная точка</a:t>
+            </a:r>
+            <a:r>
+              <a:rPr lang="en-US" dirty="0" smtClean="0"/>
+              <a:t>;</a:t>
+            </a:r>
+          </a:p>
+          <a:p>
+            <a:pPr lvl="1"/>
+            <a:r>
+              <a:rPr lang="ru-RU" dirty="0"/>
+              <a:t>в</a:t>
+            </a:r>
+            <a:r>
+              <a:rPr lang="ru-RU" dirty="0" smtClean="0"/>
+              <a:t>ид маршрута</a:t>
+            </a:r>
+            <a:r>
+              <a:rPr lang="en-US" dirty="0" smtClean="0"/>
+              <a:t>;</a:t>
+            </a:r>
+          </a:p>
+          <a:p>
+            <a:pPr lvl="1"/>
+            <a:r>
+              <a:rPr lang="ru-RU" dirty="0"/>
+              <a:t>в</a:t>
+            </a:r>
+            <a:r>
+              <a:rPr lang="ru-RU" dirty="0" smtClean="0"/>
+              <a:t>ыбранная комбинация алгоритмов для построения.</a:t>
+            </a:r>
+          </a:p>
+          <a:p>
+            <a:r>
+              <a:rPr lang="ru-RU" sz="3200" dirty="0" smtClean="0"/>
+              <a:t>Выходные данные</a:t>
+            </a:r>
+            <a:r>
+              <a:rPr lang="en-US" sz="3200" dirty="0" smtClean="0"/>
+              <a:t>:</a:t>
+            </a:r>
+            <a:endParaRPr lang="ru-RU" sz="3200" dirty="0" smtClean="0"/>
+          </a:p>
+          <a:p>
+            <a:pPr lvl="1"/>
+            <a:r>
+              <a:rPr lang="ru-RU" dirty="0"/>
+              <a:t>п</a:t>
+            </a:r>
+            <a:r>
+              <a:rPr lang="ru-RU" dirty="0" smtClean="0"/>
+              <a:t>остроенный маршрут</a:t>
+            </a:r>
+            <a:r>
+              <a:rPr lang="en-US" dirty="0" smtClean="0"/>
+              <a:t>;</a:t>
+            </a:r>
+            <a:endParaRPr lang="ru-RU" dirty="0" smtClean="0"/>
+          </a:p>
+          <a:p>
+            <a:pPr lvl="1"/>
+            <a:r>
+              <a:rPr lang="ru-RU" dirty="0"/>
+              <a:t>в</a:t>
+            </a:r>
+            <a:r>
+              <a:rPr lang="ru-RU" dirty="0" smtClean="0"/>
+              <a:t>ремя построения</a:t>
+            </a:r>
+            <a:r>
+              <a:rPr lang="en-US" dirty="0" smtClean="0"/>
+              <a:t>;</a:t>
+            </a:r>
+          </a:p>
+          <a:p>
+            <a:pPr lvl="1"/>
+            <a:r>
+              <a:rPr lang="ru-RU" dirty="0"/>
+              <a:t>д</a:t>
+            </a:r>
+            <a:r>
+              <a:rPr lang="ru-RU" dirty="0" smtClean="0"/>
+              <a:t>лина маршрута</a:t>
+            </a:r>
+            <a:r>
+              <a:rPr lang="en-US" dirty="0" smtClean="0"/>
+              <a:t>.</a:t>
+            </a:r>
+          </a:p>
+          <a:p>
+            <a:r>
+              <a:rPr lang="ru-RU" sz="3200" dirty="0" smtClean="0"/>
+              <a:t>Маршруты строятся только в районе Чертаново Южное.</a:t>
+            </a:r>
+          </a:p>
+          <a:p>
+            <a:r>
+              <a:rPr lang="ru-RU" sz="3200" dirty="0" smtClean="0"/>
+              <a:t>Приложение предполагает возможность проезда по всем дорогам.</a:t>
+            </a:r>
+          </a:p>
+          <a:p>
+            <a:r>
+              <a:rPr lang="ru-RU" sz="3200" dirty="0" smtClean="0"/>
+              <a:t>По полученным данным можно сравнить эффективность различных алгоритмов при выполнении построения маршрутов.</a:t>
+            </a:r>
+            <a:endParaRPr lang="ru-RU" sz="3200" dirty="0"/>
+          </a:p>
+        </p:txBody>
+      </p:sp>
+      <p:sp>
+        <p:nvSpPr>
+          <p:cNvPr id="2" name="Номер слайда 1"/>
+          <p:cNvSpPr>
+            <a:spLocks noGrp="1"/>
+          </p:cNvSpPr>
+          <p:nvPr>
+            <p:ph type="sldNum" sz="quarter" idx="12"/>
+          </p:nvPr>
+        </p:nvSpPr>
+        <p:spPr/>
+        <p:txBody>
+          <a:bodyPr/>
+          <a:lstStyle/>
+          <a:p>
+            <a:fld id="{12A5530A-C36B-4239-A90C-AB8088D06C08}" type="slidenum">
+              <a:rPr lang="ru-RU" smtClean="0"/>
+              <a:pPr/>
+              <a:t>16</a:t>
+            </a:fld>
+            <a:endParaRPr lang="ru-RU"/>
+          </a:p>
+        </p:txBody>
+      </p:sp>
+    </p:spTree>
+    <p:extLst>
+      <p:ext uri="{BB962C8B-B14F-4D97-AF65-F5344CB8AC3E}">
+        <p14:creationId xmlns:p14="http://schemas.microsoft.com/office/powerpoint/2010/main" val="2935460858"/>
+      </p:ext>
+    </p:extLst>
+  </p:cSld>
+  <p:clrMapOvr>
+    <a:masterClrMapping/>
+  </p:clrMapOvr>
+  <mc:AlternateContent xmlns:mc="http://schemas.openxmlformats.org/markup-compatibility/2006" xmlns:p14="http://schemas.microsoft.com/office/powerpoint/2010/main">
+    <mc:Choice Requires="p14">
+      <p:transition spd="slow" p14:dur="2000"/>
+    </mc:Choice>
+    <mc:Fallback xmlns="">
+      <p:transition spd="slow"/>
+    </mc:Fallback>
+  </mc:AlternateContent>
+  <p:timing>
+    <p:tnLst>
+      <p:par>
+        <p:cTn id="1" dur="indefinite" restart="never" nodeType="tmRoot"/>
+      </p:par>
+    </p:tnLst>
+  </p:timing>
+</p:sld>
+</file>
+
+<file path=ppt/slides/slide17.xml><?xml version="1.0" encoding="utf-8"?>
+<p:sld xmlns:a="http://schemas.openxmlformats.org/drawingml/2006/main" xmlns:r="http://schemas.openxmlformats.org/officeDocument/2006/relationships" xmlns:p="http://schemas.openxmlformats.org/presentationml/2006/main" show="0">
+  <p:cSld>
+    <p:spTree>
+      <p:nvGrpSpPr>
+        <p:cNvPr id="1" name=""/>
+        <p:cNvGrpSpPr/>
+        <p:nvPr/>
+      </p:nvGrpSpPr>
+      <p:grpSpPr>
+        <a:xfrm>
+          <a:off x="0" y="0"/>
+          <a:ext cx="0" cy="0"/>
+          <a:chOff x="0" y="0"/>
+          <a:chExt cx="0" cy="0"/>
+        </a:xfrm>
+      </p:grpSpPr>
+      <p:sp>
+        <p:nvSpPr>
+          <p:cNvPr id="4" name="Номер слайда 3"/>
+          <p:cNvSpPr>
+            <a:spLocks noGrp="1"/>
+          </p:cNvSpPr>
+          <p:nvPr>
+            <p:ph type="sldNum" sz="quarter" idx="12"/>
+          </p:nvPr>
+        </p:nvSpPr>
+        <p:spPr/>
+        <p:txBody>
+          <a:bodyPr/>
+          <a:lstStyle/>
+          <a:p>
+            <a:fld id="{12A5530A-C36B-4239-A90C-AB8088D06C08}" type="slidenum">
+              <a:rPr lang="ru-RU" smtClean="0"/>
+              <a:pPr/>
+              <a:t>17</a:t>
+            </a:fld>
+            <a:endParaRPr lang="ru-RU"/>
+          </a:p>
+        </p:txBody>
+      </p:sp>
+      <p:sp>
+        <p:nvSpPr>
+          <p:cNvPr id="5" name="Заголовок 1"/>
+          <p:cNvSpPr txBox="1">
+            <a:spLocks/>
+          </p:cNvSpPr>
+          <p:nvPr/>
+        </p:nvSpPr>
+        <p:spPr>
+          <a:xfrm>
+            <a:off x="838200" y="0"/>
+            <a:ext cx="10515600" cy="1325563"/>
+          </a:xfrm>
+          <a:prstGeom prst="rect">
+            <a:avLst/>
+          </a:prstGeom>
+        </p:spPr>
+        <p:txBody>
+          <a:bodyPr vert="horz" lIns="91440" tIns="45720" rIns="91440" bIns="45720" rtlCol="0" anchor="ctr">
+            <a:normAutofit/>
+          </a:bodyPr>
+          <a:lstStyle>
+            <a:lvl1pPr algn="l" defTabSz="914400" rtl="0" eaLnBrk="1" latinLnBrk="0" hangingPunct="1">
+              <a:lnSpc>
+                <a:spcPct val="90000"/>
+              </a:lnSpc>
+              <a:spcBef>
+                <a:spcPct val="0"/>
+              </a:spcBef>
+              <a:buNone/>
+              <a:defRPr sz="4400" kern="1200">
+                <a:solidFill>
+                  <a:schemeClr val="tx1"/>
+                </a:solidFill>
+                <a:latin typeface="+mj-lt"/>
+                <a:ea typeface="+mj-ea"/>
+                <a:cs typeface="+mj-cs"/>
+              </a:defRPr>
+            </a:lvl1pPr>
+          </a:lstStyle>
+          <a:p>
+            <a:pPr algn="ctr"/>
+            <a:r>
+              <a:rPr lang="ru-RU" dirty="0" smtClean="0"/>
+              <a:t>Диаграмма классов</a:t>
+            </a:r>
+            <a:endParaRPr lang="ru-RU" dirty="0"/>
+          </a:p>
+        </p:txBody>
+      </p:sp>
+      <p:pic>
+        <p:nvPicPr>
+          <p:cNvPr id="6" name="Рисунок 5" descr="D:\Diploma\Diploma\Documentation\images\Схемы\UML.png"/>
+          <p:cNvPicPr/>
+          <p:nvPr/>
+        </p:nvPicPr>
+        <p:blipFill>
+          <a:blip r:embed="rId2">
+            <a:extLst>
+              <a:ext uri="{28A0092B-C50C-407E-A947-70E740481C1C}">
+                <a14:useLocalDpi xmlns:a14="http://schemas.microsoft.com/office/drawing/2010/main" val="0"/>
+              </a:ext>
+            </a:extLst>
+          </a:blip>
+          <a:srcRect/>
+          <a:stretch>
+            <a:fillRect/>
+          </a:stretch>
+        </p:blipFill>
+        <p:spPr bwMode="auto">
+          <a:xfrm>
+            <a:off x="3244833" y="1325563"/>
+            <a:ext cx="6245677" cy="4974607"/>
+          </a:xfrm>
+          <a:prstGeom prst="rect">
+            <a:avLst/>
+          </a:prstGeom>
+          <a:noFill/>
+          <a:ln>
+            <a:noFill/>
+          </a:ln>
+        </p:spPr>
+      </p:pic>
+    </p:spTree>
+    <p:extLst>
+      <p:ext uri="{BB962C8B-B14F-4D97-AF65-F5344CB8AC3E}">
+        <p14:creationId xmlns:p14="http://schemas.microsoft.com/office/powerpoint/2010/main" val="463215707"/>
+      </p:ext>
+    </p:extLst>
+  </p:cSld>
+  <p:clrMapOvr>
+    <a:masterClrMapping/>
+  </p:clrMapOvr>
+  <mc:AlternateContent xmlns:mc="http://schemas.openxmlformats.org/markup-compatibility/2006">
+    <mc:Choice xmlns:p14="http://schemas.microsoft.com/office/powerpoint/2010/main" Requires="p14">
+      <p:transition spd="slow" p14:dur="2000"/>
+    </mc:Choice>
+    <mc:Fallback>
+      <p:transition spd="slow"/>
+    </mc:Fallback>
+  </mc:AlternateContent>
 </p:sld>
 </file>
 
@@ -6255,65 +11365,68 @@
         </p:nvSpPr>
         <p:spPr>
           <a:xfrm>
-            <a:off x="838200" y="1325562"/>
-            <a:ext cx="10515600" cy="5229062"/>
+            <a:off x="838200" y="1325561"/>
+            <a:ext cx="10515600" cy="5395913"/>
           </a:xfrm>
         </p:spPr>
         <p:txBody>
           <a:bodyPr>
-            <a:normAutofit lnSpcReduction="10000"/>
+            <a:normAutofit fontScale="92500"/>
           </a:bodyPr>
           <a:lstStyle/>
-          <a:p>
-            <a:r>
-              <a:rPr lang="ru-RU" sz="3200" b="1" dirty="0"/>
-              <a:t>Целью </a:t>
-            </a:r>
-            <a:r>
-              <a:rPr lang="ru-RU" sz="3200" dirty="0"/>
-              <a:t>данной</a:t>
-            </a:r>
-            <a:r>
-              <a:rPr lang="ru-RU" sz="3200" b="1" dirty="0"/>
-              <a:t> работы</a:t>
-            </a:r>
-            <a:r>
-              <a:rPr lang="ru-RU" sz="3200" dirty="0"/>
-              <a:t> является </a:t>
-            </a:r>
-            <a:r>
-              <a:rPr lang="ru-RU" sz="3200" dirty="0" smtClean="0"/>
-              <a:t>разработка метода построения </a:t>
-            </a:r>
-            <a:r>
-              <a:rPr lang="ru-RU" sz="3200" dirty="0" err="1" smtClean="0"/>
-              <a:t>веломаршрутов</a:t>
-            </a:r>
-            <a:r>
-              <a:rPr lang="ru-RU" sz="3200" dirty="0" smtClean="0"/>
-              <a:t> и его реализация в виде </a:t>
-            </a:r>
-            <a:r>
-              <a:rPr lang="en-US" sz="3200" dirty="0"/>
-              <a:t>Web</a:t>
-            </a:r>
-            <a:r>
-              <a:rPr lang="ru-RU" sz="3200" dirty="0" smtClean="0"/>
-              <a:t>-приложения.</a:t>
-            </a:r>
-            <a:endParaRPr lang="ru-RU" sz="3200" dirty="0"/>
-          </a:p>
           <a:p>
             <a:pPr marL="0" indent="0">
               <a:buNone/>
             </a:pPr>
             <a:r>
+              <a:rPr lang="ru-RU" sz="3200" b="1" dirty="0"/>
+              <a:t>Целью </a:t>
+            </a:r>
+            <a:r>
+              <a:rPr lang="ru-RU" sz="3200" dirty="0"/>
+              <a:t>данной</a:t>
+            </a:r>
+            <a:r>
+              <a:rPr lang="ru-RU" sz="3200" b="1" dirty="0"/>
+              <a:t> работы</a:t>
+            </a:r>
+            <a:r>
+              <a:rPr lang="ru-RU" sz="3200" dirty="0"/>
+              <a:t> является </a:t>
+            </a:r>
+            <a:r>
+              <a:rPr lang="ru-RU" sz="3200" dirty="0" smtClean="0"/>
+              <a:t>разработка метода построения велосипедных маршрутов и его реализация в виде </a:t>
+            </a:r>
+            <a:r>
+              <a:rPr lang="en-US" sz="3200" dirty="0"/>
+              <a:t>Web</a:t>
+            </a:r>
+            <a:r>
+              <a:rPr lang="ru-RU" sz="3200" dirty="0" smtClean="0"/>
+              <a:t>-приложения.</a:t>
+            </a:r>
+            <a:endParaRPr lang="ru-RU" sz="3200" dirty="0"/>
+          </a:p>
+          <a:p>
+            <a:pPr marL="0" indent="0">
+              <a:buNone/>
+            </a:pPr>
+            <a:r>
               <a:rPr lang="ru-RU" sz="3200" dirty="0" smtClean="0"/>
               <a:t>Для </a:t>
             </a:r>
             <a:r>
               <a:rPr lang="ru-RU" sz="3200" dirty="0"/>
-              <a:t>достижения этой цели необходимо выполнить ряд задач:</a:t>
+              <a:t>достижения этой цели необходимо выполнить ряд </a:t>
+            </a:r>
+            <a:r>
+              <a:rPr lang="ru-RU" sz="3200" b="1" dirty="0"/>
+              <a:t>задач</a:t>
+            </a:r>
+            <a:r>
+              <a:rPr lang="ru-RU" sz="3200" dirty="0"/>
+              <a:t>:</a:t>
             </a:r>
           </a:p>
           <a:p>
@@ -6363,11 +11476,22 @@
             <a:pPr lvl="0"/>
             <a:r>
               <a:rPr lang="ru-RU" sz="3200" dirty="0"/>
-              <a:t>Реализация разработанного метода</a:t>
+              <a:t>Реализация разработанного </a:t>
             </a:r>
             <a:r>
               <a:rPr lang="ru-RU" sz="3200" dirty="0" smtClean="0"/>
-              <a:t>.</a:t>
+              <a:t>метода</a:t>
+            </a:r>
+            <a:r>
+              <a:rPr lang="en-US" sz="3200" dirty="0" smtClean="0"/>
+              <a:t>;</a:t>
+            </a:r>
+          </a:p>
+          <a:p>
+            <a:pPr lvl="0"/>
+            <a:r>
+              <a:rPr lang="ru-RU" sz="3200" dirty="0" smtClean="0"/>
+              <a:t>Исследование полученных результатов.</a:t>
             </a:r>
             <a:endParaRPr lang="ru-RU" sz="3200" dirty="0"/>
           </a:p>
@@ -7975,7 +13099,7 @@
               <p:nvPr>
                 <p:extLst>
                   <p:ext uri="{D42A27DB-BD31-4B8C-83A1-F6EECF244321}">
-                    <p14:modId xmlns:p14="http://schemas.microsoft.com/office/powerpoint/2010/main" val="1927208344"/>
+                    <p14:modId xmlns:p14="http://schemas.microsoft.com/office/powerpoint/2010/main" val="2952047974"/>
                   </p:ext>
                 </p:extLst>
               </p:nvPr>
@@ -8053,143 +13177,136 @@
                         <a:p>
                           <a:pPr algn="ctr"/>
                           <a14:m>
-                            <m:oMath xmlns:m="http://schemas.openxmlformats.org/officeDocument/2006/math">
-                              <m:r>
-                                <a:rPr lang="ru-RU" sz="1800" i="1" kern="1200" smtClean="0">
-                                  <a:solidFill>
-                                    <a:schemeClr val="dk1"/>
-                                  </a:solidFill>
-                                  <a:effectLst/>
-                                  <a:latin typeface="Cambria Math" panose="02040503050406030204" pitchFamily="18" charset="0"/>
-                                  <a:ea typeface="+mn-ea"/>
-                                  <a:cs typeface="+mn-cs"/>
-                                </a:rPr>
-                                <m:t>𝑂</m:t>
-                              </m:r>
-                              <m:r>
-                                <a:rPr lang="ru-RU" sz="1800" i="1" kern="1200" smtClean="0">
-                                  <a:solidFill>
-                                    <a:schemeClr val="dk1"/>
-                                  </a:solidFill>
-                                  <a:effectLst/>
-                                  <a:latin typeface="Cambria Math" panose="02040503050406030204" pitchFamily="18" charset="0"/>
-                                  <a:ea typeface="+mn-ea"/>
-                                  <a:cs typeface="+mn-cs"/>
-                                </a:rPr>
-                                <m:t>(</m:t>
-                              </m:r>
-                              <m:r>
-                                <a:rPr lang="ru-RU" sz="1800" i="1" kern="1200" smtClean="0">
-                                  <a:solidFill>
-                                    <a:schemeClr val="dk1"/>
-                                  </a:solidFill>
-                                  <a:effectLst/>
-                                  <a:latin typeface="Cambria Math" panose="02040503050406030204" pitchFamily="18" charset="0"/>
-                                  <a:ea typeface="+mn-ea"/>
-                                  <a:cs typeface="+mn-cs"/>
-                                </a:rPr>
-                                <m:t>𝐾</m:t>
-                              </m:r>
-                              <m:r>
-                                <a:rPr lang="ru-RU" sz="1800" i="1" kern="1200" smtClean="0">
-                                  <a:solidFill>
-                                    <a:schemeClr val="dk1"/>
-                                  </a:solidFill>
-                                  <a:effectLst/>
-                                  <a:latin typeface="Cambria Math" panose="02040503050406030204" pitchFamily="18" charset="0"/>
-                                  <a:ea typeface="+mn-ea"/>
-                                  <a:cs typeface="+mn-cs"/>
-                                </a:rPr>
-                                <m:t>∗</m:t>
-                              </m:r>
-                              <m:sSup>
-                                <m:sSupPr>
-                                  <m:ctrlPr>
-                                    <a:rPr lang="ru-RU" sz="1800" i="1" kern="1200">
-                                      <a:solidFill>
-                                        <a:schemeClr val="dk1"/>
-                                      </a:solidFill>
-                                      <a:effectLst/>
-                                      <a:latin typeface="Cambria Math" panose="02040503050406030204" pitchFamily="18" charset="0"/>
-                                      <a:ea typeface="+mn-ea"/>
-                                      <a:cs typeface="+mn-cs"/>
-                                    </a:rPr>
-                                  </m:ctrlPr>
-                                </m:sSupPr>
-                                <m:e>
-                                  <m:d>
-                                    <m:dPr>
-                                      <m:begChr m:val="|"/>
-                                      <m:endChr m:val="|"/>
-                                      <m:ctrlPr>
-                                        <a:rPr lang="ru-RU" sz="1800" i="1" kern="1200">
-                                          <a:solidFill>
-                                            <a:schemeClr val="dk1"/>
-                                          </a:solidFill>
-                                          <a:effectLst/>
-                                          <a:latin typeface="Cambria Math" panose="02040503050406030204" pitchFamily="18" charset="0"/>
-                                          <a:ea typeface="+mn-ea"/>
-                                          <a:cs typeface="+mn-cs"/>
-                                        </a:rPr>
-                                      </m:ctrlPr>
-                                    </m:dPr>
-                                    <m:e>
-                                      <m:r>
-                                        <a:rPr lang="ru-RU" sz="1800" i="1" kern="1200">
-                                          <a:solidFill>
-                                            <a:schemeClr val="dk1"/>
-                                          </a:solidFill>
-                                          <a:effectLst/>
-                                          <a:latin typeface="Cambria Math" panose="02040503050406030204" pitchFamily="18" charset="0"/>
-                                          <a:ea typeface="+mn-ea"/>
-                                          <a:cs typeface="+mn-cs"/>
-                                        </a:rPr>
-                                        <m:t>𝑉</m:t>
-                                      </m:r>
-                                    </m:e>
-                                  </m:d>
-                                </m:e>
-                                <m:sup>
-                                  <m:r>
-                                    <a:rPr lang="ru-RU" sz="1800" i="1" kern="1200">
-                                      <a:solidFill>
-                                        <a:schemeClr val="dk1"/>
-                                      </a:solidFill>
-                                      <a:effectLst/>
-                                      <a:latin typeface="Cambria Math" panose="02040503050406030204" pitchFamily="18" charset="0"/>
-                                      <a:ea typeface="+mn-ea"/>
-                                      <a:cs typeface="+mn-cs"/>
-                                    </a:rPr>
-                                    <m:t>3</m:t>
-                                  </m:r>
-                                </m:sup>
-                              </m:sSup>
-                              <m:r>
-                                <a:rPr lang="ru-RU" sz="1800" i="1" kern="1200">
-                                  <a:solidFill>
-                                    <a:schemeClr val="dk1"/>
-                                  </a:solidFill>
-                                  <a:effectLst/>
-                                  <a:latin typeface="Cambria Math" panose="02040503050406030204" pitchFamily="18" charset="0"/>
-                                  <a:ea typeface="+mn-ea"/>
-                                  <a:cs typeface="+mn-cs"/>
-                                </a:rPr>
-                                <m:t>)</m:t>
-                              </m:r>
-                            </m:oMath>
+                            <m:oMathPara xmlns:m="http://schemas.openxmlformats.org/officeDocument/2006/math">
+                              <m:oMathParaPr>
+                                <m:jc m:val="centerGroup"/>
+                              </m:oMathParaPr>
+                              <m:oMath xmlns:m="http://schemas.openxmlformats.org/officeDocument/2006/math">
+                                <m:r>
+                                  <a:rPr lang="ru-RU" sz="1800" i="1" kern="1200" smtClean="0">
+                                    <a:solidFill>
+                                      <a:schemeClr val="dk1"/>
+                                    </a:solidFill>
+                                    <a:effectLst/>
+                                    <a:latin typeface="Cambria Math" panose="02040503050406030204" pitchFamily="18" charset="0"/>
+                                    <a:ea typeface="+mn-ea"/>
+                                    <a:cs typeface="+mn-cs"/>
+                                  </a:rPr>
+                                  <m:t>𝑂</m:t>
+                                </m:r>
+                                <m:r>
+                                  <a:rPr lang="ru-RU" sz="1800" i="1" kern="1200" smtClean="0">
+                                    <a:solidFill>
+                                      <a:schemeClr val="dk1"/>
+                                    </a:solidFill>
+                                    <a:effectLst/>
+                                    <a:latin typeface="Cambria Math" panose="02040503050406030204" pitchFamily="18" charset="0"/>
+                                    <a:ea typeface="+mn-ea"/>
+                                    <a:cs typeface="+mn-cs"/>
+                                  </a:rPr>
+                                  <m:t>(</m:t>
+                                </m:r>
+                                <m:r>
+                                  <a:rPr lang="ru-RU" sz="1800" i="1" kern="1200" smtClean="0">
+                                    <a:solidFill>
+                                      <a:schemeClr val="dk1"/>
+                                    </a:solidFill>
+                                    <a:effectLst/>
+                                    <a:latin typeface="Cambria Math" panose="02040503050406030204" pitchFamily="18" charset="0"/>
+                                    <a:ea typeface="+mn-ea"/>
+                                    <a:cs typeface="+mn-cs"/>
+                                  </a:rPr>
+                                  <m:t>𝐾</m:t>
+                                </m:r>
+                                <m:r>
+                                  <a:rPr lang="ru-RU" sz="1800" i="1" kern="1200" smtClean="0">
+                                    <a:solidFill>
+                                      <a:schemeClr val="dk1"/>
+                                    </a:solidFill>
+                                    <a:effectLst/>
+                                    <a:latin typeface="Cambria Math" panose="02040503050406030204" pitchFamily="18" charset="0"/>
+                                    <a:ea typeface="+mn-ea"/>
+                                    <a:cs typeface="+mn-cs"/>
+                                  </a:rPr>
+                                  <m:t>∗</m:t>
+                                </m:r>
+                                <m:sSup>
+                                  <m:sSupPr>
+                                    <m:ctrlPr>
+                                      <a:rPr lang="ru-RU" sz="1800" i="1" kern="1200">
+                                        <a:solidFill>
+                                          <a:schemeClr val="dk1"/>
+                                        </a:solidFill>
+                                        <a:effectLst/>
+                                        <a:latin typeface="Cambria Math" panose="02040503050406030204" pitchFamily="18" charset="0"/>
+                                        <a:ea typeface="+mn-ea"/>
+                                        <a:cs typeface="+mn-cs"/>
+                                      </a:rPr>
+                                    </m:ctrlPr>
+                                  </m:sSupPr>
+                                  <m:e>
+                                    <m:d>
+                                      <m:dPr>
+                                        <m:begChr m:val="|"/>
+                                        <m:endChr m:val="|"/>
+                                        <m:ctrlPr>
+                                          <a:rPr lang="ru-RU" sz="1800" i="1" kern="1200">
+                                            <a:solidFill>
+                                              <a:schemeClr val="dk1"/>
+                                            </a:solidFill>
+                                            <a:effectLst/>
+                                            <a:latin typeface="Cambria Math" panose="02040503050406030204" pitchFamily="18" charset="0"/>
+                                            <a:ea typeface="+mn-ea"/>
+                                            <a:cs typeface="+mn-cs"/>
+                                          </a:rPr>
+                                        </m:ctrlPr>
+                                      </m:dPr>
+                                      <m:e>
+                                        <m:r>
+                                          <a:rPr lang="ru-RU" sz="1800" i="1" kern="1200">
+                                            <a:solidFill>
+                                              <a:schemeClr val="dk1"/>
+                                            </a:solidFill>
+                                            <a:effectLst/>
+                                            <a:latin typeface="Cambria Math" panose="02040503050406030204" pitchFamily="18" charset="0"/>
+                                            <a:ea typeface="+mn-ea"/>
+                                            <a:cs typeface="+mn-cs"/>
+                                          </a:rPr>
+                                          <m:t>𝑉</m:t>
+                                        </m:r>
+                                      </m:e>
+                                    </m:d>
+                                  </m:e>
+                                  <m:sup>
+                                    <m:r>
+                                      <a:rPr lang="ru-RU" sz="1800" i="1" kern="1200">
+                                        <a:solidFill>
+                                          <a:schemeClr val="dk1"/>
+                                        </a:solidFill>
+                                        <a:effectLst/>
+                                        <a:latin typeface="Cambria Math" panose="02040503050406030204" pitchFamily="18" charset="0"/>
+                                        <a:ea typeface="+mn-ea"/>
+                                        <a:cs typeface="+mn-cs"/>
+                                      </a:rPr>
+                                      <m:t>3</m:t>
+                                    </m:r>
+                                  </m:sup>
+                                </m:sSup>
+                                <m:r>
+                                  <a:rPr lang="ru-RU" sz="1800" i="1" kern="1200">
+                                    <a:solidFill>
+                                      <a:schemeClr val="dk1"/>
+                                    </a:solidFill>
+                                    <a:effectLst/>
+                                    <a:latin typeface="Cambria Math" panose="02040503050406030204" pitchFamily="18" charset="0"/>
+                                    <a:ea typeface="+mn-ea"/>
+                                    <a:cs typeface="+mn-cs"/>
+                                  </a:rPr>
+                                  <m:t>)</m:t>
+                                </m:r>
+                              </m:oMath>
+                            </m:oMathPara>
                           </a14:m>
-                          <a:r>
-                            <a:rPr lang="ru-RU" sz="1800" kern="1200" dirty="0">
-                              <a:solidFill>
-                                <a:schemeClr val="dk1"/>
-                              </a:solidFill>
-                              <a:effectLst/>
-                              <a:latin typeface="+mn-lt"/>
-                              <a:ea typeface="+mn-ea"/>
-                              <a:cs typeface="+mn-cs"/>
-                            </a:rPr>
-                            <a:t>)</a:t>
-                          </a:r>
                           <a:endParaRPr lang="ru-RU" dirty="0"/>
                         </a:p>
                       </a:txBody>
@@ -8218,18 +13335,6 @@
                         <a:lstStyle/>
                         <a:p>
                           <a:pPr algn="ctr"/>
-                          <a:r>
-                            <a:rPr lang="ru-RU" sz="1800" kern="1200" dirty="0" smtClean="0">
-                              <a:solidFill>
-                                <a:schemeClr val="dk1"/>
-                              </a:solidFill>
-                              <a:effectLst/>
-                              <a:latin typeface="+mn-lt"/>
-                              <a:ea typeface="+mn-ea"/>
-                              <a:cs typeface="+mn-cs"/>
-                            </a:rPr>
-                            <a:t>(</a:t>
-                          </a:r>
                           <a14:m>
                             <m:oMath xmlns:m="http://schemas.openxmlformats.org/officeDocument/2006/math">
                               <m:r>
@@ -8408,14 +13513,14 @@
               <p:nvPr>
                 <p:extLst>
                   <p:ext uri="{D42A27DB-BD31-4B8C-83A1-F6EECF244321}">
-                    <p14:modId xmlns:p14="http://schemas.microsoft.com/office/powerpoint/2010/main" val="1927208344"/>
+                    <p14:modId xmlns:p14="http://schemas.microsoft.com/office/powerpoint/2010/main" val="2952047974"/>
                   </p:ext>
                 </p:extLst>
               </p:nvPr>
             </p:nvGraphicFramePr>
             <p:xfrm>
               <a:off x="2766939" y="5436944"/>
-              <a:ext cx="6829988" cy="1114680"/>
+              <a:ext cx="6829988" cy="1112520"/>
             </p:xfrm>
             <a:graphic>
               <a:graphicData uri="http://schemas.openxmlformats.org/drawingml/2006/table">
@@ -8459,7 +13564,7 @@
                       <a:tcPr/>
                     </a:tc>
                   </a:tr>
-                  <a:tr h="371920">
+                  <a:tr h="370840">
                     <a:tc>
                       <a:txBody>
                         <a:bodyPr/>
@@ -8491,13 +13596,13 @@
                         <a:blipFill rotWithShape="0">
                           <a:blip r:embed="rId4"/>
                           <a:stretch>
-                            <a:fillRect l="-100178" t="-106452" r="-357" b="-124194"/>
+                            <a:fillRect l="-100178" t="-106452" r="-357" b="-122581"/>
                           </a:stretch>
                         </a:blipFill>
                       </a:tcPr>
                     </a:tc>
                   </a:tr>
-                  <a:tr h="371920">
+                  <a:tr h="370840">
                     <a:tc>
                       <a:txBody>
                         <a:bodyPr/>
@@ -8525,7 +13630,7 @@
                         <a:blipFill rotWithShape="0">
                           <a:blip r:embed="rId4"/>
                           <a:stretch>
-                            <a:fillRect l="-100178" t="-209836" r="-357" b="-26230"/>
+                            <a:fillRect l="-100178" t="-209836" r="-357" b="-24590"/>
                           </a:stretch>
                         </a:blipFill>
                       </a:tcPr>
@@ -8618,7 +13723,7 @@
             <a:pPr algn="ctr"/>
             <a:r>
               <a:rPr lang="ru-RU" dirty="0" smtClean="0"/>
-              <a:t>Функциональная модель</a:t>
+              <a:t>Функциональная модель работы метода</a:t>
             </a:r>
             <a:endParaRPr lang="ru-RU" dirty="0"/>
           </a:p>
@@ -9746,7 +14851,7 @@
         </p:nvSpPr>
         <p:spPr>
           <a:xfrm>
-            <a:off x="838200" y="3768923"/>
+            <a:off x="838200" y="3738145"/>
             <a:ext cx="10515600" cy="2800767"/>
           </a:xfrm>
           <a:prstGeom prst="rect">
@@ -10947,8 +16052,8 @@
             </p:nvSpPr>
             <p:spPr>
               <a:xfrm>
-                <a:off x="838200" y="1325562"/>
-                <a:ext cx="10515600" cy="5229062"/>
+                <a:off x="257086" y="1325563"/>
+                <a:ext cx="5502779" cy="5229062"/>
               </a:xfrm>
             </p:spPr>
             <p:txBody>
@@ -10958,31 +16063,43 @@
               <a:lstStyle/>
               <a:p>
                 <a:r>
-                  <a:rPr lang="ru-RU" dirty="0" smtClean="0"/>
+                  <a:rPr lang="ru-RU" sz="2200" dirty="0" smtClean="0"/>
                   <a:t>На каждом шаге алгоритмов уменьшаются метки </a:t>
                 </a:r>
                 <a14:m>
                   <m:oMath xmlns:m="http://schemas.openxmlformats.org/officeDocument/2006/math">
                     <m:r>
-                      <a:rPr lang="en-US" b="0" i="1" smtClean="0">
+                      <a:rPr lang="en-US" sz="2200" b="0" i="1" dirty="0" smtClean="0">
                         <a:latin typeface="Cambria Math" panose="02040503050406030204" pitchFamily="18" charset="0"/>
                       </a:rPr>
-                      <m:t>𝑓</m:t>
+                      <m:t>𝑙</m:t>
                     </m:r>
                     <m:r>
-                      <a:rPr lang="en-US" b="0" i="1" smtClean="0">
+                      <a:rPr lang="en-US" sz="2200" b="0" i="1" smtClean="0">
                         <a:latin typeface="Cambria Math" panose="02040503050406030204" pitchFamily="18" charset="0"/>
                       </a:rPr>
                       <m:t>(</m:t>
                     </m:r>
                     <m:r>
-                      <a:rPr lang="en-US" b="0" i="1" smtClean="0">
+                      <a:rPr lang="en-US" sz="2200" b="0" i="1" smtClean="0">
                         <a:latin typeface="Cambria Math" panose="02040503050406030204" pitchFamily="18" charset="0"/>
                       </a:rPr>
-                      <m:t>𝑣</m:t>
+                      <m:t>𝑠</m:t>
                     </m:r>
                     <m:r>
-                      <a:rPr lang="en-US" b="0" i="1" smtClean="0">
+                      <a:rPr lang="en-US" sz="2200" b="0" i="1" smtClean="0">
+                        <a:latin typeface="Cambria Math" panose="02040503050406030204" pitchFamily="18" charset="0"/>
+                      </a:rPr>
+                      <m:t>,</m:t>
+                    </m:r>
+                    <m:r>
+                      <a:rPr lang="en-US" sz="2200" b="0" i="1" smtClean="0">
+                        <a:latin typeface="Cambria Math" panose="02040503050406030204" pitchFamily="18" charset="0"/>
+                      </a:rPr>
+                      <m:t>𝑢</m:t>
+                    </m:r>
+                    <m:r>
+                      <a:rPr lang="en-US" sz="2200" b="0" i="1" smtClean="0">
                         <a:latin typeface="Cambria Math" panose="02040503050406030204" pitchFamily="18" charset="0"/>
                       </a:rPr>
                       <m:t>)</m:t>
@@ -10990,21 +16107,21 @@
                   </m:oMath>
                 </a14:m>
                 <a:r>
-                  <a:rPr lang="ru-RU" dirty="0" smtClean="0"/>
+                  <a:rPr lang="ru-RU" sz="2200" dirty="0" smtClean="0"/>
                   <a:t> вершин, смежных с текущей</a:t>
                 </a:r>
                 <a:r>
-                  <a:rPr lang="en-US" dirty="0" smtClean="0"/>
+                  <a:rPr lang="en-US" sz="2200" dirty="0" smtClean="0"/>
                   <a:t> </a:t>
                 </a:r>
                 <a:r>
-                  <a:rPr lang="ru-RU" dirty="0" smtClean="0"/>
+                  <a:rPr lang="ru-RU" sz="2200" dirty="0" smtClean="0"/>
                   <a:t>вершиной </a:t>
                 </a:r>
                 <a14:m>
                   <m:oMath xmlns:m="http://schemas.openxmlformats.org/officeDocument/2006/math">
                     <m:r>
-                      <a:rPr lang="en-US" b="0" i="1" smtClean="0">
+                      <a:rPr lang="en-US" sz="2200" b="0" i="1" smtClean="0">
                         <a:latin typeface="Cambria Math" panose="02040503050406030204" pitchFamily="18" charset="0"/>
                       </a:rPr>
                       <m:t>𝑣</m:t>
@@ -11012,20 +16129,20 @@
                   </m:oMath>
                 </a14:m>
                 <a:r>
-                  <a:rPr lang="ru-RU" b="0" dirty="0" smtClean="0"/>
+                  <a:rPr lang="ru-RU" sz="2200" b="0" dirty="0" smtClean="0"/>
                   <a:t>.</a:t>
                 </a:r>
-                <a:endParaRPr lang="en-US" b="0" dirty="0" smtClean="0"/>
+                <a:endParaRPr lang="en-US" sz="2200" b="0" dirty="0" smtClean="0"/>
               </a:p>
               <a:p>
                 <a:r>
-                  <a:rPr lang="ru-RU" dirty="0" smtClean="0"/>
+                  <a:rPr lang="ru-RU" sz="2200" dirty="0" smtClean="0"/>
                   <a:t>Из непосещенных вершин выбирается та, у которой метка </a:t>
                 </a:r>
                 <a14:m>
                   <m:oMath xmlns:m="http://schemas.openxmlformats.org/officeDocument/2006/math">
                     <m:r>
-                      <a:rPr lang="en-US" b="0" i="1" smtClean="0">
+                      <a:rPr lang="en-US" sz="2200" b="0" i="1" smtClean="0">
                         <a:latin typeface="Cambria Math" panose="02040503050406030204" pitchFamily="18" charset="0"/>
                       </a:rPr>
                       <m:t>𝑓</m:t>
@@ -11033,14 +16150,14 @@
                     <m:d>
                       <m:dPr>
                         <m:ctrlPr>
-                          <a:rPr lang="en-US" b="0" i="1" smtClean="0">
+                          <a:rPr lang="en-US" sz="2200" b="0" i="1" smtClean="0">
                             <a:latin typeface="Cambria Math" panose="02040503050406030204" pitchFamily="18" charset="0"/>
                           </a:rPr>
                         </m:ctrlPr>
                       </m:dPr>
                       <m:e>
                         <m:r>
-                          <a:rPr lang="en-US" b="0" i="1" smtClean="0">
+                          <a:rPr lang="en-US" sz="2200" b="0" i="1" smtClean="0">
                             <a:latin typeface="Cambria Math" panose="02040503050406030204" pitchFamily="18" charset="0"/>
                           </a:rPr>
                           <m:t>𝑣</m:t>
@@ -11050,31 +16167,31 @@
                   </m:oMath>
                 </a14:m>
                 <a:r>
-                  <a:rPr lang="en-US" dirty="0" smtClean="0"/>
+                  <a:rPr lang="en-US" sz="2200" dirty="0" smtClean="0"/>
                   <a:t> </a:t>
                 </a:r>
                 <a:r>
-                  <a:rPr lang="ru-RU" dirty="0" smtClean="0"/>
+                  <a:rPr lang="ru-RU" sz="2200" dirty="0" smtClean="0"/>
                   <a:t>имеет наименьшее значение.</a:t>
                 </a:r>
               </a:p>
               <a:p>
                 <a:r>
-                  <a:rPr lang="ru-RU" dirty="0" smtClean="0"/>
+                  <a:rPr lang="ru-RU" sz="2200" dirty="0" smtClean="0"/>
                   <a:t>Для алгоритма </a:t>
                 </a:r>
                 <a:r>
-                  <a:rPr lang="ru-RU" dirty="0" err="1" smtClean="0"/>
+                  <a:rPr lang="ru-RU" sz="2200" dirty="0" err="1" smtClean="0"/>
                   <a:t>Дейкстры</a:t>
                 </a:r>
                 <a:r>
-                  <a:rPr lang="ru-RU" dirty="0" smtClean="0"/>
+                  <a:rPr lang="ru-RU" sz="2200" dirty="0" smtClean="0"/>
                   <a:t> </a:t>
                 </a:r>
                 <a14:m>
                   <m:oMath xmlns:m="http://schemas.openxmlformats.org/officeDocument/2006/math">
                     <m:r>
-                      <a:rPr lang="en-US" b="0" i="1" smtClean="0">
+                      <a:rPr lang="en-US" sz="2200" b="0" i="1" smtClean="0">
                         <a:latin typeface="Cambria Math" panose="02040503050406030204" pitchFamily="18" charset="0"/>
                       </a:rPr>
                       <m:t>𝑓</m:t>
@@ -11082,14 +16199,14 @@
                     <m:d>
                       <m:dPr>
                         <m:ctrlPr>
-                          <a:rPr lang="en-US" b="0" i="1" smtClean="0">
+                          <a:rPr lang="en-US" sz="2200" b="0" i="1" smtClean="0">
                             <a:latin typeface="Cambria Math" panose="02040503050406030204" pitchFamily="18" charset="0"/>
                           </a:rPr>
                         </m:ctrlPr>
                       </m:dPr>
                       <m:e>
                         <m:r>
-                          <a:rPr lang="en-US" b="0" i="1" smtClean="0">
+                          <a:rPr lang="en-US" sz="2200" b="0" i="1" smtClean="0">
                             <a:latin typeface="Cambria Math" panose="02040503050406030204" pitchFamily="18" charset="0"/>
                           </a:rPr>
                           <m:t>𝑣</m:t>
@@ -11097,40 +16214,40 @@
                       </m:e>
                     </m:d>
                     <m:r>
-                      <a:rPr lang="en-US" b="0" i="1" smtClean="0">
+                      <a:rPr lang="en-US" sz="2200" b="0" i="1" smtClean="0">
                         <a:latin typeface="Cambria Math" panose="02040503050406030204" pitchFamily="18" charset="0"/>
                       </a:rPr>
                       <m:t>=</m:t>
                     </m:r>
                     <m:r>
-                      <a:rPr lang="en-US" b="0" i="1" smtClean="0">
+                      <a:rPr lang="en-US" sz="2200" b="0" i="1" smtClean="0">
                         <a:latin typeface="Cambria Math" panose="02040503050406030204" pitchFamily="18" charset="0"/>
                       </a:rPr>
-                      <m:t>𝑑</m:t>
+                      <m:t>𝑙</m:t>
                     </m:r>
                     <m:d>
                       <m:dPr>
                         <m:ctrlPr>
-                          <a:rPr lang="en-US" b="0" i="1" smtClean="0">
+                          <a:rPr lang="en-US" sz="2200" b="0" i="1" smtClean="0">
                             <a:latin typeface="Cambria Math" panose="02040503050406030204" pitchFamily="18" charset="0"/>
                           </a:rPr>
                         </m:ctrlPr>
                       </m:dPr>
                       <m:e>
                         <m:r>
-                          <a:rPr lang="en-US" b="0" i="1" smtClean="0">
+                          <a:rPr lang="en-US" sz="2200" b="0" i="1" smtClean="0">
                             <a:latin typeface="Cambria Math" panose="02040503050406030204" pitchFamily="18" charset="0"/>
                           </a:rPr>
                           <m:t>𝑠</m:t>
                         </m:r>
                         <m:r>
-                          <a:rPr lang="en-US" b="0" i="1" smtClean="0">
+                          <a:rPr lang="en-US" sz="2200" b="0" i="1" smtClean="0">
                             <a:latin typeface="Cambria Math" panose="02040503050406030204" pitchFamily="18" charset="0"/>
                           </a:rPr>
                           <m:t>,</m:t>
                         </m:r>
                         <m:r>
-                          <a:rPr lang="en-US" b="0" i="1" smtClean="0">
+                          <a:rPr lang="en-US" sz="2200" b="0" i="1" smtClean="0">
                             <a:latin typeface="Cambria Math" panose="02040503050406030204" pitchFamily="18" charset="0"/>
                           </a:rPr>
                           <m:t>𝑣</m:t>
@@ -11140,43 +16257,43 @@
                   </m:oMath>
                 </a14:m>
                 <a:r>
-                  <a:rPr lang="ru-RU" dirty="0" smtClean="0"/>
+                  <a:rPr lang="ru-RU" sz="2200" dirty="0" smtClean="0"/>
                   <a:t>, где </a:t>
                 </a:r>
                 <a14:m>
                   <m:oMath xmlns:m="http://schemas.openxmlformats.org/officeDocument/2006/math">
                     <m:r>
-                      <a:rPr lang="en-US" b="0" i="1" smtClean="0">
+                      <a:rPr lang="en-US" sz="2200" b="0" i="1" smtClean="0">
                         <a:latin typeface="Cambria Math" panose="02040503050406030204" pitchFamily="18" charset="0"/>
                       </a:rPr>
                       <m:t>𝑑</m:t>
                     </m:r>
                     <m:r>
-                      <a:rPr lang="en-US" b="0" i="1" smtClean="0">
+                      <a:rPr lang="en-US" sz="2200" b="0" i="1" smtClean="0">
                         <a:latin typeface="Cambria Math" panose="02040503050406030204" pitchFamily="18" charset="0"/>
                       </a:rPr>
                       <m:t>(</m:t>
                     </m:r>
                     <m:r>
-                      <a:rPr lang="en-US" b="0" i="1" smtClean="0">
+                      <a:rPr lang="en-US" sz="2200" b="0" i="1" smtClean="0">
                         <a:latin typeface="Cambria Math" panose="02040503050406030204" pitchFamily="18" charset="0"/>
                       </a:rPr>
                       <m:t>𝑠</m:t>
                     </m:r>
                     <m:r>
-                      <a:rPr lang="en-US" b="0" i="1" smtClean="0">
+                      <a:rPr lang="en-US" sz="2200" b="0" i="1" smtClean="0">
                         <a:latin typeface="Cambria Math" panose="02040503050406030204" pitchFamily="18" charset="0"/>
                       </a:rPr>
                       <m:t>,</m:t>
                     </m:r>
                     <m:r>
-                      <a:rPr lang="en-US" b="0" i="1" smtClean="0">
+                      <a:rPr lang="en-US" sz="2200" b="0" i="1" smtClean="0">
                         <a:latin typeface="Cambria Math" panose="02040503050406030204" pitchFamily="18" charset="0"/>
                       </a:rPr>
                       <m:t>𝑣</m:t>
                     </m:r>
                     <m:r>
-                      <a:rPr lang="en-US" b="0" i="1" smtClean="0">
+                      <a:rPr lang="en-US" sz="2200" b="0" i="1" smtClean="0">
                         <a:latin typeface="Cambria Math" panose="02040503050406030204" pitchFamily="18" charset="0"/>
                       </a:rPr>
                       <m:t>)</m:t>
@@ -11184,36 +16301,36 @@
                   </m:oMath>
                 </a14:m>
                 <a:r>
-                  <a:rPr lang="ru-RU" dirty="0" smtClean="0"/>
+                  <a:rPr lang="ru-RU" sz="2200" dirty="0" smtClean="0"/>
                   <a:t> – расстояние от вершины-источника до вершины </a:t>
                 </a:r>
                 <a14:m>
                   <m:oMath xmlns:m="http://schemas.openxmlformats.org/officeDocument/2006/math">
                     <m:r>
-                      <a:rPr lang="en-US" b="0" i="1" smtClean="0">
+                      <a:rPr lang="en-US" sz="2200" b="0" i="1" smtClean="0">
                         <a:latin typeface="Cambria Math" panose="02040503050406030204" pitchFamily="18" charset="0"/>
                       </a:rPr>
                       <m:t>𝑣</m:t>
                     </m:r>
                     <m:r>
-                      <a:rPr lang="en-US" b="0" i="0" smtClean="0">
+                      <a:rPr lang="en-US" sz="2200" b="0" i="0" smtClean="0">
                         <a:latin typeface="Cambria Math" panose="02040503050406030204" pitchFamily="18" charset="0"/>
                       </a:rPr>
                       <m:t>.</m:t>
                     </m:r>
                   </m:oMath>
                 </a14:m>
-                <a:endParaRPr lang="en-US" dirty="0" smtClean="0"/>
+                <a:endParaRPr lang="en-US" sz="2200" dirty="0" smtClean="0"/>
               </a:p>
               <a:p>
                 <a:r>
-                  <a:rPr lang="ru-RU" dirty="0" smtClean="0"/>
+                  <a:rPr lang="ru-RU" sz="2200" dirty="0" smtClean="0"/>
                   <a:t>Для алгоритма А* </a:t>
                 </a:r>
                 <a14:m>
                   <m:oMath xmlns:m="http://schemas.openxmlformats.org/officeDocument/2006/math">
                     <m:r>
-                      <a:rPr lang="en-US" b="0" i="1" smtClean="0">
+                      <a:rPr lang="en-US" sz="2200" b="0" i="1" smtClean="0">
                         <a:latin typeface="Cambria Math" panose="02040503050406030204" pitchFamily="18" charset="0"/>
                       </a:rPr>
                       <m:t>𝑓</m:t>
@@ -11221,14 +16338,14 @@
                     <m:d>
                       <m:dPr>
                         <m:ctrlPr>
-                          <a:rPr lang="en-US" b="0" i="1" smtClean="0">
+                          <a:rPr lang="en-US" sz="2200" b="0" i="1" smtClean="0">
                             <a:latin typeface="Cambria Math" panose="02040503050406030204" pitchFamily="18" charset="0"/>
                           </a:rPr>
                         </m:ctrlPr>
                       </m:dPr>
                       <m:e>
                         <m:r>
-                          <a:rPr lang="en-US" b="0" i="1" smtClean="0">
+                          <a:rPr lang="en-US" sz="2200" b="0" i="1" smtClean="0">
                             <a:latin typeface="Cambria Math" panose="02040503050406030204" pitchFamily="18" charset="0"/>
                           </a:rPr>
                           <m:t>𝑣</m:t>
@@ -11236,40 +16353,40 @@
                       </m:e>
                     </m:d>
                     <m:r>
-                      <a:rPr lang="en-US" b="0" i="1" smtClean="0">
+                      <a:rPr lang="en-US" sz="2200" b="0" i="1" smtClean="0">
                         <a:latin typeface="Cambria Math" panose="02040503050406030204" pitchFamily="18" charset="0"/>
                       </a:rPr>
                       <m:t>=</m:t>
                     </m:r>
                     <m:r>
-                      <a:rPr lang="en-US" b="0" i="1" smtClean="0">
+                      <a:rPr lang="en-US" sz="2200" b="0" i="1" smtClean="0">
                         <a:latin typeface="Cambria Math" panose="02040503050406030204" pitchFamily="18" charset="0"/>
                       </a:rPr>
-                      <m:t>𝑑</m:t>
+                      <m:t>𝑙</m:t>
                     </m:r>
                     <m:d>
                       <m:dPr>
                         <m:ctrlPr>
-                          <a:rPr lang="en-US" b="0" i="1" smtClean="0">
+                          <a:rPr lang="en-US" sz="2200" b="0" i="1" smtClean="0">
                             <a:latin typeface="Cambria Math" panose="02040503050406030204" pitchFamily="18" charset="0"/>
                           </a:rPr>
                         </m:ctrlPr>
                       </m:dPr>
                       <m:e>
                         <m:r>
-                          <a:rPr lang="en-US" b="0" i="1" smtClean="0">
+                          <a:rPr lang="en-US" sz="2200" b="0" i="1" smtClean="0">
                             <a:latin typeface="Cambria Math" panose="02040503050406030204" pitchFamily="18" charset="0"/>
                           </a:rPr>
                           <m:t>𝑠</m:t>
                         </m:r>
                         <m:r>
-                          <a:rPr lang="en-US" b="0" i="1" smtClean="0">
+                          <a:rPr lang="en-US" sz="2200" b="0" i="1" smtClean="0">
                             <a:latin typeface="Cambria Math" panose="02040503050406030204" pitchFamily="18" charset="0"/>
                           </a:rPr>
                           <m:t>,</m:t>
                         </m:r>
                         <m:r>
-                          <a:rPr lang="en-US" b="0" i="1" smtClean="0">
+                          <a:rPr lang="en-US" sz="2200" b="0" i="1" smtClean="0">
                             <a:latin typeface="Cambria Math" panose="02040503050406030204" pitchFamily="18" charset="0"/>
                           </a:rPr>
                           <m:t>𝑣</m:t>
@@ -11277,43 +16394,43 @@
                       </m:e>
                     </m:d>
                     <m:r>
-                      <a:rPr lang="en-US" b="0" i="1" smtClean="0">
+                      <a:rPr lang="en-US" sz="2200" b="0" i="1" smtClean="0">
                         <a:latin typeface="Cambria Math" panose="02040503050406030204" pitchFamily="18" charset="0"/>
                       </a:rPr>
                       <m:t>+</m:t>
                     </m:r>
                     <m:r>
-                      <a:rPr lang="en-US" b="0" i="1" smtClean="0">
+                      <a:rPr lang="en-US" sz="2200" b="0" i="1" smtClean="0">
                         <a:latin typeface="Cambria Math" panose="02040503050406030204" pitchFamily="18" charset="0"/>
                       </a:rPr>
                       <m:t>h</m:t>
                     </m:r>
                     <m:r>
-                      <a:rPr lang="en-US" b="0" i="1" smtClean="0">
+                      <a:rPr lang="en-US" sz="2200" b="0" i="1" smtClean="0">
                         <a:latin typeface="Cambria Math" panose="02040503050406030204" pitchFamily="18" charset="0"/>
                       </a:rPr>
                       <m:t>(</m:t>
                     </m:r>
                     <m:r>
-                      <a:rPr lang="en-US" b="0" i="1" smtClean="0">
+                      <a:rPr lang="en-US" sz="2200" b="0" i="1" smtClean="0">
                         <a:latin typeface="Cambria Math" panose="02040503050406030204" pitchFamily="18" charset="0"/>
                       </a:rPr>
                       <m:t>𝑣</m:t>
                     </m:r>
                     <m:r>
-                      <a:rPr lang="en-US" b="0" i="1" smtClean="0">
+                      <a:rPr lang="en-US" sz="2200" b="0" i="1" smtClean="0">
                         <a:latin typeface="Cambria Math" panose="02040503050406030204" pitchFamily="18" charset="0"/>
                       </a:rPr>
                       <m:t>,</m:t>
                     </m:r>
                     <m:r>
-                      <a:rPr lang="en-US" b="0" i="1" smtClean="0">
+                      <a:rPr lang="en-US" sz="2200" b="0" i="1" smtClean="0">
                         <a:latin typeface="Cambria Math" panose="02040503050406030204" pitchFamily="18" charset="0"/>
                       </a:rPr>
                       <m:t>𝑡</m:t>
                     </m:r>
                     <m:r>
-                      <a:rPr lang="en-US" b="0" i="1" smtClean="0">
+                      <a:rPr lang="en-US" sz="2200" b="0" i="1" smtClean="0">
                         <a:latin typeface="Cambria Math" panose="02040503050406030204" pitchFamily="18" charset="0"/>
                       </a:rPr>
                       <m:t>)</m:t>
@@ -11321,43 +16438,43 @@
                   </m:oMath>
                 </a14:m>
                 <a:r>
-                  <a:rPr lang="ru-RU" dirty="0" smtClean="0"/>
+                  <a:rPr lang="ru-RU" sz="2200" dirty="0" smtClean="0"/>
                   <a:t>, где </a:t>
                 </a:r>
                 <a14:m>
                   <m:oMath xmlns:m="http://schemas.openxmlformats.org/officeDocument/2006/math">
                     <m:r>
-                      <a:rPr lang="en-US" i="1">
+                      <a:rPr lang="en-US" sz="2200" i="1">
                         <a:latin typeface="Cambria Math" panose="02040503050406030204" pitchFamily="18" charset="0"/>
                       </a:rPr>
                       <m:t>h</m:t>
                     </m:r>
                     <m:r>
-                      <a:rPr lang="en-US" i="1">
+                      <a:rPr lang="en-US" sz="2200" i="1">
                         <a:latin typeface="Cambria Math" panose="02040503050406030204" pitchFamily="18" charset="0"/>
                       </a:rPr>
                       <m:t>(</m:t>
                     </m:r>
                     <m:r>
-                      <a:rPr lang="en-US" i="1">
+                      <a:rPr lang="en-US" sz="2200" i="1">
                         <a:latin typeface="Cambria Math" panose="02040503050406030204" pitchFamily="18" charset="0"/>
                       </a:rPr>
                       <m:t>𝑣</m:t>
                     </m:r>
                     <m:r>
-                      <a:rPr lang="en-US" i="1">
+                      <a:rPr lang="en-US" sz="2200" i="1">
                         <a:latin typeface="Cambria Math" panose="02040503050406030204" pitchFamily="18" charset="0"/>
                       </a:rPr>
                       <m:t>,</m:t>
                     </m:r>
                     <m:r>
-                      <a:rPr lang="en-US" i="1">
+                      <a:rPr lang="en-US" sz="2200" i="1">
                         <a:latin typeface="Cambria Math" panose="02040503050406030204" pitchFamily="18" charset="0"/>
                       </a:rPr>
                       <m:t>𝑡</m:t>
                     </m:r>
                     <m:r>
-                      <a:rPr lang="en-US" i="1">
+                      <a:rPr lang="en-US" sz="2200" i="1">
                         <a:latin typeface="Cambria Math" panose="02040503050406030204" pitchFamily="18" charset="0"/>
                       </a:rPr>
                       <m:t>)</m:t>
@@ -11365,13 +16482,13 @@
                   </m:oMath>
                 </a14:m>
                 <a:r>
-                  <a:rPr lang="ru-RU" dirty="0" smtClean="0"/>
+                  <a:rPr lang="ru-RU" sz="2200" dirty="0" smtClean="0"/>
                   <a:t> – оценка расстояния от </a:t>
                 </a:r>
                 <a14:m>
                   <m:oMath xmlns:m="http://schemas.openxmlformats.org/officeDocument/2006/math">
                     <m:r>
-                      <a:rPr lang="en-US" b="0" i="1" smtClean="0">
+                      <a:rPr lang="en-US" sz="2200" b="0" i="1" smtClean="0">
                         <a:latin typeface="Cambria Math" panose="02040503050406030204" pitchFamily="18" charset="0"/>
                       </a:rPr>
                       <m:t>𝑣</m:t>
@@ -11379,13 +16496,13 @@
                   </m:oMath>
                 </a14:m>
                 <a:r>
-                  <a:rPr lang="ru-RU" dirty="0" smtClean="0"/>
+                  <a:rPr lang="ru-RU" sz="2200" dirty="0" smtClean="0"/>
                   <a:t> до конечной вершины </a:t>
                 </a:r>
                 <a14:m>
                   <m:oMath xmlns:m="http://schemas.openxmlformats.org/officeDocument/2006/math">
                     <m:r>
-                      <a:rPr lang="en-US" b="0" i="1" smtClean="0">
+                      <a:rPr lang="en-US" sz="2200" b="0" i="1" smtClean="0">
                         <a:latin typeface="Cambria Math" panose="02040503050406030204" pitchFamily="18" charset="0"/>
                       </a:rPr>
                       <m:t>𝑡</m:t>
@@ -11393,10 +16510,10 @@
                   </m:oMath>
                 </a14:m>
                 <a:r>
-                  <a:rPr lang="ru-RU" dirty="0" smtClean="0"/>
+                  <a:rPr lang="ru-RU" sz="2200" dirty="0" smtClean="0"/>
                   <a:t>, вычисленное по формуле расстояния между точками на поверхности Земли.</a:t>
                 </a:r>
-                <a:endParaRPr lang="ru-RU" dirty="0"/>
+                <a:endParaRPr lang="ru-RU" sz="2200" dirty="0"/>
               </a:p>
             </p:txBody>
           </p:sp>
@@ -11414,13 +16531,13 @@
             </p:nvSpPr>
             <p:spPr>
               <a:xfrm>
-                <a:off x="838200" y="1325562"/>
-                <a:ext cx="10515600" cy="5229062"/>
+                <a:off x="257086" y="1325563"/>
+                <a:ext cx="5502779" cy="5229062"/>
               </a:xfrm>
               <a:blipFill rotWithShape="0">
                 <a:blip r:embed="rId2"/>
                 <a:stretch>
-                  <a:fillRect l="-1043" t="-1865"/>
+                  <a:fillRect l="-1218" t="-1399" r="-2215"/>
                 </a:stretch>
               </a:blipFill>
             </p:spPr>
@@ -11528,6 +16645,36 @@
           </a:p>
         </p:txBody>
       </p:sp>
+      <p:pic>
+        <p:nvPicPr>
+          <p:cNvPr id="3" name="Рисунок 2"/>
+          <p:cNvPicPr>
+            <a:picLocks noChangeAspect="1"/>
+          </p:cNvPicPr>
+          <p:nvPr/>
+        </p:nvPicPr>
+        <p:blipFill>
+          <a:blip r:embed="rId3">
+            <a:extLst>
+              <a:ext uri="{28A0092B-C50C-407E-A947-70E740481C1C}">
+                <a14:useLocalDpi xmlns:a14="http://schemas.microsoft.com/office/drawing/2010/main" val="0"/>
+              </a:ext>
+            </a:extLst>
+          </a:blip>
+          <a:stretch>
+            <a:fillRect/>
+          </a:stretch>
+        </p:blipFill>
+        <p:spPr>
+          <a:xfrm>
+            <a:off x="6205334" y="1328871"/>
+            <a:ext cx="5653380" cy="5529129"/>
+          </a:xfrm>
+          <a:prstGeom prst="rect">
+            <a:avLst/>
+          </a:prstGeom>
+        </p:spPr>
+      </p:pic>
     </p:spTree>
     <p:extLst>
       <p:ext uri="{BB962C8B-B14F-4D97-AF65-F5344CB8AC3E}">
@@ -11579,8 +16726,8 @@
             </p:nvSpPr>
             <p:spPr>
               <a:xfrm>
-                <a:off x="838200" y="1325562"/>
-                <a:ext cx="10515600" cy="5229062"/>
+                <a:off x="359635" y="1335074"/>
+                <a:ext cx="6049711" cy="5229062"/>
               </a:xfrm>
             </p:spPr>
             <p:txBody>
@@ -11589,14 +16736,15 @@
               </a:bodyPr>
               <a:lstStyle/>
               <a:p>
+                <a:pPr algn="just"/>
                 <a:r>
-                  <a:rPr lang="ru-RU" dirty="0"/>
+                  <a:rPr lang="ru-RU" sz="2200" dirty="0"/>
                   <a:t>Алгоритм находит </a:t>
                 </a:r>
                 <a14:m>
                   <m:oMath xmlns:m="http://schemas.openxmlformats.org/officeDocument/2006/math">
                     <m:r>
-                      <a:rPr lang="en-US" i="1">
+                      <a:rPr lang="en-US" sz="2200" i="1">
                         <a:latin typeface="Cambria Math" panose="02040503050406030204" pitchFamily="18" charset="0"/>
                       </a:rPr>
                       <m:t>𝐾</m:t>
@@ -11604,29 +16752,30 @@
                   </m:oMath>
                 </a14:m>
                 <a:r>
-                  <a:rPr lang="ru-RU" dirty="0"/>
+                  <a:rPr lang="ru-RU" sz="2200" dirty="0"/>
                   <a:t> маршрутов, являющихся наиболее близкими к оптимальному </a:t>
                 </a:r>
                 <a:r>
-                  <a:rPr lang="ru-RU" dirty="0" smtClean="0"/>
+                  <a:rPr lang="ru-RU" sz="2200" dirty="0" smtClean="0"/>
                   <a:t>пути и не имеющих циклов.</a:t>
                 </a:r>
-                <a:endParaRPr lang="ru-RU" i="1" dirty="0" smtClean="0"/>
+                <a:endParaRPr lang="ru-RU" sz="2200" i="1" dirty="0" smtClean="0"/>
               </a:p>
               <a:p>
+                <a:pPr algn="just"/>
                 <a14:m>
                   <m:oMath xmlns:m="http://schemas.openxmlformats.org/officeDocument/2006/math">
                     <m:sSup>
                       <m:sSupPr>
                         <m:ctrlPr>
-                          <a:rPr lang="ru-RU" i="1" smtClean="0">
+                          <a:rPr lang="ru-RU" sz="2200" i="1" smtClean="0">
                             <a:latin typeface="Cambria Math" panose="02040503050406030204" pitchFamily="18" charset="0"/>
                           </a:rPr>
                         </m:ctrlPr>
                       </m:sSupPr>
                       <m:e>
                         <m:r>
-                          <a:rPr lang="ru-RU" i="1">
+                          <a:rPr lang="ru-RU" sz="2200" i="1">
                             <a:latin typeface="Cambria Math" panose="02040503050406030204" pitchFamily="18" charset="0"/>
                           </a:rPr>
                           <m:t>𝑃</m:t>
@@ -11634,7 +16783,7 @@
                       </m:e>
                       <m:sup>
                         <m:r>
-                          <a:rPr lang="ru-RU" i="1">
+                          <a:rPr lang="ru-RU" sz="2200" i="1">
                             <a:latin typeface="Cambria Math" panose="02040503050406030204" pitchFamily="18" charset="0"/>
                           </a:rPr>
                           <m:t>𝑘</m:t>
@@ -11642,19 +16791,19 @@
                       </m:sup>
                     </m:sSup>
                     <m:r>
-                      <a:rPr lang="ru-RU" i="1">
+                      <a:rPr lang="ru-RU" sz="2200" i="1">
                         <a:latin typeface="Cambria Math" panose="02040503050406030204" pitchFamily="18" charset="0"/>
                       </a:rPr>
                       <m:t>=</m:t>
                     </m:r>
                     <m:r>
-                      <a:rPr lang="ru-RU" i="1">
+                      <a:rPr lang="ru-RU" sz="2200" i="1">
                         <a:latin typeface="Cambria Math" panose="02040503050406030204" pitchFamily="18" charset="0"/>
                       </a:rPr>
                       <m:t>𝑠</m:t>
                     </m:r>
                     <m:r>
-                      <a:rPr lang="ru-RU" i="1">
+                      <a:rPr lang="ru-RU" sz="2200" i="1">
                         <a:latin typeface="Cambria Math" panose="02040503050406030204" pitchFamily="18" charset="0"/>
                       </a:rPr>
                       <m:t>,</m:t>
@@ -11662,20 +16811,20 @@
                     <m:sSubSup>
                       <m:sSubSupPr>
                         <m:ctrlPr>
-                          <a:rPr lang="ru-RU" i="1">
+                          <a:rPr lang="ru-RU" sz="2200" i="1">
                             <a:latin typeface="Cambria Math" panose="02040503050406030204" pitchFamily="18" charset="0"/>
                           </a:rPr>
                         </m:ctrlPr>
                       </m:sSubSupPr>
                       <m:e>
                         <m:r>
-                          <a:rPr lang="ru-RU" i="1">
+                          <a:rPr lang="ru-RU" sz="2200" i="1">
                             <a:latin typeface="Cambria Math" panose="02040503050406030204" pitchFamily="18" charset="0"/>
                           </a:rPr>
                           <m:t> </m:t>
                         </m:r>
                         <m:r>
-                          <a:rPr lang="ru-RU" i="1">
+                          <a:rPr lang="ru-RU" sz="2200" i="1">
                             <a:latin typeface="Cambria Math" panose="02040503050406030204" pitchFamily="18" charset="0"/>
                           </a:rPr>
                           <m:t>𝑥</m:t>
@@ -11683,7 +16832,7 @@
                       </m:e>
                       <m:sub>
                         <m:r>
-                          <a:rPr lang="ru-RU" i="1">
+                          <a:rPr lang="ru-RU" sz="2200" i="1">
                             <a:latin typeface="Cambria Math" panose="02040503050406030204" pitchFamily="18" charset="0"/>
                           </a:rPr>
                           <m:t>2</m:t>
@@ -11691,7 +16840,7 @@
                       </m:sub>
                       <m:sup>
                         <m:r>
-                          <a:rPr lang="ru-RU" i="1">
+                          <a:rPr lang="ru-RU" sz="2200" i="1">
                             <a:latin typeface="Cambria Math" panose="02040503050406030204" pitchFamily="18" charset="0"/>
                           </a:rPr>
                           <m:t>𝑘</m:t>
@@ -11699,13 +16848,13 @@
                       </m:sup>
                     </m:sSubSup>
                     <m:r>
-                      <a:rPr lang="ru-RU" i="1" smtClean="0">
+                      <a:rPr lang="ru-RU" sz="2200" i="1" smtClean="0">
                         <a:latin typeface="Cambria Math" panose="02040503050406030204" pitchFamily="18" charset="0"/>
                       </a:rPr>
                       <m:t>, </m:t>
                     </m:r>
                     <m:r>
-                      <a:rPr lang="ru-RU" i="1">
+                      <a:rPr lang="ru-RU" sz="2200" i="1">
                         <a:latin typeface="Cambria Math" panose="02040503050406030204" pitchFamily="18" charset="0"/>
                       </a:rPr>
                       <m:t>… , </m:t>
@@ -11713,14 +16862,14 @@
                     <m:sSubSup>
                       <m:sSubSupPr>
                         <m:ctrlPr>
-                          <a:rPr lang="ru-RU" i="1">
+                          <a:rPr lang="ru-RU" sz="2200" i="1">
                             <a:latin typeface="Cambria Math" panose="02040503050406030204" pitchFamily="18" charset="0"/>
                           </a:rPr>
                         </m:ctrlPr>
                       </m:sSubSupPr>
                       <m:e>
                         <m:r>
-                          <a:rPr lang="ru-RU" i="1">
+                          <a:rPr lang="ru-RU" sz="2200" i="1">
                             <a:latin typeface="Cambria Math" panose="02040503050406030204" pitchFamily="18" charset="0"/>
                           </a:rPr>
                           <m:t>𝑥</m:t>
@@ -11730,14 +16879,14 @@
                         <m:sSub>
                           <m:sSubPr>
                             <m:ctrlPr>
-                              <a:rPr lang="ru-RU" i="1">
+                              <a:rPr lang="ru-RU" sz="2200" i="1">
                                 <a:latin typeface="Cambria Math" panose="02040503050406030204" pitchFamily="18" charset="0"/>
                               </a:rPr>
                             </m:ctrlPr>
                           </m:sSubPr>
                           <m:e>
                             <m:r>
-                              <a:rPr lang="ru-RU" i="1">
+                              <a:rPr lang="ru-RU" sz="2200" i="1">
                                 <a:latin typeface="Cambria Math" panose="02040503050406030204" pitchFamily="18" charset="0"/>
                               </a:rPr>
                               <m:t>𝑞</m:t>
@@ -11745,7 +16894,7 @@
                           </m:e>
                           <m:sub>
                             <m:r>
-                              <a:rPr lang="ru-RU" i="1">
+                              <a:rPr lang="ru-RU" sz="2200" i="1">
                                 <a:latin typeface="Cambria Math" panose="02040503050406030204" pitchFamily="18" charset="0"/>
                               </a:rPr>
                               <m:t>𝑘</m:t>
@@ -11755,7 +16904,7 @@
                       </m:sub>
                       <m:sup>
                         <m:r>
-                          <a:rPr lang="ru-RU" i="1">
+                          <a:rPr lang="ru-RU" sz="2200" i="1">
                             <a:latin typeface="Cambria Math" panose="02040503050406030204" pitchFamily="18" charset="0"/>
                           </a:rPr>
                           <m:t>𝑘</m:t>
@@ -11763,13 +16912,13 @@
                       </m:sup>
                     </m:sSubSup>
                     <m:r>
-                      <a:rPr lang="ru-RU" i="1">
+                      <a:rPr lang="ru-RU" sz="2200" i="1">
                         <a:latin typeface="Cambria Math" panose="02040503050406030204" pitchFamily="18" charset="0"/>
                       </a:rPr>
                       <m:t>, </m:t>
                     </m:r>
                     <m:r>
-                      <a:rPr lang="ru-RU" i="1">
+                      <a:rPr lang="ru-RU" sz="2200" i="1">
                         <a:latin typeface="Cambria Math" panose="02040503050406030204" pitchFamily="18" charset="0"/>
                       </a:rPr>
                       <m:t>𝑡</m:t>
@@ -11777,13 +16926,13 @@
                   </m:oMath>
                 </a14:m>
                 <a:r>
-                  <a:rPr lang="ru-RU" dirty="0"/>
+                  <a:rPr lang="ru-RU" sz="2200" dirty="0"/>
                   <a:t> – </a:t>
                 </a:r>
                 <a14:m>
                   <m:oMath xmlns:m="http://schemas.openxmlformats.org/officeDocument/2006/math">
                     <m:r>
-                      <a:rPr lang="ru-RU" i="1">
+                      <a:rPr lang="ru-RU" sz="2200" i="1">
                         <a:latin typeface="Cambria Math" panose="02040503050406030204" pitchFamily="18" charset="0"/>
                       </a:rPr>
                       <m:t>𝑘</m:t>
@@ -11791,17 +16940,17 @@
                   </m:oMath>
                 </a14:m>
                 <a:r>
-                  <a:rPr lang="ru-RU" dirty="0" smtClean="0"/>
+                  <a:rPr lang="ru-RU" sz="2200" dirty="0" smtClean="0"/>
                   <a:t>-й </a:t>
                 </a:r>
                 <a:r>
-                  <a:rPr lang="ru-RU" dirty="0"/>
+                  <a:rPr lang="ru-RU" sz="2200" dirty="0"/>
                   <a:t>кратчайший путь от вершины </a:t>
                 </a:r>
                 <a14:m>
                   <m:oMath xmlns:m="http://schemas.openxmlformats.org/officeDocument/2006/math">
                     <m:r>
-                      <a:rPr lang="ru-RU" i="1">
+                      <a:rPr lang="ru-RU" sz="2200" i="1">
                         <a:latin typeface="Cambria Math" panose="02040503050406030204" pitchFamily="18" charset="0"/>
                       </a:rPr>
                       <m:t>𝑠</m:t>
@@ -11809,13 +16958,13 @@
                   </m:oMath>
                 </a14:m>
                 <a:r>
-                  <a:rPr lang="ru-RU" dirty="0"/>
+                  <a:rPr lang="ru-RU" sz="2200" dirty="0"/>
                   <a:t> до </a:t>
                 </a:r>
                 <a14:m>
                   <m:oMath xmlns:m="http://schemas.openxmlformats.org/officeDocument/2006/math">
                     <m:r>
-                      <a:rPr lang="ru-RU" i="1">
+                      <a:rPr lang="ru-RU" sz="2200" i="1">
                         <a:latin typeface="Cambria Math" panose="02040503050406030204" pitchFamily="18" charset="0"/>
                       </a:rPr>
                       <m:t>𝑡</m:t>
@@ -11823,7 +16972,7 @@
                   </m:oMath>
                 </a14:m>
                 <a:r>
-                  <a:rPr lang="ru-RU" dirty="0" smtClean="0"/>
+                  <a:rPr lang="ru-RU" sz="2200" dirty="0" smtClean="0"/>
                   <a:t>. </a:t>
                 </a:r>
                 <a14:m>
@@ -11831,14 +16980,14 @@
                     <m:sSubSup>
                       <m:sSubSupPr>
                         <m:ctrlPr>
-                          <a:rPr lang="ru-RU" i="1">
+                          <a:rPr lang="ru-RU" sz="2200" i="1">
                             <a:latin typeface="Cambria Math" panose="02040503050406030204" pitchFamily="18" charset="0"/>
                           </a:rPr>
                         </m:ctrlPr>
                       </m:sSubSupPr>
                       <m:e>
                         <m:r>
-                          <a:rPr lang="ru-RU" i="1">
+                          <a:rPr lang="ru-RU" sz="2200" i="1">
                             <a:latin typeface="Cambria Math" panose="02040503050406030204" pitchFamily="18" charset="0"/>
                           </a:rPr>
                           <m:t>𝑃</m:t>
@@ -11846,7 +16995,7 @@
                       </m:e>
                       <m:sub>
                         <m:r>
-                          <a:rPr lang="ru-RU" i="1">
+                          <a:rPr lang="ru-RU" sz="2200" i="1">
                             <a:latin typeface="Cambria Math" panose="02040503050406030204" pitchFamily="18" charset="0"/>
                           </a:rPr>
                           <m:t>𝑖</m:t>
@@ -11854,7 +17003,7 @@
                       </m:sub>
                       <m:sup>
                         <m:r>
-                          <a:rPr lang="ru-RU" i="1">
+                          <a:rPr lang="ru-RU" sz="2200" i="1">
                             <a:latin typeface="Cambria Math" panose="02040503050406030204" pitchFamily="18" charset="0"/>
                           </a:rPr>
                           <m:t>𝑘</m:t>
@@ -11864,7 +17013,7 @@
                   </m:oMath>
                 </a14:m>
                 <a:r>
-                  <a:rPr lang="ru-RU" dirty="0"/>
+                  <a:rPr lang="ru-RU" sz="2200" dirty="0"/>
                   <a:t> – кратчайший путь, который совпадает с </a:t>
                 </a:r>
                 <a14:m>
@@ -11872,14 +17021,14 @@
                     <m:sSup>
                       <m:sSupPr>
                         <m:ctrlPr>
-                          <a:rPr lang="ru-RU" i="1">
+                          <a:rPr lang="ru-RU" sz="2200" i="1">
                             <a:latin typeface="Cambria Math" panose="02040503050406030204" pitchFamily="18" charset="0"/>
                           </a:rPr>
                         </m:ctrlPr>
                       </m:sSupPr>
                       <m:e>
                         <m:r>
-                          <a:rPr lang="ru-RU" i="1">
+                          <a:rPr lang="ru-RU" sz="2200" i="1">
                             <a:latin typeface="Cambria Math" panose="02040503050406030204" pitchFamily="18" charset="0"/>
                           </a:rPr>
                           <m:t>𝑃</m:t>
@@ -11887,13 +17036,13 @@
                       </m:e>
                       <m:sup>
                         <m:r>
-                          <a:rPr lang="ru-RU" i="1">
+                          <a:rPr lang="ru-RU" sz="2200" i="1">
                             <a:latin typeface="Cambria Math" panose="02040503050406030204" pitchFamily="18" charset="0"/>
                           </a:rPr>
                           <m:t>𝑘</m:t>
                         </m:r>
                         <m:r>
-                          <a:rPr lang="ru-RU" i="1">
+                          <a:rPr lang="ru-RU" sz="2200" i="1">
                             <a:latin typeface="Cambria Math" panose="02040503050406030204" pitchFamily="18" charset="0"/>
                           </a:rPr>
                           <m:t>−1</m:t>
@@ -11903,13 +17052,13 @@
                   </m:oMath>
                 </a14:m>
                 <a:r>
-                  <a:rPr lang="ru-RU" dirty="0"/>
+                  <a:rPr lang="ru-RU" sz="2200" dirty="0"/>
                   <a:t> от </a:t>
                 </a:r>
                 <a14:m>
                   <m:oMath xmlns:m="http://schemas.openxmlformats.org/officeDocument/2006/math">
                     <m:r>
-                      <a:rPr lang="ru-RU" i="1">
+                      <a:rPr lang="ru-RU" sz="2200" i="1">
                         <a:latin typeface="Cambria Math" panose="02040503050406030204" pitchFamily="18" charset="0"/>
                       </a:rPr>
                       <m:t>𝑠</m:t>
@@ -11917,7 +17066,7 @@
                   </m:oMath>
                 </a14:m>
                 <a:r>
-                  <a:rPr lang="ru-RU" dirty="0"/>
+                  <a:rPr lang="ru-RU" sz="2200" dirty="0"/>
                   <a:t> до </a:t>
                 </a:r>
                 <a14:m>
@@ -11925,14 +17074,14 @@
                     <m:sSubSup>
                       <m:sSubSupPr>
                         <m:ctrlPr>
-                          <a:rPr lang="ru-RU" i="1">
+                          <a:rPr lang="ru-RU" sz="2200" i="1">
                             <a:latin typeface="Cambria Math" panose="02040503050406030204" pitchFamily="18" charset="0"/>
                           </a:rPr>
                         </m:ctrlPr>
                       </m:sSubSupPr>
                       <m:e>
                         <m:r>
-                          <a:rPr lang="ru-RU" i="1">
+                          <a:rPr lang="ru-RU" sz="2200" i="1">
                             <a:latin typeface="Cambria Math" panose="02040503050406030204" pitchFamily="18" charset="0"/>
                           </a:rPr>
                           <m:t>𝑥</m:t>
@@ -11940,7 +17089,7 @@
                       </m:e>
                       <m:sub>
                         <m:r>
-                          <a:rPr lang="ru-RU" i="1">
+                          <a:rPr lang="ru-RU" sz="2200" i="1">
                             <a:latin typeface="Cambria Math" panose="02040503050406030204" pitchFamily="18" charset="0"/>
                           </a:rPr>
                           <m:t>𝑖</m:t>
@@ -11948,13 +17097,13 @@
                       </m:sub>
                       <m:sup>
                         <m:r>
-                          <a:rPr lang="ru-RU" i="1">
+                          <a:rPr lang="ru-RU" sz="2200" i="1">
                             <a:latin typeface="Cambria Math" panose="02040503050406030204" pitchFamily="18" charset="0"/>
                           </a:rPr>
                           <m:t>𝑘</m:t>
                         </m:r>
                         <m:r>
-                          <a:rPr lang="ru-RU" i="1">
+                          <a:rPr lang="ru-RU" sz="2200" i="1">
                             <a:latin typeface="Cambria Math" panose="02040503050406030204" pitchFamily="18" charset="0"/>
                           </a:rPr>
                           <m:t>−1</m:t>
@@ -11964,25 +17113,25 @@
                   </m:oMath>
                 </a14:m>
                 <a:r>
-                  <a:rPr lang="ru-RU" dirty="0"/>
+                  <a:rPr lang="ru-RU" sz="2200" dirty="0"/>
                   <a:t>, а затем идущий к вершине, отличной от</a:t>
                 </a:r>
                 <a14:m>
                   <m:oMath xmlns:m="http://schemas.openxmlformats.org/officeDocument/2006/math">
                     <m:r>
-                      <a:rPr lang="ru-RU" i="1">
+                      <a:rPr lang="ru-RU" sz="2200" i="1">
                         <a:latin typeface="Cambria Math" panose="02040503050406030204" pitchFamily="18" charset="0"/>
                       </a:rPr>
                       <m:t> (</m:t>
                     </m:r>
                     <m:r>
-                      <a:rPr lang="en-US" i="1">
+                      <a:rPr lang="en-US" sz="2200" i="1">
                         <a:latin typeface="Cambria Math" panose="02040503050406030204" pitchFamily="18" charset="0"/>
                       </a:rPr>
                       <m:t>𝑖</m:t>
                     </m:r>
                     <m:r>
-                      <a:rPr lang="ru-RU" i="1">
+                      <a:rPr lang="ru-RU" sz="2200" i="1">
                         <a:latin typeface="Cambria Math" panose="02040503050406030204" pitchFamily="18" charset="0"/>
                       </a:rPr>
                       <m:t>+1)</m:t>
@@ -11990,7 +17139,7 @@
                   </m:oMath>
                 </a14:m>
                 <a:r>
-                  <a:rPr lang="ru-RU" dirty="0"/>
+                  <a:rPr lang="ru-RU" sz="2200" dirty="0"/>
                   <a:t>-ых вершин уже построенных кратчайших путей </a:t>
                 </a:r>
                 <a14:m>
@@ -11998,14 +17147,14 @@
                     <m:sSup>
                       <m:sSupPr>
                         <m:ctrlPr>
-                          <a:rPr lang="ru-RU" i="1">
+                          <a:rPr lang="ru-RU" sz="2200" i="1">
                             <a:latin typeface="Cambria Math" panose="02040503050406030204" pitchFamily="18" charset="0"/>
                           </a:rPr>
                         </m:ctrlPr>
                       </m:sSupPr>
                       <m:e>
                         <m:r>
-                          <a:rPr lang="ru-RU" i="1">
+                          <a:rPr lang="ru-RU" sz="2200" i="1">
                             <a:latin typeface="Cambria Math" panose="02040503050406030204" pitchFamily="18" charset="0"/>
                           </a:rPr>
                           <m:t>𝑃</m:t>
@@ -12013,7 +17162,7 @@
                       </m:e>
                       <m:sup>
                         <m:r>
-                          <a:rPr lang="ru-RU" i="1">
+                          <a:rPr lang="ru-RU" sz="2200" i="1">
                             <a:latin typeface="Cambria Math" panose="02040503050406030204" pitchFamily="18" charset="0"/>
                           </a:rPr>
                           <m:t>𝑗</m:t>
@@ -12021,31 +17170,31 @@
                       </m:sup>
                     </m:sSup>
                     <m:r>
-                      <a:rPr lang="ru-RU" i="1">
+                      <a:rPr lang="ru-RU" sz="2200" i="1">
                         <a:latin typeface="Cambria Math" panose="02040503050406030204" pitchFamily="18" charset="0"/>
                       </a:rPr>
                       <m:t> (</m:t>
                     </m:r>
                     <m:r>
-                      <a:rPr lang="ru-RU" i="1">
+                      <a:rPr lang="ru-RU" sz="2200" i="1">
                         <a:latin typeface="Cambria Math" panose="02040503050406030204" pitchFamily="18" charset="0"/>
                       </a:rPr>
                       <m:t>𝑗</m:t>
                     </m:r>
                     <m:r>
-                      <a:rPr lang="ru-RU" i="1">
+                      <a:rPr lang="ru-RU" sz="2200" i="1">
                         <a:latin typeface="Cambria Math" panose="02040503050406030204" pitchFamily="18" charset="0"/>
                       </a:rPr>
                       <m:t>=1, 2, …, </m:t>
                     </m:r>
                     <m:r>
-                      <a:rPr lang="ru-RU" i="1">
+                      <a:rPr lang="ru-RU" sz="2200" i="1">
                         <a:latin typeface="Cambria Math" panose="02040503050406030204" pitchFamily="18" charset="0"/>
                       </a:rPr>
                       <m:t>𝑘</m:t>
                     </m:r>
                     <m:r>
-                      <a:rPr lang="ru-RU" i="1">
+                      <a:rPr lang="ru-RU" sz="2200" i="1">
                         <a:latin typeface="Cambria Math" panose="02040503050406030204" pitchFamily="18" charset="0"/>
                       </a:rPr>
                       <m:t>−1)</m:t>
@@ -12053,7 +17202,7 @@
                   </m:oMath>
                 </a14:m>
                 <a:r>
-                  <a:rPr lang="ru-RU" dirty="0"/>
+                  <a:rPr lang="ru-RU" sz="2200" dirty="0"/>
                   <a:t>. </a:t>
                 </a:r>
                 <a14:m>
@@ -12061,14 +17210,14 @@
                     <m:sSubSup>
                       <m:sSubSupPr>
                         <m:ctrlPr>
-                          <a:rPr lang="ru-RU" i="1">
+                          <a:rPr lang="ru-RU" sz="2200" i="1">
                             <a:latin typeface="Cambria Math" panose="02040503050406030204" pitchFamily="18" charset="0"/>
                           </a:rPr>
                         </m:ctrlPr>
                       </m:sSubSupPr>
                       <m:e>
                         <m:r>
-                          <a:rPr lang="ru-RU" i="1">
+                          <a:rPr lang="ru-RU" sz="2200" i="1">
                             <a:latin typeface="Cambria Math" panose="02040503050406030204" pitchFamily="18" charset="0"/>
                           </a:rPr>
                           <m:t>𝑃</m:t>
@@ -12076,7 +17225,7 @@
                       </m:e>
                       <m:sub>
                         <m:r>
-                          <a:rPr lang="ru-RU" i="1">
+                          <a:rPr lang="ru-RU" sz="2200" i="1">
                             <a:latin typeface="Cambria Math" panose="02040503050406030204" pitchFamily="18" charset="0"/>
                           </a:rPr>
                           <m:t>𝑖</m:t>
@@ -12084,7 +17233,7 @@
                       </m:sub>
                       <m:sup>
                         <m:r>
-                          <a:rPr lang="ru-RU" i="1">
+                          <a:rPr lang="ru-RU" sz="2200" i="1">
                             <a:latin typeface="Cambria Math" panose="02040503050406030204" pitchFamily="18" charset="0"/>
                           </a:rPr>
                           <m:t>𝑘</m:t>
@@ -12094,13 +17243,13 @@
                   </m:oMath>
                 </a14:m>
                 <a:r>
-                  <a:rPr lang="ru-RU" dirty="0"/>
+                  <a:rPr lang="ru-RU" sz="2200" dirty="0"/>
                   <a:t> приходит в вершину </a:t>
                 </a:r>
                 <a14:m>
                   <m:oMath xmlns:m="http://schemas.openxmlformats.org/officeDocument/2006/math">
                     <m:r>
-                      <a:rPr lang="ru-RU" i="1">
+                      <a:rPr lang="ru-RU" sz="2200" i="1">
                         <a:latin typeface="Cambria Math" panose="02040503050406030204" pitchFamily="18" charset="0"/>
                       </a:rPr>
                       <m:t>𝑡</m:t>
@@ -12108,27 +17257,27 @@
                   </m:oMath>
                 </a14:m>
                 <a:r>
-                  <a:rPr lang="ru-RU" dirty="0"/>
+                  <a:rPr lang="ru-RU" sz="2200" dirty="0"/>
                   <a:t> по кратчайшему </a:t>
                 </a:r>
                 <a:r>
-                  <a:rPr lang="ru-RU" dirty="0" err="1"/>
+                  <a:rPr lang="ru-RU" sz="2200" dirty="0" err="1"/>
                   <a:t>подпути</a:t>
                 </a:r>
                 <a:r>
-                  <a:rPr lang="ru-RU" dirty="0"/>
+                  <a:rPr lang="ru-RU" sz="2200" dirty="0"/>
                   <a:t>, не проходящему ни через одну из вершин </a:t>
                 </a:r>
                 <a14:m>
                   <m:oMath xmlns:m="http://schemas.openxmlformats.org/officeDocument/2006/math">
                     <m:r>
-                      <a:rPr lang="en-US" i="1">
+                      <a:rPr lang="en-US" sz="2200" i="1">
                         <a:latin typeface="Cambria Math" panose="02040503050406030204" pitchFamily="18" charset="0"/>
                       </a:rPr>
                       <m:t>𝑠</m:t>
                     </m:r>
                     <m:r>
-                      <a:rPr lang="ru-RU" i="1">
+                      <a:rPr lang="ru-RU" sz="2200" i="1">
                         <a:latin typeface="Cambria Math" panose="02040503050406030204" pitchFamily="18" charset="0"/>
                       </a:rPr>
                       <m:t>,</m:t>
@@ -12136,14 +17285,14 @@
                     <m:sSubSup>
                       <m:sSubSupPr>
                         <m:ctrlPr>
-                          <a:rPr lang="ru-RU" i="1">
+                          <a:rPr lang="ru-RU" sz="2200" i="1">
                             <a:latin typeface="Cambria Math" panose="02040503050406030204" pitchFamily="18" charset="0"/>
                           </a:rPr>
                         </m:ctrlPr>
                       </m:sSubSupPr>
                       <m:e>
                         <m:r>
-                          <a:rPr lang="ru-RU" i="1">
+                          <a:rPr lang="ru-RU" sz="2200" i="1">
                             <a:latin typeface="Cambria Math" panose="02040503050406030204" pitchFamily="18" charset="0"/>
                           </a:rPr>
                           <m:t>𝑥</m:t>
@@ -12151,7 +17300,7 @@
                       </m:e>
                       <m:sub>
                         <m:r>
-                          <a:rPr lang="ru-RU" i="1">
+                          <a:rPr lang="ru-RU" sz="2200" i="1">
                             <a:latin typeface="Cambria Math" panose="02040503050406030204" pitchFamily="18" charset="0"/>
                           </a:rPr>
                           <m:t>2</m:t>
@@ -12159,13 +17308,13 @@
                       </m:sub>
                       <m:sup>
                         <m:r>
-                          <a:rPr lang="ru-RU" i="1">
+                          <a:rPr lang="ru-RU" sz="2200" i="1">
                             <a:latin typeface="Cambria Math" panose="02040503050406030204" pitchFamily="18" charset="0"/>
                           </a:rPr>
                           <m:t>𝑘</m:t>
                         </m:r>
                         <m:r>
-                          <a:rPr lang="ru-RU" i="1">
+                          <a:rPr lang="ru-RU" sz="2200" i="1">
                             <a:latin typeface="Cambria Math" panose="02040503050406030204" pitchFamily="18" charset="0"/>
                           </a:rPr>
                           <m:t>−1</m:t>
@@ -12173,7 +17322,7 @@
                       </m:sup>
                     </m:sSubSup>
                     <m:r>
-                      <a:rPr lang="ru-RU" i="1">
+                      <a:rPr lang="ru-RU" sz="2200" i="1">
                         <a:latin typeface="Cambria Math" panose="02040503050406030204" pitchFamily="18" charset="0"/>
                       </a:rPr>
                       <m:t>, </m:t>
@@ -12181,14 +17330,14 @@
                     <m:sSubSup>
                       <m:sSubSupPr>
                         <m:ctrlPr>
-                          <a:rPr lang="ru-RU" i="1">
+                          <a:rPr lang="ru-RU" sz="2200" i="1">
                             <a:latin typeface="Cambria Math" panose="02040503050406030204" pitchFamily="18" charset="0"/>
                           </a:rPr>
                         </m:ctrlPr>
                       </m:sSubSupPr>
                       <m:e>
                         <m:r>
-                          <a:rPr lang="ru-RU" i="1">
+                          <a:rPr lang="ru-RU" sz="2200" i="1">
                             <a:latin typeface="Cambria Math" panose="02040503050406030204" pitchFamily="18" charset="0"/>
                           </a:rPr>
                           <m:t>𝑥</m:t>
@@ -12196,7 +17345,7 @@
                       </m:e>
                       <m:sub>
                         <m:r>
-                          <a:rPr lang="ru-RU" i="1">
+                          <a:rPr lang="ru-RU" sz="2200" i="1">
                             <a:latin typeface="Cambria Math" panose="02040503050406030204" pitchFamily="18" charset="0"/>
                           </a:rPr>
                           <m:t>3</m:t>
@@ -12204,13 +17353,13 @@
                       </m:sub>
                       <m:sup>
                         <m:r>
-                          <a:rPr lang="ru-RU" i="1">
+                          <a:rPr lang="ru-RU" sz="2200" i="1">
                             <a:latin typeface="Cambria Math" panose="02040503050406030204" pitchFamily="18" charset="0"/>
                           </a:rPr>
                           <m:t>𝑘</m:t>
                         </m:r>
                         <m:r>
-                          <a:rPr lang="ru-RU" i="1">
+                          <a:rPr lang="ru-RU" sz="2200" i="1">
                             <a:latin typeface="Cambria Math" panose="02040503050406030204" pitchFamily="18" charset="0"/>
                           </a:rPr>
                           <m:t>−1</m:t>
@@ -12218,7 +17367,7 @@
                       </m:sup>
                     </m:sSubSup>
                     <m:r>
-                      <a:rPr lang="ru-RU" i="1">
+                      <a:rPr lang="ru-RU" sz="2200" i="1">
                         <a:latin typeface="Cambria Math" panose="02040503050406030204" pitchFamily="18" charset="0"/>
                       </a:rPr>
                       <m:t>, … , </m:t>
@@ -12226,14 +17375,14 @@
                     <m:sSubSup>
                       <m:sSubSupPr>
                         <m:ctrlPr>
-                          <a:rPr lang="ru-RU" i="1">
+                          <a:rPr lang="ru-RU" sz="2200" i="1">
                             <a:latin typeface="Cambria Math" panose="02040503050406030204" pitchFamily="18" charset="0"/>
                           </a:rPr>
                         </m:ctrlPr>
                       </m:sSubSupPr>
                       <m:e>
                         <m:r>
-                          <a:rPr lang="ru-RU" i="1">
+                          <a:rPr lang="ru-RU" sz="2200" i="1">
                             <a:latin typeface="Cambria Math" panose="02040503050406030204" pitchFamily="18" charset="0"/>
                           </a:rPr>
                           <m:t>𝑥</m:t>
@@ -12241,7 +17390,7 @@
                       </m:e>
                       <m:sub>
                         <m:r>
-                          <a:rPr lang="ru-RU" i="1">
+                          <a:rPr lang="ru-RU" sz="2200" i="1">
                             <a:latin typeface="Cambria Math" panose="02040503050406030204" pitchFamily="18" charset="0"/>
                           </a:rPr>
                           <m:t>𝑖</m:t>
@@ -12249,13 +17398,13 @@
                       </m:sub>
                       <m:sup>
                         <m:r>
-                          <a:rPr lang="ru-RU" i="1">
+                          <a:rPr lang="ru-RU" sz="2200" i="1">
                             <a:latin typeface="Cambria Math" panose="02040503050406030204" pitchFamily="18" charset="0"/>
                           </a:rPr>
                           <m:t>𝑘</m:t>
                         </m:r>
                         <m:r>
-                          <a:rPr lang="ru-RU" i="1">
+                          <a:rPr lang="ru-RU" sz="2200" i="1">
                             <a:latin typeface="Cambria Math" panose="02040503050406030204" pitchFamily="18" charset="0"/>
                           </a:rPr>
                           <m:t>−1</m:t>
@@ -12265,10 +17414,10 @@
                   </m:oMath>
                 </a14:m>
                 <a:r>
-                  <a:rPr lang="ru-RU" dirty="0" smtClean="0"/>
+                  <a:rPr lang="ru-RU" sz="2200" dirty="0" smtClean="0"/>
                   <a:t>.</a:t>
                 </a:r>
-                <a:endParaRPr lang="en-US" dirty="0" smtClean="0"/>
+                <a:endParaRPr lang="en-US" sz="2200" dirty="0" smtClean="0"/>
               </a:p>
               <a:p>
                 <a:endParaRPr lang="ru-RU" sz="3200" dirty="0"/>
@@ -12289,13 +17438,13 @@
             </p:nvSpPr>
             <p:spPr>
               <a:xfrm>
-                <a:off x="838200" y="1325562"/>
-                <a:ext cx="10515600" cy="5229062"/>
+                <a:off x="359635" y="1335074"/>
+                <a:ext cx="6049711" cy="5229062"/>
               </a:xfrm>
               <a:blipFill rotWithShape="0">
                 <a:blip r:embed="rId2"/>
                 <a:stretch>
-                  <a:fillRect l="-1043" t="-1865" r="-1043"/>
+                  <a:fillRect l="-1210" t="-1399" r="-1310"/>
                 </a:stretch>
               </a:blipFill>
             </p:spPr>
@@ -12395,6 +17544,39 @@
           </a:p>
         </p:txBody>
       </p:sp>
+      <p:pic>
+        <p:nvPicPr>
+          <p:cNvPr id="6" name="Рисунок 5" descr="D:\8semester\Diploma\Documentation\images\Схемы\Алгоритм K кратчайших.png"/>
+          <p:cNvPicPr/>
+          <p:nvPr/>
+        </p:nvPicPr>
+        <p:blipFill>
+          <a:blip r:embed="rId3">
+            <a:extLst>
+              <a:ext uri="{28A0092B-C50C-407E-A947-70E740481C1C}">
+                <a14:useLocalDpi xmlns:a14="http://schemas.microsoft.com/office/drawing/2010/main" val="0"/>
+              </a:ext>
+            </a:extLst>
+          </a:blip>
+          <a:srcRect/>
+          <a:stretch>
+            <a:fillRect/>
+          </a:stretch>
+        </p:blipFill>
+        <p:spPr bwMode="auto">
+          <a:xfrm>
+            <a:off x="6546079" y="1066770"/>
+            <a:ext cx="5412446" cy="5654705"/>
+          </a:xfrm>
+          <a:prstGeom prst="rect">
+            <a:avLst/>
+          </a:prstGeom>
+          <a:noFill/>
+          <a:ln>
+            <a:noFill/>
+          </a:ln>
+        </p:spPr>
+      </p:pic>
     </p:spTree>
     <p:extLst>
       <p:ext uri="{BB962C8B-B14F-4D97-AF65-F5344CB8AC3E}">

--- a/Documentation/Метод построения велосипедных маршрутов.pptx
+++ b/Documentation/Метод построения велосипедных маршрутов.pptx
@@ -322,11 +322,11 @@
           <c:showPercent val="0"/>
           <c:showBubbleSize val="0"/>
         </c:dLbls>
-        <c:axId val="220288896"/>
-        <c:axId val="220287776"/>
+        <c:axId val="214271136"/>
+        <c:axId val="214271696"/>
       </c:scatterChart>
       <c:valAx>
-        <c:axId val="220288896"/>
+        <c:axId val="214271136"/>
         <c:scaling>
           <c:orientation val="minMax"/>
         </c:scaling>
@@ -440,12 +440,12 @@
             <a:endParaRPr lang="ru-RU"/>
           </a:p>
         </c:txPr>
-        <c:crossAx val="220287776"/>
+        <c:crossAx val="214271696"/>
         <c:crosses val="autoZero"/>
         <c:crossBetween val="midCat"/>
       </c:valAx>
       <c:valAx>
-        <c:axId val="220287776"/>
+        <c:axId val="214271696"/>
         <c:scaling>
           <c:orientation val="minMax"/>
         </c:scaling>
@@ -574,7 +574,7 @@
             <a:endParaRPr lang="ru-RU"/>
           </a:p>
         </c:txPr>
-        <c:crossAx val="220288896"/>
+        <c:crossAx val="214271136"/>
         <c:crosses val="autoZero"/>
         <c:crossBetween val="midCat"/>
       </c:valAx>
@@ -834,11 +834,11 @@
           <c:showPercent val="0"/>
           <c:showBubbleSize val="0"/>
         </c:dLbls>
-        <c:axId val="344383200"/>
-        <c:axId val="344380960"/>
+        <c:axId val="214274496"/>
+        <c:axId val="214275056"/>
       </c:scatterChart>
       <c:valAx>
-        <c:axId val="344383200"/>
+        <c:axId val="214274496"/>
         <c:scaling>
           <c:orientation val="minMax"/>
         </c:scaling>
@@ -964,12 +964,12 @@
             <a:endParaRPr lang="ru-RU"/>
           </a:p>
         </c:txPr>
-        <c:crossAx val="344380960"/>
+        <c:crossAx val="214275056"/>
         <c:crosses val="autoZero"/>
         <c:crossBetween val="midCat"/>
       </c:valAx>
       <c:valAx>
-        <c:axId val="344380960"/>
+        <c:axId val="214275056"/>
         <c:scaling>
           <c:orientation val="minMax"/>
         </c:scaling>
@@ -1089,7 +1089,7 @@
             <a:endParaRPr lang="ru-RU"/>
           </a:p>
         </c:txPr>
-        <c:crossAx val="344383200"/>
+        <c:crossAx val="214274496"/>
         <c:crosses val="autoZero"/>
         <c:crossBetween val="midCat"/>
       </c:valAx>
@@ -1340,11 +1340,11 @@
           <c:showPercent val="0"/>
           <c:showBubbleSize val="0"/>
         </c:dLbls>
-        <c:axId val="279078160"/>
-        <c:axId val="279077600"/>
+        <c:axId val="214277856"/>
+        <c:axId val="214278416"/>
       </c:scatterChart>
       <c:valAx>
-        <c:axId val="279078160"/>
+        <c:axId val="214277856"/>
         <c:scaling>
           <c:orientation val="minMax"/>
         </c:scaling>
@@ -1462,12 +1462,12 @@
             <a:endParaRPr lang="ru-RU"/>
           </a:p>
         </c:txPr>
-        <c:crossAx val="279077600"/>
+        <c:crossAx val="214278416"/>
         <c:crosses val="autoZero"/>
         <c:crossBetween val="midCat"/>
       </c:valAx>
       <c:valAx>
-        <c:axId val="279077600"/>
+        <c:axId val="214278416"/>
         <c:scaling>
           <c:orientation val="minMax"/>
         </c:scaling>
@@ -1587,7 +1587,7 @@
             <a:endParaRPr lang="ru-RU"/>
           </a:p>
         </c:txPr>
-        <c:crossAx val="279078160"/>
+        <c:crossAx val="214277856"/>
         <c:crosses val="autoZero"/>
         <c:crossBetween val="midCat"/>
       </c:valAx>
@@ -1857,11 +1857,11 @@
           <c:showPercent val="0"/>
           <c:showBubbleSize val="0"/>
         </c:dLbls>
-        <c:axId val="344325280"/>
-        <c:axId val="344326400"/>
+        <c:axId val="32992032"/>
+        <c:axId val="215358416"/>
       </c:scatterChart>
       <c:valAx>
-        <c:axId val="344325280"/>
+        <c:axId val="32992032"/>
         <c:scaling>
           <c:orientation val="minMax"/>
         </c:scaling>
@@ -1981,12 +1981,12 @@
             <a:endParaRPr lang="ru-RU"/>
           </a:p>
         </c:txPr>
-        <c:crossAx val="344326400"/>
+        <c:crossAx val="215358416"/>
         <c:crosses val="autoZero"/>
         <c:crossBetween val="midCat"/>
       </c:valAx>
       <c:valAx>
-        <c:axId val="344326400"/>
+        <c:axId val="215358416"/>
         <c:scaling>
           <c:orientation val="minMax"/>
         </c:scaling>
@@ -2106,7 +2106,7 @@
             <a:endParaRPr lang="ru-RU"/>
           </a:p>
         </c:txPr>
-        <c:crossAx val="344325280"/>
+        <c:crossAx val="32992032"/>
         <c:crosses val="autoZero"/>
         <c:crossBetween val="midCat"/>
       </c:valAx>
@@ -4483,7 +4483,7 @@
           <a:p>
             <a:fld id="{2C1D5852-CB3A-4E71-BFCB-A6B4538832B4}" type="datetimeFigureOut">
               <a:rPr lang="ru-RU" smtClean="0"/>
-              <a:t>31.05.2015</a:t>
+              <a:t>02.06.2015</a:t>
             </a:fld>
             <a:endParaRPr lang="ru-RU"/>
           </a:p>
@@ -5218,7 +5218,7 @@
           <a:p>
             <a:fld id="{36E5FA18-BC3F-4D53-94AB-C0F3B1B8377F}" type="datetime1">
               <a:rPr lang="ru-RU" smtClean="0"/>
-              <a:t>31.05.2015</a:t>
+              <a:t>02.06.2015</a:t>
             </a:fld>
             <a:endParaRPr lang="ru-RU"/>
           </a:p>
@@ -5396,7 +5396,7 @@
           <a:p>
             <a:fld id="{21567A10-74FB-4B80-9638-7BCE9781867C}" type="datetime1">
               <a:rPr lang="ru-RU" smtClean="0"/>
-              <a:t>31.05.2015</a:t>
+              <a:t>02.06.2015</a:t>
             </a:fld>
             <a:endParaRPr lang="ru-RU"/>
           </a:p>
@@ -5577,7 +5577,7 @@
           <a:p>
             <a:fld id="{81142080-0B71-4B20-B0E2-9DFC0B1CFBEE}" type="datetime1">
               <a:rPr lang="ru-RU" smtClean="0"/>
-              <a:t>31.05.2015</a:t>
+              <a:t>02.06.2015</a:t>
             </a:fld>
             <a:endParaRPr lang="ru-RU"/>
           </a:p>
@@ -5748,7 +5748,7 @@
           <a:p>
             <a:fld id="{E2255E6C-A322-4AC3-828D-B9E85E64A896}" type="datetime1">
               <a:rPr lang="ru-RU" smtClean="0"/>
-              <a:t>31.05.2015</a:t>
+              <a:t>02.06.2015</a:t>
             </a:fld>
             <a:endParaRPr lang="ru-RU"/>
           </a:p>
@@ -5995,7 +5995,7 @@
           <a:p>
             <a:fld id="{BA497A56-8E1D-40EB-A88D-614A29B47FFB}" type="datetime1">
               <a:rPr lang="ru-RU" smtClean="0"/>
-              <a:t>31.05.2015</a:t>
+              <a:t>02.06.2015</a:t>
             </a:fld>
             <a:endParaRPr lang="ru-RU"/>
           </a:p>
@@ -6228,7 +6228,7 @@
           <a:p>
             <a:fld id="{1DB1DE17-48AA-43E9-826A-5B3B2EB8A459}" type="datetime1">
               <a:rPr lang="ru-RU" smtClean="0"/>
-              <a:t>31.05.2015</a:t>
+              <a:t>02.06.2015</a:t>
             </a:fld>
             <a:endParaRPr lang="ru-RU"/>
           </a:p>
@@ -6596,7 +6596,7 @@
           <a:p>
             <a:fld id="{16378FA1-9B63-4F30-8EDE-C679ADDB5553}" type="datetime1">
               <a:rPr lang="ru-RU" smtClean="0"/>
-              <a:t>31.05.2015</a:t>
+              <a:t>02.06.2015</a:t>
             </a:fld>
             <a:endParaRPr lang="ru-RU"/>
           </a:p>
@@ -6715,7 +6715,7 @@
           <a:p>
             <a:fld id="{4B4531DD-F7E9-4FA2-981F-44CA782140A8}" type="datetime1">
               <a:rPr lang="ru-RU" smtClean="0"/>
-              <a:t>31.05.2015</a:t>
+              <a:t>02.06.2015</a:t>
             </a:fld>
             <a:endParaRPr lang="ru-RU"/>
           </a:p>
@@ -6811,7 +6811,7 @@
           <a:p>
             <a:fld id="{F6C21C51-16DF-40AF-A145-F8DD54F2C411}" type="datetime1">
               <a:rPr lang="ru-RU" smtClean="0"/>
-              <a:t>31.05.2015</a:t>
+              <a:t>02.06.2015</a:t>
             </a:fld>
             <a:endParaRPr lang="ru-RU"/>
           </a:p>
@@ -7089,7 +7089,7 @@
           <a:p>
             <a:fld id="{344ABABC-77B2-4D56-855A-B4C40E6CF024}" type="datetime1">
               <a:rPr lang="ru-RU" smtClean="0"/>
-              <a:t>31.05.2015</a:t>
+              <a:t>02.06.2015</a:t>
             </a:fld>
             <a:endParaRPr lang="ru-RU"/>
           </a:p>
@@ -7343,7 +7343,7 @@
           <a:p>
             <a:fld id="{0FD2389D-C24C-4010-A8CA-3B85131275A4}" type="datetime1">
               <a:rPr lang="ru-RU" smtClean="0"/>
-              <a:t>31.05.2015</a:t>
+              <a:t>02.06.2015</a:t>
             </a:fld>
             <a:endParaRPr lang="ru-RU"/>
           </a:p>
@@ -7557,7 +7557,7 @@
           <a:p>
             <a:fld id="{4F036123-8708-4B1E-AC94-78648E3B1BD3}" type="datetime1">
               <a:rPr lang="ru-RU" smtClean="0"/>
-              <a:t>31.05.2015</a:t>
+              <a:t>02.06.2015</a:t>
             </a:fld>
             <a:endParaRPr lang="ru-RU"/>
           </a:p>
@@ -8848,8 +8848,8 @@
           <a:chExt cx="0" cy="0"/>
         </a:xfrm>
       </p:grpSpPr>
-      <mc:AlternateContent xmlns:mc="http://schemas.openxmlformats.org/markup-compatibility/2006" xmlns:a14="http://schemas.microsoft.com/office/drawing/2010/main">
-        <mc:Choice Requires="a14">
+      <mc:AlternateContent xmlns:mc="http://schemas.openxmlformats.org/markup-compatibility/2006">
+        <mc:Choice xmlns:a14="http://schemas.microsoft.com/office/drawing/2010/main" Requires="a14">
           <p:sp>
             <p:nvSpPr>
               <p:cNvPr id="4" name="Объект 2"/>
@@ -8882,7 +8882,15 @@
                 </a:r>
                 <a:r>
                   <a:rPr lang="ru-RU" sz="3000" dirty="0" smtClean="0"/>
-                  <a:t> маршрута вычисляется мера безопасности по следующей формуле</a:t>
+                  <a:t> маршрута вычисляется </a:t>
+                </a:r>
+                <a:r>
+                  <a:rPr lang="ru-RU" sz="3000" dirty="0" smtClean="0"/>
+                  <a:t>коэффициент безопасности </a:t>
+                </a:r>
+                <a:r>
+                  <a:rPr lang="ru-RU" sz="3000" dirty="0" smtClean="0"/>
+                  <a:t>по следующей формуле</a:t>
                 </a:r>
                 <a:r>
                   <a:rPr lang="en-US" sz="3000" dirty="0" smtClean="0"/>
@@ -9029,7 +9037,15 @@
                 </a:r>
                 <a:r>
                   <a:rPr lang="ru-RU" sz="3000" dirty="0" smtClean="0"/>
-                  <a:t>является наиболее безопасным из найденных, если</a:t>
+                  <a:t>является </a:t>
+                </a:r>
+                <a:r>
+                  <a:rPr lang="ru-RU" sz="3000" dirty="0" smtClean="0"/>
+                  <a:t>наиболее безопасным </a:t>
+                </a:r>
+                <a:r>
+                  <a:rPr lang="ru-RU" sz="3000" dirty="0" smtClean="0"/>
+                  <a:t>из найденных, если</a:t>
                 </a:r>
                 <a:r>
                   <a:rPr lang="en-US" sz="3000" dirty="0" smtClean="0"/>
@@ -9064,7 +9080,11 @@
                 </a:r>
                 <a:r>
                   <a:rPr lang="ru-RU" sz="3000" dirty="0" smtClean="0"/>
-                  <a:t>является наиболее пригодным для спортивной езды из найденных, если</a:t>
+                  <a:t>является </a:t>
+                </a:r>
+                <a:r>
+                  <a:rPr lang="ru-RU" sz="3000" dirty="0" smtClean="0"/>
+                  <a:t>спортивным если</a:t>
                 </a:r>
                 <a:r>
                   <a:rPr lang="en-US" sz="3000" dirty="0" smtClean="0"/>
@@ -9102,7 +9122,7 @@
             </p:txBody>
           </p:sp>
         </mc:Choice>
-        <mc:Fallback xmlns="">
+        <mc:Fallback>
           <p:sp>
             <p:nvSpPr>
               <p:cNvPr id="4" name="Объект 2"/>
@@ -9121,7 +9141,7 @@
               <a:blipFill rotWithShape="0">
                 <a:blip r:embed="rId2"/>
                 <a:stretch>
-                  <a:fillRect l="-1043" t="-1762" r="-1797" b="-551"/>
+                  <a:fillRect l="-1043" t="-1762" r="-1797"/>
                 </a:stretch>
               </a:blipFill>
             </p:spPr>
@@ -9184,7 +9204,15 @@
             <a:pPr algn="ctr"/>
             <a:r>
               <a:rPr lang="ru-RU" dirty="0" smtClean="0"/>
-              <a:t>Выбор маршрута в зависимости от вида</a:t>
+              <a:t>Выбор маршрута в зависимости </a:t>
+            </a:r>
+            <a:r>
+              <a:rPr lang="ru-RU" dirty="0" smtClean="0"/>
+              <a:t>от его </a:t>
+            </a:r>
+            <a:r>
+              <a:rPr lang="ru-RU" dirty="0" smtClean="0"/>
+              <a:t>вида</a:t>
             </a:r>
             <a:endParaRPr lang="ru-RU" dirty="0"/>
           </a:p>
@@ -9589,8 +9617,8 @@
           </p:sp>
         </mc:Fallback>
       </mc:AlternateContent>
-      <mc:AlternateContent xmlns:mc="http://schemas.openxmlformats.org/markup-compatibility/2006" xmlns:a14="http://schemas.microsoft.com/office/drawing/2010/main">
-        <mc:Choice Requires="a14">
+      <mc:AlternateContent xmlns:mc="http://schemas.openxmlformats.org/markup-compatibility/2006">
+        <mc:Choice xmlns:a14="http://schemas.microsoft.com/office/drawing/2010/main" Requires="a14">
           <p:sp>
             <p:nvSpPr>
               <p:cNvPr id="8" name="Прямоугольник 7"/>
@@ -9599,7 +9627,7 @@
             </p:nvSpPr>
             <p:spPr>
               <a:xfrm>
-                <a:off x="3543410" y="5700922"/>
+                <a:off x="3561107" y="5470185"/>
                 <a:ext cx="5069786" cy="575542"/>
               </a:xfrm>
               <a:prstGeom prst="rect">
@@ -9764,7 +9792,7 @@
             </p:txBody>
           </p:sp>
         </mc:Choice>
-        <mc:Fallback xmlns="">
+        <mc:Fallback>
           <p:sp>
             <p:nvSpPr>
               <p:cNvPr id="8" name="Прямоугольник 7"/>
@@ -9775,7 +9803,7 @@
             </p:nvSpPr>
             <p:spPr>
               <a:xfrm>
-                <a:off x="3543410" y="5700922"/>
+                <a:off x="3561107" y="5470185"/>
                 <a:ext cx="5069786" cy="575542"/>
               </a:xfrm>
               <a:prstGeom prst="rect">
@@ -10329,7 +10357,7 @@
         </p:nvSpPr>
         <p:spPr>
           <a:xfrm>
-            <a:off x="838200" y="0"/>
+            <a:off x="838200" y="-37932"/>
             <a:ext cx="10515600" cy="1325563"/>
           </a:xfrm>
           <a:prstGeom prst="rect">
@@ -10377,8 +10405,8 @@
         </p:nvSpPr>
         <p:spPr>
           <a:xfrm>
-            <a:off x="3507639" y="1252627"/>
-            <a:ext cx="5494068" cy="369332"/>
+            <a:off x="2863818" y="1106129"/>
+            <a:ext cx="6349495" cy="646331"/>
           </a:xfrm>
           <a:prstGeom prst="rect">
             <a:avLst/>
@@ -10392,20 +10420,31 @@
           <a:p>
             <a:r>
               <a:rPr lang="ru-RU" dirty="0" smtClean="0"/>
-              <a:t>Эксперименты проведены для К=2;5;15</a:t>
-            </a:r>
-            <a:r>
-              <a:rPr lang="ru-RU" dirty="0"/>
-              <a:t>; </a:t>
-            </a:r>
-            <a:r>
-              <a:rPr lang="en-US" dirty="0"/>
+              <a:t>Эксперименты проведены </a:t>
+            </a:r>
+            <a:r>
+              <a:rPr lang="ru-RU" dirty="0" smtClean="0"/>
+              <a:t>для алгоритма Йена при К = 2; 5; 15</a:t>
+            </a:r>
+          </a:p>
+          <a:p>
+            <a:r>
+              <a:rPr lang="ru-RU" dirty="0" smtClean="0"/>
+              <a:t> и алгоритма поиска Е-близких маршрутов при</a:t>
+            </a:r>
+            <a:r>
+              <a:rPr lang="ru-RU" dirty="0" smtClean="0"/>
+              <a:t> </a:t>
+            </a:r>
+            <a:r>
+              <a:rPr lang="en-US" dirty="0" smtClean="0"/>
               <a:t>E</a:t>
             </a:r>
             <a:r>
-              <a:rPr lang="ru-RU" dirty="0"/>
-              <a:t>=0,02;0,1;0,3</a:t>
-            </a:r>
+              <a:rPr lang="ru-RU" dirty="0" smtClean="0"/>
+              <a:t> = 0,02; 0,1; 0,3</a:t>
+            </a:r>
+            <a:endParaRPr lang="ru-RU" dirty="0"/>
           </a:p>
         </p:txBody>
       </p:sp>
@@ -10526,11 +10565,7 @@
             </a:r>
             <a:r>
               <a:rPr lang="ru-RU" dirty="0" smtClean="0"/>
-              <a:t>коэффициента безопасности маршрутов, построенных с помощью разных </a:t>
-            </a:r>
-            <a:r>
-              <a:rPr lang="ru-RU" dirty="0" smtClean="0"/>
-              <a:t>комбинаций алгоритмов </a:t>
+              <a:t>коэффициента безопасности маршрутов, построенных с помощью разных комбинаций алгоритмов </a:t>
             </a:r>
             <a:r>
               <a:rPr lang="ru-RU" dirty="0"/>
@@ -10561,13 +10596,13 @@
           <p:nvPr>
             <p:extLst>
               <p:ext uri="{D42A27DB-BD31-4B8C-83A1-F6EECF244321}">
-                <p14:modId xmlns:p14="http://schemas.microsoft.com/office/powerpoint/2010/main" val="3642420597"/>
+                <p14:modId xmlns:p14="http://schemas.microsoft.com/office/powerpoint/2010/main" val="929378941"/>
               </p:ext>
             </p:extLst>
           </p:nvPr>
         </p:nvGraphicFramePr>
         <p:xfrm>
-          <a:off x="838200" y="1711000"/>
+          <a:off x="838200" y="1780623"/>
           <a:ext cx="4572000" cy="1640968"/>
         </p:xfrm>
         <a:graphic>
@@ -10633,13 +10668,13 @@
           <p:nvPr>
             <p:extLst>
               <p:ext uri="{D42A27DB-BD31-4B8C-83A1-F6EECF244321}">
-                <p14:modId xmlns:p14="http://schemas.microsoft.com/office/powerpoint/2010/main" val="3588243316"/>
+                <p14:modId xmlns:p14="http://schemas.microsoft.com/office/powerpoint/2010/main" val="1439714282"/>
               </p:ext>
             </p:extLst>
           </p:nvPr>
         </p:nvGraphicFramePr>
         <p:xfrm>
-          <a:off x="6781800" y="1582347"/>
+          <a:off x="6781800" y="1823809"/>
           <a:ext cx="4572000" cy="1420634"/>
         </p:xfrm>
         <a:graphic>
@@ -10814,7 +10849,11 @@
             <a:pPr lvl="0"/>
             <a:r>
               <a:rPr lang="ru-RU" sz="3200" dirty="0" smtClean="0"/>
-              <a:t>Построен граф </a:t>
+              <a:t>Построен </a:t>
+            </a:r>
+            <a:r>
+              <a:rPr lang="ru-RU" sz="3200" dirty="0" smtClean="0"/>
+              <a:t>граф дорог </a:t>
             </a:r>
             <a:r>
               <a:rPr lang="ru-RU" sz="3200" dirty="0"/>
@@ -11296,11 +11335,11 @@
   <p:clrMapOvr>
     <a:masterClrMapping/>
   </p:clrMapOvr>
-  <mc:AlternateContent xmlns:mc="http://schemas.openxmlformats.org/markup-compatibility/2006">
-    <mc:Choice xmlns:p14="http://schemas.microsoft.com/office/powerpoint/2010/main" Requires="p14">
+  <mc:AlternateContent xmlns:mc="http://schemas.openxmlformats.org/markup-compatibility/2006" xmlns:p14="http://schemas.microsoft.com/office/powerpoint/2010/main">
+    <mc:Choice Requires="p14">
       <p:transition spd="slow" p14:dur="2000"/>
     </mc:Choice>
-    <mc:Fallback>
+    <mc:Fallback xmlns="">
       <p:transition spd="slow"/>
     </mc:Fallback>
   </mc:AlternateContent>
@@ -11469,7 +11508,15 @@
             <a:pPr lvl="0"/>
             <a:r>
               <a:rPr lang="ru-RU" sz="3200" dirty="0"/>
-              <a:t>Построение графа из исходных данных о карте;</a:t>
+              <a:t>Построение </a:t>
+            </a:r>
+            <a:r>
+              <a:rPr lang="ru-RU" sz="3200" dirty="0" smtClean="0"/>
+              <a:t>графа дорог </a:t>
+            </a:r>
+            <a:r>
+              <a:rPr lang="ru-RU" sz="3200" dirty="0"/>
+              <a:t>из исходных данных о карте;</a:t>
             </a:r>
           </a:p>
           <a:p>
@@ -11582,8 +11629,8 @@
           </a:p>
         </p:txBody>
       </p:sp>
-      <mc:AlternateContent xmlns:mc="http://schemas.openxmlformats.org/markup-compatibility/2006" xmlns:a14="http://schemas.microsoft.com/office/drawing/2010/main">
-        <mc:Choice Requires="a14">
+      <mc:AlternateContent xmlns:mc="http://schemas.openxmlformats.org/markup-compatibility/2006">
+        <mc:Choice xmlns:a14="http://schemas.microsoft.com/office/drawing/2010/main" Requires="a14">
           <p:graphicFrame>
             <p:nvGraphicFramePr>
               <p:cNvPr id="2" name="Объект 1"/>
@@ -11594,14 +11641,14 @@
                 <p:ph idx="1"/>
                 <p:extLst>
                   <p:ext uri="{D42A27DB-BD31-4B8C-83A1-F6EECF244321}">
-                    <p14:modId xmlns:p14="http://schemas.microsoft.com/office/powerpoint/2010/main" val="1637864176"/>
+                    <p14:modId xmlns:p14="http://schemas.microsoft.com/office/powerpoint/2010/main" val="2640207438"/>
                   </p:ext>
                 </p:extLst>
               </p:nvPr>
             </p:nvGraphicFramePr>
             <p:xfrm>
-              <a:off x="838200" y="1325563"/>
-              <a:ext cx="10515600" cy="3901440"/>
+              <a:off x="838200" y="1086281"/>
+              <a:ext cx="10515600" cy="3523476"/>
             </p:xfrm>
             <a:graphic>
               <a:graphicData uri="http://schemas.openxmlformats.org/drawingml/2006/table">
@@ -11610,13 +11657,13 @@
                     <a:tableStyleId>{0505E3EF-67EA-436B-97B2-0124C06EBD24}</a:tableStyleId>
                   </a:tblPr>
                   <a:tblGrid>
-                    <a:gridCol w="2195557"/>
-                    <a:gridCol w="2010683"/>
+                    <a:gridCol w="2366473"/>
+                    <a:gridCol w="1839767"/>
                     <a:gridCol w="2103120"/>
                     <a:gridCol w="2103120"/>
                     <a:gridCol w="2103120"/>
                   </a:tblGrid>
-                  <a:tr h="370840">
+                  <a:tr h="627876">
                     <a:tc>
                       <a:txBody>
                         <a:bodyPr/>
@@ -11630,7 +11677,44 @@
                           <a:endParaRPr lang="ru-RU" sz="2000" dirty="0"/>
                         </a:p>
                       </a:txBody>
-                      <a:tcPr/>
+                      <a:tcPr>
+                        <a:lnL w="12700" cap="flat" cmpd="sng" algn="ctr">
+                          <a:solidFill>
+                            <a:schemeClr val="tx1"/>
+                          </a:solidFill>
+                          <a:prstDash val="solid"/>
+                          <a:round/>
+                          <a:headEnd type="none" w="med" len="med"/>
+                          <a:tailEnd type="none" w="med" len="med"/>
+                        </a:lnL>
+                        <a:lnR w="12700" cap="flat" cmpd="sng" algn="ctr">
+                          <a:solidFill>
+                            <a:schemeClr val="tx1"/>
+                          </a:solidFill>
+                          <a:prstDash val="solid"/>
+                          <a:round/>
+                          <a:headEnd type="none" w="med" len="med"/>
+                          <a:tailEnd type="none" w="med" len="med"/>
+                        </a:lnR>
+                        <a:lnT w="12700" cap="flat" cmpd="sng" algn="ctr">
+                          <a:solidFill>
+                            <a:schemeClr val="tx1"/>
+                          </a:solidFill>
+                          <a:prstDash val="solid"/>
+                          <a:round/>
+                          <a:headEnd type="none" w="med" len="med"/>
+                          <a:tailEnd type="none" w="med" len="med"/>
+                        </a:lnT>
+                        <a:lnB w="12700" cap="flat" cmpd="sng" algn="ctr">
+                          <a:solidFill>
+                            <a:schemeClr val="tx1"/>
+                          </a:solidFill>
+                          <a:prstDash val="solid"/>
+                          <a:round/>
+                          <a:headEnd type="none" w="med" len="med"/>
+                          <a:tailEnd type="none" w="med" len="med"/>
+                        </a:lnB>
+                      </a:tcPr>
                     </a:tc>
                     <a:tc>
                       <a:txBody>
@@ -11645,7 +11729,44 @@
                           <a:endParaRPr lang="ru-RU" sz="2000" dirty="0"/>
                         </a:p>
                       </a:txBody>
-                      <a:tcPr/>
+                      <a:tcPr>
+                        <a:lnL w="12700" cap="flat" cmpd="sng" algn="ctr">
+                          <a:solidFill>
+                            <a:schemeClr val="tx1"/>
+                          </a:solidFill>
+                          <a:prstDash val="solid"/>
+                          <a:round/>
+                          <a:headEnd type="none" w="med" len="med"/>
+                          <a:tailEnd type="none" w="med" len="med"/>
+                        </a:lnL>
+                        <a:lnR w="12700" cap="flat" cmpd="sng" algn="ctr">
+                          <a:solidFill>
+                            <a:schemeClr val="tx1"/>
+                          </a:solidFill>
+                          <a:prstDash val="solid"/>
+                          <a:round/>
+                          <a:headEnd type="none" w="med" len="med"/>
+                          <a:tailEnd type="none" w="med" len="med"/>
+                        </a:lnR>
+                        <a:lnT w="12700" cap="flat" cmpd="sng" algn="ctr">
+                          <a:solidFill>
+                            <a:schemeClr val="tx1"/>
+                          </a:solidFill>
+                          <a:prstDash val="solid"/>
+                          <a:round/>
+                          <a:headEnd type="none" w="med" len="med"/>
+                          <a:tailEnd type="none" w="med" len="med"/>
+                        </a:lnT>
+                        <a:lnB w="12700" cap="flat" cmpd="sng" algn="ctr">
+                          <a:solidFill>
+                            <a:schemeClr val="tx1"/>
+                          </a:solidFill>
+                          <a:prstDash val="solid"/>
+                          <a:round/>
+                          <a:headEnd type="none" w="med" len="med"/>
+                          <a:tailEnd type="none" w="med" len="med"/>
+                        </a:lnB>
+                      </a:tcPr>
                     </a:tc>
                     <a:tc>
                       <a:txBody>
@@ -11660,7 +11781,44 @@
                           <a:endParaRPr lang="ru-RU" sz="2000" dirty="0"/>
                         </a:p>
                       </a:txBody>
-                      <a:tcPr/>
+                      <a:tcPr>
+                        <a:lnL w="12700" cap="flat" cmpd="sng" algn="ctr">
+                          <a:solidFill>
+                            <a:schemeClr val="tx1"/>
+                          </a:solidFill>
+                          <a:prstDash val="solid"/>
+                          <a:round/>
+                          <a:headEnd type="none" w="med" len="med"/>
+                          <a:tailEnd type="none" w="med" len="med"/>
+                        </a:lnL>
+                        <a:lnR w="12700" cap="flat" cmpd="sng" algn="ctr">
+                          <a:solidFill>
+                            <a:schemeClr val="tx1"/>
+                          </a:solidFill>
+                          <a:prstDash val="solid"/>
+                          <a:round/>
+                          <a:headEnd type="none" w="med" len="med"/>
+                          <a:tailEnd type="none" w="med" len="med"/>
+                        </a:lnR>
+                        <a:lnT w="12700" cap="flat" cmpd="sng" algn="ctr">
+                          <a:solidFill>
+                            <a:schemeClr val="tx1"/>
+                          </a:solidFill>
+                          <a:prstDash val="solid"/>
+                          <a:round/>
+                          <a:headEnd type="none" w="med" len="med"/>
+                          <a:tailEnd type="none" w="med" len="med"/>
+                        </a:lnT>
+                        <a:lnB w="12700" cap="flat" cmpd="sng" algn="ctr">
+                          <a:solidFill>
+                            <a:schemeClr val="tx1"/>
+                          </a:solidFill>
+                          <a:prstDash val="solid"/>
+                          <a:round/>
+                          <a:headEnd type="none" w="med" len="med"/>
+                          <a:tailEnd type="none" w="med" len="med"/>
+                        </a:lnB>
+                      </a:tcPr>
                     </a:tc>
                     <a:tc>
                       <a:txBody>
@@ -11675,7 +11833,44 @@
                           <a:endParaRPr lang="ru-RU" sz="2000" dirty="0"/>
                         </a:p>
                       </a:txBody>
-                      <a:tcPr/>
+                      <a:tcPr>
+                        <a:lnL w="12700" cap="flat" cmpd="sng" algn="ctr">
+                          <a:solidFill>
+                            <a:schemeClr val="tx1"/>
+                          </a:solidFill>
+                          <a:prstDash val="solid"/>
+                          <a:round/>
+                          <a:headEnd type="none" w="med" len="med"/>
+                          <a:tailEnd type="none" w="med" len="med"/>
+                        </a:lnL>
+                        <a:lnR w="12700" cap="flat" cmpd="sng" algn="ctr">
+                          <a:solidFill>
+                            <a:schemeClr val="tx1"/>
+                          </a:solidFill>
+                          <a:prstDash val="solid"/>
+                          <a:round/>
+                          <a:headEnd type="none" w="med" len="med"/>
+                          <a:tailEnd type="none" w="med" len="med"/>
+                        </a:lnR>
+                        <a:lnT w="12700" cap="flat" cmpd="sng" algn="ctr">
+                          <a:solidFill>
+                            <a:schemeClr val="tx1"/>
+                          </a:solidFill>
+                          <a:prstDash val="solid"/>
+                          <a:round/>
+                          <a:headEnd type="none" w="med" len="med"/>
+                          <a:tailEnd type="none" w="med" len="med"/>
+                        </a:lnT>
+                        <a:lnB w="12700" cap="flat" cmpd="sng" algn="ctr">
+                          <a:solidFill>
+                            <a:schemeClr val="tx1"/>
+                          </a:solidFill>
+                          <a:prstDash val="solid"/>
+                          <a:round/>
+                          <a:headEnd type="none" w="med" len="med"/>
+                          <a:tailEnd type="none" w="med" len="med"/>
+                        </a:lnB>
+                      </a:tcPr>
                     </a:tc>
                     <a:tc>
                       <a:txBody>
@@ -11690,10 +11885,47 @@
                           <a:endParaRPr lang="ru-RU" sz="2000" dirty="0"/>
                         </a:p>
                       </a:txBody>
-                      <a:tcPr/>
+                      <a:tcPr>
+                        <a:lnL w="12700" cap="flat" cmpd="sng" algn="ctr">
+                          <a:solidFill>
+                            <a:schemeClr val="tx1"/>
+                          </a:solidFill>
+                          <a:prstDash val="solid"/>
+                          <a:round/>
+                          <a:headEnd type="none" w="med" len="med"/>
+                          <a:tailEnd type="none" w="med" len="med"/>
+                        </a:lnL>
+                        <a:lnR w="12700" cap="flat" cmpd="sng" algn="ctr">
+                          <a:solidFill>
+                            <a:schemeClr val="tx1"/>
+                          </a:solidFill>
+                          <a:prstDash val="solid"/>
+                          <a:round/>
+                          <a:headEnd type="none" w="med" len="med"/>
+                          <a:tailEnd type="none" w="med" len="med"/>
+                        </a:lnR>
+                        <a:lnT w="12700" cap="flat" cmpd="sng" algn="ctr">
+                          <a:solidFill>
+                            <a:schemeClr val="tx1"/>
+                          </a:solidFill>
+                          <a:prstDash val="solid"/>
+                          <a:round/>
+                          <a:headEnd type="none" w="med" len="med"/>
+                          <a:tailEnd type="none" w="med" len="med"/>
+                        </a:lnT>
+                        <a:lnB w="12700" cap="flat" cmpd="sng" algn="ctr">
+                          <a:solidFill>
+                            <a:schemeClr val="tx1"/>
+                          </a:solidFill>
+                          <a:prstDash val="solid"/>
+                          <a:round/>
+                          <a:headEnd type="none" w="med" len="med"/>
+                          <a:tailEnd type="none" w="med" len="med"/>
+                        </a:lnB>
+                      </a:tcPr>
                     </a:tc>
                   </a:tr>
-                  <a:tr h="370840">
+                  <a:tr h="354886">
                     <a:tc>
                       <a:txBody>
                         <a:bodyPr/>
@@ -11707,7 +11939,44 @@
                           <a:endParaRPr lang="ru-RU" sz="2000" dirty="0"/>
                         </a:p>
                       </a:txBody>
-                      <a:tcPr/>
+                      <a:tcPr>
+                        <a:lnL w="12700" cap="flat" cmpd="sng" algn="ctr">
+                          <a:solidFill>
+                            <a:schemeClr val="tx1"/>
+                          </a:solidFill>
+                          <a:prstDash val="solid"/>
+                          <a:round/>
+                          <a:headEnd type="none" w="med" len="med"/>
+                          <a:tailEnd type="none" w="med" len="med"/>
+                        </a:lnL>
+                        <a:lnR w="12700" cap="flat" cmpd="sng" algn="ctr">
+                          <a:solidFill>
+                            <a:schemeClr val="tx1"/>
+                          </a:solidFill>
+                          <a:prstDash val="solid"/>
+                          <a:round/>
+                          <a:headEnd type="none" w="med" len="med"/>
+                          <a:tailEnd type="none" w="med" len="med"/>
+                        </a:lnR>
+                        <a:lnT w="12700" cap="flat" cmpd="sng" algn="ctr">
+                          <a:solidFill>
+                            <a:schemeClr val="tx1"/>
+                          </a:solidFill>
+                          <a:prstDash val="solid"/>
+                          <a:round/>
+                          <a:headEnd type="none" w="med" len="med"/>
+                          <a:tailEnd type="none" w="med" len="med"/>
+                        </a:lnT>
+                        <a:lnB w="12700" cap="flat" cmpd="sng" algn="ctr">
+                          <a:solidFill>
+                            <a:schemeClr val="tx1"/>
+                          </a:solidFill>
+                          <a:prstDash val="solid"/>
+                          <a:round/>
+                          <a:headEnd type="none" w="med" len="med"/>
+                          <a:tailEnd type="none" w="med" len="med"/>
+                        </a:lnB>
+                      </a:tcPr>
                     </a:tc>
                     <a:tc>
                       <a:txBody>
@@ -11776,7 +12045,44 @@
                           <a:endParaRPr lang="ru-RU" sz="2000" dirty="0"/>
                         </a:p>
                       </a:txBody>
-                      <a:tcPr/>
+                      <a:tcPr>
+                        <a:lnL w="12700" cap="flat" cmpd="sng" algn="ctr">
+                          <a:solidFill>
+                            <a:schemeClr val="tx1"/>
+                          </a:solidFill>
+                          <a:prstDash val="solid"/>
+                          <a:round/>
+                          <a:headEnd type="none" w="med" len="med"/>
+                          <a:tailEnd type="none" w="med" len="med"/>
+                        </a:lnL>
+                        <a:lnR w="12700" cap="flat" cmpd="sng" algn="ctr">
+                          <a:solidFill>
+                            <a:schemeClr val="tx1"/>
+                          </a:solidFill>
+                          <a:prstDash val="solid"/>
+                          <a:round/>
+                          <a:headEnd type="none" w="med" len="med"/>
+                          <a:tailEnd type="none" w="med" len="med"/>
+                        </a:lnR>
+                        <a:lnT w="12700" cap="flat" cmpd="sng" algn="ctr">
+                          <a:solidFill>
+                            <a:schemeClr val="tx1"/>
+                          </a:solidFill>
+                          <a:prstDash val="solid"/>
+                          <a:round/>
+                          <a:headEnd type="none" w="med" len="med"/>
+                          <a:tailEnd type="none" w="med" len="med"/>
+                        </a:lnT>
+                        <a:lnB w="12700" cap="flat" cmpd="sng" algn="ctr">
+                          <a:solidFill>
+                            <a:schemeClr val="tx1"/>
+                          </a:solidFill>
+                          <a:prstDash val="solid"/>
+                          <a:round/>
+                          <a:headEnd type="none" w="med" len="med"/>
+                          <a:tailEnd type="none" w="med" len="med"/>
+                        </a:lnB>
+                      </a:tcPr>
                     </a:tc>
                     <a:tc>
                       <a:txBody>
@@ -11791,7 +12097,44 @@
                           <a:endParaRPr lang="ru-RU" sz="2000" dirty="0"/>
                         </a:p>
                       </a:txBody>
-                      <a:tcPr/>
+                      <a:tcPr>
+                        <a:lnL w="12700" cap="flat" cmpd="sng" algn="ctr">
+                          <a:solidFill>
+                            <a:schemeClr val="tx1"/>
+                          </a:solidFill>
+                          <a:prstDash val="solid"/>
+                          <a:round/>
+                          <a:headEnd type="none" w="med" len="med"/>
+                          <a:tailEnd type="none" w="med" len="med"/>
+                        </a:lnL>
+                        <a:lnR w="12700" cap="flat" cmpd="sng" algn="ctr">
+                          <a:solidFill>
+                            <a:schemeClr val="tx1"/>
+                          </a:solidFill>
+                          <a:prstDash val="solid"/>
+                          <a:round/>
+                          <a:headEnd type="none" w="med" len="med"/>
+                          <a:tailEnd type="none" w="med" len="med"/>
+                        </a:lnR>
+                        <a:lnT w="12700" cap="flat" cmpd="sng" algn="ctr">
+                          <a:solidFill>
+                            <a:schemeClr val="tx1"/>
+                          </a:solidFill>
+                          <a:prstDash val="solid"/>
+                          <a:round/>
+                          <a:headEnd type="none" w="med" len="med"/>
+                          <a:tailEnd type="none" w="med" len="med"/>
+                        </a:lnT>
+                        <a:lnB w="12700" cap="flat" cmpd="sng" algn="ctr">
+                          <a:solidFill>
+                            <a:schemeClr val="tx1"/>
+                          </a:solidFill>
+                          <a:prstDash val="solid"/>
+                          <a:round/>
+                          <a:headEnd type="none" w="med" len="med"/>
+                          <a:tailEnd type="none" w="med" len="med"/>
+                        </a:lnB>
+                      </a:tcPr>
                     </a:tc>
                     <a:tc>
                       <a:txBody>
@@ -11806,7 +12149,44 @@
                           <a:endParaRPr lang="ru-RU" sz="2000" dirty="0"/>
                         </a:p>
                       </a:txBody>
-                      <a:tcPr/>
+                      <a:tcPr>
+                        <a:lnL w="12700" cap="flat" cmpd="sng" algn="ctr">
+                          <a:solidFill>
+                            <a:schemeClr val="tx1"/>
+                          </a:solidFill>
+                          <a:prstDash val="solid"/>
+                          <a:round/>
+                          <a:headEnd type="none" w="med" len="med"/>
+                          <a:tailEnd type="none" w="med" len="med"/>
+                        </a:lnL>
+                        <a:lnR w="12700" cap="flat" cmpd="sng" algn="ctr">
+                          <a:solidFill>
+                            <a:schemeClr val="tx1"/>
+                          </a:solidFill>
+                          <a:prstDash val="solid"/>
+                          <a:round/>
+                          <a:headEnd type="none" w="med" len="med"/>
+                          <a:tailEnd type="none" w="med" len="med"/>
+                        </a:lnR>
+                        <a:lnT w="12700" cap="flat" cmpd="sng" algn="ctr">
+                          <a:solidFill>
+                            <a:schemeClr val="tx1"/>
+                          </a:solidFill>
+                          <a:prstDash val="solid"/>
+                          <a:round/>
+                          <a:headEnd type="none" w="med" len="med"/>
+                          <a:tailEnd type="none" w="med" len="med"/>
+                        </a:lnT>
+                        <a:lnB w="12700" cap="flat" cmpd="sng" algn="ctr">
+                          <a:solidFill>
+                            <a:schemeClr val="tx1"/>
+                          </a:solidFill>
+                          <a:prstDash val="solid"/>
+                          <a:round/>
+                          <a:headEnd type="none" w="med" len="med"/>
+                          <a:tailEnd type="none" w="med" len="med"/>
+                        </a:lnB>
+                      </a:tcPr>
                     </a:tc>
                     <a:tc>
                       <a:txBody>
@@ -11821,10 +12201,47 @@
                           <a:endParaRPr lang="ru-RU" sz="2000" dirty="0"/>
                         </a:p>
                       </a:txBody>
-                      <a:tcPr/>
+                      <a:tcPr>
+                        <a:lnL w="12700" cap="flat" cmpd="sng" algn="ctr">
+                          <a:solidFill>
+                            <a:schemeClr val="tx1"/>
+                          </a:solidFill>
+                          <a:prstDash val="solid"/>
+                          <a:round/>
+                          <a:headEnd type="none" w="med" len="med"/>
+                          <a:tailEnd type="none" w="med" len="med"/>
+                        </a:lnL>
+                        <a:lnR w="12700" cap="flat" cmpd="sng" algn="ctr">
+                          <a:solidFill>
+                            <a:schemeClr val="tx1"/>
+                          </a:solidFill>
+                          <a:prstDash val="solid"/>
+                          <a:round/>
+                          <a:headEnd type="none" w="med" len="med"/>
+                          <a:tailEnd type="none" w="med" len="med"/>
+                        </a:lnR>
+                        <a:lnT w="12700" cap="flat" cmpd="sng" algn="ctr">
+                          <a:solidFill>
+                            <a:schemeClr val="tx1"/>
+                          </a:solidFill>
+                          <a:prstDash val="solid"/>
+                          <a:round/>
+                          <a:headEnd type="none" w="med" len="med"/>
+                          <a:tailEnd type="none" w="med" len="med"/>
+                        </a:lnT>
+                        <a:lnB w="12700" cap="flat" cmpd="sng" algn="ctr">
+                          <a:solidFill>
+                            <a:schemeClr val="tx1"/>
+                          </a:solidFill>
+                          <a:prstDash val="solid"/>
+                          <a:round/>
+                          <a:headEnd type="none" w="med" len="med"/>
+                          <a:tailEnd type="none" w="med" len="med"/>
+                        </a:lnB>
+                      </a:tcPr>
                     </a:tc>
                   </a:tr>
-                  <a:tr h="370840">
+                  <a:tr h="645097">
                     <a:tc>
                       <a:txBody>
                         <a:bodyPr/>
@@ -11838,7 +12255,44 @@
                           <a:endParaRPr lang="ru-RU" sz="2000" dirty="0"/>
                         </a:p>
                       </a:txBody>
-                      <a:tcPr/>
+                      <a:tcPr>
+                        <a:lnL w="12700" cap="flat" cmpd="sng" algn="ctr">
+                          <a:solidFill>
+                            <a:schemeClr val="tx1"/>
+                          </a:solidFill>
+                          <a:prstDash val="solid"/>
+                          <a:round/>
+                          <a:headEnd type="none" w="med" len="med"/>
+                          <a:tailEnd type="none" w="med" len="med"/>
+                        </a:lnL>
+                        <a:lnR w="12700" cap="flat" cmpd="sng" algn="ctr">
+                          <a:solidFill>
+                            <a:schemeClr val="tx1"/>
+                          </a:solidFill>
+                          <a:prstDash val="solid"/>
+                          <a:round/>
+                          <a:headEnd type="none" w="med" len="med"/>
+                          <a:tailEnd type="none" w="med" len="med"/>
+                        </a:lnR>
+                        <a:lnT w="12700" cap="flat" cmpd="sng" algn="ctr">
+                          <a:solidFill>
+                            <a:schemeClr val="tx1"/>
+                          </a:solidFill>
+                          <a:prstDash val="solid"/>
+                          <a:round/>
+                          <a:headEnd type="none" w="med" len="med"/>
+                          <a:tailEnd type="none" w="med" len="med"/>
+                        </a:lnT>
+                        <a:lnB w="12700" cap="flat" cmpd="sng" algn="ctr">
+                          <a:solidFill>
+                            <a:schemeClr val="tx1"/>
+                          </a:solidFill>
+                          <a:prstDash val="solid"/>
+                          <a:round/>
+                          <a:headEnd type="none" w="med" len="med"/>
+                          <a:tailEnd type="none" w="med" len="med"/>
+                        </a:lnB>
+                      </a:tcPr>
                     </a:tc>
                     <a:tc>
                       <a:txBody>
@@ -11907,7 +12361,44 @@
                           <a:endParaRPr lang="ru-RU" sz="2000" dirty="0"/>
                         </a:p>
                       </a:txBody>
-                      <a:tcPr/>
+                      <a:tcPr>
+                        <a:lnL w="12700" cap="flat" cmpd="sng" algn="ctr">
+                          <a:solidFill>
+                            <a:schemeClr val="tx1"/>
+                          </a:solidFill>
+                          <a:prstDash val="solid"/>
+                          <a:round/>
+                          <a:headEnd type="none" w="med" len="med"/>
+                          <a:tailEnd type="none" w="med" len="med"/>
+                        </a:lnL>
+                        <a:lnR w="12700" cap="flat" cmpd="sng" algn="ctr">
+                          <a:solidFill>
+                            <a:schemeClr val="tx1"/>
+                          </a:solidFill>
+                          <a:prstDash val="solid"/>
+                          <a:round/>
+                          <a:headEnd type="none" w="med" len="med"/>
+                          <a:tailEnd type="none" w="med" len="med"/>
+                        </a:lnR>
+                        <a:lnT w="12700" cap="flat" cmpd="sng" algn="ctr">
+                          <a:solidFill>
+                            <a:schemeClr val="tx1"/>
+                          </a:solidFill>
+                          <a:prstDash val="solid"/>
+                          <a:round/>
+                          <a:headEnd type="none" w="med" len="med"/>
+                          <a:tailEnd type="none" w="med" len="med"/>
+                        </a:lnT>
+                        <a:lnB w="12700" cap="flat" cmpd="sng" algn="ctr">
+                          <a:solidFill>
+                            <a:schemeClr val="tx1"/>
+                          </a:solidFill>
+                          <a:prstDash val="solid"/>
+                          <a:round/>
+                          <a:headEnd type="none" w="med" len="med"/>
+                          <a:tailEnd type="none" w="med" len="med"/>
+                        </a:lnB>
+                      </a:tcPr>
                     </a:tc>
                     <a:tc>
                       <a:txBody>
@@ -11922,7 +12413,44 @@
                           <a:endParaRPr lang="ru-RU" sz="2000" dirty="0"/>
                         </a:p>
                       </a:txBody>
-                      <a:tcPr/>
+                      <a:tcPr>
+                        <a:lnL w="12700" cap="flat" cmpd="sng" algn="ctr">
+                          <a:solidFill>
+                            <a:schemeClr val="tx1"/>
+                          </a:solidFill>
+                          <a:prstDash val="solid"/>
+                          <a:round/>
+                          <a:headEnd type="none" w="med" len="med"/>
+                          <a:tailEnd type="none" w="med" len="med"/>
+                        </a:lnL>
+                        <a:lnR w="12700" cap="flat" cmpd="sng" algn="ctr">
+                          <a:solidFill>
+                            <a:schemeClr val="tx1"/>
+                          </a:solidFill>
+                          <a:prstDash val="solid"/>
+                          <a:round/>
+                          <a:headEnd type="none" w="med" len="med"/>
+                          <a:tailEnd type="none" w="med" len="med"/>
+                        </a:lnR>
+                        <a:lnT w="12700" cap="flat" cmpd="sng" algn="ctr">
+                          <a:solidFill>
+                            <a:schemeClr val="tx1"/>
+                          </a:solidFill>
+                          <a:prstDash val="solid"/>
+                          <a:round/>
+                          <a:headEnd type="none" w="med" len="med"/>
+                          <a:tailEnd type="none" w="med" len="med"/>
+                        </a:lnT>
+                        <a:lnB w="12700" cap="flat" cmpd="sng" algn="ctr">
+                          <a:solidFill>
+                            <a:schemeClr val="tx1"/>
+                          </a:solidFill>
+                          <a:prstDash val="solid"/>
+                          <a:round/>
+                          <a:headEnd type="none" w="med" len="med"/>
+                          <a:tailEnd type="none" w="med" len="med"/>
+                        </a:lnB>
+                      </a:tcPr>
                     </a:tc>
                     <a:tc>
                       <a:txBody>
@@ -11937,7 +12465,44 @@
                           <a:endParaRPr lang="ru-RU" sz="2000" dirty="0"/>
                         </a:p>
                       </a:txBody>
-                      <a:tcPr/>
+                      <a:tcPr>
+                        <a:lnL w="12700" cap="flat" cmpd="sng" algn="ctr">
+                          <a:solidFill>
+                            <a:schemeClr val="tx1"/>
+                          </a:solidFill>
+                          <a:prstDash val="solid"/>
+                          <a:round/>
+                          <a:headEnd type="none" w="med" len="med"/>
+                          <a:tailEnd type="none" w="med" len="med"/>
+                        </a:lnL>
+                        <a:lnR w="12700" cap="flat" cmpd="sng" algn="ctr">
+                          <a:solidFill>
+                            <a:schemeClr val="tx1"/>
+                          </a:solidFill>
+                          <a:prstDash val="solid"/>
+                          <a:round/>
+                          <a:headEnd type="none" w="med" len="med"/>
+                          <a:tailEnd type="none" w="med" len="med"/>
+                        </a:lnR>
+                        <a:lnT w="12700" cap="flat" cmpd="sng" algn="ctr">
+                          <a:solidFill>
+                            <a:schemeClr val="tx1"/>
+                          </a:solidFill>
+                          <a:prstDash val="solid"/>
+                          <a:round/>
+                          <a:headEnd type="none" w="med" len="med"/>
+                          <a:tailEnd type="none" w="med" len="med"/>
+                        </a:lnT>
+                        <a:lnB w="12700" cap="flat" cmpd="sng" algn="ctr">
+                          <a:solidFill>
+                            <a:schemeClr val="tx1"/>
+                          </a:solidFill>
+                          <a:prstDash val="solid"/>
+                          <a:round/>
+                          <a:headEnd type="none" w="med" len="med"/>
+                          <a:tailEnd type="none" w="med" len="med"/>
+                        </a:lnB>
+                      </a:tcPr>
                     </a:tc>
                     <a:tc>
                       <a:txBody>
@@ -11952,10 +12517,47 @@
                           <a:endParaRPr lang="ru-RU" sz="2000" dirty="0"/>
                         </a:p>
                       </a:txBody>
-                      <a:tcPr/>
+                      <a:tcPr>
+                        <a:lnL w="12700" cap="flat" cmpd="sng" algn="ctr">
+                          <a:solidFill>
+                            <a:schemeClr val="tx1"/>
+                          </a:solidFill>
+                          <a:prstDash val="solid"/>
+                          <a:round/>
+                          <a:headEnd type="none" w="med" len="med"/>
+                          <a:tailEnd type="none" w="med" len="med"/>
+                        </a:lnL>
+                        <a:lnR w="12700" cap="flat" cmpd="sng" algn="ctr">
+                          <a:solidFill>
+                            <a:schemeClr val="tx1"/>
+                          </a:solidFill>
+                          <a:prstDash val="solid"/>
+                          <a:round/>
+                          <a:headEnd type="none" w="med" len="med"/>
+                          <a:tailEnd type="none" w="med" len="med"/>
+                        </a:lnR>
+                        <a:lnT w="12700" cap="flat" cmpd="sng" algn="ctr">
+                          <a:solidFill>
+                            <a:schemeClr val="tx1"/>
+                          </a:solidFill>
+                          <a:prstDash val="solid"/>
+                          <a:round/>
+                          <a:headEnd type="none" w="med" len="med"/>
+                          <a:tailEnd type="none" w="med" len="med"/>
+                        </a:lnT>
+                        <a:lnB w="12700" cap="flat" cmpd="sng" algn="ctr">
+                          <a:solidFill>
+                            <a:schemeClr val="tx1"/>
+                          </a:solidFill>
+                          <a:prstDash val="solid"/>
+                          <a:round/>
+                          <a:headEnd type="none" w="med" len="med"/>
+                          <a:tailEnd type="none" w="med" len="med"/>
+                        </a:lnB>
+                      </a:tcPr>
                     </a:tc>
                   </a:tr>
-                  <a:tr h="370840">
+                  <a:tr h="627876">
                     <a:tc>
                       <a:txBody>
                         <a:bodyPr/>
@@ -12029,7 +12631,44 @@
                           </a:endParaRPr>
                         </a:p>
                       </a:txBody>
-                      <a:tcPr/>
+                      <a:tcPr>
+                        <a:lnL w="12700" cap="flat" cmpd="sng" algn="ctr">
+                          <a:solidFill>
+                            <a:schemeClr val="tx1"/>
+                          </a:solidFill>
+                          <a:prstDash val="solid"/>
+                          <a:round/>
+                          <a:headEnd type="none" w="med" len="med"/>
+                          <a:tailEnd type="none" w="med" len="med"/>
+                        </a:lnL>
+                        <a:lnR w="12700" cap="flat" cmpd="sng" algn="ctr">
+                          <a:solidFill>
+                            <a:schemeClr val="tx1"/>
+                          </a:solidFill>
+                          <a:prstDash val="solid"/>
+                          <a:round/>
+                          <a:headEnd type="none" w="med" len="med"/>
+                          <a:tailEnd type="none" w="med" len="med"/>
+                        </a:lnR>
+                        <a:lnT w="12700" cap="flat" cmpd="sng" algn="ctr">
+                          <a:solidFill>
+                            <a:schemeClr val="tx1"/>
+                          </a:solidFill>
+                          <a:prstDash val="solid"/>
+                          <a:round/>
+                          <a:headEnd type="none" w="med" len="med"/>
+                          <a:tailEnd type="none" w="med" len="med"/>
+                        </a:lnT>
+                        <a:lnB w="12700" cap="flat" cmpd="sng" algn="ctr">
+                          <a:solidFill>
+                            <a:schemeClr val="tx1"/>
+                          </a:solidFill>
+                          <a:prstDash val="solid"/>
+                          <a:round/>
+                          <a:headEnd type="none" w="med" len="med"/>
+                          <a:tailEnd type="none" w="med" len="med"/>
+                        </a:lnB>
+                      </a:tcPr>
                     </a:tc>
                     <a:tc>
                       <a:txBody>
@@ -12104,7 +12743,44 @@
                           <a:endParaRPr lang="ru-RU" sz="2000" dirty="0"/>
                         </a:p>
                       </a:txBody>
-                      <a:tcPr/>
+                      <a:tcPr>
+                        <a:lnL w="12700" cap="flat" cmpd="sng" algn="ctr">
+                          <a:solidFill>
+                            <a:schemeClr val="tx1"/>
+                          </a:solidFill>
+                          <a:prstDash val="solid"/>
+                          <a:round/>
+                          <a:headEnd type="none" w="med" len="med"/>
+                          <a:tailEnd type="none" w="med" len="med"/>
+                        </a:lnL>
+                        <a:lnR w="12700" cap="flat" cmpd="sng" algn="ctr">
+                          <a:solidFill>
+                            <a:schemeClr val="tx1"/>
+                          </a:solidFill>
+                          <a:prstDash val="solid"/>
+                          <a:round/>
+                          <a:headEnd type="none" w="med" len="med"/>
+                          <a:tailEnd type="none" w="med" len="med"/>
+                        </a:lnR>
+                        <a:lnT w="12700" cap="flat" cmpd="sng" algn="ctr">
+                          <a:solidFill>
+                            <a:schemeClr val="tx1"/>
+                          </a:solidFill>
+                          <a:prstDash val="solid"/>
+                          <a:round/>
+                          <a:headEnd type="none" w="med" len="med"/>
+                          <a:tailEnd type="none" w="med" len="med"/>
+                        </a:lnT>
+                        <a:lnB w="12700" cap="flat" cmpd="sng" algn="ctr">
+                          <a:solidFill>
+                            <a:schemeClr val="tx1"/>
+                          </a:solidFill>
+                          <a:prstDash val="solid"/>
+                          <a:round/>
+                          <a:headEnd type="none" w="med" len="med"/>
+                          <a:tailEnd type="none" w="med" len="med"/>
+                        </a:lnB>
+                      </a:tcPr>
                     </a:tc>
                     <a:tc>
                       <a:txBody>
@@ -12119,7 +12795,44 @@
                           <a:endParaRPr lang="ru-RU" sz="2000" dirty="0"/>
                         </a:p>
                       </a:txBody>
-                      <a:tcPr/>
+                      <a:tcPr>
+                        <a:lnL w="12700" cap="flat" cmpd="sng" algn="ctr">
+                          <a:solidFill>
+                            <a:schemeClr val="tx1"/>
+                          </a:solidFill>
+                          <a:prstDash val="solid"/>
+                          <a:round/>
+                          <a:headEnd type="none" w="med" len="med"/>
+                          <a:tailEnd type="none" w="med" len="med"/>
+                        </a:lnL>
+                        <a:lnR w="12700" cap="flat" cmpd="sng" algn="ctr">
+                          <a:solidFill>
+                            <a:schemeClr val="tx1"/>
+                          </a:solidFill>
+                          <a:prstDash val="solid"/>
+                          <a:round/>
+                          <a:headEnd type="none" w="med" len="med"/>
+                          <a:tailEnd type="none" w="med" len="med"/>
+                        </a:lnR>
+                        <a:lnT w="12700" cap="flat" cmpd="sng" algn="ctr">
+                          <a:solidFill>
+                            <a:schemeClr val="tx1"/>
+                          </a:solidFill>
+                          <a:prstDash val="solid"/>
+                          <a:round/>
+                          <a:headEnd type="none" w="med" len="med"/>
+                          <a:tailEnd type="none" w="med" len="med"/>
+                        </a:lnT>
+                        <a:lnB w="12700" cap="flat" cmpd="sng" algn="ctr">
+                          <a:solidFill>
+                            <a:schemeClr val="tx1"/>
+                          </a:solidFill>
+                          <a:prstDash val="solid"/>
+                          <a:round/>
+                          <a:headEnd type="none" w="med" len="med"/>
+                          <a:tailEnd type="none" w="med" len="med"/>
+                        </a:lnB>
+                      </a:tcPr>
                     </a:tc>
                     <a:tc>
                       <a:txBody>
@@ -12134,7 +12847,44 @@
                           <a:endParaRPr lang="ru-RU" sz="2000" dirty="0"/>
                         </a:p>
                       </a:txBody>
-                      <a:tcPr/>
+                      <a:tcPr>
+                        <a:lnL w="12700" cap="flat" cmpd="sng" algn="ctr">
+                          <a:solidFill>
+                            <a:schemeClr val="tx1"/>
+                          </a:solidFill>
+                          <a:prstDash val="solid"/>
+                          <a:round/>
+                          <a:headEnd type="none" w="med" len="med"/>
+                          <a:tailEnd type="none" w="med" len="med"/>
+                        </a:lnL>
+                        <a:lnR w="12700" cap="flat" cmpd="sng" algn="ctr">
+                          <a:solidFill>
+                            <a:schemeClr val="tx1"/>
+                          </a:solidFill>
+                          <a:prstDash val="solid"/>
+                          <a:round/>
+                          <a:headEnd type="none" w="med" len="med"/>
+                          <a:tailEnd type="none" w="med" len="med"/>
+                        </a:lnR>
+                        <a:lnT w="12700" cap="flat" cmpd="sng" algn="ctr">
+                          <a:solidFill>
+                            <a:schemeClr val="tx1"/>
+                          </a:solidFill>
+                          <a:prstDash val="solid"/>
+                          <a:round/>
+                          <a:headEnd type="none" w="med" len="med"/>
+                          <a:tailEnd type="none" w="med" len="med"/>
+                        </a:lnT>
+                        <a:lnB w="12700" cap="flat" cmpd="sng" algn="ctr">
+                          <a:solidFill>
+                            <a:schemeClr val="tx1"/>
+                          </a:solidFill>
+                          <a:prstDash val="solid"/>
+                          <a:round/>
+                          <a:headEnd type="none" w="med" len="med"/>
+                          <a:tailEnd type="none" w="med" len="med"/>
+                        </a:lnB>
+                      </a:tcPr>
                     </a:tc>
                     <a:tc>
                       <a:txBody>
@@ -12149,10 +12899,47 @@
                           <a:endParaRPr lang="ru-RU" sz="2000" dirty="0"/>
                         </a:p>
                       </a:txBody>
-                      <a:tcPr/>
+                      <a:tcPr>
+                        <a:lnL w="12700" cap="flat" cmpd="sng" algn="ctr">
+                          <a:solidFill>
+                            <a:schemeClr val="tx1"/>
+                          </a:solidFill>
+                          <a:prstDash val="solid"/>
+                          <a:round/>
+                          <a:headEnd type="none" w="med" len="med"/>
+                          <a:tailEnd type="none" w="med" len="med"/>
+                        </a:lnL>
+                        <a:lnR w="12700" cap="flat" cmpd="sng" algn="ctr">
+                          <a:solidFill>
+                            <a:schemeClr val="tx1"/>
+                          </a:solidFill>
+                          <a:prstDash val="solid"/>
+                          <a:round/>
+                          <a:headEnd type="none" w="med" len="med"/>
+                          <a:tailEnd type="none" w="med" len="med"/>
+                        </a:lnR>
+                        <a:lnT w="12700" cap="flat" cmpd="sng" algn="ctr">
+                          <a:solidFill>
+                            <a:schemeClr val="tx1"/>
+                          </a:solidFill>
+                          <a:prstDash val="solid"/>
+                          <a:round/>
+                          <a:headEnd type="none" w="med" len="med"/>
+                          <a:tailEnd type="none" w="med" len="med"/>
+                        </a:lnT>
+                        <a:lnB w="12700" cap="flat" cmpd="sng" algn="ctr">
+                          <a:solidFill>
+                            <a:schemeClr val="tx1"/>
+                          </a:solidFill>
+                          <a:prstDash val="solid"/>
+                          <a:round/>
+                          <a:headEnd type="none" w="med" len="med"/>
+                          <a:tailEnd type="none" w="med" len="med"/>
+                        </a:lnB>
+                      </a:tcPr>
                     </a:tc>
                   </a:tr>
-                  <a:tr h="370840">
+                  <a:tr h="627876">
                     <a:tc>
                       <a:txBody>
                         <a:bodyPr/>
@@ -12174,7 +12961,58 @@
                           <a:endParaRPr lang="ru-RU" sz="2000" dirty="0"/>
                         </a:p>
                       </a:txBody>
-                      <a:tcPr/>
+                      <a:tcPr>
+                        <a:lnL w="12700" cap="flat" cmpd="sng" algn="ctr">
+                          <a:solidFill>
+                            <a:schemeClr val="tx1"/>
+                          </a:solidFill>
+                          <a:prstDash val="solid"/>
+                          <a:round/>
+                          <a:headEnd type="none" w="med" len="med"/>
+                          <a:tailEnd type="none" w="med" len="med"/>
+                        </a:lnL>
+                        <a:lnR w="12700" cap="flat" cmpd="sng" algn="ctr">
+                          <a:solidFill>
+                            <a:schemeClr val="tx1"/>
+                          </a:solidFill>
+                          <a:prstDash val="solid"/>
+                          <a:round/>
+                          <a:headEnd type="none" w="med" len="med"/>
+                          <a:tailEnd type="none" w="med" len="med"/>
+                        </a:lnR>
+                        <a:lnT w="12700" cap="flat" cmpd="sng" algn="ctr">
+                          <a:solidFill>
+                            <a:schemeClr val="tx1"/>
+                          </a:solidFill>
+                          <a:prstDash val="solid"/>
+                          <a:round/>
+                          <a:headEnd type="none" w="med" len="med"/>
+                          <a:tailEnd type="none" w="med" len="med"/>
+                        </a:lnT>
+                        <a:lnB w="12700" cap="flat" cmpd="sng" algn="ctr">
+                          <a:solidFill>
+                            <a:schemeClr val="tx1"/>
+                          </a:solidFill>
+                          <a:prstDash val="solid"/>
+                          <a:round/>
+                          <a:headEnd type="none" w="med" len="med"/>
+                          <a:tailEnd type="none" w="med" len="med"/>
+                        </a:lnB>
+                        <a:lnTlToBr w="12700" cmpd="sng">
+                          <a:noFill/>
+                          <a:prstDash val="solid"/>
+                        </a:lnTlToBr>
+                        <a:lnBlToTr w="12700" cmpd="sng">
+                          <a:noFill/>
+                          <a:prstDash val="solid"/>
+                        </a:lnBlToTr>
+                        <a:solidFill>
+                          <a:schemeClr val="accent1">
+                            <a:lumMod val="40000"/>
+                            <a:lumOff val="60000"/>
+                          </a:schemeClr>
+                        </a:solidFill>
+                      </a:tcPr>
                     </a:tc>
                     <a:tc>
                       <a:txBody>
@@ -12249,7 +13087,58 @@
                           <a:endParaRPr lang="ru-RU" sz="2000" dirty="0"/>
                         </a:p>
                       </a:txBody>
-                      <a:tcPr/>
+                      <a:tcPr>
+                        <a:lnL w="12700" cap="flat" cmpd="sng" algn="ctr">
+                          <a:solidFill>
+                            <a:schemeClr val="tx1"/>
+                          </a:solidFill>
+                          <a:prstDash val="solid"/>
+                          <a:round/>
+                          <a:headEnd type="none" w="med" len="med"/>
+                          <a:tailEnd type="none" w="med" len="med"/>
+                        </a:lnL>
+                        <a:lnR w="12700" cap="flat" cmpd="sng" algn="ctr">
+                          <a:solidFill>
+                            <a:schemeClr val="tx1"/>
+                          </a:solidFill>
+                          <a:prstDash val="solid"/>
+                          <a:round/>
+                          <a:headEnd type="none" w="med" len="med"/>
+                          <a:tailEnd type="none" w="med" len="med"/>
+                        </a:lnR>
+                        <a:lnT w="12700" cap="flat" cmpd="sng" algn="ctr">
+                          <a:solidFill>
+                            <a:schemeClr val="tx1"/>
+                          </a:solidFill>
+                          <a:prstDash val="solid"/>
+                          <a:round/>
+                          <a:headEnd type="none" w="med" len="med"/>
+                          <a:tailEnd type="none" w="med" len="med"/>
+                        </a:lnT>
+                        <a:lnB w="12700" cap="flat" cmpd="sng" algn="ctr">
+                          <a:solidFill>
+                            <a:schemeClr val="tx1"/>
+                          </a:solidFill>
+                          <a:prstDash val="solid"/>
+                          <a:round/>
+                          <a:headEnd type="none" w="med" len="med"/>
+                          <a:tailEnd type="none" w="med" len="med"/>
+                        </a:lnB>
+                        <a:lnTlToBr w="12700" cmpd="sng">
+                          <a:noFill/>
+                          <a:prstDash val="solid"/>
+                        </a:lnTlToBr>
+                        <a:lnBlToTr w="12700" cmpd="sng">
+                          <a:noFill/>
+                          <a:prstDash val="solid"/>
+                        </a:lnBlToTr>
+                        <a:solidFill>
+                          <a:schemeClr val="accent1">
+                            <a:lumMod val="40000"/>
+                            <a:lumOff val="60000"/>
+                          </a:schemeClr>
+                        </a:solidFill>
+                      </a:tcPr>
                     </a:tc>
                     <a:tc>
                       <a:txBody>
@@ -12264,7 +13153,58 @@
                           <a:endParaRPr lang="ru-RU" sz="2000" dirty="0"/>
                         </a:p>
                       </a:txBody>
-                      <a:tcPr/>
+                      <a:tcPr>
+                        <a:lnL w="12700" cap="flat" cmpd="sng" algn="ctr">
+                          <a:solidFill>
+                            <a:schemeClr val="tx1"/>
+                          </a:solidFill>
+                          <a:prstDash val="solid"/>
+                          <a:round/>
+                          <a:headEnd type="none" w="med" len="med"/>
+                          <a:tailEnd type="none" w="med" len="med"/>
+                        </a:lnL>
+                        <a:lnR w="12700" cap="flat" cmpd="sng" algn="ctr">
+                          <a:solidFill>
+                            <a:schemeClr val="tx1"/>
+                          </a:solidFill>
+                          <a:prstDash val="solid"/>
+                          <a:round/>
+                          <a:headEnd type="none" w="med" len="med"/>
+                          <a:tailEnd type="none" w="med" len="med"/>
+                        </a:lnR>
+                        <a:lnT w="12700" cap="flat" cmpd="sng" algn="ctr">
+                          <a:solidFill>
+                            <a:schemeClr val="tx1"/>
+                          </a:solidFill>
+                          <a:prstDash val="solid"/>
+                          <a:round/>
+                          <a:headEnd type="none" w="med" len="med"/>
+                          <a:tailEnd type="none" w="med" len="med"/>
+                        </a:lnT>
+                        <a:lnB w="12700" cap="flat" cmpd="sng" algn="ctr">
+                          <a:solidFill>
+                            <a:schemeClr val="tx1"/>
+                          </a:solidFill>
+                          <a:prstDash val="solid"/>
+                          <a:round/>
+                          <a:headEnd type="none" w="med" len="med"/>
+                          <a:tailEnd type="none" w="med" len="med"/>
+                        </a:lnB>
+                        <a:lnTlToBr w="12700" cmpd="sng">
+                          <a:noFill/>
+                          <a:prstDash val="solid"/>
+                        </a:lnTlToBr>
+                        <a:lnBlToTr w="12700" cmpd="sng">
+                          <a:noFill/>
+                          <a:prstDash val="solid"/>
+                        </a:lnBlToTr>
+                        <a:solidFill>
+                          <a:schemeClr val="accent1">
+                            <a:lumMod val="40000"/>
+                            <a:lumOff val="60000"/>
+                          </a:schemeClr>
+                        </a:solidFill>
+                      </a:tcPr>
                     </a:tc>
                     <a:tc>
                       <a:txBody>
@@ -12279,7 +13219,58 @@
                           <a:endParaRPr lang="ru-RU" sz="2000" dirty="0"/>
                         </a:p>
                       </a:txBody>
-                      <a:tcPr/>
+                      <a:tcPr>
+                        <a:lnL w="12700" cap="flat" cmpd="sng" algn="ctr">
+                          <a:solidFill>
+                            <a:schemeClr val="tx1"/>
+                          </a:solidFill>
+                          <a:prstDash val="solid"/>
+                          <a:round/>
+                          <a:headEnd type="none" w="med" len="med"/>
+                          <a:tailEnd type="none" w="med" len="med"/>
+                        </a:lnL>
+                        <a:lnR w="12700" cap="flat" cmpd="sng" algn="ctr">
+                          <a:solidFill>
+                            <a:schemeClr val="tx1"/>
+                          </a:solidFill>
+                          <a:prstDash val="solid"/>
+                          <a:round/>
+                          <a:headEnd type="none" w="med" len="med"/>
+                          <a:tailEnd type="none" w="med" len="med"/>
+                        </a:lnR>
+                        <a:lnT w="12700" cap="flat" cmpd="sng" algn="ctr">
+                          <a:solidFill>
+                            <a:schemeClr val="tx1"/>
+                          </a:solidFill>
+                          <a:prstDash val="solid"/>
+                          <a:round/>
+                          <a:headEnd type="none" w="med" len="med"/>
+                          <a:tailEnd type="none" w="med" len="med"/>
+                        </a:lnT>
+                        <a:lnB w="12700" cap="flat" cmpd="sng" algn="ctr">
+                          <a:solidFill>
+                            <a:schemeClr val="tx1"/>
+                          </a:solidFill>
+                          <a:prstDash val="solid"/>
+                          <a:round/>
+                          <a:headEnd type="none" w="med" len="med"/>
+                          <a:tailEnd type="none" w="med" len="med"/>
+                        </a:lnB>
+                        <a:lnTlToBr w="12700" cmpd="sng">
+                          <a:noFill/>
+                          <a:prstDash val="solid"/>
+                        </a:lnTlToBr>
+                        <a:lnBlToTr w="12700" cmpd="sng">
+                          <a:noFill/>
+                          <a:prstDash val="solid"/>
+                        </a:lnBlToTr>
+                        <a:solidFill>
+                          <a:schemeClr val="accent1">
+                            <a:lumMod val="40000"/>
+                            <a:lumOff val="60000"/>
+                          </a:schemeClr>
+                        </a:solidFill>
+                      </a:tcPr>
                     </a:tc>
                     <a:tc>
                       <a:txBody>
@@ -12294,10 +13285,61 @@
                           <a:endParaRPr lang="ru-RU" sz="2000" dirty="0"/>
                         </a:p>
                       </a:txBody>
-                      <a:tcPr/>
+                      <a:tcPr>
+                        <a:lnL w="12700" cap="flat" cmpd="sng" algn="ctr">
+                          <a:solidFill>
+                            <a:schemeClr val="tx1"/>
+                          </a:solidFill>
+                          <a:prstDash val="solid"/>
+                          <a:round/>
+                          <a:headEnd type="none" w="med" len="med"/>
+                          <a:tailEnd type="none" w="med" len="med"/>
+                        </a:lnL>
+                        <a:lnR w="12700" cap="flat" cmpd="sng" algn="ctr">
+                          <a:solidFill>
+                            <a:schemeClr val="tx1"/>
+                          </a:solidFill>
+                          <a:prstDash val="solid"/>
+                          <a:round/>
+                          <a:headEnd type="none" w="med" len="med"/>
+                          <a:tailEnd type="none" w="med" len="med"/>
+                        </a:lnR>
+                        <a:lnT w="12700" cap="flat" cmpd="sng" algn="ctr">
+                          <a:solidFill>
+                            <a:schemeClr val="tx1"/>
+                          </a:solidFill>
+                          <a:prstDash val="solid"/>
+                          <a:round/>
+                          <a:headEnd type="none" w="med" len="med"/>
+                          <a:tailEnd type="none" w="med" len="med"/>
+                        </a:lnT>
+                        <a:lnB w="12700" cap="flat" cmpd="sng" algn="ctr">
+                          <a:solidFill>
+                            <a:schemeClr val="tx1"/>
+                          </a:solidFill>
+                          <a:prstDash val="solid"/>
+                          <a:round/>
+                          <a:headEnd type="none" w="med" len="med"/>
+                          <a:tailEnd type="none" w="med" len="med"/>
+                        </a:lnB>
+                        <a:lnTlToBr w="12700" cmpd="sng">
+                          <a:noFill/>
+                          <a:prstDash val="solid"/>
+                        </a:lnTlToBr>
+                        <a:lnBlToTr w="12700" cmpd="sng">
+                          <a:noFill/>
+                          <a:prstDash val="solid"/>
+                        </a:lnBlToTr>
+                        <a:solidFill>
+                          <a:schemeClr val="accent1">
+                            <a:lumMod val="40000"/>
+                            <a:lumOff val="60000"/>
+                          </a:schemeClr>
+                        </a:solidFill>
+                      </a:tcPr>
                     </a:tc>
                   </a:tr>
-                  <a:tr h="370840">
+                  <a:tr h="354886">
                     <a:tc>
                       <a:txBody>
                         <a:bodyPr/>
@@ -12311,7 +13353,58 @@
                           <a:endParaRPr lang="ru-RU" sz="2000" dirty="0"/>
                         </a:p>
                       </a:txBody>
-                      <a:tcPr/>
+                      <a:tcPr>
+                        <a:lnL w="12700" cap="flat" cmpd="sng" algn="ctr">
+                          <a:solidFill>
+                            <a:schemeClr val="tx1"/>
+                          </a:solidFill>
+                          <a:prstDash val="solid"/>
+                          <a:round/>
+                          <a:headEnd type="none" w="med" len="med"/>
+                          <a:tailEnd type="none" w="med" len="med"/>
+                        </a:lnL>
+                        <a:lnR w="12700" cap="flat" cmpd="sng" algn="ctr">
+                          <a:solidFill>
+                            <a:schemeClr val="tx1"/>
+                          </a:solidFill>
+                          <a:prstDash val="solid"/>
+                          <a:round/>
+                          <a:headEnd type="none" w="med" len="med"/>
+                          <a:tailEnd type="none" w="med" len="med"/>
+                        </a:lnR>
+                        <a:lnT w="12700" cap="flat" cmpd="sng" algn="ctr">
+                          <a:solidFill>
+                            <a:schemeClr val="tx1"/>
+                          </a:solidFill>
+                          <a:prstDash val="solid"/>
+                          <a:round/>
+                          <a:headEnd type="none" w="med" len="med"/>
+                          <a:tailEnd type="none" w="med" len="med"/>
+                        </a:lnT>
+                        <a:lnB w="12700" cap="flat" cmpd="sng" algn="ctr">
+                          <a:solidFill>
+                            <a:schemeClr val="tx1"/>
+                          </a:solidFill>
+                          <a:prstDash val="solid"/>
+                          <a:round/>
+                          <a:headEnd type="none" w="med" len="med"/>
+                          <a:tailEnd type="none" w="med" len="med"/>
+                        </a:lnB>
+                        <a:lnTlToBr w="12700" cmpd="sng">
+                          <a:noFill/>
+                          <a:prstDash val="solid"/>
+                        </a:lnTlToBr>
+                        <a:lnBlToTr w="12700" cmpd="sng">
+                          <a:noFill/>
+                          <a:prstDash val="solid"/>
+                        </a:lnBlToTr>
+                        <a:solidFill>
+                          <a:schemeClr val="accent1">
+                            <a:lumMod val="40000"/>
+                            <a:lumOff val="60000"/>
+                          </a:schemeClr>
+                        </a:solidFill>
+                      </a:tcPr>
                     </a:tc>
                     <a:tc>
                       <a:txBody>
@@ -12402,7 +13495,58 @@
                           <a:endParaRPr lang="ru-RU" sz="2000" dirty="0"/>
                         </a:p>
                       </a:txBody>
-                      <a:tcPr/>
+                      <a:tcPr>
+                        <a:lnL w="12700" cap="flat" cmpd="sng" algn="ctr">
+                          <a:solidFill>
+                            <a:schemeClr val="tx1"/>
+                          </a:solidFill>
+                          <a:prstDash val="solid"/>
+                          <a:round/>
+                          <a:headEnd type="none" w="med" len="med"/>
+                          <a:tailEnd type="none" w="med" len="med"/>
+                        </a:lnL>
+                        <a:lnR w="12700" cap="flat" cmpd="sng" algn="ctr">
+                          <a:solidFill>
+                            <a:schemeClr val="tx1"/>
+                          </a:solidFill>
+                          <a:prstDash val="solid"/>
+                          <a:round/>
+                          <a:headEnd type="none" w="med" len="med"/>
+                          <a:tailEnd type="none" w="med" len="med"/>
+                        </a:lnR>
+                        <a:lnT w="12700" cap="flat" cmpd="sng" algn="ctr">
+                          <a:solidFill>
+                            <a:schemeClr val="tx1"/>
+                          </a:solidFill>
+                          <a:prstDash val="solid"/>
+                          <a:round/>
+                          <a:headEnd type="none" w="med" len="med"/>
+                          <a:tailEnd type="none" w="med" len="med"/>
+                        </a:lnT>
+                        <a:lnB w="12700" cap="flat" cmpd="sng" algn="ctr">
+                          <a:solidFill>
+                            <a:schemeClr val="tx1"/>
+                          </a:solidFill>
+                          <a:prstDash val="solid"/>
+                          <a:round/>
+                          <a:headEnd type="none" w="med" len="med"/>
+                          <a:tailEnd type="none" w="med" len="med"/>
+                        </a:lnB>
+                        <a:lnTlToBr w="12700" cmpd="sng">
+                          <a:noFill/>
+                          <a:prstDash val="solid"/>
+                        </a:lnTlToBr>
+                        <a:lnBlToTr w="12700" cmpd="sng">
+                          <a:noFill/>
+                          <a:prstDash val="solid"/>
+                        </a:lnBlToTr>
+                        <a:solidFill>
+                          <a:schemeClr val="accent1">
+                            <a:lumMod val="40000"/>
+                            <a:lumOff val="60000"/>
+                          </a:schemeClr>
+                        </a:solidFill>
+                      </a:tcPr>
                     </a:tc>
                     <a:tc>
                       <a:txBody>
@@ -12417,7 +13561,58 @@
                           <a:endParaRPr lang="ru-RU" sz="2000" dirty="0"/>
                         </a:p>
                       </a:txBody>
-                      <a:tcPr/>
+                      <a:tcPr>
+                        <a:lnL w="12700" cap="flat" cmpd="sng" algn="ctr">
+                          <a:solidFill>
+                            <a:schemeClr val="tx1"/>
+                          </a:solidFill>
+                          <a:prstDash val="solid"/>
+                          <a:round/>
+                          <a:headEnd type="none" w="med" len="med"/>
+                          <a:tailEnd type="none" w="med" len="med"/>
+                        </a:lnL>
+                        <a:lnR w="12700" cap="flat" cmpd="sng" algn="ctr">
+                          <a:solidFill>
+                            <a:schemeClr val="tx1"/>
+                          </a:solidFill>
+                          <a:prstDash val="solid"/>
+                          <a:round/>
+                          <a:headEnd type="none" w="med" len="med"/>
+                          <a:tailEnd type="none" w="med" len="med"/>
+                        </a:lnR>
+                        <a:lnT w="12700" cap="flat" cmpd="sng" algn="ctr">
+                          <a:solidFill>
+                            <a:schemeClr val="tx1"/>
+                          </a:solidFill>
+                          <a:prstDash val="solid"/>
+                          <a:round/>
+                          <a:headEnd type="none" w="med" len="med"/>
+                          <a:tailEnd type="none" w="med" len="med"/>
+                        </a:lnT>
+                        <a:lnB w="12700" cap="flat" cmpd="sng" algn="ctr">
+                          <a:solidFill>
+                            <a:schemeClr val="tx1"/>
+                          </a:solidFill>
+                          <a:prstDash val="solid"/>
+                          <a:round/>
+                          <a:headEnd type="none" w="med" len="med"/>
+                          <a:tailEnd type="none" w="med" len="med"/>
+                        </a:lnB>
+                        <a:lnTlToBr w="12700" cmpd="sng">
+                          <a:noFill/>
+                          <a:prstDash val="solid"/>
+                        </a:lnTlToBr>
+                        <a:lnBlToTr w="12700" cmpd="sng">
+                          <a:noFill/>
+                          <a:prstDash val="solid"/>
+                        </a:lnBlToTr>
+                        <a:solidFill>
+                          <a:schemeClr val="accent1">
+                            <a:lumMod val="40000"/>
+                            <a:lumOff val="60000"/>
+                          </a:schemeClr>
+                        </a:solidFill>
+                      </a:tcPr>
                     </a:tc>
                     <a:tc>
                       <a:txBody>
@@ -12432,7 +13627,58 @@
                           <a:endParaRPr lang="ru-RU" sz="2000" dirty="0"/>
                         </a:p>
                       </a:txBody>
-                      <a:tcPr/>
+                      <a:tcPr>
+                        <a:lnL w="12700" cap="flat" cmpd="sng" algn="ctr">
+                          <a:solidFill>
+                            <a:schemeClr val="tx1"/>
+                          </a:solidFill>
+                          <a:prstDash val="solid"/>
+                          <a:round/>
+                          <a:headEnd type="none" w="med" len="med"/>
+                          <a:tailEnd type="none" w="med" len="med"/>
+                        </a:lnL>
+                        <a:lnR w="12700" cap="flat" cmpd="sng" algn="ctr">
+                          <a:solidFill>
+                            <a:schemeClr val="tx1"/>
+                          </a:solidFill>
+                          <a:prstDash val="solid"/>
+                          <a:round/>
+                          <a:headEnd type="none" w="med" len="med"/>
+                          <a:tailEnd type="none" w="med" len="med"/>
+                        </a:lnR>
+                        <a:lnT w="12700" cap="flat" cmpd="sng" algn="ctr">
+                          <a:solidFill>
+                            <a:schemeClr val="tx1"/>
+                          </a:solidFill>
+                          <a:prstDash val="solid"/>
+                          <a:round/>
+                          <a:headEnd type="none" w="med" len="med"/>
+                          <a:tailEnd type="none" w="med" len="med"/>
+                        </a:lnT>
+                        <a:lnB w="12700" cap="flat" cmpd="sng" algn="ctr">
+                          <a:solidFill>
+                            <a:schemeClr val="tx1"/>
+                          </a:solidFill>
+                          <a:prstDash val="solid"/>
+                          <a:round/>
+                          <a:headEnd type="none" w="med" len="med"/>
+                          <a:tailEnd type="none" w="med" len="med"/>
+                        </a:lnB>
+                        <a:lnTlToBr w="12700" cmpd="sng">
+                          <a:noFill/>
+                          <a:prstDash val="solid"/>
+                        </a:lnTlToBr>
+                        <a:lnBlToTr w="12700" cmpd="sng">
+                          <a:noFill/>
+                          <a:prstDash val="solid"/>
+                        </a:lnBlToTr>
+                        <a:solidFill>
+                          <a:schemeClr val="accent1">
+                            <a:lumMod val="40000"/>
+                            <a:lumOff val="60000"/>
+                          </a:schemeClr>
+                        </a:solidFill>
+                      </a:tcPr>
                     </a:tc>
                     <a:tc>
                       <a:txBody>
@@ -12447,7 +13693,58 @@
                           <a:endParaRPr lang="ru-RU" sz="2000" dirty="0"/>
                         </a:p>
                       </a:txBody>
-                      <a:tcPr/>
+                      <a:tcPr>
+                        <a:lnL w="12700" cap="flat" cmpd="sng" algn="ctr">
+                          <a:solidFill>
+                            <a:schemeClr val="tx1"/>
+                          </a:solidFill>
+                          <a:prstDash val="solid"/>
+                          <a:round/>
+                          <a:headEnd type="none" w="med" len="med"/>
+                          <a:tailEnd type="none" w="med" len="med"/>
+                        </a:lnL>
+                        <a:lnR w="12700" cap="flat" cmpd="sng" algn="ctr">
+                          <a:solidFill>
+                            <a:schemeClr val="tx1"/>
+                          </a:solidFill>
+                          <a:prstDash val="solid"/>
+                          <a:round/>
+                          <a:headEnd type="none" w="med" len="med"/>
+                          <a:tailEnd type="none" w="med" len="med"/>
+                        </a:lnR>
+                        <a:lnT w="12700" cap="flat" cmpd="sng" algn="ctr">
+                          <a:solidFill>
+                            <a:schemeClr val="tx1"/>
+                          </a:solidFill>
+                          <a:prstDash val="solid"/>
+                          <a:round/>
+                          <a:headEnd type="none" w="med" len="med"/>
+                          <a:tailEnd type="none" w="med" len="med"/>
+                        </a:lnT>
+                        <a:lnB w="12700" cap="flat" cmpd="sng" algn="ctr">
+                          <a:solidFill>
+                            <a:schemeClr val="tx1"/>
+                          </a:solidFill>
+                          <a:prstDash val="solid"/>
+                          <a:round/>
+                          <a:headEnd type="none" w="med" len="med"/>
+                          <a:tailEnd type="none" w="med" len="med"/>
+                        </a:lnB>
+                        <a:lnTlToBr w="12700" cmpd="sng">
+                          <a:noFill/>
+                          <a:prstDash val="solid"/>
+                        </a:lnTlToBr>
+                        <a:lnBlToTr w="12700" cmpd="sng">
+                          <a:noFill/>
+                          <a:prstDash val="solid"/>
+                        </a:lnBlToTr>
+                        <a:solidFill>
+                          <a:schemeClr val="accent1">
+                            <a:lumMod val="40000"/>
+                            <a:lumOff val="60000"/>
+                          </a:schemeClr>
+                        </a:solidFill>
+                      </a:tcPr>
                     </a:tc>
                   </a:tr>
                 </a:tbl>
@@ -12455,7 +13752,7 @@
             </a:graphic>
           </p:graphicFrame>
         </mc:Choice>
-        <mc:Fallback xmlns="">
+        <mc:Fallback>
           <p:graphicFrame>
             <p:nvGraphicFramePr>
               <p:cNvPr id="2" name="Объект 1"/>
@@ -12466,14 +13763,14 @@
                 <p:ph idx="1"/>
                 <p:extLst>
                   <p:ext uri="{D42A27DB-BD31-4B8C-83A1-F6EECF244321}">
-                    <p14:modId xmlns:p14="http://schemas.microsoft.com/office/powerpoint/2010/main" val="1637864176"/>
+                    <p14:modId xmlns:p14="http://schemas.microsoft.com/office/powerpoint/2010/main" val="2640207438"/>
                   </p:ext>
                 </p:extLst>
               </p:nvPr>
             </p:nvGraphicFramePr>
             <p:xfrm>
-              <a:off x="838200" y="1325563"/>
-              <a:ext cx="10515600" cy="3901440"/>
+              <a:off x="838200" y="1086281"/>
+              <a:ext cx="10515600" cy="3523476"/>
             </p:xfrm>
             <a:graphic>
               <a:graphicData uri="http://schemas.openxmlformats.org/drawingml/2006/table">
@@ -12482,8 +13779,8 @@
                     <a:tableStyleId>{0505E3EF-67EA-436B-97B2-0124C06EBD24}</a:tableStyleId>
                   </a:tblPr>
                   <a:tblGrid>
-                    <a:gridCol w="2195557"/>
-                    <a:gridCol w="2010683"/>
+                    <a:gridCol w="2366473"/>
+                    <a:gridCol w="1839767"/>
                     <a:gridCol w="2103120"/>
                     <a:gridCol w="2103120"/>
                     <a:gridCol w="2103120"/>
@@ -12502,7 +13799,44 @@
                           <a:endParaRPr lang="ru-RU" sz="2000" dirty="0"/>
                         </a:p>
                       </a:txBody>
-                      <a:tcPr/>
+                      <a:tcPr>
+                        <a:lnL w="12700" cap="flat" cmpd="sng" algn="ctr">
+                          <a:solidFill>
+                            <a:schemeClr val="tx1"/>
+                          </a:solidFill>
+                          <a:prstDash val="solid"/>
+                          <a:round/>
+                          <a:headEnd type="none" w="med" len="med"/>
+                          <a:tailEnd type="none" w="med" len="med"/>
+                        </a:lnL>
+                        <a:lnR w="12700" cap="flat" cmpd="sng" algn="ctr">
+                          <a:solidFill>
+                            <a:schemeClr val="tx1"/>
+                          </a:solidFill>
+                          <a:prstDash val="solid"/>
+                          <a:round/>
+                          <a:headEnd type="none" w="med" len="med"/>
+                          <a:tailEnd type="none" w="med" len="med"/>
+                        </a:lnR>
+                        <a:lnT w="12700" cap="flat" cmpd="sng" algn="ctr">
+                          <a:solidFill>
+                            <a:schemeClr val="tx1"/>
+                          </a:solidFill>
+                          <a:prstDash val="solid"/>
+                          <a:round/>
+                          <a:headEnd type="none" w="med" len="med"/>
+                          <a:tailEnd type="none" w="med" len="med"/>
+                        </a:lnT>
+                        <a:lnB w="12700" cap="flat" cmpd="sng" algn="ctr">
+                          <a:solidFill>
+                            <a:schemeClr val="tx1"/>
+                          </a:solidFill>
+                          <a:prstDash val="solid"/>
+                          <a:round/>
+                          <a:headEnd type="none" w="med" len="med"/>
+                          <a:tailEnd type="none" w="med" len="med"/>
+                        </a:lnB>
+                      </a:tcPr>
                     </a:tc>
                     <a:tc>
                       <a:txBody>
@@ -12517,7 +13851,44 @@
                           <a:endParaRPr lang="ru-RU" sz="2000" dirty="0"/>
                         </a:p>
                       </a:txBody>
-                      <a:tcPr/>
+                      <a:tcPr>
+                        <a:lnL w="12700" cap="flat" cmpd="sng" algn="ctr">
+                          <a:solidFill>
+                            <a:schemeClr val="tx1"/>
+                          </a:solidFill>
+                          <a:prstDash val="solid"/>
+                          <a:round/>
+                          <a:headEnd type="none" w="med" len="med"/>
+                          <a:tailEnd type="none" w="med" len="med"/>
+                        </a:lnL>
+                        <a:lnR w="12700" cap="flat" cmpd="sng" algn="ctr">
+                          <a:solidFill>
+                            <a:schemeClr val="tx1"/>
+                          </a:solidFill>
+                          <a:prstDash val="solid"/>
+                          <a:round/>
+                          <a:headEnd type="none" w="med" len="med"/>
+                          <a:tailEnd type="none" w="med" len="med"/>
+                        </a:lnR>
+                        <a:lnT w="12700" cap="flat" cmpd="sng" algn="ctr">
+                          <a:solidFill>
+                            <a:schemeClr val="tx1"/>
+                          </a:solidFill>
+                          <a:prstDash val="solid"/>
+                          <a:round/>
+                          <a:headEnd type="none" w="med" len="med"/>
+                          <a:tailEnd type="none" w="med" len="med"/>
+                        </a:lnT>
+                        <a:lnB w="12700" cap="flat" cmpd="sng" algn="ctr">
+                          <a:solidFill>
+                            <a:schemeClr val="tx1"/>
+                          </a:solidFill>
+                          <a:prstDash val="solid"/>
+                          <a:round/>
+                          <a:headEnd type="none" w="med" len="med"/>
+                          <a:tailEnd type="none" w="med" len="med"/>
+                        </a:lnB>
+                      </a:tcPr>
                     </a:tc>
                     <a:tc>
                       <a:txBody>
@@ -12532,7 +13903,44 @@
                           <a:endParaRPr lang="ru-RU" sz="2000" dirty="0"/>
                         </a:p>
                       </a:txBody>
-                      <a:tcPr/>
+                      <a:tcPr>
+                        <a:lnL w="12700" cap="flat" cmpd="sng" algn="ctr">
+                          <a:solidFill>
+                            <a:schemeClr val="tx1"/>
+                          </a:solidFill>
+                          <a:prstDash val="solid"/>
+                          <a:round/>
+                          <a:headEnd type="none" w="med" len="med"/>
+                          <a:tailEnd type="none" w="med" len="med"/>
+                        </a:lnL>
+                        <a:lnR w="12700" cap="flat" cmpd="sng" algn="ctr">
+                          <a:solidFill>
+                            <a:schemeClr val="tx1"/>
+                          </a:solidFill>
+                          <a:prstDash val="solid"/>
+                          <a:round/>
+                          <a:headEnd type="none" w="med" len="med"/>
+                          <a:tailEnd type="none" w="med" len="med"/>
+                        </a:lnR>
+                        <a:lnT w="12700" cap="flat" cmpd="sng" algn="ctr">
+                          <a:solidFill>
+                            <a:schemeClr val="tx1"/>
+                          </a:solidFill>
+                          <a:prstDash val="solid"/>
+                          <a:round/>
+                          <a:headEnd type="none" w="med" len="med"/>
+                          <a:tailEnd type="none" w="med" len="med"/>
+                        </a:lnT>
+                        <a:lnB w="12700" cap="flat" cmpd="sng" algn="ctr">
+                          <a:solidFill>
+                            <a:schemeClr val="tx1"/>
+                          </a:solidFill>
+                          <a:prstDash val="solid"/>
+                          <a:round/>
+                          <a:headEnd type="none" w="med" len="med"/>
+                          <a:tailEnd type="none" w="med" len="med"/>
+                        </a:lnB>
+                      </a:tcPr>
                     </a:tc>
                     <a:tc>
                       <a:txBody>
@@ -12547,7 +13955,44 @@
                           <a:endParaRPr lang="ru-RU" sz="2000" dirty="0"/>
                         </a:p>
                       </a:txBody>
-                      <a:tcPr/>
+                      <a:tcPr>
+                        <a:lnL w="12700" cap="flat" cmpd="sng" algn="ctr">
+                          <a:solidFill>
+                            <a:schemeClr val="tx1"/>
+                          </a:solidFill>
+                          <a:prstDash val="solid"/>
+                          <a:round/>
+                          <a:headEnd type="none" w="med" len="med"/>
+                          <a:tailEnd type="none" w="med" len="med"/>
+                        </a:lnL>
+                        <a:lnR w="12700" cap="flat" cmpd="sng" algn="ctr">
+                          <a:solidFill>
+                            <a:schemeClr val="tx1"/>
+                          </a:solidFill>
+                          <a:prstDash val="solid"/>
+                          <a:round/>
+                          <a:headEnd type="none" w="med" len="med"/>
+                          <a:tailEnd type="none" w="med" len="med"/>
+                        </a:lnR>
+                        <a:lnT w="12700" cap="flat" cmpd="sng" algn="ctr">
+                          <a:solidFill>
+                            <a:schemeClr val="tx1"/>
+                          </a:solidFill>
+                          <a:prstDash val="solid"/>
+                          <a:round/>
+                          <a:headEnd type="none" w="med" len="med"/>
+                          <a:tailEnd type="none" w="med" len="med"/>
+                        </a:lnT>
+                        <a:lnB w="12700" cap="flat" cmpd="sng" algn="ctr">
+                          <a:solidFill>
+                            <a:schemeClr val="tx1"/>
+                          </a:solidFill>
+                          <a:prstDash val="solid"/>
+                          <a:round/>
+                          <a:headEnd type="none" w="med" len="med"/>
+                          <a:tailEnd type="none" w="med" len="med"/>
+                        </a:lnB>
+                      </a:tcPr>
                     </a:tc>
                     <a:tc>
                       <a:txBody>
@@ -12562,7 +14007,44 @@
                           <a:endParaRPr lang="ru-RU" sz="2000" dirty="0"/>
                         </a:p>
                       </a:txBody>
-                      <a:tcPr/>
+                      <a:tcPr>
+                        <a:lnL w="12700" cap="flat" cmpd="sng" algn="ctr">
+                          <a:solidFill>
+                            <a:schemeClr val="tx1"/>
+                          </a:solidFill>
+                          <a:prstDash val="solid"/>
+                          <a:round/>
+                          <a:headEnd type="none" w="med" len="med"/>
+                          <a:tailEnd type="none" w="med" len="med"/>
+                        </a:lnL>
+                        <a:lnR w="12700" cap="flat" cmpd="sng" algn="ctr">
+                          <a:solidFill>
+                            <a:schemeClr val="tx1"/>
+                          </a:solidFill>
+                          <a:prstDash val="solid"/>
+                          <a:round/>
+                          <a:headEnd type="none" w="med" len="med"/>
+                          <a:tailEnd type="none" w="med" len="med"/>
+                        </a:lnR>
+                        <a:lnT w="12700" cap="flat" cmpd="sng" algn="ctr">
+                          <a:solidFill>
+                            <a:schemeClr val="tx1"/>
+                          </a:solidFill>
+                          <a:prstDash val="solid"/>
+                          <a:round/>
+                          <a:headEnd type="none" w="med" len="med"/>
+                          <a:tailEnd type="none" w="med" len="med"/>
+                        </a:lnT>
+                        <a:lnB w="12700" cap="flat" cmpd="sng" algn="ctr">
+                          <a:solidFill>
+                            <a:schemeClr val="tx1"/>
+                          </a:solidFill>
+                          <a:prstDash val="solid"/>
+                          <a:round/>
+                          <a:headEnd type="none" w="med" len="med"/>
+                          <a:tailEnd type="none" w="med" len="med"/>
+                        </a:lnB>
+                      </a:tcPr>
                     </a:tc>
                   </a:tr>
                   <a:tr h="396240">
@@ -12579,7 +14061,44 @@
                           <a:endParaRPr lang="ru-RU" sz="2000" dirty="0"/>
                         </a:p>
                       </a:txBody>
-                      <a:tcPr/>
+                      <a:tcPr>
+                        <a:lnL w="12700" cap="flat" cmpd="sng" algn="ctr">
+                          <a:solidFill>
+                            <a:schemeClr val="tx1"/>
+                          </a:solidFill>
+                          <a:prstDash val="solid"/>
+                          <a:round/>
+                          <a:headEnd type="none" w="med" len="med"/>
+                          <a:tailEnd type="none" w="med" len="med"/>
+                        </a:lnL>
+                        <a:lnR w="12700" cap="flat" cmpd="sng" algn="ctr">
+                          <a:solidFill>
+                            <a:schemeClr val="tx1"/>
+                          </a:solidFill>
+                          <a:prstDash val="solid"/>
+                          <a:round/>
+                          <a:headEnd type="none" w="med" len="med"/>
+                          <a:tailEnd type="none" w="med" len="med"/>
+                        </a:lnR>
+                        <a:lnT w="12700" cap="flat" cmpd="sng" algn="ctr">
+                          <a:solidFill>
+                            <a:schemeClr val="tx1"/>
+                          </a:solidFill>
+                          <a:prstDash val="solid"/>
+                          <a:round/>
+                          <a:headEnd type="none" w="med" len="med"/>
+                          <a:tailEnd type="none" w="med" len="med"/>
+                        </a:lnT>
+                        <a:lnB w="12700" cap="flat" cmpd="sng" algn="ctr">
+                          <a:solidFill>
+                            <a:schemeClr val="tx1"/>
+                          </a:solidFill>
+                          <a:prstDash val="solid"/>
+                          <a:round/>
+                          <a:headEnd type="none" w="med" len="med"/>
+                          <a:tailEnd type="none" w="med" len="med"/>
+                        </a:lnB>
+                      </a:tcPr>
                     </a:tc>
                     <a:tc>
                       <a:txBody>
@@ -12590,10 +14109,46 @@
                         </a:p>
                       </a:txBody>
                       <a:tcPr>
+                        <a:lnL w="12700" cap="flat" cmpd="sng" algn="ctr">
+                          <a:solidFill>
+                            <a:schemeClr val="tx1"/>
+                          </a:solidFill>
+                          <a:prstDash val="solid"/>
+                          <a:round/>
+                          <a:headEnd type="none" w="med" len="med"/>
+                          <a:tailEnd type="none" w="med" len="med"/>
+                        </a:lnL>
+                        <a:lnR w="12700" cap="flat" cmpd="sng" algn="ctr">
+                          <a:solidFill>
+                            <a:schemeClr val="tx1"/>
+                          </a:solidFill>
+                          <a:prstDash val="solid"/>
+                          <a:round/>
+                          <a:headEnd type="none" w="med" len="med"/>
+                          <a:tailEnd type="none" w="med" len="med"/>
+                        </a:lnR>
+                        <a:lnT w="12700" cap="flat" cmpd="sng" algn="ctr">
+                          <a:solidFill>
+                            <a:schemeClr val="tx1"/>
+                          </a:solidFill>
+                          <a:prstDash val="solid"/>
+                          <a:round/>
+                          <a:headEnd type="none" w="med" len="med"/>
+                          <a:tailEnd type="none" w="med" len="med"/>
+                        </a:lnT>
+                        <a:lnB w="12700" cap="flat" cmpd="sng" algn="ctr">
+                          <a:solidFill>
+                            <a:schemeClr val="tx1"/>
+                          </a:solidFill>
+                          <a:prstDash val="solid"/>
+                          <a:round/>
+                          <a:headEnd type="none" w="med" len="med"/>
+                          <a:tailEnd type="none" w="med" len="med"/>
+                        </a:lnB>
                         <a:blipFill rotWithShape="0">
                           <a:blip r:embed="rId3"/>
                           <a:stretch>
-                            <a:fillRect l="-109394" t="-184615" r="-314545" b="-735385"/>
+                            <a:fillRect l="-128808" t="-184615" r="-343709" b="-640000"/>
                           </a:stretch>
                         </a:blipFill>
                       </a:tcPr>
@@ -12611,7 +14166,44 @@
                           <a:endParaRPr lang="ru-RU" sz="2000" dirty="0"/>
                         </a:p>
                       </a:txBody>
-                      <a:tcPr/>
+                      <a:tcPr>
+                        <a:lnL w="12700" cap="flat" cmpd="sng" algn="ctr">
+                          <a:solidFill>
+                            <a:schemeClr val="tx1"/>
+                          </a:solidFill>
+                          <a:prstDash val="solid"/>
+                          <a:round/>
+                          <a:headEnd type="none" w="med" len="med"/>
+                          <a:tailEnd type="none" w="med" len="med"/>
+                        </a:lnL>
+                        <a:lnR w="12700" cap="flat" cmpd="sng" algn="ctr">
+                          <a:solidFill>
+                            <a:schemeClr val="tx1"/>
+                          </a:solidFill>
+                          <a:prstDash val="solid"/>
+                          <a:round/>
+                          <a:headEnd type="none" w="med" len="med"/>
+                          <a:tailEnd type="none" w="med" len="med"/>
+                        </a:lnR>
+                        <a:lnT w="12700" cap="flat" cmpd="sng" algn="ctr">
+                          <a:solidFill>
+                            <a:schemeClr val="tx1"/>
+                          </a:solidFill>
+                          <a:prstDash val="solid"/>
+                          <a:round/>
+                          <a:headEnd type="none" w="med" len="med"/>
+                          <a:tailEnd type="none" w="med" len="med"/>
+                        </a:lnT>
+                        <a:lnB w="12700" cap="flat" cmpd="sng" algn="ctr">
+                          <a:solidFill>
+                            <a:schemeClr val="tx1"/>
+                          </a:solidFill>
+                          <a:prstDash val="solid"/>
+                          <a:round/>
+                          <a:headEnd type="none" w="med" len="med"/>
+                          <a:tailEnd type="none" w="med" len="med"/>
+                        </a:lnB>
+                      </a:tcPr>
                     </a:tc>
                     <a:tc>
                       <a:txBody>
@@ -12626,7 +14218,44 @@
                           <a:endParaRPr lang="ru-RU" sz="2000" dirty="0"/>
                         </a:p>
                       </a:txBody>
-                      <a:tcPr/>
+                      <a:tcPr>
+                        <a:lnL w="12700" cap="flat" cmpd="sng" algn="ctr">
+                          <a:solidFill>
+                            <a:schemeClr val="tx1"/>
+                          </a:solidFill>
+                          <a:prstDash val="solid"/>
+                          <a:round/>
+                          <a:headEnd type="none" w="med" len="med"/>
+                          <a:tailEnd type="none" w="med" len="med"/>
+                        </a:lnL>
+                        <a:lnR w="12700" cap="flat" cmpd="sng" algn="ctr">
+                          <a:solidFill>
+                            <a:schemeClr val="tx1"/>
+                          </a:solidFill>
+                          <a:prstDash val="solid"/>
+                          <a:round/>
+                          <a:headEnd type="none" w="med" len="med"/>
+                          <a:tailEnd type="none" w="med" len="med"/>
+                        </a:lnR>
+                        <a:lnT w="12700" cap="flat" cmpd="sng" algn="ctr">
+                          <a:solidFill>
+                            <a:schemeClr val="tx1"/>
+                          </a:solidFill>
+                          <a:prstDash val="solid"/>
+                          <a:round/>
+                          <a:headEnd type="none" w="med" len="med"/>
+                          <a:tailEnd type="none" w="med" len="med"/>
+                        </a:lnT>
+                        <a:lnB w="12700" cap="flat" cmpd="sng" algn="ctr">
+                          <a:solidFill>
+                            <a:schemeClr val="tx1"/>
+                          </a:solidFill>
+                          <a:prstDash val="solid"/>
+                          <a:round/>
+                          <a:headEnd type="none" w="med" len="med"/>
+                          <a:tailEnd type="none" w="med" len="med"/>
+                        </a:lnB>
+                      </a:tcPr>
                     </a:tc>
                     <a:tc>
                       <a:txBody>
@@ -12641,10 +14270,47 @@
                           <a:endParaRPr lang="ru-RU" sz="2000" dirty="0"/>
                         </a:p>
                       </a:txBody>
-                      <a:tcPr/>
+                      <a:tcPr>
+                        <a:lnL w="12700" cap="flat" cmpd="sng" algn="ctr">
+                          <a:solidFill>
+                            <a:schemeClr val="tx1"/>
+                          </a:solidFill>
+                          <a:prstDash val="solid"/>
+                          <a:round/>
+                          <a:headEnd type="none" w="med" len="med"/>
+                          <a:tailEnd type="none" w="med" len="med"/>
+                        </a:lnL>
+                        <a:lnR w="12700" cap="flat" cmpd="sng" algn="ctr">
+                          <a:solidFill>
+                            <a:schemeClr val="tx1"/>
+                          </a:solidFill>
+                          <a:prstDash val="solid"/>
+                          <a:round/>
+                          <a:headEnd type="none" w="med" len="med"/>
+                          <a:tailEnd type="none" w="med" len="med"/>
+                        </a:lnR>
+                        <a:lnT w="12700" cap="flat" cmpd="sng" algn="ctr">
+                          <a:solidFill>
+                            <a:schemeClr val="tx1"/>
+                          </a:solidFill>
+                          <a:prstDash val="solid"/>
+                          <a:round/>
+                          <a:headEnd type="none" w="med" len="med"/>
+                          <a:tailEnd type="none" w="med" len="med"/>
+                        </a:lnT>
+                        <a:lnB w="12700" cap="flat" cmpd="sng" algn="ctr">
+                          <a:solidFill>
+                            <a:schemeClr val="tx1"/>
+                          </a:solidFill>
+                          <a:prstDash val="solid"/>
+                          <a:round/>
+                          <a:headEnd type="none" w="med" len="med"/>
+                          <a:tailEnd type="none" w="med" len="med"/>
+                        </a:lnB>
+                      </a:tcPr>
                     </a:tc>
                   </a:tr>
-                  <a:tr h="1005840">
+                  <a:tr h="701040">
                     <a:tc>
                       <a:txBody>
                         <a:bodyPr/>
@@ -12658,7 +14324,44 @@
                           <a:endParaRPr lang="ru-RU" sz="2000" dirty="0"/>
                         </a:p>
                       </a:txBody>
-                      <a:tcPr/>
+                      <a:tcPr>
+                        <a:lnL w="12700" cap="flat" cmpd="sng" algn="ctr">
+                          <a:solidFill>
+                            <a:schemeClr val="tx1"/>
+                          </a:solidFill>
+                          <a:prstDash val="solid"/>
+                          <a:round/>
+                          <a:headEnd type="none" w="med" len="med"/>
+                          <a:tailEnd type="none" w="med" len="med"/>
+                        </a:lnL>
+                        <a:lnR w="12700" cap="flat" cmpd="sng" algn="ctr">
+                          <a:solidFill>
+                            <a:schemeClr val="tx1"/>
+                          </a:solidFill>
+                          <a:prstDash val="solid"/>
+                          <a:round/>
+                          <a:headEnd type="none" w="med" len="med"/>
+                          <a:tailEnd type="none" w="med" len="med"/>
+                        </a:lnR>
+                        <a:lnT w="12700" cap="flat" cmpd="sng" algn="ctr">
+                          <a:solidFill>
+                            <a:schemeClr val="tx1"/>
+                          </a:solidFill>
+                          <a:prstDash val="solid"/>
+                          <a:round/>
+                          <a:headEnd type="none" w="med" len="med"/>
+                          <a:tailEnd type="none" w="med" len="med"/>
+                        </a:lnT>
+                        <a:lnB w="12700" cap="flat" cmpd="sng" algn="ctr">
+                          <a:solidFill>
+                            <a:schemeClr val="tx1"/>
+                          </a:solidFill>
+                          <a:prstDash val="solid"/>
+                          <a:round/>
+                          <a:headEnd type="none" w="med" len="med"/>
+                          <a:tailEnd type="none" w="med" len="med"/>
+                        </a:lnB>
+                      </a:tcPr>
                     </a:tc>
                     <a:tc>
                       <a:txBody>
@@ -12669,10 +14372,46 @@
                         </a:p>
                       </a:txBody>
                       <a:tcPr>
+                        <a:lnL w="12700" cap="flat" cmpd="sng" algn="ctr">
+                          <a:solidFill>
+                            <a:schemeClr val="tx1"/>
+                          </a:solidFill>
+                          <a:prstDash val="solid"/>
+                          <a:round/>
+                          <a:headEnd type="none" w="med" len="med"/>
+                          <a:tailEnd type="none" w="med" len="med"/>
+                        </a:lnL>
+                        <a:lnR w="12700" cap="flat" cmpd="sng" algn="ctr">
+                          <a:solidFill>
+                            <a:schemeClr val="tx1"/>
+                          </a:solidFill>
+                          <a:prstDash val="solid"/>
+                          <a:round/>
+                          <a:headEnd type="none" w="med" len="med"/>
+                          <a:tailEnd type="none" w="med" len="med"/>
+                        </a:lnR>
+                        <a:lnT w="12700" cap="flat" cmpd="sng" algn="ctr">
+                          <a:solidFill>
+                            <a:schemeClr val="tx1"/>
+                          </a:solidFill>
+                          <a:prstDash val="solid"/>
+                          <a:round/>
+                          <a:headEnd type="none" w="med" len="med"/>
+                          <a:tailEnd type="none" w="med" len="med"/>
+                        </a:lnT>
+                        <a:lnB w="12700" cap="flat" cmpd="sng" algn="ctr">
+                          <a:solidFill>
+                            <a:schemeClr val="tx1"/>
+                          </a:solidFill>
+                          <a:prstDash val="solid"/>
+                          <a:round/>
+                          <a:headEnd type="none" w="med" len="med"/>
+                          <a:tailEnd type="none" w="med" len="med"/>
+                        </a:lnB>
                         <a:blipFill rotWithShape="0">
                           <a:blip r:embed="rId3"/>
                           <a:stretch>
-                            <a:fillRect l="-109394" t="-111446" r="-314545" b="-187952"/>
+                            <a:fillRect l="-128808" t="-159483" r="-343709" b="-258621"/>
                           </a:stretch>
                         </a:blipFill>
                       </a:tcPr>
@@ -12690,7 +14429,44 @@
                           <a:endParaRPr lang="ru-RU" sz="2000" dirty="0"/>
                         </a:p>
                       </a:txBody>
-                      <a:tcPr/>
+                      <a:tcPr>
+                        <a:lnL w="12700" cap="flat" cmpd="sng" algn="ctr">
+                          <a:solidFill>
+                            <a:schemeClr val="tx1"/>
+                          </a:solidFill>
+                          <a:prstDash val="solid"/>
+                          <a:round/>
+                          <a:headEnd type="none" w="med" len="med"/>
+                          <a:tailEnd type="none" w="med" len="med"/>
+                        </a:lnL>
+                        <a:lnR w="12700" cap="flat" cmpd="sng" algn="ctr">
+                          <a:solidFill>
+                            <a:schemeClr val="tx1"/>
+                          </a:solidFill>
+                          <a:prstDash val="solid"/>
+                          <a:round/>
+                          <a:headEnd type="none" w="med" len="med"/>
+                          <a:tailEnd type="none" w="med" len="med"/>
+                        </a:lnR>
+                        <a:lnT w="12700" cap="flat" cmpd="sng" algn="ctr">
+                          <a:solidFill>
+                            <a:schemeClr val="tx1"/>
+                          </a:solidFill>
+                          <a:prstDash val="solid"/>
+                          <a:round/>
+                          <a:headEnd type="none" w="med" len="med"/>
+                          <a:tailEnd type="none" w="med" len="med"/>
+                        </a:lnT>
+                        <a:lnB w="12700" cap="flat" cmpd="sng" algn="ctr">
+                          <a:solidFill>
+                            <a:schemeClr val="tx1"/>
+                          </a:solidFill>
+                          <a:prstDash val="solid"/>
+                          <a:round/>
+                          <a:headEnd type="none" w="med" len="med"/>
+                          <a:tailEnd type="none" w="med" len="med"/>
+                        </a:lnB>
+                      </a:tcPr>
                     </a:tc>
                     <a:tc>
                       <a:txBody>
@@ -12705,7 +14481,44 @@
                           <a:endParaRPr lang="ru-RU" sz="2000" dirty="0"/>
                         </a:p>
                       </a:txBody>
-                      <a:tcPr/>
+                      <a:tcPr>
+                        <a:lnL w="12700" cap="flat" cmpd="sng" algn="ctr">
+                          <a:solidFill>
+                            <a:schemeClr val="tx1"/>
+                          </a:solidFill>
+                          <a:prstDash val="solid"/>
+                          <a:round/>
+                          <a:headEnd type="none" w="med" len="med"/>
+                          <a:tailEnd type="none" w="med" len="med"/>
+                        </a:lnL>
+                        <a:lnR w="12700" cap="flat" cmpd="sng" algn="ctr">
+                          <a:solidFill>
+                            <a:schemeClr val="tx1"/>
+                          </a:solidFill>
+                          <a:prstDash val="solid"/>
+                          <a:round/>
+                          <a:headEnd type="none" w="med" len="med"/>
+                          <a:tailEnd type="none" w="med" len="med"/>
+                        </a:lnR>
+                        <a:lnT w="12700" cap="flat" cmpd="sng" algn="ctr">
+                          <a:solidFill>
+                            <a:schemeClr val="tx1"/>
+                          </a:solidFill>
+                          <a:prstDash val="solid"/>
+                          <a:round/>
+                          <a:headEnd type="none" w="med" len="med"/>
+                          <a:tailEnd type="none" w="med" len="med"/>
+                        </a:lnT>
+                        <a:lnB w="12700" cap="flat" cmpd="sng" algn="ctr">
+                          <a:solidFill>
+                            <a:schemeClr val="tx1"/>
+                          </a:solidFill>
+                          <a:prstDash val="solid"/>
+                          <a:round/>
+                          <a:headEnd type="none" w="med" len="med"/>
+                          <a:tailEnd type="none" w="med" len="med"/>
+                        </a:lnB>
+                      </a:tcPr>
                     </a:tc>
                     <a:tc>
                       <a:txBody>
@@ -12720,7 +14533,44 @@
                           <a:endParaRPr lang="ru-RU" sz="2000" dirty="0"/>
                         </a:p>
                       </a:txBody>
-                      <a:tcPr/>
+                      <a:tcPr>
+                        <a:lnL w="12700" cap="flat" cmpd="sng" algn="ctr">
+                          <a:solidFill>
+                            <a:schemeClr val="tx1"/>
+                          </a:solidFill>
+                          <a:prstDash val="solid"/>
+                          <a:round/>
+                          <a:headEnd type="none" w="med" len="med"/>
+                          <a:tailEnd type="none" w="med" len="med"/>
+                        </a:lnL>
+                        <a:lnR w="12700" cap="flat" cmpd="sng" algn="ctr">
+                          <a:solidFill>
+                            <a:schemeClr val="tx1"/>
+                          </a:solidFill>
+                          <a:prstDash val="solid"/>
+                          <a:round/>
+                          <a:headEnd type="none" w="med" len="med"/>
+                          <a:tailEnd type="none" w="med" len="med"/>
+                        </a:lnR>
+                        <a:lnT w="12700" cap="flat" cmpd="sng" algn="ctr">
+                          <a:solidFill>
+                            <a:schemeClr val="tx1"/>
+                          </a:solidFill>
+                          <a:prstDash val="solid"/>
+                          <a:round/>
+                          <a:headEnd type="none" w="med" len="med"/>
+                          <a:tailEnd type="none" w="med" len="med"/>
+                        </a:lnT>
+                        <a:lnB w="12700" cap="flat" cmpd="sng" algn="ctr">
+                          <a:solidFill>
+                            <a:schemeClr val="tx1"/>
+                          </a:solidFill>
+                          <a:prstDash val="solid"/>
+                          <a:round/>
+                          <a:headEnd type="none" w="med" len="med"/>
+                          <a:tailEnd type="none" w="med" len="med"/>
+                        </a:lnB>
+                      </a:tcPr>
                     </a:tc>
                   </a:tr>
                   <a:tr h="701040">
@@ -12797,7 +14647,44 @@
                           </a:endParaRPr>
                         </a:p>
                       </a:txBody>
-                      <a:tcPr/>
+                      <a:tcPr>
+                        <a:lnL w="12700" cap="flat" cmpd="sng" algn="ctr">
+                          <a:solidFill>
+                            <a:schemeClr val="tx1"/>
+                          </a:solidFill>
+                          <a:prstDash val="solid"/>
+                          <a:round/>
+                          <a:headEnd type="none" w="med" len="med"/>
+                          <a:tailEnd type="none" w="med" len="med"/>
+                        </a:lnL>
+                        <a:lnR w="12700" cap="flat" cmpd="sng" algn="ctr">
+                          <a:solidFill>
+                            <a:schemeClr val="tx1"/>
+                          </a:solidFill>
+                          <a:prstDash val="solid"/>
+                          <a:round/>
+                          <a:headEnd type="none" w="med" len="med"/>
+                          <a:tailEnd type="none" w="med" len="med"/>
+                        </a:lnR>
+                        <a:lnT w="12700" cap="flat" cmpd="sng" algn="ctr">
+                          <a:solidFill>
+                            <a:schemeClr val="tx1"/>
+                          </a:solidFill>
+                          <a:prstDash val="solid"/>
+                          <a:round/>
+                          <a:headEnd type="none" w="med" len="med"/>
+                          <a:tailEnd type="none" w="med" len="med"/>
+                        </a:lnT>
+                        <a:lnB w="12700" cap="flat" cmpd="sng" algn="ctr">
+                          <a:solidFill>
+                            <a:schemeClr val="tx1"/>
+                          </a:solidFill>
+                          <a:prstDash val="solid"/>
+                          <a:round/>
+                          <a:headEnd type="none" w="med" len="med"/>
+                          <a:tailEnd type="none" w="med" len="med"/>
+                        </a:lnB>
+                      </a:tcPr>
                     </a:tc>
                     <a:tc>
                       <a:txBody>
@@ -12808,10 +14695,46 @@
                         </a:p>
                       </a:txBody>
                       <a:tcPr>
+                        <a:lnL w="12700" cap="flat" cmpd="sng" algn="ctr">
+                          <a:solidFill>
+                            <a:schemeClr val="tx1"/>
+                          </a:solidFill>
+                          <a:prstDash val="solid"/>
+                          <a:round/>
+                          <a:headEnd type="none" w="med" len="med"/>
+                          <a:tailEnd type="none" w="med" len="med"/>
+                        </a:lnL>
+                        <a:lnR w="12700" cap="flat" cmpd="sng" algn="ctr">
+                          <a:solidFill>
+                            <a:schemeClr val="tx1"/>
+                          </a:solidFill>
+                          <a:prstDash val="solid"/>
+                          <a:round/>
+                          <a:headEnd type="none" w="med" len="med"/>
+                          <a:tailEnd type="none" w="med" len="med"/>
+                        </a:lnR>
+                        <a:lnT w="12700" cap="flat" cmpd="sng" algn="ctr">
+                          <a:solidFill>
+                            <a:schemeClr val="tx1"/>
+                          </a:solidFill>
+                          <a:prstDash val="solid"/>
+                          <a:round/>
+                          <a:headEnd type="none" w="med" len="med"/>
+                          <a:tailEnd type="none" w="med" len="med"/>
+                        </a:lnT>
+                        <a:lnB w="12700" cap="flat" cmpd="sng" algn="ctr">
+                          <a:solidFill>
+                            <a:schemeClr val="tx1"/>
+                          </a:solidFill>
+                          <a:prstDash val="solid"/>
+                          <a:round/>
+                          <a:headEnd type="none" w="med" len="med"/>
+                          <a:tailEnd type="none" w="med" len="med"/>
+                        </a:lnB>
                         <a:blipFill rotWithShape="0">
                           <a:blip r:embed="rId3"/>
                           <a:stretch>
-                            <a:fillRect l="-109394" t="-305217" r="-314545" b="-171304"/>
+                            <a:fillRect l="-128808" t="-261739" r="-343709" b="-160870"/>
                           </a:stretch>
                         </a:blipFill>
                       </a:tcPr>
@@ -12829,7 +14752,44 @@
                           <a:endParaRPr lang="ru-RU" sz="2000" dirty="0"/>
                         </a:p>
                       </a:txBody>
-                      <a:tcPr/>
+                      <a:tcPr>
+                        <a:lnL w="12700" cap="flat" cmpd="sng" algn="ctr">
+                          <a:solidFill>
+                            <a:schemeClr val="tx1"/>
+                          </a:solidFill>
+                          <a:prstDash val="solid"/>
+                          <a:round/>
+                          <a:headEnd type="none" w="med" len="med"/>
+                          <a:tailEnd type="none" w="med" len="med"/>
+                        </a:lnL>
+                        <a:lnR w="12700" cap="flat" cmpd="sng" algn="ctr">
+                          <a:solidFill>
+                            <a:schemeClr val="tx1"/>
+                          </a:solidFill>
+                          <a:prstDash val="solid"/>
+                          <a:round/>
+                          <a:headEnd type="none" w="med" len="med"/>
+                          <a:tailEnd type="none" w="med" len="med"/>
+                        </a:lnR>
+                        <a:lnT w="12700" cap="flat" cmpd="sng" algn="ctr">
+                          <a:solidFill>
+                            <a:schemeClr val="tx1"/>
+                          </a:solidFill>
+                          <a:prstDash val="solid"/>
+                          <a:round/>
+                          <a:headEnd type="none" w="med" len="med"/>
+                          <a:tailEnd type="none" w="med" len="med"/>
+                        </a:lnT>
+                        <a:lnB w="12700" cap="flat" cmpd="sng" algn="ctr">
+                          <a:solidFill>
+                            <a:schemeClr val="tx1"/>
+                          </a:solidFill>
+                          <a:prstDash val="solid"/>
+                          <a:round/>
+                          <a:headEnd type="none" w="med" len="med"/>
+                          <a:tailEnd type="none" w="med" len="med"/>
+                        </a:lnB>
+                      </a:tcPr>
                     </a:tc>
                     <a:tc>
                       <a:txBody>
@@ -12844,7 +14804,44 @@
                           <a:endParaRPr lang="ru-RU" sz="2000" dirty="0"/>
                         </a:p>
                       </a:txBody>
-                      <a:tcPr/>
+                      <a:tcPr>
+                        <a:lnL w="12700" cap="flat" cmpd="sng" algn="ctr">
+                          <a:solidFill>
+                            <a:schemeClr val="tx1"/>
+                          </a:solidFill>
+                          <a:prstDash val="solid"/>
+                          <a:round/>
+                          <a:headEnd type="none" w="med" len="med"/>
+                          <a:tailEnd type="none" w="med" len="med"/>
+                        </a:lnL>
+                        <a:lnR w="12700" cap="flat" cmpd="sng" algn="ctr">
+                          <a:solidFill>
+                            <a:schemeClr val="tx1"/>
+                          </a:solidFill>
+                          <a:prstDash val="solid"/>
+                          <a:round/>
+                          <a:headEnd type="none" w="med" len="med"/>
+                          <a:tailEnd type="none" w="med" len="med"/>
+                        </a:lnR>
+                        <a:lnT w="12700" cap="flat" cmpd="sng" algn="ctr">
+                          <a:solidFill>
+                            <a:schemeClr val="tx1"/>
+                          </a:solidFill>
+                          <a:prstDash val="solid"/>
+                          <a:round/>
+                          <a:headEnd type="none" w="med" len="med"/>
+                          <a:tailEnd type="none" w="med" len="med"/>
+                        </a:lnT>
+                        <a:lnB w="12700" cap="flat" cmpd="sng" algn="ctr">
+                          <a:solidFill>
+                            <a:schemeClr val="tx1"/>
+                          </a:solidFill>
+                          <a:prstDash val="solid"/>
+                          <a:round/>
+                          <a:headEnd type="none" w="med" len="med"/>
+                          <a:tailEnd type="none" w="med" len="med"/>
+                        </a:lnB>
+                      </a:tcPr>
                     </a:tc>
                     <a:tc>
                       <a:txBody>
@@ -12859,10 +14856,47 @@
                           <a:endParaRPr lang="ru-RU" sz="2000" dirty="0"/>
                         </a:p>
                       </a:txBody>
-                      <a:tcPr/>
+                      <a:tcPr>
+                        <a:lnL w="12700" cap="flat" cmpd="sng" algn="ctr">
+                          <a:solidFill>
+                            <a:schemeClr val="tx1"/>
+                          </a:solidFill>
+                          <a:prstDash val="solid"/>
+                          <a:round/>
+                          <a:headEnd type="none" w="med" len="med"/>
+                          <a:tailEnd type="none" w="med" len="med"/>
+                        </a:lnL>
+                        <a:lnR w="12700" cap="flat" cmpd="sng" algn="ctr">
+                          <a:solidFill>
+                            <a:schemeClr val="tx1"/>
+                          </a:solidFill>
+                          <a:prstDash val="solid"/>
+                          <a:round/>
+                          <a:headEnd type="none" w="med" len="med"/>
+                          <a:tailEnd type="none" w="med" len="med"/>
+                        </a:lnR>
+                        <a:lnT w="12700" cap="flat" cmpd="sng" algn="ctr">
+                          <a:solidFill>
+                            <a:schemeClr val="tx1"/>
+                          </a:solidFill>
+                          <a:prstDash val="solid"/>
+                          <a:round/>
+                          <a:headEnd type="none" w="med" len="med"/>
+                          <a:tailEnd type="none" w="med" len="med"/>
+                        </a:lnT>
+                        <a:lnB w="12700" cap="flat" cmpd="sng" algn="ctr">
+                          <a:solidFill>
+                            <a:schemeClr val="tx1"/>
+                          </a:solidFill>
+                          <a:prstDash val="solid"/>
+                          <a:round/>
+                          <a:headEnd type="none" w="med" len="med"/>
+                          <a:tailEnd type="none" w="med" len="med"/>
+                        </a:lnB>
+                      </a:tcPr>
                     </a:tc>
                   </a:tr>
-                  <a:tr h="701040">
+                  <a:tr h="627876">
                     <a:tc>
                       <a:txBody>
                         <a:bodyPr/>
@@ -12884,7 +14918,58 @@
                           <a:endParaRPr lang="ru-RU" sz="2000" dirty="0"/>
                         </a:p>
                       </a:txBody>
-                      <a:tcPr/>
+                      <a:tcPr>
+                        <a:lnL w="12700" cap="flat" cmpd="sng" algn="ctr">
+                          <a:solidFill>
+                            <a:schemeClr val="tx1"/>
+                          </a:solidFill>
+                          <a:prstDash val="solid"/>
+                          <a:round/>
+                          <a:headEnd type="none" w="med" len="med"/>
+                          <a:tailEnd type="none" w="med" len="med"/>
+                        </a:lnL>
+                        <a:lnR w="12700" cap="flat" cmpd="sng" algn="ctr">
+                          <a:solidFill>
+                            <a:schemeClr val="tx1"/>
+                          </a:solidFill>
+                          <a:prstDash val="solid"/>
+                          <a:round/>
+                          <a:headEnd type="none" w="med" len="med"/>
+                          <a:tailEnd type="none" w="med" len="med"/>
+                        </a:lnR>
+                        <a:lnT w="12700" cap="flat" cmpd="sng" algn="ctr">
+                          <a:solidFill>
+                            <a:schemeClr val="tx1"/>
+                          </a:solidFill>
+                          <a:prstDash val="solid"/>
+                          <a:round/>
+                          <a:headEnd type="none" w="med" len="med"/>
+                          <a:tailEnd type="none" w="med" len="med"/>
+                        </a:lnT>
+                        <a:lnB w="12700" cap="flat" cmpd="sng" algn="ctr">
+                          <a:solidFill>
+                            <a:schemeClr val="tx1"/>
+                          </a:solidFill>
+                          <a:prstDash val="solid"/>
+                          <a:round/>
+                          <a:headEnd type="none" w="med" len="med"/>
+                          <a:tailEnd type="none" w="med" len="med"/>
+                        </a:lnB>
+                        <a:lnTlToBr w="12700" cmpd="sng">
+                          <a:noFill/>
+                          <a:prstDash val="solid"/>
+                        </a:lnTlToBr>
+                        <a:lnBlToTr w="12700" cmpd="sng">
+                          <a:noFill/>
+                          <a:prstDash val="solid"/>
+                        </a:lnBlToTr>
+                        <a:solidFill>
+                          <a:schemeClr val="accent1">
+                            <a:lumMod val="40000"/>
+                            <a:lumOff val="60000"/>
+                          </a:schemeClr>
+                        </a:solidFill>
+                      </a:tcPr>
                     </a:tc>
                     <a:tc>
                       <a:txBody>
@@ -12895,10 +14980,54 @@
                         </a:p>
                       </a:txBody>
                       <a:tcPr>
+                        <a:lnL w="12700" cap="flat" cmpd="sng" algn="ctr">
+                          <a:solidFill>
+                            <a:schemeClr val="tx1"/>
+                          </a:solidFill>
+                          <a:prstDash val="solid"/>
+                          <a:round/>
+                          <a:headEnd type="none" w="med" len="med"/>
+                          <a:tailEnd type="none" w="med" len="med"/>
+                        </a:lnL>
+                        <a:lnR w="12700" cap="flat" cmpd="sng" algn="ctr">
+                          <a:solidFill>
+                            <a:schemeClr val="tx1"/>
+                          </a:solidFill>
+                          <a:prstDash val="solid"/>
+                          <a:round/>
+                          <a:headEnd type="none" w="med" len="med"/>
+                          <a:tailEnd type="none" w="med" len="med"/>
+                        </a:lnR>
+                        <a:lnT w="12700" cap="flat" cmpd="sng" algn="ctr">
+                          <a:solidFill>
+                            <a:schemeClr val="tx1"/>
+                          </a:solidFill>
+                          <a:prstDash val="solid"/>
+                          <a:round/>
+                          <a:headEnd type="none" w="med" len="med"/>
+                          <a:tailEnd type="none" w="med" len="med"/>
+                        </a:lnT>
+                        <a:lnB w="12700" cap="flat" cmpd="sng" algn="ctr">
+                          <a:solidFill>
+                            <a:schemeClr val="tx1"/>
+                          </a:solidFill>
+                          <a:prstDash val="solid"/>
+                          <a:round/>
+                          <a:headEnd type="none" w="med" len="med"/>
+                          <a:tailEnd type="none" w="med" len="med"/>
+                        </a:lnB>
+                        <a:lnTlToBr w="12700" cmpd="sng">
+                          <a:noFill/>
+                          <a:prstDash val="solid"/>
+                        </a:lnTlToBr>
+                        <a:lnBlToTr w="12700" cmpd="sng">
+                          <a:noFill/>
+                          <a:prstDash val="solid"/>
+                        </a:lnBlToTr>
                         <a:blipFill rotWithShape="0">
                           <a:blip r:embed="rId3"/>
                           <a:stretch>
-                            <a:fillRect l="-109394" t="-405217" r="-314545" b="-71304"/>
+                            <a:fillRect l="-128808" t="-403883" r="-343709" b="-79612"/>
                           </a:stretch>
                         </a:blipFill>
                       </a:tcPr>
@@ -12916,7 +15045,58 @@
                           <a:endParaRPr lang="ru-RU" sz="2000" dirty="0"/>
                         </a:p>
                       </a:txBody>
-                      <a:tcPr/>
+                      <a:tcPr>
+                        <a:lnL w="12700" cap="flat" cmpd="sng" algn="ctr">
+                          <a:solidFill>
+                            <a:schemeClr val="tx1"/>
+                          </a:solidFill>
+                          <a:prstDash val="solid"/>
+                          <a:round/>
+                          <a:headEnd type="none" w="med" len="med"/>
+                          <a:tailEnd type="none" w="med" len="med"/>
+                        </a:lnL>
+                        <a:lnR w="12700" cap="flat" cmpd="sng" algn="ctr">
+                          <a:solidFill>
+                            <a:schemeClr val="tx1"/>
+                          </a:solidFill>
+                          <a:prstDash val="solid"/>
+                          <a:round/>
+                          <a:headEnd type="none" w="med" len="med"/>
+                          <a:tailEnd type="none" w="med" len="med"/>
+                        </a:lnR>
+                        <a:lnT w="12700" cap="flat" cmpd="sng" algn="ctr">
+                          <a:solidFill>
+                            <a:schemeClr val="tx1"/>
+                          </a:solidFill>
+                          <a:prstDash val="solid"/>
+                          <a:round/>
+                          <a:headEnd type="none" w="med" len="med"/>
+                          <a:tailEnd type="none" w="med" len="med"/>
+                        </a:lnT>
+                        <a:lnB w="12700" cap="flat" cmpd="sng" algn="ctr">
+                          <a:solidFill>
+                            <a:schemeClr val="tx1"/>
+                          </a:solidFill>
+                          <a:prstDash val="solid"/>
+                          <a:round/>
+                          <a:headEnd type="none" w="med" len="med"/>
+                          <a:tailEnd type="none" w="med" len="med"/>
+                        </a:lnB>
+                        <a:lnTlToBr w="12700" cmpd="sng">
+                          <a:noFill/>
+                          <a:prstDash val="solid"/>
+                        </a:lnTlToBr>
+                        <a:lnBlToTr w="12700" cmpd="sng">
+                          <a:noFill/>
+                          <a:prstDash val="solid"/>
+                        </a:lnBlToTr>
+                        <a:solidFill>
+                          <a:schemeClr val="accent1">
+                            <a:lumMod val="40000"/>
+                            <a:lumOff val="60000"/>
+                          </a:schemeClr>
+                        </a:solidFill>
+                      </a:tcPr>
                     </a:tc>
                     <a:tc>
                       <a:txBody>
@@ -12931,7 +15111,58 @@
                           <a:endParaRPr lang="ru-RU" sz="2000" dirty="0"/>
                         </a:p>
                       </a:txBody>
-                      <a:tcPr/>
+                      <a:tcPr>
+                        <a:lnL w="12700" cap="flat" cmpd="sng" algn="ctr">
+                          <a:solidFill>
+                            <a:schemeClr val="tx1"/>
+                          </a:solidFill>
+                          <a:prstDash val="solid"/>
+                          <a:round/>
+                          <a:headEnd type="none" w="med" len="med"/>
+                          <a:tailEnd type="none" w="med" len="med"/>
+                        </a:lnL>
+                        <a:lnR w="12700" cap="flat" cmpd="sng" algn="ctr">
+                          <a:solidFill>
+                            <a:schemeClr val="tx1"/>
+                          </a:solidFill>
+                          <a:prstDash val="solid"/>
+                          <a:round/>
+                          <a:headEnd type="none" w="med" len="med"/>
+                          <a:tailEnd type="none" w="med" len="med"/>
+                        </a:lnR>
+                        <a:lnT w="12700" cap="flat" cmpd="sng" algn="ctr">
+                          <a:solidFill>
+                            <a:schemeClr val="tx1"/>
+                          </a:solidFill>
+                          <a:prstDash val="solid"/>
+                          <a:round/>
+                          <a:headEnd type="none" w="med" len="med"/>
+                          <a:tailEnd type="none" w="med" len="med"/>
+                        </a:lnT>
+                        <a:lnB w="12700" cap="flat" cmpd="sng" algn="ctr">
+                          <a:solidFill>
+                            <a:schemeClr val="tx1"/>
+                          </a:solidFill>
+                          <a:prstDash val="solid"/>
+                          <a:round/>
+                          <a:headEnd type="none" w="med" len="med"/>
+                          <a:tailEnd type="none" w="med" len="med"/>
+                        </a:lnB>
+                        <a:lnTlToBr w="12700" cmpd="sng">
+                          <a:noFill/>
+                          <a:prstDash val="solid"/>
+                        </a:lnTlToBr>
+                        <a:lnBlToTr w="12700" cmpd="sng">
+                          <a:noFill/>
+                          <a:prstDash val="solid"/>
+                        </a:lnBlToTr>
+                        <a:solidFill>
+                          <a:schemeClr val="accent1">
+                            <a:lumMod val="40000"/>
+                            <a:lumOff val="60000"/>
+                          </a:schemeClr>
+                        </a:solidFill>
+                      </a:tcPr>
                     </a:tc>
                     <a:tc>
                       <a:txBody>
@@ -12946,7 +15177,58 @@
                           <a:endParaRPr lang="ru-RU" sz="2000" dirty="0"/>
                         </a:p>
                       </a:txBody>
-                      <a:tcPr/>
+                      <a:tcPr>
+                        <a:lnL w="12700" cap="flat" cmpd="sng" algn="ctr">
+                          <a:solidFill>
+                            <a:schemeClr val="tx1"/>
+                          </a:solidFill>
+                          <a:prstDash val="solid"/>
+                          <a:round/>
+                          <a:headEnd type="none" w="med" len="med"/>
+                          <a:tailEnd type="none" w="med" len="med"/>
+                        </a:lnL>
+                        <a:lnR w="12700" cap="flat" cmpd="sng" algn="ctr">
+                          <a:solidFill>
+                            <a:schemeClr val="tx1"/>
+                          </a:solidFill>
+                          <a:prstDash val="solid"/>
+                          <a:round/>
+                          <a:headEnd type="none" w="med" len="med"/>
+                          <a:tailEnd type="none" w="med" len="med"/>
+                        </a:lnR>
+                        <a:lnT w="12700" cap="flat" cmpd="sng" algn="ctr">
+                          <a:solidFill>
+                            <a:schemeClr val="tx1"/>
+                          </a:solidFill>
+                          <a:prstDash val="solid"/>
+                          <a:round/>
+                          <a:headEnd type="none" w="med" len="med"/>
+                          <a:tailEnd type="none" w="med" len="med"/>
+                        </a:lnT>
+                        <a:lnB w="12700" cap="flat" cmpd="sng" algn="ctr">
+                          <a:solidFill>
+                            <a:schemeClr val="tx1"/>
+                          </a:solidFill>
+                          <a:prstDash val="solid"/>
+                          <a:round/>
+                          <a:headEnd type="none" w="med" len="med"/>
+                          <a:tailEnd type="none" w="med" len="med"/>
+                        </a:lnB>
+                        <a:lnTlToBr w="12700" cmpd="sng">
+                          <a:noFill/>
+                          <a:prstDash val="solid"/>
+                        </a:lnTlToBr>
+                        <a:lnBlToTr w="12700" cmpd="sng">
+                          <a:noFill/>
+                          <a:prstDash val="solid"/>
+                        </a:lnBlToTr>
+                        <a:solidFill>
+                          <a:schemeClr val="accent1">
+                            <a:lumMod val="40000"/>
+                            <a:lumOff val="60000"/>
+                          </a:schemeClr>
+                        </a:solidFill>
+                      </a:tcPr>
                     </a:tc>
                   </a:tr>
                   <a:tr h="396240">
@@ -12963,7 +15245,58 @@
                           <a:endParaRPr lang="ru-RU" sz="2000" dirty="0"/>
                         </a:p>
                       </a:txBody>
-                      <a:tcPr/>
+                      <a:tcPr>
+                        <a:lnL w="12700" cap="flat" cmpd="sng" algn="ctr">
+                          <a:solidFill>
+                            <a:schemeClr val="tx1"/>
+                          </a:solidFill>
+                          <a:prstDash val="solid"/>
+                          <a:round/>
+                          <a:headEnd type="none" w="med" len="med"/>
+                          <a:tailEnd type="none" w="med" len="med"/>
+                        </a:lnL>
+                        <a:lnR w="12700" cap="flat" cmpd="sng" algn="ctr">
+                          <a:solidFill>
+                            <a:schemeClr val="tx1"/>
+                          </a:solidFill>
+                          <a:prstDash val="solid"/>
+                          <a:round/>
+                          <a:headEnd type="none" w="med" len="med"/>
+                          <a:tailEnd type="none" w="med" len="med"/>
+                        </a:lnR>
+                        <a:lnT w="12700" cap="flat" cmpd="sng" algn="ctr">
+                          <a:solidFill>
+                            <a:schemeClr val="tx1"/>
+                          </a:solidFill>
+                          <a:prstDash val="solid"/>
+                          <a:round/>
+                          <a:headEnd type="none" w="med" len="med"/>
+                          <a:tailEnd type="none" w="med" len="med"/>
+                        </a:lnT>
+                        <a:lnB w="12700" cap="flat" cmpd="sng" algn="ctr">
+                          <a:solidFill>
+                            <a:schemeClr val="tx1"/>
+                          </a:solidFill>
+                          <a:prstDash val="solid"/>
+                          <a:round/>
+                          <a:headEnd type="none" w="med" len="med"/>
+                          <a:tailEnd type="none" w="med" len="med"/>
+                        </a:lnB>
+                        <a:lnTlToBr w="12700" cmpd="sng">
+                          <a:noFill/>
+                          <a:prstDash val="solid"/>
+                        </a:lnTlToBr>
+                        <a:lnBlToTr w="12700" cmpd="sng">
+                          <a:noFill/>
+                          <a:prstDash val="solid"/>
+                        </a:lnBlToTr>
+                        <a:solidFill>
+                          <a:schemeClr val="accent1">
+                            <a:lumMod val="40000"/>
+                            <a:lumOff val="60000"/>
+                          </a:schemeClr>
+                        </a:solidFill>
+                      </a:tcPr>
                     </a:tc>
                     <a:tc>
                       <a:txBody>
@@ -12974,10 +15307,54 @@
                         </a:p>
                       </a:txBody>
                       <a:tcPr>
+                        <a:lnL w="12700" cap="flat" cmpd="sng" algn="ctr">
+                          <a:solidFill>
+                            <a:schemeClr val="tx1"/>
+                          </a:solidFill>
+                          <a:prstDash val="solid"/>
+                          <a:round/>
+                          <a:headEnd type="none" w="med" len="med"/>
+                          <a:tailEnd type="none" w="med" len="med"/>
+                        </a:lnL>
+                        <a:lnR w="12700" cap="flat" cmpd="sng" algn="ctr">
+                          <a:solidFill>
+                            <a:schemeClr val="tx1"/>
+                          </a:solidFill>
+                          <a:prstDash val="solid"/>
+                          <a:round/>
+                          <a:headEnd type="none" w="med" len="med"/>
+                          <a:tailEnd type="none" w="med" len="med"/>
+                        </a:lnR>
+                        <a:lnT w="12700" cap="flat" cmpd="sng" algn="ctr">
+                          <a:solidFill>
+                            <a:schemeClr val="tx1"/>
+                          </a:solidFill>
+                          <a:prstDash val="solid"/>
+                          <a:round/>
+                          <a:headEnd type="none" w="med" len="med"/>
+                          <a:tailEnd type="none" w="med" len="med"/>
+                        </a:lnT>
+                        <a:lnB w="12700" cap="flat" cmpd="sng" algn="ctr">
+                          <a:solidFill>
+                            <a:schemeClr val="tx1"/>
+                          </a:solidFill>
+                          <a:prstDash val="solid"/>
+                          <a:round/>
+                          <a:headEnd type="none" w="med" len="med"/>
+                          <a:tailEnd type="none" w="med" len="med"/>
+                        </a:lnB>
+                        <a:lnTlToBr w="12700" cmpd="sng">
+                          <a:noFill/>
+                          <a:prstDash val="solid"/>
+                        </a:lnTlToBr>
+                        <a:lnBlToTr w="12700" cmpd="sng">
+                          <a:noFill/>
+                          <a:prstDash val="solid"/>
+                        </a:lnBlToTr>
                         <a:blipFill rotWithShape="0">
                           <a:blip r:embed="rId3"/>
                           <a:stretch>
-                            <a:fillRect l="-109394" t="-893846" r="-314545" b="-26154"/>
+                            <a:fillRect l="-128808" t="-798462" r="-343709" b="-26154"/>
                           </a:stretch>
                         </a:blipFill>
                       </a:tcPr>
@@ -12995,7 +15372,58 @@
                           <a:endParaRPr lang="ru-RU" sz="2000" dirty="0"/>
                         </a:p>
                       </a:txBody>
-                      <a:tcPr/>
+                      <a:tcPr>
+                        <a:lnL w="12700" cap="flat" cmpd="sng" algn="ctr">
+                          <a:solidFill>
+                            <a:schemeClr val="tx1"/>
+                          </a:solidFill>
+                          <a:prstDash val="solid"/>
+                          <a:round/>
+                          <a:headEnd type="none" w="med" len="med"/>
+                          <a:tailEnd type="none" w="med" len="med"/>
+                        </a:lnL>
+                        <a:lnR w="12700" cap="flat" cmpd="sng" algn="ctr">
+                          <a:solidFill>
+                            <a:schemeClr val="tx1"/>
+                          </a:solidFill>
+                          <a:prstDash val="solid"/>
+                          <a:round/>
+                          <a:headEnd type="none" w="med" len="med"/>
+                          <a:tailEnd type="none" w="med" len="med"/>
+                        </a:lnR>
+                        <a:lnT w="12700" cap="flat" cmpd="sng" algn="ctr">
+                          <a:solidFill>
+                            <a:schemeClr val="tx1"/>
+                          </a:solidFill>
+                          <a:prstDash val="solid"/>
+                          <a:round/>
+                          <a:headEnd type="none" w="med" len="med"/>
+                          <a:tailEnd type="none" w="med" len="med"/>
+                        </a:lnT>
+                        <a:lnB w="12700" cap="flat" cmpd="sng" algn="ctr">
+                          <a:solidFill>
+                            <a:schemeClr val="tx1"/>
+                          </a:solidFill>
+                          <a:prstDash val="solid"/>
+                          <a:round/>
+                          <a:headEnd type="none" w="med" len="med"/>
+                          <a:tailEnd type="none" w="med" len="med"/>
+                        </a:lnB>
+                        <a:lnTlToBr w="12700" cmpd="sng">
+                          <a:noFill/>
+                          <a:prstDash val="solid"/>
+                        </a:lnTlToBr>
+                        <a:lnBlToTr w="12700" cmpd="sng">
+                          <a:noFill/>
+                          <a:prstDash val="solid"/>
+                        </a:lnBlToTr>
+                        <a:solidFill>
+                          <a:schemeClr val="accent1">
+                            <a:lumMod val="40000"/>
+                            <a:lumOff val="60000"/>
+                          </a:schemeClr>
+                        </a:solidFill>
+                      </a:tcPr>
                     </a:tc>
                     <a:tc>
                       <a:txBody>
@@ -13010,7 +15438,58 @@
                           <a:endParaRPr lang="ru-RU" sz="2000" dirty="0"/>
                         </a:p>
                       </a:txBody>
-                      <a:tcPr/>
+                      <a:tcPr>
+                        <a:lnL w="12700" cap="flat" cmpd="sng" algn="ctr">
+                          <a:solidFill>
+                            <a:schemeClr val="tx1"/>
+                          </a:solidFill>
+                          <a:prstDash val="solid"/>
+                          <a:round/>
+                          <a:headEnd type="none" w="med" len="med"/>
+                          <a:tailEnd type="none" w="med" len="med"/>
+                        </a:lnL>
+                        <a:lnR w="12700" cap="flat" cmpd="sng" algn="ctr">
+                          <a:solidFill>
+                            <a:schemeClr val="tx1"/>
+                          </a:solidFill>
+                          <a:prstDash val="solid"/>
+                          <a:round/>
+                          <a:headEnd type="none" w="med" len="med"/>
+                          <a:tailEnd type="none" w="med" len="med"/>
+                        </a:lnR>
+                        <a:lnT w="12700" cap="flat" cmpd="sng" algn="ctr">
+                          <a:solidFill>
+                            <a:schemeClr val="tx1"/>
+                          </a:solidFill>
+                          <a:prstDash val="solid"/>
+                          <a:round/>
+                          <a:headEnd type="none" w="med" len="med"/>
+                          <a:tailEnd type="none" w="med" len="med"/>
+                        </a:lnT>
+                        <a:lnB w="12700" cap="flat" cmpd="sng" algn="ctr">
+                          <a:solidFill>
+                            <a:schemeClr val="tx1"/>
+                          </a:solidFill>
+                          <a:prstDash val="solid"/>
+                          <a:round/>
+                          <a:headEnd type="none" w="med" len="med"/>
+                          <a:tailEnd type="none" w="med" len="med"/>
+                        </a:lnB>
+                        <a:lnTlToBr w="12700" cmpd="sng">
+                          <a:noFill/>
+                          <a:prstDash val="solid"/>
+                        </a:lnTlToBr>
+                        <a:lnBlToTr w="12700" cmpd="sng">
+                          <a:noFill/>
+                          <a:prstDash val="solid"/>
+                        </a:lnBlToTr>
+                        <a:solidFill>
+                          <a:schemeClr val="accent1">
+                            <a:lumMod val="40000"/>
+                            <a:lumOff val="60000"/>
+                          </a:schemeClr>
+                        </a:solidFill>
+                      </a:tcPr>
                     </a:tc>
                     <a:tc>
                       <a:txBody>
@@ -13025,7 +15504,58 @@
                           <a:endParaRPr lang="ru-RU" sz="2000" dirty="0"/>
                         </a:p>
                       </a:txBody>
-                      <a:tcPr/>
+                      <a:tcPr>
+                        <a:lnL w="12700" cap="flat" cmpd="sng" algn="ctr">
+                          <a:solidFill>
+                            <a:schemeClr val="tx1"/>
+                          </a:solidFill>
+                          <a:prstDash val="solid"/>
+                          <a:round/>
+                          <a:headEnd type="none" w="med" len="med"/>
+                          <a:tailEnd type="none" w="med" len="med"/>
+                        </a:lnL>
+                        <a:lnR w="12700" cap="flat" cmpd="sng" algn="ctr">
+                          <a:solidFill>
+                            <a:schemeClr val="tx1"/>
+                          </a:solidFill>
+                          <a:prstDash val="solid"/>
+                          <a:round/>
+                          <a:headEnd type="none" w="med" len="med"/>
+                          <a:tailEnd type="none" w="med" len="med"/>
+                        </a:lnR>
+                        <a:lnT w="12700" cap="flat" cmpd="sng" algn="ctr">
+                          <a:solidFill>
+                            <a:schemeClr val="tx1"/>
+                          </a:solidFill>
+                          <a:prstDash val="solid"/>
+                          <a:round/>
+                          <a:headEnd type="none" w="med" len="med"/>
+                          <a:tailEnd type="none" w="med" len="med"/>
+                        </a:lnT>
+                        <a:lnB w="12700" cap="flat" cmpd="sng" algn="ctr">
+                          <a:solidFill>
+                            <a:schemeClr val="tx1"/>
+                          </a:solidFill>
+                          <a:prstDash val="solid"/>
+                          <a:round/>
+                          <a:headEnd type="none" w="med" len="med"/>
+                          <a:tailEnd type="none" w="med" len="med"/>
+                        </a:lnB>
+                        <a:lnTlToBr w="12700" cmpd="sng">
+                          <a:noFill/>
+                          <a:prstDash val="solid"/>
+                        </a:lnTlToBr>
+                        <a:lnBlToTr w="12700" cmpd="sng">
+                          <a:noFill/>
+                          <a:prstDash val="solid"/>
+                        </a:lnBlToTr>
+                        <a:solidFill>
+                          <a:schemeClr val="accent1">
+                            <a:lumMod val="40000"/>
+                            <a:lumOff val="60000"/>
+                          </a:schemeClr>
+                        </a:solidFill>
+                      </a:tcPr>
                     </a:tc>
                   </a:tr>
                 </a:tbl>
@@ -13044,8 +15574,8 @@
         </p:nvSpPr>
         <p:spPr>
           <a:xfrm>
-            <a:off x="838200" y="0"/>
-            <a:ext cx="10515600" cy="1325563"/>
+            <a:off x="838200" y="34183"/>
+            <a:ext cx="10515600" cy="632389"/>
           </a:xfrm>
           <a:prstGeom prst="rect">
             <a:avLst/>
@@ -13053,7 +15583,7 @@
         </p:spPr>
         <p:txBody>
           <a:bodyPr vert="horz" lIns="91440" tIns="45720" rIns="91440" bIns="45720" rtlCol="0" anchor="ctr">
-            <a:normAutofit/>
+            <a:normAutofit lnSpcReduction="10000"/>
           </a:bodyPr>
           <a:lstStyle>
             <a:lvl1pPr algn="l" defTabSz="914400" rtl="0" eaLnBrk="1" latinLnBrk="0" hangingPunct="1">
@@ -13078,18 +15608,18 @@
             <a:pPr algn="ctr"/>
             <a:r>
               <a:rPr lang="ru-RU" dirty="0" smtClean="0"/>
-              <a:t>Классификация алгоритмов поиска кратчайших </a:t>
-            </a:r>
-            <a:r>
-              <a:rPr lang="ru-RU" smtClean="0"/>
-              <a:t>и альтернативных путей</a:t>
+              <a:t>Классификация </a:t>
+            </a:r>
+            <a:r>
+              <a:rPr lang="ru-RU" dirty="0" smtClean="0"/>
+              <a:t>алгоритмов</a:t>
             </a:r>
             <a:endParaRPr lang="ru-RU" dirty="0"/>
           </a:p>
         </p:txBody>
       </p:sp>
-      <mc:AlternateContent xmlns:mc="http://schemas.openxmlformats.org/markup-compatibility/2006" xmlns:a14="http://schemas.microsoft.com/office/drawing/2010/main">
-        <mc:Choice Requires="a14">
+      <mc:AlternateContent xmlns:mc="http://schemas.openxmlformats.org/markup-compatibility/2006">
+        <mc:Choice xmlns:a14="http://schemas.microsoft.com/office/drawing/2010/main" Requires="a14">
           <p:graphicFrame>
             <p:nvGraphicFramePr>
               <p:cNvPr id="5" name="Таблица 4"/>
@@ -13099,14 +15629,14 @@
               <p:nvPr>
                 <p:extLst>
                   <p:ext uri="{D42A27DB-BD31-4B8C-83A1-F6EECF244321}">
-                    <p14:modId xmlns:p14="http://schemas.microsoft.com/office/powerpoint/2010/main" val="2952047974"/>
+                    <p14:modId xmlns:p14="http://schemas.microsoft.com/office/powerpoint/2010/main" val="622758837"/>
                   </p:ext>
                 </p:extLst>
               </p:nvPr>
             </p:nvGraphicFramePr>
             <p:xfrm>
-              <a:off x="2766939" y="5436944"/>
-              <a:ext cx="6829988" cy="1112520"/>
+              <a:off x="838200" y="5243830"/>
+              <a:ext cx="10515602" cy="1112520"/>
             </p:xfrm>
             <a:graphic>
               <a:graphicData uri="http://schemas.openxmlformats.org/drawingml/2006/table">
@@ -13115,8 +15645,8 @@
                     <a:tableStyleId>{0505E3EF-67EA-436B-97B2-0124C06EBD24}</a:tableStyleId>
                   </a:tblPr>
                   <a:tblGrid>
-                    <a:gridCol w="3414994"/>
-                    <a:gridCol w="3414994"/>
+                    <a:gridCol w="5257801"/>
+                    <a:gridCol w="5257801"/>
                   </a:tblGrid>
                   <a:tr h="370840">
                     <a:tc>
@@ -13132,7 +15662,44 @@
                           <a:endParaRPr lang="ru-RU" dirty="0"/>
                         </a:p>
                       </a:txBody>
-                      <a:tcPr/>
+                      <a:tcPr>
+                        <a:lnL w="12700" cap="flat" cmpd="sng" algn="ctr">
+                          <a:solidFill>
+                            <a:schemeClr val="tx1"/>
+                          </a:solidFill>
+                          <a:prstDash val="solid"/>
+                          <a:round/>
+                          <a:headEnd type="none" w="med" len="med"/>
+                          <a:tailEnd type="none" w="med" len="med"/>
+                        </a:lnL>
+                        <a:lnR w="12700" cap="flat" cmpd="sng" algn="ctr">
+                          <a:solidFill>
+                            <a:schemeClr val="tx1"/>
+                          </a:solidFill>
+                          <a:prstDash val="solid"/>
+                          <a:round/>
+                          <a:headEnd type="none" w="med" len="med"/>
+                          <a:tailEnd type="none" w="med" len="med"/>
+                        </a:lnR>
+                        <a:lnT w="12700" cap="flat" cmpd="sng" algn="ctr">
+                          <a:solidFill>
+                            <a:schemeClr val="tx1"/>
+                          </a:solidFill>
+                          <a:prstDash val="solid"/>
+                          <a:round/>
+                          <a:headEnd type="none" w="med" len="med"/>
+                          <a:tailEnd type="none" w="med" len="med"/>
+                        </a:lnT>
+                        <a:lnB w="12700" cap="flat" cmpd="sng" algn="ctr">
+                          <a:solidFill>
+                            <a:schemeClr val="tx1"/>
+                          </a:solidFill>
+                          <a:prstDash val="solid"/>
+                          <a:round/>
+                          <a:headEnd type="none" w="med" len="med"/>
+                          <a:tailEnd type="none" w="med" len="med"/>
+                        </a:lnB>
+                      </a:tcPr>
                     </a:tc>
                     <a:tc>
                       <a:txBody>
@@ -13147,7 +15714,44 @@
                           <a:endParaRPr lang="ru-RU" dirty="0"/>
                         </a:p>
                       </a:txBody>
-                      <a:tcPr/>
+                      <a:tcPr>
+                        <a:lnL w="12700" cap="flat" cmpd="sng" algn="ctr">
+                          <a:solidFill>
+                            <a:schemeClr val="tx1"/>
+                          </a:solidFill>
+                          <a:prstDash val="solid"/>
+                          <a:round/>
+                          <a:headEnd type="none" w="med" len="med"/>
+                          <a:tailEnd type="none" w="med" len="med"/>
+                        </a:lnL>
+                        <a:lnR w="12700" cap="flat" cmpd="sng" algn="ctr">
+                          <a:solidFill>
+                            <a:schemeClr val="tx1"/>
+                          </a:solidFill>
+                          <a:prstDash val="solid"/>
+                          <a:round/>
+                          <a:headEnd type="none" w="med" len="med"/>
+                          <a:tailEnd type="none" w="med" len="med"/>
+                        </a:lnR>
+                        <a:lnT w="12700" cap="flat" cmpd="sng" algn="ctr">
+                          <a:solidFill>
+                            <a:schemeClr val="tx1"/>
+                          </a:solidFill>
+                          <a:prstDash val="solid"/>
+                          <a:round/>
+                          <a:headEnd type="none" w="med" len="med"/>
+                          <a:tailEnd type="none" w="med" len="med"/>
+                        </a:lnT>
+                        <a:lnB w="12700" cap="flat" cmpd="sng" algn="ctr">
+                          <a:solidFill>
+                            <a:schemeClr val="tx1"/>
+                          </a:solidFill>
+                          <a:prstDash val="solid"/>
+                          <a:round/>
+                          <a:headEnd type="none" w="med" len="med"/>
+                          <a:tailEnd type="none" w="med" len="med"/>
+                        </a:lnB>
+                      </a:tcPr>
                     </a:tc>
                   </a:tr>
                   <a:tr h="370840">
@@ -13159,16 +15763,59 @@
                           <a:pPr algn="ctr"/>
                           <a:r>
                             <a:rPr lang="ru-RU" dirty="0" smtClean="0"/>
-                            <a:t>К-кратчайших</a:t>
+                            <a:t>Алгоритм</a:t>
                           </a:r>
                           <a:r>
                             <a:rPr lang="ru-RU" baseline="0" dirty="0" smtClean="0"/>
-                            <a:t> маршрутов (Йена)</a:t>
+                            <a:t> Йена</a:t>
                           </a:r>
                           <a:endParaRPr lang="ru-RU" dirty="0"/>
                         </a:p>
                       </a:txBody>
-                      <a:tcPr/>
+                      <a:tcPr>
+                        <a:lnL w="12700" cap="flat" cmpd="sng" algn="ctr">
+                          <a:solidFill>
+                            <a:schemeClr val="tx1"/>
+                          </a:solidFill>
+                          <a:prstDash val="solid"/>
+                          <a:round/>
+                          <a:headEnd type="none" w="med" len="med"/>
+                          <a:tailEnd type="none" w="med" len="med"/>
+                        </a:lnL>
+                        <a:lnR w="12700" cap="flat" cmpd="sng" algn="ctr">
+                          <a:solidFill>
+                            <a:schemeClr val="tx1"/>
+                          </a:solidFill>
+                          <a:prstDash val="solid"/>
+                          <a:round/>
+                          <a:headEnd type="none" w="med" len="med"/>
+                          <a:tailEnd type="none" w="med" len="med"/>
+                        </a:lnR>
+                        <a:lnT w="12700" cap="flat" cmpd="sng" algn="ctr">
+                          <a:solidFill>
+                            <a:schemeClr val="tx1"/>
+                          </a:solidFill>
+                          <a:prstDash val="solid"/>
+                          <a:round/>
+                          <a:headEnd type="none" w="med" len="med"/>
+                          <a:tailEnd type="none" w="med" len="med"/>
+                        </a:lnT>
+                        <a:lnB w="12700" cap="flat" cmpd="sng" algn="ctr">
+                          <a:solidFill>
+                            <a:schemeClr val="tx1"/>
+                          </a:solidFill>
+                          <a:prstDash val="solid"/>
+                          <a:round/>
+                          <a:headEnd type="none" w="med" len="med"/>
+                          <a:tailEnd type="none" w="med" len="med"/>
+                        </a:lnB>
+                        <a:solidFill>
+                          <a:schemeClr val="accent1">
+                            <a:lumMod val="40000"/>
+                            <a:lumOff val="60000"/>
+                          </a:schemeClr>
+                        </a:solidFill>
+                      </a:tcPr>
                     </a:tc>
                     <a:tc>
                       <a:txBody>
@@ -13310,7 +15957,50 @@
                           <a:endParaRPr lang="ru-RU" dirty="0"/>
                         </a:p>
                       </a:txBody>
-                      <a:tcPr/>
+                      <a:tcPr>
+                        <a:lnL w="12700" cap="flat" cmpd="sng" algn="ctr">
+                          <a:solidFill>
+                            <a:schemeClr val="tx1"/>
+                          </a:solidFill>
+                          <a:prstDash val="solid"/>
+                          <a:round/>
+                          <a:headEnd type="none" w="med" len="med"/>
+                          <a:tailEnd type="none" w="med" len="med"/>
+                        </a:lnL>
+                        <a:lnR w="12700" cap="flat" cmpd="sng" algn="ctr">
+                          <a:solidFill>
+                            <a:schemeClr val="tx1"/>
+                          </a:solidFill>
+                          <a:prstDash val="solid"/>
+                          <a:round/>
+                          <a:headEnd type="none" w="med" len="med"/>
+                          <a:tailEnd type="none" w="med" len="med"/>
+                        </a:lnR>
+                        <a:lnT w="12700" cap="flat" cmpd="sng" algn="ctr">
+                          <a:solidFill>
+                            <a:schemeClr val="tx1"/>
+                          </a:solidFill>
+                          <a:prstDash val="solid"/>
+                          <a:round/>
+                          <a:headEnd type="none" w="med" len="med"/>
+                          <a:tailEnd type="none" w="med" len="med"/>
+                        </a:lnT>
+                        <a:lnB w="12700" cap="flat" cmpd="sng" algn="ctr">
+                          <a:solidFill>
+                            <a:schemeClr val="tx1"/>
+                          </a:solidFill>
+                          <a:prstDash val="solid"/>
+                          <a:round/>
+                          <a:headEnd type="none" w="med" len="med"/>
+                          <a:tailEnd type="none" w="med" len="med"/>
+                        </a:lnB>
+                        <a:solidFill>
+                          <a:schemeClr val="accent1">
+                            <a:lumMod val="40000"/>
+                            <a:lumOff val="60000"/>
+                          </a:schemeClr>
+                        </a:solidFill>
+                      </a:tcPr>
                     </a:tc>
                   </a:tr>
                   <a:tr h="370840">
@@ -13327,7 +16017,50 @@
                           <a:endParaRPr lang="ru-RU" dirty="0"/>
                         </a:p>
                       </a:txBody>
-                      <a:tcPr/>
+                      <a:tcPr>
+                        <a:lnL w="12700" cap="flat" cmpd="sng" algn="ctr">
+                          <a:solidFill>
+                            <a:schemeClr val="tx1"/>
+                          </a:solidFill>
+                          <a:prstDash val="solid"/>
+                          <a:round/>
+                          <a:headEnd type="none" w="med" len="med"/>
+                          <a:tailEnd type="none" w="med" len="med"/>
+                        </a:lnL>
+                        <a:lnR w="12700" cap="flat" cmpd="sng" algn="ctr">
+                          <a:solidFill>
+                            <a:schemeClr val="tx1"/>
+                          </a:solidFill>
+                          <a:prstDash val="solid"/>
+                          <a:round/>
+                          <a:headEnd type="none" w="med" len="med"/>
+                          <a:tailEnd type="none" w="med" len="med"/>
+                        </a:lnR>
+                        <a:lnT w="12700" cap="flat" cmpd="sng" algn="ctr">
+                          <a:solidFill>
+                            <a:schemeClr val="tx1"/>
+                          </a:solidFill>
+                          <a:prstDash val="solid"/>
+                          <a:round/>
+                          <a:headEnd type="none" w="med" len="med"/>
+                          <a:tailEnd type="none" w="med" len="med"/>
+                        </a:lnT>
+                        <a:lnB w="12700" cap="flat" cmpd="sng" algn="ctr">
+                          <a:solidFill>
+                            <a:schemeClr val="tx1"/>
+                          </a:solidFill>
+                          <a:prstDash val="solid"/>
+                          <a:round/>
+                          <a:headEnd type="none" w="med" len="med"/>
+                          <a:tailEnd type="none" w="med" len="med"/>
+                        </a:lnB>
+                        <a:solidFill>
+                          <a:schemeClr val="accent1">
+                            <a:lumMod val="40000"/>
+                            <a:lumOff val="60000"/>
+                          </a:schemeClr>
+                        </a:solidFill>
+                      </a:tcPr>
                     </a:tc>
                     <a:tc>
                       <a:txBody>
@@ -13495,7 +16228,50 @@
                           <a:endParaRPr lang="ru-RU" dirty="0"/>
                         </a:p>
                       </a:txBody>
-                      <a:tcPr/>
+                      <a:tcPr>
+                        <a:lnL w="12700" cap="flat" cmpd="sng" algn="ctr">
+                          <a:solidFill>
+                            <a:schemeClr val="tx1"/>
+                          </a:solidFill>
+                          <a:prstDash val="solid"/>
+                          <a:round/>
+                          <a:headEnd type="none" w="med" len="med"/>
+                          <a:tailEnd type="none" w="med" len="med"/>
+                        </a:lnL>
+                        <a:lnR w="12700" cap="flat" cmpd="sng" algn="ctr">
+                          <a:solidFill>
+                            <a:schemeClr val="tx1"/>
+                          </a:solidFill>
+                          <a:prstDash val="solid"/>
+                          <a:round/>
+                          <a:headEnd type="none" w="med" len="med"/>
+                          <a:tailEnd type="none" w="med" len="med"/>
+                        </a:lnR>
+                        <a:lnT w="12700" cap="flat" cmpd="sng" algn="ctr">
+                          <a:solidFill>
+                            <a:schemeClr val="tx1"/>
+                          </a:solidFill>
+                          <a:prstDash val="solid"/>
+                          <a:round/>
+                          <a:headEnd type="none" w="med" len="med"/>
+                          <a:tailEnd type="none" w="med" len="med"/>
+                        </a:lnT>
+                        <a:lnB w="12700" cap="flat" cmpd="sng" algn="ctr">
+                          <a:solidFill>
+                            <a:schemeClr val="tx1"/>
+                          </a:solidFill>
+                          <a:prstDash val="solid"/>
+                          <a:round/>
+                          <a:headEnd type="none" w="med" len="med"/>
+                          <a:tailEnd type="none" w="med" len="med"/>
+                        </a:lnB>
+                        <a:solidFill>
+                          <a:schemeClr val="accent1">
+                            <a:lumMod val="40000"/>
+                            <a:lumOff val="60000"/>
+                          </a:schemeClr>
+                        </a:solidFill>
+                      </a:tcPr>
                     </a:tc>
                   </a:tr>
                 </a:tbl>
@@ -13503,7 +16279,7 @@
             </a:graphic>
           </p:graphicFrame>
         </mc:Choice>
-        <mc:Fallback xmlns="">
+        <mc:Fallback>
           <p:graphicFrame>
             <p:nvGraphicFramePr>
               <p:cNvPr id="5" name="Таблица 4"/>
@@ -13513,14 +16289,14 @@
               <p:nvPr>
                 <p:extLst>
                   <p:ext uri="{D42A27DB-BD31-4B8C-83A1-F6EECF244321}">
-                    <p14:modId xmlns:p14="http://schemas.microsoft.com/office/powerpoint/2010/main" val="2952047974"/>
+                    <p14:modId xmlns:p14="http://schemas.microsoft.com/office/powerpoint/2010/main" val="622758837"/>
                   </p:ext>
                 </p:extLst>
               </p:nvPr>
             </p:nvGraphicFramePr>
             <p:xfrm>
-              <a:off x="2766939" y="5436944"/>
-              <a:ext cx="6829988" cy="1112520"/>
+              <a:off x="838200" y="5243830"/>
+              <a:ext cx="10515602" cy="1112520"/>
             </p:xfrm>
             <a:graphic>
               <a:graphicData uri="http://schemas.openxmlformats.org/drawingml/2006/table">
@@ -13529,8 +16305,8 @@
                     <a:tableStyleId>{0505E3EF-67EA-436B-97B2-0124C06EBD24}</a:tableStyleId>
                   </a:tblPr>
                   <a:tblGrid>
-                    <a:gridCol w="3414994"/>
-                    <a:gridCol w="3414994"/>
+                    <a:gridCol w="5257801"/>
+                    <a:gridCol w="5257801"/>
                   </a:tblGrid>
                   <a:tr h="370840">
                     <a:tc>
@@ -13546,7 +16322,44 @@
                           <a:endParaRPr lang="ru-RU" dirty="0"/>
                         </a:p>
                       </a:txBody>
-                      <a:tcPr/>
+                      <a:tcPr>
+                        <a:lnL w="12700" cap="flat" cmpd="sng" algn="ctr">
+                          <a:solidFill>
+                            <a:schemeClr val="tx1"/>
+                          </a:solidFill>
+                          <a:prstDash val="solid"/>
+                          <a:round/>
+                          <a:headEnd type="none" w="med" len="med"/>
+                          <a:tailEnd type="none" w="med" len="med"/>
+                        </a:lnL>
+                        <a:lnR w="12700" cap="flat" cmpd="sng" algn="ctr">
+                          <a:solidFill>
+                            <a:schemeClr val="tx1"/>
+                          </a:solidFill>
+                          <a:prstDash val="solid"/>
+                          <a:round/>
+                          <a:headEnd type="none" w="med" len="med"/>
+                          <a:tailEnd type="none" w="med" len="med"/>
+                        </a:lnR>
+                        <a:lnT w="12700" cap="flat" cmpd="sng" algn="ctr">
+                          <a:solidFill>
+                            <a:schemeClr val="tx1"/>
+                          </a:solidFill>
+                          <a:prstDash val="solid"/>
+                          <a:round/>
+                          <a:headEnd type="none" w="med" len="med"/>
+                          <a:tailEnd type="none" w="med" len="med"/>
+                        </a:lnT>
+                        <a:lnB w="12700" cap="flat" cmpd="sng" algn="ctr">
+                          <a:solidFill>
+                            <a:schemeClr val="tx1"/>
+                          </a:solidFill>
+                          <a:prstDash val="solid"/>
+                          <a:round/>
+                          <a:headEnd type="none" w="med" len="med"/>
+                          <a:tailEnd type="none" w="med" len="med"/>
+                        </a:lnB>
+                      </a:tcPr>
                     </a:tc>
                     <a:tc>
                       <a:txBody>
@@ -13561,7 +16374,44 @@
                           <a:endParaRPr lang="ru-RU" dirty="0"/>
                         </a:p>
                       </a:txBody>
-                      <a:tcPr/>
+                      <a:tcPr>
+                        <a:lnL w="12700" cap="flat" cmpd="sng" algn="ctr">
+                          <a:solidFill>
+                            <a:schemeClr val="tx1"/>
+                          </a:solidFill>
+                          <a:prstDash val="solid"/>
+                          <a:round/>
+                          <a:headEnd type="none" w="med" len="med"/>
+                          <a:tailEnd type="none" w="med" len="med"/>
+                        </a:lnL>
+                        <a:lnR w="12700" cap="flat" cmpd="sng" algn="ctr">
+                          <a:solidFill>
+                            <a:schemeClr val="tx1"/>
+                          </a:solidFill>
+                          <a:prstDash val="solid"/>
+                          <a:round/>
+                          <a:headEnd type="none" w="med" len="med"/>
+                          <a:tailEnd type="none" w="med" len="med"/>
+                        </a:lnR>
+                        <a:lnT w="12700" cap="flat" cmpd="sng" algn="ctr">
+                          <a:solidFill>
+                            <a:schemeClr val="tx1"/>
+                          </a:solidFill>
+                          <a:prstDash val="solid"/>
+                          <a:round/>
+                          <a:headEnd type="none" w="med" len="med"/>
+                          <a:tailEnd type="none" w="med" len="med"/>
+                        </a:lnT>
+                        <a:lnB w="12700" cap="flat" cmpd="sng" algn="ctr">
+                          <a:solidFill>
+                            <a:schemeClr val="tx1"/>
+                          </a:solidFill>
+                          <a:prstDash val="solid"/>
+                          <a:round/>
+                          <a:headEnd type="none" w="med" len="med"/>
+                          <a:tailEnd type="none" w="med" len="med"/>
+                        </a:lnB>
+                      </a:tcPr>
                     </a:tc>
                   </a:tr>
                   <a:tr h="370840">
@@ -13573,16 +16423,59 @@
                           <a:pPr algn="ctr"/>
                           <a:r>
                             <a:rPr lang="ru-RU" dirty="0" smtClean="0"/>
-                            <a:t>К-кратчайших</a:t>
+                            <a:t>Алгоритм</a:t>
                           </a:r>
                           <a:r>
                             <a:rPr lang="ru-RU" baseline="0" dirty="0" smtClean="0"/>
-                            <a:t> маршрутов (Йена)</a:t>
+                            <a:t> Йена</a:t>
                           </a:r>
                           <a:endParaRPr lang="ru-RU" dirty="0"/>
                         </a:p>
                       </a:txBody>
-                      <a:tcPr/>
+                      <a:tcPr>
+                        <a:lnL w="12700" cap="flat" cmpd="sng" algn="ctr">
+                          <a:solidFill>
+                            <a:schemeClr val="tx1"/>
+                          </a:solidFill>
+                          <a:prstDash val="solid"/>
+                          <a:round/>
+                          <a:headEnd type="none" w="med" len="med"/>
+                          <a:tailEnd type="none" w="med" len="med"/>
+                        </a:lnL>
+                        <a:lnR w="12700" cap="flat" cmpd="sng" algn="ctr">
+                          <a:solidFill>
+                            <a:schemeClr val="tx1"/>
+                          </a:solidFill>
+                          <a:prstDash val="solid"/>
+                          <a:round/>
+                          <a:headEnd type="none" w="med" len="med"/>
+                          <a:tailEnd type="none" w="med" len="med"/>
+                        </a:lnR>
+                        <a:lnT w="12700" cap="flat" cmpd="sng" algn="ctr">
+                          <a:solidFill>
+                            <a:schemeClr val="tx1"/>
+                          </a:solidFill>
+                          <a:prstDash val="solid"/>
+                          <a:round/>
+                          <a:headEnd type="none" w="med" len="med"/>
+                          <a:tailEnd type="none" w="med" len="med"/>
+                        </a:lnT>
+                        <a:lnB w="12700" cap="flat" cmpd="sng" algn="ctr">
+                          <a:solidFill>
+                            <a:schemeClr val="tx1"/>
+                          </a:solidFill>
+                          <a:prstDash val="solid"/>
+                          <a:round/>
+                          <a:headEnd type="none" w="med" len="med"/>
+                          <a:tailEnd type="none" w="med" len="med"/>
+                        </a:lnB>
+                        <a:solidFill>
+                          <a:schemeClr val="accent1">
+                            <a:lumMod val="40000"/>
+                            <a:lumOff val="60000"/>
+                          </a:schemeClr>
+                        </a:solidFill>
+                      </a:tcPr>
                     </a:tc>
                     <a:tc>
                       <a:txBody>
@@ -13593,10 +16486,46 @@
                         </a:p>
                       </a:txBody>
                       <a:tcPr>
+                        <a:lnL w="12700" cap="flat" cmpd="sng" algn="ctr">
+                          <a:solidFill>
+                            <a:schemeClr val="tx1"/>
+                          </a:solidFill>
+                          <a:prstDash val="solid"/>
+                          <a:round/>
+                          <a:headEnd type="none" w="med" len="med"/>
+                          <a:tailEnd type="none" w="med" len="med"/>
+                        </a:lnL>
+                        <a:lnR w="12700" cap="flat" cmpd="sng" algn="ctr">
+                          <a:solidFill>
+                            <a:schemeClr val="tx1"/>
+                          </a:solidFill>
+                          <a:prstDash val="solid"/>
+                          <a:round/>
+                          <a:headEnd type="none" w="med" len="med"/>
+                          <a:tailEnd type="none" w="med" len="med"/>
+                        </a:lnR>
+                        <a:lnT w="12700" cap="flat" cmpd="sng" algn="ctr">
+                          <a:solidFill>
+                            <a:schemeClr val="tx1"/>
+                          </a:solidFill>
+                          <a:prstDash val="solid"/>
+                          <a:round/>
+                          <a:headEnd type="none" w="med" len="med"/>
+                          <a:tailEnd type="none" w="med" len="med"/>
+                        </a:lnT>
+                        <a:lnB w="12700" cap="flat" cmpd="sng" algn="ctr">
+                          <a:solidFill>
+                            <a:schemeClr val="tx1"/>
+                          </a:solidFill>
+                          <a:prstDash val="solid"/>
+                          <a:round/>
+                          <a:headEnd type="none" w="med" len="med"/>
+                          <a:tailEnd type="none" w="med" len="med"/>
+                        </a:lnB>
                         <a:blipFill rotWithShape="0">
                           <a:blip r:embed="rId4"/>
                           <a:stretch>
-                            <a:fillRect l="-100178" t="-106452" r="-357" b="-122581"/>
+                            <a:fillRect l="-100116" t="-108197" r="-232" b="-124590"/>
                           </a:stretch>
                         </a:blipFill>
                       </a:tcPr>
@@ -13616,7 +16545,50 @@
                           <a:endParaRPr lang="ru-RU" dirty="0"/>
                         </a:p>
                       </a:txBody>
-                      <a:tcPr/>
+                      <a:tcPr>
+                        <a:lnL w="12700" cap="flat" cmpd="sng" algn="ctr">
+                          <a:solidFill>
+                            <a:schemeClr val="tx1"/>
+                          </a:solidFill>
+                          <a:prstDash val="solid"/>
+                          <a:round/>
+                          <a:headEnd type="none" w="med" len="med"/>
+                          <a:tailEnd type="none" w="med" len="med"/>
+                        </a:lnL>
+                        <a:lnR w="12700" cap="flat" cmpd="sng" algn="ctr">
+                          <a:solidFill>
+                            <a:schemeClr val="tx1"/>
+                          </a:solidFill>
+                          <a:prstDash val="solid"/>
+                          <a:round/>
+                          <a:headEnd type="none" w="med" len="med"/>
+                          <a:tailEnd type="none" w="med" len="med"/>
+                        </a:lnR>
+                        <a:lnT w="12700" cap="flat" cmpd="sng" algn="ctr">
+                          <a:solidFill>
+                            <a:schemeClr val="tx1"/>
+                          </a:solidFill>
+                          <a:prstDash val="solid"/>
+                          <a:round/>
+                          <a:headEnd type="none" w="med" len="med"/>
+                          <a:tailEnd type="none" w="med" len="med"/>
+                        </a:lnT>
+                        <a:lnB w="12700" cap="flat" cmpd="sng" algn="ctr">
+                          <a:solidFill>
+                            <a:schemeClr val="tx1"/>
+                          </a:solidFill>
+                          <a:prstDash val="solid"/>
+                          <a:round/>
+                          <a:headEnd type="none" w="med" len="med"/>
+                          <a:tailEnd type="none" w="med" len="med"/>
+                        </a:lnB>
+                        <a:solidFill>
+                          <a:schemeClr val="accent1">
+                            <a:lumMod val="40000"/>
+                            <a:lumOff val="60000"/>
+                          </a:schemeClr>
+                        </a:solidFill>
+                      </a:tcPr>
                     </a:tc>
                     <a:tc>
                       <a:txBody>
@@ -13627,10 +16599,46 @@
                         </a:p>
                       </a:txBody>
                       <a:tcPr>
+                        <a:lnL w="12700" cap="flat" cmpd="sng" algn="ctr">
+                          <a:solidFill>
+                            <a:schemeClr val="tx1"/>
+                          </a:solidFill>
+                          <a:prstDash val="solid"/>
+                          <a:round/>
+                          <a:headEnd type="none" w="med" len="med"/>
+                          <a:tailEnd type="none" w="med" len="med"/>
+                        </a:lnL>
+                        <a:lnR w="12700" cap="flat" cmpd="sng" algn="ctr">
+                          <a:solidFill>
+                            <a:schemeClr val="tx1"/>
+                          </a:solidFill>
+                          <a:prstDash val="solid"/>
+                          <a:round/>
+                          <a:headEnd type="none" w="med" len="med"/>
+                          <a:tailEnd type="none" w="med" len="med"/>
+                        </a:lnR>
+                        <a:lnT w="12700" cap="flat" cmpd="sng" algn="ctr">
+                          <a:solidFill>
+                            <a:schemeClr val="tx1"/>
+                          </a:solidFill>
+                          <a:prstDash val="solid"/>
+                          <a:round/>
+                          <a:headEnd type="none" w="med" len="med"/>
+                          <a:tailEnd type="none" w="med" len="med"/>
+                        </a:lnT>
+                        <a:lnB w="12700" cap="flat" cmpd="sng" algn="ctr">
+                          <a:solidFill>
+                            <a:schemeClr val="tx1"/>
+                          </a:solidFill>
+                          <a:prstDash val="solid"/>
+                          <a:round/>
+                          <a:headEnd type="none" w="med" len="med"/>
+                          <a:tailEnd type="none" w="med" len="med"/>
+                        </a:lnB>
                         <a:blipFill rotWithShape="0">
                           <a:blip r:embed="rId4"/>
                           <a:stretch>
-                            <a:fillRect l="-100178" t="-209836" r="-357" b="-24590"/>
+                            <a:fillRect l="-100116" t="-208197" r="-232" b="-24590"/>
                           </a:stretch>
                         </a:blipFill>
                       </a:tcPr>
@@ -13642,6 +16650,71 @@
           </p:graphicFrame>
         </mc:Fallback>
       </mc:AlternateContent>
+      <p:sp>
+        <p:nvSpPr>
+          <p:cNvPr id="3" name="TextBox 2"/>
+          <p:cNvSpPr txBox="1"/>
+          <p:nvPr/>
+        </p:nvSpPr>
+        <p:spPr>
+          <a:xfrm>
+            <a:off x="838200" y="632389"/>
+            <a:ext cx="10515600" cy="461665"/>
+          </a:xfrm>
+          <a:prstGeom prst="rect">
+            <a:avLst/>
+          </a:prstGeom>
+          <a:noFill/>
+        </p:spPr>
+        <p:txBody>
+          <a:bodyPr wrap="square" rtlCol="0">
+            <a:spAutoFit/>
+          </a:bodyPr>
+          <a:lstStyle/>
+          <a:p>
+            <a:pPr algn="ctr"/>
+            <a:r>
+              <a:rPr lang="ru-RU" sz="2400" dirty="0" smtClean="0"/>
+              <a:t>Поиск кратчайших маршрутов</a:t>
+            </a:r>
+            <a:endParaRPr lang="ru-RU" sz="2400" dirty="0"/>
+          </a:p>
+        </p:txBody>
+      </p:sp>
+      <p:sp>
+        <p:nvSpPr>
+          <p:cNvPr id="8" name="Прямоугольник 7"/>
+          <p:cNvSpPr/>
+          <p:nvPr/>
+        </p:nvSpPr>
+        <p:spPr>
+          <a:xfrm>
+            <a:off x="3705415" y="4756940"/>
+            <a:ext cx="4781182" cy="461665"/>
+          </a:xfrm>
+          <a:prstGeom prst="rect">
+            <a:avLst/>
+          </a:prstGeom>
+        </p:spPr>
+        <p:txBody>
+          <a:bodyPr wrap="none">
+            <a:spAutoFit/>
+          </a:bodyPr>
+          <a:lstStyle/>
+          <a:p>
+            <a:pPr algn="ctr"/>
+            <a:r>
+              <a:rPr lang="ru-RU" sz="2400" dirty="0"/>
+              <a:t>Поиск </a:t>
+            </a:r>
+            <a:r>
+              <a:rPr lang="ru-RU" sz="2400" dirty="0" smtClean="0"/>
+              <a:t>субоптимальных маршрутов</a:t>
+            </a:r>
+            <a:endParaRPr lang="ru-RU" sz="2400" dirty="0"/>
+          </a:p>
+        </p:txBody>
+      </p:sp>
     </p:spTree>
     <p:extLst>
       <p:ext uri="{BB962C8B-B14F-4D97-AF65-F5344CB8AC3E}">
@@ -13820,8 +16893,8 @@
           <a:chExt cx="0" cy="0"/>
         </a:xfrm>
       </p:grpSpPr>
-      <mc:AlternateContent xmlns:mc="http://schemas.openxmlformats.org/markup-compatibility/2006" xmlns:a14="http://schemas.microsoft.com/office/drawing/2010/main">
-        <mc:Choice Requires="a14">
+      <mc:AlternateContent xmlns:mc="http://schemas.openxmlformats.org/markup-compatibility/2006">
+        <mc:Choice xmlns:a14="http://schemas.microsoft.com/office/drawing/2010/main" Requires="a14">
           <p:sp>
             <p:nvSpPr>
               <p:cNvPr id="4" name="Объект 2"/>
@@ -13840,14 +16913,14 @@
             </p:spPr>
             <p:txBody>
               <a:bodyPr>
-                <a:normAutofit lnSpcReduction="10000"/>
+                <a:normAutofit fontScale="92500" lnSpcReduction="10000"/>
               </a:bodyPr>
               <a:lstStyle/>
               <a:p>
                 <a14:m>
                   <m:oMath xmlns:m="http://schemas.openxmlformats.org/officeDocument/2006/math">
                     <m:r>
-                      <a:rPr lang="en-US" sz="2400" i="1">
+                      <a:rPr lang="en-US" sz="2400" i="1" smtClean="0">
                         <a:latin typeface="Cambria Math" panose="02040503050406030204" pitchFamily="18" charset="0"/>
                       </a:rPr>
                       <m:t>𝐺</m:t>
@@ -14044,8 +17117,17 @@
                   <a:rPr lang="ru-RU" sz="2400" dirty="0">
                     <a:cs typeface="Times New Roman" panose="02020603050405020304" pitchFamily="18" charset="0"/>
                   </a:rPr>
-                  <a:t>Ребрами графа являются дороги, соединяющие пару вершин.</a:t>
+                  <a:t>Ребрами графа являются дороги, соединяющие </a:t>
                 </a:r>
+                <a:r>
+                  <a:rPr lang="ru-RU" sz="2400" dirty="0" smtClean="0">
+                    <a:cs typeface="Times New Roman" panose="02020603050405020304" pitchFamily="18" charset="0"/>
+                  </a:rPr>
+                  <a:t>перекрестки.</a:t>
+                </a:r>
+                <a:endParaRPr lang="ru-RU" sz="2400" dirty="0">
+                  <a:cs typeface="Times New Roman" panose="02020603050405020304" pitchFamily="18" charset="0"/>
+                </a:endParaRPr>
               </a:p>
               <a:p>
                 <a:r>
@@ -14070,8 +17152,11 @@
                   <a:rPr lang="ru-RU" sz="2400" dirty="0" smtClean="0">
                     <a:cs typeface="Times New Roman" panose="02020603050405020304" pitchFamily="18" charset="0"/>
                   </a:rPr>
-                  <a:t>дороги, вид дорожного покрытия.</a:t>
+                  <a:t>дороги, название.</a:t>
                 </a:r>
+                <a:endParaRPr lang="ru-RU" sz="2400" dirty="0" smtClean="0">
+                  <a:cs typeface="Times New Roman" panose="02020603050405020304" pitchFamily="18" charset="0"/>
+                </a:endParaRPr>
               </a:p>
               <a:p>
                 <a:r>
@@ -14406,8 +17491,161 @@
                 </a:pPr>
                 <a14:m>
                   <m:oMath xmlns:m="http://schemas.openxmlformats.org/officeDocument/2006/math">
+                    <m:sSub>
+                      <m:sSubPr>
+                        <m:ctrlPr>
+                          <a:rPr lang="ru-RU" sz="2400" i="1">
+                            <a:latin typeface="Cambria Math" panose="02040503050406030204" pitchFamily="18" charset="0"/>
+                          </a:rPr>
+                        </m:ctrlPr>
+                      </m:sSubPr>
+                      <m:e>
+                        <m:r>
+                          <a:rPr lang="ru-RU" sz="2400" i="1">
+                            <a:latin typeface="Cambria Math" panose="02040503050406030204" pitchFamily="18" charset="0"/>
+                          </a:rPr>
+                          <m:t>𝜑</m:t>
+                        </m:r>
+                      </m:e>
+                      <m:sub>
+                        <m:r>
+                          <a:rPr lang="en-US" sz="2400" i="1">
+                            <a:latin typeface="Cambria Math" panose="02040503050406030204" pitchFamily="18" charset="0"/>
+                          </a:rPr>
+                          <m:t>𝐴</m:t>
+                        </m:r>
+                      </m:sub>
+                    </m:sSub>
                     <m:r>
-                      <a:rPr lang="en-US" sz="2400" i="1" dirty="0">
+                      <a:rPr lang="en-US" sz="2400" b="0" i="0" smtClean="0">
+                        <a:latin typeface="Cambria Math" panose="02040503050406030204" pitchFamily="18" charset="0"/>
+                      </a:rPr>
+                      <m:t>,</m:t>
+                    </m:r>
+                    <m:sSub>
+                      <m:sSubPr>
+                        <m:ctrlPr>
+                          <a:rPr lang="ru-RU" sz="2400" i="1">
+                            <a:latin typeface="Cambria Math" panose="02040503050406030204" pitchFamily="18" charset="0"/>
+                          </a:rPr>
+                        </m:ctrlPr>
+                      </m:sSubPr>
+                      <m:e>
+                        <m:r>
+                          <a:rPr lang="ru-RU" sz="2400" i="1">
+                            <a:latin typeface="Cambria Math" panose="02040503050406030204" pitchFamily="18" charset="0"/>
+                          </a:rPr>
+                          <m:t>𝜑</m:t>
+                        </m:r>
+                      </m:e>
+                      <m:sub>
+                        <m:r>
+                          <a:rPr lang="en-US" sz="2400" i="1">
+                            <a:latin typeface="Cambria Math" panose="02040503050406030204" pitchFamily="18" charset="0"/>
+                          </a:rPr>
+                          <m:t>𝐵</m:t>
+                        </m:r>
+                      </m:sub>
+                    </m:sSub>
+                    <m:r>
+                      <a:rPr lang="en-US" sz="2400" b="0" i="1" smtClean="0">
+                        <a:latin typeface="Cambria Math" panose="02040503050406030204" pitchFamily="18" charset="0"/>
+                      </a:rPr>
+                      <m:t>,</m:t>
+                    </m:r>
+                    <m:sSub>
+                      <m:sSubPr>
+                        <m:ctrlPr>
+                          <a:rPr lang="ru-RU" sz="2400" i="1">
+                            <a:latin typeface="Cambria Math" panose="02040503050406030204" pitchFamily="18" charset="0"/>
+                          </a:rPr>
+                        </m:ctrlPr>
+                      </m:sSubPr>
+                      <m:e>
+                        <m:r>
+                          <a:rPr lang="ru-RU" sz="2400" i="1">
+                            <a:latin typeface="Cambria Math" panose="02040503050406030204" pitchFamily="18" charset="0"/>
+                          </a:rPr>
+                          <m:t>𝜆</m:t>
+                        </m:r>
+                      </m:e>
+                      <m:sub>
+                        <m:r>
+                          <a:rPr lang="en-US" sz="2400" i="1">
+                            <a:latin typeface="Cambria Math" panose="02040503050406030204" pitchFamily="18" charset="0"/>
+                          </a:rPr>
+                          <m:t>𝐴</m:t>
+                        </m:r>
+                      </m:sub>
+                    </m:sSub>
+                    <m:r>
+                      <a:rPr lang="en-US" sz="2400" b="0" i="1" smtClean="0">
+                        <a:latin typeface="Cambria Math" panose="02040503050406030204" pitchFamily="18" charset="0"/>
+                      </a:rPr>
+                      <m:t>,</m:t>
+                    </m:r>
+                    <m:sSub>
+                      <m:sSubPr>
+                        <m:ctrlPr>
+                          <a:rPr lang="ru-RU" sz="2400" i="1">
+                            <a:latin typeface="Cambria Math" panose="02040503050406030204" pitchFamily="18" charset="0"/>
+                          </a:rPr>
+                        </m:ctrlPr>
+                      </m:sSubPr>
+                      <m:e>
+                        <m:r>
+                          <a:rPr lang="ru-RU" sz="2400" i="1">
+                            <a:latin typeface="Cambria Math" panose="02040503050406030204" pitchFamily="18" charset="0"/>
+                          </a:rPr>
+                          <m:t>𝜆</m:t>
+                        </m:r>
+                      </m:e>
+                      <m:sub>
+                        <m:r>
+                          <a:rPr lang="en-US" sz="2400" i="1">
+                            <a:latin typeface="Cambria Math" panose="02040503050406030204" pitchFamily="18" charset="0"/>
+                          </a:rPr>
+                          <m:t>𝐵</m:t>
+                        </m:r>
+                      </m:sub>
+                    </m:sSub>
+                    <m:r>
+                      <a:rPr lang="en-US" sz="2400" b="0" i="1" smtClean="0">
+                        <a:latin typeface="Cambria Math" panose="02040503050406030204" pitchFamily="18" charset="0"/>
+                      </a:rPr>
+                      <m:t> </m:t>
+                    </m:r>
+                  </m:oMath>
+                </a14:m>
+                <a:r>
+                  <a:rPr lang="en-US" sz="2400" dirty="0" smtClean="0">
+                    <a:latin typeface="Times New Roman" panose="02020603050405020304" pitchFamily="18" charset="0"/>
+                    <a:cs typeface="Times New Roman" panose="02020603050405020304" pitchFamily="18" charset="0"/>
+                  </a:rPr>
+                  <a:t>– </a:t>
+                </a:r>
+                <a:r>
+                  <a:rPr lang="ru-RU" sz="2400" dirty="0" smtClean="0">
+                    <a:cs typeface="Times New Roman" panose="02020603050405020304" pitchFamily="18" charset="0"/>
+                  </a:rPr>
+                  <a:t>широты и долготы начальной и конечной точек,</a:t>
+                </a:r>
+              </a:p>
+              <a:p>
+                <a:pPr marL="0" indent="0" algn="ctr">
+                  <a:buNone/>
+                </a:pPr>
+                <a:r>
+                  <a:rPr lang="en-US" sz="2400" dirty="0" smtClean="0">
+                    <a:latin typeface="Times New Roman" panose="02020603050405020304" pitchFamily="18" charset="0"/>
+                    <a:cs typeface="Times New Roman" panose="02020603050405020304" pitchFamily="18" charset="0"/>
+                  </a:rPr>
+                  <a:t> </a:t>
+                </a:r>
+                <a14:m>
+                  <m:oMath xmlns:m="http://schemas.openxmlformats.org/officeDocument/2006/math">
+                    <m:r>
+                      <a:rPr lang="en-US" sz="2400" b="0" i="1" smtClean="0">
                         <a:latin typeface="Cambria Math" panose="02040503050406030204" pitchFamily="18" charset="0"/>
                         <a:cs typeface="Times New Roman" panose="02020603050405020304" pitchFamily="18" charset="0"/>
                       </a:rPr>
@@ -14416,14 +17654,7 @@
                   </m:oMath>
                 </a14:m>
                 <a:r>
-                  <a:rPr lang="ru-RU" sz="2400" dirty="0" smtClean="0">
-                    <a:latin typeface="Times New Roman" panose="02020603050405020304" pitchFamily="18" charset="0"/>
-                    <a:cs typeface="Times New Roman" panose="02020603050405020304" pitchFamily="18" charset="0"/>
-                  </a:rPr>
-                  <a:t> </a:t>
-                </a:r>
-                <a:r>
-                  <a:rPr lang="en-US" sz="2400" dirty="0">
+                  <a:rPr lang="en-US" sz="2400" dirty="0" smtClean="0">
                     <a:latin typeface="Times New Roman" panose="02020603050405020304" pitchFamily="18" charset="0"/>
                     <a:cs typeface="Times New Roman" panose="02020603050405020304" pitchFamily="18" charset="0"/>
                   </a:rPr>
@@ -14535,7 +17766,7 @@
             </p:txBody>
           </p:sp>
         </mc:Choice>
-        <mc:Fallback xmlns="">
+        <mc:Fallback>
           <p:sp>
             <p:nvSpPr>
               <p:cNvPr id="4" name="Объект 2"/>
@@ -14554,7 +17785,7 @@
               <a:blipFill rotWithShape="0">
                 <a:blip r:embed="rId2"/>
                 <a:stretch>
-                  <a:fillRect l="-812" t="-2331" r="-986"/>
+                  <a:fillRect l="-696" t="-1981" r="-928"/>
                 </a:stretch>
               </a:blipFill>
             </p:spPr>
@@ -14732,15 +17963,23 @@
             </a:pPr>
             <a:r>
               <a:rPr lang="ru-RU" sz="2000" dirty="0" smtClean="0"/>
-              <a:t>2. Получение из </a:t>
+              <a:t>2. </a:t>
+            </a:r>
+            <a:r>
+              <a:rPr lang="ru-RU" sz="2000" dirty="0" smtClean="0"/>
+              <a:t>Создание на основе этого файла реляционной БД </a:t>
             </a:r>
             <a:r>
               <a:rPr lang="en-US" sz="2000" dirty="0" smtClean="0"/>
-              <a:t>XML-</a:t>
+              <a:t>MS SQL Server</a:t>
             </a:r>
             <a:r>
               <a:rPr lang="ru-RU" sz="2000" dirty="0" smtClean="0"/>
-              <a:t>файла базы данных с информацией обо всех дорогах</a:t>
+              <a:t> с </a:t>
+            </a:r>
+            <a:r>
+              <a:rPr lang="ru-RU" sz="2000" dirty="0" smtClean="0"/>
+              <a:t>информацией обо всех дорогах</a:t>
             </a:r>
           </a:p>
           <a:p>
@@ -14749,7 +17988,15 @@
             </a:pPr>
             <a:r>
               <a:rPr lang="ru-RU" sz="2000" dirty="0" smtClean="0"/>
-              <a:t>3. Удаление из базы всех дорог, по которым запрещено движение на велосипеде</a:t>
+              <a:t>3. Удаление из базы всех дорог, по которым </a:t>
+            </a:r>
+            <a:r>
+              <a:rPr lang="ru-RU" sz="2000" dirty="0" smtClean="0"/>
+              <a:t>невозможно </a:t>
+            </a:r>
+            <a:r>
+              <a:rPr lang="ru-RU" sz="2000" dirty="0" smtClean="0"/>
+              <a:t>движение на велосипеде</a:t>
             </a:r>
           </a:p>
           <a:p>
@@ -14762,8 +18009,13 @@
             </a:r>
             <a:r>
               <a:rPr lang="ru-RU" sz="2000" dirty="0" smtClean="0"/>
-              <a:t>. Получение вершин графа (пересечения дорог)</a:t>
-            </a:r>
+              <a:t>. Получение вершин графа </a:t>
+            </a:r>
+            <a:r>
+              <a:rPr lang="ru-RU" sz="2000" dirty="0" smtClean="0"/>
+              <a:t>из БД</a:t>
+            </a:r>
+            <a:endParaRPr lang="ru-RU" sz="2000" dirty="0" smtClean="0"/>
           </a:p>
           <a:p>
             <a:pPr marL="0" indent="0" algn="ctr">
@@ -14775,7 +18027,19 @@
             </a:r>
             <a:r>
               <a:rPr lang="ru-RU" sz="2000" dirty="0" smtClean="0"/>
-              <a:t>. Создание </a:t>
+              <a:t>. </a:t>
+            </a:r>
+            <a:r>
+              <a:rPr lang="ru-RU" sz="2000" dirty="0" smtClean="0"/>
+              <a:t>Создание </a:t>
+            </a:r>
+            <a:r>
+              <a:rPr lang="ru-RU" sz="2000" dirty="0" err="1" smtClean="0"/>
+              <a:t>нереляционной</a:t>
+            </a:r>
+            <a:r>
+              <a:rPr lang="ru-RU" sz="2000" dirty="0" smtClean="0"/>
+              <a:t> </a:t>
             </a:r>
             <a:r>
               <a:rPr lang="ru-RU" sz="2000" dirty="0" err="1" smtClean="0"/>
@@ -14852,7 +18116,7 @@
         <p:spPr>
           <a:xfrm>
             <a:off x="838200" y="3738145"/>
-            <a:ext cx="10515600" cy="2800767"/>
+            <a:ext cx="10288424" cy="2800767"/>
           </a:xfrm>
           <a:prstGeom prst="rect">
             <a:avLst/>
@@ -15973,7 +19237,7 @@
       </p:sp>
       <p:pic>
         <p:nvPicPr>
-          <p:cNvPr id="6" name="Рисунок 5"/>
+          <p:cNvPr id="5" name="Рисунок 4"/>
           <p:cNvPicPr>
             <a:picLocks noChangeAspect="1"/>
           </p:cNvPicPr>
@@ -15993,8 +19257,8 @@
         </p:blipFill>
         <p:spPr>
           <a:xfrm>
-            <a:off x="0" y="1325563"/>
-            <a:ext cx="12192000" cy="5292471"/>
+            <a:off x="0" y="1269928"/>
+            <a:ext cx="12192000" cy="5086422"/>
           </a:xfrm>
           <a:prstGeom prst="rect">
             <a:avLst/>

--- a/Documentation/Метод построения велосипедных маршрутов.pptx
+++ b/Documentation/Метод построения велосипедных маршрутов.pptx
@@ -322,11 +322,11 @@
           <c:showPercent val="0"/>
           <c:showBubbleSize val="0"/>
         </c:dLbls>
-        <c:axId val="214271136"/>
-        <c:axId val="214271696"/>
+        <c:axId val="170000032"/>
+        <c:axId val="170000592"/>
       </c:scatterChart>
       <c:valAx>
-        <c:axId val="214271136"/>
+        <c:axId val="170000032"/>
         <c:scaling>
           <c:orientation val="minMax"/>
         </c:scaling>
@@ -440,12 +440,12 @@
             <a:endParaRPr lang="ru-RU"/>
           </a:p>
         </c:txPr>
-        <c:crossAx val="214271696"/>
+        <c:crossAx val="170000592"/>
         <c:crosses val="autoZero"/>
         <c:crossBetween val="midCat"/>
       </c:valAx>
       <c:valAx>
-        <c:axId val="214271696"/>
+        <c:axId val="170000592"/>
         <c:scaling>
           <c:orientation val="minMax"/>
         </c:scaling>
@@ -574,7 +574,7 @@
             <a:endParaRPr lang="ru-RU"/>
           </a:p>
         </c:txPr>
-        <c:crossAx val="214271136"/>
+        <c:crossAx val="170000032"/>
         <c:crosses val="autoZero"/>
         <c:crossBetween val="midCat"/>
       </c:valAx>
@@ -834,11 +834,11 @@
           <c:showPercent val="0"/>
           <c:showBubbleSize val="0"/>
         </c:dLbls>
-        <c:axId val="214274496"/>
-        <c:axId val="214275056"/>
+        <c:axId val="170003392"/>
+        <c:axId val="170003952"/>
       </c:scatterChart>
       <c:valAx>
-        <c:axId val="214274496"/>
+        <c:axId val="170003392"/>
         <c:scaling>
           <c:orientation val="minMax"/>
         </c:scaling>
@@ -964,12 +964,12 @@
             <a:endParaRPr lang="ru-RU"/>
           </a:p>
         </c:txPr>
-        <c:crossAx val="214275056"/>
+        <c:crossAx val="170003952"/>
         <c:crosses val="autoZero"/>
         <c:crossBetween val="midCat"/>
       </c:valAx>
       <c:valAx>
-        <c:axId val="214275056"/>
+        <c:axId val="170003952"/>
         <c:scaling>
           <c:orientation val="minMax"/>
         </c:scaling>
@@ -1089,7 +1089,7 @@
             <a:endParaRPr lang="ru-RU"/>
           </a:p>
         </c:txPr>
-        <c:crossAx val="214274496"/>
+        <c:crossAx val="170003392"/>
         <c:crosses val="autoZero"/>
         <c:crossBetween val="midCat"/>
       </c:valAx>
@@ -1340,11 +1340,11 @@
           <c:showPercent val="0"/>
           <c:showBubbleSize val="0"/>
         </c:dLbls>
-        <c:axId val="214277856"/>
-        <c:axId val="214278416"/>
+        <c:axId val="170006752"/>
+        <c:axId val="170007312"/>
       </c:scatterChart>
       <c:valAx>
-        <c:axId val="214277856"/>
+        <c:axId val="170006752"/>
         <c:scaling>
           <c:orientation val="minMax"/>
         </c:scaling>
@@ -1462,12 +1462,12 @@
             <a:endParaRPr lang="ru-RU"/>
           </a:p>
         </c:txPr>
-        <c:crossAx val="214278416"/>
+        <c:crossAx val="170007312"/>
         <c:crosses val="autoZero"/>
         <c:crossBetween val="midCat"/>
       </c:valAx>
       <c:valAx>
-        <c:axId val="214278416"/>
+        <c:axId val="170007312"/>
         <c:scaling>
           <c:orientation val="minMax"/>
         </c:scaling>
@@ -1587,7 +1587,7 @@
             <a:endParaRPr lang="ru-RU"/>
           </a:p>
         </c:txPr>
-        <c:crossAx val="214277856"/>
+        <c:crossAx val="170006752"/>
         <c:crosses val="autoZero"/>
         <c:crossBetween val="midCat"/>
       </c:valAx>
@@ -1857,11 +1857,11 @@
           <c:showPercent val="0"/>
           <c:showBubbleSize val="0"/>
         </c:dLbls>
-        <c:axId val="32992032"/>
-        <c:axId val="215358416"/>
+        <c:axId val="170010112"/>
+        <c:axId val="170010672"/>
       </c:scatterChart>
       <c:valAx>
-        <c:axId val="32992032"/>
+        <c:axId val="170010112"/>
         <c:scaling>
           <c:orientation val="minMax"/>
         </c:scaling>
@@ -1981,12 +1981,12 @@
             <a:endParaRPr lang="ru-RU"/>
           </a:p>
         </c:txPr>
-        <c:crossAx val="215358416"/>
+        <c:crossAx val="170010672"/>
         <c:crosses val="autoZero"/>
         <c:crossBetween val="midCat"/>
       </c:valAx>
       <c:valAx>
-        <c:axId val="215358416"/>
+        <c:axId val="170010672"/>
         <c:scaling>
           <c:orientation val="minMax"/>
         </c:scaling>
@@ -2106,7 +2106,7 @@
             <a:endParaRPr lang="ru-RU"/>
           </a:p>
         </c:txPr>
-        <c:crossAx val="32992032"/>
+        <c:crossAx val="170010112"/>
         <c:crosses val="autoZero"/>
         <c:crossBetween val="midCat"/>
       </c:valAx>
@@ -4483,7 +4483,7 @@
           <a:p>
             <a:fld id="{2C1D5852-CB3A-4E71-BFCB-A6B4538832B4}" type="datetimeFigureOut">
               <a:rPr lang="ru-RU" smtClean="0"/>
-              <a:t>02.06.2015</a:t>
+              <a:t>03.06.2015</a:t>
             </a:fld>
             <a:endParaRPr lang="ru-RU"/>
           </a:p>
@@ -5218,7 +5218,7 @@
           <a:p>
             <a:fld id="{36E5FA18-BC3F-4D53-94AB-C0F3B1B8377F}" type="datetime1">
               <a:rPr lang="ru-RU" smtClean="0"/>
-              <a:t>02.06.2015</a:t>
+              <a:t>03.06.2015</a:t>
             </a:fld>
             <a:endParaRPr lang="ru-RU"/>
           </a:p>
@@ -5396,7 +5396,7 @@
           <a:p>
             <a:fld id="{21567A10-74FB-4B80-9638-7BCE9781867C}" type="datetime1">
               <a:rPr lang="ru-RU" smtClean="0"/>
-              <a:t>02.06.2015</a:t>
+              <a:t>03.06.2015</a:t>
             </a:fld>
             <a:endParaRPr lang="ru-RU"/>
           </a:p>
@@ -5577,7 +5577,7 @@
           <a:p>
             <a:fld id="{81142080-0B71-4B20-B0E2-9DFC0B1CFBEE}" type="datetime1">
               <a:rPr lang="ru-RU" smtClean="0"/>
-              <a:t>02.06.2015</a:t>
+              <a:t>03.06.2015</a:t>
             </a:fld>
             <a:endParaRPr lang="ru-RU"/>
           </a:p>
@@ -5748,7 +5748,7 @@
           <a:p>
             <a:fld id="{E2255E6C-A322-4AC3-828D-B9E85E64A896}" type="datetime1">
               <a:rPr lang="ru-RU" smtClean="0"/>
-              <a:t>02.06.2015</a:t>
+              <a:t>03.06.2015</a:t>
             </a:fld>
             <a:endParaRPr lang="ru-RU"/>
           </a:p>
@@ -5995,7 +5995,7 @@
           <a:p>
             <a:fld id="{BA497A56-8E1D-40EB-A88D-614A29B47FFB}" type="datetime1">
               <a:rPr lang="ru-RU" smtClean="0"/>
-              <a:t>02.06.2015</a:t>
+              <a:t>03.06.2015</a:t>
             </a:fld>
             <a:endParaRPr lang="ru-RU"/>
           </a:p>
@@ -6228,7 +6228,7 @@
           <a:p>
             <a:fld id="{1DB1DE17-48AA-43E9-826A-5B3B2EB8A459}" type="datetime1">
               <a:rPr lang="ru-RU" smtClean="0"/>
-              <a:t>02.06.2015</a:t>
+              <a:t>03.06.2015</a:t>
             </a:fld>
             <a:endParaRPr lang="ru-RU"/>
           </a:p>
@@ -6596,7 +6596,7 @@
           <a:p>
             <a:fld id="{16378FA1-9B63-4F30-8EDE-C679ADDB5553}" type="datetime1">
               <a:rPr lang="ru-RU" smtClean="0"/>
-              <a:t>02.06.2015</a:t>
+              <a:t>03.06.2015</a:t>
             </a:fld>
             <a:endParaRPr lang="ru-RU"/>
           </a:p>
@@ -6715,7 +6715,7 @@
           <a:p>
             <a:fld id="{4B4531DD-F7E9-4FA2-981F-44CA782140A8}" type="datetime1">
               <a:rPr lang="ru-RU" smtClean="0"/>
-              <a:t>02.06.2015</a:t>
+              <a:t>03.06.2015</a:t>
             </a:fld>
             <a:endParaRPr lang="ru-RU"/>
           </a:p>
@@ -6811,7 +6811,7 @@
           <a:p>
             <a:fld id="{F6C21C51-16DF-40AF-A145-F8DD54F2C411}" type="datetime1">
               <a:rPr lang="ru-RU" smtClean="0"/>
-              <a:t>02.06.2015</a:t>
+              <a:t>03.06.2015</a:t>
             </a:fld>
             <a:endParaRPr lang="ru-RU"/>
           </a:p>
@@ -7089,7 +7089,7 @@
           <a:p>
             <a:fld id="{344ABABC-77B2-4D56-855A-B4C40E6CF024}" type="datetime1">
               <a:rPr lang="ru-RU" smtClean="0"/>
-              <a:t>02.06.2015</a:t>
+              <a:t>03.06.2015</a:t>
             </a:fld>
             <a:endParaRPr lang="ru-RU"/>
           </a:p>
@@ -7343,7 +7343,7 @@
           <a:p>
             <a:fld id="{0FD2389D-C24C-4010-A8CA-3B85131275A4}" type="datetime1">
               <a:rPr lang="ru-RU" smtClean="0"/>
-              <a:t>02.06.2015</a:t>
+              <a:t>03.06.2015</a:t>
             </a:fld>
             <a:endParaRPr lang="ru-RU"/>
           </a:p>
@@ -7557,7 +7557,7 @@
           <a:p>
             <a:fld id="{4F036123-8708-4B1E-AC94-78648E3B1BD3}" type="datetime1">
               <a:rPr lang="ru-RU" smtClean="0"/>
-              <a:t>02.06.2015</a:t>
+              <a:t>03.06.2015</a:t>
             </a:fld>
             <a:endParaRPr lang="ru-RU"/>
           </a:p>
@@ -8848,8 +8848,8 @@
           <a:chExt cx="0" cy="0"/>
         </a:xfrm>
       </p:grpSpPr>
-      <mc:AlternateContent xmlns:mc="http://schemas.openxmlformats.org/markup-compatibility/2006">
-        <mc:Choice xmlns:a14="http://schemas.microsoft.com/office/drawing/2010/main" Requires="a14">
+      <mc:AlternateContent xmlns:mc="http://schemas.openxmlformats.org/markup-compatibility/2006" xmlns:a14="http://schemas.microsoft.com/office/drawing/2010/main">
+        <mc:Choice Requires="a14">
           <p:sp>
             <p:nvSpPr>
               <p:cNvPr id="4" name="Объект 2"/>
@@ -8882,15 +8882,7 @@
                 </a:r>
                 <a:r>
                   <a:rPr lang="ru-RU" sz="3000" dirty="0" smtClean="0"/>
-                  <a:t> маршрута вычисляется </a:t>
-                </a:r>
-                <a:r>
-                  <a:rPr lang="ru-RU" sz="3000" dirty="0" smtClean="0"/>
-                  <a:t>коэффициент безопасности </a:t>
-                </a:r>
-                <a:r>
-                  <a:rPr lang="ru-RU" sz="3000" dirty="0" smtClean="0"/>
-                  <a:t>по следующей формуле</a:t>
+                  <a:t> маршрута вычисляется коэффициент безопасности по следующей формуле</a:t>
                 </a:r>
                 <a:r>
                   <a:rPr lang="en-US" sz="3000" dirty="0" smtClean="0"/>
@@ -9037,15 +9029,7 @@
                 </a:r>
                 <a:r>
                   <a:rPr lang="ru-RU" sz="3000" dirty="0" smtClean="0"/>
-                  <a:t>является </a:t>
-                </a:r>
-                <a:r>
-                  <a:rPr lang="ru-RU" sz="3000" dirty="0" smtClean="0"/>
-                  <a:t>наиболее безопасным </a:t>
-                </a:r>
-                <a:r>
-                  <a:rPr lang="ru-RU" sz="3000" dirty="0" smtClean="0"/>
-                  <a:t>из найденных, если</a:t>
+                  <a:t>является наиболее безопасным из найденных, если</a:t>
                 </a:r>
                 <a:r>
                   <a:rPr lang="en-US" sz="3000" dirty="0" smtClean="0"/>
@@ -9080,11 +9064,7 @@
                 </a:r>
                 <a:r>
                   <a:rPr lang="ru-RU" sz="3000" dirty="0" smtClean="0"/>
-                  <a:t>является </a:t>
-                </a:r>
-                <a:r>
-                  <a:rPr lang="ru-RU" sz="3000" dirty="0" smtClean="0"/>
-                  <a:t>спортивным если</a:t>
+                  <a:t>является спортивным если</a:t>
                 </a:r>
                 <a:r>
                   <a:rPr lang="en-US" sz="3000" dirty="0" smtClean="0"/>
@@ -9122,7 +9102,7 @@
             </p:txBody>
           </p:sp>
         </mc:Choice>
-        <mc:Fallback>
+        <mc:Fallback xmlns="">
           <p:sp>
             <p:nvSpPr>
               <p:cNvPr id="4" name="Объект 2"/>
@@ -9204,15 +9184,7 @@
             <a:pPr algn="ctr"/>
             <a:r>
               <a:rPr lang="ru-RU" dirty="0" smtClean="0"/>
-              <a:t>Выбор маршрута в зависимости </a:t>
-            </a:r>
-            <a:r>
-              <a:rPr lang="ru-RU" dirty="0" smtClean="0"/>
-              <a:t>от его </a:t>
-            </a:r>
-            <a:r>
-              <a:rPr lang="ru-RU" dirty="0" smtClean="0"/>
-              <a:t>вида</a:t>
+              <a:t>Выбор маршрута в зависимости от его вида</a:t>
             </a:r>
             <a:endParaRPr lang="ru-RU" dirty="0"/>
           </a:p>
@@ -9617,8 +9589,8 @@
           </p:sp>
         </mc:Fallback>
       </mc:AlternateContent>
-      <mc:AlternateContent xmlns:mc="http://schemas.openxmlformats.org/markup-compatibility/2006">
-        <mc:Choice xmlns:a14="http://schemas.microsoft.com/office/drawing/2010/main" Requires="a14">
+      <mc:AlternateContent xmlns:mc="http://schemas.openxmlformats.org/markup-compatibility/2006" xmlns:a14="http://schemas.microsoft.com/office/drawing/2010/main">
+        <mc:Choice Requires="a14">
           <p:sp>
             <p:nvSpPr>
               <p:cNvPr id="8" name="Прямоугольник 7"/>
@@ -9792,7 +9764,7 @@
             </p:txBody>
           </p:sp>
         </mc:Choice>
-        <mc:Fallback>
+        <mc:Fallback xmlns="">
           <p:sp>
             <p:nvSpPr>
               <p:cNvPr id="8" name="Прямоугольник 7"/>
@@ -10420,21 +10392,13 @@
           <a:p>
             <a:r>
               <a:rPr lang="ru-RU" dirty="0" smtClean="0"/>
-              <a:t>Эксперименты проведены </a:t>
-            </a:r>
+              <a:t>Эксперименты проведены для алгоритма Йена при К = 2; 5; 15</a:t>
+            </a:r>
+          </a:p>
+          <a:p>
             <a:r>
               <a:rPr lang="ru-RU" dirty="0" smtClean="0"/>
-              <a:t>для алгоритма Йена при К = 2; 5; 15</a:t>
-            </a:r>
-          </a:p>
-          <a:p>
-            <a:r>
-              <a:rPr lang="ru-RU" dirty="0" smtClean="0"/>
-              <a:t> и алгоритма поиска Е-близких маршрутов при</a:t>
-            </a:r>
-            <a:r>
-              <a:rPr lang="ru-RU" dirty="0" smtClean="0"/>
-              <a:t> </a:t>
+              <a:t> и алгоритма поиска Е-близких маршрутов при </a:t>
             </a:r>
             <a:r>
               <a:rPr lang="en-US" dirty="0" smtClean="0"/>
@@ -10849,11 +10813,7 @@
             <a:pPr lvl="0"/>
             <a:r>
               <a:rPr lang="ru-RU" sz="3200" dirty="0" smtClean="0"/>
-              <a:t>Построен </a:t>
-            </a:r>
-            <a:r>
-              <a:rPr lang="ru-RU" sz="3200" dirty="0" smtClean="0"/>
-              <a:t>граф дорог </a:t>
+              <a:t>Построен граф дорог </a:t>
             </a:r>
             <a:r>
               <a:rPr lang="ru-RU" sz="3200" dirty="0"/>
@@ -11500,7 +11460,11 @@
             </a:r>
             <a:r>
               <a:rPr lang="ru-RU" sz="3200" dirty="0" smtClean="0"/>
-              <a:t>по различным критериям;</a:t>
+              <a:t>различных видов</a:t>
+            </a:r>
+            <a:r>
+              <a:rPr lang="ru-RU" sz="3200" dirty="0" smtClean="0"/>
+              <a:t>;</a:t>
             </a:r>
             <a:endParaRPr lang="ru-RU" sz="3200" dirty="0"/>
           </a:p>
@@ -11629,8 +11593,8 @@
           </a:p>
         </p:txBody>
       </p:sp>
-      <mc:AlternateContent xmlns:mc="http://schemas.openxmlformats.org/markup-compatibility/2006">
-        <mc:Choice xmlns:a14="http://schemas.microsoft.com/office/drawing/2010/main" Requires="a14">
+      <mc:AlternateContent xmlns:mc="http://schemas.openxmlformats.org/markup-compatibility/2006" xmlns:a14="http://schemas.microsoft.com/office/drawing/2010/main">
+        <mc:Choice Requires="a14">
           <p:graphicFrame>
             <p:nvGraphicFramePr>
               <p:cNvPr id="2" name="Объект 1"/>
@@ -13752,7 +13716,7 @@
             </a:graphic>
           </p:graphicFrame>
         </mc:Choice>
-        <mc:Fallback>
+        <mc:Fallback xmlns="">
           <p:graphicFrame>
             <p:nvGraphicFramePr>
               <p:cNvPr id="2" name="Объект 1"/>
@@ -15608,18 +15572,14 @@
             <a:pPr algn="ctr"/>
             <a:r>
               <a:rPr lang="ru-RU" dirty="0" smtClean="0"/>
-              <a:t>Классификация </a:t>
-            </a:r>
-            <a:r>
-              <a:rPr lang="ru-RU" dirty="0" smtClean="0"/>
-              <a:t>алгоритмов</a:t>
+              <a:t>Классификация алгоритмов</a:t>
             </a:r>
             <a:endParaRPr lang="ru-RU" dirty="0"/>
           </a:p>
         </p:txBody>
       </p:sp>
-      <mc:AlternateContent xmlns:mc="http://schemas.openxmlformats.org/markup-compatibility/2006">
-        <mc:Choice xmlns:a14="http://schemas.microsoft.com/office/drawing/2010/main" Requires="a14">
+      <mc:AlternateContent xmlns:mc="http://schemas.openxmlformats.org/markup-compatibility/2006" xmlns:a14="http://schemas.microsoft.com/office/drawing/2010/main">
+        <mc:Choice Requires="a14">
           <p:graphicFrame>
             <p:nvGraphicFramePr>
               <p:cNvPr id="5" name="Таблица 4"/>
@@ -16279,7 +16239,7 @@
             </a:graphic>
           </p:graphicFrame>
         </mc:Choice>
-        <mc:Fallback>
+        <mc:Fallback xmlns="">
           <p:graphicFrame>
             <p:nvGraphicFramePr>
               <p:cNvPr id="5" name="Таблица 4"/>
@@ -16893,8 +16853,8 @@
           <a:chExt cx="0" cy="0"/>
         </a:xfrm>
       </p:grpSpPr>
-      <mc:AlternateContent xmlns:mc="http://schemas.openxmlformats.org/markup-compatibility/2006">
-        <mc:Choice xmlns:a14="http://schemas.microsoft.com/office/drawing/2010/main" Requires="a14">
+      <mc:AlternateContent xmlns:mc="http://schemas.openxmlformats.org/markup-compatibility/2006" xmlns:a14="http://schemas.microsoft.com/office/drawing/2010/main">
+        <mc:Choice Requires="a14">
           <p:sp>
             <p:nvSpPr>
               <p:cNvPr id="4" name="Объект 2"/>
@@ -17154,9 +17114,6 @@
                   </a:rPr>
                   <a:t>дороги, название.</a:t>
                 </a:r>
-                <a:endParaRPr lang="ru-RU" sz="2400" dirty="0" smtClean="0">
-                  <a:cs typeface="Times New Roman" panose="02020603050405020304" pitchFamily="18" charset="0"/>
-                </a:endParaRPr>
               </a:p>
               <a:p>
                 <a:r>
@@ -17766,7 +17723,7 @@
             </p:txBody>
           </p:sp>
         </mc:Choice>
-        <mc:Fallback>
+        <mc:Fallback xmlns="">
           <p:sp>
             <p:nvSpPr>
               <p:cNvPr id="4" name="Объект 2"/>
@@ -17963,11 +17920,7 @@
             </a:pPr>
             <a:r>
               <a:rPr lang="ru-RU" sz="2000" dirty="0" smtClean="0"/>
-              <a:t>2. </a:t>
-            </a:r>
-            <a:r>
-              <a:rPr lang="ru-RU" sz="2000" dirty="0" smtClean="0"/>
-              <a:t>Создание на основе этого файла реляционной БД </a:t>
+              <a:t>2. Создание на основе этого файла реляционной БД </a:t>
             </a:r>
             <a:r>
               <a:rPr lang="en-US" sz="2000" dirty="0" smtClean="0"/>
@@ -17975,11 +17928,7 @@
             </a:r>
             <a:r>
               <a:rPr lang="ru-RU" sz="2000" dirty="0" smtClean="0"/>
-              <a:t> с </a:t>
-            </a:r>
-            <a:r>
-              <a:rPr lang="ru-RU" sz="2000" dirty="0" smtClean="0"/>
-              <a:t>информацией обо всех дорогах</a:t>
+              <a:t> с информацией обо всех дорогах</a:t>
             </a:r>
           </a:p>
           <a:p>
@@ -17988,15 +17937,7 @@
             </a:pPr>
             <a:r>
               <a:rPr lang="ru-RU" sz="2000" dirty="0" smtClean="0"/>
-              <a:t>3. Удаление из базы всех дорог, по которым </a:t>
-            </a:r>
-            <a:r>
-              <a:rPr lang="ru-RU" sz="2000" dirty="0" smtClean="0"/>
-              <a:t>невозможно </a:t>
-            </a:r>
-            <a:r>
-              <a:rPr lang="ru-RU" sz="2000" dirty="0" smtClean="0"/>
-              <a:t>движение на велосипеде</a:t>
+              <a:t>3. Удаление из базы всех дорог, по которым невозможно движение на велосипеде</a:t>
             </a:r>
           </a:p>
           <a:p>
@@ -18009,13 +17950,8 @@
             </a:r>
             <a:r>
               <a:rPr lang="ru-RU" sz="2000" dirty="0" smtClean="0"/>
-              <a:t>. Получение вершин графа </a:t>
-            </a:r>
-            <a:r>
-              <a:rPr lang="ru-RU" sz="2000" dirty="0" smtClean="0"/>
-              <a:t>из БД</a:t>
-            </a:r>
-            <a:endParaRPr lang="ru-RU" sz="2000" dirty="0" smtClean="0"/>
+              <a:t>. Получение вершин графа из БД</a:t>
+            </a:r>
           </a:p>
           <a:p>
             <a:pPr marL="0" indent="0" algn="ctr">
@@ -18027,11 +17963,7 @@
             </a:r>
             <a:r>
               <a:rPr lang="ru-RU" sz="2000" dirty="0" smtClean="0"/>
-              <a:t>. </a:t>
-            </a:r>
-            <a:r>
-              <a:rPr lang="ru-RU" sz="2000" dirty="0" smtClean="0"/>
-              <a:t>Создание </a:t>
+              <a:t>. Создание </a:t>
             </a:r>
             <a:r>
               <a:rPr lang="ru-RU" sz="2000" dirty="0" err="1" smtClean="0"/>
@@ -19302,8 +19234,8 @@
           <a:chExt cx="0" cy="0"/>
         </a:xfrm>
       </p:grpSpPr>
-      <mc:AlternateContent xmlns:mc="http://schemas.openxmlformats.org/markup-compatibility/2006" xmlns:a14="http://schemas.microsoft.com/office/drawing/2010/main">
-        <mc:Choice Requires="a14">
+      <mc:AlternateContent xmlns:mc="http://schemas.openxmlformats.org/markup-compatibility/2006">
+        <mc:Choice xmlns:a14="http://schemas.microsoft.com/office/drawing/2010/main" Requires="a14">
           <p:sp>
             <p:nvSpPr>
               <p:cNvPr id="4" name="Объект 2"/>
@@ -19527,46 +19459,45 @@
                 <a14:m>
                   <m:oMath xmlns:m="http://schemas.openxmlformats.org/officeDocument/2006/math">
                     <m:r>
-                      <a:rPr lang="en-US" sz="2200" b="0" i="1" smtClean="0">
+                      <a:rPr lang="en-US" sz="2200" i="1">
                         <a:latin typeface="Cambria Math" panose="02040503050406030204" pitchFamily="18" charset="0"/>
                       </a:rPr>
-                      <m:t>𝑑</m:t>
+                      <m:t>𝑙</m:t>
                     </m:r>
-                    <m:r>
-                      <a:rPr lang="en-US" sz="2200" b="0" i="1" smtClean="0">
-                        <a:latin typeface="Cambria Math" panose="02040503050406030204" pitchFamily="18" charset="0"/>
-                      </a:rPr>
-                      <m:t>(</m:t>
-                    </m:r>
-                    <m:r>
-                      <a:rPr lang="en-US" sz="2200" b="0" i="1" smtClean="0">
-                        <a:latin typeface="Cambria Math" panose="02040503050406030204" pitchFamily="18" charset="0"/>
-                      </a:rPr>
-                      <m:t>𝑠</m:t>
-                    </m:r>
-                    <m:r>
-                      <a:rPr lang="en-US" sz="2200" b="0" i="1" smtClean="0">
-                        <a:latin typeface="Cambria Math" panose="02040503050406030204" pitchFamily="18" charset="0"/>
-                      </a:rPr>
-                      <m:t>,</m:t>
-                    </m:r>
-                    <m:r>
-                      <a:rPr lang="en-US" sz="2200" b="0" i="1" smtClean="0">
-                        <a:latin typeface="Cambria Math" panose="02040503050406030204" pitchFamily="18" charset="0"/>
-                      </a:rPr>
-                      <m:t>𝑣</m:t>
-                    </m:r>
-                    <m:r>
-                      <a:rPr lang="en-US" sz="2200" b="0" i="1" smtClean="0">
-                        <a:latin typeface="Cambria Math" panose="02040503050406030204" pitchFamily="18" charset="0"/>
-                      </a:rPr>
-                      <m:t>)</m:t>
-                    </m:r>
+                    <m:d>
+                      <m:dPr>
+                        <m:ctrlPr>
+                          <a:rPr lang="en-US" sz="2200" i="1">
+                            <a:latin typeface="Cambria Math" panose="02040503050406030204" pitchFamily="18" charset="0"/>
+                          </a:rPr>
+                        </m:ctrlPr>
+                      </m:dPr>
+                      <m:e>
+                        <m:r>
+                          <a:rPr lang="en-US" sz="2200" i="1">
+                            <a:latin typeface="Cambria Math" panose="02040503050406030204" pitchFamily="18" charset="0"/>
+                          </a:rPr>
+                          <m:t>𝑠</m:t>
+                        </m:r>
+                        <m:r>
+                          <a:rPr lang="en-US" sz="2200" i="1">
+                            <a:latin typeface="Cambria Math" panose="02040503050406030204" pitchFamily="18" charset="0"/>
+                          </a:rPr>
+                          <m:t>,</m:t>
+                        </m:r>
+                        <m:r>
+                          <a:rPr lang="en-US" sz="2200" i="1">
+                            <a:latin typeface="Cambria Math" panose="02040503050406030204" pitchFamily="18" charset="0"/>
+                          </a:rPr>
+                          <m:t>𝑣</m:t>
+                        </m:r>
+                      </m:e>
+                    </m:d>
                   </m:oMath>
                 </a14:m>
                 <a:r>
                   <a:rPr lang="ru-RU" sz="2200" dirty="0" smtClean="0"/>
-                  <a:t> – расстояние от вершины-источника до вершины </a:t>
+                  <a:t>– расстояние от вершины-источника до вершины </a:t>
                 </a:r>
                 <a14:m>
                   <m:oMath xmlns:m="http://schemas.openxmlformats.org/officeDocument/2006/math">
@@ -19782,7 +19713,7 @@
             </p:txBody>
           </p:sp>
         </mc:Choice>
-        <mc:Fallback xmlns="">
+        <mc:Fallback>
           <p:sp>
             <p:nvSpPr>
               <p:cNvPr id="4" name="Объект 2"/>
